--- a/Sessions/2/gip2.pptx
+++ b/Sessions/2/gip2.pptx
@@ -10340,7 +10340,7 @@
               <a:pPr>
                 <a:defRPr/>
               </a:pPr>
-              <a:t>9/3/2014</a:t>
+              <a:t>8/25/2015</a:t>
             </a:fld>
             <a:endParaRPr lang="en-US"/>
           </a:p>
@@ -10546,7 +10546,7 @@
               <a:pPr>
                 <a:defRPr/>
               </a:pPr>
-              <a:t>9/3/2014</a:t>
+              <a:t>8/25/2015</a:t>
             </a:fld>
             <a:endParaRPr lang="en-US"/>
           </a:p>
@@ -10762,7 +10762,7 @@
               <a:pPr>
                 <a:defRPr/>
               </a:pPr>
-              <a:t>9/3/2014</a:t>
+              <a:t>8/25/2015</a:t>
             </a:fld>
             <a:endParaRPr lang="en-US"/>
           </a:p>
@@ -10946,7 +10946,7 @@
               <a:pPr>
                 <a:defRPr/>
               </a:pPr>
-              <a:t>9/3/2014</a:t>
+              <a:t>8/25/2015</a:t>
             </a:fld>
             <a:endParaRPr lang="en-US"/>
           </a:p>
@@ -11170,7 +11170,7 @@
               <a:pPr>
                 <a:defRPr/>
               </a:pPr>
-              <a:t>9/3/2014</a:t>
+              <a:t>8/25/2015</a:t>
             </a:fld>
             <a:endParaRPr lang="en-US"/>
           </a:p>
@@ -11376,7 +11376,7 @@
               <a:pPr>
                 <a:defRPr/>
               </a:pPr>
-              <a:t>9/3/2014</a:t>
+              <a:t>8/25/2015</a:t>
             </a:fld>
             <a:endParaRPr lang="en-US"/>
           </a:p>
@@ -11604,7 +11604,7 @@
               <a:pPr>
                 <a:defRPr/>
               </a:pPr>
-              <a:t>9/3/2014</a:t>
+              <a:t>8/25/2015</a:t>
             </a:fld>
             <a:endParaRPr lang="en-US"/>
           </a:p>
@@ -11928,7 +11928,7 @@
               <a:pPr>
                 <a:defRPr/>
               </a:pPr>
-              <a:t>9/3/2014</a:t>
+              <a:t>8/25/2015</a:t>
             </a:fld>
             <a:endParaRPr lang="en-US"/>
           </a:p>
@@ -12386,7 +12386,7 @@
               <a:pPr>
                 <a:defRPr/>
               </a:pPr>
-              <a:t>9/3/2014</a:t>
+              <a:t>8/25/2015</a:t>
             </a:fld>
             <a:endParaRPr lang="en-US"/>
           </a:p>
@@ -12540,7 +12540,7 @@
               <a:pPr>
                 <a:defRPr/>
               </a:pPr>
-              <a:t>9/3/2014</a:t>
+              <a:t>8/25/2015</a:t>
             </a:fld>
             <a:endParaRPr lang="en-US"/>
           </a:p>
@@ -12671,7 +12671,7 @@
               <a:pPr>
                 <a:defRPr/>
               </a:pPr>
-              <a:t>9/3/2014</a:t>
+              <a:t>8/25/2015</a:t>
             </a:fld>
             <a:endParaRPr lang="en-US"/>
           </a:p>
@@ -12877,7 +12877,7 @@
               <a:pPr>
                 <a:defRPr/>
               </a:pPr>
-              <a:t>9/3/2014</a:t>
+              <a:t>8/25/2015</a:t>
             </a:fld>
             <a:endParaRPr lang="en-US"/>
           </a:p>
@@ -13190,7 +13190,7 @@
               <a:pPr>
                 <a:defRPr/>
               </a:pPr>
-              <a:t>9/3/2014</a:t>
+              <a:t>8/25/2015</a:t>
             </a:fld>
             <a:endParaRPr lang="en-US"/>
           </a:p>
@@ -13480,7 +13480,7 @@
               <a:pPr>
                 <a:defRPr/>
               </a:pPr>
-              <a:t>9/3/2014</a:t>
+              <a:t>8/25/2015</a:t>
             </a:fld>
             <a:endParaRPr lang="en-US"/>
           </a:p>
@@ -13686,7 +13686,7 @@
               <a:pPr>
                 <a:defRPr/>
               </a:pPr>
-              <a:t>9/3/2014</a:t>
+              <a:t>8/25/2015</a:t>
             </a:fld>
             <a:endParaRPr lang="en-US"/>
           </a:p>
@@ -13902,7 +13902,7 @@
               <a:pPr>
                 <a:defRPr/>
               </a:pPr>
-              <a:t>9/3/2014</a:t>
+              <a:t>8/25/2015</a:t>
             </a:fld>
             <a:endParaRPr lang="en-US"/>
           </a:p>
@@ -14130,7 +14130,7 @@
               <a:pPr>
                 <a:defRPr/>
               </a:pPr>
-              <a:t>9/3/2014</a:t>
+              <a:t>8/25/2015</a:t>
             </a:fld>
             <a:endParaRPr lang="en-US"/>
           </a:p>
@@ -14454,7 +14454,7 @@
               <a:pPr>
                 <a:defRPr/>
               </a:pPr>
-              <a:t>9/3/2014</a:t>
+              <a:t>8/25/2015</a:t>
             </a:fld>
             <a:endParaRPr lang="en-US"/>
           </a:p>
@@ -14912,7 +14912,7 @@
               <a:pPr>
                 <a:defRPr/>
               </a:pPr>
-              <a:t>9/3/2014</a:t>
+              <a:t>8/25/2015</a:t>
             </a:fld>
             <a:endParaRPr lang="en-US"/>
           </a:p>
@@ -15066,7 +15066,7 @@
               <a:pPr>
                 <a:defRPr/>
               </a:pPr>
-              <a:t>9/3/2014</a:t>
+              <a:t>8/25/2015</a:t>
             </a:fld>
             <a:endParaRPr lang="en-US"/>
           </a:p>
@@ -15197,7 +15197,7 @@
               <a:pPr>
                 <a:defRPr/>
               </a:pPr>
-              <a:t>9/3/2014</a:t>
+              <a:t>8/25/2015</a:t>
             </a:fld>
             <a:endParaRPr lang="en-US"/>
           </a:p>
@@ -15510,7 +15510,7 @@
               <a:pPr>
                 <a:defRPr/>
               </a:pPr>
-              <a:t>9/3/2014</a:t>
+              <a:t>8/25/2015</a:t>
             </a:fld>
             <a:endParaRPr lang="en-US"/>
           </a:p>
@@ -15800,7 +15800,7 @@
               <a:pPr>
                 <a:defRPr/>
               </a:pPr>
-              <a:t>9/3/2014</a:t>
+              <a:t>8/25/2015</a:t>
             </a:fld>
             <a:endParaRPr lang="en-US"/>
           </a:p>
@@ -16106,7 +16106,7 @@
               <a:pPr>
                 <a:defRPr/>
               </a:pPr>
-              <a:t>9/3/2014</a:t>
+              <a:t>8/25/2015</a:t>
             </a:fld>
             <a:endParaRPr lang="en-US"/>
           </a:p>
@@ -16846,7 +16846,7 @@
               <a:pPr>
                 <a:defRPr/>
               </a:pPr>
-              <a:t>9/3/2014</a:t>
+              <a:t>8/25/2015</a:t>
             </a:fld>
             <a:endParaRPr lang="en-US"/>
           </a:p>
@@ -17538,11 +17538,7 @@
           <a:p>
             <a:r>
               <a:rPr lang="en-US" sz="8000" b="1" dirty="0" smtClean="0"/>
-              <a:t>Gentle </a:t>
-            </a:r>
-            <a:r>
-              <a:rPr lang="en-US" sz="8000" b="1" dirty="0" smtClean="0"/>
-              <a:t>Introduction </a:t>
+              <a:t>Gentle Introduction </a:t>
             </a:r>
             <a:r>
               <a:rPr lang="en-US" sz="8000" b="1" dirty="0"/>
@@ -17567,7 +17563,7 @@
         <p:spPr bwMode="auto">
           <a:xfrm>
             <a:off x="2743200" y="4495800"/>
-            <a:ext cx="3733800" cy="1219200"/>
+            <a:ext cx="3733800" cy="1981200"/>
           </a:xfrm>
           <a:prstGeom prst="rect">
             <a:avLst/>
@@ -17616,7 +17612,7 @@
                 <a:latin typeface="Times New Roman" pitchFamily="18" charset="0"/>
                 <a:cs typeface="Times New Roman" pitchFamily="18" charset="0"/>
               </a:rPr>
-              <a:t>Session 2: </a:t>
+              <a:t>Session </a:t>
             </a:r>
             <a:r>
               <a:rPr lang="en-US" sz="3600" b="1" dirty="0" smtClean="0">
@@ -17626,7 +17622,7 @@
                 <a:latin typeface="Times New Roman" pitchFamily="18" charset="0"/>
                 <a:cs typeface="Times New Roman" pitchFamily="18" charset="0"/>
               </a:rPr>
-              <a:t>Lists, Loops, Functions</a:t>
+              <a:t>2:</a:t>
             </a:r>
           </a:p>
           <a:p>
@@ -17646,7 +17642,47 @@
                 <a:latin typeface="Times New Roman" pitchFamily="18" charset="0"/>
                 <a:cs typeface="Times New Roman" pitchFamily="18" charset="0"/>
               </a:rPr>
-              <a:t>Summer 2014</a:t>
+              <a:t>Loops</a:t>
+            </a:r>
+            <a:r>
+              <a:rPr lang="en-US" sz="3600" b="1" dirty="0" smtClean="0">
+                <a:solidFill>
+                  <a:srgbClr val="003399"/>
+                </a:solidFill>
+                <a:latin typeface="Times New Roman" pitchFamily="18" charset="0"/>
+                <a:cs typeface="Times New Roman" pitchFamily="18" charset="0"/>
+              </a:rPr>
+              <a:t>, Functions</a:t>
+            </a:r>
+          </a:p>
+          <a:p>
+            <a:pPr algn="ctr">
+              <a:lnSpc>
+                <a:spcPct val="80000"/>
+              </a:lnSpc>
+              <a:spcBef>
+                <a:spcPct val="20000"/>
+              </a:spcBef>
+            </a:pPr>
+            <a:r>
+              <a:rPr lang="en-US" sz="3600" b="1" dirty="0" smtClean="0">
+                <a:solidFill>
+                  <a:srgbClr val="003399"/>
+                </a:solidFill>
+                <a:latin typeface="Times New Roman" pitchFamily="18" charset="0"/>
+                <a:cs typeface="Times New Roman" pitchFamily="18" charset="0"/>
+              </a:rPr>
+              <a:t>Summer </a:t>
+            </a:r>
+            <a:r>
+              <a:rPr lang="en-US" sz="3600" b="1" dirty="0" smtClean="0">
+                <a:solidFill>
+                  <a:srgbClr val="003399"/>
+                </a:solidFill>
+                <a:latin typeface="Times New Roman" pitchFamily="18" charset="0"/>
+                <a:cs typeface="Times New Roman" pitchFamily="18" charset="0"/>
+              </a:rPr>
+              <a:t>2015</a:t>
             </a:r>
             <a:endParaRPr lang="en-US" sz="3600" b="1" dirty="0">
               <a:solidFill>
@@ -17911,10 +17947,6 @@
               </a:rPr>
               <a:t>(students[2])</a:t>
             </a:r>
-            <a:endParaRPr lang="en-US" sz="2800" dirty="0" smtClean="0">
-              <a:latin typeface="Arial" pitchFamily="34" charset="0"/>
-              <a:cs typeface="Arial" pitchFamily="34" charset="0"/>
-            </a:endParaRPr>
           </a:p>
           <a:p>
             <a:pPr>
@@ -19979,17 +20011,7 @@
                 <a:latin typeface="Arial" pitchFamily="34" charset="0"/>
                 <a:cs typeface="Arial" pitchFamily="34" charset="0"/>
               </a:rPr>
-              <a:t>“</a:t>
-            </a:r>
-            <a:r>
-              <a:rPr lang="en-US" sz="2400" dirty="0" smtClean="0">
-                <a:solidFill>
-                  <a:srgbClr val="00B050"/>
-                </a:solidFill>
-                <a:latin typeface="Arial" pitchFamily="34" charset="0"/>
-                <a:cs typeface="Arial" pitchFamily="34" charset="0"/>
-              </a:rPr>
-              <a:t>Partial sum is:”</a:t>
+              <a:t>“Partial sum is:”</a:t>
             </a:r>
             <a:r>
               <a:rPr lang="en-US" sz="2400" dirty="0" smtClean="0">
@@ -21267,36 +21289,15 @@
                 <a:latin typeface="Arial" pitchFamily="34" charset="0"/>
                 <a:cs typeface="Arial" pitchFamily="34" charset="0"/>
               </a:rPr>
-              <a:t>'What </a:t>
+              <a:t>'What did we get?'</a:t>
             </a:r>
             <a:r>
               <a:rPr lang="en-US" sz="2400" dirty="0" smtClean="0">
-                <a:solidFill>
-                  <a:srgbClr val="00B050"/>
-                </a:solidFill>
                 <a:latin typeface="Arial" pitchFamily="34" charset="0"/>
                 <a:cs typeface="Arial" pitchFamily="34" charset="0"/>
               </a:rPr>
-              <a:t>did we get?'</a:t>
-            </a:r>
-            <a:r>
-              <a:rPr lang="en-US" sz="2400" dirty="0" smtClean="0">
-                <a:latin typeface="Arial" pitchFamily="34" charset="0"/>
-                <a:cs typeface="Arial" pitchFamily="34" charset="0"/>
-              </a:rPr>
-              <a:t>, </a:t>
-            </a:r>
-            <a:r>
-              <a:rPr lang="en-US" sz="2400" dirty="0" smtClean="0">
-                <a:latin typeface="Arial" pitchFamily="34" charset="0"/>
-                <a:cs typeface="Arial" pitchFamily="34" charset="0"/>
-              </a:rPr>
-              <a:t>name)</a:t>
-            </a:r>
-            <a:endParaRPr lang="en-US" sz="2400" dirty="0" smtClean="0">
-              <a:latin typeface="Arial" pitchFamily="34" charset="0"/>
-              <a:cs typeface="Arial" pitchFamily="34" charset="0"/>
-            </a:endParaRPr>
+              <a:t>, name)</a:t>
+            </a:r>
           </a:p>
           <a:p>
             <a:pPr>
@@ -22117,17 +22118,7 @@
                 <a:latin typeface="Arial" pitchFamily="34" charset="0"/>
                 <a:cs typeface="Arial" pitchFamily="34" charset="0"/>
               </a:rPr>
-              <a:t>“</a:t>
-            </a:r>
-            <a:r>
-              <a:rPr lang="en-US" sz="2400" dirty="0" smtClean="0">
-                <a:solidFill>
-                  <a:srgbClr val="00B050"/>
-                </a:solidFill>
-                <a:latin typeface="Arial" pitchFamily="34" charset="0"/>
-                <a:cs typeface="Arial" pitchFamily="34" charset="0"/>
-              </a:rPr>
-              <a:t>Stopped at”</a:t>
+              <a:t>“Stopped at”</a:t>
             </a:r>
             <a:r>
               <a:rPr lang="en-US" sz="2400" dirty="0" smtClean="0">
@@ -22450,36 +22441,15 @@
                 <a:latin typeface="Arial" pitchFamily="34" charset="0"/>
                 <a:cs typeface="Arial" pitchFamily="34" charset="0"/>
               </a:rPr>
-              <a:t>“</a:t>
+              <a:t>“Smallest divisor is”</a:t>
             </a:r>
             <a:r>
               <a:rPr lang="en-US" sz="2400" dirty="0" smtClean="0">
-                <a:solidFill>
-                  <a:srgbClr val="00B050"/>
-                </a:solidFill>
                 <a:latin typeface="Arial" pitchFamily="34" charset="0"/>
                 <a:cs typeface="Arial" pitchFamily="34" charset="0"/>
               </a:rPr>
-              <a:t>Smallest divisor is”</a:t>
-            </a:r>
-            <a:r>
-              <a:rPr lang="en-US" sz="2400" dirty="0" smtClean="0">
-                <a:latin typeface="Arial" pitchFamily="34" charset="0"/>
-                <a:cs typeface="Arial" pitchFamily="34" charset="0"/>
-              </a:rPr>
-              <a:t>, </a:t>
-            </a:r>
-            <a:r>
-              <a:rPr lang="en-US" sz="2400" dirty="0" smtClean="0">
-                <a:latin typeface="Arial" pitchFamily="34" charset="0"/>
-                <a:cs typeface="Arial" pitchFamily="34" charset="0"/>
-              </a:rPr>
-              <a:t>div)</a:t>
-            </a:r>
-            <a:endParaRPr lang="en-US" sz="2400" dirty="0" smtClean="0">
-              <a:latin typeface="Arial" pitchFamily="34" charset="0"/>
-              <a:cs typeface="Arial" pitchFamily="34" charset="0"/>
-            </a:endParaRPr>
+              <a:t>, div)</a:t>
+            </a:r>
           </a:p>
           <a:p>
             <a:pPr>
@@ -22888,35 +22858,6 @@
           </a:p>
         </p:txBody>
       </p:sp>
-      <p:pic>
-        <p:nvPicPr>
-          <p:cNvPr id="2" name="Picture 1" descr="‪Our Downloads | Python.org - Google Chrome‬"/>
-          <p:cNvPicPr>
-            <a:picLocks noChangeAspect="1"/>
-          </p:cNvPicPr>
-          <p:nvPr/>
-        </p:nvPicPr>
-        <p:blipFill rotWithShape="1">
-          <a:blip r:embed="rId3">
-            <a:extLst>
-              <a:ext uri="{28A0092B-C50C-407E-A947-70E740481C1C}">
-                <a14:useLocalDpi xmlns:a14="http://schemas.microsoft.com/office/drawing/2010/main" val="0"/>
-              </a:ext>
-            </a:extLst>
-          </a:blip>
-          <a:srcRect l="5000" t="12784" r="5000" b="11083"/>
-          <a:stretch/>
-        </p:blipFill>
-        <p:spPr>
-          <a:xfrm>
-            <a:off x="457200" y="2043448"/>
-            <a:ext cx="8229600" cy="3747752"/>
-          </a:xfrm>
-          <a:prstGeom prst="rect">
-            <a:avLst/>
-          </a:prstGeom>
-        </p:spPr>
-      </p:pic>
       <p:sp>
         <p:nvSpPr>
           <p:cNvPr id="3" name="Rectangle 2"/>
@@ -22946,6 +22887,70 @@
           </a:p>
         </p:txBody>
       </p:sp>
+      <p:pic>
+        <p:nvPicPr>
+          <p:cNvPr id="1026" name="Picture 2"/>
+          <p:cNvPicPr>
+            <a:picLocks noChangeAspect="1" noChangeArrowheads="1"/>
+          </p:cNvPicPr>
+          <p:nvPr/>
+        </p:nvPicPr>
+        <p:blipFill>
+          <a:blip r:embed="rId3">
+            <a:extLst>
+              <a:ext uri="{28A0092B-C50C-407E-A947-70E740481C1C}">
+                <a14:useLocalDpi xmlns:a14="http://schemas.microsoft.com/office/drawing/2010/main" val="0"/>
+              </a:ext>
+            </a:extLst>
+          </a:blip>
+          <a:srcRect/>
+          <a:stretch>
+            <a:fillRect/>
+          </a:stretch>
+        </p:blipFill>
+        <p:spPr bwMode="auto">
+          <a:xfrm>
+            <a:off x="0" y="2081213"/>
+            <a:ext cx="9144000" cy="3024187"/>
+          </a:xfrm>
+          <a:prstGeom prst="rect">
+            <a:avLst/>
+          </a:prstGeom>
+          <a:noFill/>
+          <a:ln>
+            <a:noFill/>
+          </a:ln>
+          <a:effectLst/>
+          <a:extLst>
+            <a:ext uri="{909E8E84-426E-40DD-AFC4-6F175D3DCCD1}">
+              <a14:hiddenFill xmlns:a14="http://schemas.microsoft.com/office/drawing/2010/main">
+                <a:solidFill>
+                  <a:schemeClr val="accent1"/>
+                </a:solidFill>
+              </a14:hiddenFill>
+            </a:ext>
+            <a:ext uri="{91240B29-F687-4F45-9708-019B960494DF}">
+              <a14:hiddenLine xmlns:a14="http://schemas.microsoft.com/office/drawing/2010/main" w="9525">
+                <a:solidFill>
+                  <a:schemeClr val="tx1"/>
+                </a:solidFill>
+                <a:miter lim="800000"/>
+                <a:headEnd/>
+                <a:tailEnd/>
+              </a14:hiddenLine>
+            </a:ext>
+            <a:ext uri="{AF507438-7753-43E0-B8FC-AC1667EBCBE1}">
+              <a14:hiddenEffects xmlns:a14="http://schemas.microsoft.com/office/drawing/2010/main">
+                <a:effectLst>
+                  <a:outerShdw dist="35921" dir="2700000" algn="ctr" rotWithShape="0">
+                    <a:schemeClr val="bg2"/>
+                  </a:outerShdw>
+                </a:effectLst>
+              </a14:hiddenEffects>
+            </a:ext>
+          </a:extLst>
+        </p:spPr>
+      </p:pic>
     </p:spTree>
   </p:cSld>
   <p:clrMapOvr>
@@ -24555,48 +24560,31 @@
                 <a:latin typeface="Arial" pitchFamily="34" charset="0"/>
                 <a:cs typeface="Arial" pitchFamily="34" charset="0"/>
               </a:rPr>
-              <a:t>"</a:t>
+              <a:t>"Smallest divisor of"</a:t>
             </a:r>
             <a:r>
               <a:rPr lang="en-US" sz="2400" dirty="0" smtClean="0">
+                <a:latin typeface="Arial" pitchFamily="34" charset="0"/>
+                <a:cs typeface="Arial" pitchFamily="34" charset="0"/>
+              </a:rPr>
+              <a:t>, n, </a:t>
+            </a:r>
+            <a:r>
+              <a:rPr lang="en-US" sz="2400" dirty="0" smtClean="0">
                 <a:solidFill>
                   <a:srgbClr val="228B22"/>
                 </a:solidFill>
                 <a:latin typeface="Arial" pitchFamily="34" charset="0"/>
                 <a:cs typeface="Arial" pitchFamily="34" charset="0"/>
               </a:rPr>
-              <a:t>Smallest divisor of"</a:t>
+              <a:t>"is"</a:t>
             </a:r>
             <a:r>
               <a:rPr lang="en-US" sz="2400" dirty="0" smtClean="0">
                 <a:latin typeface="Arial" pitchFamily="34" charset="0"/>
                 <a:cs typeface="Arial" pitchFamily="34" charset="0"/>
               </a:rPr>
-              <a:t>, n, </a:t>
-            </a:r>
-            <a:r>
-              <a:rPr lang="en-US" sz="2400" dirty="0" smtClean="0">
-                <a:solidFill>
-                  <a:srgbClr val="228B22"/>
-                </a:solidFill>
-                <a:latin typeface="Arial" pitchFamily="34" charset="0"/>
-                <a:cs typeface="Arial" pitchFamily="34" charset="0"/>
-              </a:rPr>
-              <a:t>"is"</a:t>
-            </a:r>
-            <a:r>
-              <a:rPr lang="en-US" sz="2400" dirty="0" smtClean="0">
-                <a:latin typeface="Arial" pitchFamily="34" charset="0"/>
-                <a:cs typeface="Arial" pitchFamily="34" charset="0"/>
-              </a:rPr>
-              <a:t>, </a:t>
-            </a:r>
-            <a:r>
-              <a:rPr lang="en-US" sz="2400" dirty="0" smtClean="0">
-                <a:latin typeface="Arial" pitchFamily="34" charset="0"/>
-                <a:cs typeface="Arial" pitchFamily="34" charset="0"/>
-              </a:rPr>
-              <a:t>div)</a:t>
+              <a:t>, div)</a:t>
             </a:r>
             <a:endParaRPr lang="en-US" sz="2400" dirty="0" smtClean="0">
               <a:solidFill>
@@ -24627,16 +24615,24 @@
             </a:endParaRPr>
           </a:p>
           <a:p>
-            <a:pPr lvl="1">
-              <a:buFont typeface="Wingdings" pitchFamily="2" charset="2"/>
-              <a:buChar char="§"/>
+            <a:pPr marL="457200" lvl="1" indent="0">
+              <a:buNone/>
             </a:pPr>
+            <a:endParaRPr lang="en-US" sz="2400" dirty="0">
+              <a:latin typeface="Arial" pitchFamily="34" charset="0"/>
+              <a:cs typeface="Arial" pitchFamily="34" charset="0"/>
+            </a:endParaRPr>
+          </a:p>
+          <a:p>
+            <a:pPr marL="457200" lvl="1" indent="0">
+              <a:buNone/>
+            </a:pPr>
             <a:r>
               <a:rPr lang="en-US" sz="2400" dirty="0" smtClean="0">
                 <a:latin typeface="Arial" pitchFamily="34" charset="0"/>
                 <a:cs typeface="Arial" pitchFamily="34" charset="0"/>
               </a:rPr>
-              <a:t> is the </a:t>
+              <a:t>is the above </a:t>
             </a:r>
             <a:r>
               <a:rPr lang="en-US" sz="2400" dirty="0" smtClean="0">
@@ -24653,7 +24649,21 @@
                 <a:latin typeface="Arial" pitchFamily="34" charset="0"/>
                 <a:cs typeface="Arial" pitchFamily="34" charset="0"/>
               </a:rPr>
-              <a:t> loop above infinite?</a:t>
+              <a:t> loop </a:t>
+            </a:r>
+            <a:r>
+              <a:rPr lang="en-US" sz="2400" dirty="0" smtClean="0">
+                <a:latin typeface="Arial" pitchFamily="34" charset="0"/>
+                <a:cs typeface="Arial" pitchFamily="34" charset="0"/>
+              </a:rPr>
+              <a:t>infinite</a:t>
+            </a:r>
+            <a:r>
+              <a:rPr lang="en-US" sz="2400" dirty="0" smtClean="0">
+                <a:latin typeface="Arial" pitchFamily="34" charset="0"/>
+                <a:cs typeface="Arial" pitchFamily="34" charset="0"/>
+              </a:rPr>
+              <a:t>?</a:t>
             </a:r>
           </a:p>
         </p:txBody>
@@ -25387,15 +25397,7 @@
                   <a:srgbClr val="228B22"/>
                 </a:solidFill>
               </a:rPr>
-              <a:t>isn’t </a:t>
-            </a:r>
-            <a:r>
-              <a:rPr lang="en-US" sz="2400" dirty="0" smtClean="0">
-                <a:solidFill>
-                  <a:srgbClr val="228B22"/>
-                </a:solidFill>
-              </a:rPr>
-              <a:t>prime“</a:t>
+              <a:t>isn’t prime“</a:t>
             </a:r>
             <a:r>
               <a:rPr lang="en-US" sz="2400" dirty="0" smtClean="0">
@@ -28901,7 +28903,17 @@
                 <a:latin typeface="Times New Roman" pitchFamily="18" charset="0"/>
                 <a:cs typeface="Times New Roman" pitchFamily="18" charset="0"/>
               </a:rPr>
-              <a:t>Sivan Toledo</a:t>
+              <a:t>Ehud </a:t>
+            </a:r>
+            <a:r>
+              <a:rPr lang="en-US" sz="3200" dirty="0" err="1" smtClean="0">
+                <a:solidFill>
+                  <a:srgbClr val="003399"/>
+                </a:solidFill>
+                <a:latin typeface="Times New Roman" pitchFamily="18" charset="0"/>
+                <a:cs typeface="Times New Roman" pitchFamily="18" charset="0"/>
+              </a:rPr>
+              <a:t>Lamm</a:t>
             </a:r>
             <a:endParaRPr lang="en-US" sz="3200" dirty="0">
               <a:solidFill>
@@ -29354,7 +29366,46 @@
                 <a:latin typeface="Times New Roman" pitchFamily="18" charset="0"/>
                 <a:cs typeface="Times New Roman" pitchFamily="18" charset="0"/>
               </a:rPr>
-              <a:t> Homework for Next Meeting</a:t>
+              <a:t> Homework </a:t>
+            </a:r>
+            <a:endParaRPr lang="en-US" sz="3200" dirty="0" smtClean="0">
+              <a:solidFill>
+                <a:srgbClr val="003399"/>
+              </a:solidFill>
+              <a:latin typeface="Times New Roman" pitchFamily="18" charset="0"/>
+              <a:cs typeface="Times New Roman" pitchFamily="18" charset="0"/>
+            </a:endParaRPr>
+          </a:p>
+          <a:p>
+            <a:pPr>
+              <a:lnSpc>
+                <a:spcPct val="80000"/>
+              </a:lnSpc>
+              <a:spcBef>
+                <a:spcPct val="20000"/>
+              </a:spcBef>
+              <a:buFontTx/>
+              <a:buChar char="•"/>
+            </a:pPr>
+            <a:r>
+              <a:rPr lang="en-US" sz="3200" dirty="0" smtClean="0">
+                <a:solidFill>
+                  <a:srgbClr val="003399"/>
+                </a:solidFill>
+                <a:latin typeface="Times New Roman" pitchFamily="18" charset="0"/>
+                <a:cs typeface="Times New Roman" pitchFamily="18" charset="0"/>
+              </a:rPr>
+              <a:t> Ehud </a:t>
+            </a:r>
+            <a:r>
+              <a:rPr lang="en-US" sz="3200" dirty="0" err="1">
+                <a:solidFill>
+                  <a:srgbClr val="003399"/>
+                </a:solidFill>
+                <a:latin typeface="Times New Roman" pitchFamily="18" charset="0"/>
+                <a:cs typeface="Times New Roman" pitchFamily="18" charset="0"/>
+              </a:rPr>
+              <a:t>Lamm</a:t>
             </a:r>
             <a:endParaRPr lang="en-US" sz="3200" dirty="0">
               <a:solidFill>
@@ -30200,13 +30251,7 @@
               <a:rPr lang="en-US" sz="3200" dirty="0" smtClean="0">
                 <a:hlinkClick r:id="rId3"/>
               </a:rPr>
-              <a:t>docs.python.org/3/library</a:t>
-            </a:r>
-            <a:r>
-              <a:rPr lang="en-US" sz="3200" dirty="0" smtClean="0">
-                <a:hlinkClick r:id="rId3"/>
-              </a:rPr>
-              <a:t>/</a:t>
+              <a:t>docs.python.org/3/library/</a:t>
             </a:r>
             <a:endParaRPr lang="en-US" sz="3200" dirty="0" smtClean="0"/>
           </a:p>
@@ -34633,7 +34678,49 @@
                 <a:latin typeface="Times New Roman" pitchFamily="18" charset="0"/>
                 <a:cs typeface="Times New Roman" pitchFamily="18" charset="0"/>
               </a:rPr>
-              <a:t> Homework for Next Meeting</a:t>
+              <a:t> </a:t>
+            </a:r>
+            <a:r>
+              <a:rPr lang="en-US" sz="3200" dirty="0" smtClean="0">
+                <a:solidFill>
+                  <a:srgbClr val="003399"/>
+                </a:solidFill>
+                <a:latin typeface="Times New Roman" pitchFamily="18" charset="0"/>
+                <a:cs typeface="Times New Roman" pitchFamily="18" charset="0"/>
+              </a:rPr>
+              <a:t>Homework</a:t>
+            </a:r>
+          </a:p>
+          <a:p>
+            <a:pPr>
+              <a:lnSpc>
+                <a:spcPct val="80000"/>
+              </a:lnSpc>
+              <a:spcBef>
+                <a:spcPct val="20000"/>
+              </a:spcBef>
+              <a:buFontTx/>
+              <a:buChar char="•"/>
+            </a:pPr>
+            <a:r>
+              <a:rPr lang="en-US" sz="3200" dirty="0" smtClean="0">
+                <a:solidFill>
+                  <a:srgbClr val="003399"/>
+                </a:solidFill>
+                <a:latin typeface="Times New Roman" pitchFamily="18" charset="0"/>
+                <a:cs typeface="Times New Roman" pitchFamily="18" charset="0"/>
+              </a:rPr>
+              <a:t> Ehud </a:t>
+            </a:r>
+            <a:r>
+              <a:rPr lang="en-US" sz="3200" dirty="0" err="1">
+                <a:solidFill>
+                  <a:srgbClr val="003399"/>
+                </a:solidFill>
+                <a:latin typeface="Times New Roman" pitchFamily="18" charset="0"/>
+                <a:cs typeface="Times New Roman" pitchFamily="18" charset="0"/>
+              </a:rPr>
+              <a:t>Lamm</a:t>
             </a:r>
             <a:endParaRPr lang="en-US" sz="3200" dirty="0">
               <a:solidFill>
@@ -37631,36 +37718,25 @@
                 <a:latin typeface="Arial" pitchFamily="34" charset="0"/>
                 <a:cs typeface="Arial" pitchFamily="34" charset="0"/>
               </a:rPr>
-              <a:t>/, //</a:t>
+              <a:t>/, //	</a:t>
             </a:r>
             <a:r>
               <a:rPr lang="en-US" sz="2400" dirty="0" smtClean="0">
+                <a:solidFill>
+                  <a:srgbClr val="007635"/>
+                </a:solidFill>
                 <a:latin typeface="Arial" pitchFamily="34" charset="0"/>
                 <a:cs typeface="Arial" pitchFamily="34" charset="0"/>
               </a:rPr>
-              <a:t>	</a:t>
+              <a:t>divide</a:t>
             </a:r>
             <a:r>
               <a:rPr lang="en-US" sz="2400" dirty="0" smtClean="0">
-                <a:solidFill>
-                  <a:srgbClr val="007635"/>
-                </a:solidFill>
                 <a:latin typeface="Arial" pitchFamily="34" charset="0"/>
                 <a:cs typeface="Arial" pitchFamily="34" charset="0"/>
               </a:rPr>
-              <a:t>divide</a:t>
-            </a:r>
-            <a:r>
-              <a:rPr lang="en-US" sz="2400" dirty="0" smtClean="0">
-                <a:latin typeface="Arial" pitchFamily="34" charset="0"/>
-                <a:cs typeface="Arial" pitchFamily="34" charset="0"/>
-              </a:rPr>
               <a:t> </a:t>
             </a:r>
-            <a:endParaRPr lang="en-US" sz="2400" dirty="0" smtClean="0">
-              <a:latin typeface="Arial" pitchFamily="34" charset="0"/>
-              <a:cs typeface="Arial" pitchFamily="34" charset="0"/>
-            </a:endParaRPr>
           </a:p>
           <a:p>
             <a:pPr>
@@ -37673,14 +37749,7 @@
                 <a:latin typeface="Arial" pitchFamily="34" charset="0"/>
                 <a:cs typeface="Arial" pitchFamily="34" charset="0"/>
               </a:rPr>
-              <a:t>% </a:t>
-            </a:r>
-            <a:r>
-              <a:rPr lang="en-US" sz="2400" dirty="0" smtClean="0">
-                <a:latin typeface="Arial" pitchFamily="34" charset="0"/>
-                <a:cs typeface="Arial" pitchFamily="34" charset="0"/>
-              </a:rPr>
-              <a:t>		</a:t>
+              <a:t>% 		</a:t>
             </a:r>
             <a:r>
               <a:rPr lang="en-US" sz="2400" dirty="0" smtClean="0">
@@ -38415,7 +38484,49 @@
                 <a:latin typeface="Times New Roman" pitchFamily="18" charset="0"/>
                 <a:cs typeface="Times New Roman" pitchFamily="18" charset="0"/>
               </a:rPr>
-              <a:t> Homework for Next Meeting</a:t>
+              <a:t> </a:t>
+            </a:r>
+            <a:r>
+              <a:rPr lang="en-US" sz="3200" dirty="0" smtClean="0">
+                <a:solidFill>
+                  <a:srgbClr val="003399"/>
+                </a:solidFill>
+                <a:latin typeface="Times New Roman" pitchFamily="18" charset="0"/>
+                <a:cs typeface="Times New Roman" pitchFamily="18" charset="0"/>
+              </a:rPr>
+              <a:t>Homework</a:t>
+            </a:r>
+          </a:p>
+          <a:p>
+            <a:pPr>
+              <a:lnSpc>
+                <a:spcPct val="80000"/>
+              </a:lnSpc>
+              <a:spcBef>
+                <a:spcPct val="20000"/>
+              </a:spcBef>
+              <a:buFontTx/>
+              <a:buChar char="•"/>
+            </a:pPr>
+            <a:r>
+              <a:rPr lang="en-US" sz="3200" dirty="0" smtClean="0">
+                <a:solidFill>
+                  <a:srgbClr val="003399"/>
+                </a:solidFill>
+                <a:latin typeface="Times New Roman" pitchFamily="18" charset="0"/>
+                <a:cs typeface="Times New Roman" pitchFamily="18" charset="0"/>
+              </a:rPr>
+              <a:t> Ehud </a:t>
+            </a:r>
+            <a:r>
+              <a:rPr lang="en-US" sz="3200" dirty="0" err="1">
+                <a:solidFill>
+                  <a:srgbClr val="003399"/>
+                </a:solidFill>
+                <a:latin typeface="Times New Roman" pitchFamily="18" charset="0"/>
+                <a:cs typeface="Times New Roman" pitchFamily="18" charset="0"/>
+              </a:rPr>
+              <a:t>Lamm</a:t>
             </a:r>
             <a:endParaRPr lang="en-US" sz="3200" dirty="0">
               <a:solidFill>

--- a/Sessions/2/gip2.pptx
+++ b/Sessions/2/gip2.pptx
@@ -6,7 +6,7 @@
     <p:sldMasterId id="2147483649" r:id="rId2"/>
   </p:sldMasterIdLst>
   <p:notesMasterIdLst>
-    <p:notesMasterId r:id="rId48"/>
+    <p:notesMasterId r:id="rId44"/>
   </p:notesMasterIdLst>
   <p:sldIdLst>
     <p:sldId id="256" r:id="rId3"/>
@@ -39,21 +39,17 @@
     <p:sldId id="655" r:id="rId30"/>
     <p:sldId id="648" r:id="rId31"/>
     <p:sldId id="600" r:id="rId32"/>
-    <p:sldId id="481" r:id="rId33"/>
-    <p:sldId id="497" r:id="rId34"/>
-    <p:sldId id="479" r:id="rId35"/>
-    <p:sldId id="654" r:id="rId36"/>
-    <p:sldId id="504" r:id="rId37"/>
-    <p:sldId id="505" r:id="rId38"/>
-    <p:sldId id="477" r:id="rId39"/>
-    <p:sldId id="603" r:id="rId40"/>
-    <p:sldId id="482" r:id="rId41"/>
-    <p:sldId id="506" r:id="rId42"/>
-    <p:sldId id="602" r:id="rId43"/>
-    <p:sldId id="553" r:id="rId44"/>
-    <p:sldId id="554" r:id="rId45"/>
-    <p:sldId id="555" r:id="rId46"/>
-    <p:sldId id="562" r:id="rId47"/>
+    <p:sldId id="504" r:id="rId33"/>
+    <p:sldId id="505" r:id="rId34"/>
+    <p:sldId id="477" r:id="rId35"/>
+    <p:sldId id="603" r:id="rId36"/>
+    <p:sldId id="482" r:id="rId37"/>
+    <p:sldId id="506" r:id="rId38"/>
+    <p:sldId id="602" r:id="rId39"/>
+    <p:sldId id="553" r:id="rId40"/>
+    <p:sldId id="554" r:id="rId41"/>
+    <p:sldId id="555" r:id="rId42"/>
+    <p:sldId id="562" r:id="rId43"/>
   </p:sldIdLst>
   <p:sldSz cx="9144000" cy="6858000" type="screen4x3"/>
   <p:notesSz cx="6858000" cy="9144000"/>
@@ -5474,910 +5470,6 @@
       </p:grpSpPr>
       <p:sp>
         <p:nvSpPr>
-          <p:cNvPr id="69634" name="מציין מיקום של תמונת שקופית 1"/>
-          <p:cNvSpPr>
-            <a:spLocks noGrp="1" noRot="1" noChangeAspect="1" noTextEdit="1"/>
-          </p:cNvSpPr>
-          <p:nvPr>
-            <p:ph type="sldImg"/>
-          </p:nvPr>
-        </p:nvSpPr>
-        <p:spPr>
-          <a:ln/>
-        </p:spPr>
-      </p:sp>
-      <p:sp>
-        <p:nvSpPr>
-          <p:cNvPr id="69635" name="מציין מיקום של הערות 2"/>
-          <p:cNvSpPr>
-            <a:spLocks noGrp="1"/>
-          </p:cNvSpPr>
-          <p:nvPr>
-            <p:ph type="body" idx="1"/>
-          </p:nvPr>
-        </p:nvSpPr>
-        <p:spPr>
-          <a:noFill/>
-          <a:ln/>
-          <a:extLst>
-            <a:ext uri="{909E8E84-426E-40DD-AFC4-6F175D3DCCD1}">
-              <a14:hiddenFill xmlns:a14="http://schemas.microsoft.com/office/drawing/2010/main">
-                <a:solidFill>
-                  <a:srgbClr val="FFFFFF"/>
-                </a:solidFill>
-              </a14:hiddenFill>
-            </a:ext>
-            <a:ext uri="{91240B29-F687-4F45-9708-019B960494DF}">
-              <a14:hiddenLine xmlns:a14="http://schemas.microsoft.com/office/drawing/2010/main" w="9525">
-                <a:solidFill>
-                  <a:srgbClr val="000000"/>
-                </a:solidFill>
-                <a:miter lim="800000"/>
-                <a:headEnd/>
-                <a:tailEnd/>
-              </a14:hiddenLine>
-            </a:ext>
-          </a:extLst>
-        </p:spPr>
-        <p:txBody>
-          <a:bodyPr/>
-          <a:lstStyle/>
-          <a:p>
-            <a:endParaRPr lang="he-IL" smtClean="0">
-              <a:latin typeface="Arial" pitchFamily="34" charset="0"/>
-            </a:endParaRPr>
-          </a:p>
-        </p:txBody>
-      </p:sp>
-      <p:sp>
-        <p:nvSpPr>
-          <p:cNvPr id="69636" name="מציין מיקום של מספר שקופית 3"/>
-          <p:cNvSpPr>
-            <a:spLocks noGrp="1"/>
-          </p:cNvSpPr>
-          <p:nvPr>
-            <p:ph type="sldNum" sz="quarter" idx="5"/>
-          </p:nvPr>
-        </p:nvSpPr>
-        <p:spPr>
-          <a:noFill/>
-          <a:ln/>
-          <a:extLst>
-            <a:ext uri="{909E8E84-426E-40DD-AFC4-6F175D3DCCD1}">
-              <a14:hiddenFill xmlns:a14="http://schemas.microsoft.com/office/drawing/2010/main">
-                <a:solidFill>
-                  <a:srgbClr val="FFFFFF"/>
-                </a:solidFill>
-              </a14:hiddenFill>
-            </a:ext>
-            <a:ext uri="{91240B29-F687-4F45-9708-019B960494DF}">
-              <a14:hiddenLine xmlns:a14="http://schemas.microsoft.com/office/drawing/2010/main" w="9525">
-                <a:solidFill>
-                  <a:srgbClr val="000000"/>
-                </a:solidFill>
-                <a:miter lim="800000"/>
-                <a:headEnd/>
-                <a:tailEnd/>
-              </a14:hiddenLine>
-            </a:ext>
-          </a:extLst>
-        </p:spPr>
-        <p:txBody>
-          <a:bodyPr/>
-          <a:lstStyle>
-            <a:lvl1pPr eaLnBrk="0" hangingPunct="0">
-              <a:defRPr>
-                <a:solidFill>
-                  <a:schemeClr val="tx1"/>
-                </a:solidFill>
-                <a:latin typeface="Arial" pitchFamily="34" charset="0"/>
-              </a:defRPr>
-            </a:lvl1pPr>
-            <a:lvl2pPr marL="742950" indent="-285750" eaLnBrk="0" hangingPunct="0">
-              <a:defRPr>
-                <a:solidFill>
-                  <a:schemeClr val="tx1"/>
-                </a:solidFill>
-                <a:latin typeface="Arial" pitchFamily="34" charset="0"/>
-              </a:defRPr>
-            </a:lvl2pPr>
-            <a:lvl3pPr marL="1143000" indent="-228600" eaLnBrk="0" hangingPunct="0">
-              <a:defRPr>
-                <a:solidFill>
-                  <a:schemeClr val="tx1"/>
-                </a:solidFill>
-                <a:latin typeface="Arial" pitchFamily="34" charset="0"/>
-              </a:defRPr>
-            </a:lvl3pPr>
-            <a:lvl4pPr marL="1600200" indent="-228600" eaLnBrk="0" hangingPunct="0">
-              <a:defRPr>
-                <a:solidFill>
-                  <a:schemeClr val="tx1"/>
-                </a:solidFill>
-                <a:latin typeface="Arial" pitchFamily="34" charset="0"/>
-              </a:defRPr>
-            </a:lvl4pPr>
-            <a:lvl5pPr marL="2057400" indent="-228600" eaLnBrk="0" hangingPunct="0">
-              <a:defRPr>
-                <a:solidFill>
-                  <a:schemeClr val="tx1"/>
-                </a:solidFill>
-                <a:latin typeface="Arial" pitchFamily="34" charset="0"/>
-              </a:defRPr>
-            </a:lvl5pPr>
-            <a:lvl6pPr marL="2514600" indent="-228600" algn="l" rtl="0" eaLnBrk="0" fontAlgn="base" hangingPunct="0">
-              <a:spcBef>
-                <a:spcPct val="50000"/>
-              </a:spcBef>
-              <a:spcAft>
-                <a:spcPct val="0"/>
-              </a:spcAft>
-              <a:defRPr>
-                <a:solidFill>
-                  <a:schemeClr val="tx1"/>
-                </a:solidFill>
-                <a:latin typeface="Arial" pitchFamily="34" charset="0"/>
-              </a:defRPr>
-            </a:lvl6pPr>
-            <a:lvl7pPr marL="2971800" indent="-228600" algn="l" rtl="0" eaLnBrk="0" fontAlgn="base" hangingPunct="0">
-              <a:spcBef>
-                <a:spcPct val="50000"/>
-              </a:spcBef>
-              <a:spcAft>
-                <a:spcPct val="0"/>
-              </a:spcAft>
-              <a:defRPr>
-                <a:solidFill>
-                  <a:schemeClr val="tx1"/>
-                </a:solidFill>
-                <a:latin typeface="Arial" pitchFamily="34" charset="0"/>
-              </a:defRPr>
-            </a:lvl7pPr>
-            <a:lvl8pPr marL="3429000" indent="-228600" algn="l" rtl="0" eaLnBrk="0" fontAlgn="base" hangingPunct="0">
-              <a:spcBef>
-                <a:spcPct val="50000"/>
-              </a:spcBef>
-              <a:spcAft>
-                <a:spcPct val="0"/>
-              </a:spcAft>
-              <a:defRPr>
-                <a:solidFill>
-                  <a:schemeClr val="tx1"/>
-                </a:solidFill>
-                <a:latin typeface="Arial" pitchFamily="34" charset="0"/>
-              </a:defRPr>
-            </a:lvl8pPr>
-            <a:lvl9pPr marL="3886200" indent="-228600" algn="l" rtl="0" eaLnBrk="0" fontAlgn="base" hangingPunct="0">
-              <a:spcBef>
-                <a:spcPct val="50000"/>
-              </a:spcBef>
-              <a:spcAft>
-                <a:spcPct val="0"/>
-              </a:spcAft>
-              <a:defRPr>
-                <a:solidFill>
-                  <a:schemeClr val="tx1"/>
-                </a:solidFill>
-                <a:latin typeface="Arial" pitchFamily="34" charset="0"/>
-              </a:defRPr>
-            </a:lvl9pPr>
-          </a:lstStyle>
-          <a:p>
-            <a:pPr eaLnBrk="1" hangingPunct="1"/>
-            <a:fld id="{595ACF32-4AA2-4F63-8487-7F11E1E56B8B}" type="slidenum">
-              <a:rPr lang="he-IL" smtClean="0"/>
-              <a:pPr eaLnBrk="1" hangingPunct="1"/>
-              <a:t>31</a:t>
-            </a:fld>
-            <a:endParaRPr lang="en-US" smtClean="0"/>
-          </a:p>
-        </p:txBody>
-      </p:sp>
-    </p:spTree>
-  </p:cSld>
-  <p:clrMapOvr>
-    <a:masterClrMapping/>
-  </p:clrMapOvr>
-</p:notes>
-</file>
-
-<file path=ppt/notesSlides/notesSlide31.xml><?xml version="1.0" encoding="utf-8"?>
-<p:notes xmlns:a="http://schemas.openxmlformats.org/drawingml/2006/main" xmlns:r="http://schemas.openxmlformats.org/officeDocument/2006/relationships" xmlns:p="http://schemas.openxmlformats.org/presentationml/2006/main">
-  <p:cSld>
-    <p:spTree>
-      <p:nvGrpSpPr>
-        <p:cNvPr id="1" name=""/>
-        <p:cNvGrpSpPr/>
-        <p:nvPr/>
-      </p:nvGrpSpPr>
-      <p:grpSpPr>
-        <a:xfrm>
-          <a:off x="0" y="0"/>
-          <a:ext cx="0" cy="0"/>
-          <a:chOff x="0" y="0"/>
-          <a:chExt cx="0" cy="0"/>
-        </a:xfrm>
-      </p:grpSpPr>
-      <p:sp>
-        <p:nvSpPr>
-          <p:cNvPr id="70658" name="מציין מיקום של תמונת שקופית 1"/>
-          <p:cNvSpPr>
-            <a:spLocks noGrp="1" noRot="1" noChangeAspect="1" noTextEdit="1"/>
-          </p:cNvSpPr>
-          <p:nvPr>
-            <p:ph type="sldImg"/>
-          </p:nvPr>
-        </p:nvSpPr>
-        <p:spPr>
-          <a:ln/>
-        </p:spPr>
-      </p:sp>
-      <p:sp>
-        <p:nvSpPr>
-          <p:cNvPr id="70659" name="מציין מיקום של הערות 2"/>
-          <p:cNvSpPr>
-            <a:spLocks noGrp="1"/>
-          </p:cNvSpPr>
-          <p:nvPr>
-            <p:ph type="body" idx="1"/>
-          </p:nvPr>
-        </p:nvSpPr>
-        <p:spPr>
-          <a:noFill/>
-          <a:ln/>
-          <a:extLst>
-            <a:ext uri="{909E8E84-426E-40DD-AFC4-6F175D3DCCD1}">
-              <a14:hiddenFill xmlns:a14="http://schemas.microsoft.com/office/drawing/2010/main">
-                <a:solidFill>
-                  <a:srgbClr val="FFFFFF"/>
-                </a:solidFill>
-              </a14:hiddenFill>
-            </a:ext>
-            <a:ext uri="{91240B29-F687-4F45-9708-019B960494DF}">
-              <a14:hiddenLine xmlns:a14="http://schemas.microsoft.com/office/drawing/2010/main" w="9525">
-                <a:solidFill>
-                  <a:srgbClr val="000000"/>
-                </a:solidFill>
-                <a:miter lim="800000"/>
-                <a:headEnd/>
-                <a:tailEnd/>
-              </a14:hiddenLine>
-            </a:ext>
-          </a:extLst>
-        </p:spPr>
-        <p:txBody>
-          <a:bodyPr/>
-          <a:lstStyle/>
-          <a:p>
-            <a:endParaRPr lang="he-IL" smtClean="0">
-              <a:latin typeface="Arial" pitchFamily="34" charset="0"/>
-            </a:endParaRPr>
-          </a:p>
-        </p:txBody>
-      </p:sp>
-      <p:sp>
-        <p:nvSpPr>
-          <p:cNvPr id="70660" name="מציין מיקום של מספר שקופית 3"/>
-          <p:cNvSpPr>
-            <a:spLocks noGrp="1"/>
-          </p:cNvSpPr>
-          <p:nvPr>
-            <p:ph type="sldNum" sz="quarter" idx="5"/>
-          </p:nvPr>
-        </p:nvSpPr>
-        <p:spPr>
-          <a:noFill/>
-          <a:ln/>
-          <a:extLst>
-            <a:ext uri="{909E8E84-426E-40DD-AFC4-6F175D3DCCD1}">
-              <a14:hiddenFill xmlns:a14="http://schemas.microsoft.com/office/drawing/2010/main">
-                <a:solidFill>
-                  <a:srgbClr val="FFFFFF"/>
-                </a:solidFill>
-              </a14:hiddenFill>
-            </a:ext>
-            <a:ext uri="{91240B29-F687-4F45-9708-019B960494DF}">
-              <a14:hiddenLine xmlns:a14="http://schemas.microsoft.com/office/drawing/2010/main" w="9525">
-                <a:solidFill>
-                  <a:srgbClr val="000000"/>
-                </a:solidFill>
-                <a:miter lim="800000"/>
-                <a:headEnd/>
-                <a:tailEnd/>
-              </a14:hiddenLine>
-            </a:ext>
-          </a:extLst>
-        </p:spPr>
-        <p:txBody>
-          <a:bodyPr/>
-          <a:lstStyle>
-            <a:lvl1pPr eaLnBrk="0" hangingPunct="0">
-              <a:defRPr>
-                <a:solidFill>
-                  <a:schemeClr val="tx1"/>
-                </a:solidFill>
-                <a:latin typeface="Arial" pitchFamily="34" charset="0"/>
-              </a:defRPr>
-            </a:lvl1pPr>
-            <a:lvl2pPr marL="742950" indent="-285750" eaLnBrk="0" hangingPunct="0">
-              <a:defRPr>
-                <a:solidFill>
-                  <a:schemeClr val="tx1"/>
-                </a:solidFill>
-                <a:latin typeface="Arial" pitchFamily="34" charset="0"/>
-              </a:defRPr>
-            </a:lvl2pPr>
-            <a:lvl3pPr marL="1143000" indent="-228600" eaLnBrk="0" hangingPunct="0">
-              <a:defRPr>
-                <a:solidFill>
-                  <a:schemeClr val="tx1"/>
-                </a:solidFill>
-                <a:latin typeface="Arial" pitchFamily="34" charset="0"/>
-              </a:defRPr>
-            </a:lvl3pPr>
-            <a:lvl4pPr marL="1600200" indent="-228600" eaLnBrk="0" hangingPunct="0">
-              <a:defRPr>
-                <a:solidFill>
-                  <a:schemeClr val="tx1"/>
-                </a:solidFill>
-                <a:latin typeface="Arial" pitchFamily="34" charset="0"/>
-              </a:defRPr>
-            </a:lvl4pPr>
-            <a:lvl5pPr marL="2057400" indent="-228600" eaLnBrk="0" hangingPunct="0">
-              <a:defRPr>
-                <a:solidFill>
-                  <a:schemeClr val="tx1"/>
-                </a:solidFill>
-                <a:latin typeface="Arial" pitchFamily="34" charset="0"/>
-              </a:defRPr>
-            </a:lvl5pPr>
-            <a:lvl6pPr marL="2514600" indent="-228600" algn="l" rtl="0" eaLnBrk="0" fontAlgn="base" hangingPunct="0">
-              <a:spcBef>
-                <a:spcPct val="50000"/>
-              </a:spcBef>
-              <a:spcAft>
-                <a:spcPct val="0"/>
-              </a:spcAft>
-              <a:defRPr>
-                <a:solidFill>
-                  <a:schemeClr val="tx1"/>
-                </a:solidFill>
-                <a:latin typeface="Arial" pitchFamily="34" charset="0"/>
-              </a:defRPr>
-            </a:lvl6pPr>
-            <a:lvl7pPr marL="2971800" indent="-228600" algn="l" rtl="0" eaLnBrk="0" fontAlgn="base" hangingPunct="0">
-              <a:spcBef>
-                <a:spcPct val="50000"/>
-              </a:spcBef>
-              <a:spcAft>
-                <a:spcPct val="0"/>
-              </a:spcAft>
-              <a:defRPr>
-                <a:solidFill>
-                  <a:schemeClr val="tx1"/>
-                </a:solidFill>
-                <a:latin typeface="Arial" pitchFamily="34" charset="0"/>
-              </a:defRPr>
-            </a:lvl7pPr>
-            <a:lvl8pPr marL="3429000" indent="-228600" algn="l" rtl="0" eaLnBrk="0" fontAlgn="base" hangingPunct="0">
-              <a:spcBef>
-                <a:spcPct val="50000"/>
-              </a:spcBef>
-              <a:spcAft>
-                <a:spcPct val="0"/>
-              </a:spcAft>
-              <a:defRPr>
-                <a:solidFill>
-                  <a:schemeClr val="tx1"/>
-                </a:solidFill>
-                <a:latin typeface="Arial" pitchFamily="34" charset="0"/>
-              </a:defRPr>
-            </a:lvl8pPr>
-            <a:lvl9pPr marL="3886200" indent="-228600" algn="l" rtl="0" eaLnBrk="0" fontAlgn="base" hangingPunct="0">
-              <a:spcBef>
-                <a:spcPct val="50000"/>
-              </a:spcBef>
-              <a:spcAft>
-                <a:spcPct val="0"/>
-              </a:spcAft>
-              <a:defRPr>
-                <a:solidFill>
-                  <a:schemeClr val="tx1"/>
-                </a:solidFill>
-                <a:latin typeface="Arial" pitchFamily="34" charset="0"/>
-              </a:defRPr>
-            </a:lvl9pPr>
-          </a:lstStyle>
-          <a:p>
-            <a:pPr eaLnBrk="1" hangingPunct="1"/>
-            <a:fld id="{11CDAAAF-94E5-4936-AB0D-9D3AB4485C44}" type="slidenum">
-              <a:rPr lang="he-IL" smtClean="0"/>
-              <a:pPr eaLnBrk="1" hangingPunct="1"/>
-              <a:t>32</a:t>
-            </a:fld>
-            <a:endParaRPr lang="en-US" smtClean="0"/>
-          </a:p>
-        </p:txBody>
-      </p:sp>
-    </p:spTree>
-  </p:cSld>
-  <p:clrMapOvr>
-    <a:masterClrMapping/>
-  </p:clrMapOvr>
-</p:notes>
-</file>
-
-<file path=ppt/notesSlides/notesSlide32.xml><?xml version="1.0" encoding="utf-8"?>
-<p:notes xmlns:a="http://schemas.openxmlformats.org/drawingml/2006/main" xmlns:r="http://schemas.openxmlformats.org/officeDocument/2006/relationships" xmlns:p="http://schemas.openxmlformats.org/presentationml/2006/main">
-  <p:cSld>
-    <p:spTree>
-      <p:nvGrpSpPr>
-        <p:cNvPr id="1" name=""/>
-        <p:cNvGrpSpPr/>
-        <p:nvPr/>
-      </p:nvGrpSpPr>
-      <p:grpSpPr>
-        <a:xfrm>
-          <a:off x="0" y="0"/>
-          <a:ext cx="0" cy="0"/>
-          <a:chOff x="0" y="0"/>
-          <a:chExt cx="0" cy="0"/>
-        </a:xfrm>
-      </p:grpSpPr>
-      <p:sp>
-        <p:nvSpPr>
-          <p:cNvPr id="71682" name="מציין מיקום של תמונת שקופית 1"/>
-          <p:cNvSpPr>
-            <a:spLocks noGrp="1" noRot="1" noChangeAspect="1" noTextEdit="1"/>
-          </p:cNvSpPr>
-          <p:nvPr>
-            <p:ph type="sldImg"/>
-          </p:nvPr>
-        </p:nvSpPr>
-        <p:spPr>
-          <a:ln/>
-        </p:spPr>
-      </p:sp>
-      <p:sp>
-        <p:nvSpPr>
-          <p:cNvPr id="71683" name="מציין מיקום של הערות 2"/>
-          <p:cNvSpPr>
-            <a:spLocks noGrp="1"/>
-          </p:cNvSpPr>
-          <p:nvPr>
-            <p:ph type="body" idx="1"/>
-          </p:nvPr>
-        </p:nvSpPr>
-        <p:spPr>
-          <a:noFill/>
-          <a:ln/>
-          <a:extLst>
-            <a:ext uri="{909E8E84-426E-40DD-AFC4-6F175D3DCCD1}">
-              <a14:hiddenFill xmlns:a14="http://schemas.microsoft.com/office/drawing/2010/main">
-                <a:solidFill>
-                  <a:srgbClr val="FFFFFF"/>
-                </a:solidFill>
-              </a14:hiddenFill>
-            </a:ext>
-            <a:ext uri="{91240B29-F687-4F45-9708-019B960494DF}">
-              <a14:hiddenLine xmlns:a14="http://schemas.microsoft.com/office/drawing/2010/main" w="9525">
-                <a:solidFill>
-                  <a:srgbClr val="000000"/>
-                </a:solidFill>
-                <a:miter lim="800000"/>
-                <a:headEnd/>
-                <a:tailEnd/>
-              </a14:hiddenLine>
-            </a:ext>
-          </a:extLst>
-        </p:spPr>
-        <p:txBody>
-          <a:bodyPr/>
-          <a:lstStyle/>
-          <a:p>
-            <a:endParaRPr lang="he-IL" smtClean="0">
-              <a:latin typeface="Arial" pitchFamily="34" charset="0"/>
-            </a:endParaRPr>
-          </a:p>
-        </p:txBody>
-      </p:sp>
-      <p:sp>
-        <p:nvSpPr>
-          <p:cNvPr id="71684" name="מציין מיקום של מספר שקופית 3"/>
-          <p:cNvSpPr>
-            <a:spLocks noGrp="1"/>
-          </p:cNvSpPr>
-          <p:nvPr>
-            <p:ph type="sldNum" sz="quarter" idx="5"/>
-          </p:nvPr>
-        </p:nvSpPr>
-        <p:spPr>
-          <a:noFill/>
-          <a:ln/>
-          <a:extLst>
-            <a:ext uri="{909E8E84-426E-40DD-AFC4-6F175D3DCCD1}">
-              <a14:hiddenFill xmlns:a14="http://schemas.microsoft.com/office/drawing/2010/main">
-                <a:solidFill>
-                  <a:srgbClr val="FFFFFF"/>
-                </a:solidFill>
-              </a14:hiddenFill>
-            </a:ext>
-            <a:ext uri="{91240B29-F687-4F45-9708-019B960494DF}">
-              <a14:hiddenLine xmlns:a14="http://schemas.microsoft.com/office/drawing/2010/main" w="9525">
-                <a:solidFill>
-                  <a:srgbClr val="000000"/>
-                </a:solidFill>
-                <a:miter lim="800000"/>
-                <a:headEnd/>
-                <a:tailEnd/>
-              </a14:hiddenLine>
-            </a:ext>
-          </a:extLst>
-        </p:spPr>
-        <p:txBody>
-          <a:bodyPr/>
-          <a:lstStyle>
-            <a:lvl1pPr eaLnBrk="0" hangingPunct="0">
-              <a:defRPr>
-                <a:solidFill>
-                  <a:schemeClr val="tx1"/>
-                </a:solidFill>
-                <a:latin typeface="Arial" pitchFamily="34" charset="0"/>
-              </a:defRPr>
-            </a:lvl1pPr>
-            <a:lvl2pPr marL="742950" indent="-285750" eaLnBrk="0" hangingPunct="0">
-              <a:defRPr>
-                <a:solidFill>
-                  <a:schemeClr val="tx1"/>
-                </a:solidFill>
-                <a:latin typeface="Arial" pitchFamily="34" charset="0"/>
-              </a:defRPr>
-            </a:lvl2pPr>
-            <a:lvl3pPr marL="1143000" indent="-228600" eaLnBrk="0" hangingPunct="0">
-              <a:defRPr>
-                <a:solidFill>
-                  <a:schemeClr val="tx1"/>
-                </a:solidFill>
-                <a:latin typeface="Arial" pitchFamily="34" charset="0"/>
-              </a:defRPr>
-            </a:lvl3pPr>
-            <a:lvl4pPr marL="1600200" indent="-228600" eaLnBrk="0" hangingPunct="0">
-              <a:defRPr>
-                <a:solidFill>
-                  <a:schemeClr val="tx1"/>
-                </a:solidFill>
-                <a:latin typeface="Arial" pitchFamily="34" charset="0"/>
-              </a:defRPr>
-            </a:lvl4pPr>
-            <a:lvl5pPr marL="2057400" indent="-228600" eaLnBrk="0" hangingPunct="0">
-              <a:defRPr>
-                <a:solidFill>
-                  <a:schemeClr val="tx1"/>
-                </a:solidFill>
-                <a:latin typeface="Arial" pitchFamily="34" charset="0"/>
-              </a:defRPr>
-            </a:lvl5pPr>
-            <a:lvl6pPr marL="2514600" indent="-228600" algn="l" rtl="0" eaLnBrk="0" fontAlgn="base" hangingPunct="0">
-              <a:spcBef>
-                <a:spcPct val="50000"/>
-              </a:spcBef>
-              <a:spcAft>
-                <a:spcPct val="0"/>
-              </a:spcAft>
-              <a:defRPr>
-                <a:solidFill>
-                  <a:schemeClr val="tx1"/>
-                </a:solidFill>
-                <a:latin typeface="Arial" pitchFamily="34" charset="0"/>
-              </a:defRPr>
-            </a:lvl6pPr>
-            <a:lvl7pPr marL="2971800" indent="-228600" algn="l" rtl="0" eaLnBrk="0" fontAlgn="base" hangingPunct="0">
-              <a:spcBef>
-                <a:spcPct val="50000"/>
-              </a:spcBef>
-              <a:spcAft>
-                <a:spcPct val="0"/>
-              </a:spcAft>
-              <a:defRPr>
-                <a:solidFill>
-                  <a:schemeClr val="tx1"/>
-                </a:solidFill>
-                <a:latin typeface="Arial" pitchFamily="34" charset="0"/>
-              </a:defRPr>
-            </a:lvl7pPr>
-            <a:lvl8pPr marL="3429000" indent="-228600" algn="l" rtl="0" eaLnBrk="0" fontAlgn="base" hangingPunct="0">
-              <a:spcBef>
-                <a:spcPct val="50000"/>
-              </a:spcBef>
-              <a:spcAft>
-                <a:spcPct val="0"/>
-              </a:spcAft>
-              <a:defRPr>
-                <a:solidFill>
-                  <a:schemeClr val="tx1"/>
-                </a:solidFill>
-                <a:latin typeface="Arial" pitchFamily="34" charset="0"/>
-              </a:defRPr>
-            </a:lvl8pPr>
-            <a:lvl9pPr marL="3886200" indent="-228600" algn="l" rtl="0" eaLnBrk="0" fontAlgn="base" hangingPunct="0">
-              <a:spcBef>
-                <a:spcPct val="50000"/>
-              </a:spcBef>
-              <a:spcAft>
-                <a:spcPct val="0"/>
-              </a:spcAft>
-              <a:defRPr>
-                <a:solidFill>
-                  <a:schemeClr val="tx1"/>
-                </a:solidFill>
-                <a:latin typeface="Arial" pitchFamily="34" charset="0"/>
-              </a:defRPr>
-            </a:lvl9pPr>
-          </a:lstStyle>
-          <a:p>
-            <a:pPr eaLnBrk="1" hangingPunct="1"/>
-            <a:fld id="{62C6086F-504A-41C3-9021-B90F873B74A1}" type="slidenum">
-              <a:rPr lang="he-IL" smtClean="0"/>
-              <a:pPr eaLnBrk="1" hangingPunct="1"/>
-              <a:t>33</a:t>
-            </a:fld>
-            <a:endParaRPr lang="en-US" smtClean="0"/>
-          </a:p>
-        </p:txBody>
-      </p:sp>
-    </p:spTree>
-  </p:cSld>
-  <p:clrMapOvr>
-    <a:masterClrMapping/>
-  </p:clrMapOvr>
-</p:notes>
-</file>
-
-<file path=ppt/notesSlides/notesSlide33.xml><?xml version="1.0" encoding="utf-8"?>
-<p:notes xmlns:a="http://schemas.openxmlformats.org/drawingml/2006/main" xmlns:r="http://schemas.openxmlformats.org/officeDocument/2006/relationships" xmlns:p="http://schemas.openxmlformats.org/presentationml/2006/main">
-  <p:cSld>
-    <p:spTree>
-      <p:nvGrpSpPr>
-        <p:cNvPr id="1" name=""/>
-        <p:cNvGrpSpPr/>
-        <p:nvPr/>
-      </p:nvGrpSpPr>
-      <p:grpSpPr>
-        <a:xfrm>
-          <a:off x="0" y="0"/>
-          <a:ext cx="0" cy="0"/>
-          <a:chOff x="0" y="0"/>
-          <a:chExt cx="0" cy="0"/>
-        </a:xfrm>
-      </p:grpSpPr>
-      <p:sp>
-        <p:nvSpPr>
-          <p:cNvPr id="68610" name="מציין מיקום של תמונת שקופית 1"/>
-          <p:cNvSpPr>
-            <a:spLocks noGrp="1" noRot="1" noChangeAspect="1" noTextEdit="1"/>
-          </p:cNvSpPr>
-          <p:nvPr>
-            <p:ph type="sldImg"/>
-          </p:nvPr>
-        </p:nvSpPr>
-        <p:spPr>
-          <a:ln/>
-        </p:spPr>
-      </p:sp>
-      <p:sp>
-        <p:nvSpPr>
-          <p:cNvPr id="68611" name="מציין מיקום של הערות 2"/>
-          <p:cNvSpPr>
-            <a:spLocks noGrp="1"/>
-          </p:cNvSpPr>
-          <p:nvPr>
-            <p:ph type="body" idx="1"/>
-          </p:nvPr>
-        </p:nvSpPr>
-        <p:spPr>
-          <a:noFill/>
-          <a:ln/>
-          <a:extLst>
-            <a:ext uri="{909E8E84-426E-40DD-AFC4-6F175D3DCCD1}">
-              <a14:hiddenFill xmlns:a14="http://schemas.microsoft.com/office/drawing/2010/main">
-                <a:solidFill>
-                  <a:srgbClr val="FFFFFF"/>
-                </a:solidFill>
-              </a14:hiddenFill>
-            </a:ext>
-            <a:ext uri="{91240B29-F687-4F45-9708-019B960494DF}">
-              <a14:hiddenLine xmlns:a14="http://schemas.microsoft.com/office/drawing/2010/main" w="9525">
-                <a:solidFill>
-                  <a:srgbClr val="000000"/>
-                </a:solidFill>
-                <a:miter lim="800000"/>
-                <a:headEnd/>
-                <a:tailEnd/>
-              </a14:hiddenLine>
-            </a:ext>
-          </a:extLst>
-        </p:spPr>
-        <p:txBody>
-          <a:bodyPr/>
-          <a:lstStyle/>
-          <a:p>
-            <a:endParaRPr lang="he-IL" smtClean="0">
-              <a:latin typeface="Arial" pitchFamily="34" charset="0"/>
-            </a:endParaRPr>
-          </a:p>
-        </p:txBody>
-      </p:sp>
-      <p:sp>
-        <p:nvSpPr>
-          <p:cNvPr id="68612" name="מציין מיקום של מספר שקופית 3"/>
-          <p:cNvSpPr>
-            <a:spLocks noGrp="1"/>
-          </p:cNvSpPr>
-          <p:nvPr>
-            <p:ph type="sldNum" sz="quarter" idx="5"/>
-          </p:nvPr>
-        </p:nvSpPr>
-        <p:spPr>
-          <a:noFill/>
-          <a:ln/>
-          <a:extLst>
-            <a:ext uri="{909E8E84-426E-40DD-AFC4-6F175D3DCCD1}">
-              <a14:hiddenFill xmlns:a14="http://schemas.microsoft.com/office/drawing/2010/main">
-                <a:solidFill>
-                  <a:srgbClr val="FFFFFF"/>
-                </a:solidFill>
-              </a14:hiddenFill>
-            </a:ext>
-            <a:ext uri="{91240B29-F687-4F45-9708-019B960494DF}">
-              <a14:hiddenLine xmlns:a14="http://schemas.microsoft.com/office/drawing/2010/main" w="9525">
-                <a:solidFill>
-                  <a:srgbClr val="000000"/>
-                </a:solidFill>
-                <a:miter lim="800000"/>
-                <a:headEnd/>
-                <a:tailEnd/>
-              </a14:hiddenLine>
-            </a:ext>
-          </a:extLst>
-        </p:spPr>
-        <p:txBody>
-          <a:bodyPr/>
-          <a:lstStyle>
-            <a:lvl1pPr eaLnBrk="0" hangingPunct="0">
-              <a:defRPr>
-                <a:solidFill>
-                  <a:schemeClr val="tx1"/>
-                </a:solidFill>
-                <a:latin typeface="Arial" pitchFamily="34" charset="0"/>
-              </a:defRPr>
-            </a:lvl1pPr>
-            <a:lvl2pPr marL="742950" indent="-285750" eaLnBrk="0" hangingPunct="0">
-              <a:defRPr>
-                <a:solidFill>
-                  <a:schemeClr val="tx1"/>
-                </a:solidFill>
-                <a:latin typeface="Arial" pitchFamily="34" charset="0"/>
-              </a:defRPr>
-            </a:lvl2pPr>
-            <a:lvl3pPr marL="1143000" indent="-228600" eaLnBrk="0" hangingPunct="0">
-              <a:defRPr>
-                <a:solidFill>
-                  <a:schemeClr val="tx1"/>
-                </a:solidFill>
-                <a:latin typeface="Arial" pitchFamily="34" charset="0"/>
-              </a:defRPr>
-            </a:lvl3pPr>
-            <a:lvl4pPr marL="1600200" indent="-228600" eaLnBrk="0" hangingPunct="0">
-              <a:defRPr>
-                <a:solidFill>
-                  <a:schemeClr val="tx1"/>
-                </a:solidFill>
-                <a:latin typeface="Arial" pitchFamily="34" charset="0"/>
-              </a:defRPr>
-            </a:lvl4pPr>
-            <a:lvl5pPr marL="2057400" indent="-228600" eaLnBrk="0" hangingPunct="0">
-              <a:defRPr>
-                <a:solidFill>
-                  <a:schemeClr val="tx1"/>
-                </a:solidFill>
-                <a:latin typeface="Arial" pitchFamily="34" charset="0"/>
-              </a:defRPr>
-            </a:lvl5pPr>
-            <a:lvl6pPr marL="2514600" indent="-228600" algn="l" rtl="0" eaLnBrk="0" fontAlgn="base" hangingPunct="0">
-              <a:spcBef>
-                <a:spcPct val="50000"/>
-              </a:spcBef>
-              <a:spcAft>
-                <a:spcPct val="0"/>
-              </a:spcAft>
-              <a:defRPr>
-                <a:solidFill>
-                  <a:schemeClr val="tx1"/>
-                </a:solidFill>
-                <a:latin typeface="Arial" pitchFamily="34" charset="0"/>
-              </a:defRPr>
-            </a:lvl6pPr>
-            <a:lvl7pPr marL="2971800" indent="-228600" algn="l" rtl="0" eaLnBrk="0" fontAlgn="base" hangingPunct="0">
-              <a:spcBef>
-                <a:spcPct val="50000"/>
-              </a:spcBef>
-              <a:spcAft>
-                <a:spcPct val="0"/>
-              </a:spcAft>
-              <a:defRPr>
-                <a:solidFill>
-                  <a:schemeClr val="tx1"/>
-                </a:solidFill>
-                <a:latin typeface="Arial" pitchFamily="34" charset="0"/>
-              </a:defRPr>
-            </a:lvl7pPr>
-            <a:lvl8pPr marL="3429000" indent="-228600" algn="l" rtl="0" eaLnBrk="0" fontAlgn="base" hangingPunct="0">
-              <a:spcBef>
-                <a:spcPct val="50000"/>
-              </a:spcBef>
-              <a:spcAft>
-                <a:spcPct val="0"/>
-              </a:spcAft>
-              <a:defRPr>
-                <a:solidFill>
-                  <a:schemeClr val="tx1"/>
-                </a:solidFill>
-                <a:latin typeface="Arial" pitchFamily="34" charset="0"/>
-              </a:defRPr>
-            </a:lvl8pPr>
-            <a:lvl9pPr marL="3886200" indent="-228600" algn="l" rtl="0" eaLnBrk="0" fontAlgn="base" hangingPunct="0">
-              <a:spcBef>
-                <a:spcPct val="50000"/>
-              </a:spcBef>
-              <a:spcAft>
-                <a:spcPct val="0"/>
-              </a:spcAft>
-              <a:defRPr>
-                <a:solidFill>
-                  <a:schemeClr val="tx1"/>
-                </a:solidFill>
-                <a:latin typeface="Arial" pitchFamily="34" charset="0"/>
-              </a:defRPr>
-            </a:lvl9pPr>
-          </a:lstStyle>
-          <a:p>
-            <a:pPr eaLnBrk="1" hangingPunct="1"/>
-            <a:fld id="{CE7B31C0-9450-4D60-9E89-445E3E63524A}" type="slidenum">
-              <a:rPr lang="ar-SA" smtClean="0"/>
-              <a:pPr eaLnBrk="1" hangingPunct="1"/>
-              <a:t>34</a:t>
-            </a:fld>
-            <a:endParaRPr lang="en-US" smtClean="0"/>
-          </a:p>
-        </p:txBody>
-      </p:sp>
-    </p:spTree>
-  </p:cSld>
-  <p:clrMapOvr>
-    <a:masterClrMapping/>
-  </p:clrMapOvr>
-</p:notes>
-</file>
-
-<file path=ppt/notesSlides/notesSlide34.xml><?xml version="1.0" encoding="utf-8"?>
-<p:notes xmlns:a="http://schemas.openxmlformats.org/drawingml/2006/main" xmlns:r="http://schemas.openxmlformats.org/officeDocument/2006/relationships" xmlns:p="http://schemas.openxmlformats.org/presentationml/2006/main">
-  <p:cSld>
-    <p:spTree>
-      <p:nvGrpSpPr>
-        <p:cNvPr id="1" name=""/>
-        <p:cNvGrpSpPr/>
-        <p:nvPr/>
-      </p:nvGrpSpPr>
-      <p:grpSpPr>
-        <a:xfrm>
-          <a:off x="0" y="0"/>
-          <a:ext cx="0" cy="0"/>
-          <a:chOff x="0" y="0"/>
-          <a:chExt cx="0" cy="0"/>
-        </a:xfrm>
-      </p:grpSpPr>
-      <p:sp>
-        <p:nvSpPr>
           <p:cNvPr id="77826" name="מציין מיקום של תמונת שקופית 1"/>
           <p:cNvSpPr>
             <a:spLocks noGrp="1" noRot="1" noChangeAspect="1" noTextEdit="1"/>
@@ -6571,7 +5663,7 @@
             <a:fld id="{646056C9-EC1D-4BD8-B5C0-112D8BEA98BC}" type="slidenum">
               <a:rPr lang="he-IL" smtClean="0"/>
               <a:pPr eaLnBrk="1" hangingPunct="1"/>
-              <a:t>35</a:t>
+              <a:t>31</a:t>
             </a:fld>
             <a:endParaRPr lang="en-US" smtClean="0"/>
           </a:p>
@@ -6585,7 +5677,7 @@
 </p:notes>
 </file>
 
-<file path=ppt/notesSlides/notesSlide35.xml><?xml version="1.0" encoding="utf-8"?>
+<file path=ppt/notesSlides/notesSlide31.xml><?xml version="1.0" encoding="utf-8"?>
 <p:notes xmlns:a="http://schemas.openxmlformats.org/drawingml/2006/main" xmlns:r="http://schemas.openxmlformats.org/officeDocument/2006/relationships" xmlns:p="http://schemas.openxmlformats.org/presentationml/2006/main">
   <p:cSld>
     <p:spTree>
@@ -6797,7 +5889,7 @@
             <a:fld id="{A728F453-D9F9-4186-ACDB-C7BCD5E3B749}" type="slidenum">
               <a:rPr lang="he-IL" smtClean="0"/>
               <a:pPr eaLnBrk="1" hangingPunct="1"/>
-              <a:t>36</a:t>
+              <a:t>32</a:t>
             </a:fld>
             <a:endParaRPr lang="en-US" smtClean="0"/>
           </a:p>
@@ -6811,7 +5903,7 @@
 </p:notes>
 </file>
 
-<file path=ppt/notesSlides/notesSlide36.xml><?xml version="1.0" encoding="utf-8"?>
+<file path=ppt/notesSlides/notesSlide32.xml><?xml version="1.0" encoding="utf-8"?>
 <p:notes xmlns:a="http://schemas.openxmlformats.org/drawingml/2006/main" xmlns:r="http://schemas.openxmlformats.org/officeDocument/2006/relationships" xmlns:p="http://schemas.openxmlformats.org/presentationml/2006/main">
   <p:cSld>
     <p:spTree>
@@ -7023,7 +6115,7 @@
             <a:fld id="{B6DBDCFA-E516-4EC4-AA83-8BF04A89C488}" type="slidenum">
               <a:rPr lang="he-IL" smtClean="0"/>
               <a:pPr eaLnBrk="1" hangingPunct="1"/>
-              <a:t>37</a:t>
+              <a:t>33</a:t>
             </a:fld>
             <a:endParaRPr lang="en-US" smtClean="0"/>
           </a:p>
@@ -7037,7 +6129,7 @@
 </p:notes>
 </file>
 
-<file path=ppt/notesSlides/notesSlide37.xml><?xml version="1.0" encoding="utf-8"?>
+<file path=ppt/notesSlides/notesSlide33.xml><?xml version="1.0" encoding="utf-8"?>
 <p:notes xmlns:a="http://schemas.openxmlformats.org/drawingml/2006/main" xmlns:r="http://schemas.openxmlformats.org/officeDocument/2006/relationships" xmlns:p="http://schemas.openxmlformats.org/presentationml/2006/main">
   <p:cSld>
     <p:spTree>
@@ -7249,7 +6341,7 @@
             <a:fld id="{47083907-3A71-4933-AC68-7D65726D725F}" type="slidenum">
               <a:rPr lang="en-US" smtClean="0"/>
               <a:pPr eaLnBrk="1" hangingPunct="1"/>
-              <a:t>38</a:t>
+              <a:t>34</a:t>
             </a:fld>
             <a:endParaRPr lang="en-US" smtClean="0"/>
           </a:p>
@@ -7263,7 +6355,7 @@
 </p:notes>
 </file>
 
-<file path=ppt/notesSlides/notesSlide38.xml><?xml version="1.0" encoding="utf-8"?>
+<file path=ppt/notesSlides/notesSlide34.xml><?xml version="1.0" encoding="utf-8"?>
 <p:notes xmlns:a="http://schemas.openxmlformats.org/drawingml/2006/main" xmlns:r="http://schemas.openxmlformats.org/officeDocument/2006/relationships" xmlns:p="http://schemas.openxmlformats.org/presentationml/2006/main">
   <p:cSld>
     <p:spTree>
@@ -7475,7 +6567,7 @@
             <a:fld id="{78E40311-9FC8-49A2-A135-BE80DAA4CE55}" type="slidenum">
               <a:rPr lang="he-IL" smtClean="0"/>
               <a:pPr eaLnBrk="1" hangingPunct="1"/>
-              <a:t>39</a:t>
+              <a:t>35</a:t>
             </a:fld>
             <a:endParaRPr lang="en-US" smtClean="0"/>
           </a:p>
@@ -7489,7 +6581,7 @@
 </p:notes>
 </file>
 
-<file path=ppt/notesSlides/notesSlide39.xml><?xml version="1.0" encoding="utf-8"?>
+<file path=ppt/notesSlides/notesSlide35.xml><?xml version="1.0" encoding="utf-8"?>
 <p:notes xmlns:a="http://schemas.openxmlformats.org/drawingml/2006/main" xmlns:r="http://schemas.openxmlformats.org/officeDocument/2006/relationships" xmlns:p="http://schemas.openxmlformats.org/presentationml/2006/main">
   <p:cSld>
     <p:spTree>
@@ -7699,6 +6791,910 @@
           <a:p>
             <a:pPr eaLnBrk="1" hangingPunct="1"/>
             <a:fld id="{68969ADE-8508-4847-A9E0-F1776EAD32E8}" type="slidenum">
+              <a:rPr lang="he-IL" smtClean="0"/>
+              <a:pPr eaLnBrk="1" hangingPunct="1"/>
+              <a:t>36</a:t>
+            </a:fld>
+            <a:endParaRPr lang="en-US" smtClean="0"/>
+          </a:p>
+        </p:txBody>
+      </p:sp>
+    </p:spTree>
+  </p:cSld>
+  <p:clrMapOvr>
+    <a:masterClrMapping/>
+  </p:clrMapOvr>
+</p:notes>
+</file>
+
+<file path=ppt/notesSlides/notesSlide36.xml><?xml version="1.0" encoding="utf-8"?>
+<p:notes xmlns:a="http://schemas.openxmlformats.org/drawingml/2006/main" xmlns:r="http://schemas.openxmlformats.org/officeDocument/2006/relationships" xmlns:p="http://schemas.openxmlformats.org/presentationml/2006/main">
+  <p:cSld>
+    <p:spTree>
+      <p:nvGrpSpPr>
+        <p:cNvPr id="1" name=""/>
+        <p:cNvGrpSpPr/>
+        <p:nvPr/>
+      </p:nvGrpSpPr>
+      <p:grpSpPr>
+        <a:xfrm>
+          <a:off x="0" y="0"/>
+          <a:ext cx="0" cy="0"/>
+          <a:chOff x="0" y="0"/>
+          <a:chExt cx="0" cy="0"/>
+        </a:xfrm>
+      </p:grpSpPr>
+      <p:sp>
+        <p:nvSpPr>
+          <p:cNvPr id="87042" name="מציין מיקום של תמונת שקופית 1"/>
+          <p:cNvSpPr>
+            <a:spLocks noGrp="1" noRot="1" noChangeAspect="1" noTextEdit="1"/>
+          </p:cNvSpPr>
+          <p:nvPr>
+            <p:ph type="sldImg"/>
+          </p:nvPr>
+        </p:nvSpPr>
+        <p:spPr>
+          <a:ln/>
+        </p:spPr>
+      </p:sp>
+      <p:sp>
+        <p:nvSpPr>
+          <p:cNvPr id="87043" name="מציין מיקום של הערות 2"/>
+          <p:cNvSpPr>
+            <a:spLocks noGrp="1"/>
+          </p:cNvSpPr>
+          <p:nvPr>
+            <p:ph type="body" idx="1"/>
+          </p:nvPr>
+        </p:nvSpPr>
+        <p:spPr>
+          <a:noFill/>
+          <a:ln/>
+          <a:extLst>
+            <a:ext uri="{909E8E84-426E-40DD-AFC4-6F175D3DCCD1}">
+              <a14:hiddenFill xmlns:a14="http://schemas.microsoft.com/office/drawing/2010/main">
+                <a:solidFill>
+                  <a:srgbClr val="FFFFFF"/>
+                </a:solidFill>
+              </a14:hiddenFill>
+            </a:ext>
+            <a:ext uri="{91240B29-F687-4F45-9708-019B960494DF}">
+              <a14:hiddenLine xmlns:a14="http://schemas.microsoft.com/office/drawing/2010/main" w="9525">
+                <a:solidFill>
+                  <a:srgbClr val="000000"/>
+                </a:solidFill>
+                <a:miter lim="800000"/>
+                <a:headEnd/>
+                <a:tailEnd/>
+              </a14:hiddenLine>
+            </a:ext>
+          </a:extLst>
+        </p:spPr>
+        <p:txBody>
+          <a:bodyPr/>
+          <a:lstStyle/>
+          <a:p>
+            <a:endParaRPr lang="he-IL" smtClean="0">
+              <a:latin typeface="Arial" pitchFamily="34" charset="0"/>
+            </a:endParaRPr>
+          </a:p>
+        </p:txBody>
+      </p:sp>
+      <p:sp>
+        <p:nvSpPr>
+          <p:cNvPr id="87044" name="מציין מיקום של מספר שקופית 3"/>
+          <p:cNvSpPr>
+            <a:spLocks noGrp="1"/>
+          </p:cNvSpPr>
+          <p:nvPr>
+            <p:ph type="sldNum" sz="quarter" idx="5"/>
+          </p:nvPr>
+        </p:nvSpPr>
+        <p:spPr>
+          <a:noFill/>
+          <a:ln/>
+          <a:extLst>
+            <a:ext uri="{909E8E84-426E-40DD-AFC4-6F175D3DCCD1}">
+              <a14:hiddenFill xmlns:a14="http://schemas.microsoft.com/office/drawing/2010/main">
+                <a:solidFill>
+                  <a:srgbClr val="FFFFFF"/>
+                </a:solidFill>
+              </a14:hiddenFill>
+            </a:ext>
+            <a:ext uri="{91240B29-F687-4F45-9708-019B960494DF}">
+              <a14:hiddenLine xmlns:a14="http://schemas.microsoft.com/office/drawing/2010/main" w="9525">
+                <a:solidFill>
+                  <a:srgbClr val="000000"/>
+                </a:solidFill>
+                <a:miter lim="800000"/>
+                <a:headEnd/>
+                <a:tailEnd/>
+              </a14:hiddenLine>
+            </a:ext>
+          </a:extLst>
+        </p:spPr>
+        <p:txBody>
+          <a:bodyPr/>
+          <a:lstStyle>
+            <a:lvl1pPr eaLnBrk="0" hangingPunct="0">
+              <a:defRPr>
+                <a:solidFill>
+                  <a:schemeClr val="tx1"/>
+                </a:solidFill>
+                <a:latin typeface="Arial" pitchFamily="34" charset="0"/>
+              </a:defRPr>
+            </a:lvl1pPr>
+            <a:lvl2pPr marL="742950" indent="-285750" eaLnBrk="0" hangingPunct="0">
+              <a:defRPr>
+                <a:solidFill>
+                  <a:schemeClr val="tx1"/>
+                </a:solidFill>
+                <a:latin typeface="Arial" pitchFamily="34" charset="0"/>
+              </a:defRPr>
+            </a:lvl2pPr>
+            <a:lvl3pPr marL="1143000" indent="-228600" eaLnBrk="0" hangingPunct="0">
+              <a:defRPr>
+                <a:solidFill>
+                  <a:schemeClr val="tx1"/>
+                </a:solidFill>
+                <a:latin typeface="Arial" pitchFamily="34" charset="0"/>
+              </a:defRPr>
+            </a:lvl3pPr>
+            <a:lvl4pPr marL="1600200" indent="-228600" eaLnBrk="0" hangingPunct="0">
+              <a:defRPr>
+                <a:solidFill>
+                  <a:schemeClr val="tx1"/>
+                </a:solidFill>
+                <a:latin typeface="Arial" pitchFamily="34" charset="0"/>
+              </a:defRPr>
+            </a:lvl4pPr>
+            <a:lvl5pPr marL="2057400" indent="-228600" eaLnBrk="0" hangingPunct="0">
+              <a:defRPr>
+                <a:solidFill>
+                  <a:schemeClr val="tx1"/>
+                </a:solidFill>
+                <a:latin typeface="Arial" pitchFamily="34" charset="0"/>
+              </a:defRPr>
+            </a:lvl5pPr>
+            <a:lvl6pPr marL="2514600" indent="-228600" algn="l" rtl="0" eaLnBrk="0" fontAlgn="base" hangingPunct="0">
+              <a:spcBef>
+                <a:spcPct val="50000"/>
+              </a:spcBef>
+              <a:spcAft>
+                <a:spcPct val="0"/>
+              </a:spcAft>
+              <a:defRPr>
+                <a:solidFill>
+                  <a:schemeClr val="tx1"/>
+                </a:solidFill>
+                <a:latin typeface="Arial" pitchFamily="34" charset="0"/>
+              </a:defRPr>
+            </a:lvl6pPr>
+            <a:lvl7pPr marL="2971800" indent="-228600" algn="l" rtl="0" eaLnBrk="0" fontAlgn="base" hangingPunct="0">
+              <a:spcBef>
+                <a:spcPct val="50000"/>
+              </a:spcBef>
+              <a:spcAft>
+                <a:spcPct val="0"/>
+              </a:spcAft>
+              <a:defRPr>
+                <a:solidFill>
+                  <a:schemeClr val="tx1"/>
+                </a:solidFill>
+                <a:latin typeface="Arial" pitchFamily="34" charset="0"/>
+              </a:defRPr>
+            </a:lvl7pPr>
+            <a:lvl8pPr marL="3429000" indent="-228600" algn="l" rtl="0" eaLnBrk="0" fontAlgn="base" hangingPunct="0">
+              <a:spcBef>
+                <a:spcPct val="50000"/>
+              </a:spcBef>
+              <a:spcAft>
+                <a:spcPct val="0"/>
+              </a:spcAft>
+              <a:defRPr>
+                <a:solidFill>
+                  <a:schemeClr val="tx1"/>
+                </a:solidFill>
+                <a:latin typeface="Arial" pitchFamily="34" charset="0"/>
+              </a:defRPr>
+            </a:lvl8pPr>
+            <a:lvl9pPr marL="3886200" indent="-228600" algn="l" rtl="0" eaLnBrk="0" fontAlgn="base" hangingPunct="0">
+              <a:spcBef>
+                <a:spcPct val="50000"/>
+              </a:spcBef>
+              <a:spcAft>
+                <a:spcPct val="0"/>
+              </a:spcAft>
+              <a:defRPr>
+                <a:solidFill>
+                  <a:schemeClr val="tx1"/>
+                </a:solidFill>
+                <a:latin typeface="Arial" pitchFamily="34" charset="0"/>
+              </a:defRPr>
+            </a:lvl9pPr>
+          </a:lstStyle>
+          <a:p>
+            <a:pPr eaLnBrk="1" hangingPunct="1"/>
+            <a:fld id="{EB36622F-B3C9-452B-8FD6-0CDC9D89507B}" type="slidenum">
+              <a:rPr lang="ar-SA" smtClean="0"/>
+              <a:pPr eaLnBrk="1" hangingPunct="1"/>
+              <a:t>37</a:t>
+            </a:fld>
+            <a:endParaRPr lang="en-US" smtClean="0"/>
+          </a:p>
+        </p:txBody>
+      </p:sp>
+    </p:spTree>
+  </p:cSld>
+  <p:clrMapOvr>
+    <a:masterClrMapping/>
+  </p:clrMapOvr>
+</p:notes>
+</file>
+
+<file path=ppt/notesSlides/notesSlide37.xml><?xml version="1.0" encoding="utf-8"?>
+<p:notes xmlns:a="http://schemas.openxmlformats.org/drawingml/2006/main" xmlns:r="http://schemas.openxmlformats.org/officeDocument/2006/relationships" xmlns:p="http://schemas.openxmlformats.org/presentationml/2006/main">
+  <p:cSld>
+    <p:spTree>
+      <p:nvGrpSpPr>
+        <p:cNvPr id="1" name=""/>
+        <p:cNvGrpSpPr/>
+        <p:nvPr/>
+      </p:nvGrpSpPr>
+      <p:grpSpPr>
+        <a:xfrm>
+          <a:off x="0" y="0"/>
+          <a:ext cx="0" cy="0"/>
+          <a:chOff x="0" y="0"/>
+          <a:chExt cx="0" cy="0"/>
+        </a:xfrm>
+      </p:grpSpPr>
+      <p:sp>
+        <p:nvSpPr>
+          <p:cNvPr id="88066" name="מציין מיקום של תמונת שקופית 1"/>
+          <p:cNvSpPr>
+            <a:spLocks noGrp="1" noRot="1" noChangeAspect="1" noTextEdit="1"/>
+          </p:cNvSpPr>
+          <p:nvPr>
+            <p:ph type="sldImg"/>
+          </p:nvPr>
+        </p:nvSpPr>
+        <p:spPr>
+          <a:ln/>
+        </p:spPr>
+      </p:sp>
+      <p:sp>
+        <p:nvSpPr>
+          <p:cNvPr id="88067" name="מציין מיקום של הערות 2"/>
+          <p:cNvSpPr>
+            <a:spLocks noGrp="1"/>
+          </p:cNvSpPr>
+          <p:nvPr>
+            <p:ph type="body" idx="1"/>
+          </p:nvPr>
+        </p:nvSpPr>
+        <p:spPr>
+          <a:noFill/>
+          <a:ln/>
+          <a:extLst>
+            <a:ext uri="{909E8E84-426E-40DD-AFC4-6F175D3DCCD1}">
+              <a14:hiddenFill xmlns:a14="http://schemas.microsoft.com/office/drawing/2010/main">
+                <a:solidFill>
+                  <a:srgbClr val="FFFFFF"/>
+                </a:solidFill>
+              </a14:hiddenFill>
+            </a:ext>
+            <a:ext uri="{91240B29-F687-4F45-9708-019B960494DF}">
+              <a14:hiddenLine xmlns:a14="http://schemas.microsoft.com/office/drawing/2010/main" w="9525">
+                <a:solidFill>
+                  <a:srgbClr val="000000"/>
+                </a:solidFill>
+                <a:miter lim="800000"/>
+                <a:headEnd/>
+                <a:tailEnd/>
+              </a14:hiddenLine>
+            </a:ext>
+          </a:extLst>
+        </p:spPr>
+        <p:txBody>
+          <a:bodyPr/>
+          <a:lstStyle/>
+          <a:p>
+            <a:endParaRPr lang="he-IL" smtClean="0">
+              <a:latin typeface="Arial" pitchFamily="34" charset="0"/>
+            </a:endParaRPr>
+          </a:p>
+        </p:txBody>
+      </p:sp>
+      <p:sp>
+        <p:nvSpPr>
+          <p:cNvPr id="88068" name="מציין מיקום של מספר שקופית 3"/>
+          <p:cNvSpPr>
+            <a:spLocks noGrp="1"/>
+          </p:cNvSpPr>
+          <p:nvPr>
+            <p:ph type="sldNum" sz="quarter" idx="5"/>
+          </p:nvPr>
+        </p:nvSpPr>
+        <p:spPr>
+          <a:noFill/>
+          <a:ln/>
+          <a:extLst>
+            <a:ext uri="{909E8E84-426E-40DD-AFC4-6F175D3DCCD1}">
+              <a14:hiddenFill xmlns:a14="http://schemas.microsoft.com/office/drawing/2010/main">
+                <a:solidFill>
+                  <a:srgbClr val="FFFFFF"/>
+                </a:solidFill>
+              </a14:hiddenFill>
+            </a:ext>
+            <a:ext uri="{91240B29-F687-4F45-9708-019B960494DF}">
+              <a14:hiddenLine xmlns:a14="http://schemas.microsoft.com/office/drawing/2010/main" w="9525">
+                <a:solidFill>
+                  <a:srgbClr val="000000"/>
+                </a:solidFill>
+                <a:miter lim="800000"/>
+                <a:headEnd/>
+                <a:tailEnd/>
+              </a14:hiddenLine>
+            </a:ext>
+          </a:extLst>
+        </p:spPr>
+        <p:txBody>
+          <a:bodyPr/>
+          <a:lstStyle>
+            <a:lvl1pPr eaLnBrk="0" hangingPunct="0">
+              <a:defRPr>
+                <a:solidFill>
+                  <a:schemeClr val="tx1"/>
+                </a:solidFill>
+                <a:latin typeface="Arial" pitchFamily="34" charset="0"/>
+              </a:defRPr>
+            </a:lvl1pPr>
+            <a:lvl2pPr marL="742950" indent="-285750" eaLnBrk="0" hangingPunct="0">
+              <a:defRPr>
+                <a:solidFill>
+                  <a:schemeClr val="tx1"/>
+                </a:solidFill>
+                <a:latin typeface="Arial" pitchFamily="34" charset="0"/>
+              </a:defRPr>
+            </a:lvl2pPr>
+            <a:lvl3pPr marL="1143000" indent="-228600" eaLnBrk="0" hangingPunct="0">
+              <a:defRPr>
+                <a:solidFill>
+                  <a:schemeClr val="tx1"/>
+                </a:solidFill>
+                <a:latin typeface="Arial" pitchFamily="34" charset="0"/>
+              </a:defRPr>
+            </a:lvl3pPr>
+            <a:lvl4pPr marL="1600200" indent="-228600" eaLnBrk="0" hangingPunct="0">
+              <a:defRPr>
+                <a:solidFill>
+                  <a:schemeClr val="tx1"/>
+                </a:solidFill>
+                <a:latin typeface="Arial" pitchFamily="34" charset="0"/>
+              </a:defRPr>
+            </a:lvl4pPr>
+            <a:lvl5pPr marL="2057400" indent="-228600" eaLnBrk="0" hangingPunct="0">
+              <a:defRPr>
+                <a:solidFill>
+                  <a:schemeClr val="tx1"/>
+                </a:solidFill>
+                <a:latin typeface="Arial" pitchFamily="34" charset="0"/>
+              </a:defRPr>
+            </a:lvl5pPr>
+            <a:lvl6pPr marL="2514600" indent="-228600" algn="l" rtl="0" eaLnBrk="0" fontAlgn="base" hangingPunct="0">
+              <a:spcBef>
+                <a:spcPct val="50000"/>
+              </a:spcBef>
+              <a:spcAft>
+                <a:spcPct val="0"/>
+              </a:spcAft>
+              <a:defRPr>
+                <a:solidFill>
+                  <a:schemeClr val="tx1"/>
+                </a:solidFill>
+                <a:latin typeface="Arial" pitchFamily="34" charset="0"/>
+              </a:defRPr>
+            </a:lvl6pPr>
+            <a:lvl7pPr marL="2971800" indent="-228600" algn="l" rtl="0" eaLnBrk="0" fontAlgn="base" hangingPunct="0">
+              <a:spcBef>
+                <a:spcPct val="50000"/>
+              </a:spcBef>
+              <a:spcAft>
+                <a:spcPct val="0"/>
+              </a:spcAft>
+              <a:defRPr>
+                <a:solidFill>
+                  <a:schemeClr val="tx1"/>
+                </a:solidFill>
+                <a:latin typeface="Arial" pitchFamily="34" charset="0"/>
+              </a:defRPr>
+            </a:lvl7pPr>
+            <a:lvl8pPr marL="3429000" indent="-228600" algn="l" rtl="0" eaLnBrk="0" fontAlgn="base" hangingPunct="0">
+              <a:spcBef>
+                <a:spcPct val="50000"/>
+              </a:spcBef>
+              <a:spcAft>
+                <a:spcPct val="0"/>
+              </a:spcAft>
+              <a:defRPr>
+                <a:solidFill>
+                  <a:schemeClr val="tx1"/>
+                </a:solidFill>
+                <a:latin typeface="Arial" pitchFamily="34" charset="0"/>
+              </a:defRPr>
+            </a:lvl8pPr>
+            <a:lvl9pPr marL="3886200" indent="-228600" algn="l" rtl="0" eaLnBrk="0" fontAlgn="base" hangingPunct="0">
+              <a:spcBef>
+                <a:spcPct val="50000"/>
+              </a:spcBef>
+              <a:spcAft>
+                <a:spcPct val="0"/>
+              </a:spcAft>
+              <a:defRPr>
+                <a:solidFill>
+                  <a:schemeClr val="tx1"/>
+                </a:solidFill>
+                <a:latin typeface="Arial" pitchFamily="34" charset="0"/>
+              </a:defRPr>
+            </a:lvl9pPr>
+          </a:lstStyle>
+          <a:p>
+            <a:pPr eaLnBrk="1" hangingPunct="1"/>
+            <a:fld id="{ACCE91C3-A52A-4394-BE6F-63EEA23BB623}" type="slidenum">
+              <a:rPr lang="he-IL" smtClean="0"/>
+              <a:pPr eaLnBrk="1" hangingPunct="1"/>
+              <a:t>38</a:t>
+            </a:fld>
+            <a:endParaRPr lang="en-US" smtClean="0"/>
+          </a:p>
+        </p:txBody>
+      </p:sp>
+    </p:spTree>
+  </p:cSld>
+  <p:clrMapOvr>
+    <a:masterClrMapping/>
+  </p:clrMapOvr>
+</p:notes>
+</file>
+
+<file path=ppt/notesSlides/notesSlide38.xml><?xml version="1.0" encoding="utf-8"?>
+<p:notes xmlns:a="http://schemas.openxmlformats.org/drawingml/2006/main" xmlns:r="http://schemas.openxmlformats.org/officeDocument/2006/relationships" xmlns:p="http://schemas.openxmlformats.org/presentationml/2006/main">
+  <p:cSld>
+    <p:spTree>
+      <p:nvGrpSpPr>
+        <p:cNvPr id="1" name=""/>
+        <p:cNvGrpSpPr/>
+        <p:nvPr/>
+      </p:nvGrpSpPr>
+      <p:grpSpPr>
+        <a:xfrm>
+          <a:off x="0" y="0"/>
+          <a:ext cx="0" cy="0"/>
+          <a:chOff x="0" y="0"/>
+          <a:chExt cx="0" cy="0"/>
+        </a:xfrm>
+      </p:grpSpPr>
+      <p:sp>
+        <p:nvSpPr>
+          <p:cNvPr id="89090" name="מציין מיקום של תמונת שקופית 1"/>
+          <p:cNvSpPr>
+            <a:spLocks noGrp="1" noRot="1" noChangeAspect="1" noTextEdit="1"/>
+          </p:cNvSpPr>
+          <p:nvPr>
+            <p:ph type="sldImg"/>
+          </p:nvPr>
+        </p:nvSpPr>
+        <p:spPr>
+          <a:ln/>
+        </p:spPr>
+      </p:sp>
+      <p:sp>
+        <p:nvSpPr>
+          <p:cNvPr id="89091" name="מציין מיקום של הערות 2"/>
+          <p:cNvSpPr>
+            <a:spLocks noGrp="1"/>
+          </p:cNvSpPr>
+          <p:nvPr>
+            <p:ph type="body" idx="1"/>
+          </p:nvPr>
+        </p:nvSpPr>
+        <p:spPr>
+          <a:noFill/>
+          <a:ln/>
+          <a:extLst>
+            <a:ext uri="{909E8E84-426E-40DD-AFC4-6F175D3DCCD1}">
+              <a14:hiddenFill xmlns:a14="http://schemas.microsoft.com/office/drawing/2010/main">
+                <a:solidFill>
+                  <a:srgbClr val="FFFFFF"/>
+                </a:solidFill>
+              </a14:hiddenFill>
+            </a:ext>
+            <a:ext uri="{91240B29-F687-4F45-9708-019B960494DF}">
+              <a14:hiddenLine xmlns:a14="http://schemas.microsoft.com/office/drawing/2010/main" w="9525">
+                <a:solidFill>
+                  <a:srgbClr val="000000"/>
+                </a:solidFill>
+                <a:miter lim="800000"/>
+                <a:headEnd/>
+                <a:tailEnd/>
+              </a14:hiddenLine>
+            </a:ext>
+          </a:extLst>
+        </p:spPr>
+        <p:txBody>
+          <a:bodyPr/>
+          <a:lstStyle/>
+          <a:p>
+            <a:endParaRPr lang="he-IL" smtClean="0">
+              <a:latin typeface="Arial" pitchFamily="34" charset="0"/>
+            </a:endParaRPr>
+          </a:p>
+        </p:txBody>
+      </p:sp>
+      <p:sp>
+        <p:nvSpPr>
+          <p:cNvPr id="89092" name="מציין מיקום של מספר שקופית 3"/>
+          <p:cNvSpPr>
+            <a:spLocks noGrp="1"/>
+          </p:cNvSpPr>
+          <p:nvPr>
+            <p:ph type="sldNum" sz="quarter" idx="5"/>
+          </p:nvPr>
+        </p:nvSpPr>
+        <p:spPr>
+          <a:noFill/>
+          <a:ln/>
+          <a:extLst>
+            <a:ext uri="{909E8E84-426E-40DD-AFC4-6F175D3DCCD1}">
+              <a14:hiddenFill xmlns:a14="http://schemas.microsoft.com/office/drawing/2010/main">
+                <a:solidFill>
+                  <a:srgbClr val="FFFFFF"/>
+                </a:solidFill>
+              </a14:hiddenFill>
+            </a:ext>
+            <a:ext uri="{91240B29-F687-4F45-9708-019B960494DF}">
+              <a14:hiddenLine xmlns:a14="http://schemas.microsoft.com/office/drawing/2010/main" w="9525">
+                <a:solidFill>
+                  <a:srgbClr val="000000"/>
+                </a:solidFill>
+                <a:miter lim="800000"/>
+                <a:headEnd/>
+                <a:tailEnd/>
+              </a14:hiddenLine>
+            </a:ext>
+          </a:extLst>
+        </p:spPr>
+        <p:txBody>
+          <a:bodyPr/>
+          <a:lstStyle>
+            <a:lvl1pPr eaLnBrk="0" hangingPunct="0">
+              <a:defRPr>
+                <a:solidFill>
+                  <a:schemeClr val="tx1"/>
+                </a:solidFill>
+                <a:latin typeface="Arial" pitchFamily="34" charset="0"/>
+              </a:defRPr>
+            </a:lvl1pPr>
+            <a:lvl2pPr marL="742950" indent="-285750" eaLnBrk="0" hangingPunct="0">
+              <a:defRPr>
+                <a:solidFill>
+                  <a:schemeClr val="tx1"/>
+                </a:solidFill>
+                <a:latin typeface="Arial" pitchFamily="34" charset="0"/>
+              </a:defRPr>
+            </a:lvl2pPr>
+            <a:lvl3pPr marL="1143000" indent="-228600" eaLnBrk="0" hangingPunct="0">
+              <a:defRPr>
+                <a:solidFill>
+                  <a:schemeClr val="tx1"/>
+                </a:solidFill>
+                <a:latin typeface="Arial" pitchFamily="34" charset="0"/>
+              </a:defRPr>
+            </a:lvl3pPr>
+            <a:lvl4pPr marL="1600200" indent="-228600" eaLnBrk="0" hangingPunct="0">
+              <a:defRPr>
+                <a:solidFill>
+                  <a:schemeClr val="tx1"/>
+                </a:solidFill>
+                <a:latin typeface="Arial" pitchFamily="34" charset="0"/>
+              </a:defRPr>
+            </a:lvl4pPr>
+            <a:lvl5pPr marL="2057400" indent="-228600" eaLnBrk="0" hangingPunct="0">
+              <a:defRPr>
+                <a:solidFill>
+                  <a:schemeClr val="tx1"/>
+                </a:solidFill>
+                <a:latin typeface="Arial" pitchFamily="34" charset="0"/>
+              </a:defRPr>
+            </a:lvl5pPr>
+            <a:lvl6pPr marL="2514600" indent="-228600" algn="l" rtl="0" eaLnBrk="0" fontAlgn="base" hangingPunct="0">
+              <a:spcBef>
+                <a:spcPct val="50000"/>
+              </a:spcBef>
+              <a:spcAft>
+                <a:spcPct val="0"/>
+              </a:spcAft>
+              <a:defRPr>
+                <a:solidFill>
+                  <a:schemeClr val="tx1"/>
+                </a:solidFill>
+                <a:latin typeface="Arial" pitchFamily="34" charset="0"/>
+              </a:defRPr>
+            </a:lvl6pPr>
+            <a:lvl7pPr marL="2971800" indent="-228600" algn="l" rtl="0" eaLnBrk="0" fontAlgn="base" hangingPunct="0">
+              <a:spcBef>
+                <a:spcPct val="50000"/>
+              </a:spcBef>
+              <a:spcAft>
+                <a:spcPct val="0"/>
+              </a:spcAft>
+              <a:defRPr>
+                <a:solidFill>
+                  <a:schemeClr val="tx1"/>
+                </a:solidFill>
+                <a:latin typeface="Arial" pitchFamily="34" charset="0"/>
+              </a:defRPr>
+            </a:lvl7pPr>
+            <a:lvl8pPr marL="3429000" indent="-228600" algn="l" rtl="0" eaLnBrk="0" fontAlgn="base" hangingPunct="0">
+              <a:spcBef>
+                <a:spcPct val="50000"/>
+              </a:spcBef>
+              <a:spcAft>
+                <a:spcPct val="0"/>
+              </a:spcAft>
+              <a:defRPr>
+                <a:solidFill>
+                  <a:schemeClr val="tx1"/>
+                </a:solidFill>
+                <a:latin typeface="Arial" pitchFamily="34" charset="0"/>
+              </a:defRPr>
+            </a:lvl8pPr>
+            <a:lvl9pPr marL="3886200" indent="-228600" algn="l" rtl="0" eaLnBrk="0" fontAlgn="base" hangingPunct="0">
+              <a:spcBef>
+                <a:spcPct val="50000"/>
+              </a:spcBef>
+              <a:spcAft>
+                <a:spcPct val="0"/>
+              </a:spcAft>
+              <a:defRPr>
+                <a:solidFill>
+                  <a:schemeClr val="tx1"/>
+                </a:solidFill>
+                <a:latin typeface="Arial" pitchFamily="34" charset="0"/>
+              </a:defRPr>
+            </a:lvl9pPr>
+          </a:lstStyle>
+          <a:p>
+            <a:pPr eaLnBrk="1" hangingPunct="1"/>
+            <a:fld id="{9431E55C-49DD-4E16-8E13-B045B408DB47}" type="slidenum">
+              <a:rPr lang="he-IL" smtClean="0"/>
+              <a:pPr eaLnBrk="1" hangingPunct="1"/>
+              <a:t>39</a:t>
+            </a:fld>
+            <a:endParaRPr lang="en-US" smtClean="0"/>
+          </a:p>
+        </p:txBody>
+      </p:sp>
+    </p:spTree>
+  </p:cSld>
+  <p:clrMapOvr>
+    <a:masterClrMapping/>
+  </p:clrMapOvr>
+</p:notes>
+</file>
+
+<file path=ppt/notesSlides/notesSlide39.xml><?xml version="1.0" encoding="utf-8"?>
+<p:notes xmlns:a="http://schemas.openxmlformats.org/drawingml/2006/main" xmlns:r="http://schemas.openxmlformats.org/officeDocument/2006/relationships" xmlns:p="http://schemas.openxmlformats.org/presentationml/2006/main">
+  <p:cSld>
+    <p:spTree>
+      <p:nvGrpSpPr>
+        <p:cNvPr id="1" name=""/>
+        <p:cNvGrpSpPr/>
+        <p:nvPr/>
+      </p:nvGrpSpPr>
+      <p:grpSpPr>
+        <a:xfrm>
+          <a:off x="0" y="0"/>
+          <a:ext cx="0" cy="0"/>
+          <a:chOff x="0" y="0"/>
+          <a:chExt cx="0" cy="0"/>
+        </a:xfrm>
+      </p:grpSpPr>
+      <p:sp>
+        <p:nvSpPr>
+          <p:cNvPr id="90114" name="מציין מיקום של תמונת שקופית 1"/>
+          <p:cNvSpPr>
+            <a:spLocks noGrp="1" noRot="1" noChangeAspect="1" noTextEdit="1"/>
+          </p:cNvSpPr>
+          <p:nvPr>
+            <p:ph type="sldImg"/>
+          </p:nvPr>
+        </p:nvSpPr>
+        <p:spPr>
+          <a:ln/>
+        </p:spPr>
+      </p:sp>
+      <p:sp>
+        <p:nvSpPr>
+          <p:cNvPr id="90115" name="מציין מיקום של הערות 2"/>
+          <p:cNvSpPr>
+            <a:spLocks noGrp="1"/>
+          </p:cNvSpPr>
+          <p:nvPr>
+            <p:ph type="body" idx="1"/>
+          </p:nvPr>
+        </p:nvSpPr>
+        <p:spPr>
+          <a:noFill/>
+          <a:ln/>
+          <a:extLst>
+            <a:ext uri="{909E8E84-426E-40DD-AFC4-6F175D3DCCD1}">
+              <a14:hiddenFill xmlns:a14="http://schemas.microsoft.com/office/drawing/2010/main">
+                <a:solidFill>
+                  <a:srgbClr val="FFFFFF"/>
+                </a:solidFill>
+              </a14:hiddenFill>
+            </a:ext>
+            <a:ext uri="{91240B29-F687-4F45-9708-019B960494DF}">
+              <a14:hiddenLine xmlns:a14="http://schemas.microsoft.com/office/drawing/2010/main" w="9525">
+                <a:solidFill>
+                  <a:srgbClr val="000000"/>
+                </a:solidFill>
+                <a:miter lim="800000"/>
+                <a:headEnd/>
+                <a:tailEnd/>
+              </a14:hiddenLine>
+            </a:ext>
+          </a:extLst>
+        </p:spPr>
+        <p:txBody>
+          <a:bodyPr/>
+          <a:lstStyle/>
+          <a:p>
+            <a:endParaRPr lang="he-IL" smtClean="0">
+              <a:latin typeface="Arial" pitchFamily="34" charset="0"/>
+            </a:endParaRPr>
+          </a:p>
+        </p:txBody>
+      </p:sp>
+      <p:sp>
+        <p:nvSpPr>
+          <p:cNvPr id="90116" name="מציין מיקום של מספר שקופית 3"/>
+          <p:cNvSpPr>
+            <a:spLocks noGrp="1"/>
+          </p:cNvSpPr>
+          <p:nvPr>
+            <p:ph type="sldNum" sz="quarter" idx="5"/>
+          </p:nvPr>
+        </p:nvSpPr>
+        <p:spPr>
+          <a:noFill/>
+          <a:ln/>
+          <a:extLst>
+            <a:ext uri="{909E8E84-426E-40DD-AFC4-6F175D3DCCD1}">
+              <a14:hiddenFill xmlns:a14="http://schemas.microsoft.com/office/drawing/2010/main">
+                <a:solidFill>
+                  <a:srgbClr val="FFFFFF"/>
+                </a:solidFill>
+              </a14:hiddenFill>
+            </a:ext>
+            <a:ext uri="{91240B29-F687-4F45-9708-019B960494DF}">
+              <a14:hiddenLine xmlns:a14="http://schemas.microsoft.com/office/drawing/2010/main" w="9525">
+                <a:solidFill>
+                  <a:srgbClr val="000000"/>
+                </a:solidFill>
+                <a:miter lim="800000"/>
+                <a:headEnd/>
+                <a:tailEnd/>
+              </a14:hiddenLine>
+            </a:ext>
+          </a:extLst>
+        </p:spPr>
+        <p:txBody>
+          <a:bodyPr/>
+          <a:lstStyle>
+            <a:lvl1pPr eaLnBrk="0" hangingPunct="0">
+              <a:defRPr>
+                <a:solidFill>
+                  <a:schemeClr val="tx1"/>
+                </a:solidFill>
+                <a:latin typeface="Arial" pitchFamily="34" charset="0"/>
+              </a:defRPr>
+            </a:lvl1pPr>
+            <a:lvl2pPr marL="742950" indent="-285750" eaLnBrk="0" hangingPunct="0">
+              <a:defRPr>
+                <a:solidFill>
+                  <a:schemeClr val="tx1"/>
+                </a:solidFill>
+                <a:latin typeface="Arial" pitchFamily="34" charset="0"/>
+              </a:defRPr>
+            </a:lvl2pPr>
+            <a:lvl3pPr marL="1143000" indent="-228600" eaLnBrk="0" hangingPunct="0">
+              <a:defRPr>
+                <a:solidFill>
+                  <a:schemeClr val="tx1"/>
+                </a:solidFill>
+                <a:latin typeface="Arial" pitchFamily="34" charset="0"/>
+              </a:defRPr>
+            </a:lvl3pPr>
+            <a:lvl4pPr marL="1600200" indent="-228600" eaLnBrk="0" hangingPunct="0">
+              <a:defRPr>
+                <a:solidFill>
+                  <a:schemeClr val="tx1"/>
+                </a:solidFill>
+                <a:latin typeface="Arial" pitchFamily="34" charset="0"/>
+              </a:defRPr>
+            </a:lvl4pPr>
+            <a:lvl5pPr marL="2057400" indent="-228600" eaLnBrk="0" hangingPunct="0">
+              <a:defRPr>
+                <a:solidFill>
+                  <a:schemeClr val="tx1"/>
+                </a:solidFill>
+                <a:latin typeface="Arial" pitchFamily="34" charset="0"/>
+              </a:defRPr>
+            </a:lvl5pPr>
+            <a:lvl6pPr marL="2514600" indent="-228600" algn="l" rtl="0" eaLnBrk="0" fontAlgn="base" hangingPunct="0">
+              <a:spcBef>
+                <a:spcPct val="50000"/>
+              </a:spcBef>
+              <a:spcAft>
+                <a:spcPct val="0"/>
+              </a:spcAft>
+              <a:defRPr>
+                <a:solidFill>
+                  <a:schemeClr val="tx1"/>
+                </a:solidFill>
+                <a:latin typeface="Arial" pitchFamily="34" charset="0"/>
+              </a:defRPr>
+            </a:lvl6pPr>
+            <a:lvl7pPr marL="2971800" indent="-228600" algn="l" rtl="0" eaLnBrk="0" fontAlgn="base" hangingPunct="0">
+              <a:spcBef>
+                <a:spcPct val="50000"/>
+              </a:spcBef>
+              <a:spcAft>
+                <a:spcPct val="0"/>
+              </a:spcAft>
+              <a:defRPr>
+                <a:solidFill>
+                  <a:schemeClr val="tx1"/>
+                </a:solidFill>
+                <a:latin typeface="Arial" pitchFamily="34" charset="0"/>
+              </a:defRPr>
+            </a:lvl7pPr>
+            <a:lvl8pPr marL="3429000" indent="-228600" algn="l" rtl="0" eaLnBrk="0" fontAlgn="base" hangingPunct="0">
+              <a:spcBef>
+                <a:spcPct val="50000"/>
+              </a:spcBef>
+              <a:spcAft>
+                <a:spcPct val="0"/>
+              </a:spcAft>
+              <a:defRPr>
+                <a:solidFill>
+                  <a:schemeClr val="tx1"/>
+                </a:solidFill>
+                <a:latin typeface="Arial" pitchFamily="34" charset="0"/>
+              </a:defRPr>
+            </a:lvl8pPr>
+            <a:lvl9pPr marL="3886200" indent="-228600" algn="l" rtl="0" eaLnBrk="0" fontAlgn="base" hangingPunct="0">
+              <a:spcBef>
+                <a:spcPct val="50000"/>
+              </a:spcBef>
+              <a:spcAft>
+                <a:spcPct val="0"/>
+              </a:spcAft>
+              <a:defRPr>
+                <a:solidFill>
+                  <a:schemeClr val="tx1"/>
+                </a:solidFill>
+                <a:latin typeface="Arial" pitchFamily="34" charset="0"/>
+              </a:defRPr>
+            </a:lvl9pPr>
+          </a:lstStyle>
+          <a:p>
+            <a:pPr eaLnBrk="1" hangingPunct="1"/>
+            <a:fld id="{B2EB9581-CE57-450C-A911-BC99DC732B9D}" type="slidenum">
               <a:rPr lang="he-IL" smtClean="0"/>
               <a:pPr eaLnBrk="1" hangingPunct="1"/>
               <a:t>40</a:t>
@@ -7960,910 +7956,6 @@
       </p:grpSpPr>
       <p:sp>
         <p:nvSpPr>
-          <p:cNvPr id="87042" name="מציין מיקום של תמונת שקופית 1"/>
-          <p:cNvSpPr>
-            <a:spLocks noGrp="1" noRot="1" noChangeAspect="1" noTextEdit="1"/>
-          </p:cNvSpPr>
-          <p:nvPr>
-            <p:ph type="sldImg"/>
-          </p:nvPr>
-        </p:nvSpPr>
-        <p:spPr>
-          <a:ln/>
-        </p:spPr>
-      </p:sp>
-      <p:sp>
-        <p:nvSpPr>
-          <p:cNvPr id="87043" name="מציין מיקום של הערות 2"/>
-          <p:cNvSpPr>
-            <a:spLocks noGrp="1"/>
-          </p:cNvSpPr>
-          <p:nvPr>
-            <p:ph type="body" idx="1"/>
-          </p:nvPr>
-        </p:nvSpPr>
-        <p:spPr>
-          <a:noFill/>
-          <a:ln/>
-          <a:extLst>
-            <a:ext uri="{909E8E84-426E-40DD-AFC4-6F175D3DCCD1}">
-              <a14:hiddenFill xmlns:a14="http://schemas.microsoft.com/office/drawing/2010/main">
-                <a:solidFill>
-                  <a:srgbClr val="FFFFFF"/>
-                </a:solidFill>
-              </a14:hiddenFill>
-            </a:ext>
-            <a:ext uri="{91240B29-F687-4F45-9708-019B960494DF}">
-              <a14:hiddenLine xmlns:a14="http://schemas.microsoft.com/office/drawing/2010/main" w="9525">
-                <a:solidFill>
-                  <a:srgbClr val="000000"/>
-                </a:solidFill>
-                <a:miter lim="800000"/>
-                <a:headEnd/>
-                <a:tailEnd/>
-              </a14:hiddenLine>
-            </a:ext>
-          </a:extLst>
-        </p:spPr>
-        <p:txBody>
-          <a:bodyPr/>
-          <a:lstStyle/>
-          <a:p>
-            <a:endParaRPr lang="he-IL" smtClean="0">
-              <a:latin typeface="Arial" pitchFamily="34" charset="0"/>
-            </a:endParaRPr>
-          </a:p>
-        </p:txBody>
-      </p:sp>
-      <p:sp>
-        <p:nvSpPr>
-          <p:cNvPr id="87044" name="מציין מיקום של מספר שקופית 3"/>
-          <p:cNvSpPr>
-            <a:spLocks noGrp="1"/>
-          </p:cNvSpPr>
-          <p:nvPr>
-            <p:ph type="sldNum" sz="quarter" idx="5"/>
-          </p:nvPr>
-        </p:nvSpPr>
-        <p:spPr>
-          <a:noFill/>
-          <a:ln/>
-          <a:extLst>
-            <a:ext uri="{909E8E84-426E-40DD-AFC4-6F175D3DCCD1}">
-              <a14:hiddenFill xmlns:a14="http://schemas.microsoft.com/office/drawing/2010/main">
-                <a:solidFill>
-                  <a:srgbClr val="FFFFFF"/>
-                </a:solidFill>
-              </a14:hiddenFill>
-            </a:ext>
-            <a:ext uri="{91240B29-F687-4F45-9708-019B960494DF}">
-              <a14:hiddenLine xmlns:a14="http://schemas.microsoft.com/office/drawing/2010/main" w="9525">
-                <a:solidFill>
-                  <a:srgbClr val="000000"/>
-                </a:solidFill>
-                <a:miter lim="800000"/>
-                <a:headEnd/>
-                <a:tailEnd/>
-              </a14:hiddenLine>
-            </a:ext>
-          </a:extLst>
-        </p:spPr>
-        <p:txBody>
-          <a:bodyPr/>
-          <a:lstStyle>
-            <a:lvl1pPr eaLnBrk="0" hangingPunct="0">
-              <a:defRPr>
-                <a:solidFill>
-                  <a:schemeClr val="tx1"/>
-                </a:solidFill>
-                <a:latin typeface="Arial" pitchFamily="34" charset="0"/>
-              </a:defRPr>
-            </a:lvl1pPr>
-            <a:lvl2pPr marL="742950" indent="-285750" eaLnBrk="0" hangingPunct="0">
-              <a:defRPr>
-                <a:solidFill>
-                  <a:schemeClr val="tx1"/>
-                </a:solidFill>
-                <a:latin typeface="Arial" pitchFamily="34" charset="0"/>
-              </a:defRPr>
-            </a:lvl2pPr>
-            <a:lvl3pPr marL="1143000" indent="-228600" eaLnBrk="0" hangingPunct="0">
-              <a:defRPr>
-                <a:solidFill>
-                  <a:schemeClr val="tx1"/>
-                </a:solidFill>
-                <a:latin typeface="Arial" pitchFamily="34" charset="0"/>
-              </a:defRPr>
-            </a:lvl3pPr>
-            <a:lvl4pPr marL="1600200" indent="-228600" eaLnBrk="0" hangingPunct="0">
-              <a:defRPr>
-                <a:solidFill>
-                  <a:schemeClr val="tx1"/>
-                </a:solidFill>
-                <a:latin typeface="Arial" pitchFamily="34" charset="0"/>
-              </a:defRPr>
-            </a:lvl4pPr>
-            <a:lvl5pPr marL="2057400" indent="-228600" eaLnBrk="0" hangingPunct="0">
-              <a:defRPr>
-                <a:solidFill>
-                  <a:schemeClr val="tx1"/>
-                </a:solidFill>
-                <a:latin typeface="Arial" pitchFamily="34" charset="0"/>
-              </a:defRPr>
-            </a:lvl5pPr>
-            <a:lvl6pPr marL="2514600" indent="-228600" algn="l" rtl="0" eaLnBrk="0" fontAlgn="base" hangingPunct="0">
-              <a:spcBef>
-                <a:spcPct val="50000"/>
-              </a:spcBef>
-              <a:spcAft>
-                <a:spcPct val="0"/>
-              </a:spcAft>
-              <a:defRPr>
-                <a:solidFill>
-                  <a:schemeClr val="tx1"/>
-                </a:solidFill>
-                <a:latin typeface="Arial" pitchFamily="34" charset="0"/>
-              </a:defRPr>
-            </a:lvl6pPr>
-            <a:lvl7pPr marL="2971800" indent="-228600" algn="l" rtl="0" eaLnBrk="0" fontAlgn="base" hangingPunct="0">
-              <a:spcBef>
-                <a:spcPct val="50000"/>
-              </a:spcBef>
-              <a:spcAft>
-                <a:spcPct val="0"/>
-              </a:spcAft>
-              <a:defRPr>
-                <a:solidFill>
-                  <a:schemeClr val="tx1"/>
-                </a:solidFill>
-                <a:latin typeface="Arial" pitchFamily="34" charset="0"/>
-              </a:defRPr>
-            </a:lvl7pPr>
-            <a:lvl8pPr marL="3429000" indent="-228600" algn="l" rtl="0" eaLnBrk="0" fontAlgn="base" hangingPunct="0">
-              <a:spcBef>
-                <a:spcPct val="50000"/>
-              </a:spcBef>
-              <a:spcAft>
-                <a:spcPct val="0"/>
-              </a:spcAft>
-              <a:defRPr>
-                <a:solidFill>
-                  <a:schemeClr val="tx1"/>
-                </a:solidFill>
-                <a:latin typeface="Arial" pitchFamily="34" charset="0"/>
-              </a:defRPr>
-            </a:lvl8pPr>
-            <a:lvl9pPr marL="3886200" indent="-228600" algn="l" rtl="0" eaLnBrk="0" fontAlgn="base" hangingPunct="0">
-              <a:spcBef>
-                <a:spcPct val="50000"/>
-              </a:spcBef>
-              <a:spcAft>
-                <a:spcPct val="0"/>
-              </a:spcAft>
-              <a:defRPr>
-                <a:solidFill>
-                  <a:schemeClr val="tx1"/>
-                </a:solidFill>
-                <a:latin typeface="Arial" pitchFamily="34" charset="0"/>
-              </a:defRPr>
-            </a:lvl9pPr>
-          </a:lstStyle>
-          <a:p>
-            <a:pPr eaLnBrk="1" hangingPunct="1"/>
-            <a:fld id="{EB36622F-B3C9-452B-8FD6-0CDC9D89507B}" type="slidenum">
-              <a:rPr lang="ar-SA" smtClean="0"/>
-              <a:pPr eaLnBrk="1" hangingPunct="1"/>
-              <a:t>41</a:t>
-            </a:fld>
-            <a:endParaRPr lang="en-US" smtClean="0"/>
-          </a:p>
-        </p:txBody>
-      </p:sp>
-    </p:spTree>
-  </p:cSld>
-  <p:clrMapOvr>
-    <a:masterClrMapping/>
-  </p:clrMapOvr>
-</p:notes>
-</file>
-
-<file path=ppt/notesSlides/notesSlide41.xml><?xml version="1.0" encoding="utf-8"?>
-<p:notes xmlns:a="http://schemas.openxmlformats.org/drawingml/2006/main" xmlns:r="http://schemas.openxmlformats.org/officeDocument/2006/relationships" xmlns:p="http://schemas.openxmlformats.org/presentationml/2006/main">
-  <p:cSld>
-    <p:spTree>
-      <p:nvGrpSpPr>
-        <p:cNvPr id="1" name=""/>
-        <p:cNvGrpSpPr/>
-        <p:nvPr/>
-      </p:nvGrpSpPr>
-      <p:grpSpPr>
-        <a:xfrm>
-          <a:off x="0" y="0"/>
-          <a:ext cx="0" cy="0"/>
-          <a:chOff x="0" y="0"/>
-          <a:chExt cx="0" cy="0"/>
-        </a:xfrm>
-      </p:grpSpPr>
-      <p:sp>
-        <p:nvSpPr>
-          <p:cNvPr id="88066" name="מציין מיקום של תמונת שקופית 1"/>
-          <p:cNvSpPr>
-            <a:spLocks noGrp="1" noRot="1" noChangeAspect="1" noTextEdit="1"/>
-          </p:cNvSpPr>
-          <p:nvPr>
-            <p:ph type="sldImg"/>
-          </p:nvPr>
-        </p:nvSpPr>
-        <p:spPr>
-          <a:ln/>
-        </p:spPr>
-      </p:sp>
-      <p:sp>
-        <p:nvSpPr>
-          <p:cNvPr id="88067" name="מציין מיקום של הערות 2"/>
-          <p:cNvSpPr>
-            <a:spLocks noGrp="1"/>
-          </p:cNvSpPr>
-          <p:nvPr>
-            <p:ph type="body" idx="1"/>
-          </p:nvPr>
-        </p:nvSpPr>
-        <p:spPr>
-          <a:noFill/>
-          <a:ln/>
-          <a:extLst>
-            <a:ext uri="{909E8E84-426E-40DD-AFC4-6F175D3DCCD1}">
-              <a14:hiddenFill xmlns:a14="http://schemas.microsoft.com/office/drawing/2010/main">
-                <a:solidFill>
-                  <a:srgbClr val="FFFFFF"/>
-                </a:solidFill>
-              </a14:hiddenFill>
-            </a:ext>
-            <a:ext uri="{91240B29-F687-4F45-9708-019B960494DF}">
-              <a14:hiddenLine xmlns:a14="http://schemas.microsoft.com/office/drawing/2010/main" w="9525">
-                <a:solidFill>
-                  <a:srgbClr val="000000"/>
-                </a:solidFill>
-                <a:miter lim="800000"/>
-                <a:headEnd/>
-                <a:tailEnd/>
-              </a14:hiddenLine>
-            </a:ext>
-          </a:extLst>
-        </p:spPr>
-        <p:txBody>
-          <a:bodyPr/>
-          <a:lstStyle/>
-          <a:p>
-            <a:endParaRPr lang="he-IL" smtClean="0">
-              <a:latin typeface="Arial" pitchFamily="34" charset="0"/>
-            </a:endParaRPr>
-          </a:p>
-        </p:txBody>
-      </p:sp>
-      <p:sp>
-        <p:nvSpPr>
-          <p:cNvPr id="88068" name="מציין מיקום של מספר שקופית 3"/>
-          <p:cNvSpPr>
-            <a:spLocks noGrp="1"/>
-          </p:cNvSpPr>
-          <p:nvPr>
-            <p:ph type="sldNum" sz="quarter" idx="5"/>
-          </p:nvPr>
-        </p:nvSpPr>
-        <p:spPr>
-          <a:noFill/>
-          <a:ln/>
-          <a:extLst>
-            <a:ext uri="{909E8E84-426E-40DD-AFC4-6F175D3DCCD1}">
-              <a14:hiddenFill xmlns:a14="http://schemas.microsoft.com/office/drawing/2010/main">
-                <a:solidFill>
-                  <a:srgbClr val="FFFFFF"/>
-                </a:solidFill>
-              </a14:hiddenFill>
-            </a:ext>
-            <a:ext uri="{91240B29-F687-4F45-9708-019B960494DF}">
-              <a14:hiddenLine xmlns:a14="http://schemas.microsoft.com/office/drawing/2010/main" w="9525">
-                <a:solidFill>
-                  <a:srgbClr val="000000"/>
-                </a:solidFill>
-                <a:miter lim="800000"/>
-                <a:headEnd/>
-                <a:tailEnd/>
-              </a14:hiddenLine>
-            </a:ext>
-          </a:extLst>
-        </p:spPr>
-        <p:txBody>
-          <a:bodyPr/>
-          <a:lstStyle>
-            <a:lvl1pPr eaLnBrk="0" hangingPunct="0">
-              <a:defRPr>
-                <a:solidFill>
-                  <a:schemeClr val="tx1"/>
-                </a:solidFill>
-                <a:latin typeface="Arial" pitchFamily="34" charset="0"/>
-              </a:defRPr>
-            </a:lvl1pPr>
-            <a:lvl2pPr marL="742950" indent="-285750" eaLnBrk="0" hangingPunct="0">
-              <a:defRPr>
-                <a:solidFill>
-                  <a:schemeClr val="tx1"/>
-                </a:solidFill>
-                <a:latin typeface="Arial" pitchFamily="34" charset="0"/>
-              </a:defRPr>
-            </a:lvl2pPr>
-            <a:lvl3pPr marL="1143000" indent="-228600" eaLnBrk="0" hangingPunct="0">
-              <a:defRPr>
-                <a:solidFill>
-                  <a:schemeClr val="tx1"/>
-                </a:solidFill>
-                <a:latin typeface="Arial" pitchFamily="34" charset="0"/>
-              </a:defRPr>
-            </a:lvl3pPr>
-            <a:lvl4pPr marL="1600200" indent="-228600" eaLnBrk="0" hangingPunct="0">
-              <a:defRPr>
-                <a:solidFill>
-                  <a:schemeClr val="tx1"/>
-                </a:solidFill>
-                <a:latin typeface="Arial" pitchFamily="34" charset="0"/>
-              </a:defRPr>
-            </a:lvl4pPr>
-            <a:lvl5pPr marL="2057400" indent="-228600" eaLnBrk="0" hangingPunct="0">
-              <a:defRPr>
-                <a:solidFill>
-                  <a:schemeClr val="tx1"/>
-                </a:solidFill>
-                <a:latin typeface="Arial" pitchFamily="34" charset="0"/>
-              </a:defRPr>
-            </a:lvl5pPr>
-            <a:lvl6pPr marL="2514600" indent="-228600" algn="l" rtl="0" eaLnBrk="0" fontAlgn="base" hangingPunct="0">
-              <a:spcBef>
-                <a:spcPct val="50000"/>
-              </a:spcBef>
-              <a:spcAft>
-                <a:spcPct val="0"/>
-              </a:spcAft>
-              <a:defRPr>
-                <a:solidFill>
-                  <a:schemeClr val="tx1"/>
-                </a:solidFill>
-                <a:latin typeface="Arial" pitchFamily="34" charset="0"/>
-              </a:defRPr>
-            </a:lvl6pPr>
-            <a:lvl7pPr marL="2971800" indent="-228600" algn="l" rtl="0" eaLnBrk="0" fontAlgn="base" hangingPunct="0">
-              <a:spcBef>
-                <a:spcPct val="50000"/>
-              </a:spcBef>
-              <a:spcAft>
-                <a:spcPct val="0"/>
-              </a:spcAft>
-              <a:defRPr>
-                <a:solidFill>
-                  <a:schemeClr val="tx1"/>
-                </a:solidFill>
-                <a:latin typeface="Arial" pitchFamily="34" charset="0"/>
-              </a:defRPr>
-            </a:lvl7pPr>
-            <a:lvl8pPr marL="3429000" indent="-228600" algn="l" rtl="0" eaLnBrk="0" fontAlgn="base" hangingPunct="0">
-              <a:spcBef>
-                <a:spcPct val="50000"/>
-              </a:spcBef>
-              <a:spcAft>
-                <a:spcPct val="0"/>
-              </a:spcAft>
-              <a:defRPr>
-                <a:solidFill>
-                  <a:schemeClr val="tx1"/>
-                </a:solidFill>
-                <a:latin typeface="Arial" pitchFamily="34" charset="0"/>
-              </a:defRPr>
-            </a:lvl8pPr>
-            <a:lvl9pPr marL="3886200" indent="-228600" algn="l" rtl="0" eaLnBrk="0" fontAlgn="base" hangingPunct="0">
-              <a:spcBef>
-                <a:spcPct val="50000"/>
-              </a:spcBef>
-              <a:spcAft>
-                <a:spcPct val="0"/>
-              </a:spcAft>
-              <a:defRPr>
-                <a:solidFill>
-                  <a:schemeClr val="tx1"/>
-                </a:solidFill>
-                <a:latin typeface="Arial" pitchFamily="34" charset="0"/>
-              </a:defRPr>
-            </a:lvl9pPr>
-          </a:lstStyle>
-          <a:p>
-            <a:pPr eaLnBrk="1" hangingPunct="1"/>
-            <a:fld id="{ACCE91C3-A52A-4394-BE6F-63EEA23BB623}" type="slidenum">
-              <a:rPr lang="he-IL" smtClean="0"/>
-              <a:pPr eaLnBrk="1" hangingPunct="1"/>
-              <a:t>42</a:t>
-            </a:fld>
-            <a:endParaRPr lang="en-US" smtClean="0"/>
-          </a:p>
-        </p:txBody>
-      </p:sp>
-    </p:spTree>
-  </p:cSld>
-  <p:clrMapOvr>
-    <a:masterClrMapping/>
-  </p:clrMapOvr>
-</p:notes>
-</file>
-
-<file path=ppt/notesSlides/notesSlide42.xml><?xml version="1.0" encoding="utf-8"?>
-<p:notes xmlns:a="http://schemas.openxmlformats.org/drawingml/2006/main" xmlns:r="http://schemas.openxmlformats.org/officeDocument/2006/relationships" xmlns:p="http://schemas.openxmlformats.org/presentationml/2006/main">
-  <p:cSld>
-    <p:spTree>
-      <p:nvGrpSpPr>
-        <p:cNvPr id="1" name=""/>
-        <p:cNvGrpSpPr/>
-        <p:nvPr/>
-      </p:nvGrpSpPr>
-      <p:grpSpPr>
-        <a:xfrm>
-          <a:off x="0" y="0"/>
-          <a:ext cx="0" cy="0"/>
-          <a:chOff x="0" y="0"/>
-          <a:chExt cx="0" cy="0"/>
-        </a:xfrm>
-      </p:grpSpPr>
-      <p:sp>
-        <p:nvSpPr>
-          <p:cNvPr id="89090" name="מציין מיקום של תמונת שקופית 1"/>
-          <p:cNvSpPr>
-            <a:spLocks noGrp="1" noRot="1" noChangeAspect="1" noTextEdit="1"/>
-          </p:cNvSpPr>
-          <p:nvPr>
-            <p:ph type="sldImg"/>
-          </p:nvPr>
-        </p:nvSpPr>
-        <p:spPr>
-          <a:ln/>
-        </p:spPr>
-      </p:sp>
-      <p:sp>
-        <p:nvSpPr>
-          <p:cNvPr id="89091" name="מציין מיקום של הערות 2"/>
-          <p:cNvSpPr>
-            <a:spLocks noGrp="1"/>
-          </p:cNvSpPr>
-          <p:nvPr>
-            <p:ph type="body" idx="1"/>
-          </p:nvPr>
-        </p:nvSpPr>
-        <p:spPr>
-          <a:noFill/>
-          <a:ln/>
-          <a:extLst>
-            <a:ext uri="{909E8E84-426E-40DD-AFC4-6F175D3DCCD1}">
-              <a14:hiddenFill xmlns:a14="http://schemas.microsoft.com/office/drawing/2010/main">
-                <a:solidFill>
-                  <a:srgbClr val="FFFFFF"/>
-                </a:solidFill>
-              </a14:hiddenFill>
-            </a:ext>
-            <a:ext uri="{91240B29-F687-4F45-9708-019B960494DF}">
-              <a14:hiddenLine xmlns:a14="http://schemas.microsoft.com/office/drawing/2010/main" w="9525">
-                <a:solidFill>
-                  <a:srgbClr val="000000"/>
-                </a:solidFill>
-                <a:miter lim="800000"/>
-                <a:headEnd/>
-                <a:tailEnd/>
-              </a14:hiddenLine>
-            </a:ext>
-          </a:extLst>
-        </p:spPr>
-        <p:txBody>
-          <a:bodyPr/>
-          <a:lstStyle/>
-          <a:p>
-            <a:endParaRPr lang="he-IL" smtClean="0">
-              <a:latin typeface="Arial" pitchFamily="34" charset="0"/>
-            </a:endParaRPr>
-          </a:p>
-        </p:txBody>
-      </p:sp>
-      <p:sp>
-        <p:nvSpPr>
-          <p:cNvPr id="89092" name="מציין מיקום של מספר שקופית 3"/>
-          <p:cNvSpPr>
-            <a:spLocks noGrp="1"/>
-          </p:cNvSpPr>
-          <p:nvPr>
-            <p:ph type="sldNum" sz="quarter" idx="5"/>
-          </p:nvPr>
-        </p:nvSpPr>
-        <p:spPr>
-          <a:noFill/>
-          <a:ln/>
-          <a:extLst>
-            <a:ext uri="{909E8E84-426E-40DD-AFC4-6F175D3DCCD1}">
-              <a14:hiddenFill xmlns:a14="http://schemas.microsoft.com/office/drawing/2010/main">
-                <a:solidFill>
-                  <a:srgbClr val="FFFFFF"/>
-                </a:solidFill>
-              </a14:hiddenFill>
-            </a:ext>
-            <a:ext uri="{91240B29-F687-4F45-9708-019B960494DF}">
-              <a14:hiddenLine xmlns:a14="http://schemas.microsoft.com/office/drawing/2010/main" w="9525">
-                <a:solidFill>
-                  <a:srgbClr val="000000"/>
-                </a:solidFill>
-                <a:miter lim="800000"/>
-                <a:headEnd/>
-                <a:tailEnd/>
-              </a14:hiddenLine>
-            </a:ext>
-          </a:extLst>
-        </p:spPr>
-        <p:txBody>
-          <a:bodyPr/>
-          <a:lstStyle>
-            <a:lvl1pPr eaLnBrk="0" hangingPunct="0">
-              <a:defRPr>
-                <a:solidFill>
-                  <a:schemeClr val="tx1"/>
-                </a:solidFill>
-                <a:latin typeface="Arial" pitchFamily="34" charset="0"/>
-              </a:defRPr>
-            </a:lvl1pPr>
-            <a:lvl2pPr marL="742950" indent="-285750" eaLnBrk="0" hangingPunct="0">
-              <a:defRPr>
-                <a:solidFill>
-                  <a:schemeClr val="tx1"/>
-                </a:solidFill>
-                <a:latin typeface="Arial" pitchFamily="34" charset="0"/>
-              </a:defRPr>
-            </a:lvl2pPr>
-            <a:lvl3pPr marL="1143000" indent="-228600" eaLnBrk="0" hangingPunct="0">
-              <a:defRPr>
-                <a:solidFill>
-                  <a:schemeClr val="tx1"/>
-                </a:solidFill>
-                <a:latin typeface="Arial" pitchFamily="34" charset="0"/>
-              </a:defRPr>
-            </a:lvl3pPr>
-            <a:lvl4pPr marL="1600200" indent="-228600" eaLnBrk="0" hangingPunct="0">
-              <a:defRPr>
-                <a:solidFill>
-                  <a:schemeClr val="tx1"/>
-                </a:solidFill>
-                <a:latin typeface="Arial" pitchFamily="34" charset="0"/>
-              </a:defRPr>
-            </a:lvl4pPr>
-            <a:lvl5pPr marL="2057400" indent="-228600" eaLnBrk="0" hangingPunct="0">
-              <a:defRPr>
-                <a:solidFill>
-                  <a:schemeClr val="tx1"/>
-                </a:solidFill>
-                <a:latin typeface="Arial" pitchFamily="34" charset="0"/>
-              </a:defRPr>
-            </a:lvl5pPr>
-            <a:lvl6pPr marL="2514600" indent="-228600" algn="l" rtl="0" eaLnBrk="0" fontAlgn="base" hangingPunct="0">
-              <a:spcBef>
-                <a:spcPct val="50000"/>
-              </a:spcBef>
-              <a:spcAft>
-                <a:spcPct val="0"/>
-              </a:spcAft>
-              <a:defRPr>
-                <a:solidFill>
-                  <a:schemeClr val="tx1"/>
-                </a:solidFill>
-                <a:latin typeface="Arial" pitchFamily="34" charset="0"/>
-              </a:defRPr>
-            </a:lvl6pPr>
-            <a:lvl7pPr marL="2971800" indent="-228600" algn="l" rtl="0" eaLnBrk="0" fontAlgn="base" hangingPunct="0">
-              <a:spcBef>
-                <a:spcPct val="50000"/>
-              </a:spcBef>
-              <a:spcAft>
-                <a:spcPct val="0"/>
-              </a:spcAft>
-              <a:defRPr>
-                <a:solidFill>
-                  <a:schemeClr val="tx1"/>
-                </a:solidFill>
-                <a:latin typeface="Arial" pitchFamily="34" charset="0"/>
-              </a:defRPr>
-            </a:lvl7pPr>
-            <a:lvl8pPr marL="3429000" indent="-228600" algn="l" rtl="0" eaLnBrk="0" fontAlgn="base" hangingPunct="0">
-              <a:spcBef>
-                <a:spcPct val="50000"/>
-              </a:spcBef>
-              <a:spcAft>
-                <a:spcPct val="0"/>
-              </a:spcAft>
-              <a:defRPr>
-                <a:solidFill>
-                  <a:schemeClr val="tx1"/>
-                </a:solidFill>
-                <a:latin typeface="Arial" pitchFamily="34" charset="0"/>
-              </a:defRPr>
-            </a:lvl8pPr>
-            <a:lvl9pPr marL="3886200" indent="-228600" algn="l" rtl="0" eaLnBrk="0" fontAlgn="base" hangingPunct="0">
-              <a:spcBef>
-                <a:spcPct val="50000"/>
-              </a:spcBef>
-              <a:spcAft>
-                <a:spcPct val="0"/>
-              </a:spcAft>
-              <a:defRPr>
-                <a:solidFill>
-                  <a:schemeClr val="tx1"/>
-                </a:solidFill>
-                <a:latin typeface="Arial" pitchFamily="34" charset="0"/>
-              </a:defRPr>
-            </a:lvl9pPr>
-          </a:lstStyle>
-          <a:p>
-            <a:pPr eaLnBrk="1" hangingPunct="1"/>
-            <a:fld id="{9431E55C-49DD-4E16-8E13-B045B408DB47}" type="slidenum">
-              <a:rPr lang="he-IL" smtClean="0"/>
-              <a:pPr eaLnBrk="1" hangingPunct="1"/>
-              <a:t>43</a:t>
-            </a:fld>
-            <a:endParaRPr lang="en-US" smtClean="0"/>
-          </a:p>
-        </p:txBody>
-      </p:sp>
-    </p:spTree>
-  </p:cSld>
-  <p:clrMapOvr>
-    <a:masterClrMapping/>
-  </p:clrMapOvr>
-</p:notes>
-</file>
-
-<file path=ppt/notesSlides/notesSlide43.xml><?xml version="1.0" encoding="utf-8"?>
-<p:notes xmlns:a="http://schemas.openxmlformats.org/drawingml/2006/main" xmlns:r="http://schemas.openxmlformats.org/officeDocument/2006/relationships" xmlns:p="http://schemas.openxmlformats.org/presentationml/2006/main">
-  <p:cSld>
-    <p:spTree>
-      <p:nvGrpSpPr>
-        <p:cNvPr id="1" name=""/>
-        <p:cNvGrpSpPr/>
-        <p:nvPr/>
-      </p:nvGrpSpPr>
-      <p:grpSpPr>
-        <a:xfrm>
-          <a:off x="0" y="0"/>
-          <a:ext cx="0" cy="0"/>
-          <a:chOff x="0" y="0"/>
-          <a:chExt cx="0" cy="0"/>
-        </a:xfrm>
-      </p:grpSpPr>
-      <p:sp>
-        <p:nvSpPr>
-          <p:cNvPr id="90114" name="מציין מיקום של תמונת שקופית 1"/>
-          <p:cNvSpPr>
-            <a:spLocks noGrp="1" noRot="1" noChangeAspect="1" noTextEdit="1"/>
-          </p:cNvSpPr>
-          <p:nvPr>
-            <p:ph type="sldImg"/>
-          </p:nvPr>
-        </p:nvSpPr>
-        <p:spPr>
-          <a:ln/>
-        </p:spPr>
-      </p:sp>
-      <p:sp>
-        <p:nvSpPr>
-          <p:cNvPr id="90115" name="מציין מיקום של הערות 2"/>
-          <p:cNvSpPr>
-            <a:spLocks noGrp="1"/>
-          </p:cNvSpPr>
-          <p:nvPr>
-            <p:ph type="body" idx="1"/>
-          </p:nvPr>
-        </p:nvSpPr>
-        <p:spPr>
-          <a:noFill/>
-          <a:ln/>
-          <a:extLst>
-            <a:ext uri="{909E8E84-426E-40DD-AFC4-6F175D3DCCD1}">
-              <a14:hiddenFill xmlns:a14="http://schemas.microsoft.com/office/drawing/2010/main">
-                <a:solidFill>
-                  <a:srgbClr val="FFFFFF"/>
-                </a:solidFill>
-              </a14:hiddenFill>
-            </a:ext>
-            <a:ext uri="{91240B29-F687-4F45-9708-019B960494DF}">
-              <a14:hiddenLine xmlns:a14="http://schemas.microsoft.com/office/drawing/2010/main" w="9525">
-                <a:solidFill>
-                  <a:srgbClr val="000000"/>
-                </a:solidFill>
-                <a:miter lim="800000"/>
-                <a:headEnd/>
-                <a:tailEnd/>
-              </a14:hiddenLine>
-            </a:ext>
-          </a:extLst>
-        </p:spPr>
-        <p:txBody>
-          <a:bodyPr/>
-          <a:lstStyle/>
-          <a:p>
-            <a:endParaRPr lang="he-IL" smtClean="0">
-              <a:latin typeface="Arial" pitchFamily="34" charset="0"/>
-            </a:endParaRPr>
-          </a:p>
-        </p:txBody>
-      </p:sp>
-      <p:sp>
-        <p:nvSpPr>
-          <p:cNvPr id="90116" name="מציין מיקום של מספר שקופית 3"/>
-          <p:cNvSpPr>
-            <a:spLocks noGrp="1"/>
-          </p:cNvSpPr>
-          <p:nvPr>
-            <p:ph type="sldNum" sz="quarter" idx="5"/>
-          </p:nvPr>
-        </p:nvSpPr>
-        <p:spPr>
-          <a:noFill/>
-          <a:ln/>
-          <a:extLst>
-            <a:ext uri="{909E8E84-426E-40DD-AFC4-6F175D3DCCD1}">
-              <a14:hiddenFill xmlns:a14="http://schemas.microsoft.com/office/drawing/2010/main">
-                <a:solidFill>
-                  <a:srgbClr val="FFFFFF"/>
-                </a:solidFill>
-              </a14:hiddenFill>
-            </a:ext>
-            <a:ext uri="{91240B29-F687-4F45-9708-019B960494DF}">
-              <a14:hiddenLine xmlns:a14="http://schemas.microsoft.com/office/drawing/2010/main" w="9525">
-                <a:solidFill>
-                  <a:srgbClr val="000000"/>
-                </a:solidFill>
-                <a:miter lim="800000"/>
-                <a:headEnd/>
-                <a:tailEnd/>
-              </a14:hiddenLine>
-            </a:ext>
-          </a:extLst>
-        </p:spPr>
-        <p:txBody>
-          <a:bodyPr/>
-          <a:lstStyle>
-            <a:lvl1pPr eaLnBrk="0" hangingPunct="0">
-              <a:defRPr>
-                <a:solidFill>
-                  <a:schemeClr val="tx1"/>
-                </a:solidFill>
-                <a:latin typeface="Arial" pitchFamily="34" charset="0"/>
-              </a:defRPr>
-            </a:lvl1pPr>
-            <a:lvl2pPr marL="742950" indent="-285750" eaLnBrk="0" hangingPunct="0">
-              <a:defRPr>
-                <a:solidFill>
-                  <a:schemeClr val="tx1"/>
-                </a:solidFill>
-                <a:latin typeface="Arial" pitchFamily="34" charset="0"/>
-              </a:defRPr>
-            </a:lvl2pPr>
-            <a:lvl3pPr marL="1143000" indent="-228600" eaLnBrk="0" hangingPunct="0">
-              <a:defRPr>
-                <a:solidFill>
-                  <a:schemeClr val="tx1"/>
-                </a:solidFill>
-                <a:latin typeface="Arial" pitchFamily="34" charset="0"/>
-              </a:defRPr>
-            </a:lvl3pPr>
-            <a:lvl4pPr marL="1600200" indent="-228600" eaLnBrk="0" hangingPunct="0">
-              <a:defRPr>
-                <a:solidFill>
-                  <a:schemeClr val="tx1"/>
-                </a:solidFill>
-                <a:latin typeface="Arial" pitchFamily="34" charset="0"/>
-              </a:defRPr>
-            </a:lvl4pPr>
-            <a:lvl5pPr marL="2057400" indent="-228600" eaLnBrk="0" hangingPunct="0">
-              <a:defRPr>
-                <a:solidFill>
-                  <a:schemeClr val="tx1"/>
-                </a:solidFill>
-                <a:latin typeface="Arial" pitchFamily="34" charset="0"/>
-              </a:defRPr>
-            </a:lvl5pPr>
-            <a:lvl6pPr marL="2514600" indent="-228600" algn="l" rtl="0" eaLnBrk="0" fontAlgn="base" hangingPunct="0">
-              <a:spcBef>
-                <a:spcPct val="50000"/>
-              </a:spcBef>
-              <a:spcAft>
-                <a:spcPct val="0"/>
-              </a:spcAft>
-              <a:defRPr>
-                <a:solidFill>
-                  <a:schemeClr val="tx1"/>
-                </a:solidFill>
-                <a:latin typeface="Arial" pitchFamily="34" charset="0"/>
-              </a:defRPr>
-            </a:lvl6pPr>
-            <a:lvl7pPr marL="2971800" indent="-228600" algn="l" rtl="0" eaLnBrk="0" fontAlgn="base" hangingPunct="0">
-              <a:spcBef>
-                <a:spcPct val="50000"/>
-              </a:spcBef>
-              <a:spcAft>
-                <a:spcPct val="0"/>
-              </a:spcAft>
-              <a:defRPr>
-                <a:solidFill>
-                  <a:schemeClr val="tx1"/>
-                </a:solidFill>
-                <a:latin typeface="Arial" pitchFamily="34" charset="0"/>
-              </a:defRPr>
-            </a:lvl7pPr>
-            <a:lvl8pPr marL="3429000" indent="-228600" algn="l" rtl="0" eaLnBrk="0" fontAlgn="base" hangingPunct="0">
-              <a:spcBef>
-                <a:spcPct val="50000"/>
-              </a:spcBef>
-              <a:spcAft>
-                <a:spcPct val="0"/>
-              </a:spcAft>
-              <a:defRPr>
-                <a:solidFill>
-                  <a:schemeClr val="tx1"/>
-                </a:solidFill>
-                <a:latin typeface="Arial" pitchFamily="34" charset="0"/>
-              </a:defRPr>
-            </a:lvl8pPr>
-            <a:lvl9pPr marL="3886200" indent="-228600" algn="l" rtl="0" eaLnBrk="0" fontAlgn="base" hangingPunct="0">
-              <a:spcBef>
-                <a:spcPct val="50000"/>
-              </a:spcBef>
-              <a:spcAft>
-                <a:spcPct val="0"/>
-              </a:spcAft>
-              <a:defRPr>
-                <a:solidFill>
-                  <a:schemeClr val="tx1"/>
-                </a:solidFill>
-                <a:latin typeface="Arial" pitchFamily="34" charset="0"/>
-              </a:defRPr>
-            </a:lvl9pPr>
-          </a:lstStyle>
-          <a:p>
-            <a:pPr eaLnBrk="1" hangingPunct="1"/>
-            <a:fld id="{B2EB9581-CE57-450C-A911-BC99DC732B9D}" type="slidenum">
-              <a:rPr lang="he-IL" smtClean="0"/>
-              <a:pPr eaLnBrk="1" hangingPunct="1"/>
-              <a:t>44</a:t>
-            </a:fld>
-            <a:endParaRPr lang="en-US" smtClean="0"/>
-          </a:p>
-        </p:txBody>
-      </p:sp>
-    </p:spTree>
-  </p:cSld>
-  <p:clrMapOvr>
-    <a:masterClrMapping/>
-  </p:clrMapOvr>
-</p:notes>
-</file>
-
-<file path=ppt/notesSlides/notesSlide44.xml><?xml version="1.0" encoding="utf-8"?>
-<p:notes xmlns:a="http://schemas.openxmlformats.org/drawingml/2006/main" xmlns:r="http://schemas.openxmlformats.org/officeDocument/2006/relationships" xmlns:p="http://schemas.openxmlformats.org/presentationml/2006/main">
-  <p:cSld>
-    <p:spTree>
-      <p:nvGrpSpPr>
-        <p:cNvPr id="1" name=""/>
-        <p:cNvGrpSpPr/>
-        <p:nvPr/>
-      </p:nvGrpSpPr>
-      <p:grpSpPr>
-        <a:xfrm>
-          <a:off x="0" y="0"/>
-          <a:ext cx="0" cy="0"/>
-          <a:chOff x="0" y="0"/>
-          <a:chExt cx="0" cy="0"/>
-        </a:xfrm>
-      </p:grpSpPr>
-      <p:sp>
-        <p:nvSpPr>
           <p:cNvPr id="91138" name="מציין מיקום של תמונת שקופית 1"/>
           <p:cNvSpPr>
             <a:spLocks noGrp="1" noRot="1" noChangeAspect="1" noTextEdit="1"/>
@@ -9057,7 +8149,7 @@
             <a:fld id="{CE490E2A-B175-44EC-BFC4-AEAB667950BF}" type="slidenum">
               <a:rPr lang="he-IL" smtClean="0"/>
               <a:pPr eaLnBrk="1" hangingPunct="1"/>
-              <a:t>45</a:t>
+              <a:t>41</a:t>
             </a:fld>
             <a:endParaRPr lang="en-US" smtClean="0"/>
           </a:p>
@@ -10340,7 +9432,7 @@
               <a:pPr>
                 <a:defRPr/>
               </a:pPr>
-              <a:t>8/25/2015</a:t>
+              <a:t>9/6/2015</a:t>
             </a:fld>
             <a:endParaRPr lang="en-US"/>
           </a:p>
@@ -10546,7 +9638,7 @@
               <a:pPr>
                 <a:defRPr/>
               </a:pPr>
-              <a:t>8/25/2015</a:t>
+              <a:t>9/6/2015</a:t>
             </a:fld>
             <a:endParaRPr lang="en-US"/>
           </a:p>
@@ -10762,7 +9854,7 @@
               <a:pPr>
                 <a:defRPr/>
               </a:pPr>
-              <a:t>8/25/2015</a:t>
+              <a:t>9/6/2015</a:t>
             </a:fld>
             <a:endParaRPr lang="en-US"/>
           </a:p>
@@ -10946,7 +10038,7 @@
               <a:pPr>
                 <a:defRPr/>
               </a:pPr>
-              <a:t>8/25/2015</a:t>
+              <a:t>9/6/2015</a:t>
             </a:fld>
             <a:endParaRPr lang="en-US"/>
           </a:p>
@@ -11170,7 +10262,7 @@
               <a:pPr>
                 <a:defRPr/>
               </a:pPr>
-              <a:t>8/25/2015</a:t>
+              <a:t>9/6/2015</a:t>
             </a:fld>
             <a:endParaRPr lang="en-US"/>
           </a:p>
@@ -11376,7 +10468,7 @@
               <a:pPr>
                 <a:defRPr/>
               </a:pPr>
-              <a:t>8/25/2015</a:t>
+              <a:t>9/6/2015</a:t>
             </a:fld>
             <a:endParaRPr lang="en-US"/>
           </a:p>
@@ -11604,7 +10696,7 @@
               <a:pPr>
                 <a:defRPr/>
               </a:pPr>
-              <a:t>8/25/2015</a:t>
+              <a:t>9/6/2015</a:t>
             </a:fld>
             <a:endParaRPr lang="en-US"/>
           </a:p>
@@ -11928,7 +11020,7 @@
               <a:pPr>
                 <a:defRPr/>
               </a:pPr>
-              <a:t>8/25/2015</a:t>
+              <a:t>9/6/2015</a:t>
             </a:fld>
             <a:endParaRPr lang="en-US"/>
           </a:p>
@@ -12386,7 +11478,7 @@
               <a:pPr>
                 <a:defRPr/>
               </a:pPr>
-              <a:t>8/25/2015</a:t>
+              <a:t>9/6/2015</a:t>
             </a:fld>
             <a:endParaRPr lang="en-US"/>
           </a:p>
@@ -12540,7 +11632,7 @@
               <a:pPr>
                 <a:defRPr/>
               </a:pPr>
-              <a:t>8/25/2015</a:t>
+              <a:t>9/6/2015</a:t>
             </a:fld>
             <a:endParaRPr lang="en-US"/>
           </a:p>
@@ -12671,7 +11763,7 @@
               <a:pPr>
                 <a:defRPr/>
               </a:pPr>
-              <a:t>8/25/2015</a:t>
+              <a:t>9/6/2015</a:t>
             </a:fld>
             <a:endParaRPr lang="en-US"/>
           </a:p>
@@ -12877,7 +11969,7 @@
               <a:pPr>
                 <a:defRPr/>
               </a:pPr>
-              <a:t>8/25/2015</a:t>
+              <a:t>9/6/2015</a:t>
             </a:fld>
             <a:endParaRPr lang="en-US"/>
           </a:p>
@@ -13190,7 +12282,7 @@
               <a:pPr>
                 <a:defRPr/>
               </a:pPr>
-              <a:t>8/25/2015</a:t>
+              <a:t>9/6/2015</a:t>
             </a:fld>
             <a:endParaRPr lang="en-US"/>
           </a:p>
@@ -13480,7 +12572,7 @@
               <a:pPr>
                 <a:defRPr/>
               </a:pPr>
-              <a:t>8/25/2015</a:t>
+              <a:t>9/6/2015</a:t>
             </a:fld>
             <a:endParaRPr lang="en-US"/>
           </a:p>
@@ -13686,7 +12778,7 @@
               <a:pPr>
                 <a:defRPr/>
               </a:pPr>
-              <a:t>8/25/2015</a:t>
+              <a:t>9/6/2015</a:t>
             </a:fld>
             <a:endParaRPr lang="en-US"/>
           </a:p>
@@ -13902,7 +12994,7 @@
               <a:pPr>
                 <a:defRPr/>
               </a:pPr>
-              <a:t>8/25/2015</a:t>
+              <a:t>9/6/2015</a:t>
             </a:fld>
             <a:endParaRPr lang="en-US"/>
           </a:p>
@@ -14130,7 +13222,7 @@
               <a:pPr>
                 <a:defRPr/>
               </a:pPr>
-              <a:t>8/25/2015</a:t>
+              <a:t>9/6/2015</a:t>
             </a:fld>
             <a:endParaRPr lang="en-US"/>
           </a:p>
@@ -14454,7 +13546,7 @@
               <a:pPr>
                 <a:defRPr/>
               </a:pPr>
-              <a:t>8/25/2015</a:t>
+              <a:t>9/6/2015</a:t>
             </a:fld>
             <a:endParaRPr lang="en-US"/>
           </a:p>
@@ -14912,7 +14004,7 @@
               <a:pPr>
                 <a:defRPr/>
               </a:pPr>
-              <a:t>8/25/2015</a:t>
+              <a:t>9/6/2015</a:t>
             </a:fld>
             <a:endParaRPr lang="en-US"/>
           </a:p>
@@ -15066,7 +14158,7 @@
               <a:pPr>
                 <a:defRPr/>
               </a:pPr>
-              <a:t>8/25/2015</a:t>
+              <a:t>9/6/2015</a:t>
             </a:fld>
             <a:endParaRPr lang="en-US"/>
           </a:p>
@@ -15197,7 +14289,7 @@
               <a:pPr>
                 <a:defRPr/>
               </a:pPr>
-              <a:t>8/25/2015</a:t>
+              <a:t>9/6/2015</a:t>
             </a:fld>
             <a:endParaRPr lang="en-US"/>
           </a:p>
@@ -15510,7 +14602,7 @@
               <a:pPr>
                 <a:defRPr/>
               </a:pPr>
-              <a:t>8/25/2015</a:t>
+              <a:t>9/6/2015</a:t>
             </a:fld>
             <a:endParaRPr lang="en-US"/>
           </a:p>
@@ -15800,7 +14892,7 @@
               <a:pPr>
                 <a:defRPr/>
               </a:pPr>
-              <a:t>8/25/2015</a:t>
+              <a:t>9/6/2015</a:t>
             </a:fld>
             <a:endParaRPr lang="en-US"/>
           </a:p>
@@ -16106,7 +15198,7 @@
               <a:pPr>
                 <a:defRPr/>
               </a:pPr>
-              <a:t>8/25/2015</a:t>
+              <a:t>9/6/2015</a:t>
             </a:fld>
             <a:endParaRPr lang="en-US"/>
           </a:p>
@@ -16846,7 +15938,7 @@
               <a:pPr>
                 <a:defRPr/>
               </a:pPr>
-              <a:t>8/25/2015</a:t>
+              <a:t>9/6/2015</a:t>
             </a:fld>
             <a:endParaRPr lang="en-US"/>
           </a:p>
@@ -17642,17 +16734,7 @@
                 <a:latin typeface="Times New Roman" pitchFamily="18" charset="0"/>
                 <a:cs typeface="Times New Roman" pitchFamily="18" charset="0"/>
               </a:rPr>
-              <a:t>Loops</a:t>
-            </a:r>
-            <a:r>
-              <a:rPr lang="en-US" sz="3600" b="1" dirty="0" smtClean="0">
-                <a:solidFill>
-                  <a:srgbClr val="003399"/>
-                </a:solidFill>
-                <a:latin typeface="Times New Roman" pitchFamily="18" charset="0"/>
-                <a:cs typeface="Times New Roman" pitchFamily="18" charset="0"/>
-              </a:rPr>
-              <a:t>, Functions</a:t>
+              <a:t>Loops, Functions</a:t>
             </a:r>
           </a:p>
           <a:p>
@@ -17672,17 +16754,7 @@
                 <a:latin typeface="Times New Roman" pitchFamily="18" charset="0"/>
                 <a:cs typeface="Times New Roman" pitchFamily="18" charset="0"/>
               </a:rPr>
-              <a:t>Summer </a:t>
-            </a:r>
-            <a:r>
-              <a:rPr lang="en-US" sz="3600" b="1" dirty="0" smtClean="0">
-                <a:solidFill>
-                  <a:srgbClr val="003399"/>
-                </a:solidFill>
-                <a:latin typeface="Times New Roman" pitchFamily="18" charset="0"/>
-                <a:cs typeface="Times New Roman" pitchFamily="18" charset="0"/>
-              </a:rPr>
-              <a:t>2015</a:t>
+              <a:t>Summer 2015</a:t>
             </a:r>
             <a:endParaRPr lang="en-US" sz="3600" b="1" dirty="0">
               <a:solidFill>
@@ -19278,52 +18350,15 @@
                 <a:latin typeface="Times New Roman" pitchFamily="18" charset="0"/>
                 <a:cs typeface="Times New Roman" pitchFamily="18" charset="0"/>
               </a:rPr>
-              <a:t> Strings &amp; API</a:t>
-            </a:r>
-          </a:p>
-          <a:p>
-            <a:pPr>
-              <a:lnSpc>
-                <a:spcPct val="80000"/>
-              </a:lnSpc>
-              <a:spcBef>
-                <a:spcPct val="20000"/>
-              </a:spcBef>
-              <a:buFontTx/>
-              <a:buChar char="•"/>
-            </a:pPr>
-            <a:r>
-              <a:rPr lang="en-US" sz="3200" dirty="0" smtClean="0">
-                <a:solidFill>
-                  <a:srgbClr val="003399"/>
-                </a:solidFill>
-                <a:latin typeface="Times New Roman" pitchFamily="18" charset="0"/>
-                <a:cs typeface="Times New Roman" pitchFamily="18" charset="0"/>
-              </a:rPr>
-              <a:t> Importance of style</a:t>
-            </a:r>
-          </a:p>
-          <a:p>
-            <a:pPr>
-              <a:lnSpc>
-                <a:spcPct val="80000"/>
-              </a:lnSpc>
-              <a:spcBef>
-                <a:spcPct val="20000"/>
-              </a:spcBef>
-              <a:buFontTx/>
-              <a:buChar char="•"/>
-            </a:pPr>
-            <a:r>
-              <a:rPr lang="en-US" sz="3200" dirty="0" smtClean="0">
-                <a:solidFill>
-                  <a:srgbClr val="003399"/>
-                </a:solidFill>
-                <a:latin typeface="Times New Roman" pitchFamily="18" charset="0"/>
-                <a:cs typeface="Times New Roman" pitchFamily="18" charset="0"/>
-              </a:rPr>
               <a:t> Functions</a:t>
             </a:r>
+            <a:endParaRPr lang="en-US" sz="3200" dirty="0" smtClean="0">
+              <a:solidFill>
+                <a:srgbClr val="003399"/>
+              </a:solidFill>
+              <a:latin typeface="Times New Roman" pitchFamily="18" charset="0"/>
+              <a:cs typeface="Times New Roman" pitchFamily="18" charset="0"/>
+            </a:endParaRPr>
           </a:p>
           <a:p>
             <a:pPr>
@@ -21125,7 +20160,7 @@
         <p:spPr/>
         <p:txBody>
           <a:bodyPr>
-            <a:normAutofit/>
+            <a:normAutofit lnSpcReduction="10000"/>
           </a:bodyPr>
           <a:lstStyle/>
           <a:p>
@@ -21161,7 +20196,17 @@
                 <a:latin typeface="Arial" pitchFamily="34" charset="0"/>
                 <a:cs typeface="Arial" pitchFamily="34" charset="0"/>
               </a:rPr>
-              <a:t>‘Kobe’</a:t>
+              <a:t>‘</a:t>
+            </a:r>
+            <a:r>
+              <a:rPr lang="en-US" sz="2400" dirty="0" smtClean="0">
+                <a:solidFill>
+                  <a:srgbClr val="00B050"/>
+                </a:solidFill>
+                <a:latin typeface="Arial" pitchFamily="34" charset="0"/>
+                <a:cs typeface="Arial" pitchFamily="34" charset="0"/>
+              </a:rPr>
+              <a:t>Kanye’</a:t>
             </a:r>
             <a:endParaRPr lang="en-US" sz="2400" dirty="0">
               <a:solidFill>
@@ -21340,7 +20385,7 @@
                 <a:latin typeface="Arial" pitchFamily="34" charset="0"/>
                 <a:cs typeface="Arial" pitchFamily="34" charset="0"/>
               </a:rPr>
-              <a:t>o</a:t>
+              <a:t>a</a:t>
             </a:r>
             <a:endParaRPr lang="en-US" sz="2400" dirty="0" smtClean="0">
               <a:solidFill>
@@ -21374,7 +20419,7 @@
                 <a:latin typeface="Arial" pitchFamily="34" charset="0"/>
                 <a:cs typeface="Arial" pitchFamily="34" charset="0"/>
               </a:rPr>
-              <a:t>b</a:t>
+              <a:t>n</a:t>
             </a:r>
             <a:endParaRPr lang="en-US" sz="2400" dirty="0" smtClean="0">
               <a:solidFill>
@@ -21386,11 +20431,20 @@
           </a:p>
           <a:p>
             <a:pPr>
-              <a:buFontTx/>
               <a:buNone/>
               <a:defRPr/>
             </a:pPr>
             <a:r>
+              <a:rPr lang="en-US" sz="2400" dirty="0">
+                <a:solidFill>
+                  <a:srgbClr val="0E29AE"/>
+                </a:solidFill>
+                <a:latin typeface="Arial" pitchFamily="34" charset="0"/>
+                <a:cs typeface="Arial" pitchFamily="34" charset="0"/>
+              </a:rPr>
+              <a:t>Give me </a:t>
+            </a:r>
+            <a:r>
               <a:rPr lang="en-US" sz="2400" dirty="0" smtClean="0">
                 <a:solidFill>
                   <a:srgbClr val="0E29AE"/>
@@ -21398,8 +20452,15 @@
                 <a:latin typeface="Arial" pitchFamily="34" charset="0"/>
                 <a:cs typeface="Arial" pitchFamily="34" charset="0"/>
               </a:rPr>
-              <a:t>Give me e</a:t>
-            </a:r>
+              <a:t>y</a:t>
+            </a:r>
+            <a:endParaRPr lang="en-US" sz="2400" dirty="0" smtClean="0">
+              <a:solidFill>
+                <a:srgbClr val="0E29AE"/>
+              </a:solidFill>
+              <a:latin typeface="Arial" pitchFamily="34" charset="0"/>
+              <a:cs typeface="Arial" pitchFamily="34" charset="0"/>
+            </a:endParaRPr>
           </a:p>
           <a:p>
             <a:pPr>
@@ -21415,8 +20476,69 @@
                 <a:latin typeface="Arial" pitchFamily="34" charset="0"/>
                 <a:cs typeface="Arial" pitchFamily="34" charset="0"/>
               </a:rPr>
-              <a:t>What did we get? Kobe</a:t>
-            </a:r>
+              <a:t>Give </a:t>
+            </a:r>
+            <a:r>
+              <a:rPr lang="en-US" sz="2400" dirty="0" smtClean="0">
+                <a:solidFill>
+                  <a:srgbClr val="0E29AE"/>
+                </a:solidFill>
+                <a:latin typeface="Arial" pitchFamily="34" charset="0"/>
+                <a:cs typeface="Arial" pitchFamily="34" charset="0"/>
+              </a:rPr>
+              <a:t>me </a:t>
+            </a:r>
+            <a:r>
+              <a:rPr lang="en-US" sz="2400" dirty="0" smtClean="0">
+                <a:solidFill>
+                  <a:srgbClr val="0E29AE"/>
+                </a:solidFill>
+                <a:latin typeface="Arial" pitchFamily="34" charset="0"/>
+                <a:cs typeface="Arial" pitchFamily="34" charset="0"/>
+              </a:rPr>
+              <a:t>e</a:t>
+            </a:r>
+            <a:endParaRPr lang="en-US" sz="2400" dirty="0" smtClean="0">
+              <a:solidFill>
+                <a:srgbClr val="0E29AE"/>
+              </a:solidFill>
+              <a:latin typeface="Arial" pitchFamily="34" charset="0"/>
+              <a:cs typeface="Arial" pitchFamily="34" charset="0"/>
+            </a:endParaRPr>
+          </a:p>
+          <a:p>
+            <a:pPr>
+              <a:buFontTx/>
+              <a:buNone/>
+              <a:defRPr/>
+            </a:pPr>
+            <a:r>
+              <a:rPr lang="en-US" sz="2400" dirty="0" smtClean="0">
+                <a:solidFill>
+                  <a:srgbClr val="0E29AE"/>
+                </a:solidFill>
+                <a:latin typeface="Arial" pitchFamily="34" charset="0"/>
+                <a:cs typeface="Arial" pitchFamily="34" charset="0"/>
+              </a:rPr>
+              <a:t>What did we get? </a:t>
+            </a:r>
+            <a:r>
+              <a:rPr lang="en-US" sz="2400" dirty="0" smtClean="0">
+                <a:solidFill>
+                  <a:srgbClr val="0E29AE"/>
+                </a:solidFill>
+                <a:latin typeface="Arial" pitchFamily="34" charset="0"/>
+                <a:cs typeface="Arial" pitchFamily="34" charset="0"/>
+              </a:rPr>
+              <a:t>Kanye</a:t>
+            </a:r>
+            <a:endParaRPr lang="en-US" sz="2400" dirty="0" smtClean="0">
+              <a:solidFill>
+                <a:srgbClr val="0E29AE"/>
+              </a:solidFill>
+              <a:latin typeface="Arial" pitchFamily="34" charset="0"/>
+              <a:cs typeface="Arial" pitchFamily="34" charset="0"/>
+            </a:endParaRPr>
           </a:p>
           <a:p>
             <a:pPr>
@@ -21466,9 +20588,9 @@
       </p:sp>
       <p:pic>
         <p:nvPicPr>
-          <p:cNvPr id="1026" name="Picture 2"/>
+          <p:cNvPr id="2" name="Picture 1"/>
           <p:cNvPicPr>
-            <a:picLocks noChangeAspect="1" noChangeArrowheads="1"/>
+            <a:picLocks noChangeAspect="1"/>
           </p:cNvPicPr>
           <p:nvPr/>
         </p:nvPicPr>
@@ -21480,42 +20602,18 @@
               </a:ext>
             </a:extLst>
           </a:blip>
-          <a:srcRect/>
           <a:stretch>
             <a:fillRect/>
           </a:stretch>
         </p:blipFill>
-        <p:spPr bwMode="auto">
+        <p:spPr>
           <a:xfrm>
-            <a:off x="2971800" y="4419600"/>
-            <a:ext cx="1971675" cy="2324100"/>
+            <a:off x="2971800" y="4611208"/>
+            <a:ext cx="2292350" cy="2149450"/>
           </a:xfrm>
           <a:prstGeom prst="rect">
             <a:avLst/>
           </a:prstGeom>
-          <a:noFill/>
-          <a:ln>
-            <a:noFill/>
-          </a:ln>
-          <a:extLst>
-            <a:ext uri="{909E8E84-426E-40DD-AFC4-6F175D3DCCD1}">
-              <a14:hiddenFill xmlns:a14="http://schemas.microsoft.com/office/drawing/2010/main">
-                <a:solidFill>
-                  <a:schemeClr val="accent1"/>
-                </a:solidFill>
-              </a14:hiddenFill>
-            </a:ext>
-            <a:ext uri="{91240B29-F687-4F45-9708-019B960494DF}">
-              <a14:hiddenLine xmlns:a14="http://schemas.microsoft.com/office/drawing/2010/main" w="9525">
-                <a:solidFill>
-                  <a:schemeClr val="tx1"/>
-                </a:solidFill>
-                <a:miter lim="800000"/>
-                <a:headEnd/>
-                <a:tailEnd/>
-              </a14:hiddenLine>
-            </a:ext>
-          </a:extLst>
         </p:spPr>
       </p:pic>
     </p:spTree>
@@ -21770,21 +20868,70 @@
                                   </p:childTnLst>
                                 </p:cTn>
                               </p:par>
+                            </p:childTnLst>
+                          </p:cTn>
+                        </p:par>
+                      </p:childTnLst>
+                    </p:cTn>
+                  </p:par>
+                  <p:par>
+                    <p:cTn id="23" fill="hold">
+                      <p:stCondLst>
+                        <p:cond delay="indefinite"/>
+                      </p:stCondLst>
+                      <p:childTnLst>
+                        <p:par>
+                          <p:cTn id="24" fill="hold">
+                            <p:stCondLst>
+                              <p:cond delay="0"/>
+                            </p:stCondLst>
+                            <p:childTnLst>
                               <p:par>
-                                <p:cTn id="23" presetID="1" presetClass="entr" presetSubtype="0" fill="hold" nodeType="withEffect">
+                                <p:cTn id="25" presetID="1" presetClass="entr" presetSubtype="0" fill="hold" nodeType="clickEffect">
                                   <p:stCondLst>
                                     <p:cond delay="0"/>
                                   </p:stCondLst>
                                   <p:childTnLst>
                                     <p:set>
                                       <p:cBhvr>
-                                        <p:cTn id="24" dur="1" fill="hold">
+                                        <p:cTn id="26" dur="1" fill="hold">
                                           <p:stCondLst>
                                             <p:cond delay="0"/>
                                           </p:stCondLst>
                                         </p:cTn>
                                         <p:tgtEl>
-                                          <p:spTgt spid="1026"/>
+                                          <p:spTgt spid="3">
+                                            <p:txEl>
+                                              <p:pRg st="10" end="10"/>
+                                            </p:txEl>
+                                          </p:spTgt>
+                                        </p:tgtEl>
+                                        <p:attrNameLst>
+                                          <p:attrName>style.visibility</p:attrName>
+                                        </p:attrNameLst>
+                                      </p:cBhvr>
+                                      <p:to>
+                                        <p:strVal val="visible"/>
+                                      </p:to>
+                                    </p:set>
+                                  </p:childTnLst>
+                                </p:cTn>
+                              </p:par>
+                              <p:par>
+                                <p:cTn id="27" presetID="1" presetClass="entr" presetSubtype="0" fill="hold" nodeType="withEffect">
+                                  <p:stCondLst>
+                                    <p:cond delay="0"/>
+                                  </p:stCondLst>
+                                  <p:childTnLst>
+                                    <p:set>
+                                      <p:cBhvr>
+                                        <p:cTn id="28" dur="1" fill="hold">
+                                          <p:stCondLst>
+                                            <p:cond delay="0"/>
+                                          </p:stCondLst>
+                                        </p:cTn>
+                                        <p:tgtEl>
+                                          <p:spTgt spid="2"/>
                                         </p:tgtEl>
                                         <p:attrNameLst>
                                           <p:attrName>style.visibility</p:attrName>
@@ -22353,7 +21500,21 @@
                 <a:latin typeface="Arial" pitchFamily="34" charset="0"/>
                 <a:cs typeface="Arial" pitchFamily="34" charset="0"/>
               </a:rPr>
-              <a:t>range(2, n+1):</a:t>
+              <a:t>range(2, </a:t>
+            </a:r>
+            <a:r>
+              <a:rPr lang="en-US" sz="2400" dirty="0" smtClean="0">
+                <a:latin typeface="Arial" pitchFamily="34" charset="0"/>
+                <a:cs typeface="Arial" pitchFamily="34" charset="0"/>
+              </a:rPr>
+              <a:t>n + 1</a:t>
+            </a:r>
+            <a:r>
+              <a:rPr lang="en-US" sz="2400" dirty="0" smtClean="0">
+                <a:latin typeface="Arial" pitchFamily="34" charset="0"/>
+                <a:cs typeface="Arial" pitchFamily="34" charset="0"/>
+              </a:rPr>
+              <a:t>):</a:t>
             </a:r>
           </a:p>
           <a:p>
@@ -24649,21 +23810,7 @@
                 <a:latin typeface="Arial" pitchFamily="34" charset="0"/>
                 <a:cs typeface="Arial" pitchFamily="34" charset="0"/>
               </a:rPr>
-              <a:t> loop </a:t>
-            </a:r>
-            <a:r>
-              <a:rPr lang="en-US" sz="2400" dirty="0" smtClean="0">
-                <a:latin typeface="Arial" pitchFamily="34" charset="0"/>
-                <a:cs typeface="Arial" pitchFamily="34" charset="0"/>
-              </a:rPr>
-              <a:t>infinite</a:t>
-            </a:r>
-            <a:r>
-              <a:rPr lang="en-US" sz="2400" dirty="0" smtClean="0">
-                <a:latin typeface="Arial" pitchFamily="34" charset="0"/>
-                <a:cs typeface="Arial" pitchFamily="34" charset="0"/>
-              </a:rPr>
-              <a:t>?</a:t>
+              <a:t> loop infinite?</a:t>
             </a:r>
           </a:p>
         </p:txBody>
@@ -27349,7 +26496,7 @@
                 <a:latin typeface="Times New Roman" panose="02020603050405020304" pitchFamily="18" charset="0"/>
                 <a:cs typeface="Times New Roman" panose="02020603050405020304" pitchFamily="18" charset="0"/>
               </a:rPr>
-              <a:t>xn_2 </a:t>
+              <a:t>x_i_1 </a:t>
             </a:r>
             <a:r>
               <a:rPr lang="en-US" sz="2800" dirty="0">
@@ -27366,7 +26513,57 @@
                 <a:latin typeface="Times New Roman" panose="02020603050405020304" pitchFamily="18" charset="0"/>
                 <a:cs typeface="Times New Roman" panose="02020603050405020304" pitchFamily="18" charset="0"/>
               </a:rPr>
-              <a:t> 0</a:t>
+              <a:t> </a:t>
+            </a:r>
+            <a:r>
+              <a:rPr lang="en-US" sz="2800" dirty="0" smtClean="0">
+                <a:latin typeface="Times New Roman" panose="02020603050405020304" pitchFamily="18" charset="0"/>
+                <a:cs typeface="Times New Roman" panose="02020603050405020304" pitchFamily="18" charset="0"/>
+              </a:rPr>
+              <a:t>1</a:t>
+            </a:r>
+          </a:p>
+          <a:p>
+            <a:pPr marL="0" indent="0">
+              <a:buNone/>
+            </a:pPr>
+            <a:r>
+              <a:rPr lang="en-US" sz="2800" dirty="0">
+                <a:latin typeface="Times New Roman" panose="02020603050405020304" pitchFamily="18" charset="0"/>
+                <a:cs typeface="Times New Roman" panose="02020603050405020304" pitchFamily="18" charset="0"/>
+              </a:rPr>
+              <a:t>x_i_2 </a:t>
+            </a:r>
+            <a:r>
+              <a:rPr lang="en-US" sz="2800" dirty="0">
+                <a:solidFill>
+                  <a:srgbClr val="A52A2A"/>
+                </a:solidFill>
+                <a:latin typeface="Times New Roman" panose="02020603050405020304" pitchFamily="18" charset="0"/>
+                <a:cs typeface="Times New Roman" panose="02020603050405020304" pitchFamily="18" charset="0"/>
+              </a:rPr>
+              <a:t>=</a:t>
+            </a:r>
+            <a:r>
+              <a:rPr lang="en-US" sz="2800" dirty="0">
+                <a:latin typeface="Times New Roman" panose="02020603050405020304" pitchFamily="18" charset="0"/>
+                <a:cs typeface="Times New Roman" panose="02020603050405020304" pitchFamily="18" charset="0"/>
+              </a:rPr>
+              <a:t> </a:t>
+            </a:r>
+            <a:r>
+              <a:rPr lang="en-US" sz="2800" dirty="0" smtClean="0">
+                <a:latin typeface="Times New Roman" panose="02020603050405020304" pitchFamily="18" charset="0"/>
+                <a:cs typeface="Times New Roman" panose="02020603050405020304" pitchFamily="18" charset="0"/>
+              </a:rPr>
+              <a:t>0</a:t>
+            </a:r>
+            <a:r>
+              <a:rPr lang="en-US" sz="2800" dirty="0">
+                <a:latin typeface="Times New Roman" panose="02020603050405020304" pitchFamily="18" charset="0"/>
+                <a:cs typeface="Times New Roman" panose="02020603050405020304" pitchFamily="18" charset="0"/>
+              </a:rPr>
+              <a:t/>
             </a:r>
             <a:br>
               <a:rPr lang="en-US" sz="2800" dirty="0">
@@ -27375,28 +26572,35 @@
               </a:rPr>
             </a:br>
             <a:r>
-              <a:rPr lang="en-US" sz="2800" dirty="0" smtClean="0">
+              <a:rPr lang="en-US" sz="2800" dirty="0" err="1">
                 <a:latin typeface="Times New Roman" panose="02020603050405020304" pitchFamily="18" charset="0"/>
                 <a:cs typeface="Times New Roman" panose="02020603050405020304" pitchFamily="18" charset="0"/>
               </a:rPr>
-              <a:t>xn_1 </a:t>
-            </a:r>
-            <a:r>
-              <a:rPr lang="en-US" sz="2800" dirty="0">
-                <a:solidFill>
-                  <a:srgbClr val="A52A2A"/>
-                </a:solidFill>
-                <a:latin typeface="Times New Roman" panose="02020603050405020304" pitchFamily="18" charset="0"/>
-                <a:cs typeface="Times New Roman" panose="02020603050405020304" pitchFamily="18" charset="0"/>
-              </a:rPr>
-              <a:t>=</a:t>
+              <a:t>i</a:t>
             </a:r>
             <a:r>
               <a:rPr lang="en-US" sz="2800" dirty="0">
                 <a:latin typeface="Times New Roman" panose="02020603050405020304" pitchFamily="18" charset="0"/>
                 <a:cs typeface="Times New Roman" panose="02020603050405020304" pitchFamily="18" charset="0"/>
               </a:rPr>
-              <a:t> 1</a:t>
+              <a:t> </a:t>
+            </a:r>
+            <a:r>
+              <a:rPr lang="en-US" sz="2800" dirty="0">
+                <a:solidFill>
+                  <a:srgbClr val="A52A2A"/>
+                </a:solidFill>
+                <a:latin typeface="Times New Roman" panose="02020603050405020304" pitchFamily="18" charset="0"/>
+                <a:cs typeface="Times New Roman" panose="02020603050405020304" pitchFamily="18" charset="0"/>
+              </a:rPr>
+              <a:t>=</a:t>
+            </a:r>
+            <a:r>
+              <a:rPr lang="en-US" sz="2800" dirty="0">
+                <a:latin typeface="Times New Roman" panose="02020603050405020304" pitchFamily="18" charset="0"/>
+                <a:cs typeface="Times New Roman" panose="02020603050405020304" pitchFamily="18" charset="0"/>
+              </a:rPr>
+              <a:t> 3</a:t>
             </a:r>
             <a:br>
               <a:rPr lang="en-US" sz="2800" dirty="0">
@@ -27405,6 +26609,23 @@
               </a:rPr>
             </a:br>
             <a:r>
+              <a:rPr lang="en-US" sz="2800" dirty="0">
+                <a:solidFill>
+                  <a:srgbClr val="FF8C00"/>
+                </a:solidFill>
+                <a:latin typeface="Times New Roman" panose="02020603050405020304" pitchFamily="18" charset="0"/>
+                <a:cs typeface="Times New Roman" panose="02020603050405020304" pitchFamily="18" charset="0"/>
+              </a:rPr>
+              <a:t>while</a:t>
+            </a:r>
+            <a:r>
+              <a:rPr lang="en-US" sz="2800" dirty="0">
+                <a:latin typeface="Times New Roman" panose="02020603050405020304" pitchFamily="18" charset="0"/>
+                <a:cs typeface="Times New Roman" panose="02020603050405020304" pitchFamily="18" charset="0"/>
+              </a:rPr>
+              <a:t> </a:t>
+            </a:r>
+            <a:r>
               <a:rPr lang="en-US" sz="2800" dirty="0" err="1">
                 <a:latin typeface="Times New Roman" panose="02020603050405020304" pitchFamily="18" charset="0"/>
                 <a:cs typeface="Times New Roman" panose="02020603050405020304" pitchFamily="18" charset="0"/>
@@ -27426,14 +26647,14 @@
                 <a:latin typeface="Times New Roman" panose="02020603050405020304" pitchFamily="18" charset="0"/>
                 <a:cs typeface="Times New Roman" panose="02020603050405020304" pitchFamily="18" charset="0"/>
               </a:rPr>
-              <a:t>=</a:t>
+              <a:t>&lt;=</a:t>
             </a:r>
             <a:r>
               <a:rPr lang="en-US" sz="2800" dirty="0">
                 <a:latin typeface="Times New Roman" panose="02020603050405020304" pitchFamily="18" charset="0"/>
                 <a:cs typeface="Times New Roman" panose="02020603050405020304" pitchFamily="18" charset="0"/>
               </a:rPr>
-              <a:t> 3</a:t>
+              <a:t> n:</a:t>
             </a:r>
             <a:br>
               <a:rPr lang="en-US" sz="2800" dirty="0">
@@ -27443,13 +26664,34 @@
             </a:br>
             <a:r>
               <a:rPr lang="en-US" sz="2800" dirty="0">
-                <a:solidFill>
-                  <a:srgbClr val="FF8C00"/>
-                </a:solidFill>
                 <a:latin typeface="Times New Roman" panose="02020603050405020304" pitchFamily="18" charset="0"/>
                 <a:cs typeface="Times New Roman" panose="02020603050405020304" pitchFamily="18" charset="0"/>
               </a:rPr>
-              <a:t>while</a:t>
+              <a:t>    </a:t>
+            </a:r>
+            <a:r>
+              <a:rPr lang="en-US" sz="2800" dirty="0" err="1" smtClean="0">
+                <a:latin typeface="Times New Roman" panose="02020603050405020304" pitchFamily="18" charset="0"/>
+                <a:cs typeface="Times New Roman" panose="02020603050405020304" pitchFamily="18" charset="0"/>
+              </a:rPr>
+              <a:t>x_i</a:t>
+            </a:r>
+            <a:r>
+              <a:rPr lang="en-US" sz="2800" dirty="0" smtClean="0">
+                <a:latin typeface="Times New Roman" panose="02020603050405020304" pitchFamily="18" charset="0"/>
+                <a:cs typeface="Times New Roman" panose="02020603050405020304" pitchFamily="18" charset="0"/>
+              </a:rPr>
+              <a:t> </a:t>
+            </a:r>
+            <a:r>
+              <a:rPr lang="en-US" sz="2800" dirty="0">
+                <a:solidFill>
+                  <a:srgbClr val="A52A2A"/>
+                </a:solidFill>
+                <a:latin typeface="Times New Roman" panose="02020603050405020304" pitchFamily="18" charset="0"/>
+                <a:cs typeface="Times New Roman" panose="02020603050405020304" pitchFamily="18" charset="0"/>
+              </a:rPr>
+              <a:t>=</a:t>
             </a:r>
             <a:r>
               <a:rPr lang="en-US" sz="2800" dirty="0">
@@ -27459,35 +26701,35 @@
               <a:t> </a:t>
             </a:r>
             <a:r>
-              <a:rPr lang="en-US" sz="2800" dirty="0" err="1">
+              <a:rPr lang="en-US" sz="2800" dirty="0" smtClean="0">
                 <a:latin typeface="Times New Roman" panose="02020603050405020304" pitchFamily="18" charset="0"/>
                 <a:cs typeface="Times New Roman" panose="02020603050405020304" pitchFamily="18" charset="0"/>
               </a:rPr>
-              <a:t>i</a:t>
+              <a:t>x_i_1 </a:t>
+            </a:r>
+            <a:r>
+              <a:rPr lang="en-US" sz="2800" dirty="0" smtClean="0">
+                <a:solidFill>
+                  <a:srgbClr val="A52A2A"/>
+                </a:solidFill>
+                <a:latin typeface="Times New Roman" panose="02020603050405020304" pitchFamily="18" charset="0"/>
+                <a:cs typeface="Times New Roman" panose="02020603050405020304" pitchFamily="18" charset="0"/>
+              </a:rPr>
+              <a:t>+ </a:t>
+            </a:r>
+            <a:r>
+              <a:rPr lang="en-US" sz="2800" dirty="0" smtClean="0">
+                <a:latin typeface="Times New Roman" panose="02020603050405020304" pitchFamily="18" charset="0"/>
+                <a:cs typeface="Times New Roman" panose="02020603050405020304" pitchFamily="18" charset="0"/>
+              </a:rPr>
+              <a:t> x_i_2</a:t>
             </a:r>
             <a:r>
               <a:rPr lang="en-US" sz="2800" dirty="0">
                 <a:latin typeface="Times New Roman" panose="02020603050405020304" pitchFamily="18" charset="0"/>
                 <a:cs typeface="Times New Roman" panose="02020603050405020304" pitchFamily="18" charset="0"/>
               </a:rPr>
-              <a:t> </a:t>
-            </a:r>
-            <a:r>
-              <a:rPr lang="en-US" sz="2800" dirty="0">
-                <a:solidFill>
-                  <a:srgbClr val="A52A2A"/>
-                </a:solidFill>
-                <a:latin typeface="Times New Roman" panose="02020603050405020304" pitchFamily="18" charset="0"/>
-                <a:cs typeface="Times New Roman" panose="02020603050405020304" pitchFamily="18" charset="0"/>
-              </a:rPr>
-              <a:t>&lt;=</a:t>
-            </a:r>
-            <a:r>
-              <a:rPr lang="en-US" sz="2800" dirty="0">
-                <a:latin typeface="Times New Roman" panose="02020603050405020304" pitchFamily="18" charset="0"/>
-                <a:cs typeface="Times New Roman" panose="02020603050405020304" pitchFamily="18" charset="0"/>
-              </a:rPr>
-              <a:t> n:</a:t>
+              <a:t/>
             </a:r>
             <a:br>
               <a:rPr lang="en-US" sz="2800" dirty="0">
@@ -27507,7 +26749,7 @@
                 <a:latin typeface="Times New Roman" panose="02020603050405020304" pitchFamily="18" charset="0"/>
                 <a:cs typeface="Times New Roman" panose="02020603050405020304" pitchFamily="18" charset="0"/>
               </a:rPr>
-              <a:t>x_n</a:t>
+              <a:t>x_i_2</a:t>
             </a:r>
             <a:r>
               <a:rPr lang="en-US" sz="2800" dirty="0" smtClean="0">
@@ -27538,24 +26780,7 @@
                 <a:latin typeface="Times New Roman" panose="02020603050405020304" pitchFamily="18" charset="0"/>
                 <a:cs typeface="Times New Roman" panose="02020603050405020304" pitchFamily="18" charset="0"/>
               </a:rPr>
-              <a:t>xn_1</a:t>
-            </a:r>
-            <a:r>
-              <a:rPr lang="en-US" sz="2800" dirty="0" smtClean="0">
-                <a:solidFill>
-                  <a:srgbClr val="A52A2A"/>
-                </a:solidFill>
-                <a:latin typeface="Times New Roman" panose="02020603050405020304" pitchFamily="18" charset="0"/>
-                <a:cs typeface="Times New Roman" panose="02020603050405020304" pitchFamily="18" charset="0"/>
-              </a:rPr>
-              <a:t>+</a:t>
-            </a:r>
-            <a:r>
-              <a:rPr lang="en-US" sz="2800" dirty="0" smtClean="0">
-                <a:latin typeface="Times New Roman" panose="02020603050405020304" pitchFamily="18" charset="0"/>
-                <a:cs typeface="Times New Roman" panose="02020603050405020304" pitchFamily="18" charset="0"/>
-              </a:rPr>
-              <a:t> xn_2</a:t>
+              <a:t>x_i_1</a:t>
             </a:r>
             <a:r>
               <a:rPr lang="en-US" sz="2800" dirty="0">
@@ -27582,7 +26807,7 @@
                 <a:latin typeface="Times New Roman" panose="02020603050405020304" pitchFamily="18" charset="0"/>
                 <a:cs typeface="Times New Roman" panose="02020603050405020304" pitchFamily="18" charset="0"/>
               </a:rPr>
-              <a:t>xn_2</a:t>
+              <a:t>x_i_1</a:t>
             </a:r>
             <a:r>
               <a:rPr lang="en-US" sz="2800" dirty="0" smtClean="0">
@@ -27609,11 +26834,18 @@
               <a:t> </a:t>
             </a:r>
             <a:r>
+              <a:rPr lang="en-US" sz="2800" dirty="0" err="1" smtClean="0">
+                <a:latin typeface="Times New Roman" panose="02020603050405020304" pitchFamily="18" charset="0"/>
+                <a:cs typeface="Times New Roman" panose="02020603050405020304" pitchFamily="18" charset="0"/>
+              </a:rPr>
+              <a:t>x_i</a:t>
+            </a:r>
+            <a:r>
               <a:rPr lang="en-US" sz="2800" dirty="0" smtClean="0">
                 <a:latin typeface="Times New Roman" panose="02020603050405020304" pitchFamily="18" charset="0"/>
                 <a:cs typeface="Times New Roman" panose="02020603050405020304" pitchFamily="18" charset="0"/>
               </a:rPr>
-              <a:t>xn_1</a:t>
+              <a:t> </a:t>
             </a:r>
             <a:r>
               <a:rPr lang="en-US" sz="2800" dirty="0">
@@ -27636,28 +26868,11 @@
               <a:t>    </a:t>
             </a:r>
             <a:r>
-              <a:rPr lang="en-US" sz="2800" dirty="0" err="1" smtClean="0">
+              <a:rPr lang="en-US" sz="2800" dirty="0" err="1">
                 <a:latin typeface="Times New Roman" panose="02020603050405020304" pitchFamily="18" charset="0"/>
                 <a:cs typeface="Times New Roman" panose="02020603050405020304" pitchFamily="18" charset="0"/>
               </a:rPr>
-              <a:t>xn_1</a:t>
-            </a:r>
-            <a:r>
-              <a:rPr lang="en-US" sz="2800" dirty="0" smtClean="0">
-                <a:latin typeface="Times New Roman" panose="02020603050405020304" pitchFamily="18" charset="0"/>
-                <a:cs typeface="Times New Roman" panose="02020603050405020304" pitchFamily="18" charset="0"/>
-              </a:rPr>
-              <a:t> </a:t>
-            </a:r>
-            <a:r>
-              <a:rPr lang="en-US" sz="2800" dirty="0">
-                <a:solidFill>
-                  <a:srgbClr val="A52A2A"/>
-                </a:solidFill>
-                <a:latin typeface="Times New Roman" panose="02020603050405020304" pitchFamily="18" charset="0"/>
-                <a:cs typeface="Times New Roman" panose="02020603050405020304" pitchFamily="18" charset="0"/>
-              </a:rPr>
-              <a:t>=</a:t>
+              <a:t>i</a:t>
             </a:r>
             <a:r>
               <a:rPr lang="en-US" sz="2800" dirty="0">
@@ -27667,25 +26882,21 @@
               <a:t> </a:t>
             </a:r>
             <a:r>
-              <a:rPr lang="en-US" sz="2800" dirty="0" err="1" smtClean="0">
+              <a:rPr lang="en-US" sz="2800" dirty="0">
+                <a:solidFill>
+                  <a:srgbClr val="A52A2A"/>
+                </a:solidFill>
                 <a:latin typeface="Times New Roman" panose="02020603050405020304" pitchFamily="18" charset="0"/>
                 <a:cs typeface="Times New Roman" panose="02020603050405020304" pitchFamily="18" charset="0"/>
               </a:rPr>
-              <a:t>xn</a:t>
-            </a:r>
-            <a:r>
-              <a:rPr lang="en-US" sz="2800" dirty="0" smtClean="0">
-                <a:latin typeface="Times New Roman" panose="02020603050405020304" pitchFamily="18" charset="0"/>
-                <a:cs typeface="Times New Roman" panose="02020603050405020304" pitchFamily="18" charset="0"/>
-              </a:rPr>
-              <a:t> </a:t>
+              <a:t>+=</a:t>
             </a:r>
             <a:r>
               <a:rPr lang="en-US" sz="2800" dirty="0">
                 <a:latin typeface="Times New Roman" panose="02020603050405020304" pitchFamily="18" charset="0"/>
                 <a:cs typeface="Times New Roman" panose="02020603050405020304" pitchFamily="18" charset="0"/>
               </a:rPr>
-              <a:t/>
+              <a:t> 1</a:t>
             </a:r>
             <a:br>
               <a:rPr lang="en-US" sz="2800" dirty="0">
@@ -27698,38 +26909,7 @@
                 <a:latin typeface="Times New Roman" panose="02020603050405020304" pitchFamily="18" charset="0"/>
                 <a:cs typeface="Times New Roman" panose="02020603050405020304" pitchFamily="18" charset="0"/>
               </a:rPr>
-              <a:t>    </a:t>
-            </a:r>
-            <a:r>
-              <a:rPr lang="en-US" sz="2800" dirty="0" err="1">
-                <a:latin typeface="Times New Roman" panose="02020603050405020304" pitchFamily="18" charset="0"/>
-                <a:cs typeface="Times New Roman" panose="02020603050405020304" pitchFamily="18" charset="0"/>
-              </a:rPr>
-              <a:t>i</a:t>
-            </a:r>
-            <a:r>
-              <a:rPr lang="en-US" sz="2800" dirty="0">
-                <a:latin typeface="Times New Roman" panose="02020603050405020304" pitchFamily="18" charset="0"/>
-                <a:cs typeface="Times New Roman" panose="02020603050405020304" pitchFamily="18" charset="0"/>
-              </a:rPr>
-              <a:t> </a:t>
-            </a:r>
-            <a:r>
-              <a:rPr lang="en-US" sz="2800" dirty="0">
-                <a:solidFill>
-                  <a:srgbClr val="A52A2A"/>
-                </a:solidFill>
-                <a:latin typeface="Times New Roman" panose="02020603050405020304" pitchFamily="18" charset="0"/>
-                <a:cs typeface="Times New Roman" panose="02020603050405020304" pitchFamily="18" charset="0"/>
-              </a:rPr>
-              <a:t>+=</a:t>
-            </a:r>
-            <a:r>
-              <a:rPr lang="en-US" sz="2800" dirty="0">
-                <a:latin typeface="Times New Roman" panose="02020603050405020304" pitchFamily="18" charset="0"/>
-                <a:cs typeface="Times New Roman" panose="02020603050405020304" pitchFamily="18" charset="0"/>
-              </a:rPr>
-              <a:t> 1</a:t>
+              <a:t/>
             </a:r>
             <a:br>
               <a:rPr lang="en-US" sz="2800" dirty="0">
@@ -27738,96 +26918,83 @@
               </a:rPr>
             </a:br>
             <a:r>
+              <a:rPr lang="en-US" sz="2800" dirty="0" smtClean="0">
+                <a:solidFill>
+                  <a:srgbClr val="FF8C00"/>
+                </a:solidFill>
+                <a:latin typeface="Times New Roman" panose="02020603050405020304" pitchFamily="18" charset="0"/>
+                <a:cs typeface="Times New Roman" panose="02020603050405020304" pitchFamily="18" charset="0"/>
+              </a:rPr>
+              <a:t>print</a:t>
+            </a:r>
+            <a:r>
+              <a:rPr lang="en-US" sz="2800" dirty="0">
+                <a:cs typeface="Arial" pitchFamily="34" charset="0"/>
+              </a:rPr>
+              <a:t>(</a:t>
+            </a:r>
+            <a:r>
+              <a:rPr lang="en-US" sz="2800" dirty="0" smtClean="0">
+                <a:solidFill>
+                  <a:srgbClr val="228B22"/>
+                </a:solidFill>
+                <a:latin typeface="Times New Roman" panose="02020603050405020304" pitchFamily="18" charset="0"/>
+                <a:cs typeface="Times New Roman" panose="02020603050405020304" pitchFamily="18" charset="0"/>
+              </a:rPr>
+              <a:t>"</a:t>
+            </a:r>
+            <a:r>
+              <a:rPr lang="en-US" sz="2800" dirty="0">
+                <a:solidFill>
+                  <a:srgbClr val="228B22"/>
+                </a:solidFill>
+                <a:latin typeface="Times New Roman" panose="02020603050405020304" pitchFamily="18" charset="0"/>
+                <a:cs typeface="Times New Roman" panose="02020603050405020304" pitchFamily="18" charset="0"/>
+              </a:rPr>
+              <a:t>The"</a:t>
+            </a:r>
+            <a:r>
               <a:rPr lang="en-US" sz="2800" dirty="0">
                 <a:latin typeface="Times New Roman" panose="02020603050405020304" pitchFamily="18" charset="0"/>
                 <a:cs typeface="Times New Roman" panose="02020603050405020304" pitchFamily="18" charset="0"/>
               </a:rPr>
-              <a:t/>
-            </a:r>
-            <a:br>
+              <a:t>, n, </a:t>
+            </a:r>
+            <a:r>
+              <a:rPr lang="en-US" sz="2800" dirty="0">
+                <a:solidFill>
+                  <a:srgbClr val="228B22"/>
+                </a:solidFill>
+                <a:latin typeface="Times New Roman" panose="02020603050405020304" pitchFamily="18" charset="0"/>
+                <a:cs typeface="Times New Roman" panose="02020603050405020304" pitchFamily="18" charset="0"/>
+              </a:rPr>
+              <a:t>"</a:t>
+            </a:r>
+            <a:r>
+              <a:rPr lang="en-US" sz="2800" dirty="0" smtClean="0">
+                <a:solidFill>
+                  <a:srgbClr val="228B22"/>
+                </a:solidFill>
+                <a:latin typeface="Times New Roman" panose="02020603050405020304" pitchFamily="18" charset="0"/>
+                <a:cs typeface="Times New Roman" panose="02020603050405020304" pitchFamily="18" charset="0"/>
+              </a:rPr>
+              <a:t>Fibonacci number is</a:t>
+            </a:r>
+            <a:r>
+              <a:rPr lang="en-US" sz="2800" dirty="0">
+                <a:solidFill>
+                  <a:srgbClr val="228B22"/>
+                </a:solidFill>
+                <a:latin typeface="Times New Roman" panose="02020603050405020304" pitchFamily="18" charset="0"/>
+                <a:cs typeface="Times New Roman" panose="02020603050405020304" pitchFamily="18" charset="0"/>
+              </a:rPr>
+              <a:t>"</a:t>
+            </a:r>
+            <a:r>
               <a:rPr lang="en-US" sz="2800" dirty="0">
                 <a:latin typeface="Times New Roman" panose="02020603050405020304" pitchFamily="18" charset="0"/>
                 <a:cs typeface="Times New Roman" panose="02020603050405020304" pitchFamily="18" charset="0"/>
               </a:rPr>
-            </a:br>
-            <a:r>
-              <a:rPr lang="en-US" sz="2800" dirty="0" smtClean="0">
-                <a:solidFill>
-                  <a:srgbClr val="FF8C00"/>
-                </a:solidFill>
-                <a:latin typeface="Times New Roman" panose="02020603050405020304" pitchFamily="18" charset="0"/>
-                <a:cs typeface="Times New Roman" panose="02020603050405020304" pitchFamily="18" charset="0"/>
-              </a:rPr>
-              <a:t>print</a:t>
-            </a:r>
-            <a:r>
-              <a:rPr lang="en-US" sz="2800" dirty="0">
-                <a:cs typeface="Arial" pitchFamily="34" charset="0"/>
-              </a:rPr>
-              <a:t>(</a:t>
-            </a:r>
-            <a:r>
-              <a:rPr lang="en-US" sz="2800" dirty="0" smtClean="0">
-                <a:solidFill>
-                  <a:srgbClr val="228B22"/>
-                </a:solidFill>
-                <a:latin typeface="Times New Roman" panose="02020603050405020304" pitchFamily="18" charset="0"/>
-                <a:cs typeface="Times New Roman" panose="02020603050405020304" pitchFamily="18" charset="0"/>
-              </a:rPr>
-              <a:t>"</a:t>
-            </a:r>
-            <a:r>
-              <a:rPr lang="en-US" sz="2800" dirty="0">
-                <a:solidFill>
-                  <a:srgbClr val="228B22"/>
-                </a:solidFill>
-                <a:latin typeface="Times New Roman" panose="02020603050405020304" pitchFamily="18" charset="0"/>
-                <a:cs typeface="Times New Roman" panose="02020603050405020304" pitchFamily="18" charset="0"/>
-              </a:rPr>
-              <a:t>The"</a:t>
-            </a:r>
-            <a:r>
-              <a:rPr lang="en-US" sz="2800" dirty="0">
-                <a:latin typeface="Times New Roman" panose="02020603050405020304" pitchFamily="18" charset="0"/>
-                <a:cs typeface="Times New Roman" panose="02020603050405020304" pitchFamily="18" charset="0"/>
-              </a:rPr>
-              <a:t>, n, </a:t>
-            </a:r>
-            <a:r>
-              <a:rPr lang="en-US" sz="2800" dirty="0">
-                <a:solidFill>
-                  <a:srgbClr val="228B22"/>
-                </a:solidFill>
-                <a:latin typeface="Times New Roman" panose="02020603050405020304" pitchFamily="18" charset="0"/>
-                <a:cs typeface="Times New Roman" panose="02020603050405020304" pitchFamily="18" charset="0"/>
-              </a:rPr>
-              <a:t>"</a:t>
-            </a:r>
-            <a:r>
-              <a:rPr lang="en-US" sz="2800" dirty="0" smtClean="0">
-                <a:solidFill>
-                  <a:srgbClr val="228B22"/>
-                </a:solidFill>
-                <a:latin typeface="Times New Roman" panose="02020603050405020304" pitchFamily="18" charset="0"/>
-                <a:cs typeface="Times New Roman" panose="02020603050405020304" pitchFamily="18" charset="0"/>
-              </a:rPr>
-              <a:t>Fibonacci number is</a:t>
-            </a:r>
-            <a:r>
-              <a:rPr lang="en-US" sz="2800" dirty="0">
-                <a:solidFill>
-                  <a:srgbClr val="228B22"/>
-                </a:solidFill>
-                <a:latin typeface="Times New Roman" panose="02020603050405020304" pitchFamily="18" charset="0"/>
-                <a:cs typeface="Times New Roman" panose="02020603050405020304" pitchFamily="18" charset="0"/>
-              </a:rPr>
-              <a:t>"</a:t>
-            </a:r>
-            <a:r>
-              <a:rPr lang="en-US" sz="2800" dirty="0">
-                <a:latin typeface="Times New Roman" panose="02020603050405020304" pitchFamily="18" charset="0"/>
-                <a:cs typeface="Times New Roman" panose="02020603050405020304" pitchFamily="18" charset="0"/>
-              </a:rPr>
               <a:t>, </a:t>
             </a:r>
             <a:r>
@@ -27835,10 +27002,10 @@
                 <a:latin typeface="Times New Roman" panose="02020603050405020304" pitchFamily="18" charset="0"/>
                 <a:cs typeface="Times New Roman" panose="02020603050405020304" pitchFamily="18" charset="0"/>
               </a:rPr>
-              <a:t>xn</a:t>
-            </a:r>
-            <a:r>
-              <a:rPr lang="en-US" sz="2800" dirty="0">
+              <a:t>x_i</a:t>
+            </a:r>
+            <a:r>
+              <a:rPr lang="en-US" sz="2800" dirty="0" smtClean="0">
                 <a:latin typeface="Times New Roman" panose="02020603050405020304" pitchFamily="18" charset="0"/>
                 <a:cs typeface="Times New Roman" panose="02020603050405020304" pitchFamily="18" charset="0"/>
               </a:rPr>
@@ -27880,8 +27047,8 @@
           </a:p>
         </p:txBody>
       </p:sp>
-      <mc:AlternateContent xmlns:mc="http://schemas.openxmlformats.org/markup-compatibility/2006" xmlns:a14="http://schemas.microsoft.com/office/drawing/2010/main">
-        <mc:Choice Requires="a14">
+      <mc:AlternateContent xmlns:mc="http://schemas.openxmlformats.org/markup-compatibility/2006">
+        <mc:Choice xmlns:a14="http://schemas.microsoft.com/office/drawing/2010/main" Requires="a14">
           <p:sp>
             <p:nvSpPr>
               <p:cNvPr id="5" name="TextBox 4"/>
@@ -27940,7 +27107,7 @@
                             <a:rPr lang="en-US" sz="3600" b="0" i="1" smtClean="0">
                               <a:latin typeface="Cambria Math"/>
                             </a:rPr>
-                            <m:t>𝑛</m:t>
+                            <m:t>𝑖</m:t>
                           </m:r>
                         </m:sub>
                       </m:sSub>
@@ -27971,7 +27138,7 @@
                             <a:rPr lang="en-US" sz="3600" b="0" i="1" smtClean="0">
                               <a:latin typeface="Cambria Math"/>
                             </a:rPr>
-                            <m:t>𝑛</m:t>
+                            <m:t>𝑖</m:t>
                           </m:r>
                           <m:r>
                             <a:rPr lang="en-US" sz="3600" b="0" i="1" smtClean="0">
@@ -28014,7 +27181,7 @@
                             <a:rPr lang="en-US" sz="3600" b="0" i="1" smtClean="0">
                               <a:latin typeface="Cambria Math"/>
                             </a:rPr>
-                            <m:t>𝑛</m:t>
+                            <m:t>𝑖</m:t>
                           </m:r>
                           <m:r>
                             <a:rPr lang="en-US" sz="3600" b="0" i="1" smtClean="0">
@@ -28038,7 +27205,7 @@
             </p:txBody>
           </p:sp>
         </mc:Choice>
-        <mc:Fallback xmlns="">
+        <mc:Fallback>
           <p:sp>
             <p:nvSpPr>
               <p:cNvPr id="5" name="TextBox 4"/>
@@ -28775,72 +27942,15 @@
                 <a:latin typeface="Times New Roman" pitchFamily="18" charset="0"/>
                 <a:cs typeface="Times New Roman" pitchFamily="18" charset="0"/>
               </a:rPr>
-              <a:t> Strings </a:t>
-            </a:r>
-            <a:r>
-              <a:rPr lang="en-US" sz="3200" dirty="0">
-                <a:solidFill>
-                  <a:srgbClr val="003399"/>
-                </a:solidFill>
-                <a:latin typeface="Times New Roman" pitchFamily="18" charset="0"/>
-                <a:cs typeface="Times New Roman" pitchFamily="18" charset="0"/>
-              </a:rPr>
-              <a:t>&amp; API</a:t>
-            </a:r>
-          </a:p>
-          <a:p>
-            <a:pPr>
-              <a:lnSpc>
-                <a:spcPct val="80000"/>
-              </a:lnSpc>
-              <a:spcBef>
-                <a:spcPct val="20000"/>
-              </a:spcBef>
-              <a:buFontTx/>
-              <a:buChar char="•"/>
-            </a:pPr>
-            <a:r>
-              <a:rPr lang="en-US" sz="3200" dirty="0" smtClean="0">
-                <a:solidFill>
-                  <a:srgbClr val="003399"/>
-                </a:solidFill>
-                <a:latin typeface="Times New Roman" pitchFamily="18" charset="0"/>
-                <a:cs typeface="Times New Roman" pitchFamily="18" charset="0"/>
-              </a:rPr>
-              <a:t> Importance </a:t>
-            </a:r>
-            <a:r>
-              <a:rPr lang="en-US" sz="3200" dirty="0">
-                <a:solidFill>
-                  <a:srgbClr val="003399"/>
-                </a:solidFill>
-                <a:latin typeface="Times New Roman" pitchFamily="18" charset="0"/>
-                <a:cs typeface="Times New Roman" pitchFamily="18" charset="0"/>
-              </a:rPr>
-              <a:t>of style</a:t>
-            </a:r>
-          </a:p>
-          <a:p>
-            <a:pPr>
-              <a:lnSpc>
-                <a:spcPct val="80000"/>
-              </a:lnSpc>
-              <a:spcBef>
-                <a:spcPct val="20000"/>
-              </a:spcBef>
-              <a:buFontTx/>
-              <a:buChar char="•"/>
-            </a:pPr>
-            <a:r>
-              <a:rPr lang="en-US" sz="3200" dirty="0">
-                <a:solidFill>
-                  <a:srgbClr val="003399"/>
-                </a:solidFill>
-                <a:latin typeface="Times New Roman" pitchFamily="18" charset="0"/>
-                <a:cs typeface="Times New Roman" pitchFamily="18" charset="0"/>
-              </a:rPr>
               <a:t> Functions</a:t>
             </a:r>
+            <a:endParaRPr lang="en-US" sz="3200" dirty="0">
+              <a:solidFill>
+                <a:srgbClr val="003399"/>
+              </a:solidFill>
+              <a:latin typeface="Times New Roman" pitchFamily="18" charset="0"/>
+              <a:cs typeface="Times New Roman" pitchFamily="18" charset="0"/>
+            </a:endParaRPr>
           </a:p>
           <a:p>
             <a:pPr>
@@ -29300,8 +28410,15 @@
                 <a:latin typeface="Times New Roman" pitchFamily="18" charset="0"/>
                 <a:cs typeface="Times New Roman" pitchFamily="18" charset="0"/>
               </a:rPr>
-              <a:t> Strings &amp; API</a:t>
-            </a:r>
+              <a:t> Functions</a:t>
+            </a:r>
+            <a:endParaRPr lang="en-US" sz="3200" dirty="0" smtClean="0">
+              <a:solidFill>
+                <a:srgbClr val="003399"/>
+              </a:solidFill>
+              <a:latin typeface="Times New Roman" pitchFamily="18" charset="0"/>
+              <a:cs typeface="Times New Roman" pitchFamily="18" charset="0"/>
+            </a:endParaRPr>
           </a:p>
           <a:p>
             <a:pPr>
@@ -29322,59 +28439,8 @@
                 <a:latin typeface="Times New Roman" pitchFamily="18" charset="0"/>
                 <a:cs typeface="Times New Roman" pitchFamily="18" charset="0"/>
               </a:rPr>
-              <a:t> Importance of style</a:t>
-            </a:r>
-          </a:p>
-          <a:p>
-            <a:pPr>
-              <a:lnSpc>
-                <a:spcPct val="80000"/>
-              </a:lnSpc>
-              <a:spcBef>
-                <a:spcPct val="20000"/>
-              </a:spcBef>
-              <a:buFontTx/>
-              <a:buChar char="•"/>
-            </a:pPr>
-            <a:r>
-              <a:rPr lang="en-US" sz="3200" dirty="0" smtClean="0">
-                <a:solidFill>
-                  <a:srgbClr val="003399"/>
-                </a:solidFill>
-                <a:latin typeface="Times New Roman" pitchFamily="18" charset="0"/>
-                <a:cs typeface="Times New Roman" pitchFamily="18" charset="0"/>
-              </a:rPr>
-              <a:t> Functions</a:t>
-            </a:r>
-          </a:p>
-          <a:p>
-            <a:pPr>
-              <a:lnSpc>
-                <a:spcPct val="80000"/>
-              </a:lnSpc>
-              <a:spcBef>
-                <a:spcPct val="20000"/>
-              </a:spcBef>
-              <a:buFontTx/>
-              <a:buChar char="•"/>
-            </a:pPr>
-            <a:r>
-              <a:rPr lang="en-US" sz="3200" dirty="0" smtClean="0">
-                <a:solidFill>
-                  <a:srgbClr val="003399"/>
-                </a:solidFill>
-                <a:latin typeface="Times New Roman" pitchFamily="18" charset="0"/>
-                <a:cs typeface="Times New Roman" pitchFamily="18" charset="0"/>
-              </a:rPr>
               <a:t> Homework </a:t>
             </a:r>
-            <a:endParaRPr lang="en-US" sz="3200" dirty="0" smtClean="0">
-              <a:solidFill>
-                <a:srgbClr val="003399"/>
-              </a:solidFill>
-              <a:latin typeface="Times New Roman" pitchFamily="18" charset="0"/>
-              <a:cs typeface="Times New Roman" pitchFamily="18" charset="0"/>
-            </a:endParaRPr>
           </a:p>
           <a:p>
             <a:pPr>
@@ -29451,7 +28517,7 @@
       </p:grpSpPr>
       <p:sp>
         <p:nvSpPr>
-          <p:cNvPr id="24578" name="Slide Number Placeholder 5"/>
+          <p:cNvPr id="32770" name="Slide Number Placeholder 5"/>
           <p:cNvSpPr>
             <a:spLocks noGrp="1"/>
           </p:cNvSpPr>
@@ -29584,7 +28650,7 @@
           </a:lstStyle>
           <a:p>
             <a:pPr eaLnBrk="1" hangingPunct="1"/>
-            <a:fld id="{8A3D1FA0-DE5B-452D-AC0A-50E38CFCBC0D}" type="slidenum">
+            <a:fld id="{074200CC-9B98-4056-B380-387ABB023D66}" type="slidenum">
               <a:rPr lang="he-IL" smtClean="0">
                 <a:cs typeface="Arial" pitchFamily="34" charset="0"/>
               </a:rPr>
@@ -29599,259 +28665,151 @@
       </p:sp>
       <p:sp>
         <p:nvSpPr>
-          <p:cNvPr id="24579" name="Rectangle 2"/>
+          <p:cNvPr id="32771" name="Rectangle 2"/>
           <p:cNvSpPr>
-            <a:spLocks noChangeArrowheads="1"/>
+            <a:spLocks noGrp="1" noChangeArrowheads="1"/>
           </p:cNvSpPr>
-          <p:nvPr/>
+          <p:nvPr>
+            <p:ph type="title"/>
+          </p:nvPr>
         </p:nvSpPr>
-        <p:spPr bwMode="auto">
-          <a:xfrm>
-            <a:off x="457200" y="274638"/>
-            <a:ext cx="8229600" cy="1143000"/>
-          </a:xfrm>
-          <a:prstGeom prst="rect">
-            <a:avLst/>
-          </a:prstGeom>
-          <a:noFill/>
-          <a:ln>
-            <a:noFill/>
-          </a:ln>
-          <a:extLst>
-            <a:ext uri="{909E8E84-426E-40DD-AFC4-6F175D3DCCD1}">
-              <a14:hiddenFill xmlns:a14="http://schemas.microsoft.com/office/drawing/2010/main">
-                <a:solidFill>
-                  <a:srgbClr val="FFFFFF"/>
-                </a:solidFill>
-              </a14:hiddenFill>
-            </a:ext>
-            <a:ext uri="{91240B29-F687-4F45-9708-019B960494DF}">
-              <a14:hiddenLine xmlns:a14="http://schemas.microsoft.com/office/drawing/2010/main" w="9525">
-                <a:solidFill>
-                  <a:srgbClr val="000000"/>
-                </a:solidFill>
-                <a:miter lim="800000"/>
-                <a:headEnd/>
-                <a:tailEnd/>
-              </a14:hiddenLine>
-            </a:ext>
-          </a:extLst>
-        </p:spPr>
+        <p:spPr/>
         <p:txBody>
-          <a:bodyPr anchor="ctr"/>
+          <a:bodyPr/>
           <a:lstStyle/>
           <a:p>
-            <a:pPr algn="ctr">
-              <a:spcBef>
-                <a:spcPct val="0"/>
-              </a:spcBef>
-            </a:pPr>
-            <a:r>
-              <a:rPr lang="en-US" sz="4400">
-                <a:solidFill>
-                  <a:srgbClr val="CC0000"/>
-                </a:solidFill>
+            <a:pPr eaLnBrk="1" hangingPunct="1"/>
+            <a:r>
+              <a:rPr lang="en-US" smtClean="0">
                 <a:latin typeface="Times New Roman" pitchFamily="18" charset="0"/>
                 <a:cs typeface="Times New Roman" pitchFamily="18" charset="0"/>
               </a:rPr>
-              <a:t>Back to Strings</a:t>
+              <a:t>Functions</a:t>
             </a:r>
           </a:p>
         </p:txBody>
       </p:sp>
       <p:sp>
         <p:nvSpPr>
-          <p:cNvPr id="16388" name="Rectangle 3"/>
+          <p:cNvPr id="32772" name="Rectangle 3"/>
           <p:cNvSpPr>
-            <a:spLocks noChangeArrowheads="1"/>
+            <a:spLocks noGrp="1" noChangeArrowheads="1"/>
           </p:cNvSpPr>
-          <p:nvPr/>
+          <p:nvPr>
+            <p:ph type="body" idx="1"/>
+          </p:nvPr>
         </p:nvSpPr>
-        <p:spPr bwMode="auto">
+        <p:spPr>
           <a:xfrm>
-            <a:off x="76200" y="1295400"/>
-            <a:ext cx="5410200" cy="4191000"/>
+            <a:off x="685800" y="1447800"/>
+            <a:ext cx="7848600" cy="4648200"/>
           </a:xfrm>
-          <a:prstGeom prst="rect">
-            <a:avLst/>
-          </a:prstGeom>
-          <a:noFill/>
-          <a:ln w="9525">
-            <a:noFill/>
-            <a:miter lim="800000"/>
-            <a:headEnd/>
-            <a:tailEnd/>
-          </a:ln>
         </p:spPr>
         <p:txBody>
           <a:bodyPr/>
           <a:lstStyle/>
           <a:p>
-            <a:pPr>
-              <a:lnSpc>
-                <a:spcPct val="80000"/>
-              </a:lnSpc>
-              <a:spcBef>
-                <a:spcPct val="20000"/>
-              </a:spcBef>
-              <a:defRPr/>
-            </a:pPr>
-            <a:r>
-              <a:rPr lang="en-US" sz="3200" dirty="0">
-                <a:solidFill>
-                  <a:srgbClr val="003399"/>
-                </a:solidFill>
-                <a:latin typeface="Times New Roman" pitchFamily="18" charset="0"/>
-                <a:cs typeface="Times New Roman" pitchFamily="18" charset="0"/>
-              </a:rPr>
-              <a:t>A string is a sequence of characters that </a:t>
-            </a:r>
-          </a:p>
-          <a:p>
-            <a:pPr marL="268288" indent="-268288">
-              <a:lnSpc>
-                <a:spcPct val="80000"/>
-              </a:lnSpc>
-              <a:spcBef>
-                <a:spcPct val="20000"/>
-              </a:spcBef>
-              <a:defRPr/>
-            </a:pPr>
-            <a:r>
-              <a:rPr lang="en-US" sz="3200" dirty="0">
-                <a:solidFill>
-                  <a:srgbClr val="003399"/>
-                </a:solidFill>
-                <a:latin typeface="Times New Roman" pitchFamily="18" charset="0"/>
-                <a:cs typeface="Times New Roman" pitchFamily="18" charset="0"/>
-              </a:rPr>
-              <a:t>has additional functionality:  </a:t>
-            </a:r>
-            <a:r>
-              <a:rPr lang="en-US" sz="3200" i="1" dirty="0">
-                <a:solidFill>
-                  <a:srgbClr val="003399"/>
-                </a:solidFill>
-                <a:latin typeface="Times New Roman" pitchFamily="18" charset="0"/>
-                <a:cs typeface="Times New Roman" pitchFamily="18" charset="0"/>
-              </a:rPr>
-              <a:t>methods</a:t>
-            </a:r>
-            <a:r>
-              <a:rPr lang="en-US" sz="3200" dirty="0">
-                <a:solidFill>
-                  <a:srgbClr val="003399"/>
-                </a:solidFill>
-                <a:latin typeface="Times New Roman" pitchFamily="18" charset="0"/>
-                <a:cs typeface="Times New Roman" pitchFamily="18" charset="0"/>
-              </a:rPr>
-              <a:t>, built-in </a:t>
-            </a:r>
-            <a:r>
-              <a:rPr lang="en-US" sz="3200" i="1" dirty="0">
-                <a:solidFill>
-                  <a:srgbClr val="003399"/>
-                </a:solidFill>
-                <a:latin typeface="Times New Roman" pitchFamily="18" charset="0"/>
-                <a:cs typeface="Times New Roman" pitchFamily="18" charset="0"/>
-              </a:rPr>
-              <a:t>functions</a:t>
-            </a:r>
-          </a:p>
-          <a:p>
-            <a:pPr>
-              <a:lnSpc>
-                <a:spcPct val="80000"/>
-              </a:lnSpc>
-              <a:spcBef>
-                <a:spcPct val="20000"/>
-              </a:spcBef>
-              <a:buFontTx/>
-              <a:buChar char="•"/>
-              <a:defRPr/>
-            </a:pPr>
-            <a:endParaRPr lang="en-US" sz="3600" dirty="0">
+            <a:r>
+              <a:rPr lang="en-US" b="1" dirty="0" smtClean="0">
+                <a:solidFill>
+                  <a:srgbClr val="339966"/>
+                </a:solidFill>
+                <a:latin typeface="Times New Roman" panose="02020603050405020304" pitchFamily="18" charset="0"/>
+                <a:cs typeface="Times New Roman" panose="02020603050405020304" pitchFamily="18" charset="0"/>
+              </a:rPr>
+              <a:t>A function </a:t>
+            </a:r>
+            <a:r>
+              <a:rPr lang="en-US" dirty="0" smtClean="0">
+                <a:latin typeface="Times New Roman" panose="02020603050405020304" pitchFamily="18" charset="0"/>
+                <a:cs typeface="Times New Roman" panose="02020603050405020304" pitchFamily="18" charset="0"/>
+              </a:rPr>
+              <a:t>is a block of code that has a unique</a:t>
+            </a:r>
+            <a:r>
+              <a:rPr lang="en-US" dirty="0" smtClean="0">
+                <a:solidFill>
+                  <a:srgbClr val="339966"/>
+                </a:solidFill>
+                <a:latin typeface="Times New Roman" panose="02020603050405020304" pitchFamily="18" charset="0"/>
+                <a:cs typeface="Times New Roman" panose="02020603050405020304" pitchFamily="18" charset="0"/>
+              </a:rPr>
+              <a:t> name</a:t>
+            </a:r>
+            <a:r>
+              <a:rPr lang="en-US" dirty="0" smtClean="0">
+                <a:latin typeface="Times New Roman" panose="02020603050405020304" pitchFamily="18" charset="0"/>
+                <a:cs typeface="Times New Roman" panose="02020603050405020304" pitchFamily="18" charset="0"/>
+              </a:rPr>
+              <a:t>, usually returns a value.</a:t>
+            </a:r>
+          </a:p>
+          <a:p>
+            <a:r>
+              <a:rPr lang="en-US" dirty="0" smtClean="0">
+                <a:solidFill>
+                  <a:srgbClr val="339966"/>
+                </a:solidFill>
+                <a:latin typeface="Times New Roman" panose="02020603050405020304" pitchFamily="18" charset="0"/>
+                <a:cs typeface="Times New Roman" panose="02020603050405020304" pitchFamily="18" charset="0"/>
+              </a:rPr>
+              <a:t>Abstraction - </a:t>
+            </a:r>
+            <a:r>
+              <a:rPr lang="en-US" dirty="0" smtClean="0">
+                <a:latin typeface="Times New Roman" panose="02020603050405020304" pitchFamily="18" charset="0"/>
+                <a:cs typeface="Times New Roman" panose="02020603050405020304" pitchFamily="18" charset="0"/>
+              </a:rPr>
+              <a:t>a self-contained block of statements that perform a task.</a:t>
+            </a:r>
+            <a:endParaRPr lang="en-US" dirty="0" smtClean="0">
               <a:solidFill>
-                <a:srgbClr val="003399"/>
+                <a:srgbClr val="339966"/>
               </a:solidFill>
-              <a:latin typeface="Times New Roman" pitchFamily="18" charset="0"/>
-              <a:cs typeface="Times New Roman" pitchFamily="18" charset="0"/>
+              <a:latin typeface="Times New Roman" panose="02020603050405020304" pitchFamily="18" charset="0"/>
+              <a:cs typeface="Times New Roman" panose="02020603050405020304" pitchFamily="18" charset="0"/>
             </a:endParaRPr>
           </a:p>
           <a:p>
-            <a:pPr>
-              <a:lnSpc>
-                <a:spcPct val="80000"/>
-              </a:lnSpc>
-              <a:spcBef>
-                <a:spcPct val="20000"/>
-              </a:spcBef>
-              <a:defRPr/>
-            </a:pPr>
-            <a:endParaRPr lang="en-US" sz="3200" dirty="0">
-              <a:solidFill>
-                <a:srgbClr val="003399"/>
-              </a:solidFill>
-              <a:latin typeface="Times New Roman" pitchFamily="18" charset="0"/>
-              <a:cs typeface="Times New Roman" pitchFamily="18" charset="0"/>
-            </a:endParaRPr>
+            <a:r>
+              <a:rPr lang="en-US" dirty="0" smtClean="0">
+                <a:solidFill>
+                  <a:srgbClr val="339966"/>
+                </a:solidFill>
+                <a:latin typeface="Times New Roman" panose="02020603050405020304" pitchFamily="18" charset="0"/>
+                <a:cs typeface="Times New Roman" panose="02020603050405020304" pitchFamily="18" charset="0"/>
+              </a:rPr>
+              <a:t>Reusable</a:t>
+            </a:r>
+            <a:r>
+              <a:rPr lang="en-US" dirty="0" smtClean="0">
+                <a:latin typeface="Times New Roman" panose="02020603050405020304" pitchFamily="18" charset="0"/>
+                <a:cs typeface="Times New Roman" panose="02020603050405020304" pitchFamily="18" charset="0"/>
+              </a:rPr>
+              <a:t> - can be executed from as many different points in a Program.</a:t>
+            </a:r>
+          </a:p>
+          <a:p>
+            <a:r>
+              <a:rPr lang="en-US" dirty="0" smtClean="0">
+                <a:solidFill>
+                  <a:srgbClr val="339966"/>
+                </a:solidFill>
+                <a:latin typeface="Times New Roman" panose="02020603050405020304" pitchFamily="18" charset="0"/>
+                <a:cs typeface="Times New Roman" panose="02020603050405020304" pitchFamily="18" charset="0"/>
+              </a:rPr>
+              <a:t>Groups</a:t>
+            </a:r>
+            <a:r>
+              <a:rPr lang="en-US" dirty="0" smtClean="0">
+                <a:latin typeface="Times New Roman" panose="02020603050405020304" pitchFamily="18" charset="0"/>
+                <a:cs typeface="Times New Roman" panose="02020603050405020304" pitchFamily="18" charset="0"/>
+              </a:rPr>
+              <a:t> a number of statements into a unit.</a:t>
+            </a:r>
           </a:p>
         </p:txBody>
       </p:sp>
-      <p:pic>
-        <p:nvPicPr>
-          <p:cNvPr id="24581" name="Picture 7"/>
-          <p:cNvPicPr>
-            <a:picLocks noChangeAspect="1" noChangeArrowheads="1"/>
-          </p:cNvPicPr>
-          <p:nvPr/>
-        </p:nvPicPr>
-        <p:blipFill>
-          <a:blip r:embed="rId3">
-            <a:extLst>
-              <a:ext uri="{28A0092B-C50C-407E-A947-70E740481C1C}">
-                <a14:useLocalDpi xmlns:a14="http://schemas.microsoft.com/office/drawing/2010/main" val="0"/>
-              </a:ext>
-            </a:extLst>
-          </a:blip>
-          <a:srcRect/>
-          <a:stretch>
-            <a:fillRect/>
-          </a:stretch>
-        </p:blipFill>
-        <p:spPr bwMode="auto">
-          <a:xfrm>
-            <a:off x="304800" y="3124200"/>
-            <a:ext cx="5638800" cy="3306763"/>
-          </a:xfrm>
-          <a:prstGeom prst="rect">
-            <a:avLst/>
-          </a:prstGeom>
-          <a:noFill/>
-          <a:ln>
-            <a:noFill/>
-          </a:ln>
-          <a:extLst>
-            <a:ext uri="{909E8E84-426E-40DD-AFC4-6F175D3DCCD1}">
-              <a14:hiddenFill xmlns:a14="http://schemas.microsoft.com/office/drawing/2010/main">
-                <a:solidFill>
-                  <a:srgbClr val="FFFFFF"/>
-                </a:solidFill>
-              </a14:hiddenFill>
-            </a:ext>
-            <a:ext uri="{91240B29-F687-4F45-9708-019B960494DF}">
-              <a14:hiddenLine xmlns:a14="http://schemas.microsoft.com/office/drawing/2010/main" w="9525" algn="ctr">
-                <a:solidFill>
-                  <a:srgbClr val="000000"/>
-                </a:solidFill>
-                <a:miter lim="800000"/>
-                <a:headEnd/>
-                <a:tailEnd/>
-              </a14:hiddenLine>
-            </a:ext>
-          </a:extLst>
-        </p:spPr>
-      </p:pic>
     </p:spTree>
   </p:cSld>
   <p:clrMapOvr>
@@ -29886,7 +28844,7 @@
       </p:grpSpPr>
       <p:sp>
         <p:nvSpPr>
-          <p:cNvPr id="25602" name="Slide Number Placeholder 5"/>
+          <p:cNvPr id="33794" name="Slide Number Placeholder 5"/>
           <p:cNvSpPr>
             <a:spLocks noGrp="1"/>
           </p:cNvSpPr>
@@ -30019,7 +28977,7 @@
           </a:lstStyle>
           <a:p>
             <a:pPr eaLnBrk="1" hangingPunct="1"/>
-            <a:fld id="{D4C24925-5085-42FF-896A-4F607E3DE71F}" type="slidenum">
+            <a:fld id="{F80D4A11-59B8-49B5-8813-FD86DB0949AD}" type="slidenum">
               <a:rPr lang="he-IL" smtClean="0">
                 <a:cs typeface="Arial" pitchFamily="34" charset="0"/>
               </a:rPr>
@@ -30034,340 +28992,161 @@
       </p:sp>
       <p:sp>
         <p:nvSpPr>
-          <p:cNvPr id="25603" name="Rectangle 2"/>
+          <p:cNvPr id="33795" name="Rectangle 2"/>
           <p:cNvSpPr>
-            <a:spLocks noChangeArrowheads="1"/>
+            <a:spLocks noGrp="1" noChangeArrowheads="1"/>
           </p:cNvSpPr>
-          <p:nvPr/>
+          <p:nvPr>
+            <p:ph type="title"/>
+          </p:nvPr>
         </p:nvSpPr>
-        <p:spPr bwMode="auto">
-          <a:xfrm>
-            <a:off x="457200" y="274638"/>
-            <a:ext cx="8229600" cy="1143000"/>
-          </a:xfrm>
-          <a:prstGeom prst="rect">
-            <a:avLst/>
-          </a:prstGeom>
-          <a:noFill/>
-          <a:ln>
-            <a:noFill/>
-          </a:ln>
-          <a:extLst>
-            <a:ext uri="{909E8E84-426E-40DD-AFC4-6F175D3DCCD1}">
-              <a14:hiddenFill xmlns:a14="http://schemas.microsoft.com/office/drawing/2010/main">
-                <a:solidFill>
-                  <a:srgbClr val="FFFFFF"/>
-                </a:solidFill>
-              </a14:hiddenFill>
-            </a:ext>
-            <a:ext uri="{91240B29-F687-4F45-9708-019B960494DF}">
-              <a14:hiddenLine xmlns:a14="http://schemas.microsoft.com/office/drawing/2010/main" w="9525">
-                <a:solidFill>
-                  <a:srgbClr val="000000"/>
-                </a:solidFill>
-                <a:miter lim="800000"/>
-                <a:headEnd/>
-                <a:tailEnd/>
-              </a14:hiddenLine>
-            </a:ext>
-          </a:extLst>
-        </p:spPr>
+        <p:spPr/>
         <p:txBody>
-          <a:bodyPr anchor="ctr"/>
+          <a:bodyPr/>
           <a:lstStyle/>
           <a:p>
-            <a:pPr algn="ctr">
-              <a:spcBef>
-                <a:spcPct val="0"/>
-              </a:spcBef>
-            </a:pPr>
-            <a:r>
-              <a:rPr lang="en-US" sz="4400">
-                <a:solidFill>
-                  <a:srgbClr val="CC0000"/>
-                </a:solidFill>
+            <a:pPr eaLnBrk="1" hangingPunct="1"/>
+            <a:r>
+              <a:rPr lang="en-US" smtClean="0">
                 <a:latin typeface="Times New Roman" pitchFamily="18" charset="0"/>
                 <a:cs typeface="Times New Roman" pitchFamily="18" charset="0"/>
               </a:rPr>
-              <a:t>Application Programming Interface (API)</a:t>
+              <a:t>What are They Good For?</a:t>
             </a:r>
           </a:p>
         </p:txBody>
       </p:sp>
       <p:sp>
         <p:nvSpPr>
-          <p:cNvPr id="17412" name="Rectangle 3"/>
+          <p:cNvPr id="33796" name="Rectangle 3"/>
           <p:cNvSpPr>
-            <a:spLocks noChangeArrowheads="1"/>
+            <a:spLocks noGrp="1" noChangeArrowheads="1"/>
           </p:cNvSpPr>
-          <p:nvPr/>
+          <p:nvPr>
+            <p:ph type="body" idx="1"/>
+          </p:nvPr>
         </p:nvSpPr>
-        <p:spPr bwMode="auto">
+        <p:spPr>
           <a:xfrm>
-            <a:off x="685800" y="1828800"/>
-            <a:ext cx="8229600" cy="3657600"/>
+            <a:off x="838200" y="1600200"/>
+            <a:ext cx="7772400" cy="5105400"/>
           </a:xfrm>
-          <a:prstGeom prst="rect">
-            <a:avLst/>
-          </a:prstGeom>
-          <a:noFill/>
-          <a:ln w="9525">
-            <a:noFill/>
-            <a:miter lim="800000"/>
-            <a:headEnd/>
-            <a:tailEnd/>
-          </a:ln>
         </p:spPr>
         <p:txBody>
           <a:bodyPr/>
           <a:lstStyle/>
           <a:p>
-            <a:pPr marL="268288" indent="-268288">
+            <a:pPr eaLnBrk="1" hangingPunct="1">
               <a:lnSpc>
-                <a:spcPct val="80000"/>
+                <a:spcPct val="90000"/>
               </a:lnSpc>
-              <a:spcBef>
-                <a:spcPct val="20000"/>
-              </a:spcBef>
-              <a:buFontTx/>
-              <a:buChar char="•"/>
-              <a:defRPr/>
             </a:pPr>
             <a:r>
-              <a:rPr lang="en-US" sz="3200" dirty="0">
-                <a:solidFill>
-                  <a:srgbClr val="003399"/>
-                </a:solidFill>
+              <a:rPr lang="en-US" smtClean="0">
                 <a:latin typeface="Times New Roman" pitchFamily="18" charset="0"/>
                 <a:cs typeface="Times New Roman" pitchFamily="18" charset="0"/>
               </a:rPr>
-              <a:t>How could I know that String has a method </a:t>
-            </a:r>
-            <a:r>
-              <a:rPr lang="en-US" sz="3200" i="1" dirty="0">
-                <a:solidFill>
-                  <a:srgbClr val="003399"/>
-                </a:solidFill>
+              <a:t>Generalize a repeated set of instructions</a:t>
+            </a:r>
+            <a:r>
+              <a:rPr lang="en-US" sz="2800" smtClean="0">
                 <a:latin typeface="Times New Roman" pitchFamily="18" charset="0"/>
                 <a:cs typeface="Times New Roman" pitchFamily="18" charset="0"/>
               </a:rPr>
-              <a:t>lower</a:t>
-            </a:r>
-            <a:r>
-              <a:rPr lang="en-US" sz="3200" dirty="0">
-                <a:solidFill>
-                  <a:srgbClr val="003399"/>
-                </a:solidFill>
+              <a:t> (</a:t>
+            </a:r>
+            <a:r>
+              <a:rPr lang="en-US" sz="2400" smtClean="0">
                 <a:latin typeface="Times New Roman" pitchFamily="18" charset="0"/>
                 <a:cs typeface="Times New Roman" pitchFamily="18" charset="0"/>
               </a:rPr>
-              <a:t>? </a:t>
-            </a:r>
-            <a:endParaRPr lang="en-US" sz="3200" dirty="0" smtClean="0">
-              <a:solidFill>
-                <a:srgbClr val="003399"/>
-              </a:solidFill>
+              <a:t>Solve bugs once…)</a:t>
+            </a:r>
+          </a:p>
+          <a:p>
+            <a:pPr eaLnBrk="1" hangingPunct="1">
+              <a:lnSpc>
+                <a:spcPct val="90000"/>
+              </a:lnSpc>
+            </a:pPr>
+            <a:endParaRPr lang="en-US" sz="2400" smtClean="0">
               <a:latin typeface="Times New Roman" pitchFamily="18" charset="0"/>
               <a:cs typeface="Times New Roman" pitchFamily="18" charset="0"/>
             </a:endParaRPr>
           </a:p>
           <a:p>
-            <a:pPr marL="268288" indent="-268288">
+            <a:pPr eaLnBrk="1" hangingPunct="1">
               <a:lnSpc>
-                <a:spcPct val="80000"/>
+                <a:spcPct val="90000"/>
               </a:lnSpc>
-              <a:spcBef>
-                <a:spcPct val="20000"/>
-              </a:spcBef>
-              <a:buFontTx/>
-              <a:buChar char="•"/>
-              <a:defRPr/>
             </a:pPr>
-            <a:endParaRPr lang="en-US" sz="3200" dirty="0">
-              <a:solidFill>
-                <a:srgbClr val="003399"/>
-              </a:solidFill>
+            <a:r>
+              <a:rPr lang="en-US" smtClean="0">
+                <a:latin typeface="Times New Roman" pitchFamily="18" charset="0"/>
+                <a:cs typeface="Times New Roman" pitchFamily="18" charset="0"/>
+              </a:rPr>
+              <a:t>Break the problem into smaller sub-tasks</a:t>
+            </a:r>
+            <a:r>
+              <a:rPr lang="en-US" sz="2800" smtClean="0">
+                <a:latin typeface="Times New Roman" pitchFamily="18" charset="0"/>
+                <a:cs typeface="Times New Roman" pitchFamily="18" charset="0"/>
+              </a:rPr>
+              <a:t> </a:t>
+            </a:r>
+          </a:p>
+          <a:p>
+            <a:pPr lvl="1" eaLnBrk="1" hangingPunct="1">
+              <a:lnSpc>
+                <a:spcPct val="90000"/>
+              </a:lnSpc>
+            </a:pPr>
+            <a:r>
+              <a:rPr lang="en-US" sz="2400" smtClean="0">
+                <a:latin typeface="Times New Roman" pitchFamily="18" charset="0"/>
+                <a:cs typeface="Times New Roman" pitchFamily="18" charset="0"/>
+              </a:rPr>
+              <a:t>Easier to solve complex problems </a:t>
+            </a:r>
+          </a:p>
+          <a:p>
+            <a:pPr lvl="1" eaLnBrk="1" hangingPunct="1">
+              <a:lnSpc>
+                <a:spcPct val="90000"/>
+              </a:lnSpc>
+            </a:pPr>
+            <a:endParaRPr lang="en-US" sz="2400" smtClean="0">
               <a:latin typeface="Times New Roman" pitchFamily="18" charset="0"/>
               <a:cs typeface="Times New Roman" pitchFamily="18" charset="0"/>
             </a:endParaRPr>
           </a:p>
           <a:p>
-            <a:pPr marL="268288" indent="-268288">
+            <a:pPr eaLnBrk="1" hangingPunct="1">
               <a:lnSpc>
-                <a:spcPct val="80000"/>
+                <a:spcPct val="90000"/>
               </a:lnSpc>
-              <a:spcBef>
-                <a:spcPct val="20000"/>
-              </a:spcBef>
-              <a:buFontTx/>
-              <a:buChar char="•"/>
-              <a:defRPr/>
             </a:pPr>
             <a:r>
-              <a:rPr lang="en-US" sz="3200" dirty="0">
-                <a:solidFill>
-                  <a:srgbClr val="003399"/>
-                </a:solidFill>
+              <a:rPr lang="en-US" smtClean="0">
                 <a:latin typeface="Times New Roman" pitchFamily="18" charset="0"/>
                 <a:cs typeface="Times New Roman" pitchFamily="18" charset="0"/>
               </a:rPr>
-              <a:t>How about checking the Python </a:t>
-            </a:r>
-            <a:r>
-              <a:rPr lang="en-US" sz="3200" dirty="0" smtClean="0">
-                <a:solidFill>
-                  <a:srgbClr val="003399"/>
-                </a:solidFill>
+              <a:t>Make a program easier to read and maintain</a:t>
+            </a:r>
+          </a:p>
+          <a:p>
+            <a:pPr lvl="1" eaLnBrk="1" hangingPunct="1">
+              <a:lnSpc>
+                <a:spcPct val="90000"/>
+              </a:lnSpc>
+            </a:pPr>
+            <a:r>
+              <a:rPr lang="en-US" sz="2400" smtClean="0">
                 <a:latin typeface="Times New Roman" pitchFamily="18" charset="0"/>
                 <a:cs typeface="Times New Roman" pitchFamily="18" charset="0"/>
               </a:rPr>
-              <a:t>API docs? </a:t>
-            </a:r>
-            <a:endParaRPr lang="en-US" sz="3200" dirty="0">
-              <a:solidFill>
-                <a:srgbClr val="003399"/>
-              </a:solidFill>
-              <a:latin typeface="Times New Roman" pitchFamily="18" charset="0"/>
-              <a:cs typeface="Times New Roman" pitchFamily="18" charset="0"/>
-            </a:endParaRPr>
-          </a:p>
-          <a:p>
-            <a:pPr marL="268288" indent="-268288">
-              <a:lnSpc>
-                <a:spcPct val="80000"/>
-              </a:lnSpc>
-              <a:spcBef>
-                <a:spcPct val="20000"/>
-              </a:spcBef>
-              <a:defRPr/>
-            </a:pPr>
-            <a:r>
-              <a:rPr lang="en-US" sz="3200" dirty="0">
-                <a:hlinkClick r:id="rId3"/>
-              </a:rPr>
-              <a:t>https://</a:t>
-            </a:r>
-            <a:r>
-              <a:rPr lang="en-US" sz="3200" dirty="0" smtClean="0">
-                <a:hlinkClick r:id="rId3"/>
-              </a:rPr>
-              <a:t>docs.python.org/3/library/</a:t>
-            </a:r>
-            <a:endParaRPr lang="en-US" sz="3200" dirty="0" smtClean="0"/>
-          </a:p>
-          <a:p>
-            <a:pPr marL="268288" indent="-268288">
-              <a:lnSpc>
-                <a:spcPct val="80000"/>
-              </a:lnSpc>
-              <a:spcBef>
-                <a:spcPct val="20000"/>
-              </a:spcBef>
-              <a:defRPr/>
-            </a:pPr>
-            <a:endParaRPr lang="en-US" sz="3200" dirty="0"/>
-          </a:p>
-          <a:p>
-            <a:pPr marL="268288" indent="-268288">
-              <a:lnSpc>
-                <a:spcPct val="80000"/>
-              </a:lnSpc>
-              <a:spcBef>
-                <a:spcPct val="20000"/>
-              </a:spcBef>
-              <a:buFont typeface="Arial" pitchFamily="34" charset="0"/>
-              <a:buChar char="•"/>
-              <a:defRPr/>
-            </a:pPr>
-            <a:r>
-              <a:rPr lang="en-US" sz="3200" dirty="0">
-                <a:solidFill>
-                  <a:srgbClr val="003399"/>
-                </a:solidFill>
-                <a:latin typeface="Times New Roman" pitchFamily="18" charset="0"/>
-                <a:cs typeface="Times New Roman" pitchFamily="18" charset="0"/>
-              </a:rPr>
-              <a:t>Or: in the shell – </a:t>
-            </a:r>
-          </a:p>
-          <a:p>
-            <a:pPr marL="268288" indent="-268288">
-              <a:lnSpc>
-                <a:spcPct val="80000"/>
-              </a:lnSpc>
-              <a:spcBef>
-                <a:spcPct val="20000"/>
-              </a:spcBef>
-              <a:defRPr/>
-            </a:pPr>
-            <a:r>
-              <a:rPr lang="en-US" sz="3200" dirty="0">
-                <a:solidFill>
-                  <a:srgbClr val="003399"/>
-                </a:solidFill>
-                <a:latin typeface="Times New Roman" pitchFamily="18" charset="0"/>
-                <a:cs typeface="Times New Roman" pitchFamily="18" charset="0"/>
-              </a:rPr>
-              <a:t>&gt;&gt;&gt; help(</a:t>
-            </a:r>
-            <a:r>
-              <a:rPr lang="en-US" sz="3200" dirty="0" err="1">
-                <a:solidFill>
-                  <a:srgbClr val="003399"/>
-                </a:solidFill>
-                <a:latin typeface="Times New Roman" pitchFamily="18" charset="0"/>
-                <a:cs typeface="Times New Roman" pitchFamily="18" charset="0"/>
-              </a:rPr>
-              <a:t>str</a:t>
-            </a:r>
-            <a:r>
-              <a:rPr lang="en-US" sz="3200" dirty="0">
-                <a:solidFill>
-                  <a:srgbClr val="003399"/>
-                </a:solidFill>
-                <a:latin typeface="Times New Roman" pitchFamily="18" charset="0"/>
-                <a:cs typeface="Times New Roman" pitchFamily="18" charset="0"/>
-              </a:rPr>
-              <a:t>)</a:t>
-            </a:r>
-          </a:p>
-          <a:p>
-            <a:pPr>
-              <a:lnSpc>
-                <a:spcPct val="80000"/>
-              </a:lnSpc>
-              <a:spcBef>
-                <a:spcPct val="20000"/>
-              </a:spcBef>
-              <a:buFontTx/>
-              <a:buChar char="•"/>
-              <a:defRPr/>
-            </a:pPr>
-            <a:endParaRPr lang="en-US" sz="3600" dirty="0">
-              <a:solidFill>
-                <a:srgbClr val="003399"/>
-              </a:solidFill>
-              <a:latin typeface="Times New Roman" pitchFamily="18" charset="0"/>
-              <a:cs typeface="Times New Roman" pitchFamily="18" charset="0"/>
-            </a:endParaRPr>
-          </a:p>
-          <a:p>
-            <a:pPr>
-              <a:lnSpc>
-                <a:spcPct val="80000"/>
-              </a:lnSpc>
-              <a:spcBef>
-                <a:spcPct val="20000"/>
-              </a:spcBef>
-              <a:defRPr/>
-            </a:pPr>
-            <a:endParaRPr lang="en-US" sz="3200" dirty="0">
-              <a:solidFill>
-                <a:srgbClr val="003399"/>
-              </a:solidFill>
-              <a:latin typeface="Times New Roman" pitchFamily="18" charset="0"/>
-              <a:cs typeface="Times New Roman" pitchFamily="18" charset="0"/>
-            </a:endParaRPr>
+              <a:t>Abstraction – we don’t have to know how a function is implemented to use it</a:t>
+            </a:r>
           </a:p>
         </p:txBody>
       </p:sp>
@@ -30405,1555 +29184,6 @@
       </p:grpSpPr>
       <p:sp>
         <p:nvSpPr>
-          <p:cNvPr id="26626" name="Slide Number Placeholder 5"/>
-          <p:cNvSpPr>
-            <a:spLocks noGrp="1"/>
-          </p:cNvSpPr>
-          <p:nvPr>
-            <p:ph type="sldNum" sz="quarter" idx="12"/>
-          </p:nvPr>
-        </p:nvSpPr>
-        <p:spPr>
-          <a:noFill/>
-          <a:ln/>
-          <a:extLst>
-            <a:ext uri="{909E8E84-426E-40DD-AFC4-6F175D3DCCD1}">
-              <a14:hiddenFill xmlns:a14="http://schemas.microsoft.com/office/drawing/2010/main">
-                <a:solidFill>
-                  <a:srgbClr val="FFFFFF"/>
-                </a:solidFill>
-              </a14:hiddenFill>
-            </a:ext>
-            <a:ext uri="{91240B29-F687-4F45-9708-019B960494DF}">
-              <a14:hiddenLine xmlns:a14="http://schemas.microsoft.com/office/drawing/2010/main" w="9525">
-                <a:solidFill>
-                  <a:srgbClr val="000000"/>
-                </a:solidFill>
-                <a:miter lim="800000"/>
-                <a:headEnd/>
-                <a:tailEnd/>
-              </a14:hiddenLine>
-            </a:ext>
-          </a:extLst>
-        </p:spPr>
-        <p:txBody>
-          <a:bodyPr/>
-          <a:lstStyle>
-            <a:lvl1pPr eaLnBrk="0" hangingPunct="0">
-              <a:defRPr>
-                <a:solidFill>
-                  <a:schemeClr val="tx1"/>
-                </a:solidFill>
-                <a:latin typeface="Arial" pitchFamily="34" charset="0"/>
-              </a:defRPr>
-            </a:lvl1pPr>
-            <a:lvl2pPr marL="742950" indent="-285750" eaLnBrk="0" hangingPunct="0">
-              <a:defRPr>
-                <a:solidFill>
-                  <a:schemeClr val="tx1"/>
-                </a:solidFill>
-                <a:latin typeface="Arial" pitchFamily="34" charset="0"/>
-              </a:defRPr>
-            </a:lvl2pPr>
-            <a:lvl3pPr marL="1143000" indent="-228600" eaLnBrk="0" hangingPunct="0">
-              <a:defRPr>
-                <a:solidFill>
-                  <a:schemeClr val="tx1"/>
-                </a:solidFill>
-                <a:latin typeface="Arial" pitchFamily="34" charset="0"/>
-              </a:defRPr>
-            </a:lvl3pPr>
-            <a:lvl4pPr marL="1600200" indent="-228600" eaLnBrk="0" hangingPunct="0">
-              <a:defRPr>
-                <a:solidFill>
-                  <a:schemeClr val="tx1"/>
-                </a:solidFill>
-                <a:latin typeface="Arial" pitchFamily="34" charset="0"/>
-              </a:defRPr>
-            </a:lvl4pPr>
-            <a:lvl5pPr marL="2057400" indent="-228600" eaLnBrk="0" hangingPunct="0">
-              <a:defRPr>
-                <a:solidFill>
-                  <a:schemeClr val="tx1"/>
-                </a:solidFill>
-                <a:latin typeface="Arial" pitchFamily="34" charset="0"/>
-              </a:defRPr>
-            </a:lvl5pPr>
-            <a:lvl6pPr marL="2514600" indent="-228600" algn="l" rtl="0" eaLnBrk="0" fontAlgn="base" hangingPunct="0">
-              <a:spcBef>
-                <a:spcPct val="50000"/>
-              </a:spcBef>
-              <a:spcAft>
-                <a:spcPct val="0"/>
-              </a:spcAft>
-              <a:defRPr>
-                <a:solidFill>
-                  <a:schemeClr val="tx1"/>
-                </a:solidFill>
-                <a:latin typeface="Arial" pitchFamily="34" charset="0"/>
-              </a:defRPr>
-            </a:lvl6pPr>
-            <a:lvl7pPr marL="2971800" indent="-228600" algn="l" rtl="0" eaLnBrk="0" fontAlgn="base" hangingPunct="0">
-              <a:spcBef>
-                <a:spcPct val="50000"/>
-              </a:spcBef>
-              <a:spcAft>
-                <a:spcPct val="0"/>
-              </a:spcAft>
-              <a:defRPr>
-                <a:solidFill>
-                  <a:schemeClr val="tx1"/>
-                </a:solidFill>
-                <a:latin typeface="Arial" pitchFamily="34" charset="0"/>
-              </a:defRPr>
-            </a:lvl7pPr>
-            <a:lvl8pPr marL="3429000" indent="-228600" algn="l" rtl="0" eaLnBrk="0" fontAlgn="base" hangingPunct="0">
-              <a:spcBef>
-                <a:spcPct val="50000"/>
-              </a:spcBef>
-              <a:spcAft>
-                <a:spcPct val="0"/>
-              </a:spcAft>
-              <a:defRPr>
-                <a:solidFill>
-                  <a:schemeClr val="tx1"/>
-                </a:solidFill>
-                <a:latin typeface="Arial" pitchFamily="34" charset="0"/>
-              </a:defRPr>
-            </a:lvl8pPr>
-            <a:lvl9pPr marL="3886200" indent="-228600" algn="l" rtl="0" eaLnBrk="0" fontAlgn="base" hangingPunct="0">
-              <a:spcBef>
-                <a:spcPct val="50000"/>
-              </a:spcBef>
-              <a:spcAft>
-                <a:spcPct val="0"/>
-              </a:spcAft>
-              <a:defRPr>
-                <a:solidFill>
-                  <a:schemeClr val="tx1"/>
-                </a:solidFill>
-                <a:latin typeface="Arial" pitchFamily="34" charset="0"/>
-              </a:defRPr>
-            </a:lvl9pPr>
-          </a:lstStyle>
-          <a:p>
-            <a:pPr eaLnBrk="1" hangingPunct="1"/>
-            <a:fld id="{1231B970-2E81-4A98-92F5-C0BA5FE2451E}" type="slidenum">
-              <a:rPr lang="he-IL" smtClean="0">
-                <a:cs typeface="Arial" pitchFamily="34" charset="0"/>
-              </a:rPr>
-              <a:pPr eaLnBrk="1" hangingPunct="1"/>
-              <a:t>33</a:t>
-            </a:fld>
-            <a:endParaRPr lang="en-US" smtClean="0">
-              <a:cs typeface="Arial" pitchFamily="34" charset="0"/>
-            </a:endParaRPr>
-          </a:p>
-        </p:txBody>
-      </p:sp>
-      <p:sp>
-        <p:nvSpPr>
-          <p:cNvPr id="26627" name="Rectangle 2"/>
-          <p:cNvSpPr>
-            <a:spLocks noChangeArrowheads="1"/>
-          </p:cNvSpPr>
-          <p:nvPr/>
-        </p:nvSpPr>
-        <p:spPr bwMode="auto">
-          <a:xfrm>
-            <a:off x="457200" y="274638"/>
-            <a:ext cx="8229600" cy="1143000"/>
-          </a:xfrm>
-          <a:prstGeom prst="rect">
-            <a:avLst/>
-          </a:prstGeom>
-          <a:noFill/>
-          <a:ln>
-            <a:noFill/>
-          </a:ln>
-          <a:extLst>
-            <a:ext uri="{909E8E84-426E-40DD-AFC4-6F175D3DCCD1}">
-              <a14:hiddenFill xmlns:a14="http://schemas.microsoft.com/office/drawing/2010/main">
-                <a:solidFill>
-                  <a:srgbClr val="FFFFFF"/>
-                </a:solidFill>
-              </a14:hiddenFill>
-            </a:ext>
-            <a:ext uri="{91240B29-F687-4F45-9708-019B960494DF}">
-              <a14:hiddenLine xmlns:a14="http://schemas.microsoft.com/office/drawing/2010/main" w="9525">
-                <a:solidFill>
-                  <a:srgbClr val="000000"/>
-                </a:solidFill>
-                <a:miter lim="800000"/>
-                <a:headEnd/>
-                <a:tailEnd/>
-              </a14:hiddenLine>
-            </a:ext>
-          </a:extLst>
-        </p:spPr>
-        <p:txBody>
-          <a:bodyPr anchor="ctr"/>
-          <a:lstStyle/>
-          <a:p>
-            <a:pPr algn="ctr">
-              <a:spcBef>
-                <a:spcPct val="0"/>
-              </a:spcBef>
-            </a:pPr>
-            <a:r>
-              <a:rPr lang="en-US" sz="4400">
-                <a:solidFill>
-                  <a:srgbClr val="CC0000"/>
-                </a:solidFill>
-                <a:latin typeface="Times New Roman" pitchFamily="18" charset="0"/>
-                <a:cs typeface="Times New Roman" pitchFamily="18" charset="0"/>
-              </a:rPr>
-              <a:t>Programming Style</a:t>
-            </a:r>
-          </a:p>
-        </p:txBody>
-      </p:sp>
-      <p:sp>
-        <p:nvSpPr>
-          <p:cNvPr id="26628" name="Rectangle 3"/>
-          <p:cNvSpPr>
-            <a:spLocks noChangeArrowheads="1"/>
-          </p:cNvSpPr>
-          <p:nvPr/>
-        </p:nvSpPr>
-        <p:spPr bwMode="auto">
-          <a:xfrm>
-            <a:off x="609600" y="1905000"/>
-            <a:ext cx="8153400" cy="4191000"/>
-          </a:xfrm>
-          <a:prstGeom prst="rect">
-            <a:avLst/>
-          </a:prstGeom>
-          <a:noFill/>
-          <a:ln>
-            <a:noFill/>
-          </a:ln>
-          <a:extLst>
-            <a:ext uri="{909E8E84-426E-40DD-AFC4-6F175D3DCCD1}">
-              <a14:hiddenFill xmlns:a14="http://schemas.microsoft.com/office/drawing/2010/main">
-                <a:solidFill>
-                  <a:srgbClr val="FFFFFF"/>
-                </a:solidFill>
-              </a14:hiddenFill>
-            </a:ext>
-            <a:ext uri="{91240B29-F687-4F45-9708-019B960494DF}">
-              <a14:hiddenLine xmlns:a14="http://schemas.microsoft.com/office/drawing/2010/main" w="9525">
-                <a:solidFill>
-                  <a:srgbClr val="000000"/>
-                </a:solidFill>
-                <a:miter lim="800000"/>
-                <a:headEnd/>
-                <a:tailEnd/>
-              </a14:hiddenLine>
-            </a:ext>
-          </a:extLst>
-        </p:spPr>
-        <p:txBody>
-          <a:bodyPr/>
-          <a:lstStyle/>
-          <a:p>
-            <a:pPr>
-              <a:lnSpc>
-                <a:spcPct val="80000"/>
-              </a:lnSpc>
-              <a:spcBef>
-                <a:spcPct val="20000"/>
-              </a:spcBef>
-              <a:buFontTx/>
-              <a:buChar char="•"/>
-            </a:pPr>
-            <a:r>
-              <a:rPr lang="en-US" sz="3200" dirty="0">
-                <a:solidFill>
-                  <a:srgbClr val="003399"/>
-                </a:solidFill>
-                <a:latin typeface="Times New Roman" pitchFamily="18" charset="0"/>
-                <a:cs typeface="Times New Roman" pitchFamily="18" charset="0"/>
-              </a:rPr>
-              <a:t> Comments:</a:t>
-            </a:r>
-            <a:r>
-              <a:rPr lang="en-US" sz="3200" dirty="0">
-                <a:solidFill>
-                  <a:srgbClr val="FF0000"/>
-                </a:solidFill>
-                <a:latin typeface="Times New Roman" pitchFamily="18" charset="0"/>
-                <a:cs typeface="Times New Roman" pitchFamily="18" charset="0"/>
-              </a:rPr>
-              <a:t> </a:t>
-            </a:r>
-            <a:r>
-              <a:rPr lang="en-US" sz="2400" dirty="0">
-                <a:solidFill>
-                  <a:srgbClr val="FF0000"/>
-                </a:solidFill>
-                <a:latin typeface="Times New Roman" pitchFamily="18" charset="0"/>
-                <a:cs typeface="Times New Roman" pitchFamily="18" charset="0"/>
-              </a:rPr>
-              <a:t>#</a:t>
-            </a:r>
-          </a:p>
-          <a:p>
-            <a:pPr>
-              <a:lnSpc>
-                <a:spcPct val="80000"/>
-              </a:lnSpc>
-              <a:spcBef>
-                <a:spcPct val="20000"/>
-              </a:spcBef>
-              <a:buFontTx/>
-              <a:buChar char="•"/>
-            </a:pPr>
-            <a:r>
-              <a:rPr lang="en-US" sz="3200" dirty="0">
-                <a:solidFill>
-                  <a:srgbClr val="003399"/>
-                </a:solidFill>
-                <a:latin typeface="Times New Roman" pitchFamily="18" charset="0"/>
-                <a:cs typeface="Times New Roman" pitchFamily="18" charset="0"/>
-              </a:rPr>
-              <a:t> Indentation </a:t>
-            </a:r>
-          </a:p>
-          <a:p>
-            <a:pPr>
-              <a:lnSpc>
-                <a:spcPct val="80000"/>
-              </a:lnSpc>
-              <a:spcBef>
-                <a:spcPct val="20000"/>
-              </a:spcBef>
-              <a:buFontTx/>
-              <a:buChar char="•"/>
-            </a:pPr>
-            <a:r>
-              <a:rPr lang="en-US" sz="3200" dirty="0">
-                <a:solidFill>
-                  <a:srgbClr val="003399"/>
-                </a:solidFill>
-                <a:latin typeface="Times New Roman" pitchFamily="18" charset="0"/>
-                <a:cs typeface="Times New Roman" pitchFamily="18" charset="0"/>
-              </a:rPr>
-              <a:t> Meaningful variables names</a:t>
-            </a:r>
-          </a:p>
-          <a:p>
-            <a:pPr>
-              <a:lnSpc>
-                <a:spcPct val="80000"/>
-              </a:lnSpc>
-              <a:spcBef>
-                <a:spcPct val="20000"/>
-              </a:spcBef>
-              <a:buFontTx/>
-              <a:buChar char="•"/>
-            </a:pPr>
-            <a:endParaRPr lang="en-US" sz="3200" dirty="0">
-              <a:solidFill>
-                <a:srgbClr val="003399"/>
-              </a:solidFill>
-              <a:latin typeface="Times New Roman" pitchFamily="18" charset="0"/>
-              <a:cs typeface="Times New Roman" pitchFamily="18" charset="0"/>
-            </a:endParaRPr>
-          </a:p>
-          <a:p>
-            <a:pPr algn="ctr">
-              <a:lnSpc>
-                <a:spcPct val="80000"/>
-              </a:lnSpc>
-              <a:spcBef>
-                <a:spcPct val="20000"/>
-              </a:spcBef>
-            </a:pPr>
-            <a:r>
-              <a:rPr lang="en-US" sz="3600" dirty="0">
-                <a:solidFill>
-                  <a:srgbClr val="003399"/>
-                </a:solidFill>
-                <a:latin typeface="Times New Roman" pitchFamily="18" charset="0"/>
-                <a:cs typeface="Times New Roman" pitchFamily="18" charset="0"/>
-              </a:rPr>
-              <a:t>Why is it important?</a:t>
-            </a:r>
-          </a:p>
-          <a:p>
-            <a:pPr>
-              <a:lnSpc>
-                <a:spcPct val="80000"/>
-              </a:lnSpc>
-              <a:spcBef>
-                <a:spcPct val="20000"/>
-              </a:spcBef>
-            </a:pPr>
-            <a:endParaRPr lang="en-US" sz="3200" dirty="0">
-              <a:solidFill>
-                <a:srgbClr val="003399"/>
-              </a:solidFill>
-              <a:latin typeface="Times New Roman" pitchFamily="18" charset="0"/>
-              <a:cs typeface="Times New Roman" pitchFamily="18" charset="0"/>
-            </a:endParaRPr>
-          </a:p>
-        </p:txBody>
-      </p:sp>
-    </p:spTree>
-  </p:cSld>
-  <p:clrMapOvr>
-    <a:masterClrMapping/>
-  </p:clrMapOvr>
-  <p:timing>
-    <p:tnLst>
-      <p:par>
-        <p:cTn id="1" dur="indefinite" restart="never" nodeType="tmRoot"/>
-      </p:par>
-    </p:tnLst>
-  </p:timing>
-</p:sld>
-</file>
-
-<file path=ppt/slides/slide34.xml><?xml version="1.0" encoding="utf-8"?>
-<p:sld xmlns:a="http://schemas.openxmlformats.org/drawingml/2006/main" xmlns:r="http://schemas.openxmlformats.org/officeDocument/2006/relationships" xmlns:p="http://schemas.openxmlformats.org/presentationml/2006/main">
-  <p:cSld>
-    <p:spTree>
-      <p:nvGrpSpPr>
-        <p:cNvPr id="1" name=""/>
-        <p:cNvGrpSpPr/>
-        <p:nvPr/>
-      </p:nvGrpSpPr>
-      <p:grpSpPr>
-        <a:xfrm>
-          <a:off x="0" y="0"/>
-          <a:ext cx="0" cy="0"/>
-          <a:chOff x="0" y="0"/>
-          <a:chExt cx="0" cy="0"/>
-        </a:xfrm>
-      </p:grpSpPr>
-      <p:sp>
-        <p:nvSpPr>
-          <p:cNvPr id="23554" name="Slide Number Placeholder 5"/>
-          <p:cNvSpPr>
-            <a:spLocks noGrp="1"/>
-          </p:cNvSpPr>
-          <p:nvPr>
-            <p:ph type="sldNum" sz="quarter" idx="12"/>
-          </p:nvPr>
-        </p:nvSpPr>
-        <p:spPr>
-          <a:noFill/>
-          <a:ln/>
-          <a:extLst>
-            <a:ext uri="{909E8E84-426E-40DD-AFC4-6F175D3DCCD1}">
-              <a14:hiddenFill xmlns:a14="http://schemas.microsoft.com/office/drawing/2010/main">
-                <a:solidFill>
-                  <a:srgbClr val="FFFFFF"/>
-                </a:solidFill>
-              </a14:hiddenFill>
-            </a:ext>
-            <a:ext uri="{91240B29-F687-4F45-9708-019B960494DF}">
-              <a14:hiddenLine xmlns:a14="http://schemas.microsoft.com/office/drawing/2010/main" w="9525">
-                <a:solidFill>
-                  <a:srgbClr val="000000"/>
-                </a:solidFill>
-                <a:miter lim="800000"/>
-                <a:headEnd/>
-                <a:tailEnd/>
-              </a14:hiddenLine>
-            </a:ext>
-          </a:extLst>
-        </p:spPr>
-        <p:txBody>
-          <a:bodyPr/>
-          <a:lstStyle>
-            <a:lvl1pPr eaLnBrk="0" hangingPunct="0">
-              <a:defRPr>
-                <a:solidFill>
-                  <a:schemeClr val="tx1"/>
-                </a:solidFill>
-                <a:latin typeface="Arial" pitchFamily="34" charset="0"/>
-              </a:defRPr>
-            </a:lvl1pPr>
-            <a:lvl2pPr marL="742950" indent="-285750" eaLnBrk="0" hangingPunct="0">
-              <a:defRPr>
-                <a:solidFill>
-                  <a:schemeClr val="tx1"/>
-                </a:solidFill>
-                <a:latin typeface="Arial" pitchFamily="34" charset="0"/>
-              </a:defRPr>
-            </a:lvl2pPr>
-            <a:lvl3pPr marL="1143000" indent="-228600" eaLnBrk="0" hangingPunct="0">
-              <a:defRPr>
-                <a:solidFill>
-                  <a:schemeClr val="tx1"/>
-                </a:solidFill>
-                <a:latin typeface="Arial" pitchFamily="34" charset="0"/>
-              </a:defRPr>
-            </a:lvl3pPr>
-            <a:lvl4pPr marL="1600200" indent="-228600" eaLnBrk="0" hangingPunct="0">
-              <a:defRPr>
-                <a:solidFill>
-                  <a:schemeClr val="tx1"/>
-                </a:solidFill>
-                <a:latin typeface="Arial" pitchFamily="34" charset="0"/>
-              </a:defRPr>
-            </a:lvl4pPr>
-            <a:lvl5pPr marL="2057400" indent="-228600" eaLnBrk="0" hangingPunct="0">
-              <a:defRPr>
-                <a:solidFill>
-                  <a:schemeClr val="tx1"/>
-                </a:solidFill>
-                <a:latin typeface="Arial" pitchFamily="34" charset="0"/>
-              </a:defRPr>
-            </a:lvl5pPr>
-            <a:lvl6pPr marL="2514600" indent="-228600" algn="l" rtl="0" eaLnBrk="0" fontAlgn="base" hangingPunct="0">
-              <a:spcBef>
-                <a:spcPct val="50000"/>
-              </a:spcBef>
-              <a:spcAft>
-                <a:spcPct val="0"/>
-              </a:spcAft>
-              <a:defRPr>
-                <a:solidFill>
-                  <a:schemeClr val="tx1"/>
-                </a:solidFill>
-                <a:latin typeface="Arial" pitchFamily="34" charset="0"/>
-              </a:defRPr>
-            </a:lvl6pPr>
-            <a:lvl7pPr marL="2971800" indent="-228600" algn="l" rtl="0" eaLnBrk="0" fontAlgn="base" hangingPunct="0">
-              <a:spcBef>
-                <a:spcPct val="50000"/>
-              </a:spcBef>
-              <a:spcAft>
-                <a:spcPct val="0"/>
-              </a:spcAft>
-              <a:defRPr>
-                <a:solidFill>
-                  <a:schemeClr val="tx1"/>
-                </a:solidFill>
-                <a:latin typeface="Arial" pitchFamily="34" charset="0"/>
-              </a:defRPr>
-            </a:lvl7pPr>
-            <a:lvl8pPr marL="3429000" indent="-228600" algn="l" rtl="0" eaLnBrk="0" fontAlgn="base" hangingPunct="0">
-              <a:spcBef>
-                <a:spcPct val="50000"/>
-              </a:spcBef>
-              <a:spcAft>
-                <a:spcPct val="0"/>
-              </a:spcAft>
-              <a:defRPr>
-                <a:solidFill>
-                  <a:schemeClr val="tx1"/>
-                </a:solidFill>
-                <a:latin typeface="Arial" pitchFamily="34" charset="0"/>
-              </a:defRPr>
-            </a:lvl8pPr>
-            <a:lvl9pPr marL="3886200" indent="-228600" algn="l" rtl="0" eaLnBrk="0" fontAlgn="base" hangingPunct="0">
-              <a:spcBef>
-                <a:spcPct val="50000"/>
-              </a:spcBef>
-              <a:spcAft>
-                <a:spcPct val="0"/>
-              </a:spcAft>
-              <a:defRPr>
-                <a:solidFill>
-                  <a:schemeClr val="tx1"/>
-                </a:solidFill>
-                <a:latin typeface="Arial" pitchFamily="34" charset="0"/>
-              </a:defRPr>
-            </a:lvl9pPr>
-          </a:lstStyle>
-          <a:p>
-            <a:pPr eaLnBrk="1" hangingPunct="1"/>
-            <a:fld id="{293EF743-3E8B-48C0-98A2-F82A30B1380A}" type="slidenum">
-              <a:rPr lang="ar-SA" smtClean="0">
-                <a:cs typeface="Arial" pitchFamily="34" charset="0"/>
-              </a:rPr>
-              <a:pPr eaLnBrk="1" hangingPunct="1"/>
-              <a:t>34</a:t>
-            </a:fld>
-            <a:endParaRPr lang="en-US" smtClean="0">
-              <a:cs typeface="Arial" pitchFamily="34" charset="0"/>
-            </a:endParaRPr>
-          </a:p>
-        </p:txBody>
-      </p:sp>
-      <p:sp>
-        <p:nvSpPr>
-          <p:cNvPr id="23555" name="Rectangle 2"/>
-          <p:cNvSpPr>
-            <a:spLocks noChangeArrowheads="1"/>
-          </p:cNvSpPr>
-          <p:nvPr/>
-        </p:nvSpPr>
-        <p:spPr bwMode="auto">
-          <a:xfrm>
-            <a:off x="457200" y="274638"/>
-            <a:ext cx="8229600" cy="1143000"/>
-          </a:xfrm>
-          <a:prstGeom prst="rect">
-            <a:avLst/>
-          </a:prstGeom>
-          <a:noFill/>
-          <a:ln>
-            <a:noFill/>
-          </a:ln>
-          <a:extLst>
-            <a:ext uri="{909E8E84-426E-40DD-AFC4-6F175D3DCCD1}">
-              <a14:hiddenFill xmlns:a14="http://schemas.microsoft.com/office/drawing/2010/main">
-                <a:solidFill>
-                  <a:srgbClr val="FFFFFF"/>
-                </a:solidFill>
-              </a14:hiddenFill>
-            </a:ext>
-            <a:ext uri="{91240B29-F687-4F45-9708-019B960494DF}">
-              <a14:hiddenLine xmlns:a14="http://schemas.microsoft.com/office/drawing/2010/main" w="9525">
-                <a:solidFill>
-                  <a:srgbClr val="000000"/>
-                </a:solidFill>
-                <a:miter lim="800000"/>
-                <a:headEnd/>
-                <a:tailEnd/>
-              </a14:hiddenLine>
-            </a:ext>
-          </a:extLst>
-        </p:spPr>
-        <p:txBody>
-          <a:bodyPr anchor="ctr"/>
-          <a:lstStyle/>
-          <a:p>
-            <a:pPr algn="ctr">
-              <a:spcBef>
-                <a:spcPct val="0"/>
-              </a:spcBef>
-            </a:pPr>
-            <a:r>
-              <a:rPr lang="en-US" sz="4400">
-                <a:solidFill>
-                  <a:srgbClr val="CC0000"/>
-                </a:solidFill>
-                <a:latin typeface="Times New Roman" pitchFamily="18" charset="0"/>
-                <a:cs typeface="Times New Roman" pitchFamily="18" charset="0"/>
-              </a:rPr>
-              <a:t>Today</a:t>
-            </a:r>
-          </a:p>
-        </p:txBody>
-      </p:sp>
-      <p:sp>
-        <p:nvSpPr>
-          <p:cNvPr id="23556" name="Rectangle 3"/>
-          <p:cNvSpPr>
-            <a:spLocks noChangeArrowheads="1"/>
-          </p:cNvSpPr>
-          <p:nvPr/>
-        </p:nvSpPr>
-        <p:spPr bwMode="auto">
-          <a:xfrm>
-            <a:off x="609600" y="1295400"/>
-            <a:ext cx="8153400" cy="5029200"/>
-          </a:xfrm>
-          <a:prstGeom prst="rect">
-            <a:avLst/>
-          </a:prstGeom>
-          <a:noFill/>
-          <a:ln>
-            <a:noFill/>
-          </a:ln>
-          <a:extLst>
-            <a:ext uri="{909E8E84-426E-40DD-AFC4-6F175D3DCCD1}">
-              <a14:hiddenFill xmlns:a14="http://schemas.microsoft.com/office/drawing/2010/main">
-                <a:solidFill>
-                  <a:srgbClr val="FFFFFF"/>
-                </a:solidFill>
-              </a14:hiddenFill>
-            </a:ext>
-            <a:ext uri="{91240B29-F687-4F45-9708-019B960494DF}">
-              <a14:hiddenLine xmlns:a14="http://schemas.microsoft.com/office/drawing/2010/main" w="9525">
-                <a:solidFill>
-                  <a:srgbClr val="000000"/>
-                </a:solidFill>
-                <a:miter lim="800000"/>
-                <a:headEnd/>
-                <a:tailEnd/>
-              </a14:hiddenLine>
-            </a:ext>
-          </a:extLst>
-        </p:spPr>
-        <p:txBody>
-          <a:bodyPr/>
-          <a:lstStyle/>
-          <a:p>
-            <a:pPr>
-              <a:lnSpc>
-                <a:spcPct val="80000"/>
-              </a:lnSpc>
-              <a:spcBef>
-                <a:spcPct val="20000"/>
-              </a:spcBef>
-              <a:buFontTx/>
-              <a:buChar char="•"/>
-            </a:pPr>
-            <a:r>
-              <a:rPr lang="en-US" sz="3200" b="1" dirty="0" smtClean="0">
-                <a:solidFill>
-                  <a:srgbClr val="003399"/>
-                </a:solidFill>
-                <a:latin typeface="Times New Roman" pitchFamily="18" charset="0"/>
-                <a:cs typeface="Times New Roman" pitchFamily="18" charset="0"/>
-              </a:rPr>
-              <a:t> Review</a:t>
-            </a:r>
-          </a:p>
-          <a:p>
-            <a:pPr>
-              <a:lnSpc>
-                <a:spcPct val="80000"/>
-              </a:lnSpc>
-              <a:spcBef>
-                <a:spcPct val="20000"/>
-              </a:spcBef>
-              <a:buFontTx/>
-              <a:buChar char="•"/>
-            </a:pPr>
-            <a:r>
-              <a:rPr lang="en-US" sz="3200" b="1" dirty="0" smtClean="0">
-                <a:solidFill>
-                  <a:srgbClr val="003399"/>
-                </a:solidFill>
-                <a:latin typeface="Times New Roman" pitchFamily="18" charset="0"/>
-                <a:cs typeface="Times New Roman" pitchFamily="18" charset="0"/>
-              </a:rPr>
-              <a:t> Lists</a:t>
-            </a:r>
-          </a:p>
-          <a:p>
-            <a:pPr>
-              <a:lnSpc>
-                <a:spcPct val="80000"/>
-              </a:lnSpc>
-              <a:spcBef>
-                <a:spcPct val="20000"/>
-              </a:spcBef>
-              <a:buFontTx/>
-              <a:buChar char="•"/>
-            </a:pPr>
-            <a:r>
-              <a:rPr lang="en-US" sz="3200" b="1" dirty="0" smtClean="0">
-                <a:solidFill>
-                  <a:srgbClr val="003399"/>
-                </a:solidFill>
-                <a:latin typeface="Times New Roman" pitchFamily="18" charset="0"/>
-                <a:cs typeface="Times New Roman" pitchFamily="18" charset="0"/>
-              </a:rPr>
-              <a:t> Loops</a:t>
-            </a:r>
-          </a:p>
-          <a:p>
-            <a:pPr>
-              <a:lnSpc>
-                <a:spcPct val="80000"/>
-              </a:lnSpc>
-              <a:spcBef>
-                <a:spcPct val="20000"/>
-              </a:spcBef>
-              <a:buFontTx/>
-              <a:buChar char="•"/>
-            </a:pPr>
-            <a:r>
-              <a:rPr lang="en-US" sz="3200" b="1" dirty="0" smtClean="0">
-                <a:solidFill>
-                  <a:srgbClr val="003399"/>
-                </a:solidFill>
-                <a:latin typeface="Times New Roman" pitchFamily="18" charset="0"/>
-                <a:cs typeface="Times New Roman" pitchFamily="18" charset="0"/>
-              </a:rPr>
-              <a:t> Strings &amp; API</a:t>
-            </a:r>
-          </a:p>
-          <a:p>
-            <a:pPr>
-              <a:lnSpc>
-                <a:spcPct val="80000"/>
-              </a:lnSpc>
-              <a:spcBef>
-                <a:spcPct val="20000"/>
-              </a:spcBef>
-              <a:buFontTx/>
-              <a:buChar char="•"/>
-            </a:pPr>
-            <a:r>
-              <a:rPr lang="en-US" sz="3200" b="1" dirty="0" smtClean="0">
-                <a:solidFill>
-                  <a:srgbClr val="003399"/>
-                </a:solidFill>
-                <a:latin typeface="Times New Roman" pitchFamily="18" charset="0"/>
-                <a:cs typeface="Times New Roman" pitchFamily="18" charset="0"/>
-              </a:rPr>
-              <a:t> Importance of style</a:t>
-            </a:r>
-          </a:p>
-          <a:p>
-            <a:pPr>
-              <a:lnSpc>
-                <a:spcPct val="80000"/>
-              </a:lnSpc>
-              <a:spcBef>
-                <a:spcPct val="20000"/>
-              </a:spcBef>
-              <a:buFontTx/>
-              <a:buChar char="•"/>
-            </a:pPr>
-            <a:r>
-              <a:rPr lang="en-US" sz="3200" dirty="0" smtClean="0">
-                <a:solidFill>
-                  <a:srgbClr val="003399"/>
-                </a:solidFill>
-                <a:latin typeface="Times New Roman" pitchFamily="18" charset="0"/>
-                <a:cs typeface="Times New Roman" pitchFamily="18" charset="0"/>
-              </a:rPr>
-              <a:t> Functions</a:t>
-            </a:r>
-          </a:p>
-          <a:p>
-            <a:pPr>
-              <a:lnSpc>
-                <a:spcPct val="80000"/>
-              </a:lnSpc>
-              <a:spcBef>
-                <a:spcPct val="20000"/>
-              </a:spcBef>
-              <a:buFontTx/>
-              <a:buChar char="•"/>
-            </a:pPr>
-            <a:r>
-              <a:rPr lang="en-US" sz="3200" dirty="0" smtClean="0">
-                <a:solidFill>
-                  <a:srgbClr val="003399"/>
-                </a:solidFill>
-                <a:latin typeface="Times New Roman" pitchFamily="18" charset="0"/>
-                <a:cs typeface="Times New Roman" pitchFamily="18" charset="0"/>
-              </a:rPr>
-              <a:t> Homework for Next Meeting</a:t>
-            </a:r>
-            <a:endParaRPr lang="en-US" sz="3200" dirty="0">
-              <a:solidFill>
-                <a:srgbClr val="003399"/>
-              </a:solidFill>
-              <a:latin typeface="Times New Roman" pitchFamily="18" charset="0"/>
-              <a:cs typeface="Times New Roman" pitchFamily="18" charset="0"/>
-            </a:endParaRPr>
-          </a:p>
-        </p:txBody>
-      </p:sp>
-    </p:spTree>
-    <p:extLst>
-      <p:ext uri="{BB962C8B-B14F-4D97-AF65-F5344CB8AC3E}">
-        <p14:creationId xmlns:p14="http://schemas.microsoft.com/office/powerpoint/2010/main" val="1120615085"/>
-      </p:ext>
-    </p:extLst>
-  </p:cSld>
-  <p:clrMapOvr>
-    <a:masterClrMapping/>
-  </p:clrMapOvr>
-  <p:timing>
-    <p:tnLst>
-      <p:par>
-        <p:cTn id="1" dur="indefinite" restart="never" nodeType="tmRoot"/>
-      </p:par>
-    </p:tnLst>
-  </p:timing>
-</p:sld>
-</file>
-
-<file path=ppt/slides/slide35.xml><?xml version="1.0" encoding="utf-8"?>
-<p:sld xmlns:a="http://schemas.openxmlformats.org/drawingml/2006/main" xmlns:r="http://schemas.openxmlformats.org/officeDocument/2006/relationships" xmlns:p="http://schemas.openxmlformats.org/presentationml/2006/main">
-  <p:cSld>
-    <p:spTree>
-      <p:nvGrpSpPr>
-        <p:cNvPr id="1" name=""/>
-        <p:cNvGrpSpPr/>
-        <p:nvPr/>
-      </p:nvGrpSpPr>
-      <p:grpSpPr>
-        <a:xfrm>
-          <a:off x="0" y="0"/>
-          <a:ext cx="0" cy="0"/>
-          <a:chOff x="0" y="0"/>
-          <a:chExt cx="0" cy="0"/>
-        </a:xfrm>
-      </p:grpSpPr>
-      <p:sp>
-        <p:nvSpPr>
-          <p:cNvPr id="32770" name="Slide Number Placeholder 5"/>
-          <p:cNvSpPr>
-            <a:spLocks noGrp="1"/>
-          </p:cNvSpPr>
-          <p:nvPr>
-            <p:ph type="sldNum" sz="quarter" idx="12"/>
-          </p:nvPr>
-        </p:nvSpPr>
-        <p:spPr>
-          <a:noFill/>
-          <a:ln/>
-          <a:extLst>
-            <a:ext uri="{909E8E84-426E-40DD-AFC4-6F175D3DCCD1}">
-              <a14:hiddenFill xmlns:a14="http://schemas.microsoft.com/office/drawing/2010/main">
-                <a:solidFill>
-                  <a:srgbClr val="FFFFFF"/>
-                </a:solidFill>
-              </a14:hiddenFill>
-            </a:ext>
-            <a:ext uri="{91240B29-F687-4F45-9708-019B960494DF}">
-              <a14:hiddenLine xmlns:a14="http://schemas.microsoft.com/office/drawing/2010/main" w="9525">
-                <a:solidFill>
-                  <a:srgbClr val="000000"/>
-                </a:solidFill>
-                <a:miter lim="800000"/>
-                <a:headEnd/>
-                <a:tailEnd/>
-              </a14:hiddenLine>
-            </a:ext>
-          </a:extLst>
-        </p:spPr>
-        <p:txBody>
-          <a:bodyPr/>
-          <a:lstStyle>
-            <a:lvl1pPr eaLnBrk="0" hangingPunct="0">
-              <a:defRPr>
-                <a:solidFill>
-                  <a:schemeClr val="tx1"/>
-                </a:solidFill>
-                <a:latin typeface="Arial" pitchFamily="34" charset="0"/>
-              </a:defRPr>
-            </a:lvl1pPr>
-            <a:lvl2pPr marL="742950" indent="-285750" eaLnBrk="0" hangingPunct="0">
-              <a:defRPr>
-                <a:solidFill>
-                  <a:schemeClr val="tx1"/>
-                </a:solidFill>
-                <a:latin typeface="Arial" pitchFamily="34" charset="0"/>
-              </a:defRPr>
-            </a:lvl2pPr>
-            <a:lvl3pPr marL="1143000" indent="-228600" eaLnBrk="0" hangingPunct="0">
-              <a:defRPr>
-                <a:solidFill>
-                  <a:schemeClr val="tx1"/>
-                </a:solidFill>
-                <a:latin typeface="Arial" pitchFamily="34" charset="0"/>
-              </a:defRPr>
-            </a:lvl3pPr>
-            <a:lvl4pPr marL="1600200" indent="-228600" eaLnBrk="0" hangingPunct="0">
-              <a:defRPr>
-                <a:solidFill>
-                  <a:schemeClr val="tx1"/>
-                </a:solidFill>
-                <a:latin typeface="Arial" pitchFamily="34" charset="0"/>
-              </a:defRPr>
-            </a:lvl4pPr>
-            <a:lvl5pPr marL="2057400" indent="-228600" eaLnBrk="0" hangingPunct="0">
-              <a:defRPr>
-                <a:solidFill>
-                  <a:schemeClr val="tx1"/>
-                </a:solidFill>
-                <a:latin typeface="Arial" pitchFamily="34" charset="0"/>
-              </a:defRPr>
-            </a:lvl5pPr>
-            <a:lvl6pPr marL="2514600" indent="-228600" algn="l" rtl="0" eaLnBrk="0" fontAlgn="base" hangingPunct="0">
-              <a:spcBef>
-                <a:spcPct val="50000"/>
-              </a:spcBef>
-              <a:spcAft>
-                <a:spcPct val="0"/>
-              </a:spcAft>
-              <a:defRPr>
-                <a:solidFill>
-                  <a:schemeClr val="tx1"/>
-                </a:solidFill>
-                <a:latin typeface="Arial" pitchFamily="34" charset="0"/>
-              </a:defRPr>
-            </a:lvl6pPr>
-            <a:lvl7pPr marL="2971800" indent="-228600" algn="l" rtl="0" eaLnBrk="0" fontAlgn="base" hangingPunct="0">
-              <a:spcBef>
-                <a:spcPct val="50000"/>
-              </a:spcBef>
-              <a:spcAft>
-                <a:spcPct val="0"/>
-              </a:spcAft>
-              <a:defRPr>
-                <a:solidFill>
-                  <a:schemeClr val="tx1"/>
-                </a:solidFill>
-                <a:latin typeface="Arial" pitchFamily="34" charset="0"/>
-              </a:defRPr>
-            </a:lvl7pPr>
-            <a:lvl8pPr marL="3429000" indent="-228600" algn="l" rtl="0" eaLnBrk="0" fontAlgn="base" hangingPunct="0">
-              <a:spcBef>
-                <a:spcPct val="50000"/>
-              </a:spcBef>
-              <a:spcAft>
-                <a:spcPct val="0"/>
-              </a:spcAft>
-              <a:defRPr>
-                <a:solidFill>
-                  <a:schemeClr val="tx1"/>
-                </a:solidFill>
-                <a:latin typeface="Arial" pitchFamily="34" charset="0"/>
-              </a:defRPr>
-            </a:lvl8pPr>
-            <a:lvl9pPr marL="3886200" indent="-228600" algn="l" rtl="0" eaLnBrk="0" fontAlgn="base" hangingPunct="0">
-              <a:spcBef>
-                <a:spcPct val="50000"/>
-              </a:spcBef>
-              <a:spcAft>
-                <a:spcPct val="0"/>
-              </a:spcAft>
-              <a:defRPr>
-                <a:solidFill>
-                  <a:schemeClr val="tx1"/>
-                </a:solidFill>
-                <a:latin typeface="Arial" pitchFamily="34" charset="0"/>
-              </a:defRPr>
-            </a:lvl9pPr>
-          </a:lstStyle>
-          <a:p>
-            <a:pPr eaLnBrk="1" hangingPunct="1"/>
-            <a:fld id="{074200CC-9B98-4056-B380-387ABB023D66}" type="slidenum">
-              <a:rPr lang="he-IL" smtClean="0">
-                <a:cs typeface="Arial" pitchFamily="34" charset="0"/>
-              </a:rPr>
-              <a:pPr eaLnBrk="1" hangingPunct="1"/>
-              <a:t>35</a:t>
-            </a:fld>
-            <a:endParaRPr lang="en-US" smtClean="0">
-              <a:cs typeface="Arial" pitchFamily="34" charset="0"/>
-            </a:endParaRPr>
-          </a:p>
-        </p:txBody>
-      </p:sp>
-      <p:sp>
-        <p:nvSpPr>
-          <p:cNvPr id="32771" name="Rectangle 2"/>
-          <p:cNvSpPr>
-            <a:spLocks noGrp="1" noChangeArrowheads="1"/>
-          </p:cNvSpPr>
-          <p:nvPr>
-            <p:ph type="title"/>
-          </p:nvPr>
-        </p:nvSpPr>
-        <p:spPr/>
-        <p:txBody>
-          <a:bodyPr/>
-          <a:lstStyle/>
-          <a:p>
-            <a:pPr eaLnBrk="1" hangingPunct="1"/>
-            <a:r>
-              <a:rPr lang="en-US" smtClean="0">
-                <a:latin typeface="Times New Roman" pitchFamily="18" charset="0"/>
-                <a:cs typeface="Times New Roman" pitchFamily="18" charset="0"/>
-              </a:rPr>
-              <a:t>Functions</a:t>
-            </a:r>
-          </a:p>
-        </p:txBody>
-      </p:sp>
-      <p:sp>
-        <p:nvSpPr>
-          <p:cNvPr id="32772" name="Rectangle 3"/>
-          <p:cNvSpPr>
-            <a:spLocks noGrp="1" noChangeArrowheads="1"/>
-          </p:cNvSpPr>
-          <p:nvPr>
-            <p:ph type="body" idx="1"/>
-          </p:nvPr>
-        </p:nvSpPr>
-        <p:spPr>
-          <a:xfrm>
-            <a:off x="685800" y="1447800"/>
-            <a:ext cx="7848600" cy="4648200"/>
-          </a:xfrm>
-        </p:spPr>
-        <p:txBody>
-          <a:bodyPr/>
-          <a:lstStyle/>
-          <a:p>
-            <a:r>
-              <a:rPr lang="en-US" b="1" dirty="0" smtClean="0">
-                <a:solidFill>
-                  <a:srgbClr val="339966"/>
-                </a:solidFill>
-                <a:latin typeface="Times New Roman" panose="02020603050405020304" pitchFamily="18" charset="0"/>
-                <a:cs typeface="Times New Roman" panose="02020603050405020304" pitchFamily="18" charset="0"/>
-              </a:rPr>
-              <a:t>A function </a:t>
-            </a:r>
-            <a:r>
-              <a:rPr lang="en-US" dirty="0" smtClean="0">
-                <a:latin typeface="Times New Roman" panose="02020603050405020304" pitchFamily="18" charset="0"/>
-                <a:cs typeface="Times New Roman" panose="02020603050405020304" pitchFamily="18" charset="0"/>
-              </a:rPr>
-              <a:t>is a block of code that has a unique</a:t>
-            </a:r>
-            <a:r>
-              <a:rPr lang="en-US" dirty="0" smtClean="0">
-                <a:solidFill>
-                  <a:srgbClr val="339966"/>
-                </a:solidFill>
-                <a:latin typeface="Times New Roman" panose="02020603050405020304" pitchFamily="18" charset="0"/>
-                <a:cs typeface="Times New Roman" panose="02020603050405020304" pitchFamily="18" charset="0"/>
-              </a:rPr>
-              <a:t> name</a:t>
-            </a:r>
-            <a:r>
-              <a:rPr lang="en-US" dirty="0" smtClean="0">
-                <a:latin typeface="Times New Roman" panose="02020603050405020304" pitchFamily="18" charset="0"/>
-                <a:cs typeface="Times New Roman" panose="02020603050405020304" pitchFamily="18" charset="0"/>
-              </a:rPr>
-              <a:t>, usually returns a value.</a:t>
-            </a:r>
-          </a:p>
-          <a:p>
-            <a:r>
-              <a:rPr lang="en-US" dirty="0" smtClean="0">
-                <a:solidFill>
-                  <a:srgbClr val="339966"/>
-                </a:solidFill>
-                <a:latin typeface="Times New Roman" panose="02020603050405020304" pitchFamily="18" charset="0"/>
-                <a:cs typeface="Times New Roman" panose="02020603050405020304" pitchFamily="18" charset="0"/>
-              </a:rPr>
-              <a:t>Abstraction - </a:t>
-            </a:r>
-            <a:r>
-              <a:rPr lang="en-US" dirty="0" smtClean="0">
-                <a:latin typeface="Times New Roman" panose="02020603050405020304" pitchFamily="18" charset="0"/>
-                <a:cs typeface="Times New Roman" panose="02020603050405020304" pitchFamily="18" charset="0"/>
-              </a:rPr>
-              <a:t>a self-contained block of statements that perform a task.</a:t>
-            </a:r>
-            <a:endParaRPr lang="en-US" dirty="0" smtClean="0">
-              <a:solidFill>
-                <a:srgbClr val="339966"/>
-              </a:solidFill>
-              <a:latin typeface="Times New Roman" panose="02020603050405020304" pitchFamily="18" charset="0"/>
-              <a:cs typeface="Times New Roman" panose="02020603050405020304" pitchFamily="18" charset="0"/>
-            </a:endParaRPr>
-          </a:p>
-          <a:p>
-            <a:r>
-              <a:rPr lang="en-US" dirty="0" smtClean="0">
-                <a:solidFill>
-                  <a:srgbClr val="339966"/>
-                </a:solidFill>
-                <a:latin typeface="Times New Roman" panose="02020603050405020304" pitchFamily="18" charset="0"/>
-                <a:cs typeface="Times New Roman" panose="02020603050405020304" pitchFamily="18" charset="0"/>
-              </a:rPr>
-              <a:t>Reusable</a:t>
-            </a:r>
-            <a:r>
-              <a:rPr lang="en-US" dirty="0" smtClean="0">
-                <a:latin typeface="Times New Roman" panose="02020603050405020304" pitchFamily="18" charset="0"/>
-                <a:cs typeface="Times New Roman" panose="02020603050405020304" pitchFamily="18" charset="0"/>
-              </a:rPr>
-              <a:t> - can be executed from as many different points in a Program.</a:t>
-            </a:r>
-          </a:p>
-          <a:p>
-            <a:r>
-              <a:rPr lang="en-US" dirty="0" smtClean="0">
-                <a:solidFill>
-                  <a:srgbClr val="339966"/>
-                </a:solidFill>
-                <a:latin typeface="Times New Roman" panose="02020603050405020304" pitchFamily="18" charset="0"/>
-                <a:cs typeface="Times New Roman" panose="02020603050405020304" pitchFamily="18" charset="0"/>
-              </a:rPr>
-              <a:t>Groups</a:t>
-            </a:r>
-            <a:r>
-              <a:rPr lang="en-US" dirty="0" smtClean="0">
-                <a:latin typeface="Times New Roman" panose="02020603050405020304" pitchFamily="18" charset="0"/>
-                <a:cs typeface="Times New Roman" panose="02020603050405020304" pitchFamily="18" charset="0"/>
-              </a:rPr>
-              <a:t> a number of statements into a unit.</a:t>
-            </a:r>
-          </a:p>
-        </p:txBody>
-      </p:sp>
-    </p:spTree>
-  </p:cSld>
-  <p:clrMapOvr>
-    <a:masterClrMapping/>
-  </p:clrMapOvr>
-  <p:timing>
-    <p:tnLst>
-      <p:par>
-        <p:cTn id="1" dur="indefinite" restart="never" nodeType="tmRoot"/>
-      </p:par>
-    </p:tnLst>
-  </p:timing>
-</p:sld>
-</file>
-
-<file path=ppt/slides/slide36.xml><?xml version="1.0" encoding="utf-8"?>
-<p:sld xmlns:a="http://schemas.openxmlformats.org/drawingml/2006/main" xmlns:r="http://schemas.openxmlformats.org/officeDocument/2006/relationships" xmlns:p="http://schemas.openxmlformats.org/presentationml/2006/main">
-  <p:cSld>
-    <p:spTree>
-      <p:nvGrpSpPr>
-        <p:cNvPr id="1" name=""/>
-        <p:cNvGrpSpPr/>
-        <p:nvPr/>
-      </p:nvGrpSpPr>
-      <p:grpSpPr>
-        <a:xfrm>
-          <a:off x="0" y="0"/>
-          <a:ext cx="0" cy="0"/>
-          <a:chOff x="0" y="0"/>
-          <a:chExt cx="0" cy="0"/>
-        </a:xfrm>
-      </p:grpSpPr>
-      <p:sp>
-        <p:nvSpPr>
-          <p:cNvPr id="33794" name="Slide Number Placeholder 5"/>
-          <p:cNvSpPr>
-            <a:spLocks noGrp="1"/>
-          </p:cNvSpPr>
-          <p:nvPr>
-            <p:ph type="sldNum" sz="quarter" idx="12"/>
-          </p:nvPr>
-        </p:nvSpPr>
-        <p:spPr>
-          <a:noFill/>
-          <a:ln/>
-          <a:extLst>
-            <a:ext uri="{909E8E84-426E-40DD-AFC4-6F175D3DCCD1}">
-              <a14:hiddenFill xmlns:a14="http://schemas.microsoft.com/office/drawing/2010/main">
-                <a:solidFill>
-                  <a:srgbClr val="FFFFFF"/>
-                </a:solidFill>
-              </a14:hiddenFill>
-            </a:ext>
-            <a:ext uri="{91240B29-F687-4F45-9708-019B960494DF}">
-              <a14:hiddenLine xmlns:a14="http://schemas.microsoft.com/office/drawing/2010/main" w="9525">
-                <a:solidFill>
-                  <a:srgbClr val="000000"/>
-                </a:solidFill>
-                <a:miter lim="800000"/>
-                <a:headEnd/>
-                <a:tailEnd/>
-              </a14:hiddenLine>
-            </a:ext>
-          </a:extLst>
-        </p:spPr>
-        <p:txBody>
-          <a:bodyPr/>
-          <a:lstStyle>
-            <a:lvl1pPr eaLnBrk="0" hangingPunct="0">
-              <a:defRPr>
-                <a:solidFill>
-                  <a:schemeClr val="tx1"/>
-                </a:solidFill>
-                <a:latin typeface="Arial" pitchFamily="34" charset="0"/>
-              </a:defRPr>
-            </a:lvl1pPr>
-            <a:lvl2pPr marL="742950" indent="-285750" eaLnBrk="0" hangingPunct="0">
-              <a:defRPr>
-                <a:solidFill>
-                  <a:schemeClr val="tx1"/>
-                </a:solidFill>
-                <a:latin typeface="Arial" pitchFamily="34" charset="0"/>
-              </a:defRPr>
-            </a:lvl2pPr>
-            <a:lvl3pPr marL="1143000" indent="-228600" eaLnBrk="0" hangingPunct="0">
-              <a:defRPr>
-                <a:solidFill>
-                  <a:schemeClr val="tx1"/>
-                </a:solidFill>
-                <a:latin typeface="Arial" pitchFamily="34" charset="0"/>
-              </a:defRPr>
-            </a:lvl3pPr>
-            <a:lvl4pPr marL="1600200" indent="-228600" eaLnBrk="0" hangingPunct="0">
-              <a:defRPr>
-                <a:solidFill>
-                  <a:schemeClr val="tx1"/>
-                </a:solidFill>
-                <a:latin typeface="Arial" pitchFamily="34" charset="0"/>
-              </a:defRPr>
-            </a:lvl4pPr>
-            <a:lvl5pPr marL="2057400" indent="-228600" eaLnBrk="0" hangingPunct="0">
-              <a:defRPr>
-                <a:solidFill>
-                  <a:schemeClr val="tx1"/>
-                </a:solidFill>
-                <a:latin typeface="Arial" pitchFamily="34" charset="0"/>
-              </a:defRPr>
-            </a:lvl5pPr>
-            <a:lvl6pPr marL="2514600" indent="-228600" algn="l" rtl="0" eaLnBrk="0" fontAlgn="base" hangingPunct="0">
-              <a:spcBef>
-                <a:spcPct val="50000"/>
-              </a:spcBef>
-              <a:spcAft>
-                <a:spcPct val="0"/>
-              </a:spcAft>
-              <a:defRPr>
-                <a:solidFill>
-                  <a:schemeClr val="tx1"/>
-                </a:solidFill>
-                <a:latin typeface="Arial" pitchFamily="34" charset="0"/>
-              </a:defRPr>
-            </a:lvl6pPr>
-            <a:lvl7pPr marL="2971800" indent="-228600" algn="l" rtl="0" eaLnBrk="0" fontAlgn="base" hangingPunct="0">
-              <a:spcBef>
-                <a:spcPct val="50000"/>
-              </a:spcBef>
-              <a:spcAft>
-                <a:spcPct val="0"/>
-              </a:spcAft>
-              <a:defRPr>
-                <a:solidFill>
-                  <a:schemeClr val="tx1"/>
-                </a:solidFill>
-                <a:latin typeface="Arial" pitchFamily="34" charset="0"/>
-              </a:defRPr>
-            </a:lvl7pPr>
-            <a:lvl8pPr marL="3429000" indent="-228600" algn="l" rtl="0" eaLnBrk="0" fontAlgn="base" hangingPunct="0">
-              <a:spcBef>
-                <a:spcPct val="50000"/>
-              </a:spcBef>
-              <a:spcAft>
-                <a:spcPct val="0"/>
-              </a:spcAft>
-              <a:defRPr>
-                <a:solidFill>
-                  <a:schemeClr val="tx1"/>
-                </a:solidFill>
-                <a:latin typeface="Arial" pitchFamily="34" charset="0"/>
-              </a:defRPr>
-            </a:lvl8pPr>
-            <a:lvl9pPr marL="3886200" indent="-228600" algn="l" rtl="0" eaLnBrk="0" fontAlgn="base" hangingPunct="0">
-              <a:spcBef>
-                <a:spcPct val="50000"/>
-              </a:spcBef>
-              <a:spcAft>
-                <a:spcPct val="0"/>
-              </a:spcAft>
-              <a:defRPr>
-                <a:solidFill>
-                  <a:schemeClr val="tx1"/>
-                </a:solidFill>
-                <a:latin typeface="Arial" pitchFamily="34" charset="0"/>
-              </a:defRPr>
-            </a:lvl9pPr>
-          </a:lstStyle>
-          <a:p>
-            <a:pPr eaLnBrk="1" hangingPunct="1"/>
-            <a:fld id="{F80D4A11-59B8-49B5-8813-FD86DB0949AD}" type="slidenum">
-              <a:rPr lang="he-IL" smtClean="0">
-                <a:cs typeface="Arial" pitchFamily="34" charset="0"/>
-              </a:rPr>
-              <a:pPr eaLnBrk="1" hangingPunct="1"/>
-              <a:t>36</a:t>
-            </a:fld>
-            <a:endParaRPr lang="en-US" smtClean="0">
-              <a:cs typeface="Arial" pitchFamily="34" charset="0"/>
-            </a:endParaRPr>
-          </a:p>
-        </p:txBody>
-      </p:sp>
-      <p:sp>
-        <p:nvSpPr>
-          <p:cNvPr id="33795" name="Rectangle 2"/>
-          <p:cNvSpPr>
-            <a:spLocks noGrp="1" noChangeArrowheads="1"/>
-          </p:cNvSpPr>
-          <p:nvPr>
-            <p:ph type="title"/>
-          </p:nvPr>
-        </p:nvSpPr>
-        <p:spPr/>
-        <p:txBody>
-          <a:bodyPr/>
-          <a:lstStyle/>
-          <a:p>
-            <a:pPr eaLnBrk="1" hangingPunct="1"/>
-            <a:r>
-              <a:rPr lang="en-US" smtClean="0">
-                <a:latin typeface="Times New Roman" pitchFamily="18" charset="0"/>
-                <a:cs typeface="Times New Roman" pitchFamily="18" charset="0"/>
-              </a:rPr>
-              <a:t>What are They Good For?</a:t>
-            </a:r>
-          </a:p>
-        </p:txBody>
-      </p:sp>
-      <p:sp>
-        <p:nvSpPr>
-          <p:cNvPr id="33796" name="Rectangle 3"/>
-          <p:cNvSpPr>
-            <a:spLocks noGrp="1" noChangeArrowheads="1"/>
-          </p:cNvSpPr>
-          <p:nvPr>
-            <p:ph type="body" idx="1"/>
-          </p:nvPr>
-        </p:nvSpPr>
-        <p:spPr>
-          <a:xfrm>
-            <a:off x="838200" y="1600200"/>
-            <a:ext cx="7772400" cy="5105400"/>
-          </a:xfrm>
-        </p:spPr>
-        <p:txBody>
-          <a:bodyPr/>
-          <a:lstStyle/>
-          <a:p>
-            <a:pPr eaLnBrk="1" hangingPunct="1">
-              <a:lnSpc>
-                <a:spcPct val="90000"/>
-              </a:lnSpc>
-            </a:pPr>
-            <a:r>
-              <a:rPr lang="en-US" smtClean="0">
-                <a:latin typeface="Times New Roman" pitchFamily="18" charset="0"/>
-                <a:cs typeface="Times New Roman" pitchFamily="18" charset="0"/>
-              </a:rPr>
-              <a:t>Generalize a repeated set of instructions</a:t>
-            </a:r>
-            <a:r>
-              <a:rPr lang="en-US" sz="2800" smtClean="0">
-                <a:latin typeface="Times New Roman" pitchFamily="18" charset="0"/>
-                <a:cs typeface="Times New Roman" pitchFamily="18" charset="0"/>
-              </a:rPr>
-              <a:t> (</a:t>
-            </a:r>
-            <a:r>
-              <a:rPr lang="en-US" sz="2400" smtClean="0">
-                <a:latin typeface="Times New Roman" pitchFamily="18" charset="0"/>
-                <a:cs typeface="Times New Roman" pitchFamily="18" charset="0"/>
-              </a:rPr>
-              <a:t>Solve bugs once…)</a:t>
-            </a:r>
-          </a:p>
-          <a:p>
-            <a:pPr eaLnBrk="1" hangingPunct="1">
-              <a:lnSpc>
-                <a:spcPct val="90000"/>
-              </a:lnSpc>
-            </a:pPr>
-            <a:endParaRPr lang="en-US" sz="2400" smtClean="0">
-              <a:latin typeface="Times New Roman" pitchFamily="18" charset="0"/>
-              <a:cs typeface="Times New Roman" pitchFamily="18" charset="0"/>
-            </a:endParaRPr>
-          </a:p>
-          <a:p>
-            <a:pPr eaLnBrk="1" hangingPunct="1">
-              <a:lnSpc>
-                <a:spcPct val="90000"/>
-              </a:lnSpc>
-            </a:pPr>
-            <a:r>
-              <a:rPr lang="en-US" smtClean="0">
-                <a:latin typeface="Times New Roman" pitchFamily="18" charset="0"/>
-                <a:cs typeface="Times New Roman" pitchFamily="18" charset="0"/>
-              </a:rPr>
-              <a:t>Break the problem into smaller sub-tasks</a:t>
-            </a:r>
-            <a:r>
-              <a:rPr lang="en-US" sz="2800" smtClean="0">
-                <a:latin typeface="Times New Roman" pitchFamily="18" charset="0"/>
-                <a:cs typeface="Times New Roman" pitchFamily="18" charset="0"/>
-              </a:rPr>
-              <a:t> </a:t>
-            </a:r>
-          </a:p>
-          <a:p>
-            <a:pPr lvl="1" eaLnBrk="1" hangingPunct="1">
-              <a:lnSpc>
-                <a:spcPct val="90000"/>
-              </a:lnSpc>
-            </a:pPr>
-            <a:r>
-              <a:rPr lang="en-US" sz="2400" smtClean="0">
-                <a:latin typeface="Times New Roman" pitchFamily="18" charset="0"/>
-                <a:cs typeface="Times New Roman" pitchFamily="18" charset="0"/>
-              </a:rPr>
-              <a:t>Easier to solve complex problems </a:t>
-            </a:r>
-          </a:p>
-          <a:p>
-            <a:pPr lvl="1" eaLnBrk="1" hangingPunct="1">
-              <a:lnSpc>
-                <a:spcPct val="90000"/>
-              </a:lnSpc>
-            </a:pPr>
-            <a:endParaRPr lang="en-US" sz="2400" smtClean="0">
-              <a:latin typeface="Times New Roman" pitchFamily="18" charset="0"/>
-              <a:cs typeface="Times New Roman" pitchFamily="18" charset="0"/>
-            </a:endParaRPr>
-          </a:p>
-          <a:p>
-            <a:pPr eaLnBrk="1" hangingPunct="1">
-              <a:lnSpc>
-                <a:spcPct val="90000"/>
-              </a:lnSpc>
-            </a:pPr>
-            <a:r>
-              <a:rPr lang="en-US" smtClean="0">
-                <a:latin typeface="Times New Roman" pitchFamily="18" charset="0"/>
-                <a:cs typeface="Times New Roman" pitchFamily="18" charset="0"/>
-              </a:rPr>
-              <a:t>Make a program easier to read and maintain</a:t>
-            </a:r>
-          </a:p>
-          <a:p>
-            <a:pPr lvl="1" eaLnBrk="1" hangingPunct="1">
-              <a:lnSpc>
-                <a:spcPct val="90000"/>
-              </a:lnSpc>
-            </a:pPr>
-            <a:r>
-              <a:rPr lang="en-US" sz="2400" smtClean="0">
-                <a:latin typeface="Times New Roman" pitchFamily="18" charset="0"/>
-                <a:cs typeface="Times New Roman" pitchFamily="18" charset="0"/>
-              </a:rPr>
-              <a:t>Abstraction – we don’t have to know how a function is implemented to use it</a:t>
-            </a:r>
-          </a:p>
-        </p:txBody>
-      </p:sp>
-    </p:spTree>
-  </p:cSld>
-  <p:clrMapOvr>
-    <a:masterClrMapping/>
-  </p:clrMapOvr>
-  <p:timing>
-    <p:tnLst>
-      <p:par>
-        <p:cTn id="1" dur="indefinite" restart="never" nodeType="tmRoot"/>
-      </p:par>
-    </p:tnLst>
-  </p:timing>
-</p:sld>
-</file>
-
-<file path=ppt/slides/slide37.xml><?xml version="1.0" encoding="utf-8"?>
-<p:sld xmlns:a="http://schemas.openxmlformats.org/drawingml/2006/main" xmlns:r="http://schemas.openxmlformats.org/officeDocument/2006/relationships" xmlns:p="http://schemas.openxmlformats.org/presentationml/2006/main">
-  <p:cSld>
-    <p:spTree>
-      <p:nvGrpSpPr>
-        <p:cNvPr id="1" name=""/>
-        <p:cNvGrpSpPr/>
-        <p:nvPr/>
-      </p:nvGrpSpPr>
-      <p:grpSpPr>
-        <a:xfrm>
-          <a:off x="0" y="0"/>
-          <a:ext cx="0" cy="0"/>
-          <a:chOff x="0" y="0"/>
-          <a:chExt cx="0" cy="0"/>
-        </a:xfrm>
-      </p:grpSpPr>
-      <p:sp>
-        <p:nvSpPr>
           <p:cNvPr id="34818" name="Slide Number Placeholder 5"/>
           <p:cNvSpPr>
             <a:spLocks noGrp="1"/>
@@ -32092,7 +29322,7 @@
                 <a:cs typeface="Arial" pitchFamily="34" charset="0"/>
               </a:rPr>
               <a:pPr eaLnBrk="1" hangingPunct="1"/>
-              <a:t>37</a:t>
+              <a:t>33</a:t>
             </a:fld>
             <a:endParaRPr lang="en-US" smtClean="0">
               <a:cs typeface="Arial" pitchFamily="34" charset="0"/>
@@ -32841,7 +30071,7 @@
 </p:sld>
 </file>
 
-<file path=ppt/slides/slide38.xml><?xml version="1.0" encoding="utf-8"?>
+<file path=ppt/slides/slide34.xml><?xml version="1.0" encoding="utf-8"?>
 <p:sld xmlns:a="http://schemas.openxmlformats.org/drawingml/2006/main" xmlns:r="http://schemas.openxmlformats.org/officeDocument/2006/relationships" xmlns:p="http://schemas.openxmlformats.org/presentationml/2006/main">
   <p:cSld>
     <p:spTree>
@@ -33191,7 +30421,7 @@
 </p:sld>
 </file>
 
-<file path=ppt/slides/slide39.xml><?xml version="1.0" encoding="utf-8"?>
+<file path=ppt/slides/slide35.xml><?xml version="1.0" encoding="utf-8"?>
 <p:sld xmlns:a="http://schemas.openxmlformats.org/drawingml/2006/main" xmlns:r="http://schemas.openxmlformats.org/officeDocument/2006/relationships" xmlns:p="http://schemas.openxmlformats.org/presentationml/2006/main">
   <p:cSld>
     <p:spTree>
@@ -33348,7 +30578,7 @@
                 <a:cs typeface="Arial" pitchFamily="34" charset="0"/>
               </a:rPr>
               <a:pPr eaLnBrk="1" hangingPunct="1"/>
-              <a:t>39</a:t>
+              <a:t>35</a:t>
             </a:fld>
             <a:endParaRPr lang="en-US" smtClean="0">
               <a:cs typeface="Arial" pitchFamily="34" charset="0"/>
@@ -33433,6 +30663,1466 @@
           </a:extLst>
         </p:spPr>
       </p:pic>
+      <p:sp>
+        <p:nvSpPr>
+          <p:cNvPr id="2" name="TextBox 1"/>
+          <p:cNvSpPr txBox="1"/>
+          <p:nvPr/>
+        </p:nvSpPr>
+        <p:spPr>
+          <a:xfrm>
+            <a:off x="3429000" y="2438400"/>
+            <a:ext cx="3200400" cy="369332"/>
+          </a:xfrm>
+          <a:prstGeom prst="rect">
+            <a:avLst/>
+          </a:prstGeom>
+          <a:noFill/>
+        </p:spPr>
+        <p:txBody>
+          <a:bodyPr wrap="square" rtlCol="1">
+            <a:spAutoFit/>
+          </a:bodyPr>
+          <a:lstStyle/>
+          <a:p>
+            <a:r>
+              <a:rPr lang="en-US" dirty="0" smtClean="0"/>
+              <a:t>(                                      )</a:t>
+            </a:r>
+            <a:endParaRPr lang="he-IL" dirty="0"/>
+          </a:p>
+        </p:txBody>
+      </p:sp>
+    </p:spTree>
+  </p:cSld>
+  <p:clrMapOvr>
+    <a:masterClrMapping/>
+  </p:clrMapOvr>
+  <p:timing>
+    <p:tnLst>
+      <p:par>
+        <p:cTn id="1" dur="indefinite" restart="never" nodeType="tmRoot"/>
+      </p:par>
+    </p:tnLst>
+  </p:timing>
+</p:sld>
+</file>
+
+<file path=ppt/slides/slide36.xml><?xml version="1.0" encoding="utf-8"?>
+<p:sld xmlns:a="http://schemas.openxmlformats.org/drawingml/2006/main" xmlns:r="http://schemas.openxmlformats.org/officeDocument/2006/relationships" xmlns:p="http://schemas.openxmlformats.org/presentationml/2006/main">
+  <p:cSld>
+    <p:spTree>
+      <p:nvGrpSpPr>
+        <p:cNvPr id="1" name=""/>
+        <p:cNvGrpSpPr/>
+        <p:nvPr/>
+      </p:nvGrpSpPr>
+      <p:grpSpPr>
+        <a:xfrm>
+          <a:off x="0" y="0"/>
+          <a:ext cx="0" cy="0"/>
+          <a:chOff x="0" y="0"/>
+          <a:chExt cx="0" cy="0"/>
+        </a:xfrm>
+      </p:grpSpPr>
+      <p:sp>
+        <p:nvSpPr>
+          <p:cNvPr id="37890" name="Slide Number Placeholder 5"/>
+          <p:cNvSpPr>
+            <a:spLocks noGrp="1"/>
+          </p:cNvSpPr>
+          <p:nvPr>
+            <p:ph type="sldNum" sz="quarter" idx="12"/>
+          </p:nvPr>
+        </p:nvSpPr>
+        <p:spPr>
+          <a:noFill/>
+          <a:ln/>
+          <a:extLst>
+            <a:ext uri="{909E8E84-426E-40DD-AFC4-6F175D3DCCD1}">
+              <a14:hiddenFill xmlns:a14="http://schemas.microsoft.com/office/drawing/2010/main">
+                <a:solidFill>
+                  <a:srgbClr val="FFFFFF"/>
+                </a:solidFill>
+              </a14:hiddenFill>
+            </a:ext>
+            <a:ext uri="{91240B29-F687-4F45-9708-019B960494DF}">
+              <a14:hiddenLine xmlns:a14="http://schemas.microsoft.com/office/drawing/2010/main" w="9525">
+                <a:solidFill>
+                  <a:srgbClr val="000000"/>
+                </a:solidFill>
+                <a:miter lim="800000"/>
+                <a:headEnd/>
+                <a:tailEnd/>
+              </a14:hiddenLine>
+            </a:ext>
+          </a:extLst>
+        </p:spPr>
+        <p:txBody>
+          <a:bodyPr/>
+          <a:lstStyle>
+            <a:lvl1pPr eaLnBrk="0" hangingPunct="0">
+              <a:defRPr>
+                <a:solidFill>
+                  <a:schemeClr val="tx1"/>
+                </a:solidFill>
+                <a:latin typeface="Arial" pitchFamily="34" charset="0"/>
+              </a:defRPr>
+            </a:lvl1pPr>
+            <a:lvl2pPr marL="742950" indent="-285750" eaLnBrk="0" hangingPunct="0">
+              <a:defRPr>
+                <a:solidFill>
+                  <a:schemeClr val="tx1"/>
+                </a:solidFill>
+                <a:latin typeface="Arial" pitchFamily="34" charset="0"/>
+              </a:defRPr>
+            </a:lvl2pPr>
+            <a:lvl3pPr marL="1143000" indent="-228600" eaLnBrk="0" hangingPunct="0">
+              <a:defRPr>
+                <a:solidFill>
+                  <a:schemeClr val="tx1"/>
+                </a:solidFill>
+                <a:latin typeface="Arial" pitchFamily="34" charset="0"/>
+              </a:defRPr>
+            </a:lvl3pPr>
+            <a:lvl4pPr marL="1600200" indent="-228600" eaLnBrk="0" hangingPunct="0">
+              <a:defRPr>
+                <a:solidFill>
+                  <a:schemeClr val="tx1"/>
+                </a:solidFill>
+                <a:latin typeface="Arial" pitchFamily="34" charset="0"/>
+              </a:defRPr>
+            </a:lvl4pPr>
+            <a:lvl5pPr marL="2057400" indent="-228600" eaLnBrk="0" hangingPunct="0">
+              <a:defRPr>
+                <a:solidFill>
+                  <a:schemeClr val="tx1"/>
+                </a:solidFill>
+                <a:latin typeface="Arial" pitchFamily="34" charset="0"/>
+              </a:defRPr>
+            </a:lvl5pPr>
+            <a:lvl6pPr marL="2514600" indent="-228600" algn="l" rtl="0" eaLnBrk="0" fontAlgn="base" hangingPunct="0">
+              <a:spcBef>
+                <a:spcPct val="50000"/>
+              </a:spcBef>
+              <a:spcAft>
+                <a:spcPct val="0"/>
+              </a:spcAft>
+              <a:defRPr>
+                <a:solidFill>
+                  <a:schemeClr val="tx1"/>
+                </a:solidFill>
+                <a:latin typeface="Arial" pitchFamily="34" charset="0"/>
+              </a:defRPr>
+            </a:lvl6pPr>
+            <a:lvl7pPr marL="2971800" indent="-228600" algn="l" rtl="0" eaLnBrk="0" fontAlgn="base" hangingPunct="0">
+              <a:spcBef>
+                <a:spcPct val="50000"/>
+              </a:spcBef>
+              <a:spcAft>
+                <a:spcPct val="0"/>
+              </a:spcAft>
+              <a:defRPr>
+                <a:solidFill>
+                  <a:schemeClr val="tx1"/>
+                </a:solidFill>
+                <a:latin typeface="Arial" pitchFamily="34" charset="0"/>
+              </a:defRPr>
+            </a:lvl7pPr>
+            <a:lvl8pPr marL="3429000" indent="-228600" algn="l" rtl="0" eaLnBrk="0" fontAlgn="base" hangingPunct="0">
+              <a:spcBef>
+                <a:spcPct val="50000"/>
+              </a:spcBef>
+              <a:spcAft>
+                <a:spcPct val="0"/>
+              </a:spcAft>
+              <a:defRPr>
+                <a:solidFill>
+                  <a:schemeClr val="tx1"/>
+                </a:solidFill>
+                <a:latin typeface="Arial" pitchFamily="34" charset="0"/>
+              </a:defRPr>
+            </a:lvl8pPr>
+            <a:lvl9pPr marL="3886200" indent="-228600" algn="l" rtl="0" eaLnBrk="0" fontAlgn="base" hangingPunct="0">
+              <a:spcBef>
+                <a:spcPct val="50000"/>
+              </a:spcBef>
+              <a:spcAft>
+                <a:spcPct val="0"/>
+              </a:spcAft>
+              <a:defRPr>
+                <a:solidFill>
+                  <a:schemeClr val="tx1"/>
+                </a:solidFill>
+                <a:latin typeface="Arial" pitchFamily="34" charset="0"/>
+              </a:defRPr>
+            </a:lvl9pPr>
+          </a:lstStyle>
+          <a:p>
+            <a:pPr eaLnBrk="1" hangingPunct="1"/>
+            <a:fld id="{25C09243-6F27-42D4-865F-F029F59683AE}" type="slidenum">
+              <a:rPr lang="he-IL" smtClean="0">
+                <a:cs typeface="Arial" pitchFamily="34" charset="0"/>
+              </a:rPr>
+              <a:pPr eaLnBrk="1" hangingPunct="1"/>
+              <a:t>36</a:t>
+            </a:fld>
+            <a:endParaRPr lang="en-US" smtClean="0">
+              <a:cs typeface="Arial" pitchFamily="34" charset="0"/>
+            </a:endParaRPr>
+          </a:p>
+        </p:txBody>
+      </p:sp>
+      <p:sp>
+        <p:nvSpPr>
+          <p:cNvPr id="37891" name="Rectangle 2"/>
+          <p:cNvSpPr>
+            <a:spLocks noGrp="1" noChangeArrowheads="1"/>
+          </p:cNvSpPr>
+          <p:nvPr>
+            <p:ph type="title"/>
+          </p:nvPr>
+        </p:nvSpPr>
+        <p:spPr/>
+        <p:txBody>
+          <a:bodyPr/>
+          <a:lstStyle/>
+          <a:p>
+            <a:pPr eaLnBrk="1" hangingPunct="1"/>
+            <a:r>
+              <a:rPr lang="en-US" smtClean="0">
+                <a:latin typeface="Times New Roman" pitchFamily="18" charset="0"/>
+                <a:cs typeface="Times New Roman" pitchFamily="18" charset="0"/>
+              </a:rPr>
+              <a:t>Function Output</a:t>
+            </a:r>
+          </a:p>
+        </p:txBody>
+      </p:sp>
+      <p:sp>
+        <p:nvSpPr>
+          <p:cNvPr id="49156" name="Rectangle 3"/>
+          <p:cNvSpPr>
+            <a:spLocks noGrp="1" noChangeArrowheads="1"/>
+          </p:cNvSpPr>
+          <p:nvPr>
+            <p:ph type="body" idx="1"/>
+          </p:nvPr>
+        </p:nvSpPr>
+        <p:spPr>
+          <a:xfrm>
+            <a:off x="609600" y="1600200"/>
+            <a:ext cx="8077200" cy="4114800"/>
+          </a:xfrm>
+        </p:spPr>
+        <p:txBody>
+          <a:bodyPr/>
+          <a:lstStyle/>
+          <a:p>
+            <a:pPr eaLnBrk="1" hangingPunct="1">
+              <a:lnSpc>
+                <a:spcPct val="90000"/>
+              </a:lnSpc>
+              <a:defRPr/>
+            </a:pPr>
+            <a:r>
+              <a:rPr lang="en-US" dirty="0" smtClean="0">
+                <a:solidFill>
+                  <a:schemeClr val="accent6"/>
+                </a:solidFill>
+                <a:latin typeface="Times New Roman" pitchFamily="18" charset="0"/>
+                <a:cs typeface="Times New Roman" pitchFamily="18" charset="0"/>
+              </a:rPr>
+              <a:t>Parameters: Python variables. Can be </a:t>
+            </a:r>
+            <a:r>
+              <a:rPr lang="en-US" dirty="0" err="1" smtClean="0">
+                <a:latin typeface="Times New Roman" pitchFamily="18" charset="0"/>
+                <a:cs typeface="Times New Roman" pitchFamily="18" charset="0"/>
+              </a:rPr>
+              <a:t>int</a:t>
+            </a:r>
+            <a:r>
+              <a:rPr lang="en-US" dirty="0" smtClean="0">
+                <a:latin typeface="Times New Roman" pitchFamily="18" charset="0"/>
+                <a:cs typeface="Times New Roman" pitchFamily="18" charset="0"/>
+              </a:rPr>
+              <a:t> / float / </a:t>
+            </a:r>
+            <a:r>
+              <a:rPr lang="en-US" dirty="0" err="1" smtClean="0">
+                <a:latin typeface="Times New Roman" pitchFamily="18" charset="0"/>
+                <a:cs typeface="Times New Roman" pitchFamily="18" charset="0"/>
+              </a:rPr>
+              <a:t>str</a:t>
+            </a:r>
+            <a:r>
+              <a:rPr lang="en-US" dirty="0" smtClean="0">
+                <a:latin typeface="Times New Roman" pitchFamily="18" charset="0"/>
+                <a:cs typeface="Times New Roman" pitchFamily="18" charset="0"/>
+              </a:rPr>
+              <a:t> / </a:t>
+            </a:r>
+            <a:r>
+              <a:rPr lang="en-US" dirty="0" err="1" smtClean="0">
+                <a:latin typeface="Times New Roman" pitchFamily="18" charset="0"/>
+                <a:cs typeface="Times New Roman" pitchFamily="18" charset="0"/>
+              </a:rPr>
+              <a:t>bool</a:t>
+            </a:r>
+            <a:r>
+              <a:rPr lang="en-US" dirty="0" smtClean="0">
+                <a:latin typeface="Times New Roman" pitchFamily="18" charset="0"/>
+                <a:cs typeface="Times New Roman" pitchFamily="18" charset="0"/>
+              </a:rPr>
+              <a:t> / list etc. and even function names! (later)</a:t>
+            </a:r>
+            <a:endParaRPr lang="en-US" dirty="0" smtClean="0">
+              <a:solidFill>
+                <a:schemeClr val="accent6"/>
+              </a:solidFill>
+              <a:latin typeface="Times New Roman" pitchFamily="18" charset="0"/>
+              <a:cs typeface="Times New Roman" pitchFamily="18" charset="0"/>
+            </a:endParaRPr>
+          </a:p>
+          <a:p>
+            <a:pPr eaLnBrk="1" hangingPunct="1">
+              <a:lnSpc>
+                <a:spcPct val="90000"/>
+              </a:lnSpc>
+              <a:defRPr/>
+            </a:pPr>
+            <a:r>
+              <a:rPr lang="en-US" dirty="0" smtClean="0">
+                <a:solidFill>
+                  <a:srgbClr val="FF6600"/>
+                </a:solidFill>
+                <a:latin typeface="Times New Roman" pitchFamily="18" charset="0"/>
+                <a:cs typeface="Times New Roman" pitchFamily="18" charset="0"/>
+              </a:rPr>
+              <a:t>Return </a:t>
+            </a:r>
+            <a:r>
+              <a:rPr lang="en-US" dirty="0" smtClean="0">
+                <a:latin typeface="Times New Roman" pitchFamily="18" charset="0"/>
+                <a:cs typeface="Times New Roman" pitchFamily="18" charset="0"/>
+              </a:rPr>
+              <a:t>statement</a:t>
+            </a:r>
+            <a:r>
+              <a:rPr lang="en-US" dirty="0" smtClean="0">
+                <a:solidFill>
+                  <a:srgbClr val="FF6600"/>
+                </a:solidFill>
+                <a:latin typeface="Times New Roman" pitchFamily="18" charset="0"/>
+                <a:cs typeface="Times New Roman" pitchFamily="18" charset="0"/>
+              </a:rPr>
+              <a:t> </a:t>
+            </a:r>
+            <a:r>
+              <a:rPr lang="en-US" dirty="0" smtClean="0">
+                <a:latin typeface="Times New Roman" pitchFamily="18" charset="0"/>
+                <a:cs typeface="Times New Roman" pitchFamily="18" charset="0"/>
+              </a:rPr>
+              <a:t>– returns a value to the  function’s caller.</a:t>
+            </a:r>
+          </a:p>
+          <a:p>
+            <a:pPr eaLnBrk="1" hangingPunct="1">
+              <a:lnSpc>
+                <a:spcPct val="90000"/>
+              </a:lnSpc>
+              <a:defRPr/>
+            </a:pPr>
+            <a:r>
+              <a:rPr lang="en-US" dirty="0" smtClean="0">
+                <a:latin typeface="Times New Roman" pitchFamily="18" charset="0"/>
+                <a:cs typeface="Times New Roman" pitchFamily="18" charset="0"/>
+              </a:rPr>
+              <a:t>The type of the returned value – any Python type.</a:t>
+            </a:r>
+          </a:p>
+          <a:p>
+            <a:pPr eaLnBrk="1" hangingPunct="1">
+              <a:lnSpc>
+                <a:spcPct val="90000"/>
+              </a:lnSpc>
+              <a:defRPr/>
+            </a:pPr>
+            <a:r>
+              <a:rPr lang="en-US" dirty="0" smtClean="0">
+                <a:latin typeface="Times New Roman" pitchFamily="18" charset="0"/>
+                <a:cs typeface="Times New Roman" pitchFamily="18" charset="0"/>
+              </a:rPr>
+              <a:t>If no value is returned, the function returns </a:t>
+            </a:r>
+            <a:r>
+              <a:rPr lang="en-US" i="1" dirty="0" smtClean="0">
+                <a:latin typeface="Times New Roman" pitchFamily="18" charset="0"/>
+                <a:cs typeface="Times New Roman" pitchFamily="18" charset="0"/>
+              </a:rPr>
+              <a:t>None</a:t>
+            </a:r>
+            <a:r>
+              <a:rPr lang="en-US" dirty="0" smtClean="0">
+                <a:latin typeface="Times New Roman" pitchFamily="18" charset="0"/>
+                <a:cs typeface="Times New Roman" pitchFamily="18" charset="0"/>
+              </a:rPr>
+              <a:t> (represent the absence of a value).</a:t>
+            </a:r>
+          </a:p>
+        </p:txBody>
+      </p:sp>
+    </p:spTree>
+  </p:cSld>
+  <p:clrMapOvr>
+    <a:masterClrMapping/>
+  </p:clrMapOvr>
+  <p:timing>
+    <p:tnLst>
+      <p:par>
+        <p:cTn id="1" dur="indefinite" restart="never" nodeType="tmRoot"/>
+      </p:par>
+    </p:tnLst>
+  </p:timing>
+</p:sld>
+</file>
+
+<file path=ppt/slides/slide37.xml><?xml version="1.0" encoding="utf-8"?>
+<p:sld xmlns:a="http://schemas.openxmlformats.org/drawingml/2006/main" xmlns:r="http://schemas.openxmlformats.org/officeDocument/2006/relationships" xmlns:p="http://schemas.openxmlformats.org/presentationml/2006/main">
+  <p:cSld>
+    <p:spTree>
+      <p:nvGrpSpPr>
+        <p:cNvPr id="1" name=""/>
+        <p:cNvGrpSpPr/>
+        <p:nvPr/>
+      </p:nvGrpSpPr>
+      <p:grpSpPr>
+        <a:xfrm>
+          <a:off x="0" y="0"/>
+          <a:ext cx="0" cy="0"/>
+          <a:chOff x="0" y="0"/>
+          <a:chExt cx="0" cy="0"/>
+        </a:xfrm>
+      </p:grpSpPr>
+      <p:sp>
+        <p:nvSpPr>
+          <p:cNvPr id="41986" name="Slide Number Placeholder 5"/>
+          <p:cNvSpPr>
+            <a:spLocks noGrp="1"/>
+          </p:cNvSpPr>
+          <p:nvPr>
+            <p:ph type="sldNum" sz="quarter" idx="12"/>
+          </p:nvPr>
+        </p:nvSpPr>
+        <p:spPr>
+          <a:noFill/>
+          <a:ln/>
+          <a:extLst>
+            <a:ext uri="{909E8E84-426E-40DD-AFC4-6F175D3DCCD1}">
+              <a14:hiddenFill xmlns:a14="http://schemas.microsoft.com/office/drawing/2010/main">
+                <a:solidFill>
+                  <a:srgbClr val="FFFFFF"/>
+                </a:solidFill>
+              </a14:hiddenFill>
+            </a:ext>
+            <a:ext uri="{91240B29-F687-4F45-9708-019B960494DF}">
+              <a14:hiddenLine xmlns:a14="http://schemas.microsoft.com/office/drawing/2010/main" w="9525">
+                <a:solidFill>
+                  <a:srgbClr val="000000"/>
+                </a:solidFill>
+                <a:miter lim="800000"/>
+                <a:headEnd/>
+                <a:tailEnd/>
+              </a14:hiddenLine>
+            </a:ext>
+          </a:extLst>
+        </p:spPr>
+        <p:txBody>
+          <a:bodyPr/>
+          <a:lstStyle>
+            <a:lvl1pPr eaLnBrk="0" hangingPunct="0">
+              <a:defRPr>
+                <a:solidFill>
+                  <a:schemeClr val="tx1"/>
+                </a:solidFill>
+                <a:latin typeface="Arial" pitchFamily="34" charset="0"/>
+              </a:defRPr>
+            </a:lvl1pPr>
+            <a:lvl2pPr marL="742950" indent="-285750" eaLnBrk="0" hangingPunct="0">
+              <a:defRPr>
+                <a:solidFill>
+                  <a:schemeClr val="tx1"/>
+                </a:solidFill>
+                <a:latin typeface="Arial" pitchFamily="34" charset="0"/>
+              </a:defRPr>
+            </a:lvl2pPr>
+            <a:lvl3pPr marL="1143000" indent="-228600" eaLnBrk="0" hangingPunct="0">
+              <a:defRPr>
+                <a:solidFill>
+                  <a:schemeClr val="tx1"/>
+                </a:solidFill>
+                <a:latin typeface="Arial" pitchFamily="34" charset="0"/>
+              </a:defRPr>
+            </a:lvl3pPr>
+            <a:lvl4pPr marL="1600200" indent="-228600" eaLnBrk="0" hangingPunct="0">
+              <a:defRPr>
+                <a:solidFill>
+                  <a:schemeClr val="tx1"/>
+                </a:solidFill>
+                <a:latin typeface="Arial" pitchFamily="34" charset="0"/>
+              </a:defRPr>
+            </a:lvl4pPr>
+            <a:lvl5pPr marL="2057400" indent="-228600" eaLnBrk="0" hangingPunct="0">
+              <a:defRPr>
+                <a:solidFill>
+                  <a:schemeClr val="tx1"/>
+                </a:solidFill>
+                <a:latin typeface="Arial" pitchFamily="34" charset="0"/>
+              </a:defRPr>
+            </a:lvl5pPr>
+            <a:lvl6pPr marL="2514600" indent="-228600" algn="l" rtl="0" eaLnBrk="0" fontAlgn="base" hangingPunct="0">
+              <a:spcBef>
+                <a:spcPct val="50000"/>
+              </a:spcBef>
+              <a:spcAft>
+                <a:spcPct val="0"/>
+              </a:spcAft>
+              <a:defRPr>
+                <a:solidFill>
+                  <a:schemeClr val="tx1"/>
+                </a:solidFill>
+                <a:latin typeface="Arial" pitchFamily="34" charset="0"/>
+              </a:defRPr>
+            </a:lvl6pPr>
+            <a:lvl7pPr marL="2971800" indent="-228600" algn="l" rtl="0" eaLnBrk="0" fontAlgn="base" hangingPunct="0">
+              <a:spcBef>
+                <a:spcPct val="50000"/>
+              </a:spcBef>
+              <a:spcAft>
+                <a:spcPct val="0"/>
+              </a:spcAft>
+              <a:defRPr>
+                <a:solidFill>
+                  <a:schemeClr val="tx1"/>
+                </a:solidFill>
+                <a:latin typeface="Arial" pitchFamily="34" charset="0"/>
+              </a:defRPr>
+            </a:lvl7pPr>
+            <a:lvl8pPr marL="3429000" indent="-228600" algn="l" rtl="0" eaLnBrk="0" fontAlgn="base" hangingPunct="0">
+              <a:spcBef>
+                <a:spcPct val="50000"/>
+              </a:spcBef>
+              <a:spcAft>
+                <a:spcPct val="0"/>
+              </a:spcAft>
+              <a:defRPr>
+                <a:solidFill>
+                  <a:schemeClr val="tx1"/>
+                </a:solidFill>
+                <a:latin typeface="Arial" pitchFamily="34" charset="0"/>
+              </a:defRPr>
+            </a:lvl8pPr>
+            <a:lvl9pPr marL="3886200" indent="-228600" algn="l" rtl="0" eaLnBrk="0" fontAlgn="base" hangingPunct="0">
+              <a:spcBef>
+                <a:spcPct val="50000"/>
+              </a:spcBef>
+              <a:spcAft>
+                <a:spcPct val="0"/>
+              </a:spcAft>
+              <a:defRPr>
+                <a:solidFill>
+                  <a:schemeClr val="tx1"/>
+                </a:solidFill>
+                <a:latin typeface="Arial" pitchFamily="34" charset="0"/>
+              </a:defRPr>
+            </a:lvl9pPr>
+          </a:lstStyle>
+          <a:p>
+            <a:pPr eaLnBrk="1" hangingPunct="1"/>
+            <a:fld id="{1876DE79-3679-4297-8A98-FB7FBEB1D7E7}" type="slidenum">
+              <a:rPr lang="ar-SA" smtClean="0">
+                <a:cs typeface="Arial" pitchFamily="34" charset="0"/>
+              </a:rPr>
+              <a:pPr eaLnBrk="1" hangingPunct="1"/>
+              <a:t>37</a:t>
+            </a:fld>
+            <a:endParaRPr lang="en-US" smtClean="0">
+              <a:cs typeface="Arial" pitchFamily="34" charset="0"/>
+            </a:endParaRPr>
+          </a:p>
+        </p:txBody>
+      </p:sp>
+      <p:sp>
+        <p:nvSpPr>
+          <p:cNvPr id="41987" name="Rectangle 2"/>
+          <p:cNvSpPr>
+            <a:spLocks noChangeArrowheads="1"/>
+          </p:cNvSpPr>
+          <p:nvPr/>
+        </p:nvSpPr>
+        <p:spPr bwMode="auto">
+          <a:xfrm>
+            <a:off x="457200" y="274638"/>
+            <a:ext cx="8229600" cy="1143000"/>
+          </a:xfrm>
+          <a:prstGeom prst="rect">
+            <a:avLst/>
+          </a:prstGeom>
+          <a:noFill/>
+          <a:ln>
+            <a:noFill/>
+          </a:ln>
+          <a:extLst>
+            <a:ext uri="{909E8E84-426E-40DD-AFC4-6F175D3DCCD1}">
+              <a14:hiddenFill xmlns:a14="http://schemas.microsoft.com/office/drawing/2010/main">
+                <a:solidFill>
+                  <a:srgbClr val="FFFFFF"/>
+                </a:solidFill>
+              </a14:hiddenFill>
+            </a:ext>
+            <a:ext uri="{91240B29-F687-4F45-9708-019B960494DF}">
+              <a14:hiddenLine xmlns:a14="http://schemas.microsoft.com/office/drawing/2010/main" w="9525">
+                <a:solidFill>
+                  <a:srgbClr val="000000"/>
+                </a:solidFill>
+                <a:miter lim="800000"/>
+                <a:headEnd/>
+                <a:tailEnd/>
+              </a14:hiddenLine>
+            </a:ext>
+          </a:extLst>
+        </p:spPr>
+        <p:txBody>
+          <a:bodyPr anchor="ctr"/>
+          <a:lstStyle/>
+          <a:p>
+            <a:pPr algn="ctr">
+              <a:spcBef>
+                <a:spcPct val="0"/>
+              </a:spcBef>
+            </a:pPr>
+            <a:r>
+              <a:rPr lang="en-US" sz="4400">
+                <a:solidFill>
+                  <a:srgbClr val="CC0000"/>
+                </a:solidFill>
+                <a:latin typeface="Times New Roman" pitchFamily="18" charset="0"/>
+                <a:cs typeface="Times New Roman" pitchFamily="18" charset="0"/>
+              </a:rPr>
+              <a:t>Today</a:t>
+            </a:r>
+          </a:p>
+        </p:txBody>
+      </p:sp>
+      <p:sp>
+        <p:nvSpPr>
+          <p:cNvPr id="41988" name="Rectangle 3"/>
+          <p:cNvSpPr>
+            <a:spLocks noChangeArrowheads="1"/>
+          </p:cNvSpPr>
+          <p:nvPr/>
+        </p:nvSpPr>
+        <p:spPr bwMode="auto">
+          <a:xfrm>
+            <a:off x="609600" y="1295400"/>
+            <a:ext cx="8153400" cy="5029200"/>
+          </a:xfrm>
+          <a:prstGeom prst="rect">
+            <a:avLst/>
+          </a:prstGeom>
+          <a:noFill/>
+          <a:ln>
+            <a:noFill/>
+          </a:ln>
+          <a:extLst>
+            <a:ext uri="{909E8E84-426E-40DD-AFC4-6F175D3DCCD1}">
+              <a14:hiddenFill xmlns:a14="http://schemas.microsoft.com/office/drawing/2010/main">
+                <a:solidFill>
+                  <a:srgbClr val="FFFFFF"/>
+                </a:solidFill>
+              </a14:hiddenFill>
+            </a:ext>
+            <a:ext uri="{91240B29-F687-4F45-9708-019B960494DF}">
+              <a14:hiddenLine xmlns:a14="http://schemas.microsoft.com/office/drawing/2010/main" w="9525">
+                <a:solidFill>
+                  <a:srgbClr val="000000"/>
+                </a:solidFill>
+                <a:miter lim="800000"/>
+                <a:headEnd/>
+                <a:tailEnd/>
+              </a14:hiddenLine>
+            </a:ext>
+          </a:extLst>
+        </p:spPr>
+        <p:txBody>
+          <a:bodyPr/>
+          <a:lstStyle/>
+          <a:p>
+            <a:pPr>
+              <a:lnSpc>
+                <a:spcPct val="80000"/>
+              </a:lnSpc>
+              <a:spcBef>
+                <a:spcPct val="20000"/>
+              </a:spcBef>
+              <a:buFontTx/>
+              <a:buChar char="•"/>
+            </a:pPr>
+            <a:r>
+              <a:rPr lang="en-US" sz="3200" b="1" dirty="0" smtClean="0">
+                <a:solidFill>
+                  <a:srgbClr val="003399"/>
+                </a:solidFill>
+                <a:latin typeface="Times New Roman" pitchFamily="18" charset="0"/>
+                <a:cs typeface="Times New Roman" pitchFamily="18" charset="0"/>
+              </a:rPr>
+              <a:t> Review</a:t>
+            </a:r>
+          </a:p>
+          <a:p>
+            <a:pPr>
+              <a:lnSpc>
+                <a:spcPct val="80000"/>
+              </a:lnSpc>
+              <a:spcBef>
+                <a:spcPct val="20000"/>
+              </a:spcBef>
+              <a:buFontTx/>
+              <a:buChar char="•"/>
+            </a:pPr>
+            <a:r>
+              <a:rPr lang="en-US" sz="3200" b="1" dirty="0" smtClean="0">
+                <a:solidFill>
+                  <a:srgbClr val="003399"/>
+                </a:solidFill>
+                <a:latin typeface="Times New Roman" pitchFamily="18" charset="0"/>
+                <a:cs typeface="Times New Roman" pitchFamily="18" charset="0"/>
+              </a:rPr>
+              <a:t> Lists</a:t>
+            </a:r>
+          </a:p>
+          <a:p>
+            <a:pPr>
+              <a:lnSpc>
+                <a:spcPct val="80000"/>
+              </a:lnSpc>
+              <a:spcBef>
+                <a:spcPct val="20000"/>
+              </a:spcBef>
+              <a:buFontTx/>
+              <a:buChar char="•"/>
+            </a:pPr>
+            <a:r>
+              <a:rPr lang="en-US" sz="3200" b="1" dirty="0" smtClean="0">
+                <a:solidFill>
+                  <a:srgbClr val="003399"/>
+                </a:solidFill>
+                <a:latin typeface="Times New Roman" pitchFamily="18" charset="0"/>
+                <a:cs typeface="Times New Roman" pitchFamily="18" charset="0"/>
+              </a:rPr>
+              <a:t> Loops</a:t>
+            </a:r>
+          </a:p>
+          <a:p>
+            <a:pPr>
+              <a:lnSpc>
+                <a:spcPct val="80000"/>
+              </a:lnSpc>
+              <a:spcBef>
+                <a:spcPct val="20000"/>
+              </a:spcBef>
+              <a:buFontTx/>
+              <a:buChar char="•"/>
+            </a:pPr>
+            <a:r>
+              <a:rPr lang="en-US" sz="3200" b="1" dirty="0" smtClean="0">
+                <a:solidFill>
+                  <a:srgbClr val="003399"/>
+                </a:solidFill>
+                <a:latin typeface="Times New Roman" pitchFamily="18" charset="0"/>
+                <a:cs typeface="Times New Roman" pitchFamily="18" charset="0"/>
+              </a:rPr>
+              <a:t> Functions</a:t>
+            </a:r>
+            <a:endParaRPr lang="en-US" sz="3200" b="1" dirty="0" smtClean="0">
+              <a:solidFill>
+                <a:srgbClr val="003399"/>
+              </a:solidFill>
+              <a:latin typeface="Times New Roman" pitchFamily="18" charset="0"/>
+              <a:cs typeface="Times New Roman" pitchFamily="18" charset="0"/>
+            </a:endParaRPr>
+          </a:p>
+          <a:p>
+            <a:pPr>
+              <a:lnSpc>
+                <a:spcPct val="80000"/>
+              </a:lnSpc>
+              <a:spcBef>
+                <a:spcPct val="20000"/>
+              </a:spcBef>
+              <a:buFontTx/>
+              <a:buChar char="•"/>
+            </a:pPr>
+            <a:r>
+              <a:rPr lang="en-US" sz="3200" dirty="0" smtClean="0">
+                <a:solidFill>
+                  <a:srgbClr val="003399"/>
+                </a:solidFill>
+                <a:latin typeface="Times New Roman" pitchFamily="18" charset="0"/>
+                <a:cs typeface="Times New Roman" pitchFamily="18" charset="0"/>
+              </a:rPr>
+              <a:t> Homework</a:t>
+            </a:r>
+          </a:p>
+          <a:p>
+            <a:pPr>
+              <a:lnSpc>
+                <a:spcPct val="80000"/>
+              </a:lnSpc>
+              <a:spcBef>
+                <a:spcPct val="20000"/>
+              </a:spcBef>
+              <a:buFontTx/>
+              <a:buChar char="•"/>
+            </a:pPr>
+            <a:r>
+              <a:rPr lang="en-US" sz="3200" dirty="0" smtClean="0">
+                <a:solidFill>
+                  <a:srgbClr val="003399"/>
+                </a:solidFill>
+                <a:latin typeface="Times New Roman" pitchFamily="18" charset="0"/>
+                <a:cs typeface="Times New Roman" pitchFamily="18" charset="0"/>
+              </a:rPr>
+              <a:t> Ehud </a:t>
+            </a:r>
+            <a:r>
+              <a:rPr lang="en-US" sz="3200" dirty="0" err="1">
+                <a:solidFill>
+                  <a:srgbClr val="003399"/>
+                </a:solidFill>
+                <a:latin typeface="Times New Roman" pitchFamily="18" charset="0"/>
+                <a:cs typeface="Times New Roman" pitchFamily="18" charset="0"/>
+              </a:rPr>
+              <a:t>Lamm</a:t>
+            </a:r>
+            <a:endParaRPr lang="en-US" sz="3200" dirty="0">
+              <a:solidFill>
+                <a:srgbClr val="003399"/>
+              </a:solidFill>
+              <a:latin typeface="Times New Roman" pitchFamily="18" charset="0"/>
+              <a:cs typeface="Times New Roman" pitchFamily="18" charset="0"/>
+            </a:endParaRPr>
+          </a:p>
+        </p:txBody>
+      </p:sp>
+    </p:spTree>
+  </p:cSld>
+  <p:clrMapOvr>
+    <a:masterClrMapping/>
+  </p:clrMapOvr>
+  <p:timing>
+    <p:tnLst>
+      <p:par>
+        <p:cTn id="1" dur="indefinite" restart="never" nodeType="tmRoot"/>
+      </p:par>
+    </p:tnLst>
+  </p:timing>
+</p:sld>
+</file>
+
+<file path=ppt/slides/slide38.xml><?xml version="1.0" encoding="utf-8"?>
+<p:sld xmlns:a="http://schemas.openxmlformats.org/drawingml/2006/main" xmlns:r="http://schemas.openxmlformats.org/officeDocument/2006/relationships" xmlns:p="http://schemas.openxmlformats.org/presentationml/2006/main">
+  <p:cSld>
+    <p:spTree>
+      <p:nvGrpSpPr>
+        <p:cNvPr id="1" name=""/>
+        <p:cNvGrpSpPr/>
+        <p:nvPr/>
+      </p:nvGrpSpPr>
+      <p:grpSpPr>
+        <a:xfrm>
+          <a:off x="0" y="0"/>
+          <a:ext cx="0" cy="0"/>
+          <a:chOff x="0" y="0"/>
+          <a:chExt cx="0" cy="0"/>
+        </a:xfrm>
+      </p:grpSpPr>
+      <p:sp>
+        <p:nvSpPr>
+          <p:cNvPr id="43010" name="Slide Number Placeholder 5"/>
+          <p:cNvSpPr>
+            <a:spLocks noGrp="1"/>
+          </p:cNvSpPr>
+          <p:nvPr>
+            <p:ph type="sldNum" sz="quarter" idx="12"/>
+          </p:nvPr>
+        </p:nvSpPr>
+        <p:spPr>
+          <a:noFill/>
+          <a:ln/>
+          <a:extLst>
+            <a:ext uri="{909E8E84-426E-40DD-AFC4-6F175D3DCCD1}">
+              <a14:hiddenFill xmlns:a14="http://schemas.microsoft.com/office/drawing/2010/main">
+                <a:solidFill>
+                  <a:srgbClr val="FFFFFF"/>
+                </a:solidFill>
+              </a14:hiddenFill>
+            </a:ext>
+            <a:ext uri="{91240B29-F687-4F45-9708-019B960494DF}">
+              <a14:hiddenLine xmlns:a14="http://schemas.microsoft.com/office/drawing/2010/main" w="9525">
+                <a:solidFill>
+                  <a:srgbClr val="000000"/>
+                </a:solidFill>
+                <a:miter lim="800000"/>
+                <a:headEnd/>
+                <a:tailEnd/>
+              </a14:hiddenLine>
+            </a:ext>
+          </a:extLst>
+        </p:spPr>
+        <p:txBody>
+          <a:bodyPr/>
+          <a:lstStyle>
+            <a:lvl1pPr eaLnBrk="0" hangingPunct="0">
+              <a:defRPr>
+                <a:solidFill>
+                  <a:schemeClr val="tx1"/>
+                </a:solidFill>
+                <a:latin typeface="Arial" pitchFamily="34" charset="0"/>
+              </a:defRPr>
+            </a:lvl1pPr>
+            <a:lvl2pPr marL="742950" indent="-285750" eaLnBrk="0" hangingPunct="0">
+              <a:defRPr>
+                <a:solidFill>
+                  <a:schemeClr val="tx1"/>
+                </a:solidFill>
+                <a:latin typeface="Arial" pitchFamily="34" charset="0"/>
+              </a:defRPr>
+            </a:lvl2pPr>
+            <a:lvl3pPr marL="1143000" indent="-228600" eaLnBrk="0" hangingPunct="0">
+              <a:defRPr>
+                <a:solidFill>
+                  <a:schemeClr val="tx1"/>
+                </a:solidFill>
+                <a:latin typeface="Arial" pitchFamily="34" charset="0"/>
+              </a:defRPr>
+            </a:lvl3pPr>
+            <a:lvl4pPr marL="1600200" indent="-228600" eaLnBrk="0" hangingPunct="0">
+              <a:defRPr>
+                <a:solidFill>
+                  <a:schemeClr val="tx1"/>
+                </a:solidFill>
+                <a:latin typeface="Arial" pitchFamily="34" charset="0"/>
+              </a:defRPr>
+            </a:lvl4pPr>
+            <a:lvl5pPr marL="2057400" indent="-228600" eaLnBrk="0" hangingPunct="0">
+              <a:defRPr>
+                <a:solidFill>
+                  <a:schemeClr val="tx1"/>
+                </a:solidFill>
+                <a:latin typeface="Arial" pitchFamily="34" charset="0"/>
+              </a:defRPr>
+            </a:lvl5pPr>
+            <a:lvl6pPr marL="2514600" indent="-228600" algn="l" rtl="0" eaLnBrk="0" fontAlgn="base" hangingPunct="0">
+              <a:spcBef>
+                <a:spcPct val="50000"/>
+              </a:spcBef>
+              <a:spcAft>
+                <a:spcPct val="0"/>
+              </a:spcAft>
+              <a:defRPr>
+                <a:solidFill>
+                  <a:schemeClr val="tx1"/>
+                </a:solidFill>
+                <a:latin typeface="Arial" pitchFamily="34" charset="0"/>
+              </a:defRPr>
+            </a:lvl6pPr>
+            <a:lvl7pPr marL="2971800" indent="-228600" algn="l" rtl="0" eaLnBrk="0" fontAlgn="base" hangingPunct="0">
+              <a:spcBef>
+                <a:spcPct val="50000"/>
+              </a:spcBef>
+              <a:spcAft>
+                <a:spcPct val="0"/>
+              </a:spcAft>
+              <a:defRPr>
+                <a:solidFill>
+                  <a:schemeClr val="tx1"/>
+                </a:solidFill>
+                <a:latin typeface="Arial" pitchFamily="34" charset="0"/>
+              </a:defRPr>
+            </a:lvl7pPr>
+            <a:lvl8pPr marL="3429000" indent="-228600" algn="l" rtl="0" eaLnBrk="0" fontAlgn="base" hangingPunct="0">
+              <a:spcBef>
+                <a:spcPct val="50000"/>
+              </a:spcBef>
+              <a:spcAft>
+                <a:spcPct val="0"/>
+              </a:spcAft>
+              <a:defRPr>
+                <a:solidFill>
+                  <a:schemeClr val="tx1"/>
+                </a:solidFill>
+                <a:latin typeface="Arial" pitchFamily="34" charset="0"/>
+              </a:defRPr>
+            </a:lvl8pPr>
+            <a:lvl9pPr marL="3886200" indent="-228600" algn="l" rtl="0" eaLnBrk="0" fontAlgn="base" hangingPunct="0">
+              <a:spcBef>
+                <a:spcPct val="50000"/>
+              </a:spcBef>
+              <a:spcAft>
+                <a:spcPct val="0"/>
+              </a:spcAft>
+              <a:defRPr>
+                <a:solidFill>
+                  <a:schemeClr val="tx1"/>
+                </a:solidFill>
+                <a:latin typeface="Arial" pitchFamily="34" charset="0"/>
+              </a:defRPr>
+            </a:lvl9pPr>
+          </a:lstStyle>
+          <a:p>
+            <a:pPr eaLnBrk="1" hangingPunct="1"/>
+            <a:fld id="{5CC0FD26-18C8-4515-9F58-C4A3F0DEE224}" type="slidenum">
+              <a:rPr lang="he-IL" smtClean="0">
+                <a:cs typeface="Arial" pitchFamily="34" charset="0"/>
+              </a:rPr>
+              <a:pPr eaLnBrk="1" hangingPunct="1"/>
+              <a:t>38</a:t>
+            </a:fld>
+            <a:endParaRPr lang="en-US" smtClean="0">
+              <a:cs typeface="Arial" pitchFamily="34" charset="0"/>
+            </a:endParaRPr>
+          </a:p>
+        </p:txBody>
+      </p:sp>
+      <p:sp>
+        <p:nvSpPr>
+          <p:cNvPr id="43011" name="Rectangle 2"/>
+          <p:cNvSpPr>
+            <a:spLocks noGrp="1" noChangeArrowheads="1"/>
+          </p:cNvSpPr>
+          <p:nvPr>
+            <p:ph type="title"/>
+          </p:nvPr>
+        </p:nvSpPr>
+        <p:spPr/>
+        <p:txBody>
+          <a:bodyPr/>
+          <a:lstStyle/>
+          <a:p>
+            <a:pPr eaLnBrk="1" hangingPunct="1"/>
+            <a:r>
+              <a:rPr lang="en-US" smtClean="0">
+                <a:latin typeface="Times New Roman" pitchFamily="18" charset="0"/>
+                <a:cs typeface="Times New Roman" pitchFamily="18" charset="0"/>
+              </a:rPr>
+              <a:t>Exercise – Integer Division</a:t>
+            </a:r>
+          </a:p>
+        </p:txBody>
+      </p:sp>
+      <p:sp>
+        <p:nvSpPr>
+          <p:cNvPr id="43012" name="Rectangle 3"/>
+          <p:cNvSpPr>
+            <a:spLocks noGrp="1" noChangeArrowheads="1"/>
+          </p:cNvSpPr>
+          <p:nvPr>
+            <p:ph type="body" idx="1"/>
+          </p:nvPr>
+        </p:nvSpPr>
+        <p:spPr/>
+        <p:txBody>
+          <a:bodyPr/>
+          <a:lstStyle/>
+          <a:p>
+            <a:pPr eaLnBrk="1" hangingPunct="1"/>
+            <a:r>
+              <a:rPr lang="en-US" dirty="0" smtClean="0">
+                <a:latin typeface="Times New Roman" pitchFamily="18" charset="0"/>
+                <a:cs typeface="Times New Roman" pitchFamily="18" charset="0"/>
+              </a:rPr>
+              <a:t>Input:</a:t>
+            </a:r>
+          </a:p>
+          <a:p>
+            <a:pPr lvl="1" eaLnBrk="1" hangingPunct="1"/>
+            <a:r>
+              <a:rPr lang="en-US" dirty="0" smtClean="0">
+                <a:latin typeface="Times New Roman" pitchFamily="18" charset="0"/>
+                <a:cs typeface="Times New Roman" pitchFamily="18" charset="0"/>
+              </a:rPr>
+              <a:t>Two positive integers – A and B</a:t>
+            </a:r>
+          </a:p>
+          <a:p>
+            <a:pPr eaLnBrk="1" hangingPunct="1"/>
+            <a:r>
+              <a:rPr lang="en-US" dirty="0" smtClean="0">
+                <a:latin typeface="Times New Roman" pitchFamily="18" charset="0"/>
+                <a:cs typeface="Times New Roman" pitchFamily="18" charset="0"/>
+              </a:rPr>
+              <a:t>Output:</a:t>
+            </a:r>
+          </a:p>
+          <a:p>
+            <a:pPr lvl="1" eaLnBrk="1" hangingPunct="1"/>
+            <a:r>
+              <a:rPr lang="en-US" dirty="0" smtClean="0">
+                <a:latin typeface="Times New Roman" pitchFamily="18" charset="0"/>
+                <a:cs typeface="Times New Roman" pitchFamily="18" charset="0"/>
+              </a:rPr>
+              <a:t>How many times A contains B (the result of the integer division </a:t>
+            </a:r>
+            <a:r>
+              <a:rPr lang="en-US" dirty="0" smtClean="0">
+                <a:latin typeface="Times New Roman" pitchFamily="18" charset="0"/>
+                <a:cs typeface="Times New Roman" pitchFamily="18" charset="0"/>
+              </a:rPr>
+              <a:t>A//</a:t>
+            </a:r>
+            <a:r>
+              <a:rPr lang="en-US" dirty="0" smtClean="0">
+                <a:latin typeface="Times New Roman" pitchFamily="18" charset="0"/>
+                <a:cs typeface="Times New Roman" pitchFamily="18" charset="0"/>
+              </a:rPr>
+              <a:t>B)</a:t>
+            </a:r>
+          </a:p>
+          <a:p>
+            <a:pPr eaLnBrk="1" hangingPunct="1"/>
+            <a:r>
+              <a:rPr lang="en-US" dirty="0" smtClean="0">
+                <a:latin typeface="Times New Roman" pitchFamily="18" charset="0"/>
+                <a:cs typeface="Times New Roman" pitchFamily="18" charset="0"/>
+              </a:rPr>
+              <a:t>Do not use the operators </a:t>
+            </a:r>
+            <a:r>
+              <a:rPr lang="en-US" dirty="0" smtClean="0">
+                <a:latin typeface="Times New Roman" pitchFamily="18" charset="0"/>
+                <a:cs typeface="Times New Roman" pitchFamily="18" charset="0"/>
+              </a:rPr>
+              <a:t>‘/’, ‘//’, </a:t>
+            </a:r>
+            <a:r>
+              <a:rPr lang="en-US" dirty="0" smtClean="0">
+                <a:latin typeface="Times New Roman" pitchFamily="18" charset="0"/>
+                <a:cs typeface="Times New Roman" pitchFamily="18" charset="0"/>
+              </a:rPr>
+              <a:t>‘*’</a:t>
+            </a:r>
+          </a:p>
+          <a:p>
+            <a:pPr lvl="1" eaLnBrk="1" hangingPunct="1"/>
+            <a:endParaRPr lang="en-US" dirty="0" smtClean="0">
+              <a:latin typeface="Times New Roman" pitchFamily="18" charset="0"/>
+              <a:cs typeface="Times New Roman" pitchFamily="18" charset="0"/>
+            </a:endParaRPr>
+          </a:p>
+        </p:txBody>
+      </p:sp>
+    </p:spTree>
+  </p:cSld>
+  <p:clrMapOvr>
+    <a:masterClrMapping/>
+  </p:clrMapOvr>
+  <p:timing>
+    <p:tnLst>
+      <p:par>
+        <p:cTn id="1" dur="indefinite" restart="never" nodeType="tmRoot"/>
+      </p:par>
+    </p:tnLst>
+  </p:timing>
+</p:sld>
+</file>
+
+<file path=ppt/slides/slide39.xml><?xml version="1.0" encoding="utf-8"?>
+<p:sld xmlns:a="http://schemas.openxmlformats.org/drawingml/2006/main" xmlns:r="http://schemas.openxmlformats.org/officeDocument/2006/relationships" xmlns:p="http://schemas.openxmlformats.org/presentationml/2006/main">
+  <p:cSld>
+    <p:spTree>
+      <p:nvGrpSpPr>
+        <p:cNvPr id="1" name=""/>
+        <p:cNvGrpSpPr/>
+        <p:nvPr/>
+      </p:nvGrpSpPr>
+      <p:grpSpPr>
+        <a:xfrm>
+          <a:off x="0" y="0"/>
+          <a:ext cx="0" cy="0"/>
+          <a:chOff x="0" y="0"/>
+          <a:chExt cx="0" cy="0"/>
+        </a:xfrm>
+      </p:grpSpPr>
+      <p:sp>
+        <p:nvSpPr>
+          <p:cNvPr id="44034" name="Slide Number Placeholder 5"/>
+          <p:cNvSpPr>
+            <a:spLocks noGrp="1"/>
+          </p:cNvSpPr>
+          <p:nvPr>
+            <p:ph type="sldNum" sz="quarter" idx="12"/>
+          </p:nvPr>
+        </p:nvSpPr>
+        <p:spPr>
+          <a:noFill/>
+          <a:ln/>
+          <a:extLst>
+            <a:ext uri="{909E8E84-426E-40DD-AFC4-6F175D3DCCD1}">
+              <a14:hiddenFill xmlns:a14="http://schemas.microsoft.com/office/drawing/2010/main">
+                <a:solidFill>
+                  <a:srgbClr val="FFFFFF"/>
+                </a:solidFill>
+              </a14:hiddenFill>
+            </a:ext>
+            <a:ext uri="{91240B29-F687-4F45-9708-019B960494DF}">
+              <a14:hiddenLine xmlns:a14="http://schemas.microsoft.com/office/drawing/2010/main" w="9525">
+                <a:solidFill>
+                  <a:srgbClr val="000000"/>
+                </a:solidFill>
+                <a:miter lim="800000"/>
+                <a:headEnd/>
+                <a:tailEnd/>
+              </a14:hiddenLine>
+            </a:ext>
+          </a:extLst>
+        </p:spPr>
+        <p:txBody>
+          <a:bodyPr/>
+          <a:lstStyle>
+            <a:lvl1pPr eaLnBrk="0" hangingPunct="0">
+              <a:defRPr>
+                <a:solidFill>
+                  <a:schemeClr val="tx1"/>
+                </a:solidFill>
+                <a:latin typeface="Arial" pitchFamily="34" charset="0"/>
+              </a:defRPr>
+            </a:lvl1pPr>
+            <a:lvl2pPr marL="742950" indent="-285750" eaLnBrk="0" hangingPunct="0">
+              <a:defRPr>
+                <a:solidFill>
+                  <a:schemeClr val="tx1"/>
+                </a:solidFill>
+                <a:latin typeface="Arial" pitchFamily="34" charset="0"/>
+              </a:defRPr>
+            </a:lvl2pPr>
+            <a:lvl3pPr marL="1143000" indent="-228600" eaLnBrk="0" hangingPunct="0">
+              <a:defRPr>
+                <a:solidFill>
+                  <a:schemeClr val="tx1"/>
+                </a:solidFill>
+                <a:latin typeface="Arial" pitchFamily="34" charset="0"/>
+              </a:defRPr>
+            </a:lvl3pPr>
+            <a:lvl4pPr marL="1600200" indent="-228600" eaLnBrk="0" hangingPunct="0">
+              <a:defRPr>
+                <a:solidFill>
+                  <a:schemeClr val="tx1"/>
+                </a:solidFill>
+                <a:latin typeface="Arial" pitchFamily="34" charset="0"/>
+              </a:defRPr>
+            </a:lvl4pPr>
+            <a:lvl5pPr marL="2057400" indent="-228600" eaLnBrk="0" hangingPunct="0">
+              <a:defRPr>
+                <a:solidFill>
+                  <a:schemeClr val="tx1"/>
+                </a:solidFill>
+                <a:latin typeface="Arial" pitchFamily="34" charset="0"/>
+              </a:defRPr>
+            </a:lvl5pPr>
+            <a:lvl6pPr marL="2514600" indent="-228600" algn="l" rtl="0" eaLnBrk="0" fontAlgn="base" hangingPunct="0">
+              <a:spcBef>
+                <a:spcPct val="50000"/>
+              </a:spcBef>
+              <a:spcAft>
+                <a:spcPct val="0"/>
+              </a:spcAft>
+              <a:defRPr>
+                <a:solidFill>
+                  <a:schemeClr val="tx1"/>
+                </a:solidFill>
+                <a:latin typeface="Arial" pitchFamily="34" charset="0"/>
+              </a:defRPr>
+            </a:lvl6pPr>
+            <a:lvl7pPr marL="2971800" indent="-228600" algn="l" rtl="0" eaLnBrk="0" fontAlgn="base" hangingPunct="0">
+              <a:spcBef>
+                <a:spcPct val="50000"/>
+              </a:spcBef>
+              <a:spcAft>
+                <a:spcPct val="0"/>
+              </a:spcAft>
+              <a:defRPr>
+                <a:solidFill>
+                  <a:schemeClr val="tx1"/>
+                </a:solidFill>
+                <a:latin typeface="Arial" pitchFamily="34" charset="0"/>
+              </a:defRPr>
+            </a:lvl7pPr>
+            <a:lvl8pPr marL="3429000" indent="-228600" algn="l" rtl="0" eaLnBrk="0" fontAlgn="base" hangingPunct="0">
+              <a:spcBef>
+                <a:spcPct val="50000"/>
+              </a:spcBef>
+              <a:spcAft>
+                <a:spcPct val="0"/>
+              </a:spcAft>
+              <a:defRPr>
+                <a:solidFill>
+                  <a:schemeClr val="tx1"/>
+                </a:solidFill>
+                <a:latin typeface="Arial" pitchFamily="34" charset="0"/>
+              </a:defRPr>
+            </a:lvl8pPr>
+            <a:lvl9pPr marL="3886200" indent="-228600" algn="l" rtl="0" eaLnBrk="0" fontAlgn="base" hangingPunct="0">
+              <a:spcBef>
+                <a:spcPct val="50000"/>
+              </a:spcBef>
+              <a:spcAft>
+                <a:spcPct val="0"/>
+              </a:spcAft>
+              <a:defRPr>
+                <a:solidFill>
+                  <a:schemeClr val="tx1"/>
+                </a:solidFill>
+                <a:latin typeface="Arial" pitchFamily="34" charset="0"/>
+              </a:defRPr>
+            </a:lvl9pPr>
+          </a:lstStyle>
+          <a:p>
+            <a:pPr eaLnBrk="1" hangingPunct="1"/>
+            <a:fld id="{B31B6C7A-D4C5-4ABF-8C24-9CD6325CEEC1}" type="slidenum">
+              <a:rPr lang="he-IL" smtClean="0">
+                <a:cs typeface="Arial" pitchFamily="34" charset="0"/>
+              </a:rPr>
+              <a:pPr eaLnBrk="1" hangingPunct="1"/>
+              <a:t>39</a:t>
+            </a:fld>
+            <a:endParaRPr lang="en-US" smtClean="0">
+              <a:cs typeface="Arial" pitchFamily="34" charset="0"/>
+            </a:endParaRPr>
+          </a:p>
+        </p:txBody>
+      </p:sp>
+      <p:sp>
+        <p:nvSpPr>
+          <p:cNvPr id="44035" name="Rectangle 2"/>
+          <p:cNvSpPr>
+            <a:spLocks noGrp="1" noChangeArrowheads="1"/>
+          </p:cNvSpPr>
+          <p:nvPr>
+            <p:ph type="title"/>
+          </p:nvPr>
+        </p:nvSpPr>
+        <p:spPr/>
+        <p:txBody>
+          <a:bodyPr/>
+          <a:lstStyle/>
+          <a:p>
+            <a:pPr eaLnBrk="1" hangingPunct="1"/>
+            <a:r>
+              <a:rPr lang="en-US" smtClean="0">
+                <a:latin typeface="Times New Roman" pitchFamily="18" charset="0"/>
+                <a:cs typeface="Times New Roman" pitchFamily="18" charset="0"/>
+              </a:rPr>
+              <a:t>Exercise – Power of Two</a:t>
+            </a:r>
+          </a:p>
+        </p:txBody>
+      </p:sp>
+      <p:sp>
+        <p:nvSpPr>
+          <p:cNvPr id="44036" name="Rectangle 3"/>
+          <p:cNvSpPr>
+            <a:spLocks noGrp="1" noChangeArrowheads="1"/>
+          </p:cNvSpPr>
+          <p:nvPr>
+            <p:ph type="body" idx="1"/>
+          </p:nvPr>
+        </p:nvSpPr>
+        <p:spPr>
+          <a:xfrm>
+            <a:off x="152400" y="1600200"/>
+            <a:ext cx="8763000" cy="4525963"/>
+          </a:xfrm>
+        </p:spPr>
+        <p:txBody>
+          <a:bodyPr/>
+          <a:lstStyle/>
+          <a:p>
+            <a:pPr eaLnBrk="1" hangingPunct="1"/>
+            <a:r>
+              <a:rPr lang="en-US" dirty="0" smtClean="0">
+                <a:latin typeface="Times New Roman" pitchFamily="18" charset="0"/>
+                <a:cs typeface="Times New Roman" pitchFamily="18" charset="0"/>
+              </a:rPr>
+              <a:t>Input: positive integer A</a:t>
+            </a:r>
+          </a:p>
+          <a:p>
+            <a:pPr eaLnBrk="1" hangingPunct="1"/>
+            <a:r>
+              <a:rPr lang="en-US" dirty="0" smtClean="0">
+                <a:latin typeface="Times New Roman" pitchFamily="18" charset="0"/>
+                <a:cs typeface="Times New Roman" pitchFamily="18" charset="0"/>
+              </a:rPr>
+              <a:t>Output:</a:t>
+            </a:r>
+          </a:p>
+          <a:p>
+            <a:pPr eaLnBrk="1" hangingPunct="1">
+              <a:buFontTx/>
+              <a:buNone/>
+            </a:pPr>
+            <a:r>
+              <a:rPr lang="en-US" dirty="0" smtClean="0">
+                <a:latin typeface="Times New Roman" pitchFamily="18" charset="0"/>
+                <a:cs typeface="Times New Roman" pitchFamily="18" charset="0"/>
+              </a:rPr>
+              <a:t>	 If there is an integer n such that A == 2</a:t>
+            </a:r>
+            <a:r>
+              <a:rPr lang="en-US" baseline="30000" dirty="0" smtClean="0">
+                <a:latin typeface="Times New Roman" pitchFamily="18" charset="0"/>
+                <a:cs typeface="Times New Roman" pitchFamily="18" charset="0"/>
+              </a:rPr>
+              <a:t>n </a:t>
+            </a:r>
+            <a:r>
+              <a:rPr lang="en-US" dirty="0" smtClean="0">
+                <a:latin typeface="Times New Roman" pitchFamily="18" charset="0"/>
+                <a:cs typeface="Times New Roman" pitchFamily="18" charset="0"/>
+              </a:rPr>
+              <a:t>:</a:t>
+            </a:r>
+          </a:p>
+          <a:p>
+            <a:pPr eaLnBrk="1" hangingPunct="1">
+              <a:buFontTx/>
+              <a:buNone/>
+            </a:pPr>
+            <a:r>
+              <a:rPr lang="en-US" dirty="0" smtClean="0">
+                <a:latin typeface="Times New Roman" pitchFamily="18" charset="0"/>
+                <a:cs typeface="Times New Roman" pitchFamily="18" charset="0"/>
+              </a:rPr>
+              <a:t>		return True</a:t>
+            </a:r>
+          </a:p>
+          <a:p>
+            <a:pPr eaLnBrk="1" hangingPunct="1">
+              <a:buFontTx/>
+              <a:buNone/>
+            </a:pPr>
+            <a:r>
+              <a:rPr lang="en-US" dirty="0" smtClean="0">
+                <a:latin typeface="Times New Roman" pitchFamily="18" charset="0"/>
+                <a:cs typeface="Times New Roman" pitchFamily="18" charset="0"/>
+              </a:rPr>
+              <a:t>	Otherwise, return False.</a:t>
+            </a:r>
+          </a:p>
+        </p:txBody>
+      </p:sp>
     </p:spTree>
   </p:cSld>
   <p:clrMapOvr>
@@ -33781,8 +32471,87 @@
                 <a:latin typeface="Times New Roman" pitchFamily="18" charset="0"/>
                 <a:cs typeface="Times New Roman" pitchFamily="18" charset="0"/>
               </a:rPr>
-              <a:t> Variables &amp; types</a:t>
-            </a:r>
+              <a:t> Variables &amp; </a:t>
+            </a:r>
+            <a:r>
+              <a:rPr lang="en-US" sz="2800" dirty="0" smtClean="0">
+                <a:solidFill>
+                  <a:srgbClr val="003399"/>
+                </a:solidFill>
+                <a:latin typeface="Times New Roman" pitchFamily="18" charset="0"/>
+                <a:cs typeface="Times New Roman" pitchFamily="18" charset="0"/>
+              </a:rPr>
+              <a:t>types</a:t>
+            </a:r>
+          </a:p>
+          <a:p>
+            <a:pPr lvl="2">
+              <a:lnSpc>
+                <a:spcPct val="80000"/>
+              </a:lnSpc>
+              <a:spcBef>
+                <a:spcPct val="20000"/>
+              </a:spcBef>
+              <a:buFontTx/>
+              <a:buChar char="•"/>
+            </a:pPr>
+            <a:r>
+              <a:rPr lang="en-US" sz="2800" dirty="0" err="1" smtClean="0">
+                <a:solidFill>
+                  <a:srgbClr val="003399"/>
+                </a:solidFill>
+                <a:latin typeface="Times New Roman" pitchFamily="18" charset="0"/>
+                <a:cs typeface="Times New Roman" pitchFamily="18" charset="0"/>
+              </a:rPr>
+              <a:t>int</a:t>
+            </a:r>
+            <a:r>
+              <a:rPr lang="en-US" sz="2800" dirty="0" smtClean="0">
+                <a:solidFill>
+                  <a:srgbClr val="003399"/>
+                </a:solidFill>
+                <a:latin typeface="Times New Roman" pitchFamily="18" charset="0"/>
+                <a:cs typeface="Times New Roman" pitchFamily="18" charset="0"/>
+              </a:rPr>
+              <a:t>, float, </a:t>
+            </a:r>
+            <a:r>
+              <a:rPr lang="en-US" sz="2800" dirty="0" err="1" smtClean="0">
+                <a:solidFill>
+                  <a:srgbClr val="003399"/>
+                </a:solidFill>
+                <a:latin typeface="Times New Roman" pitchFamily="18" charset="0"/>
+                <a:cs typeface="Times New Roman" pitchFamily="18" charset="0"/>
+              </a:rPr>
+              <a:t>boolean</a:t>
+            </a:r>
+            <a:r>
+              <a:rPr lang="en-US" sz="2800" dirty="0" smtClean="0">
+                <a:solidFill>
+                  <a:srgbClr val="003399"/>
+                </a:solidFill>
+                <a:latin typeface="Times New Roman" pitchFamily="18" charset="0"/>
+                <a:cs typeface="Times New Roman" pitchFamily="18" charset="0"/>
+              </a:rPr>
+              <a:t>, </a:t>
+            </a:r>
+            <a:r>
+              <a:rPr lang="en-US" sz="2800" dirty="0" err="1" smtClean="0">
+                <a:solidFill>
+                  <a:srgbClr val="003399"/>
+                </a:solidFill>
+                <a:latin typeface="Times New Roman" pitchFamily="18" charset="0"/>
+                <a:cs typeface="Times New Roman" pitchFamily="18" charset="0"/>
+              </a:rPr>
+              <a:t>str</a:t>
+            </a:r>
+            <a:endParaRPr lang="en-US" sz="2800" dirty="0">
+              <a:solidFill>
+                <a:srgbClr val="003399"/>
+              </a:solidFill>
+              <a:latin typeface="Times New Roman" pitchFamily="18" charset="0"/>
+              <a:cs typeface="Times New Roman" pitchFamily="18" charset="0"/>
+            </a:endParaRPr>
           </a:p>
           <a:p>
             <a:pPr lvl="1">
@@ -33896,1455 +32665,6 @@
       </p:grpSpPr>
       <p:sp>
         <p:nvSpPr>
-          <p:cNvPr id="37890" name="Slide Number Placeholder 5"/>
-          <p:cNvSpPr>
-            <a:spLocks noGrp="1"/>
-          </p:cNvSpPr>
-          <p:nvPr>
-            <p:ph type="sldNum" sz="quarter" idx="12"/>
-          </p:nvPr>
-        </p:nvSpPr>
-        <p:spPr>
-          <a:noFill/>
-          <a:ln/>
-          <a:extLst>
-            <a:ext uri="{909E8E84-426E-40DD-AFC4-6F175D3DCCD1}">
-              <a14:hiddenFill xmlns:a14="http://schemas.microsoft.com/office/drawing/2010/main">
-                <a:solidFill>
-                  <a:srgbClr val="FFFFFF"/>
-                </a:solidFill>
-              </a14:hiddenFill>
-            </a:ext>
-            <a:ext uri="{91240B29-F687-4F45-9708-019B960494DF}">
-              <a14:hiddenLine xmlns:a14="http://schemas.microsoft.com/office/drawing/2010/main" w="9525">
-                <a:solidFill>
-                  <a:srgbClr val="000000"/>
-                </a:solidFill>
-                <a:miter lim="800000"/>
-                <a:headEnd/>
-                <a:tailEnd/>
-              </a14:hiddenLine>
-            </a:ext>
-          </a:extLst>
-        </p:spPr>
-        <p:txBody>
-          <a:bodyPr/>
-          <a:lstStyle>
-            <a:lvl1pPr eaLnBrk="0" hangingPunct="0">
-              <a:defRPr>
-                <a:solidFill>
-                  <a:schemeClr val="tx1"/>
-                </a:solidFill>
-                <a:latin typeface="Arial" pitchFamily="34" charset="0"/>
-              </a:defRPr>
-            </a:lvl1pPr>
-            <a:lvl2pPr marL="742950" indent="-285750" eaLnBrk="0" hangingPunct="0">
-              <a:defRPr>
-                <a:solidFill>
-                  <a:schemeClr val="tx1"/>
-                </a:solidFill>
-                <a:latin typeface="Arial" pitchFamily="34" charset="0"/>
-              </a:defRPr>
-            </a:lvl2pPr>
-            <a:lvl3pPr marL="1143000" indent="-228600" eaLnBrk="0" hangingPunct="0">
-              <a:defRPr>
-                <a:solidFill>
-                  <a:schemeClr val="tx1"/>
-                </a:solidFill>
-                <a:latin typeface="Arial" pitchFamily="34" charset="0"/>
-              </a:defRPr>
-            </a:lvl3pPr>
-            <a:lvl4pPr marL="1600200" indent="-228600" eaLnBrk="0" hangingPunct="0">
-              <a:defRPr>
-                <a:solidFill>
-                  <a:schemeClr val="tx1"/>
-                </a:solidFill>
-                <a:latin typeface="Arial" pitchFamily="34" charset="0"/>
-              </a:defRPr>
-            </a:lvl4pPr>
-            <a:lvl5pPr marL="2057400" indent="-228600" eaLnBrk="0" hangingPunct="0">
-              <a:defRPr>
-                <a:solidFill>
-                  <a:schemeClr val="tx1"/>
-                </a:solidFill>
-                <a:latin typeface="Arial" pitchFamily="34" charset="0"/>
-              </a:defRPr>
-            </a:lvl5pPr>
-            <a:lvl6pPr marL="2514600" indent="-228600" algn="l" rtl="0" eaLnBrk="0" fontAlgn="base" hangingPunct="0">
-              <a:spcBef>
-                <a:spcPct val="50000"/>
-              </a:spcBef>
-              <a:spcAft>
-                <a:spcPct val="0"/>
-              </a:spcAft>
-              <a:defRPr>
-                <a:solidFill>
-                  <a:schemeClr val="tx1"/>
-                </a:solidFill>
-                <a:latin typeface="Arial" pitchFamily="34" charset="0"/>
-              </a:defRPr>
-            </a:lvl6pPr>
-            <a:lvl7pPr marL="2971800" indent="-228600" algn="l" rtl="0" eaLnBrk="0" fontAlgn="base" hangingPunct="0">
-              <a:spcBef>
-                <a:spcPct val="50000"/>
-              </a:spcBef>
-              <a:spcAft>
-                <a:spcPct val="0"/>
-              </a:spcAft>
-              <a:defRPr>
-                <a:solidFill>
-                  <a:schemeClr val="tx1"/>
-                </a:solidFill>
-                <a:latin typeface="Arial" pitchFamily="34" charset="0"/>
-              </a:defRPr>
-            </a:lvl7pPr>
-            <a:lvl8pPr marL="3429000" indent="-228600" algn="l" rtl="0" eaLnBrk="0" fontAlgn="base" hangingPunct="0">
-              <a:spcBef>
-                <a:spcPct val="50000"/>
-              </a:spcBef>
-              <a:spcAft>
-                <a:spcPct val="0"/>
-              </a:spcAft>
-              <a:defRPr>
-                <a:solidFill>
-                  <a:schemeClr val="tx1"/>
-                </a:solidFill>
-                <a:latin typeface="Arial" pitchFamily="34" charset="0"/>
-              </a:defRPr>
-            </a:lvl8pPr>
-            <a:lvl9pPr marL="3886200" indent="-228600" algn="l" rtl="0" eaLnBrk="0" fontAlgn="base" hangingPunct="0">
-              <a:spcBef>
-                <a:spcPct val="50000"/>
-              </a:spcBef>
-              <a:spcAft>
-                <a:spcPct val="0"/>
-              </a:spcAft>
-              <a:defRPr>
-                <a:solidFill>
-                  <a:schemeClr val="tx1"/>
-                </a:solidFill>
-                <a:latin typeface="Arial" pitchFamily="34" charset="0"/>
-              </a:defRPr>
-            </a:lvl9pPr>
-          </a:lstStyle>
-          <a:p>
-            <a:pPr eaLnBrk="1" hangingPunct="1"/>
-            <a:fld id="{25C09243-6F27-42D4-865F-F029F59683AE}" type="slidenum">
-              <a:rPr lang="he-IL" smtClean="0">
-                <a:cs typeface="Arial" pitchFamily="34" charset="0"/>
-              </a:rPr>
-              <a:pPr eaLnBrk="1" hangingPunct="1"/>
-              <a:t>40</a:t>
-            </a:fld>
-            <a:endParaRPr lang="en-US" smtClean="0">
-              <a:cs typeface="Arial" pitchFamily="34" charset="0"/>
-            </a:endParaRPr>
-          </a:p>
-        </p:txBody>
-      </p:sp>
-      <p:sp>
-        <p:nvSpPr>
-          <p:cNvPr id="37891" name="Rectangle 2"/>
-          <p:cNvSpPr>
-            <a:spLocks noGrp="1" noChangeArrowheads="1"/>
-          </p:cNvSpPr>
-          <p:nvPr>
-            <p:ph type="title"/>
-          </p:nvPr>
-        </p:nvSpPr>
-        <p:spPr/>
-        <p:txBody>
-          <a:bodyPr/>
-          <a:lstStyle/>
-          <a:p>
-            <a:pPr eaLnBrk="1" hangingPunct="1"/>
-            <a:r>
-              <a:rPr lang="en-US" smtClean="0">
-                <a:latin typeface="Times New Roman" pitchFamily="18" charset="0"/>
-                <a:cs typeface="Times New Roman" pitchFamily="18" charset="0"/>
-              </a:rPr>
-              <a:t>Function Output</a:t>
-            </a:r>
-          </a:p>
-        </p:txBody>
-      </p:sp>
-      <p:sp>
-        <p:nvSpPr>
-          <p:cNvPr id="49156" name="Rectangle 3"/>
-          <p:cNvSpPr>
-            <a:spLocks noGrp="1" noChangeArrowheads="1"/>
-          </p:cNvSpPr>
-          <p:nvPr>
-            <p:ph type="body" idx="1"/>
-          </p:nvPr>
-        </p:nvSpPr>
-        <p:spPr>
-          <a:xfrm>
-            <a:off x="609600" y="1600200"/>
-            <a:ext cx="8077200" cy="4114800"/>
-          </a:xfrm>
-        </p:spPr>
-        <p:txBody>
-          <a:bodyPr/>
-          <a:lstStyle/>
-          <a:p>
-            <a:pPr eaLnBrk="1" hangingPunct="1">
-              <a:lnSpc>
-                <a:spcPct val="90000"/>
-              </a:lnSpc>
-              <a:defRPr/>
-            </a:pPr>
-            <a:r>
-              <a:rPr lang="en-US" dirty="0" smtClean="0">
-                <a:solidFill>
-                  <a:schemeClr val="accent6"/>
-                </a:solidFill>
-                <a:latin typeface="Times New Roman" pitchFamily="18" charset="0"/>
-                <a:cs typeface="Times New Roman" pitchFamily="18" charset="0"/>
-              </a:rPr>
-              <a:t>Parameters: Python variables. Can be </a:t>
-            </a:r>
-            <a:r>
-              <a:rPr lang="en-US" dirty="0" err="1" smtClean="0">
-                <a:latin typeface="Times New Roman" pitchFamily="18" charset="0"/>
-                <a:cs typeface="Times New Roman" pitchFamily="18" charset="0"/>
-              </a:rPr>
-              <a:t>int</a:t>
-            </a:r>
-            <a:r>
-              <a:rPr lang="en-US" dirty="0" smtClean="0">
-                <a:latin typeface="Times New Roman" pitchFamily="18" charset="0"/>
-                <a:cs typeface="Times New Roman" pitchFamily="18" charset="0"/>
-              </a:rPr>
-              <a:t> / float / </a:t>
-            </a:r>
-            <a:r>
-              <a:rPr lang="en-US" dirty="0" err="1" smtClean="0">
-                <a:latin typeface="Times New Roman" pitchFamily="18" charset="0"/>
-                <a:cs typeface="Times New Roman" pitchFamily="18" charset="0"/>
-              </a:rPr>
-              <a:t>str</a:t>
-            </a:r>
-            <a:r>
-              <a:rPr lang="en-US" dirty="0" smtClean="0">
-                <a:latin typeface="Times New Roman" pitchFamily="18" charset="0"/>
-                <a:cs typeface="Times New Roman" pitchFamily="18" charset="0"/>
-              </a:rPr>
-              <a:t> / </a:t>
-            </a:r>
-            <a:r>
-              <a:rPr lang="en-US" dirty="0" err="1" smtClean="0">
-                <a:latin typeface="Times New Roman" pitchFamily="18" charset="0"/>
-                <a:cs typeface="Times New Roman" pitchFamily="18" charset="0"/>
-              </a:rPr>
-              <a:t>bool</a:t>
-            </a:r>
-            <a:r>
-              <a:rPr lang="en-US" dirty="0" smtClean="0">
-                <a:latin typeface="Times New Roman" pitchFamily="18" charset="0"/>
-                <a:cs typeface="Times New Roman" pitchFamily="18" charset="0"/>
-              </a:rPr>
-              <a:t> / list etc. and even function names! (later)</a:t>
-            </a:r>
-            <a:endParaRPr lang="en-US" dirty="0" smtClean="0">
-              <a:solidFill>
-                <a:schemeClr val="accent6"/>
-              </a:solidFill>
-              <a:latin typeface="Times New Roman" pitchFamily="18" charset="0"/>
-              <a:cs typeface="Times New Roman" pitchFamily="18" charset="0"/>
-            </a:endParaRPr>
-          </a:p>
-          <a:p>
-            <a:pPr eaLnBrk="1" hangingPunct="1">
-              <a:lnSpc>
-                <a:spcPct val="90000"/>
-              </a:lnSpc>
-              <a:defRPr/>
-            </a:pPr>
-            <a:r>
-              <a:rPr lang="en-US" dirty="0" smtClean="0">
-                <a:solidFill>
-                  <a:srgbClr val="FF6600"/>
-                </a:solidFill>
-                <a:latin typeface="Times New Roman" pitchFamily="18" charset="0"/>
-                <a:cs typeface="Times New Roman" pitchFamily="18" charset="0"/>
-              </a:rPr>
-              <a:t>Return </a:t>
-            </a:r>
-            <a:r>
-              <a:rPr lang="en-US" dirty="0" smtClean="0">
-                <a:latin typeface="Times New Roman" pitchFamily="18" charset="0"/>
-                <a:cs typeface="Times New Roman" pitchFamily="18" charset="0"/>
-              </a:rPr>
-              <a:t>statement</a:t>
-            </a:r>
-            <a:r>
-              <a:rPr lang="en-US" dirty="0" smtClean="0">
-                <a:solidFill>
-                  <a:srgbClr val="FF6600"/>
-                </a:solidFill>
-                <a:latin typeface="Times New Roman" pitchFamily="18" charset="0"/>
-                <a:cs typeface="Times New Roman" pitchFamily="18" charset="0"/>
-              </a:rPr>
-              <a:t> </a:t>
-            </a:r>
-            <a:r>
-              <a:rPr lang="en-US" dirty="0" smtClean="0">
-                <a:latin typeface="Times New Roman" pitchFamily="18" charset="0"/>
-                <a:cs typeface="Times New Roman" pitchFamily="18" charset="0"/>
-              </a:rPr>
-              <a:t>– returns a value to the  function’s caller.</a:t>
-            </a:r>
-          </a:p>
-          <a:p>
-            <a:pPr eaLnBrk="1" hangingPunct="1">
-              <a:lnSpc>
-                <a:spcPct val="90000"/>
-              </a:lnSpc>
-              <a:defRPr/>
-            </a:pPr>
-            <a:r>
-              <a:rPr lang="en-US" dirty="0" smtClean="0">
-                <a:latin typeface="Times New Roman" pitchFamily="18" charset="0"/>
-                <a:cs typeface="Times New Roman" pitchFamily="18" charset="0"/>
-              </a:rPr>
-              <a:t>The type of the returned value – any Python type.</a:t>
-            </a:r>
-          </a:p>
-          <a:p>
-            <a:pPr eaLnBrk="1" hangingPunct="1">
-              <a:lnSpc>
-                <a:spcPct val="90000"/>
-              </a:lnSpc>
-              <a:defRPr/>
-            </a:pPr>
-            <a:r>
-              <a:rPr lang="en-US" dirty="0" smtClean="0">
-                <a:latin typeface="Times New Roman" pitchFamily="18" charset="0"/>
-                <a:cs typeface="Times New Roman" pitchFamily="18" charset="0"/>
-              </a:rPr>
-              <a:t>If no value is returned, the function returns </a:t>
-            </a:r>
-            <a:r>
-              <a:rPr lang="en-US" i="1" dirty="0" smtClean="0">
-                <a:latin typeface="Times New Roman" pitchFamily="18" charset="0"/>
-                <a:cs typeface="Times New Roman" pitchFamily="18" charset="0"/>
-              </a:rPr>
-              <a:t>None</a:t>
-            </a:r>
-            <a:r>
-              <a:rPr lang="en-US" dirty="0" smtClean="0">
-                <a:latin typeface="Times New Roman" pitchFamily="18" charset="0"/>
-                <a:cs typeface="Times New Roman" pitchFamily="18" charset="0"/>
-              </a:rPr>
-              <a:t> (represent the absence of a value).</a:t>
-            </a:r>
-          </a:p>
-        </p:txBody>
-      </p:sp>
-    </p:spTree>
-  </p:cSld>
-  <p:clrMapOvr>
-    <a:masterClrMapping/>
-  </p:clrMapOvr>
-  <p:timing>
-    <p:tnLst>
-      <p:par>
-        <p:cTn id="1" dur="indefinite" restart="never" nodeType="tmRoot"/>
-      </p:par>
-    </p:tnLst>
-  </p:timing>
-</p:sld>
-</file>
-
-<file path=ppt/slides/slide41.xml><?xml version="1.0" encoding="utf-8"?>
-<p:sld xmlns:a="http://schemas.openxmlformats.org/drawingml/2006/main" xmlns:r="http://schemas.openxmlformats.org/officeDocument/2006/relationships" xmlns:p="http://schemas.openxmlformats.org/presentationml/2006/main">
-  <p:cSld>
-    <p:spTree>
-      <p:nvGrpSpPr>
-        <p:cNvPr id="1" name=""/>
-        <p:cNvGrpSpPr/>
-        <p:nvPr/>
-      </p:nvGrpSpPr>
-      <p:grpSpPr>
-        <a:xfrm>
-          <a:off x="0" y="0"/>
-          <a:ext cx="0" cy="0"/>
-          <a:chOff x="0" y="0"/>
-          <a:chExt cx="0" cy="0"/>
-        </a:xfrm>
-      </p:grpSpPr>
-      <p:sp>
-        <p:nvSpPr>
-          <p:cNvPr id="41986" name="Slide Number Placeholder 5"/>
-          <p:cNvSpPr>
-            <a:spLocks noGrp="1"/>
-          </p:cNvSpPr>
-          <p:nvPr>
-            <p:ph type="sldNum" sz="quarter" idx="12"/>
-          </p:nvPr>
-        </p:nvSpPr>
-        <p:spPr>
-          <a:noFill/>
-          <a:ln/>
-          <a:extLst>
-            <a:ext uri="{909E8E84-426E-40DD-AFC4-6F175D3DCCD1}">
-              <a14:hiddenFill xmlns:a14="http://schemas.microsoft.com/office/drawing/2010/main">
-                <a:solidFill>
-                  <a:srgbClr val="FFFFFF"/>
-                </a:solidFill>
-              </a14:hiddenFill>
-            </a:ext>
-            <a:ext uri="{91240B29-F687-4F45-9708-019B960494DF}">
-              <a14:hiddenLine xmlns:a14="http://schemas.microsoft.com/office/drawing/2010/main" w="9525">
-                <a:solidFill>
-                  <a:srgbClr val="000000"/>
-                </a:solidFill>
-                <a:miter lim="800000"/>
-                <a:headEnd/>
-                <a:tailEnd/>
-              </a14:hiddenLine>
-            </a:ext>
-          </a:extLst>
-        </p:spPr>
-        <p:txBody>
-          <a:bodyPr/>
-          <a:lstStyle>
-            <a:lvl1pPr eaLnBrk="0" hangingPunct="0">
-              <a:defRPr>
-                <a:solidFill>
-                  <a:schemeClr val="tx1"/>
-                </a:solidFill>
-                <a:latin typeface="Arial" pitchFamily="34" charset="0"/>
-              </a:defRPr>
-            </a:lvl1pPr>
-            <a:lvl2pPr marL="742950" indent="-285750" eaLnBrk="0" hangingPunct="0">
-              <a:defRPr>
-                <a:solidFill>
-                  <a:schemeClr val="tx1"/>
-                </a:solidFill>
-                <a:latin typeface="Arial" pitchFamily="34" charset="0"/>
-              </a:defRPr>
-            </a:lvl2pPr>
-            <a:lvl3pPr marL="1143000" indent="-228600" eaLnBrk="0" hangingPunct="0">
-              <a:defRPr>
-                <a:solidFill>
-                  <a:schemeClr val="tx1"/>
-                </a:solidFill>
-                <a:latin typeface="Arial" pitchFamily="34" charset="0"/>
-              </a:defRPr>
-            </a:lvl3pPr>
-            <a:lvl4pPr marL="1600200" indent="-228600" eaLnBrk="0" hangingPunct="0">
-              <a:defRPr>
-                <a:solidFill>
-                  <a:schemeClr val="tx1"/>
-                </a:solidFill>
-                <a:latin typeface="Arial" pitchFamily="34" charset="0"/>
-              </a:defRPr>
-            </a:lvl4pPr>
-            <a:lvl5pPr marL="2057400" indent="-228600" eaLnBrk="0" hangingPunct="0">
-              <a:defRPr>
-                <a:solidFill>
-                  <a:schemeClr val="tx1"/>
-                </a:solidFill>
-                <a:latin typeface="Arial" pitchFamily="34" charset="0"/>
-              </a:defRPr>
-            </a:lvl5pPr>
-            <a:lvl6pPr marL="2514600" indent="-228600" algn="l" rtl="0" eaLnBrk="0" fontAlgn="base" hangingPunct="0">
-              <a:spcBef>
-                <a:spcPct val="50000"/>
-              </a:spcBef>
-              <a:spcAft>
-                <a:spcPct val="0"/>
-              </a:spcAft>
-              <a:defRPr>
-                <a:solidFill>
-                  <a:schemeClr val="tx1"/>
-                </a:solidFill>
-                <a:latin typeface="Arial" pitchFamily="34" charset="0"/>
-              </a:defRPr>
-            </a:lvl6pPr>
-            <a:lvl7pPr marL="2971800" indent="-228600" algn="l" rtl="0" eaLnBrk="0" fontAlgn="base" hangingPunct="0">
-              <a:spcBef>
-                <a:spcPct val="50000"/>
-              </a:spcBef>
-              <a:spcAft>
-                <a:spcPct val="0"/>
-              </a:spcAft>
-              <a:defRPr>
-                <a:solidFill>
-                  <a:schemeClr val="tx1"/>
-                </a:solidFill>
-                <a:latin typeface="Arial" pitchFamily="34" charset="0"/>
-              </a:defRPr>
-            </a:lvl7pPr>
-            <a:lvl8pPr marL="3429000" indent="-228600" algn="l" rtl="0" eaLnBrk="0" fontAlgn="base" hangingPunct="0">
-              <a:spcBef>
-                <a:spcPct val="50000"/>
-              </a:spcBef>
-              <a:spcAft>
-                <a:spcPct val="0"/>
-              </a:spcAft>
-              <a:defRPr>
-                <a:solidFill>
-                  <a:schemeClr val="tx1"/>
-                </a:solidFill>
-                <a:latin typeface="Arial" pitchFamily="34" charset="0"/>
-              </a:defRPr>
-            </a:lvl8pPr>
-            <a:lvl9pPr marL="3886200" indent="-228600" algn="l" rtl="0" eaLnBrk="0" fontAlgn="base" hangingPunct="0">
-              <a:spcBef>
-                <a:spcPct val="50000"/>
-              </a:spcBef>
-              <a:spcAft>
-                <a:spcPct val="0"/>
-              </a:spcAft>
-              <a:defRPr>
-                <a:solidFill>
-                  <a:schemeClr val="tx1"/>
-                </a:solidFill>
-                <a:latin typeface="Arial" pitchFamily="34" charset="0"/>
-              </a:defRPr>
-            </a:lvl9pPr>
-          </a:lstStyle>
-          <a:p>
-            <a:pPr eaLnBrk="1" hangingPunct="1"/>
-            <a:fld id="{1876DE79-3679-4297-8A98-FB7FBEB1D7E7}" type="slidenum">
-              <a:rPr lang="ar-SA" smtClean="0">
-                <a:cs typeface="Arial" pitchFamily="34" charset="0"/>
-              </a:rPr>
-              <a:pPr eaLnBrk="1" hangingPunct="1"/>
-              <a:t>41</a:t>
-            </a:fld>
-            <a:endParaRPr lang="en-US" smtClean="0">
-              <a:cs typeface="Arial" pitchFamily="34" charset="0"/>
-            </a:endParaRPr>
-          </a:p>
-        </p:txBody>
-      </p:sp>
-      <p:sp>
-        <p:nvSpPr>
-          <p:cNvPr id="41987" name="Rectangle 2"/>
-          <p:cNvSpPr>
-            <a:spLocks noChangeArrowheads="1"/>
-          </p:cNvSpPr>
-          <p:nvPr/>
-        </p:nvSpPr>
-        <p:spPr bwMode="auto">
-          <a:xfrm>
-            <a:off x="457200" y="274638"/>
-            <a:ext cx="8229600" cy="1143000"/>
-          </a:xfrm>
-          <a:prstGeom prst="rect">
-            <a:avLst/>
-          </a:prstGeom>
-          <a:noFill/>
-          <a:ln>
-            <a:noFill/>
-          </a:ln>
-          <a:extLst>
-            <a:ext uri="{909E8E84-426E-40DD-AFC4-6F175D3DCCD1}">
-              <a14:hiddenFill xmlns:a14="http://schemas.microsoft.com/office/drawing/2010/main">
-                <a:solidFill>
-                  <a:srgbClr val="FFFFFF"/>
-                </a:solidFill>
-              </a14:hiddenFill>
-            </a:ext>
-            <a:ext uri="{91240B29-F687-4F45-9708-019B960494DF}">
-              <a14:hiddenLine xmlns:a14="http://schemas.microsoft.com/office/drawing/2010/main" w="9525">
-                <a:solidFill>
-                  <a:srgbClr val="000000"/>
-                </a:solidFill>
-                <a:miter lim="800000"/>
-                <a:headEnd/>
-                <a:tailEnd/>
-              </a14:hiddenLine>
-            </a:ext>
-          </a:extLst>
-        </p:spPr>
-        <p:txBody>
-          <a:bodyPr anchor="ctr"/>
-          <a:lstStyle/>
-          <a:p>
-            <a:pPr algn="ctr">
-              <a:spcBef>
-                <a:spcPct val="0"/>
-              </a:spcBef>
-            </a:pPr>
-            <a:r>
-              <a:rPr lang="en-US" sz="4400">
-                <a:solidFill>
-                  <a:srgbClr val="CC0000"/>
-                </a:solidFill>
-                <a:latin typeface="Times New Roman" pitchFamily="18" charset="0"/>
-                <a:cs typeface="Times New Roman" pitchFamily="18" charset="0"/>
-              </a:rPr>
-              <a:t>Today</a:t>
-            </a:r>
-          </a:p>
-        </p:txBody>
-      </p:sp>
-      <p:sp>
-        <p:nvSpPr>
-          <p:cNvPr id="41988" name="Rectangle 3"/>
-          <p:cNvSpPr>
-            <a:spLocks noChangeArrowheads="1"/>
-          </p:cNvSpPr>
-          <p:nvPr/>
-        </p:nvSpPr>
-        <p:spPr bwMode="auto">
-          <a:xfrm>
-            <a:off x="609600" y="1295400"/>
-            <a:ext cx="8153400" cy="5029200"/>
-          </a:xfrm>
-          <a:prstGeom prst="rect">
-            <a:avLst/>
-          </a:prstGeom>
-          <a:noFill/>
-          <a:ln>
-            <a:noFill/>
-          </a:ln>
-          <a:extLst>
-            <a:ext uri="{909E8E84-426E-40DD-AFC4-6F175D3DCCD1}">
-              <a14:hiddenFill xmlns:a14="http://schemas.microsoft.com/office/drawing/2010/main">
-                <a:solidFill>
-                  <a:srgbClr val="FFFFFF"/>
-                </a:solidFill>
-              </a14:hiddenFill>
-            </a:ext>
-            <a:ext uri="{91240B29-F687-4F45-9708-019B960494DF}">
-              <a14:hiddenLine xmlns:a14="http://schemas.microsoft.com/office/drawing/2010/main" w="9525">
-                <a:solidFill>
-                  <a:srgbClr val="000000"/>
-                </a:solidFill>
-                <a:miter lim="800000"/>
-                <a:headEnd/>
-                <a:tailEnd/>
-              </a14:hiddenLine>
-            </a:ext>
-          </a:extLst>
-        </p:spPr>
-        <p:txBody>
-          <a:bodyPr/>
-          <a:lstStyle/>
-          <a:p>
-            <a:pPr>
-              <a:lnSpc>
-                <a:spcPct val="80000"/>
-              </a:lnSpc>
-              <a:spcBef>
-                <a:spcPct val="20000"/>
-              </a:spcBef>
-              <a:buFontTx/>
-              <a:buChar char="•"/>
-            </a:pPr>
-            <a:r>
-              <a:rPr lang="en-US" sz="3200" b="1" dirty="0" smtClean="0">
-                <a:solidFill>
-                  <a:srgbClr val="003399"/>
-                </a:solidFill>
-                <a:latin typeface="Times New Roman" pitchFamily="18" charset="0"/>
-                <a:cs typeface="Times New Roman" pitchFamily="18" charset="0"/>
-              </a:rPr>
-              <a:t> Review</a:t>
-            </a:r>
-          </a:p>
-          <a:p>
-            <a:pPr>
-              <a:lnSpc>
-                <a:spcPct val="80000"/>
-              </a:lnSpc>
-              <a:spcBef>
-                <a:spcPct val="20000"/>
-              </a:spcBef>
-              <a:buFontTx/>
-              <a:buChar char="•"/>
-            </a:pPr>
-            <a:r>
-              <a:rPr lang="en-US" sz="3200" b="1" dirty="0" smtClean="0">
-                <a:solidFill>
-                  <a:srgbClr val="003399"/>
-                </a:solidFill>
-                <a:latin typeface="Times New Roman" pitchFamily="18" charset="0"/>
-                <a:cs typeface="Times New Roman" pitchFamily="18" charset="0"/>
-              </a:rPr>
-              <a:t> Lists</a:t>
-            </a:r>
-          </a:p>
-          <a:p>
-            <a:pPr>
-              <a:lnSpc>
-                <a:spcPct val="80000"/>
-              </a:lnSpc>
-              <a:spcBef>
-                <a:spcPct val="20000"/>
-              </a:spcBef>
-              <a:buFontTx/>
-              <a:buChar char="•"/>
-            </a:pPr>
-            <a:r>
-              <a:rPr lang="en-US" sz="3200" b="1" dirty="0" smtClean="0">
-                <a:solidFill>
-                  <a:srgbClr val="003399"/>
-                </a:solidFill>
-                <a:latin typeface="Times New Roman" pitchFamily="18" charset="0"/>
-                <a:cs typeface="Times New Roman" pitchFamily="18" charset="0"/>
-              </a:rPr>
-              <a:t> Loops</a:t>
-            </a:r>
-          </a:p>
-          <a:p>
-            <a:pPr>
-              <a:lnSpc>
-                <a:spcPct val="80000"/>
-              </a:lnSpc>
-              <a:spcBef>
-                <a:spcPct val="20000"/>
-              </a:spcBef>
-              <a:buFontTx/>
-              <a:buChar char="•"/>
-            </a:pPr>
-            <a:r>
-              <a:rPr lang="en-US" sz="3200" b="1" dirty="0" smtClean="0">
-                <a:solidFill>
-                  <a:srgbClr val="003399"/>
-                </a:solidFill>
-                <a:latin typeface="Times New Roman" pitchFamily="18" charset="0"/>
-                <a:cs typeface="Times New Roman" pitchFamily="18" charset="0"/>
-              </a:rPr>
-              <a:t> Strings &amp; API</a:t>
-            </a:r>
-          </a:p>
-          <a:p>
-            <a:pPr>
-              <a:lnSpc>
-                <a:spcPct val="80000"/>
-              </a:lnSpc>
-              <a:spcBef>
-                <a:spcPct val="20000"/>
-              </a:spcBef>
-              <a:buFontTx/>
-              <a:buChar char="•"/>
-            </a:pPr>
-            <a:r>
-              <a:rPr lang="en-US" sz="3200" b="1" dirty="0" smtClean="0">
-                <a:solidFill>
-                  <a:srgbClr val="003399"/>
-                </a:solidFill>
-                <a:latin typeface="Times New Roman" pitchFamily="18" charset="0"/>
-                <a:cs typeface="Times New Roman" pitchFamily="18" charset="0"/>
-              </a:rPr>
-              <a:t> Importance of style</a:t>
-            </a:r>
-          </a:p>
-          <a:p>
-            <a:pPr>
-              <a:lnSpc>
-                <a:spcPct val="80000"/>
-              </a:lnSpc>
-              <a:spcBef>
-                <a:spcPct val="20000"/>
-              </a:spcBef>
-              <a:buFontTx/>
-              <a:buChar char="•"/>
-            </a:pPr>
-            <a:r>
-              <a:rPr lang="en-US" sz="3200" b="1" dirty="0" smtClean="0">
-                <a:solidFill>
-                  <a:srgbClr val="003399"/>
-                </a:solidFill>
-                <a:latin typeface="Times New Roman" pitchFamily="18" charset="0"/>
-                <a:cs typeface="Times New Roman" pitchFamily="18" charset="0"/>
-              </a:rPr>
-              <a:t> Functions</a:t>
-            </a:r>
-          </a:p>
-          <a:p>
-            <a:pPr>
-              <a:lnSpc>
-                <a:spcPct val="80000"/>
-              </a:lnSpc>
-              <a:spcBef>
-                <a:spcPct val="20000"/>
-              </a:spcBef>
-              <a:buFontTx/>
-              <a:buChar char="•"/>
-            </a:pPr>
-            <a:r>
-              <a:rPr lang="en-US" sz="3200" dirty="0" smtClean="0">
-                <a:solidFill>
-                  <a:srgbClr val="003399"/>
-                </a:solidFill>
-                <a:latin typeface="Times New Roman" pitchFamily="18" charset="0"/>
-                <a:cs typeface="Times New Roman" pitchFamily="18" charset="0"/>
-              </a:rPr>
-              <a:t> </a:t>
-            </a:r>
-            <a:r>
-              <a:rPr lang="en-US" sz="3200" dirty="0" smtClean="0">
-                <a:solidFill>
-                  <a:srgbClr val="003399"/>
-                </a:solidFill>
-                <a:latin typeface="Times New Roman" pitchFamily="18" charset="0"/>
-                <a:cs typeface="Times New Roman" pitchFamily="18" charset="0"/>
-              </a:rPr>
-              <a:t>Homework</a:t>
-            </a:r>
-          </a:p>
-          <a:p>
-            <a:pPr>
-              <a:lnSpc>
-                <a:spcPct val="80000"/>
-              </a:lnSpc>
-              <a:spcBef>
-                <a:spcPct val="20000"/>
-              </a:spcBef>
-              <a:buFontTx/>
-              <a:buChar char="•"/>
-            </a:pPr>
-            <a:r>
-              <a:rPr lang="en-US" sz="3200" dirty="0" smtClean="0">
-                <a:solidFill>
-                  <a:srgbClr val="003399"/>
-                </a:solidFill>
-                <a:latin typeface="Times New Roman" pitchFamily="18" charset="0"/>
-                <a:cs typeface="Times New Roman" pitchFamily="18" charset="0"/>
-              </a:rPr>
-              <a:t> Ehud </a:t>
-            </a:r>
-            <a:r>
-              <a:rPr lang="en-US" sz="3200" dirty="0" err="1">
-                <a:solidFill>
-                  <a:srgbClr val="003399"/>
-                </a:solidFill>
-                <a:latin typeface="Times New Roman" pitchFamily="18" charset="0"/>
-                <a:cs typeface="Times New Roman" pitchFamily="18" charset="0"/>
-              </a:rPr>
-              <a:t>Lamm</a:t>
-            </a:r>
-            <a:endParaRPr lang="en-US" sz="3200" dirty="0">
-              <a:solidFill>
-                <a:srgbClr val="003399"/>
-              </a:solidFill>
-              <a:latin typeface="Times New Roman" pitchFamily="18" charset="0"/>
-              <a:cs typeface="Times New Roman" pitchFamily="18" charset="0"/>
-            </a:endParaRPr>
-          </a:p>
-        </p:txBody>
-      </p:sp>
-    </p:spTree>
-  </p:cSld>
-  <p:clrMapOvr>
-    <a:masterClrMapping/>
-  </p:clrMapOvr>
-  <p:timing>
-    <p:tnLst>
-      <p:par>
-        <p:cTn id="1" dur="indefinite" restart="never" nodeType="tmRoot"/>
-      </p:par>
-    </p:tnLst>
-  </p:timing>
-</p:sld>
-</file>
-
-<file path=ppt/slides/slide42.xml><?xml version="1.0" encoding="utf-8"?>
-<p:sld xmlns:a="http://schemas.openxmlformats.org/drawingml/2006/main" xmlns:r="http://schemas.openxmlformats.org/officeDocument/2006/relationships" xmlns:p="http://schemas.openxmlformats.org/presentationml/2006/main">
-  <p:cSld>
-    <p:spTree>
-      <p:nvGrpSpPr>
-        <p:cNvPr id="1" name=""/>
-        <p:cNvGrpSpPr/>
-        <p:nvPr/>
-      </p:nvGrpSpPr>
-      <p:grpSpPr>
-        <a:xfrm>
-          <a:off x="0" y="0"/>
-          <a:ext cx="0" cy="0"/>
-          <a:chOff x="0" y="0"/>
-          <a:chExt cx="0" cy="0"/>
-        </a:xfrm>
-      </p:grpSpPr>
-      <p:sp>
-        <p:nvSpPr>
-          <p:cNvPr id="43010" name="Slide Number Placeholder 5"/>
-          <p:cNvSpPr>
-            <a:spLocks noGrp="1"/>
-          </p:cNvSpPr>
-          <p:nvPr>
-            <p:ph type="sldNum" sz="quarter" idx="12"/>
-          </p:nvPr>
-        </p:nvSpPr>
-        <p:spPr>
-          <a:noFill/>
-          <a:ln/>
-          <a:extLst>
-            <a:ext uri="{909E8E84-426E-40DD-AFC4-6F175D3DCCD1}">
-              <a14:hiddenFill xmlns:a14="http://schemas.microsoft.com/office/drawing/2010/main">
-                <a:solidFill>
-                  <a:srgbClr val="FFFFFF"/>
-                </a:solidFill>
-              </a14:hiddenFill>
-            </a:ext>
-            <a:ext uri="{91240B29-F687-4F45-9708-019B960494DF}">
-              <a14:hiddenLine xmlns:a14="http://schemas.microsoft.com/office/drawing/2010/main" w="9525">
-                <a:solidFill>
-                  <a:srgbClr val="000000"/>
-                </a:solidFill>
-                <a:miter lim="800000"/>
-                <a:headEnd/>
-                <a:tailEnd/>
-              </a14:hiddenLine>
-            </a:ext>
-          </a:extLst>
-        </p:spPr>
-        <p:txBody>
-          <a:bodyPr/>
-          <a:lstStyle>
-            <a:lvl1pPr eaLnBrk="0" hangingPunct="0">
-              <a:defRPr>
-                <a:solidFill>
-                  <a:schemeClr val="tx1"/>
-                </a:solidFill>
-                <a:latin typeface="Arial" pitchFamily="34" charset="0"/>
-              </a:defRPr>
-            </a:lvl1pPr>
-            <a:lvl2pPr marL="742950" indent="-285750" eaLnBrk="0" hangingPunct="0">
-              <a:defRPr>
-                <a:solidFill>
-                  <a:schemeClr val="tx1"/>
-                </a:solidFill>
-                <a:latin typeface="Arial" pitchFamily="34" charset="0"/>
-              </a:defRPr>
-            </a:lvl2pPr>
-            <a:lvl3pPr marL="1143000" indent="-228600" eaLnBrk="0" hangingPunct="0">
-              <a:defRPr>
-                <a:solidFill>
-                  <a:schemeClr val="tx1"/>
-                </a:solidFill>
-                <a:latin typeface="Arial" pitchFamily="34" charset="0"/>
-              </a:defRPr>
-            </a:lvl3pPr>
-            <a:lvl4pPr marL="1600200" indent="-228600" eaLnBrk="0" hangingPunct="0">
-              <a:defRPr>
-                <a:solidFill>
-                  <a:schemeClr val="tx1"/>
-                </a:solidFill>
-                <a:latin typeface="Arial" pitchFamily="34" charset="0"/>
-              </a:defRPr>
-            </a:lvl4pPr>
-            <a:lvl5pPr marL="2057400" indent="-228600" eaLnBrk="0" hangingPunct="0">
-              <a:defRPr>
-                <a:solidFill>
-                  <a:schemeClr val="tx1"/>
-                </a:solidFill>
-                <a:latin typeface="Arial" pitchFamily="34" charset="0"/>
-              </a:defRPr>
-            </a:lvl5pPr>
-            <a:lvl6pPr marL="2514600" indent="-228600" algn="l" rtl="0" eaLnBrk="0" fontAlgn="base" hangingPunct="0">
-              <a:spcBef>
-                <a:spcPct val="50000"/>
-              </a:spcBef>
-              <a:spcAft>
-                <a:spcPct val="0"/>
-              </a:spcAft>
-              <a:defRPr>
-                <a:solidFill>
-                  <a:schemeClr val="tx1"/>
-                </a:solidFill>
-                <a:latin typeface="Arial" pitchFamily="34" charset="0"/>
-              </a:defRPr>
-            </a:lvl6pPr>
-            <a:lvl7pPr marL="2971800" indent="-228600" algn="l" rtl="0" eaLnBrk="0" fontAlgn="base" hangingPunct="0">
-              <a:spcBef>
-                <a:spcPct val="50000"/>
-              </a:spcBef>
-              <a:spcAft>
-                <a:spcPct val="0"/>
-              </a:spcAft>
-              <a:defRPr>
-                <a:solidFill>
-                  <a:schemeClr val="tx1"/>
-                </a:solidFill>
-                <a:latin typeface="Arial" pitchFamily="34" charset="0"/>
-              </a:defRPr>
-            </a:lvl7pPr>
-            <a:lvl8pPr marL="3429000" indent="-228600" algn="l" rtl="0" eaLnBrk="0" fontAlgn="base" hangingPunct="0">
-              <a:spcBef>
-                <a:spcPct val="50000"/>
-              </a:spcBef>
-              <a:spcAft>
-                <a:spcPct val="0"/>
-              </a:spcAft>
-              <a:defRPr>
-                <a:solidFill>
-                  <a:schemeClr val="tx1"/>
-                </a:solidFill>
-                <a:latin typeface="Arial" pitchFamily="34" charset="0"/>
-              </a:defRPr>
-            </a:lvl8pPr>
-            <a:lvl9pPr marL="3886200" indent="-228600" algn="l" rtl="0" eaLnBrk="0" fontAlgn="base" hangingPunct="0">
-              <a:spcBef>
-                <a:spcPct val="50000"/>
-              </a:spcBef>
-              <a:spcAft>
-                <a:spcPct val="0"/>
-              </a:spcAft>
-              <a:defRPr>
-                <a:solidFill>
-                  <a:schemeClr val="tx1"/>
-                </a:solidFill>
-                <a:latin typeface="Arial" pitchFamily="34" charset="0"/>
-              </a:defRPr>
-            </a:lvl9pPr>
-          </a:lstStyle>
-          <a:p>
-            <a:pPr eaLnBrk="1" hangingPunct="1"/>
-            <a:fld id="{5CC0FD26-18C8-4515-9F58-C4A3F0DEE224}" type="slidenum">
-              <a:rPr lang="he-IL" smtClean="0">
-                <a:cs typeface="Arial" pitchFamily="34" charset="0"/>
-              </a:rPr>
-              <a:pPr eaLnBrk="1" hangingPunct="1"/>
-              <a:t>42</a:t>
-            </a:fld>
-            <a:endParaRPr lang="en-US" smtClean="0">
-              <a:cs typeface="Arial" pitchFamily="34" charset="0"/>
-            </a:endParaRPr>
-          </a:p>
-        </p:txBody>
-      </p:sp>
-      <p:sp>
-        <p:nvSpPr>
-          <p:cNvPr id="43011" name="Rectangle 2"/>
-          <p:cNvSpPr>
-            <a:spLocks noGrp="1" noChangeArrowheads="1"/>
-          </p:cNvSpPr>
-          <p:nvPr>
-            <p:ph type="title"/>
-          </p:nvPr>
-        </p:nvSpPr>
-        <p:spPr/>
-        <p:txBody>
-          <a:bodyPr/>
-          <a:lstStyle/>
-          <a:p>
-            <a:pPr eaLnBrk="1" hangingPunct="1"/>
-            <a:r>
-              <a:rPr lang="en-US" smtClean="0">
-                <a:latin typeface="Times New Roman" pitchFamily="18" charset="0"/>
-                <a:cs typeface="Times New Roman" pitchFamily="18" charset="0"/>
-              </a:rPr>
-              <a:t>Exercise – Integer Division</a:t>
-            </a:r>
-          </a:p>
-        </p:txBody>
-      </p:sp>
-      <p:sp>
-        <p:nvSpPr>
-          <p:cNvPr id="43012" name="Rectangle 3"/>
-          <p:cNvSpPr>
-            <a:spLocks noGrp="1" noChangeArrowheads="1"/>
-          </p:cNvSpPr>
-          <p:nvPr>
-            <p:ph type="body" idx="1"/>
-          </p:nvPr>
-        </p:nvSpPr>
-        <p:spPr/>
-        <p:txBody>
-          <a:bodyPr/>
-          <a:lstStyle/>
-          <a:p>
-            <a:pPr eaLnBrk="1" hangingPunct="1"/>
-            <a:r>
-              <a:rPr lang="en-US" dirty="0" smtClean="0">
-                <a:latin typeface="Times New Roman" pitchFamily="18" charset="0"/>
-                <a:cs typeface="Times New Roman" pitchFamily="18" charset="0"/>
-              </a:rPr>
-              <a:t>Input:</a:t>
-            </a:r>
-          </a:p>
-          <a:p>
-            <a:pPr lvl="1" eaLnBrk="1" hangingPunct="1"/>
-            <a:r>
-              <a:rPr lang="en-US" dirty="0" smtClean="0">
-                <a:latin typeface="Times New Roman" pitchFamily="18" charset="0"/>
-                <a:cs typeface="Times New Roman" pitchFamily="18" charset="0"/>
-              </a:rPr>
-              <a:t>Two positive integers – A and B</a:t>
-            </a:r>
-          </a:p>
-          <a:p>
-            <a:pPr eaLnBrk="1" hangingPunct="1"/>
-            <a:r>
-              <a:rPr lang="en-US" dirty="0" smtClean="0">
-                <a:latin typeface="Times New Roman" pitchFamily="18" charset="0"/>
-                <a:cs typeface="Times New Roman" pitchFamily="18" charset="0"/>
-              </a:rPr>
-              <a:t>Output:</a:t>
-            </a:r>
-          </a:p>
-          <a:p>
-            <a:pPr lvl="1" eaLnBrk="1" hangingPunct="1"/>
-            <a:r>
-              <a:rPr lang="en-US" dirty="0" smtClean="0">
-                <a:latin typeface="Times New Roman" pitchFamily="18" charset="0"/>
-                <a:cs typeface="Times New Roman" pitchFamily="18" charset="0"/>
-              </a:rPr>
-              <a:t>How many times A contains B (the result of the integer division A/B)</a:t>
-            </a:r>
-          </a:p>
-          <a:p>
-            <a:pPr eaLnBrk="1" hangingPunct="1"/>
-            <a:r>
-              <a:rPr lang="en-US" dirty="0" smtClean="0">
-                <a:latin typeface="Times New Roman" pitchFamily="18" charset="0"/>
-                <a:cs typeface="Times New Roman" pitchFamily="18" charset="0"/>
-              </a:rPr>
-              <a:t>Do not use the operators ‘/’, ‘*’</a:t>
-            </a:r>
-          </a:p>
-          <a:p>
-            <a:pPr lvl="1" eaLnBrk="1" hangingPunct="1"/>
-            <a:endParaRPr lang="en-US" dirty="0" smtClean="0">
-              <a:latin typeface="Times New Roman" pitchFamily="18" charset="0"/>
-              <a:cs typeface="Times New Roman" pitchFamily="18" charset="0"/>
-            </a:endParaRPr>
-          </a:p>
-        </p:txBody>
-      </p:sp>
-    </p:spTree>
-  </p:cSld>
-  <p:clrMapOvr>
-    <a:masterClrMapping/>
-  </p:clrMapOvr>
-  <p:timing>
-    <p:tnLst>
-      <p:par>
-        <p:cTn id="1" dur="indefinite" restart="never" nodeType="tmRoot"/>
-      </p:par>
-    </p:tnLst>
-  </p:timing>
-</p:sld>
-</file>
-
-<file path=ppt/slides/slide43.xml><?xml version="1.0" encoding="utf-8"?>
-<p:sld xmlns:a="http://schemas.openxmlformats.org/drawingml/2006/main" xmlns:r="http://schemas.openxmlformats.org/officeDocument/2006/relationships" xmlns:p="http://schemas.openxmlformats.org/presentationml/2006/main">
-  <p:cSld>
-    <p:spTree>
-      <p:nvGrpSpPr>
-        <p:cNvPr id="1" name=""/>
-        <p:cNvGrpSpPr/>
-        <p:nvPr/>
-      </p:nvGrpSpPr>
-      <p:grpSpPr>
-        <a:xfrm>
-          <a:off x="0" y="0"/>
-          <a:ext cx="0" cy="0"/>
-          <a:chOff x="0" y="0"/>
-          <a:chExt cx="0" cy="0"/>
-        </a:xfrm>
-      </p:grpSpPr>
-      <p:sp>
-        <p:nvSpPr>
-          <p:cNvPr id="44034" name="Slide Number Placeholder 5"/>
-          <p:cNvSpPr>
-            <a:spLocks noGrp="1"/>
-          </p:cNvSpPr>
-          <p:nvPr>
-            <p:ph type="sldNum" sz="quarter" idx="12"/>
-          </p:nvPr>
-        </p:nvSpPr>
-        <p:spPr>
-          <a:noFill/>
-          <a:ln/>
-          <a:extLst>
-            <a:ext uri="{909E8E84-426E-40DD-AFC4-6F175D3DCCD1}">
-              <a14:hiddenFill xmlns:a14="http://schemas.microsoft.com/office/drawing/2010/main">
-                <a:solidFill>
-                  <a:srgbClr val="FFFFFF"/>
-                </a:solidFill>
-              </a14:hiddenFill>
-            </a:ext>
-            <a:ext uri="{91240B29-F687-4F45-9708-019B960494DF}">
-              <a14:hiddenLine xmlns:a14="http://schemas.microsoft.com/office/drawing/2010/main" w="9525">
-                <a:solidFill>
-                  <a:srgbClr val="000000"/>
-                </a:solidFill>
-                <a:miter lim="800000"/>
-                <a:headEnd/>
-                <a:tailEnd/>
-              </a14:hiddenLine>
-            </a:ext>
-          </a:extLst>
-        </p:spPr>
-        <p:txBody>
-          <a:bodyPr/>
-          <a:lstStyle>
-            <a:lvl1pPr eaLnBrk="0" hangingPunct="0">
-              <a:defRPr>
-                <a:solidFill>
-                  <a:schemeClr val="tx1"/>
-                </a:solidFill>
-                <a:latin typeface="Arial" pitchFamily="34" charset="0"/>
-              </a:defRPr>
-            </a:lvl1pPr>
-            <a:lvl2pPr marL="742950" indent="-285750" eaLnBrk="0" hangingPunct="0">
-              <a:defRPr>
-                <a:solidFill>
-                  <a:schemeClr val="tx1"/>
-                </a:solidFill>
-                <a:latin typeface="Arial" pitchFamily="34" charset="0"/>
-              </a:defRPr>
-            </a:lvl2pPr>
-            <a:lvl3pPr marL="1143000" indent="-228600" eaLnBrk="0" hangingPunct="0">
-              <a:defRPr>
-                <a:solidFill>
-                  <a:schemeClr val="tx1"/>
-                </a:solidFill>
-                <a:latin typeface="Arial" pitchFamily="34" charset="0"/>
-              </a:defRPr>
-            </a:lvl3pPr>
-            <a:lvl4pPr marL="1600200" indent="-228600" eaLnBrk="0" hangingPunct="0">
-              <a:defRPr>
-                <a:solidFill>
-                  <a:schemeClr val="tx1"/>
-                </a:solidFill>
-                <a:latin typeface="Arial" pitchFamily="34" charset="0"/>
-              </a:defRPr>
-            </a:lvl4pPr>
-            <a:lvl5pPr marL="2057400" indent="-228600" eaLnBrk="0" hangingPunct="0">
-              <a:defRPr>
-                <a:solidFill>
-                  <a:schemeClr val="tx1"/>
-                </a:solidFill>
-                <a:latin typeface="Arial" pitchFamily="34" charset="0"/>
-              </a:defRPr>
-            </a:lvl5pPr>
-            <a:lvl6pPr marL="2514600" indent="-228600" algn="l" rtl="0" eaLnBrk="0" fontAlgn="base" hangingPunct="0">
-              <a:spcBef>
-                <a:spcPct val="50000"/>
-              </a:spcBef>
-              <a:spcAft>
-                <a:spcPct val="0"/>
-              </a:spcAft>
-              <a:defRPr>
-                <a:solidFill>
-                  <a:schemeClr val="tx1"/>
-                </a:solidFill>
-                <a:latin typeface="Arial" pitchFamily="34" charset="0"/>
-              </a:defRPr>
-            </a:lvl6pPr>
-            <a:lvl7pPr marL="2971800" indent="-228600" algn="l" rtl="0" eaLnBrk="0" fontAlgn="base" hangingPunct="0">
-              <a:spcBef>
-                <a:spcPct val="50000"/>
-              </a:spcBef>
-              <a:spcAft>
-                <a:spcPct val="0"/>
-              </a:spcAft>
-              <a:defRPr>
-                <a:solidFill>
-                  <a:schemeClr val="tx1"/>
-                </a:solidFill>
-                <a:latin typeface="Arial" pitchFamily="34" charset="0"/>
-              </a:defRPr>
-            </a:lvl7pPr>
-            <a:lvl8pPr marL="3429000" indent="-228600" algn="l" rtl="0" eaLnBrk="0" fontAlgn="base" hangingPunct="0">
-              <a:spcBef>
-                <a:spcPct val="50000"/>
-              </a:spcBef>
-              <a:spcAft>
-                <a:spcPct val="0"/>
-              </a:spcAft>
-              <a:defRPr>
-                <a:solidFill>
-                  <a:schemeClr val="tx1"/>
-                </a:solidFill>
-                <a:latin typeface="Arial" pitchFamily="34" charset="0"/>
-              </a:defRPr>
-            </a:lvl8pPr>
-            <a:lvl9pPr marL="3886200" indent="-228600" algn="l" rtl="0" eaLnBrk="0" fontAlgn="base" hangingPunct="0">
-              <a:spcBef>
-                <a:spcPct val="50000"/>
-              </a:spcBef>
-              <a:spcAft>
-                <a:spcPct val="0"/>
-              </a:spcAft>
-              <a:defRPr>
-                <a:solidFill>
-                  <a:schemeClr val="tx1"/>
-                </a:solidFill>
-                <a:latin typeface="Arial" pitchFamily="34" charset="0"/>
-              </a:defRPr>
-            </a:lvl9pPr>
-          </a:lstStyle>
-          <a:p>
-            <a:pPr eaLnBrk="1" hangingPunct="1"/>
-            <a:fld id="{B31B6C7A-D4C5-4ABF-8C24-9CD6325CEEC1}" type="slidenum">
-              <a:rPr lang="he-IL" smtClean="0">
-                <a:cs typeface="Arial" pitchFamily="34" charset="0"/>
-              </a:rPr>
-              <a:pPr eaLnBrk="1" hangingPunct="1"/>
-              <a:t>43</a:t>
-            </a:fld>
-            <a:endParaRPr lang="en-US" smtClean="0">
-              <a:cs typeface="Arial" pitchFamily="34" charset="0"/>
-            </a:endParaRPr>
-          </a:p>
-        </p:txBody>
-      </p:sp>
-      <p:sp>
-        <p:nvSpPr>
-          <p:cNvPr id="44035" name="Rectangle 2"/>
-          <p:cNvSpPr>
-            <a:spLocks noGrp="1" noChangeArrowheads="1"/>
-          </p:cNvSpPr>
-          <p:nvPr>
-            <p:ph type="title"/>
-          </p:nvPr>
-        </p:nvSpPr>
-        <p:spPr/>
-        <p:txBody>
-          <a:bodyPr/>
-          <a:lstStyle/>
-          <a:p>
-            <a:pPr eaLnBrk="1" hangingPunct="1"/>
-            <a:r>
-              <a:rPr lang="en-US" smtClean="0">
-                <a:latin typeface="Times New Roman" pitchFamily="18" charset="0"/>
-                <a:cs typeface="Times New Roman" pitchFamily="18" charset="0"/>
-              </a:rPr>
-              <a:t>Exercise – Power of Two</a:t>
-            </a:r>
-          </a:p>
-        </p:txBody>
-      </p:sp>
-      <p:sp>
-        <p:nvSpPr>
-          <p:cNvPr id="44036" name="Rectangle 3"/>
-          <p:cNvSpPr>
-            <a:spLocks noGrp="1" noChangeArrowheads="1"/>
-          </p:cNvSpPr>
-          <p:nvPr>
-            <p:ph type="body" idx="1"/>
-          </p:nvPr>
-        </p:nvSpPr>
-        <p:spPr>
-          <a:xfrm>
-            <a:off x="152400" y="1600200"/>
-            <a:ext cx="8763000" cy="4525963"/>
-          </a:xfrm>
-        </p:spPr>
-        <p:txBody>
-          <a:bodyPr/>
-          <a:lstStyle/>
-          <a:p>
-            <a:pPr eaLnBrk="1" hangingPunct="1"/>
-            <a:r>
-              <a:rPr lang="en-US" dirty="0" smtClean="0">
-                <a:latin typeface="Times New Roman" pitchFamily="18" charset="0"/>
-                <a:cs typeface="Times New Roman" pitchFamily="18" charset="0"/>
-              </a:rPr>
-              <a:t>Input: positive integer A</a:t>
-            </a:r>
-          </a:p>
-          <a:p>
-            <a:pPr eaLnBrk="1" hangingPunct="1"/>
-            <a:r>
-              <a:rPr lang="en-US" dirty="0" smtClean="0">
-                <a:latin typeface="Times New Roman" pitchFamily="18" charset="0"/>
-                <a:cs typeface="Times New Roman" pitchFamily="18" charset="0"/>
-              </a:rPr>
-              <a:t>Output:</a:t>
-            </a:r>
-          </a:p>
-          <a:p>
-            <a:pPr eaLnBrk="1" hangingPunct="1">
-              <a:buFontTx/>
-              <a:buNone/>
-            </a:pPr>
-            <a:r>
-              <a:rPr lang="en-US" dirty="0" smtClean="0">
-                <a:latin typeface="Times New Roman" pitchFamily="18" charset="0"/>
-                <a:cs typeface="Times New Roman" pitchFamily="18" charset="0"/>
-              </a:rPr>
-              <a:t>	 If there is an integer n such that A == 2</a:t>
-            </a:r>
-            <a:r>
-              <a:rPr lang="en-US" baseline="30000" dirty="0" smtClean="0">
-                <a:latin typeface="Times New Roman" pitchFamily="18" charset="0"/>
-                <a:cs typeface="Times New Roman" pitchFamily="18" charset="0"/>
-              </a:rPr>
-              <a:t>n </a:t>
-            </a:r>
-            <a:r>
-              <a:rPr lang="en-US" dirty="0" smtClean="0">
-                <a:latin typeface="Times New Roman" pitchFamily="18" charset="0"/>
-                <a:cs typeface="Times New Roman" pitchFamily="18" charset="0"/>
-              </a:rPr>
-              <a:t>:</a:t>
-            </a:r>
-          </a:p>
-          <a:p>
-            <a:pPr eaLnBrk="1" hangingPunct="1">
-              <a:buFontTx/>
-              <a:buNone/>
-            </a:pPr>
-            <a:r>
-              <a:rPr lang="en-US" dirty="0" smtClean="0">
-                <a:latin typeface="Times New Roman" pitchFamily="18" charset="0"/>
-                <a:cs typeface="Times New Roman" pitchFamily="18" charset="0"/>
-              </a:rPr>
-              <a:t>		return True</a:t>
-            </a:r>
-          </a:p>
-          <a:p>
-            <a:pPr eaLnBrk="1" hangingPunct="1">
-              <a:buFontTx/>
-              <a:buNone/>
-            </a:pPr>
-            <a:r>
-              <a:rPr lang="en-US" dirty="0" smtClean="0">
-                <a:latin typeface="Times New Roman" pitchFamily="18" charset="0"/>
-                <a:cs typeface="Times New Roman" pitchFamily="18" charset="0"/>
-              </a:rPr>
-              <a:t>	Otherwise, return False.</a:t>
-            </a:r>
-          </a:p>
-        </p:txBody>
-      </p:sp>
-    </p:spTree>
-  </p:cSld>
-  <p:clrMapOvr>
-    <a:masterClrMapping/>
-  </p:clrMapOvr>
-  <p:timing>
-    <p:tnLst>
-      <p:par>
-        <p:cTn id="1" dur="indefinite" restart="never" nodeType="tmRoot"/>
-      </p:par>
-    </p:tnLst>
-  </p:timing>
-</p:sld>
-</file>
-
-<file path=ppt/slides/slide44.xml><?xml version="1.0" encoding="utf-8"?>
-<p:sld xmlns:a="http://schemas.openxmlformats.org/drawingml/2006/main" xmlns:r="http://schemas.openxmlformats.org/officeDocument/2006/relationships" xmlns:p="http://schemas.openxmlformats.org/presentationml/2006/main">
-  <p:cSld>
-    <p:spTree>
-      <p:nvGrpSpPr>
-        <p:cNvPr id="1" name=""/>
-        <p:cNvGrpSpPr/>
-        <p:nvPr/>
-      </p:nvGrpSpPr>
-      <p:grpSpPr>
-        <a:xfrm>
-          <a:off x="0" y="0"/>
-          <a:ext cx="0" cy="0"/>
-          <a:chOff x="0" y="0"/>
-          <a:chExt cx="0" cy="0"/>
-        </a:xfrm>
-      </p:grpSpPr>
-      <p:sp>
-        <p:nvSpPr>
           <p:cNvPr id="45058" name="Slide Number Placeholder 5"/>
           <p:cNvSpPr>
             <a:spLocks noGrp="1"/>
@@ -35483,7 +32803,7 @@
                 <a:cs typeface="Arial" pitchFamily="34" charset="0"/>
               </a:rPr>
               <a:pPr eaLnBrk="1" hangingPunct="1"/>
-              <a:t>44</a:t>
+              <a:t>40</a:t>
             </a:fld>
             <a:endParaRPr lang="en-US" smtClean="0">
               <a:cs typeface="Arial" pitchFamily="34" charset="0"/>
@@ -36947,7 +34267,7 @@
 </p:sld>
 </file>
 
-<file path=ppt/slides/slide45.xml><?xml version="1.0" encoding="utf-8"?>
+<file path=ppt/slides/slide41.xml><?xml version="1.0" encoding="utf-8"?>
 <p:sld xmlns:a="http://schemas.openxmlformats.org/drawingml/2006/main" xmlns:r="http://schemas.openxmlformats.org/officeDocument/2006/relationships" xmlns:p="http://schemas.openxmlformats.org/presentationml/2006/main">
   <p:cSld>
     <p:spTree>
@@ -37104,7 +34424,7 @@
                 <a:cs typeface="Arial" pitchFamily="34" charset="0"/>
               </a:rPr>
               <a:pPr eaLnBrk="1" hangingPunct="1"/>
-              <a:t>45</a:t>
+              <a:t>41</a:t>
             </a:fld>
             <a:endParaRPr lang="en-US" smtClean="0">
               <a:cs typeface="Arial" pitchFamily="34" charset="0"/>
@@ -37656,8 +34976,15 @@
                 <a:latin typeface="Arial" pitchFamily="34" charset="0"/>
                 <a:cs typeface="Arial" pitchFamily="34" charset="0"/>
               </a:rPr>
-              <a:t>plus</a:t>
-            </a:r>
+              <a:t>add</a:t>
+            </a:r>
+            <a:endParaRPr lang="en-US" sz="2400" dirty="0" smtClean="0">
+              <a:solidFill>
+                <a:srgbClr val="007635"/>
+              </a:solidFill>
+              <a:latin typeface="Arial" pitchFamily="34" charset="0"/>
+              <a:cs typeface="Arial" pitchFamily="34" charset="0"/>
+            </a:endParaRPr>
           </a:p>
           <a:p>
             <a:pPr>
@@ -37680,8 +35007,15 @@
                 <a:latin typeface="Arial" pitchFamily="34" charset="0"/>
                 <a:cs typeface="Arial" pitchFamily="34" charset="0"/>
               </a:rPr>
-              <a:t>minus</a:t>
-            </a:r>
+              <a:t>reduce</a:t>
+            </a:r>
+            <a:endParaRPr lang="en-US" sz="2400" dirty="0" smtClean="0">
+              <a:solidFill>
+                <a:srgbClr val="007635"/>
+              </a:solidFill>
+              <a:latin typeface="Arial" pitchFamily="34" charset="0"/>
+              <a:cs typeface="Arial" pitchFamily="34" charset="0"/>
+            </a:endParaRPr>
           </a:p>
           <a:p>
             <a:pPr>
@@ -38050,6 +35384,13 @@
   <p:clrMapOvr>
     <a:masterClrMapping/>
   </p:clrMapOvr>
+  <p:timing>
+    <p:tnLst>
+      <p:par>
+        <p:cTn id="1" dur="indefinite" restart="never" nodeType="tmRoot"/>
+      </p:par>
+    </p:tnLst>
+  </p:timing>
 </p:sld>
 </file>
 
@@ -38418,8 +35759,15 @@
                 <a:latin typeface="Times New Roman" pitchFamily="18" charset="0"/>
                 <a:cs typeface="Times New Roman" pitchFamily="18" charset="0"/>
               </a:rPr>
-              <a:t> Strings &amp; API</a:t>
-            </a:r>
+              <a:t> Functions</a:t>
+            </a:r>
+            <a:endParaRPr lang="en-US" sz="3200" dirty="0" smtClean="0">
+              <a:solidFill>
+                <a:srgbClr val="003399"/>
+              </a:solidFill>
+              <a:latin typeface="Times New Roman" pitchFamily="18" charset="0"/>
+              <a:cs typeface="Times New Roman" pitchFamily="18" charset="0"/>
+            </a:endParaRPr>
           </a:p>
           <a:p>
             <a:pPr>
@@ -38440,61 +35788,7 @@
                 <a:latin typeface="Times New Roman" pitchFamily="18" charset="0"/>
                 <a:cs typeface="Times New Roman" pitchFamily="18" charset="0"/>
               </a:rPr>
-              <a:t> Importance of style</a:t>
-            </a:r>
-          </a:p>
-          <a:p>
-            <a:pPr>
-              <a:lnSpc>
-                <a:spcPct val="80000"/>
-              </a:lnSpc>
-              <a:spcBef>
-                <a:spcPct val="20000"/>
-              </a:spcBef>
-              <a:buFontTx/>
-              <a:buChar char="•"/>
-            </a:pPr>
-            <a:r>
-              <a:rPr lang="en-US" sz="3200" dirty="0" smtClean="0">
-                <a:solidFill>
-                  <a:srgbClr val="003399"/>
-                </a:solidFill>
-                <a:latin typeface="Times New Roman" pitchFamily="18" charset="0"/>
-                <a:cs typeface="Times New Roman" pitchFamily="18" charset="0"/>
-              </a:rPr>
-              <a:t> Functions</a:t>
-            </a:r>
-          </a:p>
-          <a:p>
-            <a:pPr>
-              <a:lnSpc>
-                <a:spcPct val="80000"/>
-              </a:lnSpc>
-              <a:spcBef>
-                <a:spcPct val="20000"/>
-              </a:spcBef>
-              <a:buFontTx/>
-              <a:buChar char="•"/>
-            </a:pPr>
-            <a:r>
-              <a:rPr lang="en-US" sz="3200" dirty="0" smtClean="0">
-                <a:solidFill>
-                  <a:srgbClr val="003399"/>
-                </a:solidFill>
-                <a:latin typeface="Times New Roman" pitchFamily="18" charset="0"/>
-                <a:cs typeface="Times New Roman" pitchFamily="18" charset="0"/>
-              </a:rPr>
-              <a:t> </a:t>
-            </a:r>
-            <a:r>
-              <a:rPr lang="en-US" sz="3200" dirty="0" smtClean="0">
-                <a:solidFill>
-                  <a:srgbClr val="003399"/>
-                </a:solidFill>
-                <a:latin typeface="Times New Roman" pitchFamily="18" charset="0"/>
-                <a:cs typeface="Times New Roman" pitchFamily="18" charset="0"/>
-              </a:rPr>
-              <a:t>Homework</a:t>
+              <a:t> Homework</a:t>
             </a:r>
           </a:p>
           <a:p>

--- a/Sessions/2/gip2.pptx
+++ b/Sessions/2/gip2.pptx
@@ -6,7 +6,7 @@
     <p:sldMasterId id="2147483649" r:id="rId2"/>
   </p:sldMasterIdLst>
   <p:notesMasterIdLst>
-    <p:notesMasterId r:id="rId44"/>
+    <p:notesMasterId r:id="rId48"/>
   </p:notesMasterIdLst>
   <p:sldIdLst>
     <p:sldId id="256" r:id="rId3"/>
@@ -14,42 +14,46 @@
     <p:sldId id="653" r:id="rId5"/>
     <p:sldId id="538" r:id="rId6"/>
     <p:sldId id="573" r:id="rId7"/>
-    <p:sldId id="475" r:id="rId8"/>
-    <p:sldId id="580" r:id="rId9"/>
-    <p:sldId id="581" r:id="rId10"/>
-    <p:sldId id="587" r:id="rId11"/>
-    <p:sldId id="589" r:id="rId12"/>
-    <p:sldId id="590" r:id="rId13"/>
-    <p:sldId id="588" r:id="rId14"/>
-    <p:sldId id="599" r:id="rId15"/>
-    <p:sldId id="592" r:id="rId16"/>
-    <p:sldId id="596" r:id="rId17"/>
-    <p:sldId id="543" r:id="rId18"/>
-    <p:sldId id="593" r:id="rId19"/>
-    <p:sldId id="595" r:id="rId20"/>
-    <p:sldId id="594" r:id="rId21"/>
-    <p:sldId id="643" r:id="rId22"/>
-    <p:sldId id="644" r:id="rId23"/>
-    <p:sldId id="645" r:id="rId24"/>
-    <p:sldId id="646" r:id="rId25"/>
-    <p:sldId id="647" r:id="rId26"/>
-    <p:sldId id="649" r:id="rId27"/>
-    <p:sldId id="650" r:id="rId28"/>
-    <p:sldId id="651" r:id="rId29"/>
-    <p:sldId id="655" r:id="rId30"/>
-    <p:sldId id="648" r:id="rId31"/>
-    <p:sldId id="600" r:id="rId32"/>
-    <p:sldId id="504" r:id="rId33"/>
-    <p:sldId id="505" r:id="rId34"/>
-    <p:sldId id="477" r:id="rId35"/>
-    <p:sldId id="603" r:id="rId36"/>
-    <p:sldId id="482" r:id="rId37"/>
-    <p:sldId id="506" r:id="rId38"/>
-    <p:sldId id="602" r:id="rId39"/>
-    <p:sldId id="553" r:id="rId40"/>
-    <p:sldId id="554" r:id="rId41"/>
-    <p:sldId id="555" r:id="rId42"/>
-    <p:sldId id="562" r:id="rId43"/>
+    <p:sldId id="656" r:id="rId8"/>
+    <p:sldId id="475" r:id="rId9"/>
+    <p:sldId id="580" r:id="rId10"/>
+    <p:sldId id="581" r:id="rId11"/>
+    <p:sldId id="587" r:id="rId12"/>
+    <p:sldId id="589" r:id="rId13"/>
+    <p:sldId id="590" r:id="rId14"/>
+    <p:sldId id="588" r:id="rId15"/>
+    <p:sldId id="657" r:id="rId16"/>
+    <p:sldId id="599" r:id="rId17"/>
+    <p:sldId id="592" r:id="rId18"/>
+    <p:sldId id="596" r:id="rId19"/>
+    <p:sldId id="543" r:id="rId20"/>
+    <p:sldId id="593" r:id="rId21"/>
+    <p:sldId id="595" r:id="rId22"/>
+    <p:sldId id="594" r:id="rId23"/>
+    <p:sldId id="643" r:id="rId24"/>
+    <p:sldId id="644" r:id="rId25"/>
+    <p:sldId id="645" r:id="rId26"/>
+    <p:sldId id="646" r:id="rId27"/>
+    <p:sldId id="647" r:id="rId28"/>
+    <p:sldId id="649" r:id="rId29"/>
+    <p:sldId id="650" r:id="rId30"/>
+    <p:sldId id="651" r:id="rId31"/>
+    <p:sldId id="655" r:id="rId32"/>
+    <p:sldId id="648" r:id="rId33"/>
+    <p:sldId id="658" r:id="rId34"/>
+    <p:sldId id="600" r:id="rId35"/>
+    <p:sldId id="504" r:id="rId36"/>
+    <p:sldId id="505" r:id="rId37"/>
+    <p:sldId id="477" r:id="rId38"/>
+    <p:sldId id="603" r:id="rId39"/>
+    <p:sldId id="482" r:id="rId40"/>
+    <p:sldId id="506" r:id="rId41"/>
+    <p:sldId id="659" r:id="rId42"/>
+    <p:sldId id="602" r:id="rId43"/>
+    <p:sldId id="553" r:id="rId44"/>
+    <p:sldId id="554" r:id="rId45"/>
+    <p:sldId id="555" r:id="rId46"/>
+    <p:sldId id="562" r:id="rId47"/>
   </p:sldIdLst>
   <p:sldSz cx="9144000" cy="6858000" type="screen4x3"/>
   <p:notesSz cx="6858000" cy="9144000"/>
@@ -1097,7 +1101,7 @@
             <a:fld id="{BB651CA2-6B27-4891-B37E-E8E02BCD8B0D}" type="slidenum">
               <a:rPr lang="he-IL" smtClean="0"/>
               <a:pPr eaLnBrk="1" hangingPunct="1"/>
-              <a:t>10</a:t>
+              <a:t>11</a:t>
             </a:fld>
             <a:endParaRPr lang="en-US" smtClean="0"/>
           </a:p>
@@ -1323,7 +1327,7 @@
             <a:fld id="{FD75AA64-0CFE-4799-855C-AD2A7797A33B}" type="slidenum">
               <a:rPr lang="he-IL" smtClean="0"/>
               <a:pPr eaLnBrk="1" hangingPunct="1"/>
-              <a:t>11</a:t>
+              <a:t>12</a:t>
             </a:fld>
             <a:endParaRPr lang="en-US" smtClean="0"/>
           </a:p>
@@ -1549,7 +1553,7 @@
             <a:fld id="{BFF3C59A-3A15-4481-BFCC-C823C09C7FF4}" type="slidenum">
               <a:rPr lang="he-IL" smtClean="0"/>
               <a:pPr eaLnBrk="1" hangingPunct="1"/>
-              <a:t>12</a:t>
+              <a:t>13</a:t>
             </a:fld>
             <a:endParaRPr lang="en-US" smtClean="0"/>
           </a:p>
@@ -1775,7 +1779,7 @@
             <a:fld id="{47E640CD-8602-4048-9982-89679504DF09}" type="slidenum">
               <a:rPr lang="ar-SA" smtClean="0"/>
               <a:pPr eaLnBrk="1" hangingPunct="1"/>
-              <a:t>13</a:t>
+              <a:t>15</a:t>
             </a:fld>
             <a:endParaRPr lang="en-US" smtClean="0"/>
           </a:p>
@@ -2001,7 +2005,7 @@
             <a:fld id="{2A6E72FE-CDFC-4C21-A121-8F98E7936E4A}" type="slidenum">
               <a:rPr lang="he-IL" smtClean="0"/>
               <a:pPr eaLnBrk="1" hangingPunct="1"/>
-              <a:t>14</a:t>
+              <a:t>16</a:t>
             </a:fld>
             <a:endParaRPr lang="en-US" smtClean="0"/>
           </a:p>
@@ -2233,7 +2237,7 @@
             <a:fld id="{5C6790DE-473C-4D9A-8D6D-BF9A4B11C333}" type="slidenum">
               <a:rPr lang="ar-SA" smtClean="0"/>
               <a:pPr eaLnBrk="1" hangingPunct="1"/>
-              <a:t>15</a:t>
+              <a:t>17</a:t>
             </a:fld>
             <a:endParaRPr lang="en-US" smtClean="0"/>
           </a:p>
@@ -2459,7 +2463,7 @@
             <a:fld id="{19D06EB3-2BE7-4990-8297-EC91B02BD5D4}" type="slidenum">
               <a:rPr lang="he-IL" smtClean="0"/>
               <a:pPr eaLnBrk="1" hangingPunct="1"/>
-              <a:t>16</a:t>
+              <a:t>18</a:t>
             </a:fld>
             <a:endParaRPr lang="en-US" smtClean="0"/>
           </a:p>
@@ -2685,7 +2689,7 @@
             <a:fld id="{67C2CDBE-3791-4A5B-881E-F0799FF506AE}" type="slidenum">
               <a:rPr lang="he-IL" smtClean="0"/>
               <a:pPr eaLnBrk="1" hangingPunct="1"/>
-              <a:t>17</a:t>
+              <a:t>19</a:t>
             </a:fld>
             <a:endParaRPr lang="en-US" smtClean="0"/>
           </a:p>
@@ -2911,7 +2915,7 @@
             <a:fld id="{DCE93711-AD79-424D-970D-D6CE08B4C98F}" type="slidenum">
               <a:rPr lang="he-IL" smtClean="0"/>
               <a:pPr eaLnBrk="1" hangingPunct="1"/>
-              <a:t>18</a:t>
+              <a:t>20</a:t>
             </a:fld>
             <a:endParaRPr lang="en-US" smtClean="0"/>
           </a:p>
@@ -3137,7 +3141,7 @@
             <a:fld id="{6B4C86B3-7610-45AF-94EA-F105B37D2EEB}" type="slidenum">
               <a:rPr lang="he-IL" smtClean="0"/>
               <a:pPr eaLnBrk="1" hangingPunct="1"/>
-              <a:t>19</a:t>
+              <a:t>21</a:t>
             </a:fld>
             <a:endParaRPr lang="en-US" smtClean="0"/>
           </a:p>
@@ -3589,7 +3593,7 @@
             <a:fld id="{107D4C60-81EC-4CF1-BEC7-E42A3487E6BD}" type="slidenum">
               <a:rPr lang="en-US" smtClean="0"/>
               <a:pPr eaLnBrk="1" hangingPunct="1"/>
-              <a:t>20</a:t>
+              <a:t>22</a:t>
             </a:fld>
             <a:endParaRPr lang="en-US" smtClean="0"/>
           </a:p>
@@ -3815,7 +3819,7 @@
             <a:fld id="{1E3E4719-240C-4693-8B38-D5EAB4507CA9}" type="slidenum">
               <a:rPr lang="ar-SA" smtClean="0"/>
               <a:pPr eaLnBrk="1" hangingPunct="1"/>
-              <a:t>21</a:t>
+              <a:t>23</a:t>
             </a:fld>
             <a:endParaRPr lang="en-US" smtClean="0"/>
           </a:p>
@@ -4041,7 +4045,7 @@
             <a:fld id="{6135CAF1-EB69-4E75-B29E-5783227266CC}" type="slidenum">
               <a:rPr lang="en-US" smtClean="0"/>
               <a:pPr eaLnBrk="1" hangingPunct="1"/>
-              <a:t>22</a:t>
+              <a:t>24</a:t>
             </a:fld>
             <a:endParaRPr lang="en-US" smtClean="0"/>
           </a:p>
@@ -4267,7 +4271,7 @@
             <a:fld id="{7ABC2436-AAA5-42DF-8B78-41021DD16767}" type="slidenum">
               <a:rPr lang="ar-SA" smtClean="0"/>
               <a:pPr eaLnBrk="1" hangingPunct="1"/>
-              <a:t>23</a:t>
+              <a:t>25</a:t>
             </a:fld>
             <a:endParaRPr lang="en-US" smtClean="0"/>
           </a:p>
@@ -4499,7 +4503,7 @@
             <a:fld id="{87DA2704-BCDC-43FF-9F75-418E2FC8A3E6}" type="slidenum">
               <a:rPr lang="ar-SA" smtClean="0"/>
               <a:pPr eaLnBrk="1" hangingPunct="1"/>
-              <a:t>24</a:t>
+              <a:t>26</a:t>
             </a:fld>
             <a:endParaRPr lang="en-US" smtClean="0"/>
           </a:p>
@@ -4985,7 +4989,7 @@
             <a:fld id="{9144AA66-E4D2-4E86-BF37-FB648F16611F}" type="slidenum">
               <a:rPr lang="he-IL" smtClean="0"/>
               <a:pPr eaLnBrk="1" hangingPunct="1"/>
-              <a:t>29</a:t>
+              <a:t>31</a:t>
             </a:fld>
             <a:endParaRPr lang="en-US" smtClean="0"/>
           </a:p>
@@ -5211,7 +5215,7 @@
             <a:fld id="{CE7B31C0-9450-4D60-9E89-445E3E63524A}" type="slidenum">
               <a:rPr lang="ar-SA" smtClean="0"/>
               <a:pPr eaLnBrk="1" hangingPunct="1"/>
-              <a:t>30</a:t>
+              <a:t>33</a:t>
             </a:fld>
             <a:endParaRPr lang="en-US" smtClean="0"/>
           </a:p>
@@ -5663,7 +5667,7 @@
             <a:fld id="{646056C9-EC1D-4BD8-B5C0-112D8BEA98BC}" type="slidenum">
               <a:rPr lang="he-IL" smtClean="0"/>
               <a:pPr eaLnBrk="1" hangingPunct="1"/>
-              <a:t>31</a:t>
+              <a:t>34</a:t>
             </a:fld>
             <a:endParaRPr lang="en-US" smtClean="0"/>
           </a:p>
@@ -5889,7 +5893,7 @@
             <a:fld id="{A728F453-D9F9-4186-ACDB-C7BCD5E3B749}" type="slidenum">
               <a:rPr lang="he-IL" smtClean="0"/>
               <a:pPr eaLnBrk="1" hangingPunct="1"/>
-              <a:t>32</a:t>
+              <a:t>35</a:t>
             </a:fld>
             <a:endParaRPr lang="en-US" smtClean="0"/>
           </a:p>
@@ -6115,7 +6119,7 @@
             <a:fld id="{B6DBDCFA-E516-4EC4-AA83-8BF04A89C488}" type="slidenum">
               <a:rPr lang="he-IL" smtClean="0"/>
               <a:pPr eaLnBrk="1" hangingPunct="1"/>
-              <a:t>33</a:t>
+              <a:t>36</a:t>
             </a:fld>
             <a:endParaRPr lang="en-US" smtClean="0"/>
           </a:p>
@@ -6341,7 +6345,7 @@
             <a:fld id="{47083907-3A71-4933-AC68-7D65726D725F}" type="slidenum">
               <a:rPr lang="en-US" smtClean="0"/>
               <a:pPr eaLnBrk="1" hangingPunct="1"/>
-              <a:t>34</a:t>
+              <a:t>37</a:t>
             </a:fld>
             <a:endParaRPr lang="en-US" smtClean="0"/>
           </a:p>
@@ -6567,7 +6571,7 @@
             <a:fld id="{78E40311-9FC8-49A2-A135-BE80DAA4CE55}" type="slidenum">
               <a:rPr lang="he-IL" smtClean="0"/>
               <a:pPr eaLnBrk="1" hangingPunct="1"/>
-              <a:t>35</a:t>
+              <a:t>38</a:t>
             </a:fld>
             <a:endParaRPr lang="en-US" smtClean="0"/>
           </a:p>
@@ -6793,7 +6797,7 @@
             <a:fld id="{68969ADE-8508-4847-A9E0-F1776EAD32E8}" type="slidenum">
               <a:rPr lang="he-IL" smtClean="0"/>
               <a:pPr eaLnBrk="1" hangingPunct="1"/>
-              <a:t>36</a:t>
+              <a:t>39</a:t>
             </a:fld>
             <a:endParaRPr lang="en-US" smtClean="0"/>
           </a:p>
@@ -7019,7 +7023,7 @@
             <a:fld id="{EB36622F-B3C9-452B-8FD6-0CDC9D89507B}" type="slidenum">
               <a:rPr lang="ar-SA" smtClean="0"/>
               <a:pPr eaLnBrk="1" hangingPunct="1"/>
-              <a:t>37</a:t>
+              <a:t>41</a:t>
             </a:fld>
             <a:endParaRPr lang="en-US" smtClean="0"/>
           </a:p>
@@ -7245,7 +7249,7 @@
             <a:fld id="{ACCE91C3-A52A-4394-BE6F-63EEA23BB623}" type="slidenum">
               <a:rPr lang="he-IL" smtClean="0"/>
               <a:pPr eaLnBrk="1" hangingPunct="1"/>
-              <a:t>38</a:t>
+              <a:t>42</a:t>
             </a:fld>
             <a:endParaRPr lang="en-US" smtClean="0"/>
           </a:p>
@@ -7471,7 +7475,7 @@
             <a:fld id="{9431E55C-49DD-4E16-8E13-B045B408DB47}" type="slidenum">
               <a:rPr lang="he-IL" smtClean="0"/>
               <a:pPr eaLnBrk="1" hangingPunct="1"/>
-              <a:t>39</a:t>
+              <a:t>43</a:t>
             </a:fld>
             <a:endParaRPr lang="en-US" smtClean="0"/>
           </a:p>
@@ -7697,7 +7701,7 @@
             <a:fld id="{B2EB9581-CE57-450C-A911-BC99DC732B9D}" type="slidenum">
               <a:rPr lang="he-IL" smtClean="0"/>
               <a:pPr eaLnBrk="1" hangingPunct="1"/>
-              <a:t>40</a:t>
+              <a:t>44</a:t>
             </a:fld>
             <a:endParaRPr lang="en-US" smtClean="0"/>
           </a:p>
@@ -8149,7 +8153,7 @@
             <a:fld id="{CE490E2A-B175-44EC-BFC4-AEAB667950BF}" type="slidenum">
               <a:rPr lang="he-IL" smtClean="0"/>
               <a:pPr eaLnBrk="1" hangingPunct="1"/>
-              <a:t>41</a:t>
+              <a:t>45</a:t>
             </a:fld>
             <a:endParaRPr lang="en-US" smtClean="0"/>
           </a:p>
@@ -8601,7 +8605,7 @@
             <a:fld id="{C92895F8-5E02-4FF8-B01E-CC109017ABD9}" type="slidenum">
               <a:rPr lang="ar-SA" smtClean="0"/>
               <a:pPr eaLnBrk="1" hangingPunct="1"/>
-              <a:t>6</a:t>
+              <a:t>7</a:t>
             </a:fld>
             <a:endParaRPr lang="en-US" smtClean="0"/>
           </a:p>
@@ -8827,7 +8831,7 @@
             <a:fld id="{C21C87EE-395E-4B53-9409-82116AA5ED1F}" type="slidenum">
               <a:rPr lang="en-US" smtClean="0"/>
               <a:pPr eaLnBrk="1" hangingPunct="1"/>
-              <a:t>7</a:t>
+              <a:t>8</a:t>
             </a:fld>
             <a:endParaRPr lang="en-US" smtClean="0"/>
           </a:p>
@@ -9053,7 +9057,7 @@
             <a:fld id="{743E5332-8B03-46C3-A303-CDE65BC55535}" type="slidenum">
               <a:rPr lang="en-US" smtClean="0"/>
               <a:pPr eaLnBrk="1" hangingPunct="1"/>
-              <a:t>8</a:t>
+              <a:t>9</a:t>
             </a:fld>
             <a:endParaRPr lang="en-US" smtClean="0"/>
           </a:p>
@@ -9279,7 +9283,7 @@
             <a:fld id="{4E22C0BA-6448-461F-B479-9DEFE9960C6D}" type="slidenum">
               <a:rPr lang="he-IL" smtClean="0"/>
               <a:pPr eaLnBrk="1" hangingPunct="1"/>
-              <a:t>9</a:t>
+              <a:t>10</a:t>
             </a:fld>
             <a:endParaRPr lang="en-US" smtClean="0"/>
           </a:p>
@@ -9432,7 +9436,7 @@
               <a:pPr>
                 <a:defRPr/>
               </a:pPr>
-              <a:t>9/6/2015</a:t>
+              <a:t>9/7/2015</a:t>
             </a:fld>
             <a:endParaRPr lang="en-US"/>
           </a:p>
@@ -9638,7 +9642,7 @@
               <a:pPr>
                 <a:defRPr/>
               </a:pPr>
-              <a:t>9/6/2015</a:t>
+              <a:t>9/7/2015</a:t>
             </a:fld>
             <a:endParaRPr lang="en-US"/>
           </a:p>
@@ -9854,7 +9858,7 @@
               <a:pPr>
                 <a:defRPr/>
               </a:pPr>
-              <a:t>9/6/2015</a:t>
+              <a:t>9/7/2015</a:t>
             </a:fld>
             <a:endParaRPr lang="en-US"/>
           </a:p>
@@ -10038,7 +10042,7 @@
               <a:pPr>
                 <a:defRPr/>
               </a:pPr>
-              <a:t>9/6/2015</a:t>
+              <a:t>9/7/2015</a:t>
             </a:fld>
             <a:endParaRPr lang="en-US"/>
           </a:p>
@@ -10262,7 +10266,7 @@
               <a:pPr>
                 <a:defRPr/>
               </a:pPr>
-              <a:t>9/6/2015</a:t>
+              <a:t>9/7/2015</a:t>
             </a:fld>
             <a:endParaRPr lang="en-US"/>
           </a:p>
@@ -10468,7 +10472,7 @@
               <a:pPr>
                 <a:defRPr/>
               </a:pPr>
-              <a:t>9/6/2015</a:t>
+              <a:t>9/7/2015</a:t>
             </a:fld>
             <a:endParaRPr lang="en-US"/>
           </a:p>
@@ -10696,7 +10700,7 @@
               <a:pPr>
                 <a:defRPr/>
               </a:pPr>
-              <a:t>9/6/2015</a:t>
+              <a:t>9/7/2015</a:t>
             </a:fld>
             <a:endParaRPr lang="en-US"/>
           </a:p>
@@ -11020,7 +11024,7 @@
               <a:pPr>
                 <a:defRPr/>
               </a:pPr>
-              <a:t>9/6/2015</a:t>
+              <a:t>9/7/2015</a:t>
             </a:fld>
             <a:endParaRPr lang="en-US"/>
           </a:p>
@@ -11478,7 +11482,7 @@
               <a:pPr>
                 <a:defRPr/>
               </a:pPr>
-              <a:t>9/6/2015</a:t>
+              <a:t>9/7/2015</a:t>
             </a:fld>
             <a:endParaRPr lang="en-US"/>
           </a:p>
@@ -11632,7 +11636,7 @@
               <a:pPr>
                 <a:defRPr/>
               </a:pPr>
-              <a:t>9/6/2015</a:t>
+              <a:t>9/7/2015</a:t>
             </a:fld>
             <a:endParaRPr lang="en-US"/>
           </a:p>
@@ -11763,7 +11767,7 @@
               <a:pPr>
                 <a:defRPr/>
               </a:pPr>
-              <a:t>9/6/2015</a:t>
+              <a:t>9/7/2015</a:t>
             </a:fld>
             <a:endParaRPr lang="en-US"/>
           </a:p>
@@ -11969,7 +11973,7 @@
               <a:pPr>
                 <a:defRPr/>
               </a:pPr>
-              <a:t>9/6/2015</a:t>
+              <a:t>9/7/2015</a:t>
             </a:fld>
             <a:endParaRPr lang="en-US"/>
           </a:p>
@@ -12282,7 +12286,7 @@
               <a:pPr>
                 <a:defRPr/>
               </a:pPr>
-              <a:t>9/6/2015</a:t>
+              <a:t>9/7/2015</a:t>
             </a:fld>
             <a:endParaRPr lang="en-US"/>
           </a:p>
@@ -12572,7 +12576,7 @@
               <a:pPr>
                 <a:defRPr/>
               </a:pPr>
-              <a:t>9/6/2015</a:t>
+              <a:t>9/7/2015</a:t>
             </a:fld>
             <a:endParaRPr lang="en-US"/>
           </a:p>
@@ -12778,7 +12782,7 @@
               <a:pPr>
                 <a:defRPr/>
               </a:pPr>
-              <a:t>9/6/2015</a:t>
+              <a:t>9/7/2015</a:t>
             </a:fld>
             <a:endParaRPr lang="en-US"/>
           </a:p>
@@ -12994,7 +12998,7 @@
               <a:pPr>
                 <a:defRPr/>
               </a:pPr>
-              <a:t>9/6/2015</a:t>
+              <a:t>9/7/2015</a:t>
             </a:fld>
             <a:endParaRPr lang="en-US"/>
           </a:p>
@@ -13222,7 +13226,7 @@
               <a:pPr>
                 <a:defRPr/>
               </a:pPr>
-              <a:t>9/6/2015</a:t>
+              <a:t>9/7/2015</a:t>
             </a:fld>
             <a:endParaRPr lang="en-US"/>
           </a:p>
@@ -13546,7 +13550,7 @@
               <a:pPr>
                 <a:defRPr/>
               </a:pPr>
-              <a:t>9/6/2015</a:t>
+              <a:t>9/7/2015</a:t>
             </a:fld>
             <a:endParaRPr lang="en-US"/>
           </a:p>
@@ -14004,7 +14008,7 @@
               <a:pPr>
                 <a:defRPr/>
               </a:pPr>
-              <a:t>9/6/2015</a:t>
+              <a:t>9/7/2015</a:t>
             </a:fld>
             <a:endParaRPr lang="en-US"/>
           </a:p>
@@ -14158,7 +14162,7 @@
               <a:pPr>
                 <a:defRPr/>
               </a:pPr>
-              <a:t>9/6/2015</a:t>
+              <a:t>9/7/2015</a:t>
             </a:fld>
             <a:endParaRPr lang="en-US"/>
           </a:p>
@@ -14289,7 +14293,7 @@
               <a:pPr>
                 <a:defRPr/>
               </a:pPr>
-              <a:t>9/6/2015</a:t>
+              <a:t>9/7/2015</a:t>
             </a:fld>
             <a:endParaRPr lang="en-US"/>
           </a:p>
@@ -14602,7 +14606,7 @@
               <a:pPr>
                 <a:defRPr/>
               </a:pPr>
-              <a:t>9/6/2015</a:t>
+              <a:t>9/7/2015</a:t>
             </a:fld>
             <a:endParaRPr lang="en-US"/>
           </a:p>
@@ -14892,7 +14896,7 @@
               <a:pPr>
                 <a:defRPr/>
               </a:pPr>
-              <a:t>9/6/2015</a:t>
+              <a:t>9/7/2015</a:t>
             </a:fld>
             <a:endParaRPr lang="en-US"/>
           </a:p>
@@ -15198,7 +15202,7 @@
               <a:pPr>
                 <a:defRPr/>
               </a:pPr>
-              <a:t>9/6/2015</a:t>
+              <a:t>9/7/2015</a:t>
             </a:fld>
             <a:endParaRPr lang="en-US"/>
           </a:p>
@@ -15938,7 +15942,7 @@
               <a:pPr>
                 <a:defRPr/>
               </a:pPr>
-              <a:t>9/6/2015</a:t>
+              <a:t>9/7/2015</a:t>
             </a:fld>
             <a:endParaRPr lang="en-US"/>
           </a:p>
@@ -16800,7 +16804,7 @@
       </p:grpSpPr>
       <p:sp>
         <p:nvSpPr>
-          <p:cNvPr id="12290" name="Title 1"/>
+          <p:cNvPr id="11266" name="Title 1"/>
           <p:cNvSpPr>
             <a:spLocks noGrp="1"/>
           </p:cNvSpPr>
@@ -16810,7 +16814,7 @@
         </p:nvSpPr>
         <p:spPr>
           <a:xfrm>
-            <a:off x="457200" y="304800"/>
+            <a:off x="457200" y="228600"/>
             <a:ext cx="8229600" cy="1143000"/>
           </a:xfrm>
         </p:spPr>
@@ -16823,7 +16827,7 @@
                 <a:latin typeface="Times New Roman" pitchFamily="18" charset="0"/>
                 <a:cs typeface="Times New Roman" pitchFamily="18" charset="0"/>
               </a:rPr>
-              <a:t>Lists – Dynamic</a:t>
+              <a:t>Lists</a:t>
             </a:r>
             <a:endParaRPr lang="he-IL" smtClean="0">
               <a:latin typeface="Times New Roman" pitchFamily="18" charset="0"/>
@@ -16834,7 +16838,7 @@
       </p:sp>
       <p:sp>
         <p:nvSpPr>
-          <p:cNvPr id="12291" name="Content Placeholder 2"/>
+          <p:cNvPr id="3" name="Content Placeholder 2"/>
           <p:cNvSpPr>
             <a:spLocks noGrp="1"/>
           </p:cNvSpPr>
@@ -16844,362 +16848,519 @@
         </p:nvSpPr>
         <p:spPr>
           <a:xfrm>
-            <a:off x="684213" y="1447800"/>
-            <a:ext cx="8002587" cy="4572000"/>
+            <a:off x="468313" y="1219200"/>
+            <a:ext cx="8218487" cy="5486400"/>
           </a:xfrm>
         </p:spPr>
         <p:txBody>
-          <a:bodyPr/>
+          <a:bodyPr>
+            <a:normAutofit lnSpcReduction="10000"/>
+          </a:bodyPr>
           <a:lstStyle/>
           <a:p>
-            <a:r>
-              <a:rPr lang="en-US" sz="2400" dirty="0" smtClean="0">
-                <a:latin typeface="Arial" pitchFamily="34" charset="0"/>
-                <a:cs typeface="Arial" pitchFamily="34" charset="0"/>
-              </a:rPr>
-              <a:t>We want to maintain a list of the students here either by name or by id:</a:t>
-            </a:r>
-          </a:p>
-          <a:p>
-            <a:pPr>
+            <a:pPr lvl="1">
+              <a:lnSpc>
+                <a:spcPct val="90000"/>
+              </a:lnSpc>
               <a:buFontTx/>
               <a:buNone/>
+              <a:defRPr/>
             </a:pPr>
             <a:r>
-              <a:rPr lang="en-US" sz="2800" dirty="0" smtClean="0">
+              <a:rPr lang="en-US" dirty="0" smtClean="0">
+                <a:solidFill>
+                  <a:schemeClr val="tx1"/>
+                </a:solidFill>
                 <a:latin typeface="Arial" pitchFamily="34" charset="0"/>
                 <a:cs typeface="Arial" pitchFamily="34" charset="0"/>
               </a:rPr>
-              <a:t>&gt;&gt;&gt; students </a:t>
-            </a:r>
-            <a:r>
-              <a:rPr lang="en-US" sz="2800" dirty="0" smtClean="0">
-                <a:solidFill>
-                  <a:srgbClr val="A52A2A"/>
-                </a:solidFill>
-                <a:effectLst/>
-                <a:latin typeface="Arial" pitchFamily="34" charset="0"/>
-                <a:cs typeface="Arial" pitchFamily="34" charset="0"/>
-              </a:rPr>
-              <a:t>=</a:t>
-            </a:r>
-            <a:r>
-              <a:rPr lang="en-US" sz="2800" dirty="0" smtClean="0">
-                <a:latin typeface="Arial" pitchFamily="34" charset="0"/>
-                <a:cs typeface="Arial" pitchFamily="34" charset="0"/>
-              </a:rPr>
-              <a:t> [</a:t>
-            </a:r>
-            <a:r>
-              <a:rPr lang="en-US" sz="2800" dirty="0" smtClean="0">
-                <a:solidFill>
-                  <a:srgbClr val="228B22"/>
-                </a:solidFill>
-                <a:effectLst/>
-                <a:latin typeface="Arial" pitchFamily="34" charset="0"/>
-                <a:cs typeface="Arial" pitchFamily="34" charset="0"/>
-              </a:rPr>
-              <a:t>'</a:t>
-            </a:r>
-            <a:r>
-              <a:rPr lang="en-US" sz="2800" dirty="0" err="1" smtClean="0">
-                <a:solidFill>
-                  <a:srgbClr val="228B22"/>
-                </a:solidFill>
-                <a:effectLst/>
-                <a:latin typeface="Arial" pitchFamily="34" charset="0"/>
-                <a:cs typeface="Arial" pitchFamily="34" charset="0"/>
-              </a:rPr>
-              <a:t>Itay</a:t>
-            </a:r>
-            <a:r>
-              <a:rPr lang="en-US" sz="2800" dirty="0" smtClean="0">
-                <a:solidFill>
-                  <a:srgbClr val="228B22"/>
-                </a:solidFill>
-                <a:effectLst/>
-                <a:latin typeface="Arial" pitchFamily="34" charset="0"/>
-                <a:cs typeface="Arial" pitchFamily="34" charset="0"/>
-              </a:rPr>
-              <a:t>'</a:t>
-            </a:r>
-            <a:r>
-              <a:rPr lang="en-US" sz="2800" dirty="0" smtClean="0">
-                <a:latin typeface="Arial" pitchFamily="34" charset="0"/>
-                <a:cs typeface="Arial" pitchFamily="34" charset="0"/>
-              </a:rPr>
-              <a:t>, 9255587, </a:t>
-            </a:r>
-            <a:r>
-              <a:rPr lang="en-US" sz="2800" dirty="0" smtClean="0">
-                <a:solidFill>
-                  <a:srgbClr val="228B22"/>
-                </a:solidFill>
-                <a:effectLst/>
-                <a:latin typeface="Arial" pitchFamily="34" charset="0"/>
-                <a:cs typeface="Arial" pitchFamily="34" charset="0"/>
-              </a:rPr>
-              <a:t>'</a:t>
-            </a:r>
-            <a:r>
-              <a:rPr lang="en-US" sz="2800" dirty="0" err="1" smtClean="0">
-                <a:solidFill>
-                  <a:srgbClr val="228B22"/>
-                </a:solidFill>
-                <a:effectLst/>
-                <a:latin typeface="Arial" pitchFamily="34" charset="0"/>
-                <a:cs typeface="Arial" pitchFamily="34" charset="0"/>
-              </a:rPr>
-              <a:t>Alon</a:t>
-            </a:r>
-            <a:r>
-              <a:rPr lang="en-US" sz="2800" dirty="0" smtClean="0">
-                <a:solidFill>
-                  <a:srgbClr val="228B22"/>
-                </a:solidFill>
-                <a:effectLst/>
-                <a:latin typeface="Arial" pitchFamily="34" charset="0"/>
-                <a:cs typeface="Arial" pitchFamily="34" charset="0"/>
-              </a:rPr>
-              <a:t>'</a:t>
-            </a:r>
-            <a:r>
-              <a:rPr lang="en-US" sz="2800" dirty="0" smtClean="0">
-                <a:latin typeface="Arial" pitchFamily="34" charset="0"/>
-                <a:cs typeface="Arial" pitchFamily="34" charset="0"/>
-              </a:rPr>
-              <a:t>, </a:t>
-            </a:r>
-            <a:r>
-              <a:rPr lang="en-US" sz="2800" dirty="0" smtClean="0">
-                <a:solidFill>
-                  <a:srgbClr val="228B22"/>
-                </a:solidFill>
-                <a:effectLst/>
-                <a:latin typeface="Arial" pitchFamily="34" charset="0"/>
-                <a:cs typeface="Arial" pitchFamily="34" charset="0"/>
-              </a:rPr>
-              <a:t>'Zohar'</a:t>
-            </a:r>
-            <a:r>
-              <a:rPr lang="en-US" sz="2800" dirty="0" smtClean="0">
-                <a:latin typeface="Arial" pitchFamily="34" charset="0"/>
-                <a:cs typeface="Arial" pitchFamily="34" charset="0"/>
-              </a:rPr>
-              <a:t>, 744554887]</a:t>
-            </a:r>
-          </a:p>
-          <a:p>
-            <a:pPr>
+              <a:t>Lists can contain strings:</a:t>
+            </a:r>
+          </a:p>
+          <a:p>
+            <a:pPr lvl="1">
+              <a:lnSpc>
+                <a:spcPct val="90000"/>
+              </a:lnSpc>
               <a:buFontTx/>
               <a:buNone/>
+              <a:defRPr/>
             </a:pPr>
             <a:r>
-              <a:rPr lang="en-US" sz="2800" dirty="0" smtClean="0">
+              <a:rPr lang="en-US" dirty="0" smtClean="0">
+                <a:solidFill>
+                  <a:schemeClr val="tx1"/>
+                </a:solidFill>
                 <a:latin typeface="Arial" pitchFamily="34" charset="0"/>
                 <a:cs typeface="Arial" pitchFamily="34" charset="0"/>
               </a:rPr>
-              <a:t>&gt;&gt;&gt; </a:t>
-            </a:r>
-            <a:r>
-              <a:rPr lang="en-US" sz="2800" dirty="0" smtClean="0">
-                <a:solidFill>
-                  <a:srgbClr val="FF8C00"/>
-                </a:solidFill>
-                <a:effectLst/>
+              <a:t>&gt;&gt;&gt; days = [</a:t>
+            </a:r>
+            <a:r>
+              <a:rPr lang="en-US" dirty="0" smtClean="0">
+                <a:solidFill>
+                  <a:srgbClr val="009900"/>
+                </a:solidFill>
                 <a:latin typeface="Arial" pitchFamily="34" charset="0"/>
                 <a:cs typeface="Arial" pitchFamily="34" charset="0"/>
               </a:rPr>
-              <a:t>print</a:t>
-            </a:r>
-            <a:r>
-              <a:rPr lang="en-US" sz="2800" dirty="0" smtClean="0">
+              <a:t>“Sunday”</a:t>
+            </a:r>
+            <a:r>
+              <a:rPr lang="en-US" dirty="0" smtClean="0">
+                <a:solidFill>
+                  <a:schemeClr val="tx1"/>
+                </a:solidFill>
                 <a:latin typeface="Arial" pitchFamily="34" charset="0"/>
                 <a:cs typeface="Arial" pitchFamily="34" charset="0"/>
               </a:rPr>
-              <a:t>(students[2])</a:t>
-            </a:r>
-          </a:p>
-          <a:p>
-            <a:pPr>
+              <a:t>,</a:t>
+            </a:r>
+            <a:r>
+              <a:rPr lang="en-US" dirty="0" smtClean="0">
+                <a:solidFill>
+                  <a:srgbClr val="009900"/>
+                </a:solidFill>
+                <a:latin typeface="Arial" pitchFamily="34" charset="0"/>
+                <a:cs typeface="Arial" pitchFamily="34" charset="0"/>
+              </a:rPr>
+              <a:t> “Monday"</a:t>
+            </a:r>
+            <a:r>
+              <a:rPr lang="en-US" dirty="0" smtClean="0">
+                <a:solidFill>
+                  <a:schemeClr val="tx1"/>
+                </a:solidFill>
+                <a:latin typeface="Arial" pitchFamily="34" charset="0"/>
+                <a:cs typeface="Arial" pitchFamily="34" charset="0"/>
+              </a:rPr>
+              <a:t>,</a:t>
+            </a:r>
+            <a:r>
+              <a:rPr lang="en-US" dirty="0" smtClean="0">
+                <a:solidFill>
+                  <a:srgbClr val="009900"/>
+                </a:solidFill>
+                <a:latin typeface="Arial" pitchFamily="34" charset="0"/>
+                <a:cs typeface="Arial" pitchFamily="34" charset="0"/>
+              </a:rPr>
+              <a:t> "Tuesday”</a:t>
+            </a:r>
+            <a:r>
+              <a:rPr lang="en-US" dirty="0" smtClean="0">
+                <a:solidFill>
+                  <a:schemeClr val="tx1"/>
+                </a:solidFill>
+                <a:latin typeface="Arial" pitchFamily="34" charset="0"/>
+                <a:cs typeface="Arial" pitchFamily="34" charset="0"/>
+              </a:rPr>
+              <a:t>,</a:t>
+            </a:r>
+            <a:r>
+              <a:rPr lang="en-US" dirty="0" smtClean="0">
+                <a:solidFill>
+                  <a:srgbClr val="009900"/>
+                </a:solidFill>
+                <a:latin typeface="Arial" pitchFamily="34" charset="0"/>
+                <a:cs typeface="Arial" pitchFamily="34" charset="0"/>
+              </a:rPr>
+              <a:t> “Wednesday”</a:t>
+            </a:r>
+            <a:r>
+              <a:rPr lang="en-US" dirty="0" smtClean="0">
+                <a:solidFill>
+                  <a:schemeClr val="tx1"/>
+                </a:solidFill>
+                <a:latin typeface="Arial" pitchFamily="34" charset="0"/>
+                <a:cs typeface="Arial" pitchFamily="34" charset="0"/>
+              </a:rPr>
+              <a:t>,</a:t>
+            </a:r>
+            <a:r>
+              <a:rPr lang="en-US" dirty="0" smtClean="0">
+                <a:solidFill>
+                  <a:srgbClr val="009900"/>
+                </a:solidFill>
+                <a:latin typeface="Arial" pitchFamily="34" charset="0"/>
+                <a:cs typeface="Arial" pitchFamily="34" charset="0"/>
+              </a:rPr>
+              <a:t> “Thursday”</a:t>
+            </a:r>
+            <a:r>
+              <a:rPr lang="en-US" dirty="0" smtClean="0">
+                <a:solidFill>
+                  <a:schemeClr val="tx1"/>
+                </a:solidFill>
+                <a:latin typeface="Arial" pitchFamily="34" charset="0"/>
+                <a:cs typeface="Arial" pitchFamily="34" charset="0"/>
+              </a:rPr>
+              <a:t>,</a:t>
+            </a:r>
+            <a:r>
+              <a:rPr lang="en-US" dirty="0" smtClean="0">
+                <a:solidFill>
+                  <a:srgbClr val="009900"/>
+                </a:solidFill>
+                <a:latin typeface="Arial" pitchFamily="34" charset="0"/>
+                <a:cs typeface="Arial" pitchFamily="34" charset="0"/>
+              </a:rPr>
+              <a:t> “Friday”</a:t>
+            </a:r>
+            <a:r>
+              <a:rPr lang="en-US" dirty="0" smtClean="0">
+                <a:solidFill>
+                  <a:schemeClr val="tx1"/>
+                </a:solidFill>
+                <a:latin typeface="Arial" pitchFamily="34" charset="0"/>
+                <a:cs typeface="Arial" pitchFamily="34" charset="0"/>
+              </a:rPr>
+              <a:t>,</a:t>
+            </a:r>
+            <a:r>
+              <a:rPr lang="en-US" dirty="0" smtClean="0">
+                <a:solidFill>
+                  <a:srgbClr val="009900"/>
+                </a:solidFill>
+                <a:latin typeface="Arial" pitchFamily="34" charset="0"/>
+                <a:cs typeface="Arial" pitchFamily="34" charset="0"/>
+              </a:rPr>
+              <a:t> “Saturday”</a:t>
+            </a:r>
+            <a:r>
+              <a:rPr lang="en-US" dirty="0" smtClean="0">
+                <a:solidFill>
+                  <a:schemeClr val="tx1"/>
+                </a:solidFill>
+                <a:latin typeface="Arial" pitchFamily="34" charset="0"/>
+                <a:cs typeface="Arial" pitchFamily="34" charset="0"/>
+              </a:rPr>
+              <a:t>]</a:t>
+            </a:r>
+          </a:p>
+          <a:p>
+            <a:pPr lvl="1">
+              <a:lnSpc>
+                <a:spcPct val="90000"/>
+              </a:lnSpc>
               <a:buFontTx/>
               <a:buNone/>
+              <a:defRPr/>
             </a:pPr>
             <a:r>
-              <a:rPr lang="en-US" sz="2400" dirty="0" smtClean="0">
-                <a:solidFill>
-                  <a:srgbClr val="0E29AE"/>
+              <a:rPr lang="en-US" dirty="0" smtClean="0">
+                <a:solidFill>
+                  <a:schemeClr val="tx1"/>
                 </a:solidFill>
                 <a:latin typeface="Arial" pitchFamily="34" charset="0"/>
                 <a:cs typeface="Arial" pitchFamily="34" charset="0"/>
               </a:rPr>
-              <a:t>‘</a:t>
-            </a:r>
-            <a:r>
-              <a:rPr lang="en-US" sz="2400" dirty="0" err="1" smtClean="0">
-                <a:solidFill>
-                  <a:srgbClr val="0E29AE"/>
-                </a:solidFill>
-                <a:latin typeface="Arial" pitchFamily="34" charset="0"/>
-                <a:cs typeface="Arial" pitchFamily="34" charset="0"/>
-              </a:rPr>
-              <a:t>Alon</a:t>
-            </a:r>
-            <a:r>
-              <a:rPr lang="en-US" sz="2400" dirty="0" smtClean="0">
-                <a:solidFill>
-                  <a:srgbClr val="0E29AE"/>
-                </a:solidFill>
-                <a:latin typeface="Arial" pitchFamily="34" charset="0"/>
-                <a:cs typeface="Arial" pitchFamily="34" charset="0"/>
-              </a:rPr>
-              <a:t>’</a:t>
-            </a:r>
-          </a:p>
-          <a:p>
-            <a:r>
-              <a:rPr lang="en-US" sz="2400" dirty="0" smtClean="0">
-                <a:latin typeface="Arial" pitchFamily="34" charset="0"/>
-                <a:cs typeface="Arial" pitchFamily="34" charset="0"/>
-              </a:rPr>
-              <a:t>Michal decided to join the course, so we update the list:</a:t>
-            </a:r>
-          </a:p>
-          <a:p>
-            <a:pPr>
+              <a:t>&gt;&gt;&gt; days[3] </a:t>
+            </a:r>
+          </a:p>
+          <a:p>
+            <a:pPr lvl="1">
+              <a:lnSpc>
+                <a:spcPct val="90000"/>
+              </a:lnSpc>
               <a:buFontTx/>
               <a:buNone/>
+              <a:defRPr/>
             </a:pPr>
             <a:r>
-              <a:rPr lang="en-US" sz="2400" dirty="0" smtClean="0">
-                <a:solidFill>
-                  <a:srgbClr val="FF0000"/>
+              <a:rPr lang="en-US" dirty="0" smtClean="0">
+                <a:solidFill>
+                  <a:schemeClr val="accent2"/>
                 </a:solidFill>
                 <a:latin typeface="Arial" pitchFamily="34" charset="0"/>
                 <a:cs typeface="Arial" pitchFamily="34" charset="0"/>
               </a:rPr>
-              <a:t># append - add an element to the end of the list</a:t>
-            </a:r>
-            <a:endParaRPr lang="en-US" sz="2400" dirty="0" smtClean="0">
+              <a:t>‘Wednesday’</a:t>
+            </a:r>
+          </a:p>
+          <a:p>
+            <a:pPr lvl="1">
+              <a:lnSpc>
+                <a:spcPct val="90000"/>
+              </a:lnSpc>
+              <a:buFontTx/>
+              <a:buNone/>
+              <a:defRPr/>
+            </a:pPr>
+            <a:r>
+              <a:rPr lang="en-US" dirty="0" smtClean="0">
+                <a:solidFill>
+                  <a:schemeClr val="tx1"/>
+                </a:solidFill>
+                <a:latin typeface="Arial" pitchFamily="34" charset="0"/>
+                <a:cs typeface="Arial" pitchFamily="34" charset="0"/>
+              </a:rPr>
+              <a:t>&gt;&gt;&gt; </a:t>
+            </a:r>
+            <a:r>
+              <a:rPr lang="en-US" dirty="0" err="1" smtClean="0">
+                <a:solidFill>
+                  <a:schemeClr val="tx1"/>
+                </a:solidFill>
+                <a:latin typeface="Arial" pitchFamily="34" charset="0"/>
+                <a:cs typeface="Arial" pitchFamily="34" charset="0"/>
+              </a:rPr>
+              <a:t>len</a:t>
+            </a:r>
+            <a:r>
+              <a:rPr lang="en-US" dirty="0" smtClean="0">
+                <a:solidFill>
+                  <a:schemeClr val="tx1"/>
+                </a:solidFill>
+                <a:latin typeface="Arial" pitchFamily="34" charset="0"/>
+                <a:cs typeface="Arial" pitchFamily="34" charset="0"/>
+              </a:rPr>
+              <a:t>(days) </a:t>
+            </a:r>
+          </a:p>
+          <a:p>
+            <a:pPr lvl="1">
+              <a:lnSpc>
+                <a:spcPct val="90000"/>
+              </a:lnSpc>
+              <a:buFontTx/>
+              <a:buNone/>
+              <a:defRPr/>
+            </a:pPr>
+            <a:r>
+              <a:rPr lang="en-US" dirty="0" smtClean="0">
+                <a:solidFill>
+                  <a:schemeClr val="accent2"/>
+                </a:solidFill>
+                <a:latin typeface="Arial" pitchFamily="34" charset="0"/>
+                <a:cs typeface="Arial" pitchFamily="34" charset="0"/>
+              </a:rPr>
+              <a:t>7</a:t>
+            </a:r>
+          </a:p>
+          <a:p>
+            <a:pPr lvl="1">
+              <a:lnSpc>
+                <a:spcPct val="90000"/>
+              </a:lnSpc>
+              <a:buFontTx/>
+              <a:buNone/>
+              <a:defRPr/>
+            </a:pPr>
+            <a:endParaRPr lang="en-US" dirty="0" smtClean="0">
+              <a:solidFill>
+                <a:schemeClr val="accent2"/>
+              </a:solidFill>
               <a:latin typeface="Arial" pitchFamily="34" charset="0"/>
               <a:cs typeface="Arial" pitchFamily="34" charset="0"/>
             </a:endParaRPr>
           </a:p>
           <a:p>
-            <a:pPr>
+            <a:pPr lvl="1">
+              <a:lnSpc>
+                <a:spcPct val="90000"/>
+              </a:lnSpc>
               <a:buFontTx/>
               <a:buNone/>
+              <a:defRPr/>
             </a:pPr>
             <a:r>
-              <a:rPr lang="en-US" sz="2400" dirty="0" smtClean="0">
+              <a:rPr lang="en-US" dirty="0" smtClean="0">
+                <a:solidFill>
+                  <a:schemeClr val="tx1"/>
+                </a:solidFill>
                 <a:latin typeface="Arial" pitchFamily="34" charset="0"/>
                 <a:cs typeface="Arial" pitchFamily="34" charset="0"/>
               </a:rPr>
-              <a:t>&gt;&gt;&gt; </a:t>
-            </a:r>
-            <a:r>
-              <a:rPr lang="en-US" sz="2400" dirty="0" err="1" smtClean="0">
-                <a:latin typeface="Arial" pitchFamily="34" charset="0"/>
-                <a:cs typeface="Arial" pitchFamily="34" charset="0"/>
-              </a:rPr>
-              <a:t>students.append</a:t>
-            </a:r>
-            <a:r>
-              <a:rPr lang="en-US" sz="2400" dirty="0" smtClean="0">
-                <a:latin typeface="Arial" pitchFamily="34" charset="0"/>
-                <a:cs typeface="Arial" pitchFamily="34" charset="0"/>
-              </a:rPr>
-              <a:t>(</a:t>
-            </a:r>
-            <a:r>
-              <a:rPr lang="en-US" sz="2400" dirty="0" smtClean="0">
-                <a:solidFill>
-                  <a:srgbClr val="00B050"/>
-                </a:solidFill>
-                <a:latin typeface="Arial" pitchFamily="34" charset="0"/>
-                <a:cs typeface="Arial" pitchFamily="34" charset="0"/>
-              </a:rPr>
-              <a:t>'Michal'</a:t>
-            </a:r>
-            <a:r>
-              <a:rPr lang="en-US" sz="2400" dirty="0" smtClean="0">
-                <a:latin typeface="Arial" pitchFamily="34" charset="0"/>
-                <a:cs typeface="Arial" pitchFamily="34" charset="0"/>
-              </a:rPr>
-              <a:t>)</a:t>
-            </a:r>
-          </a:p>
-          <a:p>
-            <a:pPr>
+              <a:t>Lists can mix variables of different types:</a:t>
+            </a:r>
+          </a:p>
+          <a:p>
+            <a:pPr lvl="1">
+              <a:lnSpc>
+                <a:spcPct val="90000"/>
+              </a:lnSpc>
               <a:buFontTx/>
               <a:buNone/>
+              <a:defRPr/>
             </a:pPr>
             <a:r>
-              <a:rPr lang="en-US" sz="2400" dirty="0" smtClean="0">
+              <a:rPr lang="en-US" dirty="0" smtClean="0">
+                <a:solidFill>
+                  <a:schemeClr val="tx1"/>
+                </a:solidFill>
                 <a:latin typeface="Arial" pitchFamily="34" charset="0"/>
                 <a:cs typeface="Arial" pitchFamily="34" charset="0"/>
               </a:rPr>
-              <a:t>&gt;&gt;&gt; students</a:t>
-            </a:r>
-          </a:p>
-          <a:p>
-            <a:pPr>
+              <a:t>&gt;&gt;&gt; pi = [</a:t>
+            </a:r>
+            <a:r>
+              <a:rPr lang="en-US" dirty="0" smtClean="0">
+                <a:solidFill>
+                  <a:srgbClr val="009900"/>
+                </a:solidFill>
+                <a:latin typeface="Arial" pitchFamily="34" charset="0"/>
+                <a:cs typeface="Arial" pitchFamily="34" charset="0"/>
+              </a:rPr>
+              <a:t>‘pi’</a:t>
+            </a:r>
+            <a:r>
+              <a:rPr lang="en-US" dirty="0" smtClean="0">
+                <a:solidFill>
+                  <a:schemeClr val="tx1"/>
+                </a:solidFill>
+                <a:latin typeface="Arial" pitchFamily="34" charset="0"/>
+                <a:cs typeface="Arial" pitchFamily="34" charset="0"/>
+              </a:rPr>
+              <a:t>, 3.14159, </a:t>
+            </a:r>
+            <a:r>
+              <a:rPr lang="en-US" dirty="0" smtClean="0">
+                <a:solidFill>
+                  <a:schemeClr val="accent2"/>
+                </a:solidFill>
+                <a:latin typeface="Arial" pitchFamily="34" charset="0"/>
+                <a:cs typeface="Arial" pitchFamily="34" charset="0"/>
+              </a:rPr>
+              <a:t>True</a:t>
+            </a:r>
+            <a:r>
+              <a:rPr lang="en-US" dirty="0" smtClean="0">
+                <a:solidFill>
+                  <a:schemeClr val="tx1"/>
+                </a:solidFill>
+                <a:latin typeface="Arial" pitchFamily="34" charset="0"/>
+                <a:cs typeface="Arial" pitchFamily="34" charset="0"/>
+              </a:rPr>
+              <a:t>]</a:t>
+            </a:r>
+          </a:p>
+          <a:p>
+            <a:pPr lvl="1">
+              <a:lnSpc>
+                <a:spcPct val="90000"/>
+              </a:lnSpc>
               <a:buFontTx/>
               <a:buNone/>
+              <a:defRPr/>
             </a:pPr>
             <a:r>
-              <a:rPr lang="en-US" sz="2400" dirty="0" smtClean="0">
-                <a:solidFill>
-                  <a:srgbClr val="0E29AE"/>
+              <a:rPr lang="en-US" dirty="0" smtClean="0">
+                <a:solidFill>
+                  <a:srgbClr val="CC0000"/>
                 </a:solidFill>
                 <a:latin typeface="Arial" pitchFamily="34" charset="0"/>
                 <a:cs typeface="Arial" pitchFamily="34" charset="0"/>
               </a:rPr>
-              <a:t>['</a:t>
-            </a:r>
-            <a:r>
-              <a:rPr lang="en-US" sz="2400" dirty="0" err="1" smtClean="0">
-                <a:solidFill>
-                  <a:srgbClr val="0E29AE"/>
+              <a:t># student: name, age, height, SAT</a:t>
+            </a:r>
+          </a:p>
+          <a:p>
+            <a:pPr lvl="1">
+              <a:lnSpc>
+                <a:spcPct val="90000"/>
+              </a:lnSpc>
+              <a:buFontTx/>
+              <a:buNone/>
+              <a:defRPr/>
+            </a:pPr>
+            <a:r>
+              <a:rPr lang="en-US" dirty="0" smtClean="0">
+                <a:solidFill>
+                  <a:schemeClr val="tx1"/>
                 </a:solidFill>
                 <a:latin typeface="Arial" pitchFamily="34" charset="0"/>
                 <a:cs typeface="Arial" pitchFamily="34" charset="0"/>
               </a:rPr>
-              <a:t>Itay</a:t>
-            </a:r>
-            <a:r>
-              <a:rPr lang="en-US" sz="2400" dirty="0" smtClean="0">
-                <a:solidFill>
-                  <a:srgbClr val="0E29AE"/>
+              <a:t>&gt;&gt;&gt; student = [</a:t>
+            </a:r>
+            <a:r>
+              <a:rPr lang="en-US" dirty="0" smtClean="0">
+                <a:solidFill>
+                  <a:srgbClr val="009900"/>
                 </a:solidFill>
                 <a:latin typeface="Arial" pitchFamily="34" charset="0"/>
                 <a:cs typeface="Arial" pitchFamily="34" charset="0"/>
               </a:rPr>
-              <a:t>', 9255587, '</a:t>
-            </a:r>
-            <a:r>
-              <a:rPr lang="en-US" sz="2400" dirty="0" err="1" smtClean="0">
-                <a:solidFill>
-                  <a:srgbClr val="0E29AE"/>
+              <a:t>‘</a:t>
+            </a:r>
+            <a:r>
+              <a:rPr lang="en-US" dirty="0" err="1" smtClean="0">
+                <a:solidFill>
+                  <a:srgbClr val="009900"/>
                 </a:solidFill>
                 <a:latin typeface="Arial" pitchFamily="34" charset="0"/>
                 <a:cs typeface="Arial" pitchFamily="34" charset="0"/>
               </a:rPr>
-              <a:t>Alon</a:t>
-            </a:r>
-            <a:r>
-              <a:rPr lang="en-US" sz="2400" dirty="0" smtClean="0">
-                <a:solidFill>
-                  <a:srgbClr val="0E29AE"/>
+              <a:t>Roi</a:t>
+            </a:r>
+            <a:r>
+              <a:rPr lang="en-US" dirty="0" smtClean="0">
+                <a:solidFill>
+                  <a:srgbClr val="009900"/>
                 </a:solidFill>
                 <a:latin typeface="Arial" pitchFamily="34" charset="0"/>
                 <a:cs typeface="Arial" pitchFamily="34" charset="0"/>
               </a:rPr>
-              <a:t>', 'Zohar', 744554887, 'Michal']</a:t>
-            </a:r>
-            <a:endParaRPr lang="he-IL" sz="2400" dirty="0" smtClean="0">
+              <a:t>’</a:t>
+            </a:r>
+            <a:r>
+              <a:rPr lang="en-US" dirty="0" smtClean="0">
+                <a:solidFill>
+                  <a:schemeClr val="tx1"/>
+                </a:solidFill>
+                <a:latin typeface="Arial" pitchFamily="34" charset="0"/>
+                <a:cs typeface="Arial" pitchFamily="34" charset="0"/>
+              </a:rPr>
+              <a:t>, 21, 1.83, 782]</a:t>
+            </a:r>
+          </a:p>
+          <a:p>
+            <a:pPr lvl="1">
+              <a:lnSpc>
+                <a:spcPct val="90000"/>
+              </a:lnSpc>
+              <a:buFontTx/>
+              <a:buNone/>
+              <a:defRPr/>
+            </a:pPr>
+            <a:endParaRPr lang="en-US" dirty="0" smtClean="0">
+              <a:solidFill>
+                <a:schemeClr val="accent2"/>
+              </a:solidFill>
               <a:latin typeface="Arial" pitchFamily="34" charset="0"/>
               <a:cs typeface="Arial" pitchFamily="34" charset="0"/>
+            </a:endParaRPr>
+          </a:p>
+          <a:p>
+            <a:pPr lvl="1">
+              <a:lnSpc>
+                <a:spcPct val="90000"/>
+              </a:lnSpc>
+              <a:buFontTx/>
+              <a:buNone/>
+              <a:defRPr/>
+            </a:pPr>
+            <a:endParaRPr lang="en-US" dirty="0" smtClean="0">
+              <a:solidFill>
+                <a:schemeClr val="tx1"/>
+              </a:solidFill>
+              <a:latin typeface="Arial" pitchFamily="34" charset="0"/>
+              <a:cs typeface="Arial" pitchFamily="34" charset="0"/>
+            </a:endParaRPr>
+          </a:p>
+          <a:p>
+            <a:pPr lvl="1">
+              <a:lnSpc>
+                <a:spcPct val="90000"/>
+              </a:lnSpc>
+              <a:buFontTx/>
+              <a:buNone/>
+              <a:defRPr/>
+            </a:pPr>
+            <a:endParaRPr lang="en-US" dirty="0" smtClean="0">
+              <a:solidFill>
+                <a:schemeClr val="tx1"/>
+              </a:solidFill>
             </a:endParaRPr>
           </a:p>
         </p:txBody>
@@ -17238,7 +17399,7 @@
       </p:grpSpPr>
       <p:sp>
         <p:nvSpPr>
-          <p:cNvPr id="13314" name="Title 1"/>
+          <p:cNvPr id="12290" name="Title 1"/>
           <p:cNvSpPr>
             <a:spLocks noGrp="1"/>
           </p:cNvSpPr>
@@ -17272,7 +17433,7 @@
       </p:sp>
       <p:sp>
         <p:nvSpPr>
-          <p:cNvPr id="13315" name="Content Placeholder 2"/>
+          <p:cNvPr id="12291" name="Content Placeholder 2"/>
           <p:cNvSpPr>
             <a:spLocks noGrp="1"/>
           </p:cNvSpPr>
@@ -17280,17 +17441,22 @@
             <p:ph sz="quarter" idx="1"/>
           </p:nvPr>
         </p:nvSpPr>
-        <p:spPr/>
+        <p:spPr>
+          <a:xfrm>
+            <a:off x="684213" y="1447800"/>
+            <a:ext cx="8002587" cy="4572000"/>
+          </a:xfrm>
+        </p:spPr>
         <p:txBody>
           <a:bodyPr/>
           <a:lstStyle/>
           <a:p>
             <a:r>
-              <a:rPr lang="en-US" sz="2400" smtClean="0">
+              <a:rPr lang="en-US" sz="2400" dirty="0" smtClean="0">
                 <a:latin typeface="Arial" pitchFamily="34" charset="0"/>
                 <a:cs typeface="Arial" pitchFamily="34" charset="0"/>
               </a:rPr>
-              <a:t>But Alon wants lo leave the course:</a:t>
+              <a:t>We want to maintain a list of the students here either by name or by id:</a:t>
             </a:r>
           </a:p>
           <a:p>
@@ -17299,28 +17465,127 @@
               <a:buNone/>
             </a:pPr>
             <a:r>
-              <a:rPr lang="en-US" sz="2400" smtClean="0">
+              <a:rPr lang="en-US" sz="2800" dirty="0" smtClean="0">
                 <a:latin typeface="Arial" pitchFamily="34" charset="0"/>
                 <a:cs typeface="Arial" pitchFamily="34" charset="0"/>
               </a:rPr>
-              <a:t>&gt;&gt;&gt; students.remove(</a:t>
-            </a:r>
-            <a:r>
-              <a:rPr lang="en-US" sz="2400" smtClean="0">
-                <a:solidFill>
-                  <a:srgbClr val="00B050"/>
-                </a:solidFill>
+              <a:t>&gt;&gt;&gt; students </a:t>
+            </a:r>
+            <a:r>
+              <a:rPr lang="en-US" sz="2800" dirty="0" smtClean="0">
+                <a:solidFill>
+                  <a:srgbClr val="A52A2A"/>
+                </a:solidFill>
+                <a:effectLst/>
                 <a:latin typeface="Arial" pitchFamily="34" charset="0"/>
                 <a:cs typeface="Arial" pitchFamily="34" charset="0"/>
               </a:rPr>
-              <a:t>'Alon'</a:t>
-            </a:r>
-            <a:r>
-              <a:rPr lang="en-US" sz="2400" smtClean="0">
+              <a:t>=</a:t>
+            </a:r>
+            <a:r>
+              <a:rPr lang="en-US" sz="2800" dirty="0" smtClean="0">
                 <a:latin typeface="Arial" pitchFamily="34" charset="0"/>
                 <a:cs typeface="Arial" pitchFamily="34" charset="0"/>
               </a:rPr>
-              <a:t>)</a:t>
+              <a:t> [</a:t>
+            </a:r>
+            <a:r>
+              <a:rPr lang="en-US" sz="2800" dirty="0" smtClean="0">
+                <a:solidFill>
+                  <a:srgbClr val="228B22"/>
+                </a:solidFill>
+                <a:effectLst/>
+                <a:latin typeface="Arial" pitchFamily="34" charset="0"/>
+                <a:cs typeface="Arial" pitchFamily="34" charset="0"/>
+              </a:rPr>
+              <a:t>'</a:t>
+            </a:r>
+            <a:r>
+              <a:rPr lang="en-US" sz="2800" dirty="0" err="1" smtClean="0">
+                <a:solidFill>
+                  <a:srgbClr val="228B22"/>
+                </a:solidFill>
+                <a:effectLst/>
+                <a:latin typeface="Arial" pitchFamily="34" charset="0"/>
+                <a:cs typeface="Arial" pitchFamily="34" charset="0"/>
+              </a:rPr>
+              <a:t>Itay</a:t>
+            </a:r>
+            <a:r>
+              <a:rPr lang="en-US" sz="2800" dirty="0" smtClean="0">
+                <a:solidFill>
+                  <a:srgbClr val="228B22"/>
+                </a:solidFill>
+                <a:effectLst/>
+                <a:latin typeface="Arial" pitchFamily="34" charset="0"/>
+                <a:cs typeface="Arial" pitchFamily="34" charset="0"/>
+              </a:rPr>
+              <a:t>'</a:t>
+            </a:r>
+            <a:r>
+              <a:rPr lang="en-US" sz="2800" dirty="0" smtClean="0">
+                <a:latin typeface="Arial" pitchFamily="34" charset="0"/>
+                <a:cs typeface="Arial" pitchFamily="34" charset="0"/>
+              </a:rPr>
+              <a:t>, 9255587, </a:t>
+            </a:r>
+            <a:r>
+              <a:rPr lang="en-US" sz="2800" dirty="0" smtClean="0">
+                <a:solidFill>
+                  <a:srgbClr val="228B22"/>
+                </a:solidFill>
+                <a:effectLst/>
+                <a:latin typeface="Arial" pitchFamily="34" charset="0"/>
+                <a:cs typeface="Arial" pitchFamily="34" charset="0"/>
+              </a:rPr>
+              <a:t>'</a:t>
+            </a:r>
+            <a:r>
+              <a:rPr lang="en-US" sz="2800" dirty="0" err="1" smtClean="0">
+                <a:solidFill>
+                  <a:srgbClr val="228B22"/>
+                </a:solidFill>
+                <a:effectLst/>
+                <a:latin typeface="Arial" pitchFamily="34" charset="0"/>
+                <a:cs typeface="Arial" pitchFamily="34" charset="0"/>
+              </a:rPr>
+              <a:t>Alon</a:t>
+            </a:r>
+            <a:r>
+              <a:rPr lang="en-US" sz="2800" dirty="0" smtClean="0">
+                <a:solidFill>
+                  <a:srgbClr val="228B22"/>
+                </a:solidFill>
+                <a:effectLst/>
+                <a:latin typeface="Arial" pitchFamily="34" charset="0"/>
+                <a:cs typeface="Arial" pitchFamily="34" charset="0"/>
+              </a:rPr>
+              <a:t>'</a:t>
+            </a:r>
+            <a:r>
+              <a:rPr lang="en-US" sz="2800" dirty="0" smtClean="0">
+                <a:latin typeface="Arial" pitchFamily="34" charset="0"/>
+                <a:cs typeface="Arial" pitchFamily="34" charset="0"/>
+              </a:rPr>
+              <a:t>, </a:t>
+            </a:r>
+            <a:r>
+              <a:rPr lang="en-US" sz="2800" dirty="0" smtClean="0">
+                <a:solidFill>
+                  <a:srgbClr val="228B22"/>
+                </a:solidFill>
+                <a:effectLst/>
+                <a:latin typeface="Arial" pitchFamily="34" charset="0"/>
+                <a:cs typeface="Arial" pitchFamily="34" charset="0"/>
+              </a:rPr>
+              <a:t>'Zohar'</a:t>
+            </a:r>
+            <a:r>
+              <a:rPr lang="en-US" sz="2800" dirty="0" smtClean="0">
+                <a:latin typeface="Arial" pitchFamily="34" charset="0"/>
+                <a:cs typeface="Arial" pitchFamily="34" charset="0"/>
+              </a:rPr>
+              <a:t>, 744554887]</a:t>
             </a:r>
           </a:p>
           <a:p>
@@ -17329,11 +17594,29 @@
               <a:buNone/>
             </a:pPr>
             <a:r>
-              <a:rPr lang="en-US" sz="2400" smtClean="0">
+              <a:rPr lang="en-US" sz="2800" dirty="0" smtClean="0">
                 <a:latin typeface="Arial" pitchFamily="34" charset="0"/>
                 <a:cs typeface="Arial" pitchFamily="34" charset="0"/>
               </a:rPr>
-              <a:t>&gt;&gt;&gt; students</a:t>
+              <a:t>&gt;&gt;&gt; </a:t>
+            </a:r>
+            <a:r>
+              <a:rPr lang="en-US" sz="2800" dirty="0" smtClean="0">
+                <a:solidFill>
+                  <a:srgbClr val="FF8C00"/>
+                </a:solidFill>
+                <a:effectLst/>
+                <a:latin typeface="Arial" pitchFamily="34" charset="0"/>
+                <a:cs typeface="Arial" pitchFamily="34" charset="0"/>
+              </a:rPr>
+              <a:t>print</a:t>
+            </a:r>
+            <a:r>
+              <a:rPr lang="en-US" sz="2800" dirty="0" smtClean="0">
+                <a:latin typeface="Arial" pitchFamily="34" charset="0"/>
+                <a:cs typeface="Arial" pitchFamily="34" charset="0"/>
+              </a:rPr>
+              <a:t>(students[2])</a:t>
             </a:r>
           </a:p>
           <a:p>
@@ -17342,14 +17625,43 @@
               <a:buNone/>
             </a:pPr>
             <a:r>
-              <a:rPr lang="en-US" sz="2400" smtClean="0">
+              <a:rPr lang="en-US" sz="2400" dirty="0" smtClean="0">
                 <a:solidFill>
                   <a:srgbClr val="0E29AE"/>
                 </a:solidFill>
                 <a:latin typeface="Arial" pitchFamily="34" charset="0"/>
                 <a:cs typeface="Arial" pitchFamily="34" charset="0"/>
               </a:rPr>
-              <a:t>['Itay', 9255587, 'Zohar', 744554887, 'Michal']</a:t>
+              <a:t>‘</a:t>
+            </a:r>
+            <a:r>
+              <a:rPr lang="en-US" sz="2400" dirty="0" err="1" smtClean="0">
+                <a:solidFill>
+                  <a:srgbClr val="0E29AE"/>
+                </a:solidFill>
+                <a:latin typeface="Arial" pitchFamily="34" charset="0"/>
+                <a:cs typeface="Arial" pitchFamily="34" charset="0"/>
+              </a:rPr>
+              <a:t>Alon</a:t>
+            </a:r>
+            <a:r>
+              <a:rPr lang="en-US" sz="2400" dirty="0" smtClean="0">
+                <a:solidFill>
+                  <a:srgbClr val="0E29AE"/>
+                </a:solidFill>
+                <a:latin typeface="Arial" pitchFamily="34" charset="0"/>
+                <a:cs typeface="Arial" pitchFamily="34" charset="0"/>
+              </a:rPr>
+              <a:t>’</a:t>
+            </a:r>
+          </a:p>
+          <a:p>
+            <a:r>
+              <a:rPr lang="en-US" sz="2400" dirty="0" smtClean="0">
+                <a:latin typeface="Arial" pitchFamily="34" charset="0"/>
+                <a:cs typeface="Arial" pitchFamily="34" charset="0"/>
+              </a:rPr>
+              <a:t>Michal decided to join the course, so we update the list:</a:t>
             </a:r>
           </a:p>
           <a:p>
@@ -17358,36 +17670,133 @@
               <a:buNone/>
             </a:pPr>
             <a:r>
-              <a:rPr lang="en-US" sz="2400" i="1" smtClean="0">
+              <a:rPr lang="en-US" sz="2400" dirty="0" smtClean="0">
+                <a:solidFill>
+                  <a:srgbClr val="FF0000"/>
+                </a:solidFill>
                 <a:latin typeface="Arial" pitchFamily="34" charset="0"/>
                 <a:cs typeface="Arial" pitchFamily="34" charset="0"/>
               </a:rPr>
-              <a:t>remove</a:t>
-            </a:r>
-            <a:r>
-              <a:rPr lang="en-US" sz="2400" smtClean="0">
-                <a:latin typeface="Arial" pitchFamily="34" charset="0"/>
-                <a:cs typeface="Arial" pitchFamily="34" charset="0"/>
-              </a:rPr>
-              <a:t> removes only the first occurrence of a value.</a:t>
-            </a:r>
+              <a:t># append - add an element to the end of the list</a:t>
+            </a:r>
+            <a:endParaRPr lang="en-US" sz="2400" dirty="0" smtClean="0">
+              <a:latin typeface="Arial" pitchFamily="34" charset="0"/>
+              <a:cs typeface="Arial" pitchFamily="34" charset="0"/>
+            </a:endParaRPr>
           </a:p>
           <a:p>
             <a:pPr>
               <a:buFontTx/>
               <a:buNone/>
             </a:pPr>
-            <a:endParaRPr lang="en-US" sz="2400" smtClean="0">
-              <a:latin typeface="Arial" pitchFamily="34" charset="0"/>
-              <a:cs typeface="Arial" pitchFamily="34" charset="0"/>
-            </a:endParaRPr>
+            <a:r>
+              <a:rPr lang="en-US" sz="2400" dirty="0" smtClean="0">
+                <a:latin typeface="Arial" pitchFamily="34" charset="0"/>
+                <a:cs typeface="Arial" pitchFamily="34" charset="0"/>
+              </a:rPr>
+              <a:t>&gt;&gt;&gt; </a:t>
+            </a:r>
+            <a:r>
+              <a:rPr lang="en-US" sz="2400" dirty="0" err="1" smtClean="0">
+                <a:latin typeface="Arial" pitchFamily="34" charset="0"/>
+                <a:cs typeface="Arial" pitchFamily="34" charset="0"/>
+              </a:rPr>
+              <a:t>students.append</a:t>
+            </a:r>
+            <a:r>
+              <a:rPr lang="en-US" sz="2400" dirty="0" smtClean="0">
+                <a:latin typeface="Arial" pitchFamily="34" charset="0"/>
+                <a:cs typeface="Arial" pitchFamily="34" charset="0"/>
+              </a:rPr>
+              <a:t>(</a:t>
+            </a:r>
+            <a:r>
+              <a:rPr lang="en-US" sz="2400" dirty="0" smtClean="0">
+                <a:solidFill>
+                  <a:srgbClr val="00B050"/>
+                </a:solidFill>
+                <a:latin typeface="Arial" pitchFamily="34" charset="0"/>
+                <a:cs typeface="Arial" pitchFamily="34" charset="0"/>
+              </a:rPr>
+              <a:t>'Michal'</a:t>
+            </a:r>
+            <a:r>
+              <a:rPr lang="en-US" sz="2400" dirty="0" smtClean="0">
+                <a:latin typeface="Arial" pitchFamily="34" charset="0"/>
+                <a:cs typeface="Arial" pitchFamily="34" charset="0"/>
+              </a:rPr>
+              <a:t>)</a:t>
+            </a:r>
           </a:p>
           <a:p>
             <a:pPr>
               <a:buFontTx/>
               <a:buNone/>
             </a:pPr>
-            <a:endParaRPr lang="en-US" sz="2400" smtClean="0">
+            <a:r>
+              <a:rPr lang="en-US" sz="2400" dirty="0" smtClean="0">
+                <a:latin typeface="Arial" pitchFamily="34" charset="0"/>
+                <a:cs typeface="Arial" pitchFamily="34" charset="0"/>
+              </a:rPr>
+              <a:t>&gt;&gt;&gt; students</a:t>
+            </a:r>
+          </a:p>
+          <a:p>
+            <a:pPr>
+              <a:buFontTx/>
+              <a:buNone/>
+            </a:pPr>
+            <a:r>
+              <a:rPr lang="en-US" sz="2400" dirty="0" smtClean="0">
+                <a:solidFill>
+                  <a:srgbClr val="0E29AE"/>
+                </a:solidFill>
+                <a:latin typeface="Arial" pitchFamily="34" charset="0"/>
+                <a:cs typeface="Arial" pitchFamily="34" charset="0"/>
+              </a:rPr>
+              <a:t>['</a:t>
+            </a:r>
+            <a:r>
+              <a:rPr lang="en-US" sz="2400" dirty="0" err="1" smtClean="0">
+                <a:solidFill>
+                  <a:srgbClr val="0E29AE"/>
+                </a:solidFill>
+                <a:latin typeface="Arial" pitchFamily="34" charset="0"/>
+                <a:cs typeface="Arial" pitchFamily="34" charset="0"/>
+              </a:rPr>
+              <a:t>Itay</a:t>
+            </a:r>
+            <a:r>
+              <a:rPr lang="en-US" sz="2400" dirty="0" smtClean="0">
+                <a:solidFill>
+                  <a:srgbClr val="0E29AE"/>
+                </a:solidFill>
+                <a:latin typeface="Arial" pitchFamily="34" charset="0"/>
+                <a:cs typeface="Arial" pitchFamily="34" charset="0"/>
+              </a:rPr>
+              <a:t>', 9255587, '</a:t>
+            </a:r>
+            <a:r>
+              <a:rPr lang="en-US" sz="2400" dirty="0" err="1" smtClean="0">
+                <a:solidFill>
+                  <a:srgbClr val="0E29AE"/>
+                </a:solidFill>
+                <a:latin typeface="Arial" pitchFamily="34" charset="0"/>
+                <a:cs typeface="Arial" pitchFamily="34" charset="0"/>
+              </a:rPr>
+              <a:t>Alon</a:t>
+            </a:r>
+            <a:r>
+              <a:rPr lang="en-US" sz="2400" dirty="0" smtClean="0">
+                <a:solidFill>
+                  <a:srgbClr val="0E29AE"/>
+                </a:solidFill>
+                <a:latin typeface="Arial" pitchFamily="34" charset="0"/>
+                <a:cs typeface="Arial" pitchFamily="34" charset="0"/>
+              </a:rPr>
+              <a:t>', 'Zohar', 744554887, 'Michal']</a:t>
+            </a:r>
+            <a:endParaRPr lang="he-IL" sz="2400" dirty="0" smtClean="0">
               <a:latin typeface="Arial" pitchFamily="34" charset="0"/>
               <a:cs typeface="Arial" pitchFamily="34" charset="0"/>
             </a:endParaRPr>
@@ -17410,6 +17819,196 @@
 </file>
 
 <file path=ppt/slides/slide12.xml><?xml version="1.0" encoding="utf-8"?>
+<p:sld xmlns:a="http://schemas.openxmlformats.org/drawingml/2006/main" xmlns:r="http://schemas.openxmlformats.org/officeDocument/2006/relationships" xmlns:p="http://schemas.openxmlformats.org/presentationml/2006/main">
+  <p:cSld>
+    <p:spTree>
+      <p:nvGrpSpPr>
+        <p:cNvPr id="1" name=""/>
+        <p:cNvGrpSpPr/>
+        <p:nvPr/>
+      </p:nvGrpSpPr>
+      <p:grpSpPr>
+        <a:xfrm>
+          <a:off x="0" y="0"/>
+          <a:ext cx="0" cy="0"/>
+          <a:chOff x="0" y="0"/>
+          <a:chExt cx="0" cy="0"/>
+        </a:xfrm>
+      </p:grpSpPr>
+      <p:sp>
+        <p:nvSpPr>
+          <p:cNvPr id="13314" name="Title 1"/>
+          <p:cNvSpPr>
+            <a:spLocks noGrp="1"/>
+          </p:cNvSpPr>
+          <p:nvPr>
+            <p:ph type="title"/>
+          </p:nvPr>
+        </p:nvSpPr>
+        <p:spPr>
+          <a:xfrm>
+            <a:off x="457200" y="304800"/>
+            <a:ext cx="8229600" cy="1143000"/>
+          </a:xfrm>
+        </p:spPr>
+        <p:txBody>
+          <a:bodyPr/>
+          <a:lstStyle/>
+          <a:p>
+            <a:r>
+              <a:rPr lang="en-US" smtClean="0">
+                <a:latin typeface="Times New Roman" pitchFamily="18" charset="0"/>
+                <a:cs typeface="Times New Roman" pitchFamily="18" charset="0"/>
+              </a:rPr>
+              <a:t>Lists – Dynamic</a:t>
+            </a:r>
+            <a:endParaRPr lang="he-IL" smtClean="0">
+              <a:latin typeface="Times New Roman" pitchFamily="18" charset="0"/>
+              <a:cs typeface="Times New Roman" pitchFamily="18" charset="0"/>
+            </a:endParaRPr>
+          </a:p>
+        </p:txBody>
+      </p:sp>
+      <p:sp>
+        <p:nvSpPr>
+          <p:cNvPr id="13315" name="Content Placeholder 2"/>
+          <p:cNvSpPr>
+            <a:spLocks noGrp="1"/>
+          </p:cNvSpPr>
+          <p:nvPr>
+            <p:ph sz="quarter" idx="1"/>
+          </p:nvPr>
+        </p:nvSpPr>
+        <p:spPr/>
+        <p:txBody>
+          <a:bodyPr/>
+          <a:lstStyle/>
+          <a:p>
+            <a:r>
+              <a:rPr lang="en-US" sz="2400" smtClean="0">
+                <a:latin typeface="Arial" pitchFamily="34" charset="0"/>
+                <a:cs typeface="Arial" pitchFamily="34" charset="0"/>
+              </a:rPr>
+              <a:t>But Alon wants lo leave the course:</a:t>
+            </a:r>
+          </a:p>
+          <a:p>
+            <a:pPr>
+              <a:buFontTx/>
+              <a:buNone/>
+            </a:pPr>
+            <a:r>
+              <a:rPr lang="en-US" sz="2400" smtClean="0">
+                <a:latin typeface="Arial" pitchFamily="34" charset="0"/>
+                <a:cs typeface="Arial" pitchFamily="34" charset="0"/>
+              </a:rPr>
+              <a:t>&gt;&gt;&gt; students.remove(</a:t>
+            </a:r>
+            <a:r>
+              <a:rPr lang="en-US" sz="2400" smtClean="0">
+                <a:solidFill>
+                  <a:srgbClr val="00B050"/>
+                </a:solidFill>
+                <a:latin typeface="Arial" pitchFamily="34" charset="0"/>
+                <a:cs typeface="Arial" pitchFamily="34" charset="0"/>
+              </a:rPr>
+              <a:t>'Alon'</a:t>
+            </a:r>
+            <a:r>
+              <a:rPr lang="en-US" sz="2400" smtClean="0">
+                <a:latin typeface="Arial" pitchFamily="34" charset="0"/>
+                <a:cs typeface="Arial" pitchFamily="34" charset="0"/>
+              </a:rPr>
+              <a:t>)</a:t>
+            </a:r>
+          </a:p>
+          <a:p>
+            <a:pPr>
+              <a:buFontTx/>
+              <a:buNone/>
+            </a:pPr>
+            <a:r>
+              <a:rPr lang="en-US" sz="2400" smtClean="0">
+                <a:latin typeface="Arial" pitchFamily="34" charset="0"/>
+                <a:cs typeface="Arial" pitchFamily="34" charset="0"/>
+              </a:rPr>
+              <a:t>&gt;&gt;&gt; students</a:t>
+            </a:r>
+          </a:p>
+          <a:p>
+            <a:pPr>
+              <a:buFontTx/>
+              <a:buNone/>
+            </a:pPr>
+            <a:r>
+              <a:rPr lang="en-US" sz="2400" smtClean="0">
+                <a:solidFill>
+                  <a:srgbClr val="0E29AE"/>
+                </a:solidFill>
+                <a:latin typeface="Arial" pitchFamily="34" charset="0"/>
+                <a:cs typeface="Arial" pitchFamily="34" charset="0"/>
+              </a:rPr>
+              <a:t>['Itay', 9255587, 'Zohar', 744554887, 'Michal']</a:t>
+            </a:r>
+          </a:p>
+          <a:p>
+            <a:pPr>
+              <a:buFontTx/>
+              <a:buNone/>
+            </a:pPr>
+            <a:r>
+              <a:rPr lang="en-US" sz="2400" i="1" smtClean="0">
+                <a:latin typeface="Arial" pitchFamily="34" charset="0"/>
+                <a:cs typeface="Arial" pitchFamily="34" charset="0"/>
+              </a:rPr>
+              <a:t>remove</a:t>
+            </a:r>
+            <a:r>
+              <a:rPr lang="en-US" sz="2400" smtClean="0">
+                <a:latin typeface="Arial" pitchFamily="34" charset="0"/>
+                <a:cs typeface="Arial" pitchFamily="34" charset="0"/>
+              </a:rPr>
+              <a:t> removes only the first occurrence of a value.</a:t>
+            </a:r>
+          </a:p>
+          <a:p>
+            <a:pPr>
+              <a:buFontTx/>
+              <a:buNone/>
+            </a:pPr>
+            <a:endParaRPr lang="en-US" sz="2400" smtClean="0">
+              <a:latin typeface="Arial" pitchFamily="34" charset="0"/>
+              <a:cs typeface="Arial" pitchFamily="34" charset="0"/>
+            </a:endParaRPr>
+          </a:p>
+          <a:p>
+            <a:pPr>
+              <a:buFontTx/>
+              <a:buNone/>
+            </a:pPr>
+            <a:endParaRPr lang="en-US" sz="2400" smtClean="0">
+              <a:latin typeface="Arial" pitchFamily="34" charset="0"/>
+              <a:cs typeface="Arial" pitchFamily="34" charset="0"/>
+            </a:endParaRPr>
+          </a:p>
+        </p:txBody>
+      </p:sp>
+    </p:spTree>
+  </p:cSld>
+  <p:clrMapOvr>
+    <a:masterClrMapping/>
+  </p:clrMapOvr>
+  <p:timing>
+    <p:tnLst>
+      <p:par>
+        <p:cTn id="1" dur="indefinite" restart="never" nodeType="tmRoot"/>
+      </p:par>
+    </p:tnLst>
+  </p:timing>
+</p:sld>
+</file>
+
+<file path=ppt/slides/slide13.xml><?xml version="1.0" encoding="utf-8"?>
 <p:sld xmlns:a="http://schemas.openxmlformats.org/drawingml/2006/main" xmlns:r="http://schemas.openxmlformats.org/officeDocument/2006/relationships" xmlns:p="http://schemas.openxmlformats.org/presentationml/2006/main">
   <p:cSld>
     <p:spTree>
@@ -17995,7 +18594,327 @@
 </p:sld>
 </file>
 
-<file path=ppt/slides/slide13.xml><?xml version="1.0" encoding="utf-8"?>
+<file path=ppt/slides/slide14.xml><?xml version="1.0" encoding="utf-8"?>
+<p:sld xmlns:a="http://schemas.openxmlformats.org/drawingml/2006/main" xmlns:r="http://schemas.openxmlformats.org/officeDocument/2006/relationships" xmlns:p="http://schemas.openxmlformats.org/presentationml/2006/main">
+  <p:cSld>
+    <p:spTree>
+      <p:nvGrpSpPr>
+        <p:cNvPr id="1" name=""/>
+        <p:cNvGrpSpPr/>
+        <p:nvPr/>
+      </p:nvGrpSpPr>
+      <p:grpSpPr>
+        <a:xfrm>
+          <a:off x="0" y="0"/>
+          <a:ext cx="0" cy="0"/>
+          <a:chOff x="0" y="0"/>
+          <a:chExt cx="0" cy="0"/>
+        </a:xfrm>
+      </p:grpSpPr>
+      <p:sp>
+        <p:nvSpPr>
+          <p:cNvPr id="2" name="Title 1"/>
+          <p:cNvSpPr>
+            <a:spLocks noGrp="1"/>
+          </p:cNvSpPr>
+          <p:nvPr>
+            <p:ph type="title"/>
+          </p:nvPr>
+        </p:nvSpPr>
+        <p:spPr/>
+        <p:txBody>
+          <a:bodyPr/>
+          <a:lstStyle/>
+          <a:p>
+            <a:r>
+              <a:rPr lang="en-US" dirty="0" smtClean="0"/>
+              <a:t>Grace Murray Hopper</a:t>
+            </a:r>
+            <a:endParaRPr lang="he-IL" dirty="0"/>
+          </a:p>
+        </p:txBody>
+      </p:sp>
+      <p:sp>
+        <p:nvSpPr>
+          <p:cNvPr id="3" name="Content Placeholder 2"/>
+          <p:cNvSpPr>
+            <a:spLocks noGrp="1"/>
+          </p:cNvSpPr>
+          <p:nvPr>
+            <p:ph idx="1"/>
+          </p:nvPr>
+        </p:nvSpPr>
+        <p:spPr/>
+        <p:txBody>
+          <a:bodyPr/>
+          <a:lstStyle/>
+          <a:p>
+            <a:r>
+              <a:rPr lang="en-US" sz="2800" dirty="0" smtClean="0">
+                <a:solidFill>
+                  <a:schemeClr val="tx1"/>
+                </a:solidFill>
+              </a:rPr>
+              <a:t>December </a:t>
+            </a:r>
+            <a:r>
+              <a:rPr lang="en-US" sz="2800" dirty="0">
+                <a:solidFill>
+                  <a:schemeClr val="tx1"/>
+                </a:solidFill>
+              </a:rPr>
+              <a:t>9, 1906 – January 1, </a:t>
+            </a:r>
+            <a:r>
+              <a:rPr lang="en-US" sz="2800" dirty="0" smtClean="0">
+                <a:solidFill>
+                  <a:schemeClr val="tx1"/>
+                </a:solidFill>
+              </a:rPr>
+              <a:t>1992</a:t>
+            </a:r>
+          </a:p>
+          <a:p>
+            <a:r>
+              <a:rPr lang="en-US" sz="2800" dirty="0" smtClean="0">
+                <a:solidFill>
+                  <a:schemeClr val="tx1"/>
+                </a:solidFill>
+              </a:rPr>
+              <a:t>American </a:t>
+            </a:r>
+          </a:p>
+          <a:p>
+            <a:r>
+              <a:rPr lang="en-US" sz="2800" dirty="0" smtClean="0">
+                <a:solidFill>
+                  <a:schemeClr val="tx1"/>
+                </a:solidFill>
+              </a:rPr>
+              <a:t>computer </a:t>
+            </a:r>
+            <a:r>
+              <a:rPr lang="en-US" sz="2800" dirty="0">
+                <a:solidFill>
+                  <a:schemeClr val="tx1"/>
+                </a:solidFill>
+              </a:rPr>
+              <a:t>scientist and United States Navy rear admiral</a:t>
+            </a:r>
+            <a:r>
+              <a:rPr lang="en-US" sz="2800" dirty="0" smtClean="0">
+                <a:solidFill>
+                  <a:schemeClr val="tx1"/>
+                </a:solidFill>
+              </a:rPr>
+              <a:t>.</a:t>
+            </a:r>
+          </a:p>
+          <a:p>
+            <a:r>
+              <a:rPr lang="en-US" sz="2800" dirty="0" smtClean="0">
+                <a:solidFill>
+                  <a:schemeClr val="tx1"/>
+                </a:solidFill>
+              </a:rPr>
+              <a:t>One </a:t>
+            </a:r>
+            <a:r>
+              <a:rPr lang="en-US" sz="2800" dirty="0">
+                <a:solidFill>
+                  <a:schemeClr val="tx1"/>
+                </a:solidFill>
+              </a:rPr>
+              <a:t>of the first programmers of the Harvard Mark I computer in </a:t>
+            </a:r>
+            <a:r>
+              <a:rPr lang="en-US" sz="2800" dirty="0" smtClean="0">
+                <a:solidFill>
+                  <a:schemeClr val="tx1"/>
+                </a:solidFill>
+              </a:rPr>
+              <a:t>1944</a:t>
+            </a:r>
+          </a:p>
+          <a:p>
+            <a:r>
+              <a:rPr lang="en-US" sz="2800" dirty="0" smtClean="0">
+                <a:solidFill>
+                  <a:schemeClr val="tx1"/>
+                </a:solidFill>
+              </a:rPr>
+              <a:t>Invented </a:t>
+            </a:r>
+            <a:r>
+              <a:rPr lang="en-US" sz="2800" dirty="0">
+                <a:solidFill>
+                  <a:schemeClr val="tx1"/>
+                </a:solidFill>
+              </a:rPr>
+              <a:t>the first compiler </a:t>
+            </a:r>
+            <a:endParaRPr lang="en-US" sz="2800" dirty="0" smtClean="0">
+              <a:solidFill>
+                <a:schemeClr val="tx1"/>
+              </a:solidFill>
+            </a:endParaRPr>
+          </a:p>
+          <a:p>
+            <a:r>
+              <a:rPr lang="en-US" sz="2800" dirty="0" smtClean="0">
+                <a:solidFill>
+                  <a:schemeClr val="tx1"/>
+                </a:solidFill>
+              </a:rPr>
+              <a:t>Popularized </a:t>
+            </a:r>
+            <a:r>
+              <a:rPr lang="en-US" sz="2800" dirty="0">
+                <a:solidFill>
+                  <a:schemeClr val="tx1"/>
+                </a:solidFill>
+              </a:rPr>
+              <a:t>the idea of </a:t>
+            </a:r>
+            <a:r>
+              <a:rPr lang="en-US" sz="2800" dirty="0" smtClean="0">
+                <a:solidFill>
+                  <a:schemeClr val="tx1"/>
+                </a:solidFill>
+              </a:rPr>
+              <a:t>high-level </a:t>
+            </a:r>
+            <a:r>
+              <a:rPr lang="en-US" sz="2800" dirty="0">
+                <a:solidFill>
+                  <a:schemeClr val="tx1"/>
+                </a:solidFill>
+              </a:rPr>
+              <a:t>programming languages. </a:t>
+            </a:r>
+            <a:endParaRPr lang="en-US" sz="2800" dirty="0" smtClean="0">
+              <a:solidFill>
+                <a:schemeClr val="tx1"/>
+              </a:solidFill>
+            </a:endParaRPr>
+          </a:p>
+          <a:p>
+            <a:r>
+              <a:rPr lang="en-US" sz="2800" dirty="0" smtClean="0">
+                <a:solidFill>
+                  <a:schemeClr val="tx1"/>
+                </a:solidFill>
+              </a:rPr>
+              <a:t>Popularizing </a:t>
+            </a:r>
+            <a:r>
+              <a:rPr lang="en-US" sz="2800" dirty="0">
+                <a:solidFill>
+                  <a:schemeClr val="tx1"/>
+                </a:solidFill>
+              </a:rPr>
+              <a:t>the term "debugging" for fixing computer glitches (in one instance, removing a moth from a </a:t>
+            </a:r>
+            <a:r>
+              <a:rPr lang="en-US" sz="2800" dirty="0" smtClean="0">
+                <a:solidFill>
+                  <a:schemeClr val="tx1"/>
+                </a:solidFill>
+              </a:rPr>
+              <a:t>computer).</a:t>
+            </a:r>
+            <a:endParaRPr lang="he-IL" sz="2800" dirty="0">
+              <a:solidFill>
+                <a:schemeClr val="tx1"/>
+              </a:solidFill>
+            </a:endParaRPr>
+          </a:p>
+        </p:txBody>
+      </p:sp>
+      <p:sp>
+        <p:nvSpPr>
+          <p:cNvPr id="4" name="Slide Number Placeholder 3"/>
+          <p:cNvSpPr>
+            <a:spLocks noGrp="1"/>
+          </p:cNvSpPr>
+          <p:nvPr>
+            <p:ph type="sldNum" sz="quarter" idx="12"/>
+          </p:nvPr>
+        </p:nvSpPr>
+        <p:spPr/>
+        <p:txBody>
+          <a:bodyPr/>
+          <a:lstStyle/>
+          <a:p>
+            <a:pPr>
+              <a:defRPr/>
+            </a:pPr>
+            <a:fld id="{0A8B90AA-821F-4EBE-B194-E684C9B64E0A}" type="slidenum">
+              <a:rPr lang="ar-SA" smtClean="0"/>
+              <a:pPr>
+                <a:defRPr/>
+              </a:pPr>
+              <a:t>14</a:t>
+            </a:fld>
+            <a:endParaRPr lang="en-US"/>
+          </a:p>
+        </p:txBody>
+      </p:sp>
+      <p:pic>
+        <p:nvPicPr>
+          <p:cNvPr id="2050" name="Picture 2" descr="Commodore Grace M. Hopper, USN (covered).jpg"/>
+          <p:cNvPicPr>
+            <a:picLocks noChangeAspect="1" noChangeArrowheads="1"/>
+          </p:cNvPicPr>
+          <p:nvPr/>
+        </p:nvPicPr>
+        <p:blipFill>
+          <a:blip r:embed="rId2">
+            <a:extLst>
+              <a:ext uri="{28A0092B-C50C-407E-A947-70E740481C1C}">
+                <a14:useLocalDpi xmlns:a14="http://schemas.microsoft.com/office/drawing/2010/main" val="0"/>
+              </a:ext>
+            </a:extLst>
+          </a:blip>
+          <a:srcRect/>
+          <a:stretch>
+            <a:fillRect/>
+          </a:stretch>
+        </p:blipFill>
+        <p:spPr bwMode="auto">
+          <a:xfrm>
+            <a:off x="6934200" y="76200"/>
+            <a:ext cx="2095500" cy="2619375"/>
+          </a:xfrm>
+          <a:prstGeom prst="rect">
+            <a:avLst/>
+          </a:prstGeom>
+          <a:noFill/>
+          <a:extLst>
+            <a:ext uri="{909E8E84-426E-40DD-AFC4-6F175D3DCCD1}">
+              <a14:hiddenFill xmlns:a14="http://schemas.microsoft.com/office/drawing/2010/main">
+                <a:solidFill>
+                  <a:srgbClr val="FFFFFF"/>
+                </a:solidFill>
+              </a14:hiddenFill>
+            </a:ext>
+          </a:extLst>
+        </p:spPr>
+      </p:pic>
+    </p:spTree>
+    <p:extLst>
+      <p:ext uri="{BB962C8B-B14F-4D97-AF65-F5344CB8AC3E}">
+        <p14:creationId xmlns:p14="http://schemas.microsoft.com/office/powerpoint/2010/main" val="4280606485"/>
+      </p:ext>
+    </p:extLst>
+  </p:cSld>
+  <p:clrMapOvr>
+    <a:masterClrMapping/>
+  </p:clrMapOvr>
+</p:sld>
+</file>
+
+<file path=ppt/slides/slide15.xml><?xml version="1.0" encoding="utf-8"?>
 <p:sld xmlns:a="http://schemas.openxmlformats.org/drawingml/2006/main" xmlns:r="http://schemas.openxmlformats.org/officeDocument/2006/relationships" xmlns:p="http://schemas.openxmlformats.org/presentationml/2006/main">
   <p:cSld>
     <p:spTree>
@@ -18152,7 +19071,7 @@
                 <a:cs typeface="Arial" pitchFamily="34" charset="0"/>
               </a:rPr>
               <a:pPr eaLnBrk="1" hangingPunct="1"/>
-              <a:t>13</a:t>
+              <a:t>15</a:t>
             </a:fld>
             <a:endParaRPr lang="en-US" smtClean="0">
               <a:cs typeface="Arial" pitchFamily="34" charset="0"/>
@@ -18352,13 +19271,6 @@
               </a:rPr>
               <a:t> Functions</a:t>
             </a:r>
-            <a:endParaRPr lang="en-US" sz="3200" dirty="0" smtClean="0">
-              <a:solidFill>
-                <a:srgbClr val="003399"/>
-              </a:solidFill>
-              <a:latin typeface="Times New Roman" pitchFamily="18" charset="0"/>
-              <a:cs typeface="Times New Roman" pitchFamily="18" charset="0"/>
-            </a:endParaRPr>
           </a:p>
           <a:p>
             <a:pPr>
@@ -18406,7 +19318,7 @@
 </p:sld>
 </file>
 
-<file path=ppt/slides/slide14.xml><?xml version="1.0" encoding="utf-8"?>
+<file path=ppt/slides/slide16.xml><?xml version="1.0" encoding="utf-8"?>
 <p:sld xmlns:a="http://schemas.openxmlformats.org/drawingml/2006/main" xmlns:r="http://schemas.openxmlformats.org/officeDocument/2006/relationships" xmlns:p="http://schemas.openxmlformats.org/presentationml/2006/main">
   <p:cSld>
     <p:spTree>
@@ -18770,7 +19682,7 @@
 </p:sld>
 </file>
 
-<file path=ppt/slides/slide15.xml><?xml version="1.0" encoding="utf-8"?>
+<file path=ppt/slides/slide17.xml><?xml version="1.0" encoding="utf-8"?>
 <p:sld xmlns:a="http://schemas.openxmlformats.org/drawingml/2006/main" xmlns:r="http://schemas.openxmlformats.org/officeDocument/2006/relationships" xmlns:p="http://schemas.openxmlformats.org/presentationml/2006/main">
   <p:cSld>
     <p:spTree>
@@ -19361,7 +20273,7 @@
                 <a:cs typeface="Arial" pitchFamily="34" charset="0"/>
               </a:rPr>
               <a:pPr eaLnBrk="1" hangingPunct="1"/>
-              <a:t>15</a:t>
+              <a:t>17</a:t>
             </a:fld>
             <a:endParaRPr lang="en-US" smtClean="0">
               <a:cs typeface="Arial" pitchFamily="34" charset="0"/>
@@ -19554,7 +20466,7 @@
 </p:sld>
 </file>
 
-<file path=ppt/slides/slide16.xml><?xml version="1.0" encoding="utf-8"?>
+<file path=ppt/slides/slide18.xml><?xml version="1.0" encoding="utf-8"?>
 <p:sld xmlns:a="http://schemas.openxmlformats.org/drawingml/2006/main" xmlns:r="http://schemas.openxmlformats.org/officeDocument/2006/relationships" xmlns:p="http://schemas.openxmlformats.org/presentationml/2006/main">
   <p:cSld>
     <p:spTree>
@@ -19711,7 +20623,7 @@
                 <a:cs typeface="Arial" pitchFamily="34" charset="0"/>
               </a:rPr>
               <a:pPr eaLnBrk="1" hangingPunct="1"/>
-              <a:t>16</a:t>
+              <a:t>18</a:t>
             </a:fld>
             <a:endParaRPr lang="en-US" smtClean="0">
               <a:cs typeface="Arial" pitchFamily="34" charset="0"/>
@@ -20104,7 +21016,7 @@
 </p:sld>
 </file>
 
-<file path=ppt/slides/slide17.xml><?xml version="1.0" encoding="utf-8"?>
+<file path=ppt/slides/slide19.xml><?xml version="1.0" encoding="utf-8"?>
 <p:sld xmlns:a="http://schemas.openxmlformats.org/drawingml/2006/main" xmlns:r="http://schemas.openxmlformats.org/officeDocument/2006/relationships" xmlns:p="http://schemas.openxmlformats.org/presentationml/2006/main">
   <p:cSld>
     <p:spTree>
@@ -20196,17 +21108,7 @@
                 <a:latin typeface="Arial" pitchFamily="34" charset="0"/>
                 <a:cs typeface="Arial" pitchFamily="34" charset="0"/>
               </a:rPr>
-              <a:t>‘</a:t>
-            </a:r>
-            <a:r>
-              <a:rPr lang="en-US" sz="2400" dirty="0" smtClean="0">
-                <a:solidFill>
-                  <a:srgbClr val="00B050"/>
-                </a:solidFill>
-                <a:latin typeface="Arial" pitchFamily="34" charset="0"/>
-                <a:cs typeface="Arial" pitchFamily="34" charset="0"/>
-              </a:rPr>
-              <a:t>Kanye’</a:t>
+              <a:t>‘Kanye’</a:t>
             </a:r>
             <a:endParaRPr lang="en-US" sz="2400" dirty="0">
               <a:solidFill>
@@ -20454,13 +21356,6 @@
               </a:rPr>
               <a:t>y</a:t>
             </a:r>
-            <a:endParaRPr lang="en-US" sz="2400" dirty="0" smtClean="0">
-              <a:solidFill>
-                <a:srgbClr val="0E29AE"/>
-              </a:solidFill>
-              <a:latin typeface="Arial" pitchFamily="34" charset="0"/>
-              <a:cs typeface="Arial" pitchFamily="34" charset="0"/>
-            </a:endParaRPr>
           </a:p>
           <a:p>
             <a:pPr>
@@ -20476,35 +21371,8 @@
                 <a:latin typeface="Arial" pitchFamily="34" charset="0"/>
                 <a:cs typeface="Arial" pitchFamily="34" charset="0"/>
               </a:rPr>
-              <a:t>Give </a:t>
-            </a:r>
-            <a:r>
-              <a:rPr lang="en-US" sz="2400" dirty="0" smtClean="0">
-                <a:solidFill>
-                  <a:srgbClr val="0E29AE"/>
-                </a:solidFill>
-                <a:latin typeface="Arial" pitchFamily="34" charset="0"/>
-                <a:cs typeface="Arial" pitchFamily="34" charset="0"/>
-              </a:rPr>
-              <a:t>me </a:t>
-            </a:r>
-            <a:r>
-              <a:rPr lang="en-US" sz="2400" dirty="0" smtClean="0">
-                <a:solidFill>
-                  <a:srgbClr val="0E29AE"/>
-                </a:solidFill>
-                <a:latin typeface="Arial" pitchFamily="34" charset="0"/>
-                <a:cs typeface="Arial" pitchFamily="34" charset="0"/>
-              </a:rPr>
-              <a:t>e</a:t>
-            </a:r>
-            <a:endParaRPr lang="en-US" sz="2400" dirty="0" smtClean="0">
-              <a:solidFill>
-                <a:srgbClr val="0E29AE"/>
-              </a:solidFill>
-              <a:latin typeface="Arial" pitchFamily="34" charset="0"/>
-              <a:cs typeface="Arial" pitchFamily="34" charset="0"/>
-            </a:endParaRPr>
+              <a:t>Give me e</a:t>
+            </a:r>
           </a:p>
           <a:p>
             <a:pPr>
@@ -20520,25 +21388,8 @@
                 <a:latin typeface="Arial" pitchFamily="34" charset="0"/>
                 <a:cs typeface="Arial" pitchFamily="34" charset="0"/>
               </a:rPr>
-              <a:t>What did we get? </a:t>
-            </a:r>
-            <a:r>
-              <a:rPr lang="en-US" sz="2400" dirty="0" smtClean="0">
-                <a:solidFill>
-                  <a:srgbClr val="0E29AE"/>
-                </a:solidFill>
-                <a:latin typeface="Arial" pitchFamily="34" charset="0"/>
-                <a:cs typeface="Arial" pitchFamily="34" charset="0"/>
-              </a:rPr>
-              <a:t>Kanye</a:t>
-            </a:r>
-            <a:endParaRPr lang="en-US" sz="2400" dirty="0" smtClean="0">
-              <a:solidFill>
-                <a:srgbClr val="0E29AE"/>
-              </a:solidFill>
-              <a:latin typeface="Arial" pitchFamily="34" charset="0"/>
-              <a:cs typeface="Arial" pitchFamily="34" charset="0"/>
-            </a:endParaRPr>
+              <a:t>What did we get? Kanye</a:t>
+            </a:r>
           </a:p>
           <a:p>
             <a:pPr>
@@ -20975,7 +21826,409 @@
 </p:sld>
 </file>
 
-<file path=ppt/slides/slide18.xml><?xml version="1.0" encoding="utf-8"?>
+<file path=ppt/slides/slide2.xml><?xml version="1.0" encoding="utf-8"?>
+<p:sld xmlns:a="http://schemas.openxmlformats.org/drawingml/2006/main" xmlns:r="http://schemas.openxmlformats.org/officeDocument/2006/relationships" xmlns:p="http://schemas.openxmlformats.org/presentationml/2006/main">
+  <p:cSld>
+    <p:spTree>
+      <p:nvGrpSpPr>
+        <p:cNvPr id="1" name=""/>
+        <p:cNvGrpSpPr/>
+        <p:nvPr/>
+      </p:nvGrpSpPr>
+      <p:grpSpPr>
+        <a:xfrm>
+          <a:off x="0" y="0"/>
+          <a:ext cx="0" cy="0"/>
+          <a:chOff x="0" y="0"/>
+          <a:chExt cx="0" cy="0"/>
+        </a:xfrm>
+      </p:grpSpPr>
+      <p:sp>
+        <p:nvSpPr>
+          <p:cNvPr id="4098" name="Slide Number Placeholder 5"/>
+          <p:cNvSpPr>
+            <a:spLocks noGrp="1"/>
+          </p:cNvSpPr>
+          <p:nvPr>
+            <p:ph type="sldNum" sz="quarter" idx="12"/>
+          </p:nvPr>
+        </p:nvSpPr>
+        <p:spPr>
+          <a:noFill/>
+          <a:ln/>
+          <a:extLst>
+            <a:ext uri="{909E8E84-426E-40DD-AFC4-6F175D3DCCD1}">
+              <a14:hiddenFill xmlns:a14="http://schemas.microsoft.com/office/drawing/2010/main">
+                <a:solidFill>
+                  <a:srgbClr val="FFFFFF"/>
+                </a:solidFill>
+              </a14:hiddenFill>
+            </a:ext>
+            <a:ext uri="{91240B29-F687-4F45-9708-019B960494DF}">
+              <a14:hiddenLine xmlns:a14="http://schemas.microsoft.com/office/drawing/2010/main" w="9525">
+                <a:solidFill>
+                  <a:srgbClr val="000000"/>
+                </a:solidFill>
+                <a:miter lim="800000"/>
+                <a:headEnd/>
+                <a:tailEnd/>
+              </a14:hiddenLine>
+            </a:ext>
+          </a:extLst>
+        </p:spPr>
+        <p:txBody>
+          <a:bodyPr/>
+          <a:lstStyle>
+            <a:lvl1pPr eaLnBrk="0" hangingPunct="0">
+              <a:defRPr>
+                <a:solidFill>
+                  <a:schemeClr val="tx1"/>
+                </a:solidFill>
+                <a:latin typeface="Arial" pitchFamily="34" charset="0"/>
+              </a:defRPr>
+            </a:lvl1pPr>
+            <a:lvl2pPr marL="742950" indent="-285750" eaLnBrk="0" hangingPunct="0">
+              <a:defRPr>
+                <a:solidFill>
+                  <a:schemeClr val="tx1"/>
+                </a:solidFill>
+                <a:latin typeface="Arial" pitchFamily="34" charset="0"/>
+              </a:defRPr>
+            </a:lvl2pPr>
+            <a:lvl3pPr marL="1143000" indent="-228600" eaLnBrk="0" hangingPunct="0">
+              <a:defRPr>
+                <a:solidFill>
+                  <a:schemeClr val="tx1"/>
+                </a:solidFill>
+                <a:latin typeface="Arial" pitchFamily="34" charset="0"/>
+              </a:defRPr>
+            </a:lvl3pPr>
+            <a:lvl4pPr marL="1600200" indent="-228600" eaLnBrk="0" hangingPunct="0">
+              <a:defRPr>
+                <a:solidFill>
+                  <a:schemeClr val="tx1"/>
+                </a:solidFill>
+                <a:latin typeface="Arial" pitchFamily="34" charset="0"/>
+              </a:defRPr>
+            </a:lvl4pPr>
+            <a:lvl5pPr marL="2057400" indent="-228600" eaLnBrk="0" hangingPunct="0">
+              <a:defRPr>
+                <a:solidFill>
+                  <a:schemeClr val="tx1"/>
+                </a:solidFill>
+                <a:latin typeface="Arial" pitchFamily="34" charset="0"/>
+              </a:defRPr>
+            </a:lvl5pPr>
+            <a:lvl6pPr marL="2514600" indent="-228600" algn="l" rtl="0" eaLnBrk="0" fontAlgn="base" hangingPunct="0">
+              <a:spcBef>
+                <a:spcPct val="50000"/>
+              </a:spcBef>
+              <a:spcAft>
+                <a:spcPct val="0"/>
+              </a:spcAft>
+              <a:defRPr>
+                <a:solidFill>
+                  <a:schemeClr val="tx1"/>
+                </a:solidFill>
+                <a:latin typeface="Arial" pitchFamily="34" charset="0"/>
+              </a:defRPr>
+            </a:lvl6pPr>
+            <a:lvl7pPr marL="2971800" indent="-228600" algn="l" rtl="0" eaLnBrk="0" fontAlgn="base" hangingPunct="0">
+              <a:spcBef>
+                <a:spcPct val="50000"/>
+              </a:spcBef>
+              <a:spcAft>
+                <a:spcPct val="0"/>
+              </a:spcAft>
+              <a:defRPr>
+                <a:solidFill>
+                  <a:schemeClr val="tx1"/>
+                </a:solidFill>
+                <a:latin typeface="Arial" pitchFamily="34" charset="0"/>
+              </a:defRPr>
+            </a:lvl7pPr>
+            <a:lvl8pPr marL="3429000" indent="-228600" algn="l" rtl="0" eaLnBrk="0" fontAlgn="base" hangingPunct="0">
+              <a:spcBef>
+                <a:spcPct val="50000"/>
+              </a:spcBef>
+              <a:spcAft>
+                <a:spcPct val="0"/>
+              </a:spcAft>
+              <a:defRPr>
+                <a:solidFill>
+                  <a:schemeClr val="tx1"/>
+                </a:solidFill>
+                <a:latin typeface="Arial" pitchFamily="34" charset="0"/>
+              </a:defRPr>
+            </a:lvl8pPr>
+            <a:lvl9pPr marL="3886200" indent="-228600" algn="l" rtl="0" eaLnBrk="0" fontAlgn="base" hangingPunct="0">
+              <a:spcBef>
+                <a:spcPct val="50000"/>
+              </a:spcBef>
+              <a:spcAft>
+                <a:spcPct val="0"/>
+              </a:spcAft>
+              <a:defRPr>
+                <a:solidFill>
+                  <a:schemeClr val="tx1"/>
+                </a:solidFill>
+                <a:latin typeface="Arial" pitchFamily="34" charset="0"/>
+              </a:defRPr>
+            </a:lvl9pPr>
+          </a:lstStyle>
+          <a:p>
+            <a:pPr eaLnBrk="1" hangingPunct="1"/>
+            <a:fld id="{B4F7C154-AB8A-445E-8098-66F3C3594F20}" type="slidenum">
+              <a:rPr lang="ar-SA" smtClean="0">
+                <a:cs typeface="Arial" pitchFamily="34" charset="0"/>
+              </a:rPr>
+              <a:pPr eaLnBrk="1" hangingPunct="1"/>
+              <a:t>2</a:t>
+            </a:fld>
+            <a:endParaRPr lang="en-US" smtClean="0">
+              <a:cs typeface="Arial" pitchFamily="34" charset="0"/>
+            </a:endParaRPr>
+          </a:p>
+        </p:txBody>
+      </p:sp>
+      <p:sp>
+        <p:nvSpPr>
+          <p:cNvPr id="4099" name="Rectangle 2"/>
+          <p:cNvSpPr>
+            <a:spLocks noChangeArrowheads="1"/>
+          </p:cNvSpPr>
+          <p:nvPr/>
+        </p:nvSpPr>
+        <p:spPr bwMode="auto">
+          <a:xfrm>
+            <a:off x="457200" y="274638"/>
+            <a:ext cx="8229600" cy="1143000"/>
+          </a:xfrm>
+          <a:prstGeom prst="rect">
+            <a:avLst/>
+          </a:prstGeom>
+          <a:noFill/>
+          <a:ln>
+            <a:noFill/>
+          </a:ln>
+          <a:extLst>
+            <a:ext uri="{909E8E84-426E-40DD-AFC4-6F175D3DCCD1}">
+              <a14:hiddenFill xmlns:a14="http://schemas.microsoft.com/office/drawing/2010/main">
+                <a:solidFill>
+                  <a:srgbClr val="FFFFFF"/>
+                </a:solidFill>
+              </a14:hiddenFill>
+            </a:ext>
+            <a:ext uri="{91240B29-F687-4F45-9708-019B960494DF}">
+              <a14:hiddenLine xmlns:a14="http://schemas.microsoft.com/office/drawing/2010/main" w="9525">
+                <a:solidFill>
+                  <a:srgbClr val="000000"/>
+                </a:solidFill>
+                <a:miter lim="800000"/>
+                <a:headEnd/>
+                <a:tailEnd/>
+              </a14:hiddenLine>
+            </a:ext>
+          </a:extLst>
+        </p:spPr>
+        <p:txBody>
+          <a:bodyPr anchor="ctr"/>
+          <a:lstStyle/>
+          <a:p>
+            <a:pPr algn="ctr">
+              <a:spcBef>
+                <a:spcPct val="0"/>
+              </a:spcBef>
+            </a:pPr>
+            <a:r>
+              <a:rPr lang="en-US" sz="4400">
+                <a:solidFill>
+                  <a:srgbClr val="CC0000"/>
+                </a:solidFill>
+                <a:latin typeface="Times New Roman" pitchFamily="18" charset="0"/>
+                <a:cs typeface="Times New Roman" pitchFamily="18" charset="0"/>
+              </a:rPr>
+              <a:t>Admin</a:t>
+            </a:r>
+          </a:p>
+        </p:txBody>
+      </p:sp>
+      <p:sp>
+        <p:nvSpPr>
+          <p:cNvPr id="4100" name="Rectangle 3"/>
+          <p:cNvSpPr>
+            <a:spLocks noChangeArrowheads="1"/>
+          </p:cNvSpPr>
+          <p:nvPr/>
+        </p:nvSpPr>
+        <p:spPr bwMode="auto">
+          <a:xfrm>
+            <a:off x="609600" y="1295400"/>
+            <a:ext cx="8153400" cy="5029200"/>
+          </a:xfrm>
+          <a:prstGeom prst="rect">
+            <a:avLst/>
+          </a:prstGeom>
+          <a:noFill/>
+          <a:ln>
+            <a:noFill/>
+          </a:ln>
+          <a:extLst>
+            <a:ext uri="{909E8E84-426E-40DD-AFC4-6F175D3DCCD1}">
+              <a14:hiddenFill xmlns:a14="http://schemas.microsoft.com/office/drawing/2010/main">
+                <a:solidFill>
+                  <a:srgbClr val="FFFFFF"/>
+                </a:solidFill>
+              </a14:hiddenFill>
+            </a:ext>
+            <a:ext uri="{91240B29-F687-4F45-9708-019B960494DF}">
+              <a14:hiddenLine xmlns:a14="http://schemas.microsoft.com/office/drawing/2010/main" w="9525">
+                <a:solidFill>
+                  <a:srgbClr val="000000"/>
+                </a:solidFill>
+                <a:miter lim="800000"/>
+                <a:headEnd/>
+                <a:tailEnd/>
+              </a14:hiddenLine>
+            </a:ext>
+          </a:extLst>
+        </p:spPr>
+        <p:txBody>
+          <a:bodyPr/>
+          <a:lstStyle/>
+          <a:p>
+            <a:pPr>
+              <a:lnSpc>
+                <a:spcPct val="80000"/>
+              </a:lnSpc>
+              <a:spcBef>
+                <a:spcPct val="20000"/>
+              </a:spcBef>
+              <a:buFontTx/>
+              <a:buChar char="•"/>
+            </a:pPr>
+            <a:r>
+              <a:rPr lang="en-US" sz="3200">
+                <a:solidFill>
+                  <a:srgbClr val="003399"/>
+                </a:solidFill>
+                <a:latin typeface="Times New Roman" pitchFamily="18" charset="0"/>
+                <a:cs typeface="Times New Roman" pitchFamily="18" charset="0"/>
+              </a:rPr>
+              <a:t>Python installation status?</a:t>
+            </a:r>
+          </a:p>
+        </p:txBody>
+      </p:sp>
+      <p:sp>
+        <p:nvSpPr>
+          <p:cNvPr id="3" name="Rectangle 2"/>
+          <p:cNvSpPr/>
+          <p:nvPr/>
+        </p:nvSpPr>
+        <p:spPr>
+          <a:xfrm>
+            <a:off x="2667000" y="5802868"/>
+            <a:ext cx="3749809" cy="369332"/>
+          </a:xfrm>
+          <a:prstGeom prst="rect">
+            <a:avLst/>
+          </a:prstGeom>
+        </p:spPr>
+        <p:txBody>
+          <a:bodyPr wrap="none">
+            <a:spAutoFit/>
+          </a:bodyPr>
+          <a:lstStyle/>
+          <a:p>
+            <a:r>
+              <a:rPr lang="en-GB" dirty="0"/>
+              <a:t>https://www.python.org/downloads/</a:t>
+            </a:r>
+            <a:endParaRPr lang="he-IL" dirty="0"/>
+          </a:p>
+        </p:txBody>
+      </p:sp>
+      <p:pic>
+        <p:nvPicPr>
+          <p:cNvPr id="1026" name="Picture 2"/>
+          <p:cNvPicPr>
+            <a:picLocks noChangeAspect="1" noChangeArrowheads="1"/>
+          </p:cNvPicPr>
+          <p:nvPr/>
+        </p:nvPicPr>
+        <p:blipFill>
+          <a:blip r:embed="rId3">
+            <a:extLst>
+              <a:ext uri="{28A0092B-C50C-407E-A947-70E740481C1C}">
+                <a14:useLocalDpi xmlns:a14="http://schemas.microsoft.com/office/drawing/2010/main" val="0"/>
+              </a:ext>
+            </a:extLst>
+          </a:blip>
+          <a:srcRect/>
+          <a:stretch>
+            <a:fillRect/>
+          </a:stretch>
+        </p:blipFill>
+        <p:spPr bwMode="auto">
+          <a:xfrm>
+            <a:off x="0" y="2081213"/>
+            <a:ext cx="9144000" cy="3024187"/>
+          </a:xfrm>
+          <a:prstGeom prst="rect">
+            <a:avLst/>
+          </a:prstGeom>
+          <a:noFill/>
+          <a:ln>
+            <a:noFill/>
+          </a:ln>
+          <a:effectLst/>
+          <a:extLst>
+            <a:ext uri="{909E8E84-426E-40DD-AFC4-6F175D3DCCD1}">
+              <a14:hiddenFill xmlns:a14="http://schemas.microsoft.com/office/drawing/2010/main">
+                <a:solidFill>
+                  <a:schemeClr val="accent1"/>
+                </a:solidFill>
+              </a14:hiddenFill>
+            </a:ext>
+            <a:ext uri="{91240B29-F687-4F45-9708-019B960494DF}">
+              <a14:hiddenLine xmlns:a14="http://schemas.microsoft.com/office/drawing/2010/main" w="9525">
+                <a:solidFill>
+                  <a:schemeClr val="tx1"/>
+                </a:solidFill>
+                <a:miter lim="800000"/>
+                <a:headEnd/>
+                <a:tailEnd/>
+              </a14:hiddenLine>
+            </a:ext>
+            <a:ext uri="{AF507438-7753-43E0-B8FC-AC1667EBCBE1}">
+              <a14:hiddenEffects xmlns:a14="http://schemas.microsoft.com/office/drawing/2010/main">
+                <a:effectLst>
+                  <a:outerShdw dist="35921" dir="2700000" algn="ctr" rotWithShape="0">
+                    <a:schemeClr val="bg2"/>
+                  </a:outerShdw>
+                </a:effectLst>
+              </a14:hiddenEffects>
+            </a:ext>
+          </a:extLst>
+        </p:spPr>
+      </p:pic>
+    </p:spTree>
+  </p:cSld>
+  <p:clrMapOvr>
+    <a:masterClrMapping/>
+  </p:clrMapOvr>
+  <p:timing>
+    <p:tnLst>
+      <p:par>
+        <p:cTn id="1" dur="indefinite" restart="never" nodeType="tmRoot"/>
+      </p:par>
+    </p:tnLst>
+  </p:timing>
+</p:sld>
+</file>
+
+<file path=ppt/slides/slide20.xml><?xml version="1.0" encoding="utf-8"?>
 <p:sld xmlns:a="http://schemas.openxmlformats.org/drawingml/2006/main" xmlns:r="http://schemas.openxmlformats.org/officeDocument/2006/relationships" xmlns:p="http://schemas.openxmlformats.org/presentationml/2006/main">
   <p:cSld>
     <p:spTree>
@@ -21389,7 +22642,7 @@
 </p:sld>
 </file>
 
-<file path=ppt/slides/slide19.xml><?xml version="1.0" encoding="utf-8"?>
+<file path=ppt/slides/slide21.xml><?xml version="1.0" encoding="utf-8"?>
 <p:sld xmlns:a="http://schemas.openxmlformats.org/drawingml/2006/main" xmlns:r="http://schemas.openxmlformats.org/officeDocument/2006/relationships" xmlns:p="http://schemas.openxmlformats.org/presentationml/2006/main">
   <p:cSld>
     <p:spTree>
@@ -21500,21 +22753,7 @@
                 <a:latin typeface="Arial" pitchFamily="34" charset="0"/>
                 <a:cs typeface="Arial" pitchFamily="34" charset="0"/>
               </a:rPr>
-              <a:t>range(2, </a:t>
-            </a:r>
-            <a:r>
-              <a:rPr lang="en-US" sz="2400" dirty="0" smtClean="0">
-                <a:latin typeface="Arial" pitchFamily="34" charset="0"/>
-                <a:cs typeface="Arial" pitchFamily="34" charset="0"/>
-              </a:rPr>
-              <a:t>n + 1</a:t>
-            </a:r>
-            <a:r>
-              <a:rPr lang="en-US" sz="2400" dirty="0" smtClean="0">
-                <a:latin typeface="Arial" pitchFamily="34" charset="0"/>
-                <a:cs typeface="Arial" pitchFamily="34" charset="0"/>
-              </a:rPr>
-              <a:t>):</a:t>
+              <a:t>range(2, n + 1):</a:t>
             </a:r>
           </a:p>
           <a:p>
@@ -21725,409 +22964,7 @@
 </p:sld>
 </file>
 
-<file path=ppt/slides/slide2.xml><?xml version="1.0" encoding="utf-8"?>
-<p:sld xmlns:a="http://schemas.openxmlformats.org/drawingml/2006/main" xmlns:r="http://schemas.openxmlformats.org/officeDocument/2006/relationships" xmlns:p="http://schemas.openxmlformats.org/presentationml/2006/main">
-  <p:cSld>
-    <p:spTree>
-      <p:nvGrpSpPr>
-        <p:cNvPr id="1" name=""/>
-        <p:cNvGrpSpPr/>
-        <p:nvPr/>
-      </p:nvGrpSpPr>
-      <p:grpSpPr>
-        <a:xfrm>
-          <a:off x="0" y="0"/>
-          <a:ext cx="0" cy="0"/>
-          <a:chOff x="0" y="0"/>
-          <a:chExt cx="0" cy="0"/>
-        </a:xfrm>
-      </p:grpSpPr>
-      <p:sp>
-        <p:nvSpPr>
-          <p:cNvPr id="4098" name="Slide Number Placeholder 5"/>
-          <p:cNvSpPr>
-            <a:spLocks noGrp="1"/>
-          </p:cNvSpPr>
-          <p:nvPr>
-            <p:ph type="sldNum" sz="quarter" idx="12"/>
-          </p:nvPr>
-        </p:nvSpPr>
-        <p:spPr>
-          <a:noFill/>
-          <a:ln/>
-          <a:extLst>
-            <a:ext uri="{909E8E84-426E-40DD-AFC4-6F175D3DCCD1}">
-              <a14:hiddenFill xmlns:a14="http://schemas.microsoft.com/office/drawing/2010/main">
-                <a:solidFill>
-                  <a:srgbClr val="FFFFFF"/>
-                </a:solidFill>
-              </a14:hiddenFill>
-            </a:ext>
-            <a:ext uri="{91240B29-F687-4F45-9708-019B960494DF}">
-              <a14:hiddenLine xmlns:a14="http://schemas.microsoft.com/office/drawing/2010/main" w="9525">
-                <a:solidFill>
-                  <a:srgbClr val="000000"/>
-                </a:solidFill>
-                <a:miter lim="800000"/>
-                <a:headEnd/>
-                <a:tailEnd/>
-              </a14:hiddenLine>
-            </a:ext>
-          </a:extLst>
-        </p:spPr>
-        <p:txBody>
-          <a:bodyPr/>
-          <a:lstStyle>
-            <a:lvl1pPr eaLnBrk="0" hangingPunct="0">
-              <a:defRPr>
-                <a:solidFill>
-                  <a:schemeClr val="tx1"/>
-                </a:solidFill>
-                <a:latin typeface="Arial" pitchFamily="34" charset="0"/>
-              </a:defRPr>
-            </a:lvl1pPr>
-            <a:lvl2pPr marL="742950" indent="-285750" eaLnBrk="0" hangingPunct="0">
-              <a:defRPr>
-                <a:solidFill>
-                  <a:schemeClr val="tx1"/>
-                </a:solidFill>
-                <a:latin typeface="Arial" pitchFamily="34" charset="0"/>
-              </a:defRPr>
-            </a:lvl2pPr>
-            <a:lvl3pPr marL="1143000" indent="-228600" eaLnBrk="0" hangingPunct="0">
-              <a:defRPr>
-                <a:solidFill>
-                  <a:schemeClr val="tx1"/>
-                </a:solidFill>
-                <a:latin typeface="Arial" pitchFamily="34" charset="0"/>
-              </a:defRPr>
-            </a:lvl3pPr>
-            <a:lvl4pPr marL="1600200" indent="-228600" eaLnBrk="0" hangingPunct="0">
-              <a:defRPr>
-                <a:solidFill>
-                  <a:schemeClr val="tx1"/>
-                </a:solidFill>
-                <a:latin typeface="Arial" pitchFamily="34" charset="0"/>
-              </a:defRPr>
-            </a:lvl4pPr>
-            <a:lvl5pPr marL="2057400" indent="-228600" eaLnBrk="0" hangingPunct="0">
-              <a:defRPr>
-                <a:solidFill>
-                  <a:schemeClr val="tx1"/>
-                </a:solidFill>
-                <a:latin typeface="Arial" pitchFamily="34" charset="0"/>
-              </a:defRPr>
-            </a:lvl5pPr>
-            <a:lvl6pPr marL="2514600" indent="-228600" algn="l" rtl="0" eaLnBrk="0" fontAlgn="base" hangingPunct="0">
-              <a:spcBef>
-                <a:spcPct val="50000"/>
-              </a:spcBef>
-              <a:spcAft>
-                <a:spcPct val="0"/>
-              </a:spcAft>
-              <a:defRPr>
-                <a:solidFill>
-                  <a:schemeClr val="tx1"/>
-                </a:solidFill>
-                <a:latin typeface="Arial" pitchFamily="34" charset="0"/>
-              </a:defRPr>
-            </a:lvl6pPr>
-            <a:lvl7pPr marL="2971800" indent="-228600" algn="l" rtl="0" eaLnBrk="0" fontAlgn="base" hangingPunct="0">
-              <a:spcBef>
-                <a:spcPct val="50000"/>
-              </a:spcBef>
-              <a:spcAft>
-                <a:spcPct val="0"/>
-              </a:spcAft>
-              <a:defRPr>
-                <a:solidFill>
-                  <a:schemeClr val="tx1"/>
-                </a:solidFill>
-                <a:latin typeface="Arial" pitchFamily="34" charset="0"/>
-              </a:defRPr>
-            </a:lvl7pPr>
-            <a:lvl8pPr marL="3429000" indent="-228600" algn="l" rtl="0" eaLnBrk="0" fontAlgn="base" hangingPunct="0">
-              <a:spcBef>
-                <a:spcPct val="50000"/>
-              </a:spcBef>
-              <a:spcAft>
-                <a:spcPct val="0"/>
-              </a:spcAft>
-              <a:defRPr>
-                <a:solidFill>
-                  <a:schemeClr val="tx1"/>
-                </a:solidFill>
-                <a:latin typeface="Arial" pitchFamily="34" charset="0"/>
-              </a:defRPr>
-            </a:lvl8pPr>
-            <a:lvl9pPr marL="3886200" indent="-228600" algn="l" rtl="0" eaLnBrk="0" fontAlgn="base" hangingPunct="0">
-              <a:spcBef>
-                <a:spcPct val="50000"/>
-              </a:spcBef>
-              <a:spcAft>
-                <a:spcPct val="0"/>
-              </a:spcAft>
-              <a:defRPr>
-                <a:solidFill>
-                  <a:schemeClr val="tx1"/>
-                </a:solidFill>
-                <a:latin typeface="Arial" pitchFamily="34" charset="0"/>
-              </a:defRPr>
-            </a:lvl9pPr>
-          </a:lstStyle>
-          <a:p>
-            <a:pPr eaLnBrk="1" hangingPunct="1"/>
-            <a:fld id="{B4F7C154-AB8A-445E-8098-66F3C3594F20}" type="slidenum">
-              <a:rPr lang="ar-SA" smtClean="0">
-                <a:cs typeface="Arial" pitchFamily="34" charset="0"/>
-              </a:rPr>
-              <a:pPr eaLnBrk="1" hangingPunct="1"/>
-              <a:t>2</a:t>
-            </a:fld>
-            <a:endParaRPr lang="en-US" smtClean="0">
-              <a:cs typeface="Arial" pitchFamily="34" charset="0"/>
-            </a:endParaRPr>
-          </a:p>
-        </p:txBody>
-      </p:sp>
-      <p:sp>
-        <p:nvSpPr>
-          <p:cNvPr id="4099" name="Rectangle 2"/>
-          <p:cNvSpPr>
-            <a:spLocks noChangeArrowheads="1"/>
-          </p:cNvSpPr>
-          <p:nvPr/>
-        </p:nvSpPr>
-        <p:spPr bwMode="auto">
-          <a:xfrm>
-            <a:off x="457200" y="274638"/>
-            <a:ext cx="8229600" cy="1143000"/>
-          </a:xfrm>
-          <a:prstGeom prst="rect">
-            <a:avLst/>
-          </a:prstGeom>
-          <a:noFill/>
-          <a:ln>
-            <a:noFill/>
-          </a:ln>
-          <a:extLst>
-            <a:ext uri="{909E8E84-426E-40DD-AFC4-6F175D3DCCD1}">
-              <a14:hiddenFill xmlns:a14="http://schemas.microsoft.com/office/drawing/2010/main">
-                <a:solidFill>
-                  <a:srgbClr val="FFFFFF"/>
-                </a:solidFill>
-              </a14:hiddenFill>
-            </a:ext>
-            <a:ext uri="{91240B29-F687-4F45-9708-019B960494DF}">
-              <a14:hiddenLine xmlns:a14="http://schemas.microsoft.com/office/drawing/2010/main" w="9525">
-                <a:solidFill>
-                  <a:srgbClr val="000000"/>
-                </a:solidFill>
-                <a:miter lim="800000"/>
-                <a:headEnd/>
-                <a:tailEnd/>
-              </a14:hiddenLine>
-            </a:ext>
-          </a:extLst>
-        </p:spPr>
-        <p:txBody>
-          <a:bodyPr anchor="ctr"/>
-          <a:lstStyle/>
-          <a:p>
-            <a:pPr algn="ctr">
-              <a:spcBef>
-                <a:spcPct val="0"/>
-              </a:spcBef>
-            </a:pPr>
-            <a:r>
-              <a:rPr lang="en-US" sz="4400">
-                <a:solidFill>
-                  <a:srgbClr val="CC0000"/>
-                </a:solidFill>
-                <a:latin typeface="Times New Roman" pitchFamily="18" charset="0"/>
-                <a:cs typeface="Times New Roman" pitchFamily="18" charset="0"/>
-              </a:rPr>
-              <a:t>Admin</a:t>
-            </a:r>
-          </a:p>
-        </p:txBody>
-      </p:sp>
-      <p:sp>
-        <p:nvSpPr>
-          <p:cNvPr id="4100" name="Rectangle 3"/>
-          <p:cNvSpPr>
-            <a:spLocks noChangeArrowheads="1"/>
-          </p:cNvSpPr>
-          <p:nvPr/>
-        </p:nvSpPr>
-        <p:spPr bwMode="auto">
-          <a:xfrm>
-            <a:off x="609600" y="1295400"/>
-            <a:ext cx="8153400" cy="5029200"/>
-          </a:xfrm>
-          <a:prstGeom prst="rect">
-            <a:avLst/>
-          </a:prstGeom>
-          <a:noFill/>
-          <a:ln>
-            <a:noFill/>
-          </a:ln>
-          <a:extLst>
-            <a:ext uri="{909E8E84-426E-40DD-AFC4-6F175D3DCCD1}">
-              <a14:hiddenFill xmlns:a14="http://schemas.microsoft.com/office/drawing/2010/main">
-                <a:solidFill>
-                  <a:srgbClr val="FFFFFF"/>
-                </a:solidFill>
-              </a14:hiddenFill>
-            </a:ext>
-            <a:ext uri="{91240B29-F687-4F45-9708-019B960494DF}">
-              <a14:hiddenLine xmlns:a14="http://schemas.microsoft.com/office/drawing/2010/main" w="9525">
-                <a:solidFill>
-                  <a:srgbClr val="000000"/>
-                </a:solidFill>
-                <a:miter lim="800000"/>
-                <a:headEnd/>
-                <a:tailEnd/>
-              </a14:hiddenLine>
-            </a:ext>
-          </a:extLst>
-        </p:spPr>
-        <p:txBody>
-          <a:bodyPr/>
-          <a:lstStyle/>
-          <a:p>
-            <a:pPr>
-              <a:lnSpc>
-                <a:spcPct val="80000"/>
-              </a:lnSpc>
-              <a:spcBef>
-                <a:spcPct val="20000"/>
-              </a:spcBef>
-              <a:buFontTx/>
-              <a:buChar char="•"/>
-            </a:pPr>
-            <a:r>
-              <a:rPr lang="en-US" sz="3200">
-                <a:solidFill>
-                  <a:srgbClr val="003399"/>
-                </a:solidFill>
-                <a:latin typeface="Times New Roman" pitchFamily="18" charset="0"/>
-                <a:cs typeface="Times New Roman" pitchFamily="18" charset="0"/>
-              </a:rPr>
-              <a:t>Python installation status?</a:t>
-            </a:r>
-          </a:p>
-        </p:txBody>
-      </p:sp>
-      <p:sp>
-        <p:nvSpPr>
-          <p:cNvPr id="3" name="Rectangle 2"/>
-          <p:cNvSpPr/>
-          <p:nvPr/>
-        </p:nvSpPr>
-        <p:spPr>
-          <a:xfrm>
-            <a:off x="2667000" y="5802868"/>
-            <a:ext cx="3749809" cy="369332"/>
-          </a:xfrm>
-          <a:prstGeom prst="rect">
-            <a:avLst/>
-          </a:prstGeom>
-        </p:spPr>
-        <p:txBody>
-          <a:bodyPr wrap="none">
-            <a:spAutoFit/>
-          </a:bodyPr>
-          <a:lstStyle/>
-          <a:p>
-            <a:r>
-              <a:rPr lang="en-GB" dirty="0"/>
-              <a:t>https://www.python.org/downloads/</a:t>
-            </a:r>
-            <a:endParaRPr lang="he-IL" dirty="0"/>
-          </a:p>
-        </p:txBody>
-      </p:sp>
-      <p:pic>
-        <p:nvPicPr>
-          <p:cNvPr id="1026" name="Picture 2"/>
-          <p:cNvPicPr>
-            <a:picLocks noChangeAspect="1" noChangeArrowheads="1"/>
-          </p:cNvPicPr>
-          <p:nvPr/>
-        </p:nvPicPr>
-        <p:blipFill>
-          <a:blip r:embed="rId3">
-            <a:extLst>
-              <a:ext uri="{28A0092B-C50C-407E-A947-70E740481C1C}">
-                <a14:useLocalDpi xmlns:a14="http://schemas.microsoft.com/office/drawing/2010/main" val="0"/>
-              </a:ext>
-            </a:extLst>
-          </a:blip>
-          <a:srcRect/>
-          <a:stretch>
-            <a:fillRect/>
-          </a:stretch>
-        </p:blipFill>
-        <p:spPr bwMode="auto">
-          <a:xfrm>
-            <a:off x="0" y="2081213"/>
-            <a:ext cx="9144000" cy="3024187"/>
-          </a:xfrm>
-          <a:prstGeom prst="rect">
-            <a:avLst/>
-          </a:prstGeom>
-          <a:noFill/>
-          <a:ln>
-            <a:noFill/>
-          </a:ln>
-          <a:effectLst/>
-          <a:extLst>
-            <a:ext uri="{909E8E84-426E-40DD-AFC4-6F175D3DCCD1}">
-              <a14:hiddenFill xmlns:a14="http://schemas.microsoft.com/office/drawing/2010/main">
-                <a:solidFill>
-                  <a:schemeClr val="accent1"/>
-                </a:solidFill>
-              </a14:hiddenFill>
-            </a:ext>
-            <a:ext uri="{91240B29-F687-4F45-9708-019B960494DF}">
-              <a14:hiddenLine xmlns:a14="http://schemas.microsoft.com/office/drawing/2010/main" w="9525">
-                <a:solidFill>
-                  <a:schemeClr val="tx1"/>
-                </a:solidFill>
-                <a:miter lim="800000"/>
-                <a:headEnd/>
-                <a:tailEnd/>
-              </a14:hiddenLine>
-            </a:ext>
-            <a:ext uri="{AF507438-7753-43E0-B8FC-AC1667EBCBE1}">
-              <a14:hiddenEffects xmlns:a14="http://schemas.microsoft.com/office/drawing/2010/main">
-                <a:effectLst>
-                  <a:outerShdw dist="35921" dir="2700000" algn="ctr" rotWithShape="0">
-                    <a:schemeClr val="bg2"/>
-                  </a:outerShdw>
-                </a:effectLst>
-              </a14:hiddenEffects>
-            </a:ext>
-          </a:extLst>
-        </p:spPr>
-      </p:pic>
-    </p:spTree>
-  </p:cSld>
-  <p:clrMapOvr>
-    <a:masterClrMapping/>
-  </p:clrMapOvr>
-  <p:timing>
-    <p:tnLst>
-      <p:par>
-        <p:cTn id="1" dur="indefinite" restart="never" nodeType="tmRoot"/>
-      </p:par>
-    </p:tnLst>
-  </p:timing>
-</p:sld>
-</file>
-
-<file path=ppt/slides/slide20.xml><?xml version="1.0" encoding="utf-8"?>
+<file path=ppt/slides/slide22.xml><?xml version="1.0" encoding="utf-8"?>
 <p:sld xmlns:a="http://schemas.openxmlformats.org/drawingml/2006/main" xmlns:r="http://schemas.openxmlformats.org/officeDocument/2006/relationships" xmlns:p="http://schemas.openxmlformats.org/presentationml/2006/main">
   <p:cSld>
     <p:spTree>
@@ -22865,7 +23702,7 @@
 </p:sld>
 </file>
 
-<file path=ppt/slides/slide21.xml><?xml version="1.0" encoding="utf-8"?>
+<file path=ppt/slides/slide23.xml><?xml version="1.0" encoding="utf-8"?>
 <p:sld xmlns:a="http://schemas.openxmlformats.org/drawingml/2006/main" xmlns:r="http://schemas.openxmlformats.org/officeDocument/2006/relationships" xmlns:p="http://schemas.openxmlformats.org/presentationml/2006/main">
   <p:cSld>
     <p:spTree>
@@ -23022,7 +23859,7 @@
                 <a:cs typeface="Arial" pitchFamily="34" charset="0"/>
               </a:rPr>
               <a:pPr eaLnBrk="1" hangingPunct="1"/>
-              <a:t>21</a:t>
+              <a:t>23</a:t>
             </a:fld>
             <a:endParaRPr lang="en-US" smtClean="0">
               <a:cs typeface="Arial" pitchFamily="34" charset="0"/>
@@ -23450,7 +24287,7 @@
 </p:sld>
 </file>
 
-<file path=ppt/slides/slide22.xml><?xml version="1.0" encoding="utf-8"?>
+<file path=ppt/slides/slide24.xml><?xml version="1.0" encoding="utf-8"?>
 <p:sld xmlns:a="http://schemas.openxmlformats.org/drawingml/2006/main" xmlns:r="http://schemas.openxmlformats.org/officeDocument/2006/relationships" xmlns:p="http://schemas.openxmlformats.org/presentationml/2006/main">
   <p:cSld>
     <p:spTree>
@@ -23835,7 +24672,7 @@
 </p:sld>
 </file>
 
-<file path=ppt/slides/slide23.xml><?xml version="1.0" encoding="utf-8"?>
+<file path=ppt/slides/slide25.xml><?xml version="1.0" encoding="utf-8"?>
 <p:sld xmlns:a="http://schemas.openxmlformats.org/drawingml/2006/main" xmlns:r="http://schemas.openxmlformats.org/officeDocument/2006/relationships" xmlns:p="http://schemas.openxmlformats.org/presentationml/2006/main">
   <p:cSld>
     <p:spTree>
@@ -23992,7 +24829,7 @@
                 <a:cs typeface="Arial" pitchFamily="34" charset="0"/>
               </a:rPr>
               <a:pPr eaLnBrk="1" hangingPunct="1"/>
-              <a:t>23</a:t>
+              <a:t>25</a:t>
             </a:fld>
             <a:endParaRPr lang="en-US" smtClean="0">
               <a:cs typeface="Arial" pitchFamily="34" charset="0"/>
@@ -24584,7 +25421,7 @@
 </p:sld>
 </file>
 
-<file path=ppt/slides/slide24.xml><?xml version="1.0" encoding="utf-8"?>
+<file path=ppt/slides/slide26.xml><?xml version="1.0" encoding="utf-8"?>
 <p:sld xmlns:a="http://schemas.openxmlformats.org/drawingml/2006/main" xmlns:r="http://schemas.openxmlformats.org/officeDocument/2006/relationships" xmlns:p="http://schemas.openxmlformats.org/presentationml/2006/main">
   <p:cSld>
     <p:spTree>
@@ -24916,7 +25753,7 @@
                 <a:cs typeface="Arial" pitchFamily="34" charset="0"/>
               </a:rPr>
               <a:pPr eaLnBrk="1" hangingPunct="1"/>
-              <a:t>24</a:t>
+              <a:t>26</a:t>
             </a:fld>
             <a:endParaRPr lang="en-US" smtClean="0">
               <a:cs typeface="Arial" pitchFamily="34" charset="0"/>
@@ -24986,7 +25823,7 @@
 </p:sld>
 </file>
 
-<file path=ppt/slides/slide25.xml><?xml version="1.0" encoding="utf-8"?>
+<file path=ppt/slides/slide27.xml><?xml version="1.0" encoding="utf-8"?>
 <p:sld xmlns:a="http://schemas.openxmlformats.org/drawingml/2006/main" xmlns:r="http://schemas.openxmlformats.org/officeDocument/2006/relationships" xmlns:p="http://schemas.openxmlformats.org/presentationml/2006/main">
   <p:cSld>
     <p:spTree>
@@ -25143,7 +25980,7 @@
                 <a:cs typeface="Arial" pitchFamily="34" charset="0"/>
               </a:rPr>
               <a:pPr eaLnBrk="1" hangingPunct="1"/>
-              <a:t>25</a:t>
+              <a:t>27</a:t>
             </a:fld>
             <a:endParaRPr lang="en-US" smtClean="0">
               <a:cs typeface="Arial" pitchFamily="34" charset="0"/>
@@ -25643,7 +26480,7 @@
 </p:sld>
 </file>
 
-<file path=ppt/slides/slide26.xml><?xml version="1.0" encoding="utf-8"?>
+<file path=ppt/slides/slide28.xml><?xml version="1.0" encoding="utf-8"?>
 <p:sld xmlns:a="http://schemas.openxmlformats.org/drawingml/2006/main" xmlns:r="http://schemas.openxmlformats.org/officeDocument/2006/relationships" xmlns:p="http://schemas.openxmlformats.org/presentationml/2006/main">
   <p:cSld>
     <p:spTree>
@@ -25800,7 +26637,7 @@
                 <a:cs typeface="Arial" pitchFamily="34" charset="0"/>
               </a:rPr>
               <a:pPr eaLnBrk="1" hangingPunct="1"/>
-              <a:t>26</a:t>
+              <a:t>28</a:t>
             </a:fld>
             <a:endParaRPr lang="en-US" smtClean="0">
               <a:cs typeface="Arial" pitchFamily="34" charset="0"/>
@@ -25928,7 +26765,7 @@
 </p:sld>
 </file>
 
-<file path=ppt/slides/slide27.xml><?xml version="1.0" encoding="utf-8"?>
+<file path=ppt/slides/slide29.xml><?xml version="1.0" encoding="utf-8"?>
 <p:sld xmlns:a="http://schemas.openxmlformats.org/drawingml/2006/main" xmlns:r="http://schemas.openxmlformats.org/officeDocument/2006/relationships" xmlns:p="http://schemas.openxmlformats.org/presentationml/2006/main">
   <p:cSld>
     <p:spTree>
@@ -26085,7 +26922,7 @@
                 <a:cs typeface="Arial" pitchFamily="34" charset="0"/>
               </a:rPr>
               <a:pPr eaLnBrk="1" hangingPunct="1"/>
-              <a:t>27</a:t>
+              <a:t>29</a:t>
             </a:fld>
             <a:endParaRPr lang="en-US" smtClean="0">
               <a:cs typeface="Arial" pitchFamily="34" charset="0"/>
@@ -26375,7 +27212,482 @@
 </p:sld>
 </file>
 
-<file path=ppt/slides/slide28.xml><?xml version="1.0" encoding="utf-8"?>
+<file path=ppt/slides/slide3.xml><?xml version="1.0" encoding="utf-8"?>
+<p:sld xmlns:a="http://schemas.openxmlformats.org/drawingml/2006/main" xmlns:r="http://schemas.openxmlformats.org/officeDocument/2006/relationships" xmlns:p="http://schemas.openxmlformats.org/presentationml/2006/main">
+  <p:cSld>
+    <p:spTree>
+      <p:nvGrpSpPr>
+        <p:cNvPr id="1" name=""/>
+        <p:cNvGrpSpPr/>
+        <p:nvPr/>
+      </p:nvGrpSpPr>
+      <p:grpSpPr>
+        <a:xfrm>
+          <a:off x="0" y="0"/>
+          <a:ext cx="0" cy="0"/>
+          <a:chOff x="0" y="0"/>
+          <a:chExt cx="0" cy="0"/>
+        </a:xfrm>
+      </p:grpSpPr>
+      <p:sp>
+        <p:nvSpPr>
+          <p:cNvPr id="7170" name="Slide Number Placeholder 5"/>
+          <p:cNvSpPr>
+            <a:spLocks noGrp="1"/>
+          </p:cNvSpPr>
+          <p:nvPr>
+            <p:ph type="sldNum" sz="quarter" idx="12"/>
+          </p:nvPr>
+        </p:nvSpPr>
+        <p:spPr>
+          <a:noFill/>
+          <a:ln/>
+          <a:extLst>
+            <a:ext uri="{909E8E84-426E-40DD-AFC4-6F175D3DCCD1}">
+              <a14:hiddenFill xmlns:a14="http://schemas.microsoft.com/office/drawing/2010/main">
+                <a:solidFill>
+                  <a:srgbClr val="FFFFFF"/>
+                </a:solidFill>
+              </a14:hiddenFill>
+            </a:ext>
+            <a:ext uri="{91240B29-F687-4F45-9708-019B960494DF}">
+              <a14:hiddenLine xmlns:a14="http://schemas.microsoft.com/office/drawing/2010/main" w="9525">
+                <a:solidFill>
+                  <a:srgbClr val="000000"/>
+                </a:solidFill>
+                <a:miter lim="800000"/>
+                <a:headEnd/>
+                <a:tailEnd/>
+              </a14:hiddenLine>
+            </a:ext>
+          </a:extLst>
+        </p:spPr>
+        <p:txBody>
+          <a:bodyPr/>
+          <a:lstStyle>
+            <a:lvl1pPr eaLnBrk="0" hangingPunct="0">
+              <a:defRPr>
+                <a:solidFill>
+                  <a:schemeClr val="tx1"/>
+                </a:solidFill>
+                <a:latin typeface="Arial" pitchFamily="34" charset="0"/>
+              </a:defRPr>
+            </a:lvl1pPr>
+            <a:lvl2pPr marL="742950" indent="-285750" eaLnBrk="0" hangingPunct="0">
+              <a:defRPr>
+                <a:solidFill>
+                  <a:schemeClr val="tx1"/>
+                </a:solidFill>
+                <a:latin typeface="Arial" pitchFamily="34" charset="0"/>
+              </a:defRPr>
+            </a:lvl2pPr>
+            <a:lvl3pPr marL="1143000" indent="-228600" eaLnBrk="0" hangingPunct="0">
+              <a:defRPr>
+                <a:solidFill>
+                  <a:schemeClr val="tx1"/>
+                </a:solidFill>
+                <a:latin typeface="Arial" pitchFamily="34" charset="0"/>
+              </a:defRPr>
+            </a:lvl3pPr>
+            <a:lvl4pPr marL="1600200" indent="-228600" eaLnBrk="0" hangingPunct="0">
+              <a:defRPr>
+                <a:solidFill>
+                  <a:schemeClr val="tx1"/>
+                </a:solidFill>
+                <a:latin typeface="Arial" pitchFamily="34" charset="0"/>
+              </a:defRPr>
+            </a:lvl4pPr>
+            <a:lvl5pPr marL="2057400" indent="-228600" eaLnBrk="0" hangingPunct="0">
+              <a:defRPr>
+                <a:solidFill>
+                  <a:schemeClr val="tx1"/>
+                </a:solidFill>
+                <a:latin typeface="Arial" pitchFamily="34" charset="0"/>
+              </a:defRPr>
+            </a:lvl5pPr>
+            <a:lvl6pPr marL="2514600" indent="-228600" algn="l" rtl="0" eaLnBrk="0" fontAlgn="base" hangingPunct="0">
+              <a:spcBef>
+                <a:spcPct val="50000"/>
+              </a:spcBef>
+              <a:spcAft>
+                <a:spcPct val="0"/>
+              </a:spcAft>
+              <a:defRPr>
+                <a:solidFill>
+                  <a:schemeClr val="tx1"/>
+                </a:solidFill>
+                <a:latin typeface="Arial" pitchFamily="34" charset="0"/>
+              </a:defRPr>
+            </a:lvl6pPr>
+            <a:lvl7pPr marL="2971800" indent="-228600" algn="l" rtl="0" eaLnBrk="0" fontAlgn="base" hangingPunct="0">
+              <a:spcBef>
+                <a:spcPct val="50000"/>
+              </a:spcBef>
+              <a:spcAft>
+                <a:spcPct val="0"/>
+              </a:spcAft>
+              <a:defRPr>
+                <a:solidFill>
+                  <a:schemeClr val="tx1"/>
+                </a:solidFill>
+                <a:latin typeface="Arial" pitchFamily="34" charset="0"/>
+              </a:defRPr>
+            </a:lvl7pPr>
+            <a:lvl8pPr marL="3429000" indent="-228600" algn="l" rtl="0" eaLnBrk="0" fontAlgn="base" hangingPunct="0">
+              <a:spcBef>
+                <a:spcPct val="50000"/>
+              </a:spcBef>
+              <a:spcAft>
+                <a:spcPct val="0"/>
+              </a:spcAft>
+              <a:defRPr>
+                <a:solidFill>
+                  <a:schemeClr val="tx1"/>
+                </a:solidFill>
+                <a:latin typeface="Arial" pitchFamily="34" charset="0"/>
+              </a:defRPr>
+            </a:lvl8pPr>
+            <a:lvl9pPr marL="3886200" indent="-228600" algn="l" rtl="0" eaLnBrk="0" fontAlgn="base" hangingPunct="0">
+              <a:spcBef>
+                <a:spcPct val="50000"/>
+              </a:spcBef>
+              <a:spcAft>
+                <a:spcPct val="0"/>
+              </a:spcAft>
+              <a:defRPr>
+                <a:solidFill>
+                  <a:schemeClr val="tx1"/>
+                </a:solidFill>
+                <a:latin typeface="Arial" pitchFamily="34" charset="0"/>
+              </a:defRPr>
+            </a:lvl9pPr>
+          </a:lstStyle>
+          <a:p>
+            <a:pPr eaLnBrk="1" hangingPunct="1"/>
+            <a:fld id="{F917B111-8A3C-44A4-B21B-A8270B57063A}" type="slidenum">
+              <a:rPr lang="ar-SA" smtClean="0">
+                <a:cs typeface="Arial" pitchFamily="34" charset="0"/>
+              </a:rPr>
+              <a:pPr eaLnBrk="1" hangingPunct="1"/>
+              <a:t>3</a:t>
+            </a:fld>
+            <a:endParaRPr lang="en-US" smtClean="0">
+              <a:cs typeface="Arial" pitchFamily="34" charset="0"/>
+            </a:endParaRPr>
+          </a:p>
+        </p:txBody>
+      </p:sp>
+      <p:sp>
+        <p:nvSpPr>
+          <p:cNvPr id="7171" name="Rectangle 2"/>
+          <p:cNvSpPr>
+            <a:spLocks noChangeArrowheads="1"/>
+          </p:cNvSpPr>
+          <p:nvPr/>
+        </p:nvSpPr>
+        <p:spPr bwMode="auto">
+          <a:xfrm>
+            <a:off x="457200" y="274638"/>
+            <a:ext cx="8229600" cy="1143000"/>
+          </a:xfrm>
+          <a:prstGeom prst="rect">
+            <a:avLst/>
+          </a:prstGeom>
+          <a:noFill/>
+          <a:ln>
+            <a:noFill/>
+          </a:ln>
+          <a:extLst>
+            <a:ext uri="{909E8E84-426E-40DD-AFC4-6F175D3DCCD1}">
+              <a14:hiddenFill xmlns:a14="http://schemas.microsoft.com/office/drawing/2010/main">
+                <a:solidFill>
+                  <a:srgbClr val="FFFFFF"/>
+                </a:solidFill>
+              </a14:hiddenFill>
+            </a:ext>
+            <a:ext uri="{91240B29-F687-4F45-9708-019B960494DF}">
+              <a14:hiddenLine xmlns:a14="http://schemas.microsoft.com/office/drawing/2010/main" w="9525">
+                <a:solidFill>
+                  <a:srgbClr val="000000"/>
+                </a:solidFill>
+                <a:miter lim="800000"/>
+                <a:headEnd/>
+                <a:tailEnd/>
+              </a14:hiddenLine>
+            </a:ext>
+          </a:extLst>
+        </p:spPr>
+        <p:txBody>
+          <a:bodyPr anchor="ctr"/>
+          <a:lstStyle/>
+          <a:p>
+            <a:pPr algn="ctr">
+              <a:spcBef>
+                <a:spcPct val="0"/>
+              </a:spcBef>
+            </a:pPr>
+            <a:r>
+              <a:rPr lang="en-US" sz="4400">
+                <a:solidFill>
+                  <a:srgbClr val="CC0000"/>
+                </a:solidFill>
+                <a:latin typeface="Times New Roman" pitchFamily="18" charset="0"/>
+                <a:cs typeface="Times New Roman" pitchFamily="18" charset="0"/>
+              </a:rPr>
+              <a:t>Today</a:t>
+            </a:r>
+          </a:p>
+        </p:txBody>
+      </p:sp>
+      <p:sp>
+        <p:nvSpPr>
+          <p:cNvPr id="7172" name="Rectangle 3"/>
+          <p:cNvSpPr>
+            <a:spLocks noChangeArrowheads="1"/>
+          </p:cNvSpPr>
+          <p:nvPr/>
+        </p:nvSpPr>
+        <p:spPr bwMode="auto">
+          <a:xfrm>
+            <a:off x="609600" y="1295400"/>
+            <a:ext cx="8153400" cy="5029200"/>
+          </a:xfrm>
+          <a:prstGeom prst="rect">
+            <a:avLst/>
+          </a:prstGeom>
+          <a:noFill/>
+          <a:ln>
+            <a:noFill/>
+          </a:ln>
+          <a:extLst>
+            <a:ext uri="{909E8E84-426E-40DD-AFC4-6F175D3DCCD1}">
+              <a14:hiddenFill xmlns:a14="http://schemas.microsoft.com/office/drawing/2010/main">
+                <a:solidFill>
+                  <a:srgbClr val="FFFFFF"/>
+                </a:solidFill>
+              </a14:hiddenFill>
+            </a:ext>
+            <a:ext uri="{91240B29-F687-4F45-9708-019B960494DF}">
+              <a14:hiddenLine xmlns:a14="http://schemas.microsoft.com/office/drawing/2010/main" w="9525">
+                <a:solidFill>
+                  <a:srgbClr val="000000"/>
+                </a:solidFill>
+                <a:miter lim="800000"/>
+                <a:headEnd/>
+                <a:tailEnd/>
+              </a14:hiddenLine>
+            </a:ext>
+          </a:extLst>
+        </p:spPr>
+        <p:txBody>
+          <a:bodyPr/>
+          <a:lstStyle/>
+          <a:p>
+            <a:pPr>
+              <a:lnSpc>
+                <a:spcPct val="80000"/>
+              </a:lnSpc>
+              <a:spcBef>
+                <a:spcPct val="20000"/>
+              </a:spcBef>
+              <a:buFontTx/>
+              <a:buChar char="•"/>
+            </a:pPr>
+            <a:r>
+              <a:rPr lang="en-US" sz="3200" dirty="0" smtClean="0">
+                <a:solidFill>
+                  <a:srgbClr val="003399"/>
+                </a:solidFill>
+                <a:latin typeface="Times New Roman" pitchFamily="18" charset="0"/>
+                <a:cs typeface="Times New Roman" pitchFamily="18" charset="0"/>
+              </a:rPr>
+              <a:t> Review</a:t>
+            </a:r>
+          </a:p>
+          <a:p>
+            <a:pPr>
+              <a:lnSpc>
+                <a:spcPct val="80000"/>
+              </a:lnSpc>
+              <a:spcBef>
+                <a:spcPct val="20000"/>
+              </a:spcBef>
+              <a:buFontTx/>
+              <a:buChar char="•"/>
+            </a:pPr>
+            <a:r>
+              <a:rPr lang="en-US" sz="3200" dirty="0" smtClean="0">
+                <a:solidFill>
+                  <a:srgbClr val="003399"/>
+                </a:solidFill>
+                <a:latin typeface="Times New Roman" pitchFamily="18" charset="0"/>
+                <a:cs typeface="Times New Roman" pitchFamily="18" charset="0"/>
+              </a:rPr>
+              <a:t> Lists</a:t>
+            </a:r>
+          </a:p>
+          <a:p>
+            <a:pPr>
+              <a:lnSpc>
+                <a:spcPct val="80000"/>
+              </a:lnSpc>
+              <a:spcBef>
+                <a:spcPct val="20000"/>
+              </a:spcBef>
+              <a:buFontTx/>
+              <a:buChar char="•"/>
+            </a:pPr>
+            <a:r>
+              <a:rPr lang="en-US" sz="3200" dirty="0" smtClean="0">
+                <a:solidFill>
+                  <a:srgbClr val="003399"/>
+                </a:solidFill>
+                <a:latin typeface="Times New Roman" pitchFamily="18" charset="0"/>
+                <a:cs typeface="Times New Roman" pitchFamily="18" charset="0"/>
+              </a:rPr>
+              <a:t> Loops</a:t>
+            </a:r>
+            <a:endParaRPr lang="en-US" sz="3200" dirty="0">
+              <a:solidFill>
+                <a:srgbClr val="003399"/>
+              </a:solidFill>
+              <a:latin typeface="Times New Roman" pitchFamily="18" charset="0"/>
+              <a:cs typeface="Times New Roman" pitchFamily="18" charset="0"/>
+            </a:endParaRPr>
+          </a:p>
+          <a:p>
+            <a:pPr>
+              <a:lnSpc>
+                <a:spcPct val="80000"/>
+              </a:lnSpc>
+              <a:spcBef>
+                <a:spcPct val="20000"/>
+              </a:spcBef>
+              <a:buFontTx/>
+              <a:buChar char="•"/>
+            </a:pPr>
+            <a:r>
+              <a:rPr lang="en-US" sz="3200" dirty="0" smtClean="0">
+                <a:solidFill>
+                  <a:srgbClr val="003399"/>
+                </a:solidFill>
+                <a:latin typeface="Times New Roman" pitchFamily="18" charset="0"/>
+                <a:cs typeface="Times New Roman" pitchFamily="18" charset="0"/>
+              </a:rPr>
+              <a:t> Functions</a:t>
+            </a:r>
+            <a:endParaRPr lang="en-US" sz="3200" dirty="0">
+              <a:solidFill>
+                <a:srgbClr val="003399"/>
+              </a:solidFill>
+              <a:latin typeface="Times New Roman" pitchFamily="18" charset="0"/>
+              <a:cs typeface="Times New Roman" pitchFamily="18" charset="0"/>
+            </a:endParaRPr>
+          </a:p>
+          <a:p>
+            <a:pPr>
+              <a:lnSpc>
+                <a:spcPct val="80000"/>
+              </a:lnSpc>
+              <a:spcBef>
+                <a:spcPct val="20000"/>
+              </a:spcBef>
+              <a:buFontTx/>
+              <a:buChar char="•"/>
+            </a:pPr>
+            <a:r>
+              <a:rPr lang="en-US" sz="3200" dirty="0">
+                <a:solidFill>
+                  <a:srgbClr val="003399"/>
+                </a:solidFill>
+                <a:latin typeface="Times New Roman" pitchFamily="18" charset="0"/>
+                <a:cs typeface="Times New Roman" pitchFamily="18" charset="0"/>
+              </a:rPr>
+              <a:t> </a:t>
+            </a:r>
+            <a:r>
+              <a:rPr lang="en-US" sz="3200" dirty="0" smtClean="0">
+                <a:solidFill>
+                  <a:srgbClr val="003399"/>
+                </a:solidFill>
+                <a:latin typeface="Times New Roman" pitchFamily="18" charset="0"/>
+                <a:cs typeface="Times New Roman" pitchFamily="18" charset="0"/>
+              </a:rPr>
+              <a:t>Homework</a:t>
+            </a:r>
+          </a:p>
+          <a:p>
+            <a:pPr>
+              <a:lnSpc>
+                <a:spcPct val="80000"/>
+              </a:lnSpc>
+              <a:spcBef>
+                <a:spcPct val="20000"/>
+              </a:spcBef>
+              <a:buFontTx/>
+              <a:buChar char="•"/>
+            </a:pPr>
+            <a:r>
+              <a:rPr lang="en-US" sz="3200" dirty="0">
+                <a:solidFill>
+                  <a:srgbClr val="003399"/>
+                </a:solidFill>
+                <a:latin typeface="Times New Roman" pitchFamily="18" charset="0"/>
+                <a:cs typeface="Times New Roman" pitchFamily="18" charset="0"/>
+              </a:rPr>
+              <a:t> </a:t>
+            </a:r>
+            <a:r>
+              <a:rPr lang="en-US" sz="3200" dirty="0" smtClean="0">
+                <a:solidFill>
+                  <a:srgbClr val="003399"/>
+                </a:solidFill>
+                <a:latin typeface="Times New Roman" pitchFamily="18" charset="0"/>
+                <a:cs typeface="Times New Roman" pitchFamily="18" charset="0"/>
+              </a:rPr>
+              <a:t>Ehud </a:t>
+            </a:r>
+            <a:r>
+              <a:rPr lang="en-US" sz="3200" dirty="0" err="1" smtClean="0">
+                <a:solidFill>
+                  <a:srgbClr val="003399"/>
+                </a:solidFill>
+                <a:latin typeface="Times New Roman" pitchFamily="18" charset="0"/>
+                <a:cs typeface="Times New Roman" pitchFamily="18" charset="0"/>
+              </a:rPr>
+              <a:t>Lamm</a:t>
+            </a:r>
+            <a:endParaRPr lang="en-US" sz="3200" dirty="0">
+              <a:solidFill>
+                <a:srgbClr val="003399"/>
+              </a:solidFill>
+              <a:latin typeface="Times New Roman" pitchFamily="18" charset="0"/>
+              <a:cs typeface="Times New Roman" pitchFamily="18" charset="0"/>
+            </a:endParaRPr>
+          </a:p>
+        </p:txBody>
+      </p:sp>
+    </p:spTree>
+    <p:extLst>
+      <p:ext uri="{BB962C8B-B14F-4D97-AF65-F5344CB8AC3E}">
+        <p14:creationId xmlns:p14="http://schemas.microsoft.com/office/powerpoint/2010/main" val="767865621"/>
+      </p:ext>
+    </p:extLst>
+  </p:cSld>
+  <p:clrMapOvr>
+    <a:masterClrMapping/>
+  </p:clrMapOvr>
+  <p:timing>
+    <p:tnLst>
+      <p:par>
+        <p:cTn id="1" dur="indefinite" restart="never" nodeType="tmRoot"/>
+      </p:par>
+    </p:tnLst>
+  </p:timing>
+</p:sld>
+</file>
+
+<file path=ppt/slides/slide30.xml><?xml version="1.0" encoding="utf-8"?>
 <p:sld xmlns:a="http://schemas.openxmlformats.org/drawingml/2006/main" xmlns:r="http://schemas.openxmlformats.org/officeDocument/2006/relationships" xmlns:p="http://schemas.openxmlformats.org/presentationml/2006/main">
   <p:cSld>
     <p:spTree>
@@ -27041,14 +28353,14 @@
               <a:pPr>
                 <a:defRPr/>
               </a:pPr>
-              <a:t>28</a:t>
+              <a:t>30</a:t>
             </a:fld>
             <a:endParaRPr lang="en-US"/>
           </a:p>
         </p:txBody>
       </p:sp>
-      <mc:AlternateContent xmlns:mc="http://schemas.openxmlformats.org/markup-compatibility/2006">
-        <mc:Choice xmlns:a14="http://schemas.microsoft.com/office/drawing/2010/main" Requires="a14">
+      <mc:AlternateContent xmlns:mc="http://schemas.openxmlformats.org/markup-compatibility/2006" xmlns:a14="http://schemas.microsoft.com/office/drawing/2010/main">
+        <mc:Choice Requires="a14">
           <p:sp>
             <p:nvSpPr>
               <p:cNvPr id="5" name="TextBox 4"/>
@@ -27205,7 +28517,7 @@
             </p:txBody>
           </p:sp>
         </mc:Choice>
-        <mc:Fallback>
+        <mc:Fallback xmlns="">
           <p:sp>
             <p:nvSpPr>
               <p:cNvPr id="5" name="TextBox 4"/>
@@ -27264,7 +28576,7 @@
 </p:sld>
 </file>
 
-<file path=ppt/slides/slide29.xml><?xml version="1.0" encoding="utf-8"?>
+<file path=ppt/slides/slide31.xml><?xml version="1.0" encoding="utf-8"?>
 <p:sld xmlns:a="http://schemas.openxmlformats.org/drawingml/2006/main" xmlns:r="http://schemas.openxmlformats.org/officeDocument/2006/relationships" xmlns:p="http://schemas.openxmlformats.org/presentationml/2006/main">
   <p:cSld>
     <p:spTree>
@@ -27421,7 +28733,7 @@
                 <a:cs typeface="Arial" pitchFamily="34" charset="0"/>
               </a:rPr>
               <a:pPr eaLnBrk="1" hangingPunct="1"/>
-              <a:t>29</a:t>
+              <a:t>31</a:t>
             </a:fld>
             <a:endParaRPr lang="en-US" smtClean="0">
               <a:cs typeface="Arial" pitchFamily="34" charset="0"/>
@@ -27566,1251 +28878,6 @@
         <p14:creationId xmlns:p14="http://schemas.microsoft.com/office/powerpoint/2010/main" val="312218231"/>
       </p:ext>
     </p:extLst>
-  </p:cSld>
-  <p:clrMapOvr>
-    <a:masterClrMapping/>
-  </p:clrMapOvr>
-  <p:timing>
-    <p:tnLst>
-      <p:par>
-        <p:cTn id="1" dur="indefinite" restart="never" nodeType="tmRoot"/>
-      </p:par>
-    </p:tnLst>
-  </p:timing>
-</p:sld>
-</file>
-
-<file path=ppt/slides/slide3.xml><?xml version="1.0" encoding="utf-8"?>
-<p:sld xmlns:a="http://schemas.openxmlformats.org/drawingml/2006/main" xmlns:r="http://schemas.openxmlformats.org/officeDocument/2006/relationships" xmlns:p="http://schemas.openxmlformats.org/presentationml/2006/main">
-  <p:cSld>
-    <p:spTree>
-      <p:nvGrpSpPr>
-        <p:cNvPr id="1" name=""/>
-        <p:cNvGrpSpPr/>
-        <p:nvPr/>
-      </p:nvGrpSpPr>
-      <p:grpSpPr>
-        <a:xfrm>
-          <a:off x="0" y="0"/>
-          <a:ext cx="0" cy="0"/>
-          <a:chOff x="0" y="0"/>
-          <a:chExt cx="0" cy="0"/>
-        </a:xfrm>
-      </p:grpSpPr>
-      <p:sp>
-        <p:nvSpPr>
-          <p:cNvPr id="7170" name="Slide Number Placeholder 5"/>
-          <p:cNvSpPr>
-            <a:spLocks noGrp="1"/>
-          </p:cNvSpPr>
-          <p:nvPr>
-            <p:ph type="sldNum" sz="quarter" idx="12"/>
-          </p:nvPr>
-        </p:nvSpPr>
-        <p:spPr>
-          <a:noFill/>
-          <a:ln/>
-          <a:extLst>
-            <a:ext uri="{909E8E84-426E-40DD-AFC4-6F175D3DCCD1}">
-              <a14:hiddenFill xmlns:a14="http://schemas.microsoft.com/office/drawing/2010/main">
-                <a:solidFill>
-                  <a:srgbClr val="FFFFFF"/>
-                </a:solidFill>
-              </a14:hiddenFill>
-            </a:ext>
-            <a:ext uri="{91240B29-F687-4F45-9708-019B960494DF}">
-              <a14:hiddenLine xmlns:a14="http://schemas.microsoft.com/office/drawing/2010/main" w="9525">
-                <a:solidFill>
-                  <a:srgbClr val="000000"/>
-                </a:solidFill>
-                <a:miter lim="800000"/>
-                <a:headEnd/>
-                <a:tailEnd/>
-              </a14:hiddenLine>
-            </a:ext>
-          </a:extLst>
-        </p:spPr>
-        <p:txBody>
-          <a:bodyPr/>
-          <a:lstStyle>
-            <a:lvl1pPr eaLnBrk="0" hangingPunct="0">
-              <a:defRPr>
-                <a:solidFill>
-                  <a:schemeClr val="tx1"/>
-                </a:solidFill>
-                <a:latin typeface="Arial" pitchFamily="34" charset="0"/>
-              </a:defRPr>
-            </a:lvl1pPr>
-            <a:lvl2pPr marL="742950" indent="-285750" eaLnBrk="0" hangingPunct="0">
-              <a:defRPr>
-                <a:solidFill>
-                  <a:schemeClr val="tx1"/>
-                </a:solidFill>
-                <a:latin typeface="Arial" pitchFamily="34" charset="0"/>
-              </a:defRPr>
-            </a:lvl2pPr>
-            <a:lvl3pPr marL="1143000" indent="-228600" eaLnBrk="0" hangingPunct="0">
-              <a:defRPr>
-                <a:solidFill>
-                  <a:schemeClr val="tx1"/>
-                </a:solidFill>
-                <a:latin typeface="Arial" pitchFamily="34" charset="0"/>
-              </a:defRPr>
-            </a:lvl3pPr>
-            <a:lvl4pPr marL="1600200" indent="-228600" eaLnBrk="0" hangingPunct="0">
-              <a:defRPr>
-                <a:solidFill>
-                  <a:schemeClr val="tx1"/>
-                </a:solidFill>
-                <a:latin typeface="Arial" pitchFamily="34" charset="0"/>
-              </a:defRPr>
-            </a:lvl4pPr>
-            <a:lvl5pPr marL="2057400" indent="-228600" eaLnBrk="0" hangingPunct="0">
-              <a:defRPr>
-                <a:solidFill>
-                  <a:schemeClr val="tx1"/>
-                </a:solidFill>
-                <a:latin typeface="Arial" pitchFamily="34" charset="0"/>
-              </a:defRPr>
-            </a:lvl5pPr>
-            <a:lvl6pPr marL="2514600" indent="-228600" algn="l" rtl="0" eaLnBrk="0" fontAlgn="base" hangingPunct="0">
-              <a:spcBef>
-                <a:spcPct val="50000"/>
-              </a:spcBef>
-              <a:spcAft>
-                <a:spcPct val="0"/>
-              </a:spcAft>
-              <a:defRPr>
-                <a:solidFill>
-                  <a:schemeClr val="tx1"/>
-                </a:solidFill>
-                <a:latin typeface="Arial" pitchFamily="34" charset="0"/>
-              </a:defRPr>
-            </a:lvl6pPr>
-            <a:lvl7pPr marL="2971800" indent="-228600" algn="l" rtl="0" eaLnBrk="0" fontAlgn="base" hangingPunct="0">
-              <a:spcBef>
-                <a:spcPct val="50000"/>
-              </a:spcBef>
-              <a:spcAft>
-                <a:spcPct val="0"/>
-              </a:spcAft>
-              <a:defRPr>
-                <a:solidFill>
-                  <a:schemeClr val="tx1"/>
-                </a:solidFill>
-                <a:latin typeface="Arial" pitchFamily="34" charset="0"/>
-              </a:defRPr>
-            </a:lvl7pPr>
-            <a:lvl8pPr marL="3429000" indent="-228600" algn="l" rtl="0" eaLnBrk="0" fontAlgn="base" hangingPunct="0">
-              <a:spcBef>
-                <a:spcPct val="50000"/>
-              </a:spcBef>
-              <a:spcAft>
-                <a:spcPct val="0"/>
-              </a:spcAft>
-              <a:defRPr>
-                <a:solidFill>
-                  <a:schemeClr val="tx1"/>
-                </a:solidFill>
-                <a:latin typeface="Arial" pitchFamily="34" charset="0"/>
-              </a:defRPr>
-            </a:lvl8pPr>
-            <a:lvl9pPr marL="3886200" indent="-228600" algn="l" rtl="0" eaLnBrk="0" fontAlgn="base" hangingPunct="0">
-              <a:spcBef>
-                <a:spcPct val="50000"/>
-              </a:spcBef>
-              <a:spcAft>
-                <a:spcPct val="0"/>
-              </a:spcAft>
-              <a:defRPr>
-                <a:solidFill>
-                  <a:schemeClr val="tx1"/>
-                </a:solidFill>
-                <a:latin typeface="Arial" pitchFamily="34" charset="0"/>
-              </a:defRPr>
-            </a:lvl9pPr>
-          </a:lstStyle>
-          <a:p>
-            <a:pPr eaLnBrk="1" hangingPunct="1"/>
-            <a:fld id="{F917B111-8A3C-44A4-B21B-A8270B57063A}" type="slidenum">
-              <a:rPr lang="ar-SA" smtClean="0">
-                <a:cs typeface="Arial" pitchFamily="34" charset="0"/>
-              </a:rPr>
-              <a:pPr eaLnBrk="1" hangingPunct="1"/>
-              <a:t>3</a:t>
-            </a:fld>
-            <a:endParaRPr lang="en-US" smtClean="0">
-              <a:cs typeface="Arial" pitchFamily="34" charset="0"/>
-            </a:endParaRPr>
-          </a:p>
-        </p:txBody>
-      </p:sp>
-      <p:sp>
-        <p:nvSpPr>
-          <p:cNvPr id="7171" name="Rectangle 2"/>
-          <p:cNvSpPr>
-            <a:spLocks noChangeArrowheads="1"/>
-          </p:cNvSpPr>
-          <p:nvPr/>
-        </p:nvSpPr>
-        <p:spPr bwMode="auto">
-          <a:xfrm>
-            <a:off x="457200" y="274638"/>
-            <a:ext cx="8229600" cy="1143000"/>
-          </a:xfrm>
-          <a:prstGeom prst="rect">
-            <a:avLst/>
-          </a:prstGeom>
-          <a:noFill/>
-          <a:ln>
-            <a:noFill/>
-          </a:ln>
-          <a:extLst>
-            <a:ext uri="{909E8E84-426E-40DD-AFC4-6F175D3DCCD1}">
-              <a14:hiddenFill xmlns:a14="http://schemas.microsoft.com/office/drawing/2010/main">
-                <a:solidFill>
-                  <a:srgbClr val="FFFFFF"/>
-                </a:solidFill>
-              </a14:hiddenFill>
-            </a:ext>
-            <a:ext uri="{91240B29-F687-4F45-9708-019B960494DF}">
-              <a14:hiddenLine xmlns:a14="http://schemas.microsoft.com/office/drawing/2010/main" w="9525">
-                <a:solidFill>
-                  <a:srgbClr val="000000"/>
-                </a:solidFill>
-                <a:miter lim="800000"/>
-                <a:headEnd/>
-                <a:tailEnd/>
-              </a14:hiddenLine>
-            </a:ext>
-          </a:extLst>
-        </p:spPr>
-        <p:txBody>
-          <a:bodyPr anchor="ctr"/>
-          <a:lstStyle/>
-          <a:p>
-            <a:pPr algn="ctr">
-              <a:spcBef>
-                <a:spcPct val="0"/>
-              </a:spcBef>
-            </a:pPr>
-            <a:r>
-              <a:rPr lang="en-US" sz="4400">
-                <a:solidFill>
-                  <a:srgbClr val="CC0000"/>
-                </a:solidFill>
-                <a:latin typeface="Times New Roman" pitchFamily="18" charset="0"/>
-                <a:cs typeface="Times New Roman" pitchFamily="18" charset="0"/>
-              </a:rPr>
-              <a:t>Today</a:t>
-            </a:r>
-          </a:p>
-        </p:txBody>
-      </p:sp>
-      <p:sp>
-        <p:nvSpPr>
-          <p:cNvPr id="7172" name="Rectangle 3"/>
-          <p:cNvSpPr>
-            <a:spLocks noChangeArrowheads="1"/>
-          </p:cNvSpPr>
-          <p:nvPr/>
-        </p:nvSpPr>
-        <p:spPr bwMode="auto">
-          <a:xfrm>
-            <a:off x="609600" y="1295400"/>
-            <a:ext cx="8153400" cy="5029200"/>
-          </a:xfrm>
-          <a:prstGeom prst="rect">
-            <a:avLst/>
-          </a:prstGeom>
-          <a:noFill/>
-          <a:ln>
-            <a:noFill/>
-          </a:ln>
-          <a:extLst>
-            <a:ext uri="{909E8E84-426E-40DD-AFC4-6F175D3DCCD1}">
-              <a14:hiddenFill xmlns:a14="http://schemas.microsoft.com/office/drawing/2010/main">
-                <a:solidFill>
-                  <a:srgbClr val="FFFFFF"/>
-                </a:solidFill>
-              </a14:hiddenFill>
-            </a:ext>
-            <a:ext uri="{91240B29-F687-4F45-9708-019B960494DF}">
-              <a14:hiddenLine xmlns:a14="http://schemas.microsoft.com/office/drawing/2010/main" w="9525">
-                <a:solidFill>
-                  <a:srgbClr val="000000"/>
-                </a:solidFill>
-                <a:miter lim="800000"/>
-                <a:headEnd/>
-                <a:tailEnd/>
-              </a14:hiddenLine>
-            </a:ext>
-          </a:extLst>
-        </p:spPr>
-        <p:txBody>
-          <a:bodyPr/>
-          <a:lstStyle/>
-          <a:p>
-            <a:pPr>
-              <a:lnSpc>
-                <a:spcPct val="80000"/>
-              </a:lnSpc>
-              <a:spcBef>
-                <a:spcPct val="20000"/>
-              </a:spcBef>
-              <a:buFontTx/>
-              <a:buChar char="•"/>
-            </a:pPr>
-            <a:r>
-              <a:rPr lang="en-US" sz="3200" dirty="0" smtClean="0">
-                <a:solidFill>
-                  <a:srgbClr val="003399"/>
-                </a:solidFill>
-                <a:latin typeface="Times New Roman" pitchFamily="18" charset="0"/>
-                <a:cs typeface="Times New Roman" pitchFamily="18" charset="0"/>
-              </a:rPr>
-              <a:t> Review</a:t>
-            </a:r>
-          </a:p>
-          <a:p>
-            <a:pPr>
-              <a:lnSpc>
-                <a:spcPct val="80000"/>
-              </a:lnSpc>
-              <a:spcBef>
-                <a:spcPct val="20000"/>
-              </a:spcBef>
-              <a:buFontTx/>
-              <a:buChar char="•"/>
-            </a:pPr>
-            <a:r>
-              <a:rPr lang="en-US" sz="3200" dirty="0" smtClean="0">
-                <a:solidFill>
-                  <a:srgbClr val="003399"/>
-                </a:solidFill>
-                <a:latin typeface="Times New Roman" pitchFamily="18" charset="0"/>
-                <a:cs typeface="Times New Roman" pitchFamily="18" charset="0"/>
-              </a:rPr>
-              <a:t> Lists</a:t>
-            </a:r>
-          </a:p>
-          <a:p>
-            <a:pPr>
-              <a:lnSpc>
-                <a:spcPct val="80000"/>
-              </a:lnSpc>
-              <a:spcBef>
-                <a:spcPct val="20000"/>
-              </a:spcBef>
-              <a:buFontTx/>
-              <a:buChar char="•"/>
-            </a:pPr>
-            <a:r>
-              <a:rPr lang="en-US" sz="3200" dirty="0" smtClean="0">
-                <a:solidFill>
-                  <a:srgbClr val="003399"/>
-                </a:solidFill>
-                <a:latin typeface="Times New Roman" pitchFamily="18" charset="0"/>
-                <a:cs typeface="Times New Roman" pitchFamily="18" charset="0"/>
-              </a:rPr>
-              <a:t> Loops</a:t>
-            </a:r>
-            <a:endParaRPr lang="en-US" sz="3200" dirty="0">
-              <a:solidFill>
-                <a:srgbClr val="003399"/>
-              </a:solidFill>
-              <a:latin typeface="Times New Roman" pitchFamily="18" charset="0"/>
-              <a:cs typeface="Times New Roman" pitchFamily="18" charset="0"/>
-            </a:endParaRPr>
-          </a:p>
-          <a:p>
-            <a:pPr>
-              <a:lnSpc>
-                <a:spcPct val="80000"/>
-              </a:lnSpc>
-              <a:spcBef>
-                <a:spcPct val="20000"/>
-              </a:spcBef>
-              <a:buFontTx/>
-              <a:buChar char="•"/>
-            </a:pPr>
-            <a:r>
-              <a:rPr lang="en-US" sz="3200" dirty="0" smtClean="0">
-                <a:solidFill>
-                  <a:srgbClr val="003399"/>
-                </a:solidFill>
-                <a:latin typeface="Times New Roman" pitchFamily="18" charset="0"/>
-                <a:cs typeface="Times New Roman" pitchFamily="18" charset="0"/>
-              </a:rPr>
-              <a:t> Functions</a:t>
-            </a:r>
-            <a:endParaRPr lang="en-US" sz="3200" dirty="0">
-              <a:solidFill>
-                <a:srgbClr val="003399"/>
-              </a:solidFill>
-              <a:latin typeface="Times New Roman" pitchFamily="18" charset="0"/>
-              <a:cs typeface="Times New Roman" pitchFamily="18" charset="0"/>
-            </a:endParaRPr>
-          </a:p>
-          <a:p>
-            <a:pPr>
-              <a:lnSpc>
-                <a:spcPct val="80000"/>
-              </a:lnSpc>
-              <a:spcBef>
-                <a:spcPct val="20000"/>
-              </a:spcBef>
-              <a:buFontTx/>
-              <a:buChar char="•"/>
-            </a:pPr>
-            <a:r>
-              <a:rPr lang="en-US" sz="3200" dirty="0">
-                <a:solidFill>
-                  <a:srgbClr val="003399"/>
-                </a:solidFill>
-                <a:latin typeface="Times New Roman" pitchFamily="18" charset="0"/>
-                <a:cs typeface="Times New Roman" pitchFamily="18" charset="0"/>
-              </a:rPr>
-              <a:t> </a:t>
-            </a:r>
-            <a:r>
-              <a:rPr lang="en-US" sz="3200" dirty="0" smtClean="0">
-                <a:solidFill>
-                  <a:srgbClr val="003399"/>
-                </a:solidFill>
-                <a:latin typeface="Times New Roman" pitchFamily="18" charset="0"/>
-                <a:cs typeface="Times New Roman" pitchFamily="18" charset="0"/>
-              </a:rPr>
-              <a:t>Homework</a:t>
-            </a:r>
-          </a:p>
-          <a:p>
-            <a:pPr>
-              <a:lnSpc>
-                <a:spcPct val="80000"/>
-              </a:lnSpc>
-              <a:spcBef>
-                <a:spcPct val="20000"/>
-              </a:spcBef>
-              <a:buFontTx/>
-              <a:buChar char="•"/>
-            </a:pPr>
-            <a:r>
-              <a:rPr lang="en-US" sz="3200" dirty="0">
-                <a:solidFill>
-                  <a:srgbClr val="003399"/>
-                </a:solidFill>
-                <a:latin typeface="Times New Roman" pitchFamily="18" charset="0"/>
-                <a:cs typeface="Times New Roman" pitchFamily="18" charset="0"/>
-              </a:rPr>
-              <a:t> </a:t>
-            </a:r>
-            <a:r>
-              <a:rPr lang="en-US" sz="3200" dirty="0" smtClean="0">
-                <a:solidFill>
-                  <a:srgbClr val="003399"/>
-                </a:solidFill>
-                <a:latin typeface="Times New Roman" pitchFamily="18" charset="0"/>
-                <a:cs typeface="Times New Roman" pitchFamily="18" charset="0"/>
-              </a:rPr>
-              <a:t>Ehud </a:t>
-            </a:r>
-            <a:r>
-              <a:rPr lang="en-US" sz="3200" dirty="0" err="1" smtClean="0">
-                <a:solidFill>
-                  <a:srgbClr val="003399"/>
-                </a:solidFill>
-                <a:latin typeface="Times New Roman" pitchFamily="18" charset="0"/>
-                <a:cs typeface="Times New Roman" pitchFamily="18" charset="0"/>
-              </a:rPr>
-              <a:t>Lamm</a:t>
-            </a:r>
-            <a:endParaRPr lang="en-US" sz="3200" dirty="0">
-              <a:solidFill>
-                <a:srgbClr val="003399"/>
-              </a:solidFill>
-              <a:latin typeface="Times New Roman" pitchFamily="18" charset="0"/>
-              <a:cs typeface="Times New Roman" pitchFamily="18" charset="0"/>
-            </a:endParaRPr>
-          </a:p>
-        </p:txBody>
-      </p:sp>
-    </p:spTree>
-    <p:extLst>
-      <p:ext uri="{BB962C8B-B14F-4D97-AF65-F5344CB8AC3E}">
-        <p14:creationId xmlns:p14="http://schemas.microsoft.com/office/powerpoint/2010/main" val="767865621"/>
-      </p:ext>
-    </p:extLst>
-  </p:cSld>
-  <p:clrMapOvr>
-    <a:masterClrMapping/>
-  </p:clrMapOvr>
-  <p:timing>
-    <p:tnLst>
-      <p:par>
-        <p:cTn id="1" dur="indefinite" restart="never" nodeType="tmRoot"/>
-      </p:par>
-    </p:tnLst>
-  </p:timing>
-</p:sld>
-</file>
-
-<file path=ppt/slides/slide30.xml><?xml version="1.0" encoding="utf-8"?>
-<p:sld xmlns:a="http://schemas.openxmlformats.org/drawingml/2006/main" xmlns:r="http://schemas.openxmlformats.org/officeDocument/2006/relationships" xmlns:p="http://schemas.openxmlformats.org/presentationml/2006/main">
-  <p:cSld>
-    <p:spTree>
-      <p:nvGrpSpPr>
-        <p:cNvPr id="1" name=""/>
-        <p:cNvGrpSpPr/>
-        <p:nvPr/>
-      </p:nvGrpSpPr>
-      <p:grpSpPr>
-        <a:xfrm>
-          <a:off x="0" y="0"/>
-          <a:ext cx="0" cy="0"/>
-          <a:chOff x="0" y="0"/>
-          <a:chExt cx="0" cy="0"/>
-        </a:xfrm>
-      </p:grpSpPr>
-      <p:sp>
-        <p:nvSpPr>
-          <p:cNvPr id="23554" name="Slide Number Placeholder 5"/>
-          <p:cNvSpPr>
-            <a:spLocks noGrp="1"/>
-          </p:cNvSpPr>
-          <p:nvPr>
-            <p:ph type="sldNum" sz="quarter" idx="12"/>
-          </p:nvPr>
-        </p:nvSpPr>
-        <p:spPr>
-          <a:noFill/>
-          <a:ln/>
-          <a:extLst>
-            <a:ext uri="{909E8E84-426E-40DD-AFC4-6F175D3DCCD1}">
-              <a14:hiddenFill xmlns:a14="http://schemas.microsoft.com/office/drawing/2010/main">
-                <a:solidFill>
-                  <a:srgbClr val="FFFFFF"/>
-                </a:solidFill>
-              </a14:hiddenFill>
-            </a:ext>
-            <a:ext uri="{91240B29-F687-4F45-9708-019B960494DF}">
-              <a14:hiddenLine xmlns:a14="http://schemas.microsoft.com/office/drawing/2010/main" w="9525">
-                <a:solidFill>
-                  <a:srgbClr val="000000"/>
-                </a:solidFill>
-                <a:miter lim="800000"/>
-                <a:headEnd/>
-                <a:tailEnd/>
-              </a14:hiddenLine>
-            </a:ext>
-          </a:extLst>
-        </p:spPr>
-        <p:txBody>
-          <a:bodyPr/>
-          <a:lstStyle>
-            <a:lvl1pPr eaLnBrk="0" hangingPunct="0">
-              <a:defRPr>
-                <a:solidFill>
-                  <a:schemeClr val="tx1"/>
-                </a:solidFill>
-                <a:latin typeface="Arial" pitchFamily="34" charset="0"/>
-              </a:defRPr>
-            </a:lvl1pPr>
-            <a:lvl2pPr marL="742950" indent="-285750" eaLnBrk="0" hangingPunct="0">
-              <a:defRPr>
-                <a:solidFill>
-                  <a:schemeClr val="tx1"/>
-                </a:solidFill>
-                <a:latin typeface="Arial" pitchFamily="34" charset="0"/>
-              </a:defRPr>
-            </a:lvl2pPr>
-            <a:lvl3pPr marL="1143000" indent="-228600" eaLnBrk="0" hangingPunct="0">
-              <a:defRPr>
-                <a:solidFill>
-                  <a:schemeClr val="tx1"/>
-                </a:solidFill>
-                <a:latin typeface="Arial" pitchFamily="34" charset="0"/>
-              </a:defRPr>
-            </a:lvl3pPr>
-            <a:lvl4pPr marL="1600200" indent="-228600" eaLnBrk="0" hangingPunct="0">
-              <a:defRPr>
-                <a:solidFill>
-                  <a:schemeClr val="tx1"/>
-                </a:solidFill>
-                <a:latin typeface="Arial" pitchFamily="34" charset="0"/>
-              </a:defRPr>
-            </a:lvl4pPr>
-            <a:lvl5pPr marL="2057400" indent="-228600" eaLnBrk="0" hangingPunct="0">
-              <a:defRPr>
-                <a:solidFill>
-                  <a:schemeClr val="tx1"/>
-                </a:solidFill>
-                <a:latin typeface="Arial" pitchFamily="34" charset="0"/>
-              </a:defRPr>
-            </a:lvl5pPr>
-            <a:lvl6pPr marL="2514600" indent="-228600" algn="l" rtl="0" eaLnBrk="0" fontAlgn="base" hangingPunct="0">
-              <a:spcBef>
-                <a:spcPct val="50000"/>
-              </a:spcBef>
-              <a:spcAft>
-                <a:spcPct val="0"/>
-              </a:spcAft>
-              <a:defRPr>
-                <a:solidFill>
-                  <a:schemeClr val="tx1"/>
-                </a:solidFill>
-                <a:latin typeface="Arial" pitchFamily="34" charset="0"/>
-              </a:defRPr>
-            </a:lvl6pPr>
-            <a:lvl7pPr marL="2971800" indent="-228600" algn="l" rtl="0" eaLnBrk="0" fontAlgn="base" hangingPunct="0">
-              <a:spcBef>
-                <a:spcPct val="50000"/>
-              </a:spcBef>
-              <a:spcAft>
-                <a:spcPct val="0"/>
-              </a:spcAft>
-              <a:defRPr>
-                <a:solidFill>
-                  <a:schemeClr val="tx1"/>
-                </a:solidFill>
-                <a:latin typeface="Arial" pitchFamily="34" charset="0"/>
-              </a:defRPr>
-            </a:lvl7pPr>
-            <a:lvl8pPr marL="3429000" indent="-228600" algn="l" rtl="0" eaLnBrk="0" fontAlgn="base" hangingPunct="0">
-              <a:spcBef>
-                <a:spcPct val="50000"/>
-              </a:spcBef>
-              <a:spcAft>
-                <a:spcPct val="0"/>
-              </a:spcAft>
-              <a:defRPr>
-                <a:solidFill>
-                  <a:schemeClr val="tx1"/>
-                </a:solidFill>
-                <a:latin typeface="Arial" pitchFamily="34" charset="0"/>
-              </a:defRPr>
-            </a:lvl8pPr>
-            <a:lvl9pPr marL="3886200" indent="-228600" algn="l" rtl="0" eaLnBrk="0" fontAlgn="base" hangingPunct="0">
-              <a:spcBef>
-                <a:spcPct val="50000"/>
-              </a:spcBef>
-              <a:spcAft>
-                <a:spcPct val="0"/>
-              </a:spcAft>
-              <a:defRPr>
-                <a:solidFill>
-                  <a:schemeClr val="tx1"/>
-                </a:solidFill>
-                <a:latin typeface="Arial" pitchFamily="34" charset="0"/>
-              </a:defRPr>
-            </a:lvl9pPr>
-          </a:lstStyle>
-          <a:p>
-            <a:pPr eaLnBrk="1" hangingPunct="1"/>
-            <a:fld id="{293EF743-3E8B-48C0-98A2-F82A30B1380A}" type="slidenum">
-              <a:rPr lang="ar-SA" smtClean="0">
-                <a:cs typeface="Arial" pitchFamily="34" charset="0"/>
-              </a:rPr>
-              <a:pPr eaLnBrk="1" hangingPunct="1"/>
-              <a:t>30</a:t>
-            </a:fld>
-            <a:endParaRPr lang="en-US" smtClean="0">
-              <a:cs typeface="Arial" pitchFamily="34" charset="0"/>
-            </a:endParaRPr>
-          </a:p>
-        </p:txBody>
-      </p:sp>
-      <p:sp>
-        <p:nvSpPr>
-          <p:cNvPr id="23555" name="Rectangle 2"/>
-          <p:cNvSpPr>
-            <a:spLocks noChangeArrowheads="1"/>
-          </p:cNvSpPr>
-          <p:nvPr/>
-        </p:nvSpPr>
-        <p:spPr bwMode="auto">
-          <a:xfrm>
-            <a:off x="457200" y="274638"/>
-            <a:ext cx="8229600" cy="1143000"/>
-          </a:xfrm>
-          <a:prstGeom prst="rect">
-            <a:avLst/>
-          </a:prstGeom>
-          <a:noFill/>
-          <a:ln>
-            <a:noFill/>
-          </a:ln>
-          <a:extLst>
-            <a:ext uri="{909E8E84-426E-40DD-AFC4-6F175D3DCCD1}">
-              <a14:hiddenFill xmlns:a14="http://schemas.microsoft.com/office/drawing/2010/main">
-                <a:solidFill>
-                  <a:srgbClr val="FFFFFF"/>
-                </a:solidFill>
-              </a14:hiddenFill>
-            </a:ext>
-            <a:ext uri="{91240B29-F687-4F45-9708-019B960494DF}">
-              <a14:hiddenLine xmlns:a14="http://schemas.microsoft.com/office/drawing/2010/main" w="9525">
-                <a:solidFill>
-                  <a:srgbClr val="000000"/>
-                </a:solidFill>
-                <a:miter lim="800000"/>
-                <a:headEnd/>
-                <a:tailEnd/>
-              </a14:hiddenLine>
-            </a:ext>
-          </a:extLst>
-        </p:spPr>
-        <p:txBody>
-          <a:bodyPr anchor="ctr"/>
-          <a:lstStyle/>
-          <a:p>
-            <a:pPr algn="ctr">
-              <a:spcBef>
-                <a:spcPct val="0"/>
-              </a:spcBef>
-            </a:pPr>
-            <a:r>
-              <a:rPr lang="en-US" sz="4400">
-                <a:solidFill>
-                  <a:srgbClr val="CC0000"/>
-                </a:solidFill>
-                <a:latin typeface="Times New Roman" pitchFamily="18" charset="0"/>
-                <a:cs typeface="Times New Roman" pitchFamily="18" charset="0"/>
-              </a:rPr>
-              <a:t>Today</a:t>
-            </a:r>
-          </a:p>
-        </p:txBody>
-      </p:sp>
-      <p:sp>
-        <p:nvSpPr>
-          <p:cNvPr id="23556" name="Rectangle 3"/>
-          <p:cNvSpPr>
-            <a:spLocks noChangeArrowheads="1"/>
-          </p:cNvSpPr>
-          <p:nvPr/>
-        </p:nvSpPr>
-        <p:spPr bwMode="auto">
-          <a:xfrm>
-            <a:off x="609600" y="1295400"/>
-            <a:ext cx="8153400" cy="5029200"/>
-          </a:xfrm>
-          <a:prstGeom prst="rect">
-            <a:avLst/>
-          </a:prstGeom>
-          <a:noFill/>
-          <a:ln>
-            <a:noFill/>
-          </a:ln>
-          <a:extLst>
-            <a:ext uri="{909E8E84-426E-40DD-AFC4-6F175D3DCCD1}">
-              <a14:hiddenFill xmlns:a14="http://schemas.microsoft.com/office/drawing/2010/main">
-                <a:solidFill>
-                  <a:srgbClr val="FFFFFF"/>
-                </a:solidFill>
-              </a14:hiddenFill>
-            </a:ext>
-            <a:ext uri="{91240B29-F687-4F45-9708-019B960494DF}">
-              <a14:hiddenLine xmlns:a14="http://schemas.microsoft.com/office/drawing/2010/main" w="9525">
-                <a:solidFill>
-                  <a:srgbClr val="000000"/>
-                </a:solidFill>
-                <a:miter lim="800000"/>
-                <a:headEnd/>
-                <a:tailEnd/>
-              </a14:hiddenLine>
-            </a:ext>
-          </a:extLst>
-        </p:spPr>
-        <p:txBody>
-          <a:bodyPr/>
-          <a:lstStyle/>
-          <a:p>
-            <a:pPr>
-              <a:lnSpc>
-                <a:spcPct val="80000"/>
-              </a:lnSpc>
-              <a:spcBef>
-                <a:spcPct val="20000"/>
-              </a:spcBef>
-              <a:buFontTx/>
-              <a:buChar char="•"/>
-            </a:pPr>
-            <a:r>
-              <a:rPr lang="en-US" sz="3200" b="1" dirty="0" smtClean="0">
-                <a:solidFill>
-                  <a:srgbClr val="003399"/>
-                </a:solidFill>
-                <a:latin typeface="Times New Roman" pitchFamily="18" charset="0"/>
-                <a:cs typeface="Times New Roman" pitchFamily="18" charset="0"/>
-              </a:rPr>
-              <a:t> Review</a:t>
-            </a:r>
-          </a:p>
-          <a:p>
-            <a:pPr>
-              <a:lnSpc>
-                <a:spcPct val="80000"/>
-              </a:lnSpc>
-              <a:spcBef>
-                <a:spcPct val="20000"/>
-              </a:spcBef>
-              <a:buFontTx/>
-              <a:buChar char="•"/>
-            </a:pPr>
-            <a:r>
-              <a:rPr lang="en-US" sz="3200" b="1" dirty="0" smtClean="0">
-                <a:solidFill>
-                  <a:srgbClr val="003399"/>
-                </a:solidFill>
-                <a:latin typeface="Times New Roman" pitchFamily="18" charset="0"/>
-                <a:cs typeface="Times New Roman" pitchFamily="18" charset="0"/>
-              </a:rPr>
-              <a:t> Lists</a:t>
-            </a:r>
-          </a:p>
-          <a:p>
-            <a:pPr>
-              <a:lnSpc>
-                <a:spcPct val="80000"/>
-              </a:lnSpc>
-              <a:spcBef>
-                <a:spcPct val="20000"/>
-              </a:spcBef>
-              <a:buFontTx/>
-              <a:buChar char="•"/>
-            </a:pPr>
-            <a:r>
-              <a:rPr lang="en-US" sz="3200" b="1" dirty="0" smtClean="0">
-                <a:solidFill>
-                  <a:srgbClr val="003399"/>
-                </a:solidFill>
-                <a:latin typeface="Times New Roman" pitchFamily="18" charset="0"/>
-                <a:cs typeface="Times New Roman" pitchFamily="18" charset="0"/>
-              </a:rPr>
-              <a:t> Loops</a:t>
-            </a:r>
-          </a:p>
-          <a:p>
-            <a:pPr>
-              <a:lnSpc>
-                <a:spcPct val="80000"/>
-              </a:lnSpc>
-              <a:spcBef>
-                <a:spcPct val="20000"/>
-              </a:spcBef>
-              <a:buFontTx/>
-              <a:buChar char="•"/>
-            </a:pPr>
-            <a:r>
-              <a:rPr lang="en-US" sz="3200" dirty="0" smtClean="0">
-                <a:solidFill>
-                  <a:srgbClr val="003399"/>
-                </a:solidFill>
-                <a:latin typeface="Times New Roman" pitchFamily="18" charset="0"/>
-                <a:cs typeface="Times New Roman" pitchFamily="18" charset="0"/>
-              </a:rPr>
-              <a:t> Functions</a:t>
-            </a:r>
-            <a:endParaRPr lang="en-US" sz="3200" dirty="0" smtClean="0">
-              <a:solidFill>
-                <a:srgbClr val="003399"/>
-              </a:solidFill>
-              <a:latin typeface="Times New Roman" pitchFamily="18" charset="0"/>
-              <a:cs typeface="Times New Roman" pitchFamily="18" charset="0"/>
-            </a:endParaRPr>
-          </a:p>
-          <a:p>
-            <a:pPr>
-              <a:lnSpc>
-                <a:spcPct val="80000"/>
-              </a:lnSpc>
-              <a:spcBef>
-                <a:spcPct val="20000"/>
-              </a:spcBef>
-              <a:buFontTx/>
-              <a:buChar char="•"/>
-            </a:pPr>
-            <a:r>
-              <a:rPr lang="en-US" sz="3200" dirty="0" smtClean="0">
-                <a:solidFill>
-                  <a:srgbClr val="003399"/>
-                </a:solidFill>
-                <a:latin typeface="Times New Roman" pitchFamily="18" charset="0"/>
-                <a:cs typeface="Times New Roman" pitchFamily="18" charset="0"/>
-              </a:rPr>
-              <a:t> Homework </a:t>
-            </a:r>
-          </a:p>
-          <a:p>
-            <a:pPr>
-              <a:lnSpc>
-                <a:spcPct val="80000"/>
-              </a:lnSpc>
-              <a:spcBef>
-                <a:spcPct val="20000"/>
-              </a:spcBef>
-              <a:buFontTx/>
-              <a:buChar char="•"/>
-            </a:pPr>
-            <a:r>
-              <a:rPr lang="en-US" sz="3200" dirty="0" smtClean="0">
-                <a:solidFill>
-                  <a:srgbClr val="003399"/>
-                </a:solidFill>
-                <a:latin typeface="Times New Roman" pitchFamily="18" charset="0"/>
-                <a:cs typeface="Times New Roman" pitchFamily="18" charset="0"/>
-              </a:rPr>
-              <a:t> Ehud </a:t>
-            </a:r>
-            <a:r>
-              <a:rPr lang="en-US" sz="3200" dirty="0" err="1">
-                <a:solidFill>
-                  <a:srgbClr val="003399"/>
-                </a:solidFill>
-                <a:latin typeface="Times New Roman" pitchFamily="18" charset="0"/>
-                <a:cs typeface="Times New Roman" pitchFamily="18" charset="0"/>
-              </a:rPr>
-              <a:t>Lamm</a:t>
-            </a:r>
-            <a:endParaRPr lang="en-US" sz="3200" dirty="0">
-              <a:solidFill>
-                <a:srgbClr val="003399"/>
-              </a:solidFill>
-              <a:latin typeface="Times New Roman" pitchFamily="18" charset="0"/>
-              <a:cs typeface="Times New Roman" pitchFamily="18" charset="0"/>
-            </a:endParaRPr>
-          </a:p>
-        </p:txBody>
-      </p:sp>
-    </p:spTree>
-  </p:cSld>
-  <p:clrMapOvr>
-    <a:masterClrMapping/>
-  </p:clrMapOvr>
-  <p:timing>
-    <p:tnLst>
-      <p:par>
-        <p:cTn id="1" dur="indefinite" restart="never" nodeType="tmRoot"/>
-      </p:par>
-    </p:tnLst>
-  </p:timing>
-</p:sld>
-</file>
-
-<file path=ppt/slides/slide31.xml><?xml version="1.0" encoding="utf-8"?>
-<p:sld xmlns:a="http://schemas.openxmlformats.org/drawingml/2006/main" xmlns:r="http://schemas.openxmlformats.org/officeDocument/2006/relationships" xmlns:p="http://schemas.openxmlformats.org/presentationml/2006/main">
-  <p:cSld>
-    <p:spTree>
-      <p:nvGrpSpPr>
-        <p:cNvPr id="1" name=""/>
-        <p:cNvGrpSpPr/>
-        <p:nvPr/>
-      </p:nvGrpSpPr>
-      <p:grpSpPr>
-        <a:xfrm>
-          <a:off x="0" y="0"/>
-          <a:ext cx="0" cy="0"/>
-          <a:chOff x="0" y="0"/>
-          <a:chExt cx="0" cy="0"/>
-        </a:xfrm>
-      </p:grpSpPr>
-      <p:sp>
-        <p:nvSpPr>
-          <p:cNvPr id="32770" name="Slide Number Placeholder 5"/>
-          <p:cNvSpPr>
-            <a:spLocks noGrp="1"/>
-          </p:cNvSpPr>
-          <p:nvPr>
-            <p:ph type="sldNum" sz="quarter" idx="12"/>
-          </p:nvPr>
-        </p:nvSpPr>
-        <p:spPr>
-          <a:noFill/>
-          <a:ln/>
-          <a:extLst>
-            <a:ext uri="{909E8E84-426E-40DD-AFC4-6F175D3DCCD1}">
-              <a14:hiddenFill xmlns:a14="http://schemas.microsoft.com/office/drawing/2010/main">
-                <a:solidFill>
-                  <a:srgbClr val="FFFFFF"/>
-                </a:solidFill>
-              </a14:hiddenFill>
-            </a:ext>
-            <a:ext uri="{91240B29-F687-4F45-9708-019B960494DF}">
-              <a14:hiddenLine xmlns:a14="http://schemas.microsoft.com/office/drawing/2010/main" w="9525">
-                <a:solidFill>
-                  <a:srgbClr val="000000"/>
-                </a:solidFill>
-                <a:miter lim="800000"/>
-                <a:headEnd/>
-                <a:tailEnd/>
-              </a14:hiddenLine>
-            </a:ext>
-          </a:extLst>
-        </p:spPr>
-        <p:txBody>
-          <a:bodyPr/>
-          <a:lstStyle>
-            <a:lvl1pPr eaLnBrk="0" hangingPunct="0">
-              <a:defRPr>
-                <a:solidFill>
-                  <a:schemeClr val="tx1"/>
-                </a:solidFill>
-                <a:latin typeface="Arial" pitchFamily="34" charset="0"/>
-              </a:defRPr>
-            </a:lvl1pPr>
-            <a:lvl2pPr marL="742950" indent="-285750" eaLnBrk="0" hangingPunct="0">
-              <a:defRPr>
-                <a:solidFill>
-                  <a:schemeClr val="tx1"/>
-                </a:solidFill>
-                <a:latin typeface="Arial" pitchFamily="34" charset="0"/>
-              </a:defRPr>
-            </a:lvl2pPr>
-            <a:lvl3pPr marL="1143000" indent="-228600" eaLnBrk="0" hangingPunct="0">
-              <a:defRPr>
-                <a:solidFill>
-                  <a:schemeClr val="tx1"/>
-                </a:solidFill>
-                <a:latin typeface="Arial" pitchFamily="34" charset="0"/>
-              </a:defRPr>
-            </a:lvl3pPr>
-            <a:lvl4pPr marL="1600200" indent="-228600" eaLnBrk="0" hangingPunct="0">
-              <a:defRPr>
-                <a:solidFill>
-                  <a:schemeClr val="tx1"/>
-                </a:solidFill>
-                <a:latin typeface="Arial" pitchFamily="34" charset="0"/>
-              </a:defRPr>
-            </a:lvl4pPr>
-            <a:lvl5pPr marL="2057400" indent="-228600" eaLnBrk="0" hangingPunct="0">
-              <a:defRPr>
-                <a:solidFill>
-                  <a:schemeClr val="tx1"/>
-                </a:solidFill>
-                <a:latin typeface="Arial" pitchFamily="34" charset="0"/>
-              </a:defRPr>
-            </a:lvl5pPr>
-            <a:lvl6pPr marL="2514600" indent="-228600" algn="l" rtl="0" eaLnBrk="0" fontAlgn="base" hangingPunct="0">
-              <a:spcBef>
-                <a:spcPct val="50000"/>
-              </a:spcBef>
-              <a:spcAft>
-                <a:spcPct val="0"/>
-              </a:spcAft>
-              <a:defRPr>
-                <a:solidFill>
-                  <a:schemeClr val="tx1"/>
-                </a:solidFill>
-                <a:latin typeface="Arial" pitchFamily="34" charset="0"/>
-              </a:defRPr>
-            </a:lvl6pPr>
-            <a:lvl7pPr marL="2971800" indent="-228600" algn="l" rtl="0" eaLnBrk="0" fontAlgn="base" hangingPunct="0">
-              <a:spcBef>
-                <a:spcPct val="50000"/>
-              </a:spcBef>
-              <a:spcAft>
-                <a:spcPct val="0"/>
-              </a:spcAft>
-              <a:defRPr>
-                <a:solidFill>
-                  <a:schemeClr val="tx1"/>
-                </a:solidFill>
-                <a:latin typeface="Arial" pitchFamily="34" charset="0"/>
-              </a:defRPr>
-            </a:lvl7pPr>
-            <a:lvl8pPr marL="3429000" indent="-228600" algn="l" rtl="0" eaLnBrk="0" fontAlgn="base" hangingPunct="0">
-              <a:spcBef>
-                <a:spcPct val="50000"/>
-              </a:spcBef>
-              <a:spcAft>
-                <a:spcPct val="0"/>
-              </a:spcAft>
-              <a:defRPr>
-                <a:solidFill>
-                  <a:schemeClr val="tx1"/>
-                </a:solidFill>
-                <a:latin typeface="Arial" pitchFamily="34" charset="0"/>
-              </a:defRPr>
-            </a:lvl8pPr>
-            <a:lvl9pPr marL="3886200" indent="-228600" algn="l" rtl="0" eaLnBrk="0" fontAlgn="base" hangingPunct="0">
-              <a:spcBef>
-                <a:spcPct val="50000"/>
-              </a:spcBef>
-              <a:spcAft>
-                <a:spcPct val="0"/>
-              </a:spcAft>
-              <a:defRPr>
-                <a:solidFill>
-                  <a:schemeClr val="tx1"/>
-                </a:solidFill>
-                <a:latin typeface="Arial" pitchFamily="34" charset="0"/>
-              </a:defRPr>
-            </a:lvl9pPr>
-          </a:lstStyle>
-          <a:p>
-            <a:pPr eaLnBrk="1" hangingPunct="1"/>
-            <a:fld id="{074200CC-9B98-4056-B380-387ABB023D66}" type="slidenum">
-              <a:rPr lang="he-IL" smtClean="0">
-                <a:cs typeface="Arial" pitchFamily="34" charset="0"/>
-              </a:rPr>
-              <a:pPr eaLnBrk="1" hangingPunct="1"/>
-              <a:t>31</a:t>
-            </a:fld>
-            <a:endParaRPr lang="en-US" smtClean="0">
-              <a:cs typeface="Arial" pitchFamily="34" charset="0"/>
-            </a:endParaRPr>
-          </a:p>
-        </p:txBody>
-      </p:sp>
-      <p:sp>
-        <p:nvSpPr>
-          <p:cNvPr id="32771" name="Rectangle 2"/>
-          <p:cNvSpPr>
-            <a:spLocks noGrp="1" noChangeArrowheads="1"/>
-          </p:cNvSpPr>
-          <p:nvPr>
-            <p:ph type="title"/>
-          </p:nvPr>
-        </p:nvSpPr>
-        <p:spPr/>
-        <p:txBody>
-          <a:bodyPr/>
-          <a:lstStyle/>
-          <a:p>
-            <a:pPr eaLnBrk="1" hangingPunct="1"/>
-            <a:r>
-              <a:rPr lang="en-US" smtClean="0">
-                <a:latin typeface="Times New Roman" pitchFamily="18" charset="0"/>
-                <a:cs typeface="Times New Roman" pitchFamily="18" charset="0"/>
-              </a:rPr>
-              <a:t>Functions</a:t>
-            </a:r>
-          </a:p>
-        </p:txBody>
-      </p:sp>
-      <p:sp>
-        <p:nvSpPr>
-          <p:cNvPr id="32772" name="Rectangle 3"/>
-          <p:cNvSpPr>
-            <a:spLocks noGrp="1" noChangeArrowheads="1"/>
-          </p:cNvSpPr>
-          <p:nvPr>
-            <p:ph type="body" idx="1"/>
-          </p:nvPr>
-        </p:nvSpPr>
-        <p:spPr>
-          <a:xfrm>
-            <a:off x="685800" y="1447800"/>
-            <a:ext cx="7848600" cy="4648200"/>
-          </a:xfrm>
-        </p:spPr>
-        <p:txBody>
-          <a:bodyPr/>
-          <a:lstStyle/>
-          <a:p>
-            <a:r>
-              <a:rPr lang="en-US" b="1" dirty="0" smtClean="0">
-                <a:solidFill>
-                  <a:srgbClr val="339966"/>
-                </a:solidFill>
-                <a:latin typeface="Times New Roman" panose="02020603050405020304" pitchFamily="18" charset="0"/>
-                <a:cs typeface="Times New Roman" panose="02020603050405020304" pitchFamily="18" charset="0"/>
-              </a:rPr>
-              <a:t>A function </a:t>
-            </a:r>
-            <a:r>
-              <a:rPr lang="en-US" dirty="0" smtClean="0">
-                <a:latin typeface="Times New Roman" panose="02020603050405020304" pitchFamily="18" charset="0"/>
-                <a:cs typeface="Times New Roman" panose="02020603050405020304" pitchFamily="18" charset="0"/>
-              </a:rPr>
-              <a:t>is a block of code that has a unique</a:t>
-            </a:r>
-            <a:r>
-              <a:rPr lang="en-US" dirty="0" smtClean="0">
-                <a:solidFill>
-                  <a:srgbClr val="339966"/>
-                </a:solidFill>
-                <a:latin typeface="Times New Roman" panose="02020603050405020304" pitchFamily="18" charset="0"/>
-                <a:cs typeface="Times New Roman" panose="02020603050405020304" pitchFamily="18" charset="0"/>
-              </a:rPr>
-              <a:t> name</a:t>
-            </a:r>
-            <a:r>
-              <a:rPr lang="en-US" dirty="0" smtClean="0">
-                <a:latin typeface="Times New Roman" panose="02020603050405020304" pitchFamily="18" charset="0"/>
-                <a:cs typeface="Times New Roman" panose="02020603050405020304" pitchFamily="18" charset="0"/>
-              </a:rPr>
-              <a:t>, usually returns a value.</a:t>
-            </a:r>
-          </a:p>
-          <a:p>
-            <a:r>
-              <a:rPr lang="en-US" dirty="0" smtClean="0">
-                <a:solidFill>
-                  <a:srgbClr val="339966"/>
-                </a:solidFill>
-                <a:latin typeface="Times New Roman" panose="02020603050405020304" pitchFamily="18" charset="0"/>
-                <a:cs typeface="Times New Roman" panose="02020603050405020304" pitchFamily="18" charset="0"/>
-              </a:rPr>
-              <a:t>Abstraction - </a:t>
-            </a:r>
-            <a:r>
-              <a:rPr lang="en-US" dirty="0" smtClean="0">
-                <a:latin typeface="Times New Roman" panose="02020603050405020304" pitchFamily="18" charset="0"/>
-                <a:cs typeface="Times New Roman" panose="02020603050405020304" pitchFamily="18" charset="0"/>
-              </a:rPr>
-              <a:t>a self-contained block of statements that perform a task.</a:t>
-            </a:r>
-            <a:endParaRPr lang="en-US" dirty="0" smtClean="0">
-              <a:solidFill>
-                <a:srgbClr val="339966"/>
-              </a:solidFill>
-              <a:latin typeface="Times New Roman" panose="02020603050405020304" pitchFamily="18" charset="0"/>
-              <a:cs typeface="Times New Roman" panose="02020603050405020304" pitchFamily="18" charset="0"/>
-            </a:endParaRPr>
-          </a:p>
-          <a:p>
-            <a:r>
-              <a:rPr lang="en-US" dirty="0" smtClean="0">
-                <a:solidFill>
-                  <a:srgbClr val="339966"/>
-                </a:solidFill>
-                <a:latin typeface="Times New Roman" panose="02020603050405020304" pitchFamily="18" charset="0"/>
-                <a:cs typeface="Times New Roman" panose="02020603050405020304" pitchFamily="18" charset="0"/>
-              </a:rPr>
-              <a:t>Reusable</a:t>
-            </a:r>
-            <a:r>
-              <a:rPr lang="en-US" dirty="0" smtClean="0">
-                <a:latin typeface="Times New Roman" panose="02020603050405020304" pitchFamily="18" charset="0"/>
-                <a:cs typeface="Times New Roman" panose="02020603050405020304" pitchFamily="18" charset="0"/>
-              </a:rPr>
-              <a:t> - can be executed from as many different points in a Program.</a:t>
-            </a:r>
-          </a:p>
-          <a:p>
-            <a:r>
-              <a:rPr lang="en-US" dirty="0" smtClean="0">
-                <a:solidFill>
-                  <a:srgbClr val="339966"/>
-                </a:solidFill>
-                <a:latin typeface="Times New Roman" panose="02020603050405020304" pitchFamily="18" charset="0"/>
-                <a:cs typeface="Times New Roman" panose="02020603050405020304" pitchFamily="18" charset="0"/>
-              </a:rPr>
-              <a:t>Groups</a:t>
-            </a:r>
-            <a:r>
-              <a:rPr lang="en-US" dirty="0" smtClean="0">
-                <a:latin typeface="Times New Roman" panose="02020603050405020304" pitchFamily="18" charset="0"/>
-                <a:cs typeface="Times New Roman" panose="02020603050405020304" pitchFamily="18" charset="0"/>
-              </a:rPr>
-              <a:t> a number of statements into a unit.</a:t>
-            </a:r>
-          </a:p>
-        </p:txBody>
-      </p:sp>
-    </p:spTree>
   </p:cSld>
   <p:clrMapOvr>
     <a:masterClrMapping/>
@@ -28844,6 +28911,1054 @@
       </p:grpSpPr>
       <p:sp>
         <p:nvSpPr>
+          <p:cNvPr id="2" name="Title 1"/>
+          <p:cNvSpPr>
+            <a:spLocks noGrp="1"/>
+          </p:cNvSpPr>
+          <p:nvPr>
+            <p:ph type="title"/>
+          </p:nvPr>
+        </p:nvSpPr>
+        <p:spPr/>
+        <p:txBody>
+          <a:bodyPr/>
+          <a:lstStyle/>
+          <a:p>
+            <a:r>
+              <a:rPr lang="en-US" dirty="0" smtClean="0"/>
+              <a:t>Guido van Rossum</a:t>
+            </a:r>
+            <a:endParaRPr lang="he-IL" dirty="0"/>
+          </a:p>
+        </p:txBody>
+      </p:sp>
+      <p:sp>
+        <p:nvSpPr>
+          <p:cNvPr id="3" name="Content Placeholder 2"/>
+          <p:cNvSpPr>
+            <a:spLocks noGrp="1"/>
+          </p:cNvSpPr>
+          <p:nvPr>
+            <p:ph idx="1"/>
+          </p:nvPr>
+        </p:nvSpPr>
+        <p:spPr/>
+        <p:txBody>
+          <a:bodyPr/>
+          <a:lstStyle/>
+          <a:p>
+            <a:r>
+              <a:rPr lang="en-US" sz="2800" dirty="0" smtClean="0">
+                <a:solidFill>
+                  <a:schemeClr val="tx1"/>
+                </a:solidFill>
+              </a:rPr>
+              <a:t>31 January 1956</a:t>
+            </a:r>
+          </a:p>
+          <a:p>
+            <a:r>
+              <a:rPr lang="en-US" sz="2800" dirty="0" smtClean="0">
+                <a:solidFill>
+                  <a:schemeClr val="tx1"/>
+                </a:solidFill>
+              </a:rPr>
+              <a:t>Dutch </a:t>
+            </a:r>
+          </a:p>
+          <a:p>
+            <a:r>
+              <a:rPr lang="en-US" sz="2800" dirty="0">
+                <a:solidFill>
+                  <a:schemeClr val="tx1"/>
+                </a:solidFill>
+              </a:rPr>
+              <a:t>A</a:t>
+            </a:r>
+            <a:r>
+              <a:rPr lang="en-US" sz="2800" dirty="0" smtClean="0">
+                <a:solidFill>
+                  <a:schemeClr val="tx1"/>
+                </a:solidFill>
+              </a:rPr>
+              <a:t>uthor </a:t>
+            </a:r>
+            <a:r>
+              <a:rPr lang="en-US" sz="2800" dirty="0">
+                <a:solidFill>
+                  <a:schemeClr val="tx1"/>
+                </a:solidFill>
+              </a:rPr>
+              <a:t>of the Python programming language. </a:t>
+            </a:r>
+            <a:endParaRPr lang="en-US" sz="2800" dirty="0" smtClean="0">
+              <a:solidFill>
+                <a:schemeClr val="tx1"/>
+              </a:solidFill>
+            </a:endParaRPr>
+          </a:p>
+          <a:p>
+            <a:r>
+              <a:rPr lang="en-US" sz="2800" dirty="0" smtClean="0">
+                <a:solidFill>
+                  <a:schemeClr val="tx1"/>
+                </a:solidFill>
+              </a:rPr>
+              <a:t>Continues </a:t>
+            </a:r>
+            <a:r>
+              <a:rPr lang="en-US" sz="2800" dirty="0">
+                <a:solidFill>
+                  <a:schemeClr val="tx1"/>
+                </a:solidFill>
+              </a:rPr>
+              <a:t>to oversee the Python development </a:t>
+            </a:r>
+            <a:r>
+              <a:rPr lang="en-US" sz="2800" dirty="0" smtClean="0">
+                <a:solidFill>
+                  <a:schemeClr val="tx1"/>
+                </a:solidFill>
+              </a:rPr>
+              <a:t>process</a:t>
+            </a:r>
+          </a:p>
+          <a:p>
+            <a:r>
+              <a:rPr lang="en-US" sz="2800" dirty="0">
+                <a:solidFill>
+                  <a:schemeClr val="tx1"/>
+                </a:solidFill>
+              </a:rPr>
+              <a:t>E</a:t>
+            </a:r>
+            <a:r>
+              <a:rPr lang="en-US" sz="2800" dirty="0" smtClean="0">
+                <a:solidFill>
+                  <a:schemeClr val="tx1"/>
+                </a:solidFill>
+              </a:rPr>
+              <a:t>mployed </a:t>
+            </a:r>
+            <a:r>
+              <a:rPr lang="en-US" sz="2800" dirty="0">
+                <a:solidFill>
+                  <a:schemeClr val="tx1"/>
+                </a:solidFill>
+              </a:rPr>
+              <a:t>by Google from 2005 until 7 December 2012, where he spent half his time developing the Python language. </a:t>
+            </a:r>
+            <a:endParaRPr lang="en-US" sz="2800" dirty="0" smtClean="0">
+              <a:solidFill>
+                <a:schemeClr val="tx1"/>
+              </a:solidFill>
+            </a:endParaRPr>
+          </a:p>
+          <a:p>
+            <a:r>
+              <a:rPr lang="en-US" sz="2800" dirty="0" smtClean="0">
+                <a:solidFill>
+                  <a:schemeClr val="tx1"/>
+                </a:solidFill>
+              </a:rPr>
+              <a:t>In </a:t>
+            </a:r>
+            <a:r>
+              <a:rPr lang="en-US" sz="2800" dirty="0">
+                <a:solidFill>
+                  <a:schemeClr val="tx1"/>
+                </a:solidFill>
+              </a:rPr>
+              <a:t>January 2013, Van Rossum started working for Dropbox</a:t>
+            </a:r>
+            <a:r>
+              <a:rPr lang="en-US" sz="2800" dirty="0" smtClean="0">
+                <a:solidFill>
+                  <a:schemeClr val="tx1"/>
+                </a:solidFill>
+              </a:rPr>
+              <a:t>.</a:t>
+            </a:r>
+            <a:endParaRPr lang="en-US" sz="2800" dirty="0">
+              <a:solidFill>
+                <a:schemeClr val="tx1"/>
+              </a:solidFill>
+            </a:endParaRPr>
+          </a:p>
+          <a:p>
+            <a:endParaRPr lang="he-IL" sz="2800" dirty="0">
+              <a:solidFill>
+                <a:schemeClr val="tx1"/>
+              </a:solidFill>
+            </a:endParaRPr>
+          </a:p>
+        </p:txBody>
+      </p:sp>
+      <p:sp>
+        <p:nvSpPr>
+          <p:cNvPr id="4" name="Slide Number Placeholder 3"/>
+          <p:cNvSpPr>
+            <a:spLocks noGrp="1"/>
+          </p:cNvSpPr>
+          <p:nvPr>
+            <p:ph type="sldNum" sz="quarter" idx="12"/>
+          </p:nvPr>
+        </p:nvSpPr>
+        <p:spPr/>
+        <p:txBody>
+          <a:bodyPr/>
+          <a:lstStyle/>
+          <a:p>
+            <a:pPr>
+              <a:defRPr/>
+            </a:pPr>
+            <a:fld id="{0A8B90AA-821F-4EBE-B194-E684C9B64E0A}" type="slidenum">
+              <a:rPr lang="ar-SA" smtClean="0"/>
+              <a:pPr>
+                <a:defRPr/>
+              </a:pPr>
+              <a:t>32</a:t>
+            </a:fld>
+            <a:endParaRPr lang="en-US"/>
+          </a:p>
+        </p:txBody>
+      </p:sp>
+      <p:pic>
+        <p:nvPicPr>
+          <p:cNvPr id="3074" name="Picture 2" descr="Guido van Rossum OSCON 2006.jpg"/>
+          <p:cNvPicPr>
+            <a:picLocks noChangeAspect="1" noChangeArrowheads="1"/>
+          </p:cNvPicPr>
+          <p:nvPr/>
+        </p:nvPicPr>
+        <p:blipFill>
+          <a:blip r:embed="rId2">
+            <a:extLst>
+              <a:ext uri="{28A0092B-C50C-407E-A947-70E740481C1C}">
+                <a14:useLocalDpi xmlns:a14="http://schemas.microsoft.com/office/drawing/2010/main" val="0"/>
+              </a:ext>
+            </a:extLst>
+          </a:blip>
+          <a:srcRect/>
+          <a:stretch>
+            <a:fillRect/>
+          </a:stretch>
+        </p:blipFill>
+        <p:spPr bwMode="auto">
+          <a:xfrm>
+            <a:off x="7010400" y="228600"/>
+            <a:ext cx="1905000" cy="2857500"/>
+          </a:xfrm>
+          <a:prstGeom prst="rect">
+            <a:avLst/>
+          </a:prstGeom>
+          <a:noFill/>
+          <a:extLst>
+            <a:ext uri="{909E8E84-426E-40DD-AFC4-6F175D3DCCD1}">
+              <a14:hiddenFill xmlns:a14="http://schemas.microsoft.com/office/drawing/2010/main">
+                <a:solidFill>
+                  <a:srgbClr val="FFFFFF"/>
+                </a:solidFill>
+              </a14:hiddenFill>
+            </a:ext>
+          </a:extLst>
+        </p:spPr>
+      </p:pic>
+    </p:spTree>
+    <p:extLst>
+      <p:ext uri="{BB962C8B-B14F-4D97-AF65-F5344CB8AC3E}">
+        <p14:creationId xmlns:p14="http://schemas.microsoft.com/office/powerpoint/2010/main" val="3215994412"/>
+      </p:ext>
+    </p:extLst>
+  </p:cSld>
+  <p:clrMapOvr>
+    <a:masterClrMapping/>
+  </p:clrMapOvr>
+</p:sld>
+</file>
+
+<file path=ppt/slides/slide33.xml><?xml version="1.0" encoding="utf-8"?>
+<p:sld xmlns:a="http://schemas.openxmlformats.org/drawingml/2006/main" xmlns:r="http://schemas.openxmlformats.org/officeDocument/2006/relationships" xmlns:p="http://schemas.openxmlformats.org/presentationml/2006/main">
+  <p:cSld>
+    <p:spTree>
+      <p:nvGrpSpPr>
+        <p:cNvPr id="1" name=""/>
+        <p:cNvGrpSpPr/>
+        <p:nvPr/>
+      </p:nvGrpSpPr>
+      <p:grpSpPr>
+        <a:xfrm>
+          <a:off x="0" y="0"/>
+          <a:ext cx="0" cy="0"/>
+          <a:chOff x="0" y="0"/>
+          <a:chExt cx="0" cy="0"/>
+        </a:xfrm>
+      </p:grpSpPr>
+      <p:sp>
+        <p:nvSpPr>
+          <p:cNvPr id="23554" name="Slide Number Placeholder 5"/>
+          <p:cNvSpPr>
+            <a:spLocks noGrp="1"/>
+          </p:cNvSpPr>
+          <p:nvPr>
+            <p:ph type="sldNum" sz="quarter" idx="12"/>
+          </p:nvPr>
+        </p:nvSpPr>
+        <p:spPr>
+          <a:noFill/>
+          <a:ln/>
+          <a:extLst>
+            <a:ext uri="{909E8E84-426E-40DD-AFC4-6F175D3DCCD1}">
+              <a14:hiddenFill xmlns:a14="http://schemas.microsoft.com/office/drawing/2010/main">
+                <a:solidFill>
+                  <a:srgbClr val="FFFFFF"/>
+                </a:solidFill>
+              </a14:hiddenFill>
+            </a:ext>
+            <a:ext uri="{91240B29-F687-4F45-9708-019B960494DF}">
+              <a14:hiddenLine xmlns:a14="http://schemas.microsoft.com/office/drawing/2010/main" w="9525">
+                <a:solidFill>
+                  <a:srgbClr val="000000"/>
+                </a:solidFill>
+                <a:miter lim="800000"/>
+                <a:headEnd/>
+                <a:tailEnd/>
+              </a14:hiddenLine>
+            </a:ext>
+          </a:extLst>
+        </p:spPr>
+        <p:txBody>
+          <a:bodyPr/>
+          <a:lstStyle>
+            <a:lvl1pPr eaLnBrk="0" hangingPunct="0">
+              <a:defRPr>
+                <a:solidFill>
+                  <a:schemeClr val="tx1"/>
+                </a:solidFill>
+                <a:latin typeface="Arial" pitchFamily="34" charset="0"/>
+              </a:defRPr>
+            </a:lvl1pPr>
+            <a:lvl2pPr marL="742950" indent="-285750" eaLnBrk="0" hangingPunct="0">
+              <a:defRPr>
+                <a:solidFill>
+                  <a:schemeClr val="tx1"/>
+                </a:solidFill>
+                <a:latin typeface="Arial" pitchFamily="34" charset="0"/>
+              </a:defRPr>
+            </a:lvl2pPr>
+            <a:lvl3pPr marL="1143000" indent="-228600" eaLnBrk="0" hangingPunct="0">
+              <a:defRPr>
+                <a:solidFill>
+                  <a:schemeClr val="tx1"/>
+                </a:solidFill>
+                <a:latin typeface="Arial" pitchFamily="34" charset="0"/>
+              </a:defRPr>
+            </a:lvl3pPr>
+            <a:lvl4pPr marL="1600200" indent="-228600" eaLnBrk="0" hangingPunct="0">
+              <a:defRPr>
+                <a:solidFill>
+                  <a:schemeClr val="tx1"/>
+                </a:solidFill>
+                <a:latin typeface="Arial" pitchFamily="34" charset="0"/>
+              </a:defRPr>
+            </a:lvl4pPr>
+            <a:lvl5pPr marL="2057400" indent="-228600" eaLnBrk="0" hangingPunct="0">
+              <a:defRPr>
+                <a:solidFill>
+                  <a:schemeClr val="tx1"/>
+                </a:solidFill>
+                <a:latin typeface="Arial" pitchFamily="34" charset="0"/>
+              </a:defRPr>
+            </a:lvl5pPr>
+            <a:lvl6pPr marL="2514600" indent="-228600" algn="l" rtl="0" eaLnBrk="0" fontAlgn="base" hangingPunct="0">
+              <a:spcBef>
+                <a:spcPct val="50000"/>
+              </a:spcBef>
+              <a:spcAft>
+                <a:spcPct val="0"/>
+              </a:spcAft>
+              <a:defRPr>
+                <a:solidFill>
+                  <a:schemeClr val="tx1"/>
+                </a:solidFill>
+                <a:latin typeface="Arial" pitchFamily="34" charset="0"/>
+              </a:defRPr>
+            </a:lvl6pPr>
+            <a:lvl7pPr marL="2971800" indent="-228600" algn="l" rtl="0" eaLnBrk="0" fontAlgn="base" hangingPunct="0">
+              <a:spcBef>
+                <a:spcPct val="50000"/>
+              </a:spcBef>
+              <a:spcAft>
+                <a:spcPct val="0"/>
+              </a:spcAft>
+              <a:defRPr>
+                <a:solidFill>
+                  <a:schemeClr val="tx1"/>
+                </a:solidFill>
+                <a:latin typeface="Arial" pitchFamily="34" charset="0"/>
+              </a:defRPr>
+            </a:lvl7pPr>
+            <a:lvl8pPr marL="3429000" indent="-228600" algn="l" rtl="0" eaLnBrk="0" fontAlgn="base" hangingPunct="0">
+              <a:spcBef>
+                <a:spcPct val="50000"/>
+              </a:spcBef>
+              <a:spcAft>
+                <a:spcPct val="0"/>
+              </a:spcAft>
+              <a:defRPr>
+                <a:solidFill>
+                  <a:schemeClr val="tx1"/>
+                </a:solidFill>
+                <a:latin typeface="Arial" pitchFamily="34" charset="0"/>
+              </a:defRPr>
+            </a:lvl8pPr>
+            <a:lvl9pPr marL="3886200" indent="-228600" algn="l" rtl="0" eaLnBrk="0" fontAlgn="base" hangingPunct="0">
+              <a:spcBef>
+                <a:spcPct val="50000"/>
+              </a:spcBef>
+              <a:spcAft>
+                <a:spcPct val="0"/>
+              </a:spcAft>
+              <a:defRPr>
+                <a:solidFill>
+                  <a:schemeClr val="tx1"/>
+                </a:solidFill>
+                <a:latin typeface="Arial" pitchFamily="34" charset="0"/>
+              </a:defRPr>
+            </a:lvl9pPr>
+          </a:lstStyle>
+          <a:p>
+            <a:pPr eaLnBrk="1" hangingPunct="1"/>
+            <a:fld id="{293EF743-3E8B-48C0-98A2-F82A30B1380A}" type="slidenum">
+              <a:rPr lang="ar-SA" smtClean="0">
+                <a:cs typeface="Arial" pitchFamily="34" charset="0"/>
+              </a:rPr>
+              <a:pPr eaLnBrk="1" hangingPunct="1"/>
+              <a:t>33</a:t>
+            </a:fld>
+            <a:endParaRPr lang="en-US" smtClean="0">
+              <a:cs typeface="Arial" pitchFamily="34" charset="0"/>
+            </a:endParaRPr>
+          </a:p>
+        </p:txBody>
+      </p:sp>
+      <p:sp>
+        <p:nvSpPr>
+          <p:cNvPr id="23555" name="Rectangle 2"/>
+          <p:cNvSpPr>
+            <a:spLocks noChangeArrowheads="1"/>
+          </p:cNvSpPr>
+          <p:nvPr/>
+        </p:nvSpPr>
+        <p:spPr bwMode="auto">
+          <a:xfrm>
+            <a:off x="457200" y="274638"/>
+            <a:ext cx="8229600" cy="1143000"/>
+          </a:xfrm>
+          <a:prstGeom prst="rect">
+            <a:avLst/>
+          </a:prstGeom>
+          <a:noFill/>
+          <a:ln>
+            <a:noFill/>
+          </a:ln>
+          <a:extLst>
+            <a:ext uri="{909E8E84-426E-40DD-AFC4-6F175D3DCCD1}">
+              <a14:hiddenFill xmlns:a14="http://schemas.microsoft.com/office/drawing/2010/main">
+                <a:solidFill>
+                  <a:srgbClr val="FFFFFF"/>
+                </a:solidFill>
+              </a14:hiddenFill>
+            </a:ext>
+            <a:ext uri="{91240B29-F687-4F45-9708-019B960494DF}">
+              <a14:hiddenLine xmlns:a14="http://schemas.microsoft.com/office/drawing/2010/main" w="9525">
+                <a:solidFill>
+                  <a:srgbClr val="000000"/>
+                </a:solidFill>
+                <a:miter lim="800000"/>
+                <a:headEnd/>
+                <a:tailEnd/>
+              </a14:hiddenLine>
+            </a:ext>
+          </a:extLst>
+        </p:spPr>
+        <p:txBody>
+          <a:bodyPr anchor="ctr"/>
+          <a:lstStyle/>
+          <a:p>
+            <a:pPr algn="ctr">
+              <a:spcBef>
+                <a:spcPct val="0"/>
+              </a:spcBef>
+            </a:pPr>
+            <a:r>
+              <a:rPr lang="en-US" sz="4400">
+                <a:solidFill>
+                  <a:srgbClr val="CC0000"/>
+                </a:solidFill>
+                <a:latin typeface="Times New Roman" pitchFamily="18" charset="0"/>
+                <a:cs typeface="Times New Roman" pitchFamily="18" charset="0"/>
+              </a:rPr>
+              <a:t>Today</a:t>
+            </a:r>
+          </a:p>
+        </p:txBody>
+      </p:sp>
+      <p:sp>
+        <p:nvSpPr>
+          <p:cNvPr id="23556" name="Rectangle 3"/>
+          <p:cNvSpPr>
+            <a:spLocks noChangeArrowheads="1"/>
+          </p:cNvSpPr>
+          <p:nvPr/>
+        </p:nvSpPr>
+        <p:spPr bwMode="auto">
+          <a:xfrm>
+            <a:off x="609600" y="1295400"/>
+            <a:ext cx="8153400" cy="5029200"/>
+          </a:xfrm>
+          <a:prstGeom prst="rect">
+            <a:avLst/>
+          </a:prstGeom>
+          <a:noFill/>
+          <a:ln>
+            <a:noFill/>
+          </a:ln>
+          <a:extLst>
+            <a:ext uri="{909E8E84-426E-40DD-AFC4-6F175D3DCCD1}">
+              <a14:hiddenFill xmlns:a14="http://schemas.microsoft.com/office/drawing/2010/main">
+                <a:solidFill>
+                  <a:srgbClr val="FFFFFF"/>
+                </a:solidFill>
+              </a14:hiddenFill>
+            </a:ext>
+            <a:ext uri="{91240B29-F687-4F45-9708-019B960494DF}">
+              <a14:hiddenLine xmlns:a14="http://schemas.microsoft.com/office/drawing/2010/main" w="9525">
+                <a:solidFill>
+                  <a:srgbClr val="000000"/>
+                </a:solidFill>
+                <a:miter lim="800000"/>
+                <a:headEnd/>
+                <a:tailEnd/>
+              </a14:hiddenLine>
+            </a:ext>
+          </a:extLst>
+        </p:spPr>
+        <p:txBody>
+          <a:bodyPr/>
+          <a:lstStyle/>
+          <a:p>
+            <a:pPr>
+              <a:lnSpc>
+                <a:spcPct val="80000"/>
+              </a:lnSpc>
+              <a:spcBef>
+                <a:spcPct val="20000"/>
+              </a:spcBef>
+              <a:buFontTx/>
+              <a:buChar char="•"/>
+            </a:pPr>
+            <a:r>
+              <a:rPr lang="en-US" sz="3200" b="1" dirty="0" smtClean="0">
+                <a:solidFill>
+                  <a:srgbClr val="003399"/>
+                </a:solidFill>
+                <a:latin typeface="Times New Roman" pitchFamily="18" charset="0"/>
+                <a:cs typeface="Times New Roman" pitchFamily="18" charset="0"/>
+              </a:rPr>
+              <a:t> Review</a:t>
+            </a:r>
+          </a:p>
+          <a:p>
+            <a:pPr>
+              <a:lnSpc>
+                <a:spcPct val="80000"/>
+              </a:lnSpc>
+              <a:spcBef>
+                <a:spcPct val="20000"/>
+              </a:spcBef>
+              <a:buFontTx/>
+              <a:buChar char="•"/>
+            </a:pPr>
+            <a:r>
+              <a:rPr lang="en-US" sz="3200" b="1" dirty="0" smtClean="0">
+                <a:solidFill>
+                  <a:srgbClr val="003399"/>
+                </a:solidFill>
+                <a:latin typeface="Times New Roman" pitchFamily="18" charset="0"/>
+                <a:cs typeface="Times New Roman" pitchFamily="18" charset="0"/>
+              </a:rPr>
+              <a:t> Lists</a:t>
+            </a:r>
+          </a:p>
+          <a:p>
+            <a:pPr>
+              <a:lnSpc>
+                <a:spcPct val="80000"/>
+              </a:lnSpc>
+              <a:spcBef>
+                <a:spcPct val="20000"/>
+              </a:spcBef>
+              <a:buFontTx/>
+              <a:buChar char="•"/>
+            </a:pPr>
+            <a:r>
+              <a:rPr lang="en-US" sz="3200" b="1" dirty="0" smtClean="0">
+                <a:solidFill>
+                  <a:srgbClr val="003399"/>
+                </a:solidFill>
+                <a:latin typeface="Times New Roman" pitchFamily="18" charset="0"/>
+                <a:cs typeface="Times New Roman" pitchFamily="18" charset="0"/>
+              </a:rPr>
+              <a:t> Loops</a:t>
+            </a:r>
+          </a:p>
+          <a:p>
+            <a:pPr>
+              <a:lnSpc>
+                <a:spcPct val="80000"/>
+              </a:lnSpc>
+              <a:spcBef>
+                <a:spcPct val="20000"/>
+              </a:spcBef>
+              <a:buFontTx/>
+              <a:buChar char="•"/>
+            </a:pPr>
+            <a:r>
+              <a:rPr lang="en-US" sz="3200" dirty="0" smtClean="0">
+                <a:solidFill>
+                  <a:srgbClr val="003399"/>
+                </a:solidFill>
+                <a:latin typeface="Times New Roman" pitchFamily="18" charset="0"/>
+                <a:cs typeface="Times New Roman" pitchFamily="18" charset="0"/>
+              </a:rPr>
+              <a:t> Functions</a:t>
+            </a:r>
+          </a:p>
+          <a:p>
+            <a:pPr>
+              <a:lnSpc>
+                <a:spcPct val="80000"/>
+              </a:lnSpc>
+              <a:spcBef>
+                <a:spcPct val="20000"/>
+              </a:spcBef>
+              <a:buFontTx/>
+              <a:buChar char="•"/>
+            </a:pPr>
+            <a:r>
+              <a:rPr lang="en-US" sz="3200" dirty="0" smtClean="0">
+                <a:solidFill>
+                  <a:srgbClr val="003399"/>
+                </a:solidFill>
+                <a:latin typeface="Times New Roman" pitchFamily="18" charset="0"/>
+                <a:cs typeface="Times New Roman" pitchFamily="18" charset="0"/>
+              </a:rPr>
+              <a:t> Homework </a:t>
+            </a:r>
+          </a:p>
+          <a:p>
+            <a:pPr>
+              <a:lnSpc>
+                <a:spcPct val="80000"/>
+              </a:lnSpc>
+              <a:spcBef>
+                <a:spcPct val="20000"/>
+              </a:spcBef>
+              <a:buFontTx/>
+              <a:buChar char="•"/>
+            </a:pPr>
+            <a:r>
+              <a:rPr lang="en-US" sz="3200" dirty="0" smtClean="0">
+                <a:solidFill>
+                  <a:srgbClr val="003399"/>
+                </a:solidFill>
+                <a:latin typeface="Times New Roman" pitchFamily="18" charset="0"/>
+                <a:cs typeface="Times New Roman" pitchFamily="18" charset="0"/>
+              </a:rPr>
+              <a:t> Ehud </a:t>
+            </a:r>
+            <a:r>
+              <a:rPr lang="en-US" sz="3200" dirty="0" err="1">
+                <a:solidFill>
+                  <a:srgbClr val="003399"/>
+                </a:solidFill>
+                <a:latin typeface="Times New Roman" pitchFamily="18" charset="0"/>
+                <a:cs typeface="Times New Roman" pitchFamily="18" charset="0"/>
+              </a:rPr>
+              <a:t>Lamm</a:t>
+            </a:r>
+            <a:endParaRPr lang="en-US" sz="3200" dirty="0">
+              <a:solidFill>
+                <a:srgbClr val="003399"/>
+              </a:solidFill>
+              <a:latin typeface="Times New Roman" pitchFamily="18" charset="0"/>
+              <a:cs typeface="Times New Roman" pitchFamily="18" charset="0"/>
+            </a:endParaRPr>
+          </a:p>
+        </p:txBody>
+      </p:sp>
+    </p:spTree>
+  </p:cSld>
+  <p:clrMapOvr>
+    <a:masterClrMapping/>
+  </p:clrMapOvr>
+  <p:timing>
+    <p:tnLst>
+      <p:par>
+        <p:cTn id="1" dur="indefinite" restart="never" nodeType="tmRoot"/>
+      </p:par>
+    </p:tnLst>
+  </p:timing>
+</p:sld>
+</file>
+
+<file path=ppt/slides/slide34.xml><?xml version="1.0" encoding="utf-8"?>
+<p:sld xmlns:a="http://schemas.openxmlformats.org/drawingml/2006/main" xmlns:r="http://schemas.openxmlformats.org/officeDocument/2006/relationships" xmlns:p="http://schemas.openxmlformats.org/presentationml/2006/main">
+  <p:cSld>
+    <p:spTree>
+      <p:nvGrpSpPr>
+        <p:cNvPr id="1" name=""/>
+        <p:cNvGrpSpPr/>
+        <p:nvPr/>
+      </p:nvGrpSpPr>
+      <p:grpSpPr>
+        <a:xfrm>
+          <a:off x="0" y="0"/>
+          <a:ext cx="0" cy="0"/>
+          <a:chOff x="0" y="0"/>
+          <a:chExt cx="0" cy="0"/>
+        </a:xfrm>
+      </p:grpSpPr>
+      <p:sp>
+        <p:nvSpPr>
+          <p:cNvPr id="32770" name="Slide Number Placeholder 5"/>
+          <p:cNvSpPr>
+            <a:spLocks noGrp="1"/>
+          </p:cNvSpPr>
+          <p:nvPr>
+            <p:ph type="sldNum" sz="quarter" idx="12"/>
+          </p:nvPr>
+        </p:nvSpPr>
+        <p:spPr>
+          <a:noFill/>
+          <a:ln/>
+          <a:extLst>
+            <a:ext uri="{909E8E84-426E-40DD-AFC4-6F175D3DCCD1}">
+              <a14:hiddenFill xmlns:a14="http://schemas.microsoft.com/office/drawing/2010/main">
+                <a:solidFill>
+                  <a:srgbClr val="FFFFFF"/>
+                </a:solidFill>
+              </a14:hiddenFill>
+            </a:ext>
+            <a:ext uri="{91240B29-F687-4F45-9708-019B960494DF}">
+              <a14:hiddenLine xmlns:a14="http://schemas.microsoft.com/office/drawing/2010/main" w="9525">
+                <a:solidFill>
+                  <a:srgbClr val="000000"/>
+                </a:solidFill>
+                <a:miter lim="800000"/>
+                <a:headEnd/>
+                <a:tailEnd/>
+              </a14:hiddenLine>
+            </a:ext>
+          </a:extLst>
+        </p:spPr>
+        <p:txBody>
+          <a:bodyPr/>
+          <a:lstStyle>
+            <a:lvl1pPr eaLnBrk="0" hangingPunct="0">
+              <a:defRPr>
+                <a:solidFill>
+                  <a:schemeClr val="tx1"/>
+                </a:solidFill>
+                <a:latin typeface="Arial" pitchFamily="34" charset="0"/>
+              </a:defRPr>
+            </a:lvl1pPr>
+            <a:lvl2pPr marL="742950" indent="-285750" eaLnBrk="0" hangingPunct="0">
+              <a:defRPr>
+                <a:solidFill>
+                  <a:schemeClr val="tx1"/>
+                </a:solidFill>
+                <a:latin typeface="Arial" pitchFamily="34" charset="0"/>
+              </a:defRPr>
+            </a:lvl2pPr>
+            <a:lvl3pPr marL="1143000" indent="-228600" eaLnBrk="0" hangingPunct="0">
+              <a:defRPr>
+                <a:solidFill>
+                  <a:schemeClr val="tx1"/>
+                </a:solidFill>
+                <a:latin typeface="Arial" pitchFamily="34" charset="0"/>
+              </a:defRPr>
+            </a:lvl3pPr>
+            <a:lvl4pPr marL="1600200" indent="-228600" eaLnBrk="0" hangingPunct="0">
+              <a:defRPr>
+                <a:solidFill>
+                  <a:schemeClr val="tx1"/>
+                </a:solidFill>
+                <a:latin typeface="Arial" pitchFamily="34" charset="0"/>
+              </a:defRPr>
+            </a:lvl4pPr>
+            <a:lvl5pPr marL="2057400" indent="-228600" eaLnBrk="0" hangingPunct="0">
+              <a:defRPr>
+                <a:solidFill>
+                  <a:schemeClr val="tx1"/>
+                </a:solidFill>
+                <a:latin typeface="Arial" pitchFamily="34" charset="0"/>
+              </a:defRPr>
+            </a:lvl5pPr>
+            <a:lvl6pPr marL="2514600" indent="-228600" algn="l" rtl="0" eaLnBrk="0" fontAlgn="base" hangingPunct="0">
+              <a:spcBef>
+                <a:spcPct val="50000"/>
+              </a:spcBef>
+              <a:spcAft>
+                <a:spcPct val="0"/>
+              </a:spcAft>
+              <a:defRPr>
+                <a:solidFill>
+                  <a:schemeClr val="tx1"/>
+                </a:solidFill>
+                <a:latin typeface="Arial" pitchFamily="34" charset="0"/>
+              </a:defRPr>
+            </a:lvl6pPr>
+            <a:lvl7pPr marL="2971800" indent="-228600" algn="l" rtl="0" eaLnBrk="0" fontAlgn="base" hangingPunct="0">
+              <a:spcBef>
+                <a:spcPct val="50000"/>
+              </a:spcBef>
+              <a:spcAft>
+                <a:spcPct val="0"/>
+              </a:spcAft>
+              <a:defRPr>
+                <a:solidFill>
+                  <a:schemeClr val="tx1"/>
+                </a:solidFill>
+                <a:latin typeface="Arial" pitchFamily="34" charset="0"/>
+              </a:defRPr>
+            </a:lvl7pPr>
+            <a:lvl8pPr marL="3429000" indent="-228600" algn="l" rtl="0" eaLnBrk="0" fontAlgn="base" hangingPunct="0">
+              <a:spcBef>
+                <a:spcPct val="50000"/>
+              </a:spcBef>
+              <a:spcAft>
+                <a:spcPct val="0"/>
+              </a:spcAft>
+              <a:defRPr>
+                <a:solidFill>
+                  <a:schemeClr val="tx1"/>
+                </a:solidFill>
+                <a:latin typeface="Arial" pitchFamily="34" charset="0"/>
+              </a:defRPr>
+            </a:lvl8pPr>
+            <a:lvl9pPr marL="3886200" indent="-228600" algn="l" rtl="0" eaLnBrk="0" fontAlgn="base" hangingPunct="0">
+              <a:spcBef>
+                <a:spcPct val="50000"/>
+              </a:spcBef>
+              <a:spcAft>
+                <a:spcPct val="0"/>
+              </a:spcAft>
+              <a:defRPr>
+                <a:solidFill>
+                  <a:schemeClr val="tx1"/>
+                </a:solidFill>
+                <a:latin typeface="Arial" pitchFamily="34" charset="0"/>
+              </a:defRPr>
+            </a:lvl9pPr>
+          </a:lstStyle>
+          <a:p>
+            <a:pPr eaLnBrk="1" hangingPunct="1"/>
+            <a:fld id="{074200CC-9B98-4056-B380-387ABB023D66}" type="slidenum">
+              <a:rPr lang="he-IL" smtClean="0">
+                <a:cs typeface="Arial" pitchFamily="34" charset="0"/>
+              </a:rPr>
+              <a:pPr eaLnBrk="1" hangingPunct="1"/>
+              <a:t>34</a:t>
+            </a:fld>
+            <a:endParaRPr lang="en-US" smtClean="0">
+              <a:cs typeface="Arial" pitchFamily="34" charset="0"/>
+            </a:endParaRPr>
+          </a:p>
+        </p:txBody>
+      </p:sp>
+      <p:sp>
+        <p:nvSpPr>
+          <p:cNvPr id="32771" name="Rectangle 2"/>
+          <p:cNvSpPr>
+            <a:spLocks noGrp="1" noChangeArrowheads="1"/>
+          </p:cNvSpPr>
+          <p:nvPr>
+            <p:ph type="title"/>
+          </p:nvPr>
+        </p:nvSpPr>
+        <p:spPr/>
+        <p:txBody>
+          <a:bodyPr/>
+          <a:lstStyle/>
+          <a:p>
+            <a:pPr eaLnBrk="1" hangingPunct="1"/>
+            <a:r>
+              <a:rPr lang="en-US" smtClean="0">
+                <a:latin typeface="Times New Roman" pitchFamily="18" charset="0"/>
+                <a:cs typeface="Times New Roman" pitchFamily="18" charset="0"/>
+              </a:rPr>
+              <a:t>Functions</a:t>
+            </a:r>
+          </a:p>
+        </p:txBody>
+      </p:sp>
+      <p:sp>
+        <p:nvSpPr>
+          <p:cNvPr id="32772" name="Rectangle 3"/>
+          <p:cNvSpPr>
+            <a:spLocks noGrp="1" noChangeArrowheads="1"/>
+          </p:cNvSpPr>
+          <p:nvPr>
+            <p:ph type="body" idx="1"/>
+          </p:nvPr>
+        </p:nvSpPr>
+        <p:spPr>
+          <a:xfrm>
+            <a:off x="685800" y="1447800"/>
+            <a:ext cx="7848600" cy="4648200"/>
+          </a:xfrm>
+        </p:spPr>
+        <p:txBody>
+          <a:bodyPr/>
+          <a:lstStyle/>
+          <a:p>
+            <a:r>
+              <a:rPr lang="en-US" b="1" dirty="0" smtClean="0">
+                <a:solidFill>
+                  <a:srgbClr val="339966"/>
+                </a:solidFill>
+                <a:latin typeface="Times New Roman" panose="02020603050405020304" pitchFamily="18" charset="0"/>
+                <a:cs typeface="Times New Roman" panose="02020603050405020304" pitchFamily="18" charset="0"/>
+              </a:rPr>
+              <a:t>A function </a:t>
+            </a:r>
+            <a:r>
+              <a:rPr lang="en-US" dirty="0" smtClean="0">
+                <a:latin typeface="Times New Roman" panose="02020603050405020304" pitchFamily="18" charset="0"/>
+                <a:cs typeface="Times New Roman" panose="02020603050405020304" pitchFamily="18" charset="0"/>
+              </a:rPr>
+              <a:t>is a block of code that has a unique</a:t>
+            </a:r>
+            <a:r>
+              <a:rPr lang="en-US" dirty="0" smtClean="0">
+                <a:solidFill>
+                  <a:srgbClr val="339966"/>
+                </a:solidFill>
+                <a:latin typeface="Times New Roman" panose="02020603050405020304" pitchFamily="18" charset="0"/>
+                <a:cs typeface="Times New Roman" panose="02020603050405020304" pitchFamily="18" charset="0"/>
+              </a:rPr>
+              <a:t> name</a:t>
+            </a:r>
+            <a:r>
+              <a:rPr lang="en-US" dirty="0" smtClean="0">
+                <a:latin typeface="Times New Roman" panose="02020603050405020304" pitchFamily="18" charset="0"/>
+                <a:cs typeface="Times New Roman" panose="02020603050405020304" pitchFamily="18" charset="0"/>
+              </a:rPr>
+              <a:t>, usually returns a value.</a:t>
+            </a:r>
+          </a:p>
+          <a:p>
+            <a:r>
+              <a:rPr lang="en-US" dirty="0" smtClean="0">
+                <a:solidFill>
+                  <a:srgbClr val="339966"/>
+                </a:solidFill>
+                <a:latin typeface="Times New Roman" panose="02020603050405020304" pitchFamily="18" charset="0"/>
+                <a:cs typeface="Times New Roman" panose="02020603050405020304" pitchFamily="18" charset="0"/>
+              </a:rPr>
+              <a:t>Abstraction - </a:t>
+            </a:r>
+            <a:r>
+              <a:rPr lang="en-US" dirty="0" smtClean="0">
+                <a:latin typeface="Times New Roman" panose="02020603050405020304" pitchFamily="18" charset="0"/>
+                <a:cs typeface="Times New Roman" panose="02020603050405020304" pitchFamily="18" charset="0"/>
+              </a:rPr>
+              <a:t>a self-contained block of statements that perform a task.</a:t>
+            </a:r>
+            <a:endParaRPr lang="en-US" dirty="0" smtClean="0">
+              <a:solidFill>
+                <a:srgbClr val="339966"/>
+              </a:solidFill>
+              <a:latin typeface="Times New Roman" panose="02020603050405020304" pitchFamily="18" charset="0"/>
+              <a:cs typeface="Times New Roman" panose="02020603050405020304" pitchFamily="18" charset="0"/>
+            </a:endParaRPr>
+          </a:p>
+          <a:p>
+            <a:r>
+              <a:rPr lang="en-US" dirty="0" smtClean="0">
+                <a:solidFill>
+                  <a:srgbClr val="339966"/>
+                </a:solidFill>
+                <a:latin typeface="Times New Roman" panose="02020603050405020304" pitchFamily="18" charset="0"/>
+                <a:cs typeface="Times New Roman" panose="02020603050405020304" pitchFamily="18" charset="0"/>
+              </a:rPr>
+              <a:t>Reusable</a:t>
+            </a:r>
+            <a:r>
+              <a:rPr lang="en-US" dirty="0" smtClean="0">
+                <a:latin typeface="Times New Roman" panose="02020603050405020304" pitchFamily="18" charset="0"/>
+                <a:cs typeface="Times New Roman" panose="02020603050405020304" pitchFamily="18" charset="0"/>
+              </a:rPr>
+              <a:t> - can be executed from as many different points in a Program.</a:t>
+            </a:r>
+          </a:p>
+          <a:p>
+            <a:r>
+              <a:rPr lang="en-US" dirty="0" smtClean="0">
+                <a:solidFill>
+                  <a:srgbClr val="339966"/>
+                </a:solidFill>
+                <a:latin typeface="Times New Roman" panose="02020603050405020304" pitchFamily="18" charset="0"/>
+                <a:cs typeface="Times New Roman" panose="02020603050405020304" pitchFamily="18" charset="0"/>
+              </a:rPr>
+              <a:t>Groups</a:t>
+            </a:r>
+            <a:r>
+              <a:rPr lang="en-US" dirty="0" smtClean="0">
+                <a:latin typeface="Times New Roman" panose="02020603050405020304" pitchFamily="18" charset="0"/>
+                <a:cs typeface="Times New Roman" panose="02020603050405020304" pitchFamily="18" charset="0"/>
+              </a:rPr>
+              <a:t> a number of statements into a unit.</a:t>
+            </a:r>
+          </a:p>
+        </p:txBody>
+      </p:sp>
+    </p:spTree>
+  </p:cSld>
+  <p:clrMapOvr>
+    <a:masterClrMapping/>
+  </p:clrMapOvr>
+  <p:timing>
+    <p:tnLst>
+      <p:par>
+        <p:cTn id="1" dur="indefinite" restart="never" nodeType="tmRoot"/>
+      </p:par>
+    </p:tnLst>
+  </p:timing>
+</p:sld>
+</file>
+
+<file path=ppt/slides/slide35.xml><?xml version="1.0" encoding="utf-8"?>
+<p:sld xmlns:a="http://schemas.openxmlformats.org/drawingml/2006/main" xmlns:r="http://schemas.openxmlformats.org/officeDocument/2006/relationships" xmlns:p="http://schemas.openxmlformats.org/presentationml/2006/main">
+  <p:cSld>
+    <p:spTree>
+      <p:nvGrpSpPr>
+        <p:cNvPr id="1" name=""/>
+        <p:cNvGrpSpPr/>
+        <p:nvPr/>
+      </p:nvGrpSpPr>
+      <p:grpSpPr>
+        <a:xfrm>
+          <a:off x="0" y="0"/>
+          <a:ext cx="0" cy="0"/>
+          <a:chOff x="0" y="0"/>
+          <a:chExt cx="0" cy="0"/>
+        </a:xfrm>
+      </p:grpSpPr>
+      <p:sp>
+        <p:nvSpPr>
           <p:cNvPr id="33794" name="Slide Number Placeholder 5"/>
           <p:cNvSpPr>
             <a:spLocks noGrp="1"/>
@@ -28982,7 +30097,7 @@
                 <a:cs typeface="Arial" pitchFamily="34" charset="0"/>
               </a:rPr>
               <a:pPr eaLnBrk="1" hangingPunct="1"/>
-              <a:t>32</a:t>
+              <a:t>35</a:t>
             </a:fld>
             <a:endParaRPr lang="en-US" smtClean="0">
               <a:cs typeface="Arial" pitchFamily="34" charset="0"/>
@@ -29165,7 +30280,7 @@
 </p:sld>
 </file>
 
-<file path=ppt/slides/slide33.xml><?xml version="1.0" encoding="utf-8"?>
+<file path=ppt/slides/slide36.xml><?xml version="1.0" encoding="utf-8"?>
 <p:sld xmlns:a="http://schemas.openxmlformats.org/drawingml/2006/main" xmlns:r="http://schemas.openxmlformats.org/officeDocument/2006/relationships" xmlns:p="http://schemas.openxmlformats.org/presentationml/2006/main">
   <p:cSld>
     <p:spTree>
@@ -29322,7 +30437,7 @@
                 <a:cs typeface="Arial" pitchFamily="34" charset="0"/>
               </a:rPr>
               <a:pPr eaLnBrk="1" hangingPunct="1"/>
-              <a:t>33</a:t>
+              <a:t>36</a:t>
             </a:fld>
             <a:endParaRPr lang="en-US" smtClean="0">
               <a:cs typeface="Arial" pitchFamily="34" charset="0"/>
@@ -30071,7 +31186,7 @@
 </p:sld>
 </file>
 
-<file path=ppt/slides/slide34.xml><?xml version="1.0" encoding="utf-8"?>
+<file path=ppt/slides/slide37.xml><?xml version="1.0" encoding="utf-8"?>
 <p:sld xmlns:a="http://schemas.openxmlformats.org/drawingml/2006/main" xmlns:r="http://schemas.openxmlformats.org/officeDocument/2006/relationships" xmlns:p="http://schemas.openxmlformats.org/presentationml/2006/main">
   <p:cSld>
     <p:spTree>
@@ -30421,7 +31536,7 @@
 </p:sld>
 </file>
 
-<file path=ppt/slides/slide35.xml><?xml version="1.0" encoding="utf-8"?>
+<file path=ppt/slides/slide38.xml><?xml version="1.0" encoding="utf-8"?>
 <p:sld xmlns:a="http://schemas.openxmlformats.org/drawingml/2006/main" xmlns:r="http://schemas.openxmlformats.org/officeDocument/2006/relationships" xmlns:p="http://schemas.openxmlformats.org/presentationml/2006/main">
   <p:cSld>
     <p:spTree>
@@ -30578,7 +31693,7 @@
                 <a:cs typeface="Arial" pitchFamily="34" charset="0"/>
               </a:rPr>
               <a:pPr eaLnBrk="1" hangingPunct="1"/>
-              <a:t>35</a:t>
+              <a:t>38</a:t>
             </a:fld>
             <a:endParaRPr lang="en-US" smtClean="0">
               <a:cs typeface="Arial" pitchFamily="34" charset="0"/>
@@ -30708,7 +31823,7 @@
 </p:sld>
 </file>
 
-<file path=ppt/slides/slide36.xml><?xml version="1.0" encoding="utf-8"?>
+<file path=ppt/slides/slide39.xml><?xml version="1.0" encoding="utf-8"?>
 <p:sld xmlns:a="http://schemas.openxmlformats.org/drawingml/2006/main" xmlns:r="http://schemas.openxmlformats.org/officeDocument/2006/relationships" xmlns:p="http://schemas.openxmlformats.org/presentationml/2006/main">
   <p:cSld>
     <p:spTree>
@@ -30865,7 +31980,7 @@
                 <a:cs typeface="Arial" pitchFamily="34" charset="0"/>
               </a:rPr>
               <a:pPr eaLnBrk="1" hangingPunct="1"/>
-              <a:t>36</a:t>
+              <a:t>39</a:t>
             </a:fld>
             <a:endParaRPr lang="en-US" smtClean="0">
               <a:cs typeface="Arial" pitchFamily="34" charset="0"/>
@@ -31069,1056 +32184,6 @@
                 <a:cs typeface="Times New Roman" pitchFamily="18" charset="0"/>
               </a:rPr>
               <a:t> (represent the absence of a value).</a:t>
-            </a:r>
-          </a:p>
-        </p:txBody>
-      </p:sp>
-    </p:spTree>
-  </p:cSld>
-  <p:clrMapOvr>
-    <a:masterClrMapping/>
-  </p:clrMapOvr>
-  <p:timing>
-    <p:tnLst>
-      <p:par>
-        <p:cTn id="1" dur="indefinite" restart="never" nodeType="tmRoot"/>
-      </p:par>
-    </p:tnLst>
-  </p:timing>
-</p:sld>
-</file>
-
-<file path=ppt/slides/slide37.xml><?xml version="1.0" encoding="utf-8"?>
-<p:sld xmlns:a="http://schemas.openxmlformats.org/drawingml/2006/main" xmlns:r="http://schemas.openxmlformats.org/officeDocument/2006/relationships" xmlns:p="http://schemas.openxmlformats.org/presentationml/2006/main">
-  <p:cSld>
-    <p:spTree>
-      <p:nvGrpSpPr>
-        <p:cNvPr id="1" name=""/>
-        <p:cNvGrpSpPr/>
-        <p:nvPr/>
-      </p:nvGrpSpPr>
-      <p:grpSpPr>
-        <a:xfrm>
-          <a:off x="0" y="0"/>
-          <a:ext cx="0" cy="0"/>
-          <a:chOff x="0" y="0"/>
-          <a:chExt cx="0" cy="0"/>
-        </a:xfrm>
-      </p:grpSpPr>
-      <p:sp>
-        <p:nvSpPr>
-          <p:cNvPr id="41986" name="Slide Number Placeholder 5"/>
-          <p:cNvSpPr>
-            <a:spLocks noGrp="1"/>
-          </p:cNvSpPr>
-          <p:nvPr>
-            <p:ph type="sldNum" sz="quarter" idx="12"/>
-          </p:nvPr>
-        </p:nvSpPr>
-        <p:spPr>
-          <a:noFill/>
-          <a:ln/>
-          <a:extLst>
-            <a:ext uri="{909E8E84-426E-40DD-AFC4-6F175D3DCCD1}">
-              <a14:hiddenFill xmlns:a14="http://schemas.microsoft.com/office/drawing/2010/main">
-                <a:solidFill>
-                  <a:srgbClr val="FFFFFF"/>
-                </a:solidFill>
-              </a14:hiddenFill>
-            </a:ext>
-            <a:ext uri="{91240B29-F687-4F45-9708-019B960494DF}">
-              <a14:hiddenLine xmlns:a14="http://schemas.microsoft.com/office/drawing/2010/main" w="9525">
-                <a:solidFill>
-                  <a:srgbClr val="000000"/>
-                </a:solidFill>
-                <a:miter lim="800000"/>
-                <a:headEnd/>
-                <a:tailEnd/>
-              </a14:hiddenLine>
-            </a:ext>
-          </a:extLst>
-        </p:spPr>
-        <p:txBody>
-          <a:bodyPr/>
-          <a:lstStyle>
-            <a:lvl1pPr eaLnBrk="0" hangingPunct="0">
-              <a:defRPr>
-                <a:solidFill>
-                  <a:schemeClr val="tx1"/>
-                </a:solidFill>
-                <a:latin typeface="Arial" pitchFamily="34" charset="0"/>
-              </a:defRPr>
-            </a:lvl1pPr>
-            <a:lvl2pPr marL="742950" indent="-285750" eaLnBrk="0" hangingPunct="0">
-              <a:defRPr>
-                <a:solidFill>
-                  <a:schemeClr val="tx1"/>
-                </a:solidFill>
-                <a:latin typeface="Arial" pitchFamily="34" charset="0"/>
-              </a:defRPr>
-            </a:lvl2pPr>
-            <a:lvl3pPr marL="1143000" indent="-228600" eaLnBrk="0" hangingPunct="0">
-              <a:defRPr>
-                <a:solidFill>
-                  <a:schemeClr val="tx1"/>
-                </a:solidFill>
-                <a:latin typeface="Arial" pitchFamily="34" charset="0"/>
-              </a:defRPr>
-            </a:lvl3pPr>
-            <a:lvl4pPr marL="1600200" indent="-228600" eaLnBrk="0" hangingPunct="0">
-              <a:defRPr>
-                <a:solidFill>
-                  <a:schemeClr val="tx1"/>
-                </a:solidFill>
-                <a:latin typeface="Arial" pitchFamily="34" charset="0"/>
-              </a:defRPr>
-            </a:lvl4pPr>
-            <a:lvl5pPr marL="2057400" indent="-228600" eaLnBrk="0" hangingPunct="0">
-              <a:defRPr>
-                <a:solidFill>
-                  <a:schemeClr val="tx1"/>
-                </a:solidFill>
-                <a:latin typeface="Arial" pitchFamily="34" charset="0"/>
-              </a:defRPr>
-            </a:lvl5pPr>
-            <a:lvl6pPr marL="2514600" indent="-228600" algn="l" rtl="0" eaLnBrk="0" fontAlgn="base" hangingPunct="0">
-              <a:spcBef>
-                <a:spcPct val="50000"/>
-              </a:spcBef>
-              <a:spcAft>
-                <a:spcPct val="0"/>
-              </a:spcAft>
-              <a:defRPr>
-                <a:solidFill>
-                  <a:schemeClr val="tx1"/>
-                </a:solidFill>
-                <a:latin typeface="Arial" pitchFamily="34" charset="0"/>
-              </a:defRPr>
-            </a:lvl6pPr>
-            <a:lvl7pPr marL="2971800" indent="-228600" algn="l" rtl="0" eaLnBrk="0" fontAlgn="base" hangingPunct="0">
-              <a:spcBef>
-                <a:spcPct val="50000"/>
-              </a:spcBef>
-              <a:spcAft>
-                <a:spcPct val="0"/>
-              </a:spcAft>
-              <a:defRPr>
-                <a:solidFill>
-                  <a:schemeClr val="tx1"/>
-                </a:solidFill>
-                <a:latin typeface="Arial" pitchFamily="34" charset="0"/>
-              </a:defRPr>
-            </a:lvl7pPr>
-            <a:lvl8pPr marL="3429000" indent="-228600" algn="l" rtl="0" eaLnBrk="0" fontAlgn="base" hangingPunct="0">
-              <a:spcBef>
-                <a:spcPct val="50000"/>
-              </a:spcBef>
-              <a:spcAft>
-                <a:spcPct val="0"/>
-              </a:spcAft>
-              <a:defRPr>
-                <a:solidFill>
-                  <a:schemeClr val="tx1"/>
-                </a:solidFill>
-                <a:latin typeface="Arial" pitchFamily="34" charset="0"/>
-              </a:defRPr>
-            </a:lvl8pPr>
-            <a:lvl9pPr marL="3886200" indent="-228600" algn="l" rtl="0" eaLnBrk="0" fontAlgn="base" hangingPunct="0">
-              <a:spcBef>
-                <a:spcPct val="50000"/>
-              </a:spcBef>
-              <a:spcAft>
-                <a:spcPct val="0"/>
-              </a:spcAft>
-              <a:defRPr>
-                <a:solidFill>
-                  <a:schemeClr val="tx1"/>
-                </a:solidFill>
-                <a:latin typeface="Arial" pitchFamily="34" charset="0"/>
-              </a:defRPr>
-            </a:lvl9pPr>
-          </a:lstStyle>
-          <a:p>
-            <a:pPr eaLnBrk="1" hangingPunct="1"/>
-            <a:fld id="{1876DE79-3679-4297-8A98-FB7FBEB1D7E7}" type="slidenum">
-              <a:rPr lang="ar-SA" smtClean="0">
-                <a:cs typeface="Arial" pitchFamily="34" charset="0"/>
-              </a:rPr>
-              <a:pPr eaLnBrk="1" hangingPunct="1"/>
-              <a:t>37</a:t>
-            </a:fld>
-            <a:endParaRPr lang="en-US" smtClean="0">
-              <a:cs typeface="Arial" pitchFamily="34" charset="0"/>
-            </a:endParaRPr>
-          </a:p>
-        </p:txBody>
-      </p:sp>
-      <p:sp>
-        <p:nvSpPr>
-          <p:cNvPr id="41987" name="Rectangle 2"/>
-          <p:cNvSpPr>
-            <a:spLocks noChangeArrowheads="1"/>
-          </p:cNvSpPr>
-          <p:nvPr/>
-        </p:nvSpPr>
-        <p:spPr bwMode="auto">
-          <a:xfrm>
-            <a:off x="457200" y="274638"/>
-            <a:ext cx="8229600" cy="1143000"/>
-          </a:xfrm>
-          <a:prstGeom prst="rect">
-            <a:avLst/>
-          </a:prstGeom>
-          <a:noFill/>
-          <a:ln>
-            <a:noFill/>
-          </a:ln>
-          <a:extLst>
-            <a:ext uri="{909E8E84-426E-40DD-AFC4-6F175D3DCCD1}">
-              <a14:hiddenFill xmlns:a14="http://schemas.microsoft.com/office/drawing/2010/main">
-                <a:solidFill>
-                  <a:srgbClr val="FFFFFF"/>
-                </a:solidFill>
-              </a14:hiddenFill>
-            </a:ext>
-            <a:ext uri="{91240B29-F687-4F45-9708-019B960494DF}">
-              <a14:hiddenLine xmlns:a14="http://schemas.microsoft.com/office/drawing/2010/main" w="9525">
-                <a:solidFill>
-                  <a:srgbClr val="000000"/>
-                </a:solidFill>
-                <a:miter lim="800000"/>
-                <a:headEnd/>
-                <a:tailEnd/>
-              </a14:hiddenLine>
-            </a:ext>
-          </a:extLst>
-        </p:spPr>
-        <p:txBody>
-          <a:bodyPr anchor="ctr"/>
-          <a:lstStyle/>
-          <a:p>
-            <a:pPr algn="ctr">
-              <a:spcBef>
-                <a:spcPct val="0"/>
-              </a:spcBef>
-            </a:pPr>
-            <a:r>
-              <a:rPr lang="en-US" sz="4400">
-                <a:solidFill>
-                  <a:srgbClr val="CC0000"/>
-                </a:solidFill>
-                <a:latin typeface="Times New Roman" pitchFamily="18" charset="0"/>
-                <a:cs typeface="Times New Roman" pitchFamily="18" charset="0"/>
-              </a:rPr>
-              <a:t>Today</a:t>
-            </a:r>
-          </a:p>
-        </p:txBody>
-      </p:sp>
-      <p:sp>
-        <p:nvSpPr>
-          <p:cNvPr id="41988" name="Rectangle 3"/>
-          <p:cNvSpPr>
-            <a:spLocks noChangeArrowheads="1"/>
-          </p:cNvSpPr>
-          <p:nvPr/>
-        </p:nvSpPr>
-        <p:spPr bwMode="auto">
-          <a:xfrm>
-            <a:off x="609600" y="1295400"/>
-            <a:ext cx="8153400" cy="5029200"/>
-          </a:xfrm>
-          <a:prstGeom prst="rect">
-            <a:avLst/>
-          </a:prstGeom>
-          <a:noFill/>
-          <a:ln>
-            <a:noFill/>
-          </a:ln>
-          <a:extLst>
-            <a:ext uri="{909E8E84-426E-40DD-AFC4-6F175D3DCCD1}">
-              <a14:hiddenFill xmlns:a14="http://schemas.microsoft.com/office/drawing/2010/main">
-                <a:solidFill>
-                  <a:srgbClr val="FFFFFF"/>
-                </a:solidFill>
-              </a14:hiddenFill>
-            </a:ext>
-            <a:ext uri="{91240B29-F687-4F45-9708-019B960494DF}">
-              <a14:hiddenLine xmlns:a14="http://schemas.microsoft.com/office/drawing/2010/main" w="9525">
-                <a:solidFill>
-                  <a:srgbClr val="000000"/>
-                </a:solidFill>
-                <a:miter lim="800000"/>
-                <a:headEnd/>
-                <a:tailEnd/>
-              </a14:hiddenLine>
-            </a:ext>
-          </a:extLst>
-        </p:spPr>
-        <p:txBody>
-          <a:bodyPr/>
-          <a:lstStyle/>
-          <a:p>
-            <a:pPr>
-              <a:lnSpc>
-                <a:spcPct val="80000"/>
-              </a:lnSpc>
-              <a:spcBef>
-                <a:spcPct val="20000"/>
-              </a:spcBef>
-              <a:buFontTx/>
-              <a:buChar char="•"/>
-            </a:pPr>
-            <a:r>
-              <a:rPr lang="en-US" sz="3200" b="1" dirty="0" smtClean="0">
-                <a:solidFill>
-                  <a:srgbClr val="003399"/>
-                </a:solidFill>
-                <a:latin typeface="Times New Roman" pitchFamily="18" charset="0"/>
-                <a:cs typeface="Times New Roman" pitchFamily="18" charset="0"/>
-              </a:rPr>
-              <a:t> Review</a:t>
-            </a:r>
-          </a:p>
-          <a:p>
-            <a:pPr>
-              <a:lnSpc>
-                <a:spcPct val="80000"/>
-              </a:lnSpc>
-              <a:spcBef>
-                <a:spcPct val="20000"/>
-              </a:spcBef>
-              <a:buFontTx/>
-              <a:buChar char="•"/>
-            </a:pPr>
-            <a:r>
-              <a:rPr lang="en-US" sz="3200" b="1" dirty="0" smtClean="0">
-                <a:solidFill>
-                  <a:srgbClr val="003399"/>
-                </a:solidFill>
-                <a:latin typeface="Times New Roman" pitchFamily="18" charset="0"/>
-                <a:cs typeface="Times New Roman" pitchFamily="18" charset="0"/>
-              </a:rPr>
-              <a:t> Lists</a:t>
-            </a:r>
-          </a:p>
-          <a:p>
-            <a:pPr>
-              <a:lnSpc>
-                <a:spcPct val="80000"/>
-              </a:lnSpc>
-              <a:spcBef>
-                <a:spcPct val="20000"/>
-              </a:spcBef>
-              <a:buFontTx/>
-              <a:buChar char="•"/>
-            </a:pPr>
-            <a:r>
-              <a:rPr lang="en-US" sz="3200" b="1" dirty="0" smtClean="0">
-                <a:solidFill>
-                  <a:srgbClr val="003399"/>
-                </a:solidFill>
-                <a:latin typeface="Times New Roman" pitchFamily="18" charset="0"/>
-                <a:cs typeface="Times New Roman" pitchFamily="18" charset="0"/>
-              </a:rPr>
-              <a:t> Loops</a:t>
-            </a:r>
-          </a:p>
-          <a:p>
-            <a:pPr>
-              <a:lnSpc>
-                <a:spcPct val="80000"/>
-              </a:lnSpc>
-              <a:spcBef>
-                <a:spcPct val="20000"/>
-              </a:spcBef>
-              <a:buFontTx/>
-              <a:buChar char="•"/>
-            </a:pPr>
-            <a:r>
-              <a:rPr lang="en-US" sz="3200" b="1" dirty="0" smtClean="0">
-                <a:solidFill>
-                  <a:srgbClr val="003399"/>
-                </a:solidFill>
-                <a:latin typeface="Times New Roman" pitchFamily="18" charset="0"/>
-                <a:cs typeface="Times New Roman" pitchFamily="18" charset="0"/>
-              </a:rPr>
-              <a:t> Functions</a:t>
-            </a:r>
-            <a:endParaRPr lang="en-US" sz="3200" b="1" dirty="0" smtClean="0">
-              <a:solidFill>
-                <a:srgbClr val="003399"/>
-              </a:solidFill>
-              <a:latin typeface="Times New Roman" pitchFamily="18" charset="0"/>
-              <a:cs typeface="Times New Roman" pitchFamily="18" charset="0"/>
-            </a:endParaRPr>
-          </a:p>
-          <a:p>
-            <a:pPr>
-              <a:lnSpc>
-                <a:spcPct val="80000"/>
-              </a:lnSpc>
-              <a:spcBef>
-                <a:spcPct val="20000"/>
-              </a:spcBef>
-              <a:buFontTx/>
-              <a:buChar char="•"/>
-            </a:pPr>
-            <a:r>
-              <a:rPr lang="en-US" sz="3200" dirty="0" smtClean="0">
-                <a:solidFill>
-                  <a:srgbClr val="003399"/>
-                </a:solidFill>
-                <a:latin typeface="Times New Roman" pitchFamily="18" charset="0"/>
-                <a:cs typeface="Times New Roman" pitchFamily="18" charset="0"/>
-              </a:rPr>
-              <a:t> Homework</a:t>
-            </a:r>
-          </a:p>
-          <a:p>
-            <a:pPr>
-              <a:lnSpc>
-                <a:spcPct val="80000"/>
-              </a:lnSpc>
-              <a:spcBef>
-                <a:spcPct val="20000"/>
-              </a:spcBef>
-              <a:buFontTx/>
-              <a:buChar char="•"/>
-            </a:pPr>
-            <a:r>
-              <a:rPr lang="en-US" sz="3200" dirty="0" smtClean="0">
-                <a:solidFill>
-                  <a:srgbClr val="003399"/>
-                </a:solidFill>
-                <a:latin typeface="Times New Roman" pitchFamily="18" charset="0"/>
-                <a:cs typeface="Times New Roman" pitchFamily="18" charset="0"/>
-              </a:rPr>
-              <a:t> Ehud </a:t>
-            </a:r>
-            <a:r>
-              <a:rPr lang="en-US" sz="3200" dirty="0" err="1">
-                <a:solidFill>
-                  <a:srgbClr val="003399"/>
-                </a:solidFill>
-                <a:latin typeface="Times New Roman" pitchFamily="18" charset="0"/>
-                <a:cs typeface="Times New Roman" pitchFamily="18" charset="0"/>
-              </a:rPr>
-              <a:t>Lamm</a:t>
-            </a:r>
-            <a:endParaRPr lang="en-US" sz="3200" dirty="0">
-              <a:solidFill>
-                <a:srgbClr val="003399"/>
-              </a:solidFill>
-              <a:latin typeface="Times New Roman" pitchFamily="18" charset="0"/>
-              <a:cs typeface="Times New Roman" pitchFamily="18" charset="0"/>
-            </a:endParaRPr>
-          </a:p>
-        </p:txBody>
-      </p:sp>
-    </p:spTree>
-  </p:cSld>
-  <p:clrMapOvr>
-    <a:masterClrMapping/>
-  </p:clrMapOvr>
-  <p:timing>
-    <p:tnLst>
-      <p:par>
-        <p:cTn id="1" dur="indefinite" restart="never" nodeType="tmRoot"/>
-      </p:par>
-    </p:tnLst>
-  </p:timing>
-</p:sld>
-</file>
-
-<file path=ppt/slides/slide38.xml><?xml version="1.0" encoding="utf-8"?>
-<p:sld xmlns:a="http://schemas.openxmlformats.org/drawingml/2006/main" xmlns:r="http://schemas.openxmlformats.org/officeDocument/2006/relationships" xmlns:p="http://schemas.openxmlformats.org/presentationml/2006/main">
-  <p:cSld>
-    <p:spTree>
-      <p:nvGrpSpPr>
-        <p:cNvPr id="1" name=""/>
-        <p:cNvGrpSpPr/>
-        <p:nvPr/>
-      </p:nvGrpSpPr>
-      <p:grpSpPr>
-        <a:xfrm>
-          <a:off x="0" y="0"/>
-          <a:ext cx="0" cy="0"/>
-          <a:chOff x="0" y="0"/>
-          <a:chExt cx="0" cy="0"/>
-        </a:xfrm>
-      </p:grpSpPr>
-      <p:sp>
-        <p:nvSpPr>
-          <p:cNvPr id="43010" name="Slide Number Placeholder 5"/>
-          <p:cNvSpPr>
-            <a:spLocks noGrp="1"/>
-          </p:cNvSpPr>
-          <p:nvPr>
-            <p:ph type="sldNum" sz="quarter" idx="12"/>
-          </p:nvPr>
-        </p:nvSpPr>
-        <p:spPr>
-          <a:noFill/>
-          <a:ln/>
-          <a:extLst>
-            <a:ext uri="{909E8E84-426E-40DD-AFC4-6F175D3DCCD1}">
-              <a14:hiddenFill xmlns:a14="http://schemas.microsoft.com/office/drawing/2010/main">
-                <a:solidFill>
-                  <a:srgbClr val="FFFFFF"/>
-                </a:solidFill>
-              </a14:hiddenFill>
-            </a:ext>
-            <a:ext uri="{91240B29-F687-4F45-9708-019B960494DF}">
-              <a14:hiddenLine xmlns:a14="http://schemas.microsoft.com/office/drawing/2010/main" w="9525">
-                <a:solidFill>
-                  <a:srgbClr val="000000"/>
-                </a:solidFill>
-                <a:miter lim="800000"/>
-                <a:headEnd/>
-                <a:tailEnd/>
-              </a14:hiddenLine>
-            </a:ext>
-          </a:extLst>
-        </p:spPr>
-        <p:txBody>
-          <a:bodyPr/>
-          <a:lstStyle>
-            <a:lvl1pPr eaLnBrk="0" hangingPunct="0">
-              <a:defRPr>
-                <a:solidFill>
-                  <a:schemeClr val="tx1"/>
-                </a:solidFill>
-                <a:latin typeface="Arial" pitchFamily="34" charset="0"/>
-              </a:defRPr>
-            </a:lvl1pPr>
-            <a:lvl2pPr marL="742950" indent="-285750" eaLnBrk="0" hangingPunct="0">
-              <a:defRPr>
-                <a:solidFill>
-                  <a:schemeClr val="tx1"/>
-                </a:solidFill>
-                <a:latin typeface="Arial" pitchFamily="34" charset="0"/>
-              </a:defRPr>
-            </a:lvl2pPr>
-            <a:lvl3pPr marL="1143000" indent="-228600" eaLnBrk="0" hangingPunct="0">
-              <a:defRPr>
-                <a:solidFill>
-                  <a:schemeClr val="tx1"/>
-                </a:solidFill>
-                <a:latin typeface="Arial" pitchFamily="34" charset="0"/>
-              </a:defRPr>
-            </a:lvl3pPr>
-            <a:lvl4pPr marL="1600200" indent="-228600" eaLnBrk="0" hangingPunct="0">
-              <a:defRPr>
-                <a:solidFill>
-                  <a:schemeClr val="tx1"/>
-                </a:solidFill>
-                <a:latin typeface="Arial" pitchFamily="34" charset="0"/>
-              </a:defRPr>
-            </a:lvl4pPr>
-            <a:lvl5pPr marL="2057400" indent="-228600" eaLnBrk="0" hangingPunct="0">
-              <a:defRPr>
-                <a:solidFill>
-                  <a:schemeClr val="tx1"/>
-                </a:solidFill>
-                <a:latin typeface="Arial" pitchFamily="34" charset="0"/>
-              </a:defRPr>
-            </a:lvl5pPr>
-            <a:lvl6pPr marL="2514600" indent="-228600" algn="l" rtl="0" eaLnBrk="0" fontAlgn="base" hangingPunct="0">
-              <a:spcBef>
-                <a:spcPct val="50000"/>
-              </a:spcBef>
-              <a:spcAft>
-                <a:spcPct val="0"/>
-              </a:spcAft>
-              <a:defRPr>
-                <a:solidFill>
-                  <a:schemeClr val="tx1"/>
-                </a:solidFill>
-                <a:latin typeface="Arial" pitchFamily="34" charset="0"/>
-              </a:defRPr>
-            </a:lvl6pPr>
-            <a:lvl7pPr marL="2971800" indent="-228600" algn="l" rtl="0" eaLnBrk="0" fontAlgn="base" hangingPunct="0">
-              <a:spcBef>
-                <a:spcPct val="50000"/>
-              </a:spcBef>
-              <a:spcAft>
-                <a:spcPct val="0"/>
-              </a:spcAft>
-              <a:defRPr>
-                <a:solidFill>
-                  <a:schemeClr val="tx1"/>
-                </a:solidFill>
-                <a:latin typeface="Arial" pitchFamily="34" charset="0"/>
-              </a:defRPr>
-            </a:lvl7pPr>
-            <a:lvl8pPr marL="3429000" indent="-228600" algn="l" rtl="0" eaLnBrk="0" fontAlgn="base" hangingPunct="0">
-              <a:spcBef>
-                <a:spcPct val="50000"/>
-              </a:spcBef>
-              <a:spcAft>
-                <a:spcPct val="0"/>
-              </a:spcAft>
-              <a:defRPr>
-                <a:solidFill>
-                  <a:schemeClr val="tx1"/>
-                </a:solidFill>
-                <a:latin typeface="Arial" pitchFamily="34" charset="0"/>
-              </a:defRPr>
-            </a:lvl8pPr>
-            <a:lvl9pPr marL="3886200" indent="-228600" algn="l" rtl="0" eaLnBrk="0" fontAlgn="base" hangingPunct="0">
-              <a:spcBef>
-                <a:spcPct val="50000"/>
-              </a:spcBef>
-              <a:spcAft>
-                <a:spcPct val="0"/>
-              </a:spcAft>
-              <a:defRPr>
-                <a:solidFill>
-                  <a:schemeClr val="tx1"/>
-                </a:solidFill>
-                <a:latin typeface="Arial" pitchFamily="34" charset="0"/>
-              </a:defRPr>
-            </a:lvl9pPr>
-          </a:lstStyle>
-          <a:p>
-            <a:pPr eaLnBrk="1" hangingPunct="1"/>
-            <a:fld id="{5CC0FD26-18C8-4515-9F58-C4A3F0DEE224}" type="slidenum">
-              <a:rPr lang="he-IL" smtClean="0">
-                <a:cs typeface="Arial" pitchFamily="34" charset="0"/>
-              </a:rPr>
-              <a:pPr eaLnBrk="1" hangingPunct="1"/>
-              <a:t>38</a:t>
-            </a:fld>
-            <a:endParaRPr lang="en-US" smtClean="0">
-              <a:cs typeface="Arial" pitchFamily="34" charset="0"/>
-            </a:endParaRPr>
-          </a:p>
-        </p:txBody>
-      </p:sp>
-      <p:sp>
-        <p:nvSpPr>
-          <p:cNvPr id="43011" name="Rectangle 2"/>
-          <p:cNvSpPr>
-            <a:spLocks noGrp="1" noChangeArrowheads="1"/>
-          </p:cNvSpPr>
-          <p:nvPr>
-            <p:ph type="title"/>
-          </p:nvPr>
-        </p:nvSpPr>
-        <p:spPr/>
-        <p:txBody>
-          <a:bodyPr/>
-          <a:lstStyle/>
-          <a:p>
-            <a:pPr eaLnBrk="1" hangingPunct="1"/>
-            <a:r>
-              <a:rPr lang="en-US" smtClean="0">
-                <a:latin typeface="Times New Roman" pitchFamily="18" charset="0"/>
-                <a:cs typeface="Times New Roman" pitchFamily="18" charset="0"/>
-              </a:rPr>
-              <a:t>Exercise – Integer Division</a:t>
-            </a:r>
-          </a:p>
-        </p:txBody>
-      </p:sp>
-      <p:sp>
-        <p:nvSpPr>
-          <p:cNvPr id="43012" name="Rectangle 3"/>
-          <p:cNvSpPr>
-            <a:spLocks noGrp="1" noChangeArrowheads="1"/>
-          </p:cNvSpPr>
-          <p:nvPr>
-            <p:ph type="body" idx="1"/>
-          </p:nvPr>
-        </p:nvSpPr>
-        <p:spPr/>
-        <p:txBody>
-          <a:bodyPr/>
-          <a:lstStyle/>
-          <a:p>
-            <a:pPr eaLnBrk="1" hangingPunct="1"/>
-            <a:r>
-              <a:rPr lang="en-US" dirty="0" smtClean="0">
-                <a:latin typeface="Times New Roman" pitchFamily="18" charset="0"/>
-                <a:cs typeface="Times New Roman" pitchFamily="18" charset="0"/>
-              </a:rPr>
-              <a:t>Input:</a:t>
-            </a:r>
-          </a:p>
-          <a:p>
-            <a:pPr lvl="1" eaLnBrk="1" hangingPunct="1"/>
-            <a:r>
-              <a:rPr lang="en-US" dirty="0" smtClean="0">
-                <a:latin typeface="Times New Roman" pitchFamily="18" charset="0"/>
-                <a:cs typeface="Times New Roman" pitchFamily="18" charset="0"/>
-              </a:rPr>
-              <a:t>Two positive integers – A and B</a:t>
-            </a:r>
-          </a:p>
-          <a:p>
-            <a:pPr eaLnBrk="1" hangingPunct="1"/>
-            <a:r>
-              <a:rPr lang="en-US" dirty="0" smtClean="0">
-                <a:latin typeface="Times New Roman" pitchFamily="18" charset="0"/>
-                <a:cs typeface="Times New Roman" pitchFamily="18" charset="0"/>
-              </a:rPr>
-              <a:t>Output:</a:t>
-            </a:r>
-          </a:p>
-          <a:p>
-            <a:pPr lvl="1" eaLnBrk="1" hangingPunct="1"/>
-            <a:r>
-              <a:rPr lang="en-US" dirty="0" smtClean="0">
-                <a:latin typeface="Times New Roman" pitchFamily="18" charset="0"/>
-                <a:cs typeface="Times New Roman" pitchFamily="18" charset="0"/>
-              </a:rPr>
-              <a:t>How many times A contains B (the result of the integer division </a:t>
-            </a:r>
-            <a:r>
-              <a:rPr lang="en-US" dirty="0" smtClean="0">
-                <a:latin typeface="Times New Roman" pitchFamily="18" charset="0"/>
-                <a:cs typeface="Times New Roman" pitchFamily="18" charset="0"/>
-              </a:rPr>
-              <a:t>A//</a:t>
-            </a:r>
-            <a:r>
-              <a:rPr lang="en-US" dirty="0" smtClean="0">
-                <a:latin typeface="Times New Roman" pitchFamily="18" charset="0"/>
-                <a:cs typeface="Times New Roman" pitchFamily="18" charset="0"/>
-              </a:rPr>
-              <a:t>B)</a:t>
-            </a:r>
-          </a:p>
-          <a:p>
-            <a:pPr eaLnBrk="1" hangingPunct="1"/>
-            <a:r>
-              <a:rPr lang="en-US" dirty="0" smtClean="0">
-                <a:latin typeface="Times New Roman" pitchFamily="18" charset="0"/>
-                <a:cs typeface="Times New Roman" pitchFamily="18" charset="0"/>
-              </a:rPr>
-              <a:t>Do not use the operators </a:t>
-            </a:r>
-            <a:r>
-              <a:rPr lang="en-US" dirty="0" smtClean="0">
-                <a:latin typeface="Times New Roman" pitchFamily="18" charset="0"/>
-                <a:cs typeface="Times New Roman" pitchFamily="18" charset="0"/>
-              </a:rPr>
-              <a:t>‘/’, ‘//’, </a:t>
-            </a:r>
-            <a:r>
-              <a:rPr lang="en-US" dirty="0" smtClean="0">
-                <a:latin typeface="Times New Roman" pitchFamily="18" charset="0"/>
-                <a:cs typeface="Times New Roman" pitchFamily="18" charset="0"/>
-              </a:rPr>
-              <a:t>‘*’</a:t>
-            </a:r>
-          </a:p>
-          <a:p>
-            <a:pPr lvl="1" eaLnBrk="1" hangingPunct="1"/>
-            <a:endParaRPr lang="en-US" dirty="0" smtClean="0">
-              <a:latin typeface="Times New Roman" pitchFamily="18" charset="0"/>
-              <a:cs typeface="Times New Roman" pitchFamily="18" charset="0"/>
-            </a:endParaRPr>
-          </a:p>
-        </p:txBody>
-      </p:sp>
-    </p:spTree>
-  </p:cSld>
-  <p:clrMapOvr>
-    <a:masterClrMapping/>
-  </p:clrMapOvr>
-  <p:timing>
-    <p:tnLst>
-      <p:par>
-        <p:cTn id="1" dur="indefinite" restart="never" nodeType="tmRoot"/>
-      </p:par>
-    </p:tnLst>
-  </p:timing>
-</p:sld>
-</file>
-
-<file path=ppt/slides/slide39.xml><?xml version="1.0" encoding="utf-8"?>
-<p:sld xmlns:a="http://schemas.openxmlformats.org/drawingml/2006/main" xmlns:r="http://schemas.openxmlformats.org/officeDocument/2006/relationships" xmlns:p="http://schemas.openxmlformats.org/presentationml/2006/main">
-  <p:cSld>
-    <p:spTree>
-      <p:nvGrpSpPr>
-        <p:cNvPr id="1" name=""/>
-        <p:cNvGrpSpPr/>
-        <p:nvPr/>
-      </p:nvGrpSpPr>
-      <p:grpSpPr>
-        <a:xfrm>
-          <a:off x="0" y="0"/>
-          <a:ext cx="0" cy="0"/>
-          <a:chOff x="0" y="0"/>
-          <a:chExt cx="0" cy="0"/>
-        </a:xfrm>
-      </p:grpSpPr>
-      <p:sp>
-        <p:nvSpPr>
-          <p:cNvPr id="44034" name="Slide Number Placeholder 5"/>
-          <p:cNvSpPr>
-            <a:spLocks noGrp="1"/>
-          </p:cNvSpPr>
-          <p:nvPr>
-            <p:ph type="sldNum" sz="quarter" idx="12"/>
-          </p:nvPr>
-        </p:nvSpPr>
-        <p:spPr>
-          <a:noFill/>
-          <a:ln/>
-          <a:extLst>
-            <a:ext uri="{909E8E84-426E-40DD-AFC4-6F175D3DCCD1}">
-              <a14:hiddenFill xmlns:a14="http://schemas.microsoft.com/office/drawing/2010/main">
-                <a:solidFill>
-                  <a:srgbClr val="FFFFFF"/>
-                </a:solidFill>
-              </a14:hiddenFill>
-            </a:ext>
-            <a:ext uri="{91240B29-F687-4F45-9708-019B960494DF}">
-              <a14:hiddenLine xmlns:a14="http://schemas.microsoft.com/office/drawing/2010/main" w="9525">
-                <a:solidFill>
-                  <a:srgbClr val="000000"/>
-                </a:solidFill>
-                <a:miter lim="800000"/>
-                <a:headEnd/>
-                <a:tailEnd/>
-              </a14:hiddenLine>
-            </a:ext>
-          </a:extLst>
-        </p:spPr>
-        <p:txBody>
-          <a:bodyPr/>
-          <a:lstStyle>
-            <a:lvl1pPr eaLnBrk="0" hangingPunct="0">
-              <a:defRPr>
-                <a:solidFill>
-                  <a:schemeClr val="tx1"/>
-                </a:solidFill>
-                <a:latin typeface="Arial" pitchFamily="34" charset="0"/>
-              </a:defRPr>
-            </a:lvl1pPr>
-            <a:lvl2pPr marL="742950" indent="-285750" eaLnBrk="0" hangingPunct="0">
-              <a:defRPr>
-                <a:solidFill>
-                  <a:schemeClr val="tx1"/>
-                </a:solidFill>
-                <a:latin typeface="Arial" pitchFamily="34" charset="0"/>
-              </a:defRPr>
-            </a:lvl2pPr>
-            <a:lvl3pPr marL="1143000" indent="-228600" eaLnBrk="0" hangingPunct="0">
-              <a:defRPr>
-                <a:solidFill>
-                  <a:schemeClr val="tx1"/>
-                </a:solidFill>
-                <a:latin typeface="Arial" pitchFamily="34" charset="0"/>
-              </a:defRPr>
-            </a:lvl3pPr>
-            <a:lvl4pPr marL="1600200" indent="-228600" eaLnBrk="0" hangingPunct="0">
-              <a:defRPr>
-                <a:solidFill>
-                  <a:schemeClr val="tx1"/>
-                </a:solidFill>
-                <a:latin typeface="Arial" pitchFamily="34" charset="0"/>
-              </a:defRPr>
-            </a:lvl4pPr>
-            <a:lvl5pPr marL="2057400" indent="-228600" eaLnBrk="0" hangingPunct="0">
-              <a:defRPr>
-                <a:solidFill>
-                  <a:schemeClr val="tx1"/>
-                </a:solidFill>
-                <a:latin typeface="Arial" pitchFamily="34" charset="0"/>
-              </a:defRPr>
-            </a:lvl5pPr>
-            <a:lvl6pPr marL="2514600" indent="-228600" algn="l" rtl="0" eaLnBrk="0" fontAlgn="base" hangingPunct="0">
-              <a:spcBef>
-                <a:spcPct val="50000"/>
-              </a:spcBef>
-              <a:spcAft>
-                <a:spcPct val="0"/>
-              </a:spcAft>
-              <a:defRPr>
-                <a:solidFill>
-                  <a:schemeClr val="tx1"/>
-                </a:solidFill>
-                <a:latin typeface="Arial" pitchFamily="34" charset="0"/>
-              </a:defRPr>
-            </a:lvl6pPr>
-            <a:lvl7pPr marL="2971800" indent="-228600" algn="l" rtl="0" eaLnBrk="0" fontAlgn="base" hangingPunct="0">
-              <a:spcBef>
-                <a:spcPct val="50000"/>
-              </a:spcBef>
-              <a:spcAft>
-                <a:spcPct val="0"/>
-              </a:spcAft>
-              <a:defRPr>
-                <a:solidFill>
-                  <a:schemeClr val="tx1"/>
-                </a:solidFill>
-                <a:latin typeface="Arial" pitchFamily="34" charset="0"/>
-              </a:defRPr>
-            </a:lvl7pPr>
-            <a:lvl8pPr marL="3429000" indent="-228600" algn="l" rtl="0" eaLnBrk="0" fontAlgn="base" hangingPunct="0">
-              <a:spcBef>
-                <a:spcPct val="50000"/>
-              </a:spcBef>
-              <a:spcAft>
-                <a:spcPct val="0"/>
-              </a:spcAft>
-              <a:defRPr>
-                <a:solidFill>
-                  <a:schemeClr val="tx1"/>
-                </a:solidFill>
-                <a:latin typeface="Arial" pitchFamily="34" charset="0"/>
-              </a:defRPr>
-            </a:lvl8pPr>
-            <a:lvl9pPr marL="3886200" indent="-228600" algn="l" rtl="0" eaLnBrk="0" fontAlgn="base" hangingPunct="0">
-              <a:spcBef>
-                <a:spcPct val="50000"/>
-              </a:spcBef>
-              <a:spcAft>
-                <a:spcPct val="0"/>
-              </a:spcAft>
-              <a:defRPr>
-                <a:solidFill>
-                  <a:schemeClr val="tx1"/>
-                </a:solidFill>
-                <a:latin typeface="Arial" pitchFamily="34" charset="0"/>
-              </a:defRPr>
-            </a:lvl9pPr>
-          </a:lstStyle>
-          <a:p>
-            <a:pPr eaLnBrk="1" hangingPunct="1"/>
-            <a:fld id="{B31B6C7A-D4C5-4ABF-8C24-9CD6325CEEC1}" type="slidenum">
-              <a:rPr lang="he-IL" smtClean="0">
-                <a:cs typeface="Arial" pitchFamily="34" charset="0"/>
-              </a:rPr>
-              <a:pPr eaLnBrk="1" hangingPunct="1"/>
-              <a:t>39</a:t>
-            </a:fld>
-            <a:endParaRPr lang="en-US" smtClean="0">
-              <a:cs typeface="Arial" pitchFamily="34" charset="0"/>
-            </a:endParaRPr>
-          </a:p>
-        </p:txBody>
-      </p:sp>
-      <p:sp>
-        <p:nvSpPr>
-          <p:cNvPr id="44035" name="Rectangle 2"/>
-          <p:cNvSpPr>
-            <a:spLocks noGrp="1" noChangeArrowheads="1"/>
-          </p:cNvSpPr>
-          <p:nvPr>
-            <p:ph type="title"/>
-          </p:nvPr>
-        </p:nvSpPr>
-        <p:spPr/>
-        <p:txBody>
-          <a:bodyPr/>
-          <a:lstStyle/>
-          <a:p>
-            <a:pPr eaLnBrk="1" hangingPunct="1"/>
-            <a:r>
-              <a:rPr lang="en-US" smtClean="0">
-                <a:latin typeface="Times New Roman" pitchFamily="18" charset="0"/>
-                <a:cs typeface="Times New Roman" pitchFamily="18" charset="0"/>
-              </a:rPr>
-              <a:t>Exercise – Power of Two</a:t>
-            </a:r>
-          </a:p>
-        </p:txBody>
-      </p:sp>
-      <p:sp>
-        <p:nvSpPr>
-          <p:cNvPr id="44036" name="Rectangle 3"/>
-          <p:cNvSpPr>
-            <a:spLocks noGrp="1" noChangeArrowheads="1"/>
-          </p:cNvSpPr>
-          <p:nvPr>
-            <p:ph type="body" idx="1"/>
-          </p:nvPr>
-        </p:nvSpPr>
-        <p:spPr>
-          <a:xfrm>
-            <a:off x="152400" y="1600200"/>
-            <a:ext cx="8763000" cy="4525963"/>
-          </a:xfrm>
-        </p:spPr>
-        <p:txBody>
-          <a:bodyPr/>
-          <a:lstStyle/>
-          <a:p>
-            <a:pPr eaLnBrk="1" hangingPunct="1"/>
-            <a:r>
-              <a:rPr lang="en-US" dirty="0" smtClean="0">
-                <a:latin typeface="Times New Roman" pitchFamily="18" charset="0"/>
-                <a:cs typeface="Times New Roman" pitchFamily="18" charset="0"/>
-              </a:rPr>
-              <a:t>Input: positive integer A</a:t>
-            </a:r>
-          </a:p>
-          <a:p>
-            <a:pPr eaLnBrk="1" hangingPunct="1"/>
-            <a:r>
-              <a:rPr lang="en-US" dirty="0" smtClean="0">
-                <a:latin typeface="Times New Roman" pitchFamily="18" charset="0"/>
-                <a:cs typeface="Times New Roman" pitchFamily="18" charset="0"/>
-              </a:rPr>
-              <a:t>Output:</a:t>
-            </a:r>
-          </a:p>
-          <a:p>
-            <a:pPr eaLnBrk="1" hangingPunct="1">
-              <a:buFontTx/>
-              <a:buNone/>
-            </a:pPr>
-            <a:r>
-              <a:rPr lang="en-US" dirty="0" smtClean="0">
-                <a:latin typeface="Times New Roman" pitchFamily="18" charset="0"/>
-                <a:cs typeface="Times New Roman" pitchFamily="18" charset="0"/>
-              </a:rPr>
-              <a:t>	 If there is an integer n such that A == 2</a:t>
-            </a:r>
-            <a:r>
-              <a:rPr lang="en-US" baseline="30000" dirty="0" smtClean="0">
-                <a:latin typeface="Times New Roman" pitchFamily="18" charset="0"/>
-                <a:cs typeface="Times New Roman" pitchFamily="18" charset="0"/>
-              </a:rPr>
-              <a:t>n </a:t>
-            </a:r>
-            <a:r>
-              <a:rPr lang="en-US" dirty="0" smtClean="0">
-                <a:latin typeface="Times New Roman" pitchFamily="18" charset="0"/>
-                <a:cs typeface="Times New Roman" pitchFamily="18" charset="0"/>
-              </a:rPr>
-              <a:t>:</a:t>
-            </a:r>
-          </a:p>
-          <a:p>
-            <a:pPr eaLnBrk="1" hangingPunct="1">
-              <a:buFontTx/>
-              <a:buNone/>
-            </a:pPr>
-            <a:r>
-              <a:rPr lang="en-US" dirty="0" smtClean="0">
-                <a:latin typeface="Times New Roman" pitchFamily="18" charset="0"/>
-                <a:cs typeface="Times New Roman" pitchFamily="18" charset="0"/>
-              </a:rPr>
-              <a:t>		return True</a:t>
-            </a:r>
-          </a:p>
-          <a:p>
-            <a:pPr eaLnBrk="1" hangingPunct="1">
-              <a:buFontTx/>
-              <a:buNone/>
-            </a:pPr>
-            <a:r>
-              <a:rPr lang="en-US" dirty="0" smtClean="0">
-                <a:latin typeface="Times New Roman" pitchFamily="18" charset="0"/>
-                <a:cs typeface="Times New Roman" pitchFamily="18" charset="0"/>
-              </a:rPr>
-              <a:t>	Otherwise, return False.</a:t>
             </a:r>
           </a:p>
         </p:txBody>
@@ -32665,6 +32730,1298 @@
       </p:grpSpPr>
       <p:sp>
         <p:nvSpPr>
+          <p:cNvPr id="2" name="Title 1"/>
+          <p:cNvSpPr>
+            <a:spLocks noGrp="1"/>
+          </p:cNvSpPr>
+          <p:nvPr>
+            <p:ph type="title"/>
+          </p:nvPr>
+        </p:nvSpPr>
+        <p:spPr/>
+        <p:txBody>
+          <a:bodyPr/>
+          <a:lstStyle/>
+          <a:p>
+            <a:r>
+              <a:rPr lang="en-GB" b="1" dirty="0"/>
+              <a:t>Margaret </a:t>
+            </a:r>
+            <a:r>
+              <a:rPr lang="en-GB" b="1" dirty="0" smtClean="0"/>
+              <a:t>Hamilton</a:t>
+            </a:r>
+            <a:endParaRPr lang="he-IL" dirty="0"/>
+          </a:p>
+        </p:txBody>
+      </p:sp>
+      <p:sp>
+        <p:nvSpPr>
+          <p:cNvPr id="3" name="Content Placeholder 2"/>
+          <p:cNvSpPr>
+            <a:spLocks noGrp="1"/>
+          </p:cNvSpPr>
+          <p:nvPr>
+            <p:ph idx="1"/>
+          </p:nvPr>
+        </p:nvSpPr>
+        <p:spPr>
+          <a:xfrm>
+            <a:off x="457200" y="1600200"/>
+            <a:ext cx="5791200" cy="4525963"/>
+          </a:xfrm>
+        </p:spPr>
+        <p:txBody>
+          <a:bodyPr/>
+          <a:lstStyle/>
+          <a:p>
+            <a:r>
+              <a:rPr lang="en-US" sz="2400" dirty="0" smtClean="0"/>
+              <a:t>August </a:t>
+            </a:r>
+            <a:r>
+              <a:rPr lang="en-US" sz="2400" dirty="0"/>
+              <a:t>17, </a:t>
+            </a:r>
+            <a:r>
+              <a:rPr lang="en-US" sz="2400" dirty="0" smtClean="0"/>
+              <a:t>1936</a:t>
+            </a:r>
+          </a:p>
+          <a:p>
+            <a:r>
+              <a:rPr lang="en-US" sz="2400" dirty="0" smtClean="0"/>
+              <a:t>Computer </a:t>
+            </a:r>
+            <a:r>
+              <a:rPr lang="en-US" sz="2400" dirty="0"/>
+              <a:t>scientist, systems engineer, and business owner. </a:t>
+            </a:r>
+            <a:endParaRPr lang="en-US" sz="2400" dirty="0" smtClean="0"/>
+          </a:p>
+          <a:p>
+            <a:r>
+              <a:rPr lang="en-US" sz="2400" dirty="0" smtClean="0"/>
+              <a:t>Was director </a:t>
+            </a:r>
+            <a:r>
+              <a:rPr lang="en-US" sz="2400" dirty="0"/>
+              <a:t>and supervisor of software programming for </a:t>
+            </a:r>
+            <a:r>
+              <a:rPr lang="en-US" sz="2400" b="1" dirty="0"/>
+              <a:t>Apollo </a:t>
+            </a:r>
+            <a:r>
+              <a:rPr lang="en-US" sz="2400" dirty="0"/>
+              <a:t>and </a:t>
+            </a:r>
+            <a:r>
+              <a:rPr lang="en-US" sz="2400" dirty="0" smtClean="0"/>
+              <a:t>Skylab</a:t>
+            </a:r>
+          </a:p>
+          <a:p>
+            <a:r>
+              <a:rPr lang="en-US" sz="2400" dirty="0" smtClean="0"/>
+              <a:t>Her work </a:t>
+            </a:r>
+            <a:r>
+              <a:rPr lang="en-US" sz="2400" dirty="0"/>
+              <a:t>prevented an abort of the Apollo 11 Moon landing</a:t>
+            </a:r>
+          </a:p>
+          <a:p>
+            <a:r>
+              <a:rPr lang="en-US" sz="2400" dirty="0" smtClean="0"/>
+              <a:t>Founder </a:t>
+            </a:r>
+            <a:r>
+              <a:rPr lang="en-US" sz="2400" dirty="0"/>
+              <a:t>and CEO of Hamilton Technologies, </a:t>
+            </a:r>
+            <a:r>
+              <a:rPr lang="en-US" sz="2400" dirty="0" smtClean="0"/>
+              <a:t>Inc. </a:t>
+            </a:r>
+          </a:p>
+          <a:p>
+            <a:r>
+              <a:rPr lang="en-US" sz="2400" dirty="0"/>
+              <a:t>P</a:t>
+            </a:r>
+            <a:r>
+              <a:rPr lang="en-US" sz="2400" dirty="0" smtClean="0"/>
+              <a:t>ublished </a:t>
+            </a:r>
+            <a:r>
+              <a:rPr lang="en-US" sz="2400" dirty="0"/>
+              <a:t>over 130 papers, proceedings, and reports concerned with the 60 projects and six major programs in which she has been involved.</a:t>
+            </a:r>
+          </a:p>
+          <a:p>
+            <a:endParaRPr lang="he-IL" sz="2400" dirty="0"/>
+          </a:p>
+        </p:txBody>
+      </p:sp>
+      <p:sp>
+        <p:nvSpPr>
+          <p:cNvPr id="4" name="Slide Number Placeholder 3"/>
+          <p:cNvSpPr>
+            <a:spLocks noGrp="1"/>
+          </p:cNvSpPr>
+          <p:nvPr>
+            <p:ph type="sldNum" sz="quarter" idx="12"/>
+          </p:nvPr>
+        </p:nvSpPr>
+        <p:spPr/>
+        <p:txBody>
+          <a:bodyPr/>
+          <a:lstStyle/>
+          <a:p>
+            <a:pPr>
+              <a:defRPr/>
+            </a:pPr>
+            <a:fld id="{0A8B90AA-821F-4EBE-B194-E684C9B64E0A}" type="slidenum">
+              <a:rPr lang="ar-SA" smtClean="0"/>
+              <a:pPr>
+                <a:defRPr/>
+              </a:pPr>
+              <a:t>40</a:t>
+            </a:fld>
+            <a:endParaRPr lang="en-US"/>
+          </a:p>
+        </p:txBody>
+      </p:sp>
+      <p:pic>
+        <p:nvPicPr>
+          <p:cNvPr id="4098" name="Picture 2" descr="https://upload.wikimedia.org/wikipedia/commons/thumb/a/aa/Margaret_Hamilton_in_action.jpg/220px-Margaret_Hamilton_in_action.jpg"/>
+          <p:cNvPicPr>
+            <a:picLocks noChangeAspect="1" noChangeArrowheads="1"/>
+          </p:cNvPicPr>
+          <p:nvPr/>
+        </p:nvPicPr>
+        <p:blipFill>
+          <a:blip r:embed="rId2">
+            <a:extLst>
+              <a:ext uri="{28A0092B-C50C-407E-A947-70E740481C1C}">
+                <a14:useLocalDpi xmlns:a14="http://schemas.microsoft.com/office/drawing/2010/main" val="0"/>
+              </a:ext>
+            </a:extLst>
+          </a:blip>
+          <a:srcRect/>
+          <a:stretch>
+            <a:fillRect/>
+          </a:stretch>
+        </p:blipFill>
+        <p:spPr bwMode="auto">
+          <a:xfrm>
+            <a:off x="6819900" y="1647824"/>
+            <a:ext cx="2095500" cy="1628776"/>
+          </a:xfrm>
+          <a:prstGeom prst="rect">
+            <a:avLst/>
+          </a:prstGeom>
+          <a:noFill/>
+          <a:extLst>
+            <a:ext uri="{909E8E84-426E-40DD-AFC4-6F175D3DCCD1}">
+              <a14:hiddenFill xmlns:a14="http://schemas.microsoft.com/office/drawing/2010/main">
+                <a:solidFill>
+                  <a:srgbClr val="FFFFFF"/>
+                </a:solidFill>
+              </a14:hiddenFill>
+            </a:ext>
+          </a:extLst>
+        </p:spPr>
+      </p:pic>
+      <p:pic>
+        <p:nvPicPr>
+          <p:cNvPr id="4100" name="Picture 4" descr="https://upload.wikimedia.org/wikipedia/commons/thumb/2/2e/Margaret_Hamilton.gif/220px-Margaret_Hamilton.gif"/>
+          <p:cNvPicPr>
+            <a:picLocks noChangeAspect="1" noChangeArrowheads="1"/>
+          </p:cNvPicPr>
+          <p:nvPr/>
+        </p:nvPicPr>
+        <p:blipFill>
+          <a:blip r:embed="rId3">
+            <a:extLst>
+              <a:ext uri="{28A0092B-C50C-407E-A947-70E740481C1C}">
+                <a14:useLocalDpi xmlns:a14="http://schemas.microsoft.com/office/drawing/2010/main" val="0"/>
+              </a:ext>
+            </a:extLst>
+          </a:blip>
+          <a:srcRect/>
+          <a:stretch>
+            <a:fillRect/>
+          </a:stretch>
+        </p:blipFill>
+        <p:spPr bwMode="auto">
+          <a:xfrm>
+            <a:off x="6781800" y="3590924"/>
+            <a:ext cx="2095500" cy="2657476"/>
+          </a:xfrm>
+          <a:prstGeom prst="rect">
+            <a:avLst/>
+          </a:prstGeom>
+          <a:noFill/>
+          <a:extLst>
+            <a:ext uri="{909E8E84-426E-40DD-AFC4-6F175D3DCCD1}">
+              <a14:hiddenFill xmlns:a14="http://schemas.microsoft.com/office/drawing/2010/main">
+                <a:solidFill>
+                  <a:srgbClr val="FFFFFF"/>
+                </a:solidFill>
+              </a14:hiddenFill>
+            </a:ext>
+          </a:extLst>
+        </p:spPr>
+      </p:pic>
+    </p:spTree>
+    <p:extLst>
+      <p:ext uri="{BB962C8B-B14F-4D97-AF65-F5344CB8AC3E}">
+        <p14:creationId xmlns:p14="http://schemas.microsoft.com/office/powerpoint/2010/main" val="792655471"/>
+      </p:ext>
+    </p:extLst>
+  </p:cSld>
+  <p:clrMapOvr>
+    <a:masterClrMapping/>
+  </p:clrMapOvr>
+</p:sld>
+</file>
+
+<file path=ppt/slides/slide41.xml><?xml version="1.0" encoding="utf-8"?>
+<p:sld xmlns:a="http://schemas.openxmlformats.org/drawingml/2006/main" xmlns:r="http://schemas.openxmlformats.org/officeDocument/2006/relationships" xmlns:p="http://schemas.openxmlformats.org/presentationml/2006/main">
+  <p:cSld>
+    <p:spTree>
+      <p:nvGrpSpPr>
+        <p:cNvPr id="1" name=""/>
+        <p:cNvGrpSpPr/>
+        <p:nvPr/>
+      </p:nvGrpSpPr>
+      <p:grpSpPr>
+        <a:xfrm>
+          <a:off x="0" y="0"/>
+          <a:ext cx="0" cy="0"/>
+          <a:chOff x="0" y="0"/>
+          <a:chExt cx="0" cy="0"/>
+        </a:xfrm>
+      </p:grpSpPr>
+      <p:sp>
+        <p:nvSpPr>
+          <p:cNvPr id="41986" name="Slide Number Placeholder 5"/>
+          <p:cNvSpPr>
+            <a:spLocks noGrp="1"/>
+          </p:cNvSpPr>
+          <p:nvPr>
+            <p:ph type="sldNum" sz="quarter" idx="12"/>
+          </p:nvPr>
+        </p:nvSpPr>
+        <p:spPr>
+          <a:noFill/>
+          <a:ln/>
+          <a:extLst>
+            <a:ext uri="{909E8E84-426E-40DD-AFC4-6F175D3DCCD1}">
+              <a14:hiddenFill xmlns:a14="http://schemas.microsoft.com/office/drawing/2010/main">
+                <a:solidFill>
+                  <a:srgbClr val="FFFFFF"/>
+                </a:solidFill>
+              </a14:hiddenFill>
+            </a:ext>
+            <a:ext uri="{91240B29-F687-4F45-9708-019B960494DF}">
+              <a14:hiddenLine xmlns:a14="http://schemas.microsoft.com/office/drawing/2010/main" w="9525">
+                <a:solidFill>
+                  <a:srgbClr val="000000"/>
+                </a:solidFill>
+                <a:miter lim="800000"/>
+                <a:headEnd/>
+                <a:tailEnd/>
+              </a14:hiddenLine>
+            </a:ext>
+          </a:extLst>
+        </p:spPr>
+        <p:txBody>
+          <a:bodyPr/>
+          <a:lstStyle>
+            <a:lvl1pPr eaLnBrk="0" hangingPunct="0">
+              <a:defRPr>
+                <a:solidFill>
+                  <a:schemeClr val="tx1"/>
+                </a:solidFill>
+                <a:latin typeface="Arial" pitchFamily="34" charset="0"/>
+              </a:defRPr>
+            </a:lvl1pPr>
+            <a:lvl2pPr marL="742950" indent="-285750" eaLnBrk="0" hangingPunct="0">
+              <a:defRPr>
+                <a:solidFill>
+                  <a:schemeClr val="tx1"/>
+                </a:solidFill>
+                <a:latin typeface="Arial" pitchFamily="34" charset="0"/>
+              </a:defRPr>
+            </a:lvl2pPr>
+            <a:lvl3pPr marL="1143000" indent="-228600" eaLnBrk="0" hangingPunct="0">
+              <a:defRPr>
+                <a:solidFill>
+                  <a:schemeClr val="tx1"/>
+                </a:solidFill>
+                <a:latin typeface="Arial" pitchFamily="34" charset="0"/>
+              </a:defRPr>
+            </a:lvl3pPr>
+            <a:lvl4pPr marL="1600200" indent="-228600" eaLnBrk="0" hangingPunct="0">
+              <a:defRPr>
+                <a:solidFill>
+                  <a:schemeClr val="tx1"/>
+                </a:solidFill>
+                <a:latin typeface="Arial" pitchFamily="34" charset="0"/>
+              </a:defRPr>
+            </a:lvl4pPr>
+            <a:lvl5pPr marL="2057400" indent="-228600" eaLnBrk="0" hangingPunct="0">
+              <a:defRPr>
+                <a:solidFill>
+                  <a:schemeClr val="tx1"/>
+                </a:solidFill>
+                <a:latin typeface="Arial" pitchFamily="34" charset="0"/>
+              </a:defRPr>
+            </a:lvl5pPr>
+            <a:lvl6pPr marL="2514600" indent="-228600" algn="l" rtl="0" eaLnBrk="0" fontAlgn="base" hangingPunct="0">
+              <a:spcBef>
+                <a:spcPct val="50000"/>
+              </a:spcBef>
+              <a:spcAft>
+                <a:spcPct val="0"/>
+              </a:spcAft>
+              <a:defRPr>
+                <a:solidFill>
+                  <a:schemeClr val="tx1"/>
+                </a:solidFill>
+                <a:latin typeface="Arial" pitchFamily="34" charset="0"/>
+              </a:defRPr>
+            </a:lvl6pPr>
+            <a:lvl7pPr marL="2971800" indent="-228600" algn="l" rtl="0" eaLnBrk="0" fontAlgn="base" hangingPunct="0">
+              <a:spcBef>
+                <a:spcPct val="50000"/>
+              </a:spcBef>
+              <a:spcAft>
+                <a:spcPct val="0"/>
+              </a:spcAft>
+              <a:defRPr>
+                <a:solidFill>
+                  <a:schemeClr val="tx1"/>
+                </a:solidFill>
+                <a:latin typeface="Arial" pitchFamily="34" charset="0"/>
+              </a:defRPr>
+            </a:lvl7pPr>
+            <a:lvl8pPr marL="3429000" indent="-228600" algn="l" rtl="0" eaLnBrk="0" fontAlgn="base" hangingPunct="0">
+              <a:spcBef>
+                <a:spcPct val="50000"/>
+              </a:spcBef>
+              <a:spcAft>
+                <a:spcPct val="0"/>
+              </a:spcAft>
+              <a:defRPr>
+                <a:solidFill>
+                  <a:schemeClr val="tx1"/>
+                </a:solidFill>
+                <a:latin typeface="Arial" pitchFamily="34" charset="0"/>
+              </a:defRPr>
+            </a:lvl8pPr>
+            <a:lvl9pPr marL="3886200" indent="-228600" algn="l" rtl="0" eaLnBrk="0" fontAlgn="base" hangingPunct="0">
+              <a:spcBef>
+                <a:spcPct val="50000"/>
+              </a:spcBef>
+              <a:spcAft>
+                <a:spcPct val="0"/>
+              </a:spcAft>
+              <a:defRPr>
+                <a:solidFill>
+                  <a:schemeClr val="tx1"/>
+                </a:solidFill>
+                <a:latin typeface="Arial" pitchFamily="34" charset="0"/>
+              </a:defRPr>
+            </a:lvl9pPr>
+          </a:lstStyle>
+          <a:p>
+            <a:pPr eaLnBrk="1" hangingPunct="1"/>
+            <a:fld id="{1876DE79-3679-4297-8A98-FB7FBEB1D7E7}" type="slidenum">
+              <a:rPr lang="ar-SA" smtClean="0">
+                <a:cs typeface="Arial" pitchFamily="34" charset="0"/>
+              </a:rPr>
+              <a:pPr eaLnBrk="1" hangingPunct="1"/>
+              <a:t>41</a:t>
+            </a:fld>
+            <a:endParaRPr lang="en-US" smtClean="0">
+              <a:cs typeface="Arial" pitchFamily="34" charset="0"/>
+            </a:endParaRPr>
+          </a:p>
+        </p:txBody>
+      </p:sp>
+      <p:sp>
+        <p:nvSpPr>
+          <p:cNvPr id="41987" name="Rectangle 2"/>
+          <p:cNvSpPr>
+            <a:spLocks noChangeArrowheads="1"/>
+          </p:cNvSpPr>
+          <p:nvPr/>
+        </p:nvSpPr>
+        <p:spPr bwMode="auto">
+          <a:xfrm>
+            <a:off x="457200" y="274638"/>
+            <a:ext cx="8229600" cy="1143000"/>
+          </a:xfrm>
+          <a:prstGeom prst="rect">
+            <a:avLst/>
+          </a:prstGeom>
+          <a:noFill/>
+          <a:ln>
+            <a:noFill/>
+          </a:ln>
+          <a:extLst>
+            <a:ext uri="{909E8E84-426E-40DD-AFC4-6F175D3DCCD1}">
+              <a14:hiddenFill xmlns:a14="http://schemas.microsoft.com/office/drawing/2010/main">
+                <a:solidFill>
+                  <a:srgbClr val="FFFFFF"/>
+                </a:solidFill>
+              </a14:hiddenFill>
+            </a:ext>
+            <a:ext uri="{91240B29-F687-4F45-9708-019B960494DF}">
+              <a14:hiddenLine xmlns:a14="http://schemas.microsoft.com/office/drawing/2010/main" w="9525">
+                <a:solidFill>
+                  <a:srgbClr val="000000"/>
+                </a:solidFill>
+                <a:miter lim="800000"/>
+                <a:headEnd/>
+                <a:tailEnd/>
+              </a14:hiddenLine>
+            </a:ext>
+          </a:extLst>
+        </p:spPr>
+        <p:txBody>
+          <a:bodyPr anchor="ctr"/>
+          <a:lstStyle/>
+          <a:p>
+            <a:pPr algn="ctr">
+              <a:spcBef>
+                <a:spcPct val="0"/>
+              </a:spcBef>
+            </a:pPr>
+            <a:r>
+              <a:rPr lang="en-US" sz="4400">
+                <a:solidFill>
+                  <a:srgbClr val="CC0000"/>
+                </a:solidFill>
+                <a:latin typeface="Times New Roman" pitchFamily="18" charset="0"/>
+                <a:cs typeface="Times New Roman" pitchFamily="18" charset="0"/>
+              </a:rPr>
+              <a:t>Today</a:t>
+            </a:r>
+          </a:p>
+        </p:txBody>
+      </p:sp>
+      <p:sp>
+        <p:nvSpPr>
+          <p:cNvPr id="41988" name="Rectangle 3"/>
+          <p:cNvSpPr>
+            <a:spLocks noChangeArrowheads="1"/>
+          </p:cNvSpPr>
+          <p:nvPr/>
+        </p:nvSpPr>
+        <p:spPr bwMode="auto">
+          <a:xfrm>
+            <a:off x="609600" y="1295400"/>
+            <a:ext cx="8153400" cy="5029200"/>
+          </a:xfrm>
+          <a:prstGeom prst="rect">
+            <a:avLst/>
+          </a:prstGeom>
+          <a:noFill/>
+          <a:ln>
+            <a:noFill/>
+          </a:ln>
+          <a:extLst>
+            <a:ext uri="{909E8E84-426E-40DD-AFC4-6F175D3DCCD1}">
+              <a14:hiddenFill xmlns:a14="http://schemas.microsoft.com/office/drawing/2010/main">
+                <a:solidFill>
+                  <a:srgbClr val="FFFFFF"/>
+                </a:solidFill>
+              </a14:hiddenFill>
+            </a:ext>
+            <a:ext uri="{91240B29-F687-4F45-9708-019B960494DF}">
+              <a14:hiddenLine xmlns:a14="http://schemas.microsoft.com/office/drawing/2010/main" w="9525">
+                <a:solidFill>
+                  <a:srgbClr val="000000"/>
+                </a:solidFill>
+                <a:miter lim="800000"/>
+                <a:headEnd/>
+                <a:tailEnd/>
+              </a14:hiddenLine>
+            </a:ext>
+          </a:extLst>
+        </p:spPr>
+        <p:txBody>
+          <a:bodyPr/>
+          <a:lstStyle/>
+          <a:p>
+            <a:pPr>
+              <a:lnSpc>
+                <a:spcPct val="80000"/>
+              </a:lnSpc>
+              <a:spcBef>
+                <a:spcPct val="20000"/>
+              </a:spcBef>
+              <a:buFontTx/>
+              <a:buChar char="•"/>
+            </a:pPr>
+            <a:r>
+              <a:rPr lang="en-US" sz="3200" b="1" dirty="0" smtClean="0">
+                <a:solidFill>
+                  <a:srgbClr val="003399"/>
+                </a:solidFill>
+                <a:latin typeface="Times New Roman" pitchFamily="18" charset="0"/>
+                <a:cs typeface="Times New Roman" pitchFamily="18" charset="0"/>
+              </a:rPr>
+              <a:t> Review</a:t>
+            </a:r>
+          </a:p>
+          <a:p>
+            <a:pPr>
+              <a:lnSpc>
+                <a:spcPct val="80000"/>
+              </a:lnSpc>
+              <a:spcBef>
+                <a:spcPct val="20000"/>
+              </a:spcBef>
+              <a:buFontTx/>
+              <a:buChar char="•"/>
+            </a:pPr>
+            <a:r>
+              <a:rPr lang="en-US" sz="3200" b="1" dirty="0" smtClean="0">
+                <a:solidFill>
+                  <a:srgbClr val="003399"/>
+                </a:solidFill>
+                <a:latin typeface="Times New Roman" pitchFamily="18" charset="0"/>
+                <a:cs typeface="Times New Roman" pitchFamily="18" charset="0"/>
+              </a:rPr>
+              <a:t> Lists</a:t>
+            </a:r>
+          </a:p>
+          <a:p>
+            <a:pPr>
+              <a:lnSpc>
+                <a:spcPct val="80000"/>
+              </a:lnSpc>
+              <a:spcBef>
+                <a:spcPct val="20000"/>
+              </a:spcBef>
+              <a:buFontTx/>
+              <a:buChar char="•"/>
+            </a:pPr>
+            <a:r>
+              <a:rPr lang="en-US" sz="3200" b="1" dirty="0" smtClean="0">
+                <a:solidFill>
+                  <a:srgbClr val="003399"/>
+                </a:solidFill>
+                <a:latin typeface="Times New Roman" pitchFamily="18" charset="0"/>
+                <a:cs typeface="Times New Roman" pitchFamily="18" charset="0"/>
+              </a:rPr>
+              <a:t> Loops</a:t>
+            </a:r>
+          </a:p>
+          <a:p>
+            <a:pPr>
+              <a:lnSpc>
+                <a:spcPct val="80000"/>
+              </a:lnSpc>
+              <a:spcBef>
+                <a:spcPct val="20000"/>
+              </a:spcBef>
+              <a:buFontTx/>
+              <a:buChar char="•"/>
+            </a:pPr>
+            <a:r>
+              <a:rPr lang="en-US" sz="3200" b="1" dirty="0" smtClean="0">
+                <a:solidFill>
+                  <a:srgbClr val="003399"/>
+                </a:solidFill>
+                <a:latin typeface="Times New Roman" pitchFamily="18" charset="0"/>
+                <a:cs typeface="Times New Roman" pitchFamily="18" charset="0"/>
+              </a:rPr>
+              <a:t> Functions</a:t>
+            </a:r>
+          </a:p>
+          <a:p>
+            <a:pPr>
+              <a:lnSpc>
+                <a:spcPct val="80000"/>
+              </a:lnSpc>
+              <a:spcBef>
+                <a:spcPct val="20000"/>
+              </a:spcBef>
+              <a:buFontTx/>
+              <a:buChar char="•"/>
+            </a:pPr>
+            <a:r>
+              <a:rPr lang="en-US" sz="3200" dirty="0" smtClean="0">
+                <a:solidFill>
+                  <a:srgbClr val="003399"/>
+                </a:solidFill>
+                <a:latin typeface="Times New Roman" pitchFamily="18" charset="0"/>
+                <a:cs typeface="Times New Roman" pitchFamily="18" charset="0"/>
+              </a:rPr>
+              <a:t> Homework</a:t>
+            </a:r>
+          </a:p>
+          <a:p>
+            <a:pPr>
+              <a:lnSpc>
+                <a:spcPct val="80000"/>
+              </a:lnSpc>
+              <a:spcBef>
+                <a:spcPct val="20000"/>
+              </a:spcBef>
+              <a:buFontTx/>
+              <a:buChar char="•"/>
+            </a:pPr>
+            <a:r>
+              <a:rPr lang="en-US" sz="3200" dirty="0" smtClean="0">
+                <a:solidFill>
+                  <a:srgbClr val="003399"/>
+                </a:solidFill>
+                <a:latin typeface="Times New Roman" pitchFamily="18" charset="0"/>
+                <a:cs typeface="Times New Roman" pitchFamily="18" charset="0"/>
+              </a:rPr>
+              <a:t> Ehud </a:t>
+            </a:r>
+            <a:r>
+              <a:rPr lang="en-US" sz="3200" dirty="0" err="1">
+                <a:solidFill>
+                  <a:srgbClr val="003399"/>
+                </a:solidFill>
+                <a:latin typeface="Times New Roman" pitchFamily="18" charset="0"/>
+                <a:cs typeface="Times New Roman" pitchFamily="18" charset="0"/>
+              </a:rPr>
+              <a:t>Lamm</a:t>
+            </a:r>
+            <a:endParaRPr lang="en-US" sz="3200" dirty="0">
+              <a:solidFill>
+                <a:srgbClr val="003399"/>
+              </a:solidFill>
+              <a:latin typeface="Times New Roman" pitchFamily="18" charset="0"/>
+              <a:cs typeface="Times New Roman" pitchFamily="18" charset="0"/>
+            </a:endParaRPr>
+          </a:p>
+        </p:txBody>
+      </p:sp>
+    </p:spTree>
+  </p:cSld>
+  <p:clrMapOvr>
+    <a:masterClrMapping/>
+  </p:clrMapOvr>
+  <p:timing>
+    <p:tnLst>
+      <p:par>
+        <p:cTn id="1" dur="indefinite" restart="never" nodeType="tmRoot"/>
+      </p:par>
+    </p:tnLst>
+  </p:timing>
+</p:sld>
+</file>
+
+<file path=ppt/slides/slide42.xml><?xml version="1.0" encoding="utf-8"?>
+<p:sld xmlns:a="http://schemas.openxmlformats.org/drawingml/2006/main" xmlns:r="http://schemas.openxmlformats.org/officeDocument/2006/relationships" xmlns:p="http://schemas.openxmlformats.org/presentationml/2006/main">
+  <p:cSld>
+    <p:spTree>
+      <p:nvGrpSpPr>
+        <p:cNvPr id="1" name=""/>
+        <p:cNvGrpSpPr/>
+        <p:nvPr/>
+      </p:nvGrpSpPr>
+      <p:grpSpPr>
+        <a:xfrm>
+          <a:off x="0" y="0"/>
+          <a:ext cx="0" cy="0"/>
+          <a:chOff x="0" y="0"/>
+          <a:chExt cx="0" cy="0"/>
+        </a:xfrm>
+      </p:grpSpPr>
+      <p:sp>
+        <p:nvSpPr>
+          <p:cNvPr id="43010" name="Slide Number Placeholder 5"/>
+          <p:cNvSpPr>
+            <a:spLocks noGrp="1"/>
+          </p:cNvSpPr>
+          <p:nvPr>
+            <p:ph type="sldNum" sz="quarter" idx="12"/>
+          </p:nvPr>
+        </p:nvSpPr>
+        <p:spPr>
+          <a:noFill/>
+          <a:ln/>
+          <a:extLst>
+            <a:ext uri="{909E8E84-426E-40DD-AFC4-6F175D3DCCD1}">
+              <a14:hiddenFill xmlns:a14="http://schemas.microsoft.com/office/drawing/2010/main">
+                <a:solidFill>
+                  <a:srgbClr val="FFFFFF"/>
+                </a:solidFill>
+              </a14:hiddenFill>
+            </a:ext>
+            <a:ext uri="{91240B29-F687-4F45-9708-019B960494DF}">
+              <a14:hiddenLine xmlns:a14="http://schemas.microsoft.com/office/drawing/2010/main" w="9525">
+                <a:solidFill>
+                  <a:srgbClr val="000000"/>
+                </a:solidFill>
+                <a:miter lim="800000"/>
+                <a:headEnd/>
+                <a:tailEnd/>
+              </a14:hiddenLine>
+            </a:ext>
+          </a:extLst>
+        </p:spPr>
+        <p:txBody>
+          <a:bodyPr/>
+          <a:lstStyle>
+            <a:lvl1pPr eaLnBrk="0" hangingPunct="0">
+              <a:defRPr>
+                <a:solidFill>
+                  <a:schemeClr val="tx1"/>
+                </a:solidFill>
+                <a:latin typeface="Arial" pitchFamily="34" charset="0"/>
+              </a:defRPr>
+            </a:lvl1pPr>
+            <a:lvl2pPr marL="742950" indent="-285750" eaLnBrk="0" hangingPunct="0">
+              <a:defRPr>
+                <a:solidFill>
+                  <a:schemeClr val="tx1"/>
+                </a:solidFill>
+                <a:latin typeface="Arial" pitchFamily="34" charset="0"/>
+              </a:defRPr>
+            </a:lvl2pPr>
+            <a:lvl3pPr marL="1143000" indent="-228600" eaLnBrk="0" hangingPunct="0">
+              <a:defRPr>
+                <a:solidFill>
+                  <a:schemeClr val="tx1"/>
+                </a:solidFill>
+                <a:latin typeface="Arial" pitchFamily="34" charset="0"/>
+              </a:defRPr>
+            </a:lvl3pPr>
+            <a:lvl4pPr marL="1600200" indent="-228600" eaLnBrk="0" hangingPunct="0">
+              <a:defRPr>
+                <a:solidFill>
+                  <a:schemeClr val="tx1"/>
+                </a:solidFill>
+                <a:latin typeface="Arial" pitchFamily="34" charset="0"/>
+              </a:defRPr>
+            </a:lvl4pPr>
+            <a:lvl5pPr marL="2057400" indent="-228600" eaLnBrk="0" hangingPunct="0">
+              <a:defRPr>
+                <a:solidFill>
+                  <a:schemeClr val="tx1"/>
+                </a:solidFill>
+                <a:latin typeface="Arial" pitchFamily="34" charset="0"/>
+              </a:defRPr>
+            </a:lvl5pPr>
+            <a:lvl6pPr marL="2514600" indent="-228600" algn="l" rtl="0" eaLnBrk="0" fontAlgn="base" hangingPunct="0">
+              <a:spcBef>
+                <a:spcPct val="50000"/>
+              </a:spcBef>
+              <a:spcAft>
+                <a:spcPct val="0"/>
+              </a:spcAft>
+              <a:defRPr>
+                <a:solidFill>
+                  <a:schemeClr val="tx1"/>
+                </a:solidFill>
+                <a:latin typeface="Arial" pitchFamily="34" charset="0"/>
+              </a:defRPr>
+            </a:lvl6pPr>
+            <a:lvl7pPr marL="2971800" indent="-228600" algn="l" rtl="0" eaLnBrk="0" fontAlgn="base" hangingPunct="0">
+              <a:spcBef>
+                <a:spcPct val="50000"/>
+              </a:spcBef>
+              <a:spcAft>
+                <a:spcPct val="0"/>
+              </a:spcAft>
+              <a:defRPr>
+                <a:solidFill>
+                  <a:schemeClr val="tx1"/>
+                </a:solidFill>
+                <a:latin typeface="Arial" pitchFamily="34" charset="0"/>
+              </a:defRPr>
+            </a:lvl7pPr>
+            <a:lvl8pPr marL="3429000" indent="-228600" algn="l" rtl="0" eaLnBrk="0" fontAlgn="base" hangingPunct="0">
+              <a:spcBef>
+                <a:spcPct val="50000"/>
+              </a:spcBef>
+              <a:spcAft>
+                <a:spcPct val="0"/>
+              </a:spcAft>
+              <a:defRPr>
+                <a:solidFill>
+                  <a:schemeClr val="tx1"/>
+                </a:solidFill>
+                <a:latin typeface="Arial" pitchFamily="34" charset="0"/>
+              </a:defRPr>
+            </a:lvl8pPr>
+            <a:lvl9pPr marL="3886200" indent="-228600" algn="l" rtl="0" eaLnBrk="0" fontAlgn="base" hangingPunct="0">
+              <a:spcBef>
+                <a:spcPct val="50000"/>
+              </a:spcBef>
+              <a:spcAft>
+                <a:spcPct val="0"/>
+              </a:spcAft>
+              <a:defRPr>
+                <a:solidFill>
+                  <a:schemeClr val="tx1"/>
+                </a:solidFill>
+                <a:latin typeface="Arial" pitchFamily="34" charset="0"/>
+              </a:defRPr>
+            </a:lvl9pPr>
+          </a:lstStyle>
+          <a:p>
+            <a:pPr eaLnBrk="1" hangingPunct="1"/>
+            <a:fld id="{5CC0FD26-18C8-4515-9F58-C4A3F0DEE224}" type="slidenum">
+              <a:rPr lang="he-IL" smtClean="0">
+                <a:cs typeface="Arial" pitchFamily="34" charset="0"/>
+              </a:rPr>
+              <a:pPr eaLnBrk="1" hangingPunct="1"/>
+              <a:t>42</a:t>
+            </a:fld>
+            <a:endParaRPr lang="en-US" smtClean="0">
+              <a:cs typeface="Arial" pitchFamily="34" charset="0"/>
+            </a:endParaRPr>
+          </a:p>
+        </p:txBody>
+      </p:sp>
+      <p:sp>
+        <p:nvSpPr>
+          <p:cNvPr id="43011" name="Rectangle 2"/>
+          <p:cNvSpPr>
+            <a:spLocks noGrp="1" noChangeArrowheads="1"/>
+          </p:cNvSpPr>
+          <p:nvPr>
+            <p:ph type="title"/>
+          </p:nvPr>
+        </p:nvSpPr>
+        <p:spPr/>
+        <p:txBody>
+          <a:bodyPr/>
+          <a:lstStyle/>
+          <a:p>
+            <a:pPr eaLnBrk="1" hangingPunct="1"/>
+            <a:r>
+              <a:rPr lang="en-US" smtClean="0">
+                <a:latin typeface="Times New Roman" pitchFamily="18" charset="0"/>
+                <a:cs typeface="Times New Roman" pitchFamily="18" charset="0"/>
+              </a:rPr>
+              <a:t>Exercise – Integer Division</a:t>
+            </a:r>
+          </a:p>
+        </p:txBody>
+      </p:sp>
+      <p:sp>
+        <p:nvSpPr>
+          <p:cNvPr id="43012" name="Rectangle 3"/>
+          <p:cNvSpPr>
+            <a:spLocks noGrp="1" noChangeArrowheads="1"/>
+          </p:cNvSpPr>
+          <p:nvPr>
+            <p:ph type="body" idx="1"/>
+          </p:nvPr>
+        </p:nvSpPr>
+        <p:spPr/>
+        <p:txBody>
+          <a:bodyPr/>
+          <a:lstStyle/>
+          <a:p>
+            <a:pPr eaLnBrk="1" hangingPunct="1"/>
+            <a:r>
+              <a:rPr lang="en-US" dirty="0" smtClean="0">
+                <a:latin typeface="Times New Roman" pitchFamily="18" charset="0"/>
+                <a:cs typeface="Times New Roman" pitchFamily="18" charset="0"/>
+              </a:rPr>
+              <a:t>Input:</a:t>
+            </a:r>
+          </a:p>
+          <a:p>
+            <a:pPr lvl="1" eaLnBrk="1" hangingPunct="1"/>
+            <a:r>
+              <a:rPr lang="en-US" dirty="0" smtClean="0">
+                <a:latin typeface="Times New Roman" pitchFamily="18" charset="0"/>
+                <a:cs typeface="Times New Roman" pitchFamily="18" charset="0"/>
+              </a:rPr>
+              <a:t>Two positive integers – A and B</a:t>
+            </a:r>
+          </a:p>
+          <a:p>
+            <a:pPr eaLnBrk="1" hangingPunct="1"/>
+            <a:r>
+              <a:rPr lang="en-US" dirty="0" smtClean="0">
+                <a:latin typeface="Times New Roman" pitchFamily="18" charset="0"/>
+                <a:cs typeface="Times New Roman" pitchFamily="18" charset="0"/>
+              </a:rPr>
+              <a:t>Output:</a:t>
+            </a:r>
+          </a:p>
+          <a:p>
+            <a:pPr lvl="1" eaLnBrk="1" hangingPunct="1"/>
+            <a:r>
+              <a:rPr lang="en-US" dirty="0" smtClean="0">
+                <a:latin typeface="Times New Roman" pitchFamily="18" charset="0"/>
+                <a:cs typeface="Times New Roman" pitchFamily="18" charset="0"/>
+              </a:rPr>
+              <a:t>How many times A contains B (the result of the integer division A//B)</a:t>
+            </a:r>
+          </a:p>
+          <a:p>
+            <a:pPr eaLnBrk="1" hangingPunct="1"/>
+            <a:r>
+              <a:rPr lang="en-US" dirty="0" smtClean="0">
+                <a:latin typeface="Times New Roman" pitchFamily="18" charset="0"/>
+                <a:cs typeface="Times New Roman" pitchFamily="18" charset="0"/>
+              </a:rPr>
+              <a:t>Do not use the operators ‘/’, ‘//’, ‘*’</a:t>
+            </a:r>
+          </a:p>
+          <a:p>
+            <a:pPr lvl="1" eaLnBrk="1" hangingPunct="1"/>
+            <a:endParaRPr lang="en-US" dirty="0" smtClean="0">
+              <a:latin typeface="Times New Roman" pitchFamily="18" charset="0"/>
+              <a:cs typeface="Times New Roman" pitchFamily="18" charset="0"/>
+            </a:endParaRPr>
+          </a:p>
+        </p:txBody>
+      </p:sp>
+    </p:spTree>
+  </p:cSld>
+  <p:clrMapOvr>
+    <a:masterClrMapping/>
+  </p:clrMapOvr>
+  <p:timing>
+    <p:tnLst>
+      <p:par>
+        <p:cTn id="1" dur="indefinite" restart="never" nodeType="tmRoot"/>
+      </p:par>
+    </p:tnLst>
+  </p:timing>
+</p:sld>
+</file>
+
+<file path=ppt/slides/slide43.xml><?xml version="1.0" encoding="utf-8"?>
+<p:sld xmlns:a="http://schemas.openxmlformats.org/drawingml/2006/main" xmlns:r="http://schemas.openxmlformats.org/officeDocument/2006/relationships" xmlns:p="http://schemas.openxmlformats.org/presentationml/2006/main">
+  <p:cSld>
+    <p:spTree>
+      <p:nvGrpSpPr>
+        <p:cNvPr id="1" name=""/>
+        <p:cNvGrpSpPr/>
+        <p:nvPr/>
+      </p:nvGrpSpPr>
+      <p:grpSpPr>
+        <a:xfrm>
+          <a:off x="0" y="0"/>
+          <a:ext cx="0" cy="0"/>
+          <a:chOff x="0" y="0"/>
+          <a:chExt cx="0" cy="0"/>
+        </a:xfrm>
+      </p:grpSpPr>
+      <p:sp>
+        <p:nvSpPr>
+          <p:cNvPr id="44034" name="Slide Number Placeholder 5"/>
+          <p:cNvSpPr>
+            <a:spLocks noGrp="1"/>
+          </p:cNvSpPr>
+          <p:nvPr>
+            <p:ph type="sldNum" sz="quarter" idx="12"/>
+          </p:nvPr>
+        </p:nvSpPr>
+        <p:spPr>
+          <a:noFill/>
+          <a:ln/>
+          <a:extLst>
+            <a:ext uri="{909E8E84-426E-40DD-AFC4-6F175D3DCCD1}">
+              <a14:hiddenFill xmlns:a14="http://schemas.microsoft.com/office/drawing/2010/main">
+                <a:solidFill>
+                  <a:srgbClr val="FFFFFF"/>
+                </a:solidFill>
+              </a14:hiddenFill>
+            </a:ext>
+            <a:ext uri="{91240B29-F687-4F45-9708-019B960494DF}">
+              <a14:hiddenLine xmlns:a14="http://schemas.microsoft.com/office/drawing/2010/main" w="9525">
+                <a:solidFill>
+                  <a:srgbClr val="000000"/>
+                </a:solidFill>
+                <a:miter lim="800000"/>
+                <a:headEnd/>
+                <a:tailEnd/>
+              </a14:hiddenLine>
+            </a:ext>
+          </a:extLst>
+        </p:spPr>
+        <p:txBody>
+          <a:bodyPr/>
+          <a:lstStyle>
+            <a:lvl1pPr eaLnBrk="0" hangingPunct="0">
+              <a:defRPr>
+                <a:solidFill>
+                  <a:schemeClr val="tx1"/>
+                </a:solidFill>
+                <a:latin typeface="Arial" pitchFamily="34" charset="0"/>
+              </a:defRPr>
+            </a:lvl1pPr>
+            <a:lvl2pPr marL="742950" indent="-285750" eaLnBrk="0" hangingPunct="0">
+              <a:defRPr>
+                <a:solidFill>
+                  <a:schemeClr val="tx1"/>
+                </a:solidFill>
+                <a:latin typeface="Arial" pitchFamily="34" charset="0"/>
+              </a:defRPr>
+            </a:lvl2pPr>
+            <a:lvl3pPr marL="1143000" indent="-228600" eaLnBrk="0" hangingPunct="0">
+              <a:defRPr>
+                <a:solidFill>
+                  <a:schemeClr val="tx1"/>
+                </a:solidFill>
+                <a:latin typeface="Arial" pitchFamily="34" charset="0"/>
+              </a:defRPr>
+            </a:lvl3pPr>
+            <a:lvl4pPr marL="1600200" indent="-228600" eaLnBrk="0" hangingPunct="0">
+              <a:defRPr>
+                <a:solidFill>
+                  <a:schemeClr val="tx1"/>
+                </a:solidFill>
+                <a:latin typeface="Arial" pitchFamily="34" charset="0"/>
+              </a:defRPr>
+            </a:lvl4pPr>
+            <a:lvl5pPr marL="2057400" indent="-228600" eaLnBrk="0" hangingPunct="0">
+              <a:defRPr>
+                <a:solidFill>
+                  <a:schemeClr val="tx1"/>
+                </a:solidFill>
+                <a:latin typeface="Arial" pitchFamily="34" charset="0"/>
+              </a:defRPr>
+            </a:lvl5pPr>
+            <a:lvl6pPr marL="2514600" indent="-228600" algn="l" rtl="0" eaLnBrk="0" fontAlgn="base" hangingPunct="0">
+              <a:spcBef>
+                <a:spcPct val="50000"/>
+              </a:spcBef>
+              <a:spcAft>
+                <a:spcPct val="0"/>
+              </a:spcAft>
+              <a:defRPr>
+                <a:solidFill>
+                  <a:schemeClr val="tx1"/>
+                </a:solidFill>
+                <a:latin typeface="Arial" pitchFamily="34" charset="0"/>
+              </a:defRPr>
+            </a:lvl6pPr>
+            <a:lvl7pPr marL="2971800" indent="-228600" algn="l" rtl="0" eaLnBrk="0" fontAlgn="base" hangingPunct="0">
+              <a:spcBef>
+                <a:spcPct val="50000"/>
+              </a:spcBef>
+              <a:spcAft>
+                <a:spcPct val="0"/>
+              </a:spcAft>
+              <a:defRPr>
+                <a:solidFill>
+                  <a:schemeClr val="tx1"/>
+                </a:solidFill>
+                <a:latin typeface="Arial" pitchFamily="34" charset="0"/>
+              </a:defRPr>
+            </a:lvl7pPr>
+            <a:lvl8pPr marL="3429000" indent="-228600" algn="l" rtl="0" eaLnBrk="0" fontAlgn="base" hangingPunct="0">
+              <a:spcBef>
+                <a:spcPct val="50000"/>
+              </a:spcBef>
+              <a:spcAft>
+                <a:spcPct val="0"/>
+              </a:spcAft>
+              <a:defRPr>
+                <a:solidFill>
+                  <a:schemeClr val="tx1"/>
+                </a:solidFill>
+                <a:latin typeface="Arial" pitchFamily="34" charset="0"/>
+              </a:defRPr>
+            </a:lvl8pPr>
+            <a:lvl9pPr marL="3886200" indent="-228600" algn="l" rtl="0" eaLnBrk="0" fontAlgn="base" hangingPunct="0">
+              <a:spcBef>
+                <a:spcPct val="50000"/>
+              </a:spcBef>
+              <a:spcAft>
+                <a:spcPct val="0"/>
+              </a:spcAft>
+              <a:defRPr>
+                <a:solidFill>
+                  <a:schemeClr val="tx1"/>
+                </a:solidFill>
+                <a:latin typeface="Arial" pitchFamily="34" charset="0"/>
+              </a:defRPr>
+            </a:lvl9pPr>
+          </a:lstStyle>
+          <a:p>
+            <a:pPr eaLnBrk="1" hangingPunct="1"/>
+            <a:fld id="{B31B6C7A-D4C5-4ABF-8C24-9CD6325CEEC1}" type="slidenum">
+              <a:rPr lang="he-IL" smtClean="0">
+                <a:cs typeface="Arial" pitchFamily="34" charset="0"/>
+              </a:rPr>
+              <a:pPr eaLnBrk="1" hangingPunct="1"/>
+              <a:t>43</a:t>
+            </a:fld>
+            <a:endParaRPr lang="en-US" smtClean="0">
+              <a:cs typeface="Arial" pitchFamily="34" charset="0"/>
+            </a:endParaRPr>
+          </a:p>
+        </p:txBody>
+      </p:sp>
+      <p:sp>
+        <p:nvSpPr>
+          <p:cNvPr id="44035" name="Rectangle 2"/>
+          <p:cNvSpPr>
+            <a:spLocks noGrp="1" noChangeArrowheads="1"/>
+          </p:cNvSpPr>
+          <p:nvPr>
+            <p:ph type="title"/>
+          </p:nvPr>
+        </p:nvSpPr>
+        <p:spPr/>
+        <p:txBody>
+          <a:bodyPr/>
+          <a:lstStyle/>
+          <a:p>
+            <a:pPr eaLnBrk="1" hangingPunct="1"/>
+            <a:r>
+              <a:rPr lang="en-US" smtClean="0">
+                <a:latin typeface="Times New Roman" pitchFamily="18" charset="0"/>
+                <a:cs typeface="Times New Roman" pitchFamily="18" charset="0"/>
+              </a:rPr>
+              <a:t>Exercise – Power of Two</a:t>
+            </a:r>
+          </a:p>
+        </p:txBody>
+      </p:sp>
+      <p:sp>
+        <p:nvSpPr>
+          <p:cNvPr id="44036" name="Rectangle 3"/>
+          <p:cNvSpPr>
+            <a:spLocks noGrp="1" noChangeArrowheads="1"/>
+          </p:cNvSpPr>
+          <p:nvPr>
+            <p:ph type="body" idx="1"/>
+          </p:nvPr>
+        </p:nvSpPr>
+        <p:spPr>
+          <a:xfrm>
+            <a:off x="152400" y="1600200"/>
+            <a:ext cx="8763000" cy="4525963"/>
+          </a:xfrm>
+        </p:spPr>
+        <p:txBody>
+          <a:bodyPr/>
+          <a:lstStyle/>
+          <a:p>
+            <a:pPr eaLnBrk="1" hangingPunct="1"/>
+            <a:r>
+              <a:rPr lang="en-US" dirty="0" smtClean="0">
+                <a:latin typeface="Times New Roman" pitchFamily="18" charset="0"/>
+                <a:cs typeface="Times New Roman" pitchFamily="18" charset="0"/>
+              </a:rPr>
+              <a:t>Input: positive integer A</a:t>
+            </a:r>
+          </a:p>
+          <a:p>
+            <a:pPr eaLnBrk="1" hangingPunct="1"/>
+            <a:r>
+              <a:rPr lang="en-US" dirty="0" smtClean="0">
+                <a:latin typeface="Times New Roman" pitchFamily="18" charset="0"/>
+                <a:cs typeface="Times New Roman" pitchFamily="18" charset="0"/>
+              </a:rPr>
+              <a:t>Output:</a:t>
+            </a:r>
+          </a:p>
+          <a:p>
+            <a:pPr eaLnBrk="1" hangingPunct="1">
+              <a:buFontTx/>
+              <a:buNone/>
+            </a:pPr>
+            <a:r>
+              <a:rPr lang="en-US" dirty="0" smtClean="0">
+                <a:latin typeface="Times New Roman" pitchFamily="18" charset="0"/>
+                <a:cs typeface="Times New Roman" pitchFamily="18" charset="0"/>
+              </a:rPr>
+              <a:t>	 If there is an integer n such that A == 2</a:t>
+            </a:r>
+            <a:r>
+              <a:rPr lang="en-US" baseline="30000" dirty="0" smtClean="0">
+                <a:latin typeface="Times New Roman" pitchFamily="18" charset="0"/>
+                <a:cs typeface="Times New Roman" pitchFamily="18" charset="0"/>
+              </a:rPr>
+              <a:t>n </a:t>
+            </a:r>
+            <a:r>
+              <a:rPr lang="en-US" dirty="0" smtClean="0">
+                <a:latin typeface="Times New Roman" pitchFamily="18" charset="0"/>
+                <a:cs typeface="Times New Roman" pitchFamily="18" charset="0"/>
+              </a:rPr>
+              <a:t>:</a:t>
+            </a:r>
+          </a:p>
+          <a:p>
+            <a:pPr eaLnBrk="1" hangingPunct="1">
+              <a:buFontTx/>
+              <a:buNone/>
+            </a:pPr>
+            <a:r>
+              <a:rPr lang="en-US" dirty="0" smtClean="0">
+                <a:latin typeface="Times New Roman" pitchFamily="18" charset="0"/>
+                <a:cs typeface="Times New Roman" pitchFamily="18" charset="0"/>
+              </a:rPr>
+              <a:t>		return True</a:t>
+            </a:r>
+          </a:p>
+          <a:p>
+            <a:pPr eaLnBrk="1" hangingPunct="1">
+              <a:buFontTx/>
+              <a:buNone/>
+            </a:pPr>
+            <a:r>
+              <a:rPr lang="en-US" dirty="0" smtClean="0">
+                <a:latin typeface="Times New Roman" pitchFamily="18" charset="0"/>
+                <a:cs typeface="Times New Roman" pitchFamily="18" charset="0"/>
+              </a:rPr>
+              <a:t>	Otherwise, return False.</a:t>
+            </a:r>
+          </a:p>
+        </p:txBody>
+      </p:sp>
+    </p:spTree>
+  </p:cSld>
+  <p:clrMapOvr>
+    <a:masterClrMapping/>
+  </p:clrMapOvr>
+  <p:timing>
+    <p:tnLst>
+      <p:par>
+        <p:cTn id="1" dur="indefinite" restart="never" nodeType="tmRoot"/>
+      </p:par>
+    </p:tnLst>
+  </p:timing>
+</p:sld>
+</file>
+
+<file path=ppt/slides/slide44.xml><?xml version="1.0" encoding="utf-8"?>
+<p:sld xmlns:a="http://schemas.openxmlformats.org/drawingml/2006/main" xmlns:r="http://schemas.openxmlformats.org/officeDocument/2006/relationships" xmlns:p="http://schemas.openxmlformats.org/presentationml/2006/main">
+  <p:cSld>
+    <p:spTree>
+      <p:nvGrpSpPr>
+        <p:cNvPr id="1" name=""/>
+        <p:cNvGrpSpPr/>
+        <p:nvPr/>
+      </p:nvGrpSpPr>
+      <p:grpSpPr>
+        <a:xfrm>
+          <a:off x="0" y="0"/>
+          <a:ext cx="0" cy="0"/>
+          <a:chOff x="0" y="0"/>
+          <a:chExt cx="0" cy="0"/>
+        </a:xfrm>
+      </p:grpSpPr>
+      <p:sp>
+        <p:nvSpPr>
           <p:cNvPr id="45058" name="Slide Number Placeholder 5"/>
           <p:cNvSpPr>
             <a:spLocks noGrp="1"/>
@@ -32803,7 +34160,7 @@
                 <a:cs typeface="Arial" pitchFamily="34" charset="0"/>
               </a:rPr>
               <a:pPr eaLnBrk="1" hangingPunct="1"/>
-              <a:t>40</a:t>
+              <a:t>44</a:t>
             </a:fld>
             <a:endParaRPr lang="en-US" smtClean="0">
               <a:cs typeface="Arial" pitchFamily="34" charset="0"/>
@@ -34267,7 +35624,7 @@
 </p:sld>
 </file>
 
-<file path=ppt/slides/slide41.xml><?xml version="1.0" encoding="utf-8"?>
+<file path=ppt/slides/slide45.xml><?xml version="1.0" encoding="utf-8"?>
 <p:sld xmlns:a="http://schemas.openxmlformats.org/drawingml/2006/main" xmlns:r="http://schemas.openxmlformats.org/officeDocument/2006/relationships" xmlns:p="http://schemas.openxmlformats.org/presentationml/2006/main">
   <p:cSld>
     <p:spTree>
@@ -34424,7 +35781,7 @@
                 <a:cs typeface="Arial" pitchFamily="34" charset="0"/>
               </a:rPr>
               <a:pPr eaLnBrk="1" hangingPunct="1"/>
-              <a:t>41</a:t>
+              <a:t>45</a:t>
             </a:fld>
             <a:endParaRPr lang="en-US" smtClean="0">
               <a:cs typeface="Arial" pitchFamily="34" charset="0"/>
@@ -34978,13 +36335,6 @@
               </a:rPr>
               <a:t>add</a:t>
             </a:r>
-            <a:endParaRPr lang="en-US" sz="2400" dirty="0" smtClean="0">
-              <a:solidFill>
-                <a:srgbClr val="007635"/>
-              </a:solidFill>
-              <a:latin typeface="Arial" pitchFamily="34" charset="0"/>
-              <a:cs typeface="Arial" pitchFamily="34" charset="0"/>
-            </a:endParaRPr>
           </a:p>
           <a:p>
             <a:pPr>
@@ -35009,13 +36359,6 @@
               </a:rPr>
               <a:t>reduce</a:t>
             </a:r>
-            <a:endParaRPr lang="en-US" sz="2400" dirty="0" smtClean="0">
-              <a:solidFill>
-                <a:srgbClr val="007635"/>
-              </a:solidFill>
-              <a:latin typeface="Arial" pitchFamily="34" charset="0"/>
-              <a:cs typeface="Arial" pitchFamily="34" charset="0"/>
-            </a:endParaRPr>
           </a:p>
           <a:p>
             <a:pPr>
@@ -35413,6 +36756,311 @@
       </p:grpSpPr>
       <p:sp>
         <p:nvSpPr>
+          <p:cNvPr id="2" name="Title 1"/>
+          <p:cNvSpPr>
+            <a:spLocks noGrp="1"/>
+          </p:cNvSpPr>
+          <p:nvPr>
+            <p:ph type="title"/>
+          </p:nvPr>
+        </p:nvSpPr>
+        <p:spPr/>
+        <p:txBody>
+          <a:bodyPr/>
+          <a:lstStyle/>
+          <a:p>
+            <a:r>
+              <a:rPr lang="en-US" dirty="0" smtClean="0"/>
+              <a:t>Alan Turing</a:t>
+            </a:r>
+            <a:endParaRPr lang="he-IL" dirty="0"/>
+          </a:p>
+        </p:txBody>
+      </p:sp>
+      <p:sp>
+        <p:nvSpPr>
+          <p:cNvPr id="3" name="Content Placeholder 2"/>
+          <p:cNvSpPr>
+            <a:spLocks noGrp="1"/>
+          </p:cNvSpPr>
+          <p:nvPr>
+            <p:ph idx="1"/>
+          </p:nvPr>
+        </p:nvSpPr>
+        <p:spPr/>
+        <p:txBody>
+          <a:bodyPr/>
+          <a:lstStyle/>
+          <a:p>
+            <a:r>
+              <a:rPr lang="en-US" sz="2800" dirty="0" smtClean="0">
+                <a:solidFill>
+                  <a:schemeClr val="tx1"/>
+                </a:solidFill>
+              </a:rPr>
+              <a:t>23 </a:t>
+            </a:r>
+            <a:r>
+              <a:rPr lang="en-US" sz="2800" dirty="0">
+                <a:solidFill>
+                  <a:schemeClr val="tx1"/>
+                </a:solidFill>
+              </a:rPr>
+              <a:t>June 1912 – 7 June </a:t>
+            </a:r>
+            <a:r>
+              <a:rPr lang="en-US" sz="2800" dirty="0" smtClean="0">
+                <a:solidFill>
+                  <a:schemeClr val="tx1"/>
+                </a:solidFill>
+              </a:rPr>
+              <a:t>1954</a:t>
+            </a:r>
+          </a:p>
+          <a:p>
+            <a:r>
+              <a:rPr lang="en-US" sz="2800" dirty="0" smtClean="0">
+                <a:solidFill>
+                  <a:schemeClr val="tx1"/>
+                </a:solidFill>
+              </a:rPr>
+              <a:t>British </a:t>
+            </a:r>
+          </a:p>
+          <a:p>
+            <a:r>
+              <a:rPr lang="en-US" sz="2800" dirty="0" smtClean="0">
+                <a:solidFill>
+                  <a:schemeClr val="tx1"/>
+                </a:solidFill>
+              </a:rPr>
+              <a:t>Pioneering </a:t>
+            </a:r>
+            <a:r>
+              <a:rPr lang="en-US" sz="2800" dirty="0">
+                <a:solidFill>
+                  <a:schemeClr val="tx1"/>
+                </a:solidFill>
+              </a:rPr>
+              <a:t>computer scientist, mathematician, logician, cryptanalyst, mathematical biologist, and marathon and ultra distance runner. </a:t>
+            </a:r>
+            <a:endParaRPr lang="en-US" sz="2800" dirty="0" smtClean="0">
+              <a:solidFill>
+                <a:schemeClr val="tx1"/>
+              </a:solidFill>
+            </a:endParaRPr>
+          </a:p>
+          <a:p>
+            <a:r>
+              <a:rPr lang="en-US" sz="2800" dirty="0" err="1" smtClean="0">
+                <a:solidFill>
+                  <a:schemeClr val="tx1"/>
+                </a:solidFill>
+              </a:rPr>
+              <a:t>Formalisation</a:t>
+            </a:r>
+            <a:r>
+              <a:rPr lang="en-US" sz="2800" dirty="0" smtClean="0">
+                <a:solidFill>
+                  <a:schemeClr val="tx1"/>
+                </a:solidFill>
+              </a:rPr>
+              <a:t> </a:t>
+            </a:r>
+            <a:r>
+              <a:rPr lang="en-US" sz="2800" dirty="0">
+                <a:solidFill>
+                  <a:schemeClr val="tx1"/>
+                </a:solidFill>
+              </a:rPr>
+              <a:t>of the concepts of algorithm and computation with the Turing </a:t>
+            </a:r>
+            <a:r>
+              <a:rPr lang="en-US" sz="2800" dirty="0" smtClean="0">
+                <a:solidFill>
+                  <a:schemeClr val="tx1"/>
+                </a:solidFill>
+              </a:rPr>
+              <a:t>machine</a:t>
+            </a:r>
+            <a:endParaRPr lang="en-US" sz="2800" dirty="0">
+              <a:solidFill>
+                <a:schemeClr val="tx1"/>
+              </a:solidFill>
+            </a:endParaRPr>
+          </a:p>
+          <a:p>
+            <a:r>
+              <a:rPr lang="en-US" sz="2800" dirty="0" smtClean="0">
+                <a:solidFill>
+                  <a:schemeClr val="tx1"/>
+                </a:solidFill>
+              </a:rPr>
+              <a:t>Father </a:t>
+            </a:r>
+            <a:r>
+              <a:rPr lang="en-US" sz="2800" dirty="0">
+                <a:solidFill>
+                  <a:schemeClr val="tx1"/>
+                </a:solidFill>
+              </a:rPr>
+              <a:t>of theoretical computer science and artificial </a:t>
+            </a:r>
+            <a:r>
+              <a:rPr lang="en-US" sz="2800" dirty="0" smtClean="0">
+                <a:solidFill>
+                  <a:schemeClr val="tx1"/>
+                </a:solidFill>
+              </a:rPr>
+              <a:t>intelligence</a:t>
+            </a:r>
+            <a:endParaRPr lang="en-US" sz="2800" dirty="0">
+              <a:solidFill>
+                <a:schemeClr val="tx1"/>
+              </a:solidFill>
+            </a:endParaRPr>
+          </a:p>
+          <a:p>
+            <a:r>
+              <a:rPr lang="en-US" sz="2800" dirty="0" smtClean="0">
+                <a:solidFill>
+                  <a:schemeClr val="tx1"/>
+                </a:solidFill>
+              </a:rPr>
+              <a:t>Pivotal </a:t>
+            </a:r>
+            <a:r>
+              <a:rPr lang="en-US" sz="2800" dirty="0">
+                <a:solidFill>
+                  <a:schemeClr val="tx1"/>
+                </a:solidFill>
+              </a:rPr>
+              <a:t>role in cracking </a:t>
+            </a:r>
+            <a:r>
+              <a:rPr lang="en-US" sz="2800" dirty="0" smtClean="0">
+                <a:solidFill>
+                  <a:schemeClr val="tx1"/>
+                </a:solidFill>
+              </a:rPr>
+              <a:t>Nazi coded messages</a:t>
+            </a:r>
+            <a:endParaRPr lang="en-US" sz="2800" dirty="0">
+              <a:solidFill>
+                <a:schemeClr val="tx1"/>
+              </a:solidFill>
+            </a:endParaRPr>
+          </a:p>
+          <a:p>
+            <a:pPr marL="0" indent="0">
+              <a:buNone/>
+            </a:pPr>
+            <a:endParaRPr lang="he-IL" dirty="0"/>
+          </a:p>
+        </p:txBody>
+      </p:sp>
+      <p:sp>
+        <p:nvSpPr>
+          <p:cNvPr id="4" name="Slide Number Placeholder 3"/>
+          <p:cNvSpPr>
+            <a:spLocks noGrp="1"/>
+          </p:cNvSpPr>
+          <p:nvPr>
+            <p:ph type="sldNum" sz="quarter" idx="12"/>
+          </p:nvPr>
+        </p:nvSpPr>
+        <p:spPr/>
+        <p:txBody>
+          <a:bodyPr/>
+          <a:lstStyle/>
+          <a:p>
+            <a:pPr>
+              <a:defRPr/>
+            </a:pPr>
+            <a:fld id="{0A8B90AA-821F-4EBE-B194-E684C9B64E0A}" type="slidenum">
+              <a:rPr lang="ar-SA" smtClean="0"/>
+              <a:pPr>
+                <a:defRPr/>
+              </a:pPr>
+              <a:t>6</a:t>
+            </a:fld>
+            <a:endParaRPr lang="en-US"/>
+          </a:p>
+        </p:txBody>
+      </p:sp>
+      <p:pic>
+        <p:nvPicPr>
+          <p:cNvPr id="1029" name="Picture 5" descr="Alan Turing Aged 16.jpg"/>
+          <p:cNvPicPr>
+            <a:picLocks noChangeAspect="1" noChangeArrowheads="1"/>
+          </p:cNvPicPr>
+          <p:nvPr/>
+        </p:nvPicPr>
+        <p:blipFill>
+          <a:blip r:embed="rId2" cstate="print">
+            <a:extLst>
+              <a:ext uri="{28A0092B-C50C-407E-A947-70E740481C1C}">
+                <a14:useLocalDpi xmlns:a14="http://schemas.microsoft.com/office/drawing/2010/main" val="0"/>
+              </a:ext>
+            </a:extLst>
+          </a:blip>
+          <a:srcRect/>
+          <a:stretch>
+            <a:fillRect/>
+          </a:stretch>
+        </p:blipFill>
+        <p:spPr bwMode="auto">
+          <a:xfrm>
+            <a:off x="7077075" y="76200"/>
+            <a:ext cx="1990725" cy="2583120"/>
+          </a:xfrm>
+          <a:prstGeom prst="rect">
+            <a:avLst/>
+          </a:prstGeom>
+          <a:noFill/>
+          <a:extLst>
+            <a:ext uri="{909E8E84-426E-40DD-AFC4-6F175D3DCCD1}">
+              <a14:hiddenFill xmlns:a14="http://schemas.microsoft.com/office/drawing/2010/main">
+                <a:solidFill>
+                  <a:srgbClr val="FFFFFF"/>
+                </a:solidFill>
+              </a14:hiddenFill>
+            </a:ext>
+          </a:extLst>
+        </p:spPr>
+      </p:pic>
+    </p:spTree>
+    <p:extLst>
+      <p:ext uri="{BB962C8B-B14F-4D97-AF65-F5344CB8AC3E}">
+        <p14:creationId xmlns:p14="http://schemas.microsoft.com/office/powerpoint/2010/main" val="3471942682"/>
+      </p:ext>
+    </p:extLst>
+  </p:cSld>
+  <p:clrMapOvr>
+    <a:masterClrMapping/>
+  </p:clrMapOvr>
+</p:sld>
+</file>
+
+<file path=ppt/slides/slide7.xml><?xml version="1.0" encoding="utf-8"?>
+<p:sld xmlns:a="http://schemas.openxmlformats.org/drawingml/2006/main" xmlns:r="http://schemas.openxmlformats.org/officeDocument/2006/relationships" xmlns:p="http://schemas.openxmlformats.org/presentationml/2006/main">
+  <p:cSld>
+    <p:spTree>
+      <p:nvGrpSpPr>
+        <p:cNvPr id="1" name=""/>
+        <p:cNvGrpSpPr/>
+        <p:nvPr/>
+      </p:nvGrpSpPr>
+      <p:grpSpPr>
+        <a:xfrm>
+          <a:off x="0" y="0"/>
+          <a:ext cx="0" cy="0"/>
+          <a:chOff x="0" y="0"/>
+          <a:chExt cx="0" cy="0"/>
+        </a:xfrm>
+      </p:grpSpPr>
+      <p:sp>
+        <p:nvSpPr>
           <p:cNvPr id="7170" name="Slide Number Placeholder 5"/>
           <p:cNvSpPr>
             <a:spLocks noGrp="1"/>
@@ -35551,7 +37199,7 @@
                 <a:cs typeface="Arial" pitchFamily="34" charset="0"/>
               </a:rPr>
               <a:pPr eaLnBrk="1" hangingPunct="1"/>
-              <a:t>6</a:t>
+              <a:t>7</a:t>
             </a:fld>
             <a:endParaRPr lang="en-US" smtClean="0">
               <a:cs typeface="Arial" pitchFamily="34" charset="0"/>
@@ -35761,13 +37409,6 @@
               </a:rPr>
               <a:t> Functions</a:t>
             </a:r>
-            <a:endParaRPr lang="en-US" sz="3200" dirty="0" smtClean="0">
-              <a:solidFill>
-                <a:srgbClr val="003399"/>
-              </a:solidFill>
-              <a:latin typeface="Times New Roman" pitchFamily="18" charset="0"/>
-              <a:cs typeface="Times New Roman" pitchFamily="18" charset="0"/>
-            </a:endParaRPr>
           </a:p>
           <a:p>
             <a:pPr>
@@ -35847,7 +37488,7 @@
 </p:sld>
 </file>
 
-<file path=ppt/slides/slide7.xml><?xml version="1.0" encoding="utf-8"?>
+<file path=ppt/slides/slide8.xml><?xml version="1.0" encoding="utf-8"?>
 <p:sld xmlns:a="http://schemas.openxmlformats.org/drawingml/2006/main" xmlns:r="http://schemas.openxmlformats.org/officeDocument/2006/relationships" xmlns:p="http://schemas.openxmlformats.org/presentationml/2006/main">
   <p:cSld>
     <p:spTree>
@@ -36148,7 +37789,7 @@
 </p:sld>
 </file>
 
-<file path=ppt/slides/slide8.xml><?xml version="1.0" encoding="utf-8"?>
+<file path=ppt/slides/slide9.xml><?xml version="1.0" encoding="utf-8"?>
 <p:sld xmlns:a="http://schemas.openxmlformats.org/drawingml/2006/main" xmlns:r="http://schemas.openxmlformats.org/officeDocument/2006/relationships" xmlns:p="http://schemas.openxmlformats.org/presentationml/2006/main">
   <p:cSld>
     <p:spTree>
@@ -37615,601 +39256,6 @@
           </a:graphicData>
         </a:graphic>
       </p:graphicFrame>
-    </p:spTree>
-  </p:cSld>
-  <p:clrMapOvr>
-    <a:masterClrMapping/>
-  </p:clrMapOvr>
-  <p:timing>
-    <p:tnLst>
-      <p:par>
-        <p:cTn id="1" dur="indefinite" restart="never" nodeType="tmRoot"/>
-      </p:par>
-    </p:tnLst>
-  </p:timing>
-</p:sld>
-</file>
-
-<file path=ppt/slides/slide9.xml><?xml version="1.0" encoding="utf-8"?>
-<p:sld xmlns:a="http://schemas.openxmlformats.org/drawingml/2006/main" xmlns:r="http://schemas.openxmlformats.org/officeDocument/2006/relationships" xmlns:p="http://schemas.openxmlformats.org/presentationml/2006/main">
-  <p:cSld>
-    <p:spTree>
-      <p:nvGrpSpPr>
-        <p:cNvPr id="1" name=""/>
-        <p:cNvGrpSpPr/>
-        <p:nvPr/>
-      </p:nvGrpSpPr>
-      <p:grpSpPr>
-        <a:xfrm>
-          <a:off x="0" y="0"/>
-          <a:ext cx="0" cy="0"/>
-          <a:chOff x="0" y="0"/>
-          <a:chExt cx="0" cy="0"/>
-        </a:xfrm>
-      </p:grpSpPr>
-      <p:sp>
-        <p:nvSpPr>
-          <p:cNvPr id="11266" name="Title 1"/>
-          <p:cNvSpPr>
-            <a:spLocks noGrp="1"/>
-          </p:cNvSpPr>
-          <p:nvPr>
-            <p:ph type="title"/>
-          </p:nvPr>
-        </p:nvSpPr>
-        <p:spPr>
-          <a:xfrm>
-            <a:off x="457200" y="228600"/>
-            <a:ext cx="8229600" cy="1143000"/>
-          </a:xfrm>
-        </p:spPr>
-        <p:txBody>
-          <a:bodyPr/>
-          <a:lstStyle/>
-          <a:p>
-            <a:r>
-              <a:rPr lang="en-US" smtClean="0">
-                <a:latin typeface="Times New Roman" pitchFamily="18" charset="0"/>
-                <a:cs typeface="Times New Roman" pitchFamily="18" charset="0"/>
-              </a:rPr>
-              <a:t>Lists</a:t>
-            </a:r>
-            <a:endParaRPr lang="he-IL" smtClean="0">
-              <a:latin typeface="Times New Roman" pitchFamily="18" charset="0"/>
-              <a:cs typeface="Times New Roman" pitchFamily="18" charset="0"/>
-            </a:endParaRPr>
-          </a:p>
-        </p:txBody>
-      </p:sp>
-      <p:sp>
-        <p:nvSpPr>
-          <p:cNvPr id="3" name="Content Placeholder 2"/>
-          <p:cNvSpPr>
-            <a:spLocks noGrp="1"/>
-          </p:cNvSpPr>
-          <p:nvPr>
-            <p:ph sz="quarter" idx="1"/>
-          </p:nvPr>
-        </p:nvSpPr>
-        <p:spPr>
-          <a:xfrm>
-            <a:off x="468313" y="1219200"/>
-            <a:ext cx="8218487" cy="5486400"/>
-          </a:xfrm>
-        </p:spPr>
-        <p:txBody>
-          <a:bodyPr>
-            <a:normAutofit lnSpcReduction="10000"/>
-          </a:bodyPr>
-          <a:lstStyle/>
-          <a:p>
-            <a:pPr lvl="1">
-              <a:lnSpc>
-                <a:spcPct val="90000"/>
-              </a:lnSpc>
-              <a:buFontTx/>
-              <a:buNone/>
-              <a:defRPr/>
-            </a:pPr>
-            <a:r>
-              <a:rPr lang="en-US" dirty="0" smtClean="0">
-                <a:solidFill>
-                  <a:schemeClr val="tx1"/>
-                </a:solidFill>
-                <a:latin typeface="Arial" pitchFamily="34" charset="0"/>
-                <a:cs typeface="Arial" pitchFamily="34" charset="0"/>
-              </a:rPr>
-              <a:t>Lists can contain strings:</a:t>
-            </a:r>
-          </a:p>
-          <a:p>
-            <a:pPr lvl="1">
-              <a:lnSpc>
-                <a:spcPct val="90000"/>
-              </a:lnSpc>
-              <a:buFontTx/>
-              <a:buNone/>
-              <a:defRPr/>
-            </a:pPr>
-            <a:r>
-              <a:rPr lang="en-US" dirty="0" smtClean="0">
-                <a:solidFill>
-                  <a:schemeClr val="tx1"/>
-                </a:solidFill>
-                <a:latin typeface="Arial" pitchFamily="34" charset="0"/>
-                <a:cs typeface="Arial" pitchFamily="34" charset="0"/>
-              </a:rPr>
-              <a:t>&gt;&gt;&gt; days = [</a:t>
-            </a:r>
-            <a:r>
-              <a:rPr lang="en-US" dirty="0" smtClean="0">
-                <a:solidFill>
-                  <a:srgbClr val="009900"/>
-                </a:solidFill>
-                <a:latin typeface="Arial" pitchFamily="34" charset="0"/>
-                <a:cs typeface="Arial" pitchFamily="34" charset="0"/>
-              </a:rPr>
-              <a:t>“Sunday”</a:t>
-            </a:r>
-            <a:r>
-              <a:rPr lang="en-US" dirty="0" smtClean="0">
-                <a:solidFill>
-                  <a:schemeClr val="tx1"/>
-                </a:solidFill>
-                <a:latin typeface="Arial" pitchFamily="34" charset="0"/>
-                <a:cs typeface="Arial" pitchFamily="34" charset="0"/>
-              </a:rPr>
-              <a:t>,</a:t>
-            </a:r>
-            <a:r>
-              <a:rPr lang="en-US" dirty="0" smtClean="0">
-                <a:solidFill>
-                  <a:srgbClr val="009900"/>
-                </a:solidFill>
-                <a:latin typeface="Arial" pitchFamily="34" charset="0"/>
-                <a:cs typeface="Arial" pitchFamily="34" charset="0"/>
-              </a:rPr>
-              <a:t> “Monday"</a:t>
-            </a:r>
-            <a:r>
-              <a:rPr lang="en-US" dirty="0" smtClean="0">
-                <a:solidFill>
-                  <a:schemeClr val="tx1"/>
-                </a:solidFill>
-                <a:latin typeface="Arial" pitchFamily="34" charset="0"/>
-                <a:cs typeface="Arial" pitchFamily="34" charset="0"/>
-              </a:rPr>
-              <a:t>,</a:t>
-            </a:r>
-            <a:r>
-              <a:rPr lang="en-US" dirty="0" smtClean="0">
-                <a:solidFill>
-                  <a:srgbClr val="009900"/>
-                </a:solidFill>
-                <a:latin typeface="Arial" pitchFamily="34" charset="0"/>
-                <a:cs typeface="Arial" pitchFamily="34" charset="0"/>
-              </a:rPr>
-              <a:t> "Tuesday”</a:t>
-            </a:r>
-            <a:r>
-              <a:rPr lang="en-US" dirty="0" smtClean="0">
-                <a:solidFill>
-                  <a:schemeClr val="tx1"/>
-                </a:solidFill>
-                <a:latin typeface="Arial" pitchFamily="34" charset="0"/>
-                <a:cs typeface="Arial" pitchFamily="34" charset="0"/>
-              </a:rPr>
-              <a:t>,</a:t>
-            </a:r>
-            <a:r>
-              <a:rPr lang="en-US" dirty="0" smtClean="0">
-                <a:solidFill>
-                  <a:srgbClr val="009900"/>
-                </a:solidFill>
-                <a:latin typeface="Arial" pitchFamily="34" charset="0"/>
-                <a:cs typeface="Arial" pitchFamily="34" charset="0"/>
-              </a:rPr>
-              <a:t> “Wednesday”</a:t>
-            </a:r>
-            <a:r>
-              <a:rPr lang="en-US" dirty="0" smtClean="0">
-                <a:solidFill>
-                  <a:schemeClr val="tx1"/>
-                </a:solidFill>
-                <a:latin typeface="Arial" pitchFamily="34" charset="0"/>
-                <a:cs typeface="Arial" pitchFamily="34" charset="0"/>
-              </a:rPr>
-              <a:t>,</a:t>
-            </a:r>
-            <a:r>
-              <a:rPr lang="en-US" dirty="0" smtClean="0">
-                <a:solidFill>
-                  <a:srgbClr val="009900"/>
-                </a:solidFill>
-                <a:latin typeface="Arial" pitchFamily="34" charset="0"/>
-                <a:cs typeface="Arial" pitchFamily="34" charset="0"/>
-              </a:rPr>
-              <a:t> “Thursday”</a:t>
-            </a:r>
-            <a:r>
-              <a:rPr lang="en-US" dirty="0" smtClean="0">
-                <a:solidFill>
-                  <a:schemeClr val="tx1"/>
-                </a:solidFill>
-                <a:latin typeface="Arial" pitchFamily="34" charset="0"/>
-                <a:cs typeface="Arial" pitchFamily="34" charset="0"/>
-              </a:rPr>
-              <a:t>,</a:t>
-            </a:r>
-            <a:r>
-              <a:rPr lang="en-US" dirty="0" smtClean="0">
-                <a:solidFill>
-                  <a:srgbClr val="009900"/>
-                </a:solidFill>
-                <a:latin typeface="Arial" pitchFamily="34" charset="0"/>
-                <a:cs typeface="Arial" pitchFamily="34" charset="0"/>
-              </a:rPr>
-              <a:t> “Friday”</a:t>
-            </a:r>
-            <a:r>
-              <a:rPr lang="en-US" dirty="0" smtClean="0">
-                <a:solidFill>
-                  <a:schemeClr val="tx1"/>
-                </a:solidFill>
-                <a:latin typeface="Arial" pitchFamily="34" charset="0"/>
-                <a:cs typeface="Arial" pitchFamily="34" charset="0"/>
-              </a:rPr>
-              <a:t>,</a:t>
-            </a:r>
-            <a:r>
-              <a:rPr lang="en-US" dirty="0" smtClean="0">
-                <a:solidFill>
-                  <a:srgbClr val="009900"/>
-                </a:solidFill>
-                <a:latin typeface="Arial" pitchFamily="34" charset="0"/>
-                <a:cs typeface="Arial" pitchFamily="34" charset="0"/>
-              </a:rPr>
-              <a:t> “Saturday”</a:t>
-            </a:r>
-            <a:r>
-              <a:rPr lang="en-US" dirty="0" smtClean="0">
-                <a:solidFill>
-                  <a:schemeClr val="tx1"/>
-                </a:solidFill>
-                <a:latin typeface="Arial" pitchFamily="34" charset="0"/>
-                <a:cs typeface="Arial" pitchFamily="34" charset="0"/>
-              </a:rPr>
-              <a:t>]</a:t>
-            </a:r>
-          </a:p>
-          <a:p>
-            <a:pPr lvl="1">
-              <a:lnSpc>
-                <a:spcPct val="90000"/>
-              </a:lnSpc>
-              <a:buFontTx/>
-              <a:buNone/>
-              <a:defRPr/>
-            </a:pPr>
-            <a:r>
-              <a:rPr lang="en-US" dirty="0" smtClean="0">
-                <a:solidFill>
-                  <a:schemeClr val="tx1"/>
-                </a:solidFill>
-                <a:latin typeface="Arial" pitchFamily="34" charset="0"/>
-                <a:cs typeface="Arial" pitchFamily="34" charset="0"/>
-              </a:rPr>
-              <a:t>&gt;&gt;&gt; days[3] </a:t>
-            </a:r>
-          </a:p>
-          <a:p>
-            <a:pPr lvl="1">
-              <a:lnSpc>
-                <a:spcPct val="90000"/>
-              </a:lnSpc>
-              <a:buFontTx/>
-              <a:buNone/>
-              <a:defRPr/>
-            </a:pPr>
-            <a:r>
-              <a:rPr lang="en-US" dirty="0" smtClean="0">
-                <a:solidFill>
-                  <a:schemeClr val="accent2"/>
-                </a:solidFill>
-                <a:latin typeface="Arial" pitchFamily="34" charset="0"/>
-                <a:cs typeface="Arial" pitchFamily="34" charset="0"/>
-              </a:rPr>
-              <a:t>‘Wednesday’</a:t>
-            </a:r>
-          </a:p>
-          <a:p>
-            <a:pPr lvl="1">
-              <a:lnSpc>
-                <a:spcPct val="90000"/>
-              </a:lnSpc>
-              <a:buFontTx/>
-              <a:buNone/>
-              <a:defRPr/>
-            </a:pPr>
-            <a:r>
-              <a:rPr lang="en-US" dirty="0" smtClean="0">
-                <a:solidFill>
-                  <a:schemeClr val="tx1"/>
-                </a:solidFill>
-                <a:latin typeface="Arial" pitchFamily="34" charset="0"/>
-                <a:cs typeface="Arial" pitchFamily="34" charset="0"/>
-              </a:rPr>
-              <a:t>&gt;&gt;&gt; </a:t>
-            </a:r>
-            <a:r>
-              <a:rPr lang="en-US" dirty="0" err="1" smtClean="0">
-                <a:solidFill>
-                  <a:schemeClr val="tx1"/>
-                </a:solidFill>
-                <a:latin typeface="Arial" pitchFamily="34" charset="0"/>
-                <a:cs typeface="Arial" pitchFamily="34" charset="0"/>
-              </a:rPr>
-              <a:t>len</a:t>
-            </a:r>
-            <a:r>
-              <a:rPr lang="en-US" dirty="0" smtClean="0">
-                <a:solidFill>
-                  <a:schemeClr val="tx1"/>
-                </a:solidFill>
-                <a:latin typeface="Arial" pitchFamily="34" charset="0"/>
-                <a:cs typeface="Arial" pitchFamily="34" charset="0"/>
-              </a:rPr>
-              <a:t>(days) </a:t>
-            </a:r>
-          </a:p>
-          <a:p>
-            <a:pPr lvl="1">
-              <a:lnSpc>
-                <a:spcPct val="90000"/>
-              </a:lnSpc>
-              <a:buFontTx/>
-              <a:buNone/>
-              <a:defRPr/>
-            </a:pPr>
-            <a:r>
-              <a:rPr lang="en-US" dirty="0" smtClean="0">
-                <a:solidFill>
-                  <a:schemeClr val="accent2"/>
-                </a:solidFill>
-                <a:latin typeface="Arial" pitchFamily="34" charset="0"/>
-                <a:cs typeface="Arial" pitchFamily="34" charset="0"/>
-              </a:rPr>
-              <a:t>7</a:t>
-            </a:r>
-          </a:p>
-          <a:p>
-            <a:pPr lvl="1">
-              <a:lnSpc>
-                <a:spcPct val="90000"/>
-              </a:lnSpc>
-              <a:buFontTx/>
-              <a:buNone/>
-              <a:defRPr/>
-            </a:pPr>
-            <a:endParaRPr lang="en-US" dirty="0" smtClean="0">
-              <a:solidFill>
-                <a:schemeClr val="accent2"/>
-              </a:solidFill>
-              <a:latin typeface="Arial" pitchFamily="34" charset="0"/>
-              <a:cs typeface="Arial" pitchFamily="34" charset="0"/>
-            </a:endParaRPr>
-          </a:p>
-          <a:p>
-            <a:pPr lvl="1">
-              <a:lnSpc>
-                <a:spcPct val="90000"/>
-              </a:lnSpc>
-              <a:buFontTx/>
-              <a:buNone/>
-              <a:defRPr/>
-            </a:pPr>
-            <a:r>
-              <a:rPr lang="en-US" dirty="0" smtClean="0">
-                <a:solidFill>
-                  <a:schemeClr val="tx1"/>
-                </a:solidFill>
-                <a:latin typeface="Arial" pitchFamily="34" charset="0"/>
-                <a:cs typeface="Arial" pitchFamily="34" charset="0"/>
-              </a:rPr>
-              <a:t>Lists can mix variables of different types:</a:t>
-            </a:r>
-          </a:p>
-          <a:p>
-            <a:pPr lvl="1">
-              <a:lnSpc>
-                <a:spcPct val="90000"/>
-              </a:lnSpc>
-              <a:buFontTx/>
-              <a:buNone/>
-              <a:defRPr/>
-            </a:pPr>
-            <a:r>
-              <a:rPr lang="en-US" dirty="0" smtClean="0">
-                <a:solidFill>
-                  <a:schemeClr val="tx1"/>
-                </a:solidFill>
-                <a:latin typeface="Arial" pitchFamily="34" charset="0"/>
-                <a:cs typeface="Arial" pitchFamily="34" charset="0"/>
-              </a:rPr>
-              <a:t>&gt;&gt;&gt; pi = [</a:t>
-            </a:r>
-            <a:r>
-              <a:rPr lang="en-US" dirty="0" smtClean="0">
-                <a:solidFill>
-                  <a:srgbClr val="009900"/>
-                </a:solidFill>
-                <a:latin typeface="Arial" pitchFamily="34" charset="0"/>
-                <a:cs typeface="Arial" pitchFamily="34" charset="0"/>
-              </a:rPr>
-              <a:t>‘pi’</a:t>
-            </a:r>
-            <a:r>
-              <a:rPr lang="en-US" dirty="0" smtClean="0">
-                <a:solidFill>
-                  <a:schemeClr val="tx1"/>
-                </a:solidFill>
-                <a:latin typeface="Arial" pitchFamily="34" charset="0"/>
-                <a:cs typeface="Arial" pitchFamily="34" charset="0"/>
-              </a:rPr>
-              <a:t>, 3.14159, </a:t>
-            </a:r>
-            <a:r>
-              <a:rPr lang="en-US" dirty="0" smtClean="0">
-                <a:solidFill>
-                  <a:schemeClr val="accent2"/>
-                </a:solidFill>
-                <a:latin typeface="Arial" pitchFamily="34" charset="0"/>
-                <a:cs typeface="Arial" pitchFamily="34" charset="0"/>
-              </a:rPr>
-              <a:t>True</a:t>
-            </a:r>
-            <a:r>
-              <a:rPr lang="en-US" dirty="0" smtClean="0">
-                <a:solidFill>
-                  <a:schemeClr val="tx1"/>
-                </a:solidFill>
-                <a:latin typeface="Arial" pitchFamily="34" charset="0"/>
-                <a:cs typeface="Arial" pitchFamily="34" charset="0"/>
-              </a:rPr>
-              <a:t>]</a:t>
-            </a:r>
-          </a:p>
-          <a:p>
-            <a:pPr lvl="1">
-              <a:lnSpc>
-                <a:spcPct val="90000"/>
-              </a:lnSpc>
-              <a:buFontTx/>
-              <a:buNone/>
-              <a:defRPr/>
-            </a:pPr>
-            <a:r>
-              <a:rPr lang="en-US" dirty="0" smtClean="0">
-                <a:solidFill>
-                  <a:srgbClr val="CC0000"/>
-                </a:solidFill>
-                <a:latin typeface="Arial" pitchFamily="34" charset="0"/>
-                <a:cs typeface="Arial" pitchFamily="34" charset="0"/>
-              </a:rPr>
-              <a:t># student: name, age, height, SAT</a:t>
-            </a:r>
-          </a:p>
-          <a:p>
-            <a:pPr lvl="1">
-              <a:lnSpc>
-                <a:spcPct val="90000"/>
-              </a:lnSpc>
-              <a:buFontTx/>
-              <a:buNone/>
-              <a:defRPr/>
-            </a:pPr>
-            <a:r>
-              <a:rPr lang="en-US" dirty="0" smtClean="0">
-                <a:solidFill>
-                  <a:schemeClr val="tx1"/>
-                </a:solidFill>
-                <a:latin typeface="Arial" pitchFamily="34" charset="0"/>
-                <a:cs typeface="Arial" pitchFamily="34" charset="0"/>
-              </a:rPr>
-              <a:t>&gt;&gt;&gt; student = [</a:t>
-            </a:r>
-            <a:r>
-              <a:rPr lang="en-US" dirty="0" smtClean="0">
-                <a:solidFill>
-                  <a:srgbClr val="009900"/>
-                </a:solidFill>
-                <a:latin typeface="Arial" pitchFamily="34" charset="0"/>
-                <a:cs typeface="Arial" pitchFamily="34" charset="0"/>
-              </a:rPr>
-              <a:t>‘</a:t>
-            </a:r>
-            <a:r>
-              <a:rPr lang="en-US" dirty="0" err="1" smtClean="0">
-                <a:solidFill>
-                  <a:srgbClr val="009900"/>
-                </a:solidFill>
-                <a:latin typeface="Arial" pitchFamily="34" charset="0"/>
-                <a:cs typeface="Arial" pitchFamily="34" charset="0"/>
-              </a:rPr>
-              <a:t>Roi</a:t>
-            </a:r>
-            <a:r>
-              <a:rPr lang="en-US" dirty="0" smtClean="0">
-                <a:solidFill>
-                  <a:srgbClr val="009900"/>
-                </a:solidFill>
-                <a:latin typeface="Arial" pitchFamily="34" charset="0"/>
-                <a:cs typeface="Arial" pitchFamily="34" charset="0"/>
-              </a:rPr>
-              <a:t>’</a:t>
-            </a:r>
-            <a:r>
-              <a:rPr lang="en-US" dirty="0" smtClean="0">
-                <a:solidFill>
-                  <a:schemeClr val="tx1"/>
-                </a:solidFill>
-                <a:latin typeface="Arial" pitchFamily="34" charset="0"/>
-                <a:cs typeface="Arial" pitchFamily="34" charset="0"/>
-              </a:rPr>
-              <a:t>, 21, 1.83, 782]</a:t>
-            </a:r>
-          </a:p>
-          <a:p>
-            <a:pPr lvl="1">
-              <a:lnSpc>
-                <a:spcPct val="90000"/>
-              </a:lnSpc>
-              <a:buFontTx/>
-              <a:buNone/>
-              <a:defRPr/>
-            </a:pPr>
-            <a:endParaRPr lang="en-US" dirty="0" smtClean="0">
-              <a:solidFill>
-                <a:schemeClr val="accent2"/>
-              </a:solidFill>
-              <a:latin typeface="Arial" pitchFamily="34" charset="0"/>
-              <a:cs typeface="Arial" pitchFamily="34" charset="0"/>
-            </a:endParaRPr>
-          </a:p>
-          <a:p>
-            <a:pPr lvl="1">
-              <a:lnSpc>
-                <a:spcPct val="90000"/>
-              </a:lnSpc>
-              <a:buFontTx/>
-              <a:buNone/>
-              <a:defRPr/>
-            </a:pPr>
-            <a:endParaRPr lang="en-US" dirty="0" smtClean="0">
-              <a:solidFill>
-                <a:schemeClr val="tx1"/>
-              </a:solidFill>
-              <a:latin typeface="Arial" pitchFamily="34" charset="0"/>
-              <a:cs typeface="Arial" pitchFamily="34" charset="0"/>
-            </a:endParaRPr>
-          </a:p>
-          <a:p>
-            <a:pPr lvl="1">
-              <a:lnSpc>
-                <a:spcPct val="90000"/>
-              </a:lnSpc>
-              <a:buFontTx/>
-              <a:buNone/>
-              <a:defRPr/>
-            </a:pPr>
-            <a:endParaRPr lang="en-US" dirty="0" smtClean="0">
-              <a:solidFill>
-                <a:schemeClr val="tx1"/>
-              </a:solidFill>
-            </a:endParaRPr>
-          </a:p>
-        </p:txBody>
-      </p:sp>
     </p:spTree>
   </p:cSld>
   <p:clrMapOvr>
